--- a/370.pptx
+++ b/370.pptx
@@ -31,8 +31,8 @@
     <p:sldId id="348" r:id="rId22"/>
     <p:sldId id="349" r:id="rId23"/>
     <p:sldId id="351" r:id="rId24"/>
-    <p:sldId id="350" r:id="rId25"/>
-    <p:sldId id="333" r:id="rId26"/>
+    <p:sldId id="333" r:id="rId25"/>
+    <p:sldId id="352" r:id="rId26"/>
     <p:sldId id="328" r:id="rId27"/>
   </p:sldIdLst>
   <p:sldSz cx="9144000" cy="6858000" type="screen4x3"/>
@@ -744,7 +744,7 @@
               <a:buChar char="-"/>
             </a:pPr>
             <a:r>
-              <a:rPr lang="en-US" b="1" dirty="0" smtClean="0">
+              <a:rPr lang="en-US" b="0" dirty="0" smtClean="0">
                 <a:solidFill>
                   <a:srgbClr val="000000"/>
                 </a:solidFill>
@@ -756,7 +756,7 @@
               <a:t>the</a:t>
             </a:r>
             <a:r>
-              <a:rPr lang="en-US" b="1" baseline="0" dirty="0" smtClean="0">
+              <a:rPr lang="en-US" b="0" baseline="0" dirty="0" smtClean="0">
                 <a:solidFill>
                   <a:srgbClr val="000000"/>
                 </a:solidFill>
@@ -768,7 +768,7 @@
               <a:t> object model is slightly different between iOS and Android.  in iOS, the top level module (i.e. </a:t>
             </a:r>
             <a:r>
-              <a:rPr lang="en-US" b="1" baseline="0" dirty="0" err="1" smtClean="0">
+              <a:rPr lang="en-US" b="0" baseline="0" dirty="0" err="1" smtClean="0">
                 <a:solidFill>
                   <a:srgbClr val="000000"/>
                 </a:solidFill>
@@ -780,7 +780,7 @@
               <a:t>Ti.MyModule</a:t>
             </a:r>
             <a:r>
-              <a:rPr lang="en-US" b="1" baseline="0" dirty="0" smtClean="0">
+              <a:rPr lang="en-US" b="0" baseline="0" dirty="0" smtClean="0">
                 <a:solidFill>
                   <a:srgbClr val="000000"/>
                 </a:solidFill>
@@ -798,7 +798,7 @@
               <a:buChar char="-"/>
             </a:pPr>
             <a:r>
-              <a:rPr lang="en-US" b="1" baseline="0" dirty="0" smtClean="0">
+              <a:rPr lang="en-US" b="0" baseline="0" dirty="0" smtClean="0">
                 <a:solidFill>
                   <a:srgbClr val="000000"/>
                 </a:solidFill>
@@ -816,7 +816,7 @@
               <a:buChar char="-"/>
             </a:pPr>
             <a:r>
-              <a:rPr lang="en-US" b="1" baseline="0" dirty="0" smtClean="0">
+              <a:rPr lang="en-US" b="0" baseline="0" dirty="0" smtClean="0">
                 <a:solidFill>
                   <a:srgbClr val="000000"/>
                 </a:solidFill>
@@ -833,7 +833,7 @@
               <a:buFontTx/>
               <a:buChar char="-"/>
             </a:pPr>
-            <a:endParaRPr lang="en-US" b="1" baseline="0" dirty="0" smtClean="0">
+            <a:endParaRPr lang="en-US" b="0" baseline="0" dirty="0" smtClean="0">
               <a:solidFill>
                 <a:srgbClr val="000000"/>
               </a:solidFill>
@@ -848,7 +848,19 @@
               <a:buFontTx/>
               <a:buChar char="-"/>
             </a:pPr>
-            <a:endParaRPr lang="en-US" b="1" dirty="0">
+            <a:r>
+              <a:rPr lang="en-US" b="0" dirty="0" smtClean="0">
+                <a:solidFill>
+                  <a:srgbClr val="000000"/>
+                </a:solidFill>
+                <a:latin typeface="Lucida Grande" charset="0"/>
+                <a:ea typeface="ＭＳ Ｐゴシック" charset="0"/>
+                <a:cs typeface="Lucida Grande" charset="0"/>
+                <a:sym typeface="Lucida Grande" charset="0"/>
+              </a:rPr>
+              <a:t>View proxy is a sub class of proxy</a:t>
+            </a:r>
+            <a:endParaRPr lang="en-US" b="0" dirty="0">
               <a:solidFill>
                 <a:srgbClr val="000000"/>
               </a:solidFill>
@@ -943,7 +955,7 @@
               <a:buFontTx/>
               <a:buChar char="-"/>
             </a:pPr>
-            <a:endParaRPr lang="en-US" b="1" dirty="0">
+            <a:endParaRPr lang="en-US" b="0" dirty="0">
               <a:solidFill>
                 <a:srgbClr val="000000"/>
               </a:solidFill>
@@ -1034,11 +1046,59 @@
           <a:bodyPr/>
           <a:lstStyle/>
           <a:p>
-            <a:pPr marL="250825" indent="-171450" eaLnBrk="1" hangingPunct="1">
+            <a:pPr marL="79375" indent="0" eaLnBrk="1" hangingPunct="1">
               <a:buFontTx/>
-              <a:buChar char="-"/>
+              <a:buNone/>
             </a:pPr>
-            <a:endParaRPr lang="en-US" b="1" dirty="0">
+            <a:r>
+              <a:rPr lang="en-US" b="0" dirty="0" smtClean="0">
+                <a:solidFill>
+                  <a:srgbClr val="000000"/>
+                </a:solidFill>
+                <a:latin typeface="Lucida Grande" charset="0"/>
+                <a:ea typeface="ＭＳ Ｐゴシック" charset="0"/>
+                <a:cs typeface="Lucida Grande" charset="0"/>
+                <a:sym typeface="Lucida Grande" charset="0"/>
+              </a:rPr>
+              <a:t>Here’s how you’d create a property on an </a:t>
+            </a:r>
+            <a:r>
+              <a:rPr lang="en-US" b="0" dirty="0" err="1" smtClean="0">
+                <a:solidFill>
+                  <a:srgbClr val="000000"/>
+                </a:solidFill>
+                <a:latin typeface="Lucida Grande" charset="0"/>
+                <a:ea typeface="ＭＳ Ｐゴシック" charset="0"/>
+                <a:cs typeface="Lucida Grande" charset="0"/>
+                <a:sym typeface="Lucida Grande" charset="0"/>
+              </a:rPr>
+              <a:t>iOS</a:t>
+            </a:r>
+            <a:r>
+              <a:rPr lang="en-US" b="0" dirty="0" smtClean="0">
+                <a:solidFill>
+                  <a:srgbClr val="000000"/>
+                </a:solidFill>
+                <a:latin typeface="Lucida Grande" charset="0"/>
+                <a:ea typeface="ＭＳ Ｐゴシック" charset="0"/>
+                <a:cs typeface="Lucida Grande" charset="0"/>
+                <a:sym typeface="Lucida Grande" charset="0"/>
+              </a:rPr>
+              <a:t> proxy</a:t>
+            </a:r>
+            <a:r>
+              <a:rPr lang="en-US" b="0" baseline="0" dirty="0" smtClean="0">
+                <a:solidFill>
+                  <a:srgbClr val="000000"/>
+                </a:solidFill>
+                <a:latin typeface="Lucida Grande" charset="0"/>
+                <a:ea typeface="ＭＳ Ｐゴシック" charset="0"/>
+                <a:cs typeface="Lucida Grande" charset="0"/>
+                <a:sym typeface="Lucida Grande" charset="0"/>
+              </a:rPr>
+              <a:t> object</a:t>
+            </a:r>
+            <a:endParaRPr lang="en-US" b="0" dirty="0">
               <a:solidFill>
                 <a:srgbClr val="000000"/>
               </a:solidFill>
@@ -1129,11 +1189,35 @@
           <a:bodyPr/>
           <a:lstStyle/>
           <a:p>
-            <a:pPr marL="250825" indent="-171450" eaLnBrk="1" hangingPunct="1">
+            <a:pPr marL="79375" indent="0" eaLnBrk="1" hangingPunct="1">
               <a:buFontTx/>
-              <a:buChar char="-"/>
+              <a:buNone/>
             </a:pPr>
-            <a:endParaRPr lang="en-US" b="1" dirty="0">
+            <a:r>
+              <a:rPr lang="en-US" b="0" dirty="0" smtClean="0">
+                <a:solidFill>
+                  <a:srgbClr val="000000"/>
+                </a:solidFill>
+                <a:latin typeface="Lucida Grande" charset="0"/>
+                <a:ea typeface="ＭＳ Ｐゴシック" charset="0"/>
+                <a:cs typeface="Lucida Grande" charset="0"/>
+                <a:sym typeface="Lucida Grande" charset="0"/>
+              </a:rPr>
+              <a:t>Must explicitly declare property</a:t>
+            </a:r>
+            <a:r>
+              <a:rPr lang="en-US" b="0" baseline="0" dirty="0" smtClean="0">
+                <a:solidFill>
+                  <a:srgbClr val="000000"/>
+                </a:solidFill>
+                <a:latin typeface="Lucida Grande" charset="0"/>
+                <a:ea typeface="ＭＳ Ｐゴシック" charset="0"/>
+                <a:cs typeface="Lucida Grande" charset="0"/>
+                <a:sym typeface="Lucida Grande" charset="0"/>
+              </a:rPr>
+              <a:t> as public for it to be visible in JavaScript land</a:t>
+            </a:r>
+            <a:endParaRPr lang="en-US" b="0" dirty="0">
               <a:solidFill>
                 <a:srgbClr val="000000"/>
               </a:solidFill>
@@ -1224,11 +1308,71 @@
           <a:bodyPr/>
           <a:lstStyle/>
           <a:p>
-            <a:pPr marL="250825" indent="-171450" eaLnBrk="1" hangingPunct="1">
+            <a:pPr marL="79375" indent="0" eaLnBrk="1" hangingPunct="1">
               <a:buFontTx/>
-              <a:buChar char="-"/>
+              <a:buNone/>
             </a:pPr>
-            <a:endParaRPr lang="en-US" b="1" dirty="0">
+            <a:r>
+              <a:rPr lang="en-US" b="0" dirty="0" smtClean="0">
+                <a:solidFill>
+                  <a:srgbClr val="000000"/>
+                </a:solidFill>
+                <a:latin typeface="Lucida Grande" charset="0"/>
+                <a:ea typeface="ＭＳ Ｐゴシック" charset="0"/>
+                <a:cs typeface="Lucida Grande" charset="0"/>
+                <a:sym typeface="Lucida Grande" charset="0"/>
+              </a:rPr>
+              <a:t>One or more arguments passed in are all accessible via the single </a:t>
+            </a:r>
+            <a:r>
+              <a:rPr lang="en-US" b="0" dirty="0" err="1" smtClean="0">
+                <a:solidFill>
+                  <a:srgbClr val="000000"/>
+                </a:solidFill>
+                <a:latin typeface="Lucida Grande" charset="0"/>
+                <a:ea typeface="ＭＳ Ｐゴシック" charset="0"/>
+                <a:cs typeface="Lucida Grande" charset="0"/>
+                <a:sym typeface="Lucida Grande" charset="0"/>
+              </a:rPr>
+              <a:t>NSArray</a:t>
+            </a:r>
+            <a:r>
+              <a:rPr lang="en-US" b="0" dirty="0" smtClean="0">
+                <a:solidFill>
+                  <a:srgbClr val="000000"/>
+                </a:solidFill>
+                <a:latin typeface="Lucida Grande" charset="0"/>
+                <a:ea typeface="ＭＳ Ｐゴシック" charset="0"/>
+                <a:cs typeface="Lucida Grande" charset="0"/>
+                <a:sym typeface="Lucida Grande" charset="0"/>
+              </a:rPr>
+              <a:t> </a:t>
+            </a:r>
+            <a:r>
+              <a:rPr lang="en-US" b="0" dirty="0" err="1" smtClean="0">
+                <a:solidFill>
+                  <a:srgbClr val="000000"/>
+                </a:solidFill>
+                <a:latin typeface="Lucida Grande" charset="0"/>
+                <a:ea typeface="ＭＳ Ｐゴシック" charset="0"/>
+                <a:cs typeface="Lucida Grande" charset="0"/>
+                <a:sym typeface="Lucida Grande" charset="0"/>
+              </a:rPr>
+              <a:t>args</a:t>
+            </a:r>
+            <a:r>
+              <a:rPr lang="en-US" b="0" dirty="0" smtClean="0">
+                <a:solidFill>
+                  <a:srgbClr val="000000"/>
+                </a:solidFill>
+                <a:latin typeface="Lucida Grande" charset="0"/>
+                <a:ea typeface="ＭＳ Ｐゴシック" charset="0"/>
+                <a:cs typeface="Lucida Grande" charset="0"/>
+                <a:sym typeface="Lucida Grande" charset="0"/>
+              </a:rPr>
+              <a:t> array</a:t>
+            </a:r>
+            <a:endParaRPr lang="en-US" b="0" dirty="0">
               <a:solidFill>
                 <a:srgbClr val="000000"/>
               </a:solidFill>
@@ -1319,11 +1463,11 @@
           <a:bodyPr/>
           <a:lstStyle/>
           <a:p>
-            <a:pPr marL="250825" indent="-171450" eaLnBrk="1" hangingPunct="1">
+            <a:pPr marL="79375" indent="0" eaLnBrk="1" hangingPunct="1">
               <a:buFontTx/>
-              <a:buChar char="-"/>
+              <a:buNone/>
             </a:pPr>
-            <a:endParaRPr lang="en-US" b="1" dirty="0">
+            <a:endParaRPr lang="en-US" b="0" dirty="0">
               <a:solidFill>
                 <a:srgbClr val="000000"/>
               </a:solidFill>
@@ -1414,11 +1558,11 @@
           <a:bodyPr/>
           <a:lstStyle/>
           <a:p>
-            <a:pPr marL="250825" indent="-171450" eaLnBrk="1" hangingPunct="1">
+            <a:pPr marL="79375" indent="0" eaLnBrk="1" hangingPunct="1">
               <a:buFontTx/>
-              <a:buChar char="-"/>
+              <a:buNone/>
             </a:pPr>
-            <a:endParaRPr lang="en-US" b="1" dirty="0">
+            <a:endParaRPr lang="en-US" b="0" dirty="0">
               <a:solidFill>
                 <a:srgbClr val="000000"/>
               </a:solidFill>
@@ -1509,11 +1653,11 @@
           <a:bodyPr/>
           <a:lstStyle/>
           <a:p>
-            <a:pPr marL="250825" indent="-171450" eaLnBrk="1" hangingPunct="1">
+            <a:pPr marL="79375" indent="0" eaLnBrk="1" hangingPunct="1">
               <a:buFontTx/>
-              <a:buChar char="-"/>
+              <a:buNone/>
             </a:pPr>
-            <a:endParaRPr lang="en-US" b="1" dirty="0">
+            <a:endParaRPr lang="en-US" b="0" dirty="0">
               <a:solidFill>
                 <a:srgbClr val="000000"/>
               </a:solidFill>
@@ -1604,11 +1748,47 @@
           <a:bodyPr/>
           <a:lstStyle/>
           <a:p>
-            <a:pPr marL="250825" indent="-171450" eaLnBrk="1" hangingPunct="1">
+            <a:pPr marL="79375" indent="0" eaLnBrk="1" hangingPunct="1">
               <a:buFontTx/>
-              <a:buChar char="-"/>
+              <a:buNone/>
             </a:pPr>
-            <a:endParaRPr lang="en-US" b="1" dirty="0">
+            <a:r>
+              <a:rPr lang="en-US" b="0" dirty="0" smtClean="0">
+                <a:solidFill>
+                  <a:srgbClr val="000000"/>
+                </a:solidFill>
+                <a:latin typeface="Lucida Grande" charset="0"/>
+                <a:ea typeface="ＭＳ Ｐゴシック" charset="0"/>
+                <a:cs typeface="Lucida Grande" charset="0"/>
+                <a:sym typeface="Lucida Grande" charset="0"/>
+              </a:rPr>
+              <a:t>This JS </a:t>
+            </a:r>
+            <a:r>
+              <a:rPr lang="en-US" b="0" dirty="0" err="1" smtClean="0">
+                <a:solidFill>
+                  <a:srgbClr val="000000"/>
+                </a:solidFill>
+                <a:latin typeface="Lucida Grande" charset="0"/>
+                <a:ea typeface="ＭＳ Ｐゴシック" charset="0"/>
+                <a:cs typeface="Lucida Grande" charset="0"/>
+                <a:sym typeface="Lucida Grande" charset="0"/>
+              </a:rPr>
+              <a:t>api</a:t>
+            </a:r>
+            <a:r>
+              <a:rPr lang="en-US" b="0" dirty="0" smtClean="0">
+                <a:solidFill>
+                  <a:srgbClr val="000000"/>
+                </a:solidFill>
+                <a:latin typeface="Lucida Grande" charset="0"/>
+                <a:ea typeface="ＭＳ Ｐゴシック" charset="0"/>
+                <a:cs typeface="Lucida Grande" charset="0"/>
+                <a:sym typeface="Lucida Grande" charset="0"/>
+              </a:rPr>
+              <a:t> is what corresponds to the native code on the two preceding slides</a:t>
+            </a:r>
+            <a:endParaRPr lang="en-US" b="0" dirty="0">
               <a:solidFill>
                 <a:srgbClr val="000000"/>
               </a:solidFill>
@@ -1699,11 +1879,11 @@
           <a:bodyPr/>
           <a:lstStyle/>
           <a:p>
-            <a:pPr marL="250825" indent="-171450" eaLnBrk="1" hangingPunct="1">
+            <a:pPr marL="79375" indent="0" eaLnBrk="1" hangingPunct="1">
               <a:buFontTx/>
-              <a:buChar char="-"/>
+              <a:buNone/>
             </a:pPr>
-            <a:endParaRPr lang="en-US" b="1" dirty="0">
+            <a:endParaRPr lang="en-US" b="0" dirty="0">
               <a:solidFill>
                 <a:srgbClr val="000000"/>
               </a:solidFill>
@@ -2156,11 +2336,11 @@
           <a:bodyPr/>
           <a:lstStyle/>
           <a:p>
-            <a:pPr marL="250825" indent="-171450" eaLnBrk="1" hangingPunct="1">
+            <a:pPr marL="79375" indent="0" eaLnBrk="1" hangingPunct="1">
               <a:buFontTx/>
-              <a:buChar char="-"/>
+              <a:buNone/>
             </a:pPr>
-            <a:endParaRPr lang="en-US" b="1" dirty="0">
+            <a:endParaRPr lang="en-US" b="0" dirty="0">
               <a:solidFill>
                 <a:srgbClr val="000000"/>
               </a:solidFill>
@@ -2251,11 +2431,83 @@
           <a:bodyPr/>
           <a:lstStyle/>
           <a:p>
-            <a:pPr marL="250825" indent="-171450" eaLnBrk="1" hangingPunct="1">
+            <a:pPr marL="79375" indent="0" eaLnBrk="1" hangingPunct="1">
               <a:buFontTx/>
-              <a:buChar char="-"/>
+              <a:buNone/>
             </a:pPr>
-            <a:endParaRPr lang="en-US" b="1" dirty="0">
+            <a:r>
+              <a:rPr lang="en-US" b="0" dirty="0" smtClean="0">
+                <a:solidFill>
+                  <a:srgbClr val="000000"/>
+                </a:solidFill>
+                <a:latin typeface="Lucida Grande" charset="0"/>
+                <a:ea typeface="ＭＳ Ｐゴシック" charset="0"/>
+                <a:cs typeface="Lucida Grande" charset="0"/>
+                <a:sym typeface="Lucida Grande" charset="0"/>
+              </a:rPr>
+              <a:t>When it comes time</a:t>
+            </a:r>
+            <a:r>
+              <a:rPr lang="en-US" b="0" baseline="0" dirty="0" smtClean="0">
+                <a:solidFill>
+                  <a:srgbClr val="000000"/>
+                </a:solidFill>
+                <a:latin typeface="Lucida Grande" charset="0"/>
+                <a:ea typeface="ＭＳ Ｐゴシック" charset="0"/>
+                <a:cs typeface="Lucida Grande" charset="0"/>
+                <a:sym typeface="Lucida Grande" charset="0"/>
+              </a:rPr>
+              <a:t> to write your own, </a:t>
+            </a:r>
+            <a:r>
+              <a:rPr lang="en-US" b="0" baseline="0" dirty="0" err="1" smtClean="0">
+                <a:solidFill>
+                  <a:srgbClr val="000000"/>
+                </a:solidFill>
+                <a:latin typeface="Lucida Grande" charset="0"/>
+                <a:ea typeface="ＭＳ Ｐゴシック" charset="0"/>
+                <a:cs typeface="Lucida Grande" charset="0"/>
+                <a:sym typeface="Lucida Grande" charset="0"/>
+              </a:rPr>
+              <a:t>titanium.py</a:t>
+            </a:r>
+            <a:r>
+              <a:rPr lang="en-US" b="0" baseline="0" dirty="0" smtClean="0">
+                <a:solidFill>
+                  <a:srgbClr val="000000"/>
+                </a:solidFill>
+                <a:latin typeface="Lucida Grande" charset="0"/>
+                <a:ea typeface="ＭＳ Ｐゴシック" charset="0"/>
+                <a:cs typeface="Lucida Grande" charset="0"/>
+                <a:sym typeface="Lucida Grande" charset="0"/>
+              </a:rPr>
+              <a:t> is the tool you’ll use to create your starting Java or </a:t>
+            </a:r>
+            <a:r>
+              <a:rPr lang="en-US" b="0" baseline="0" dirty="0" err="1" smtClean="0">
+                <a:solidFill>
+                  <a:srgbClr val="000000"/>
+                </a:solidFill>
+                <a:latin typeface="Lucida Grande" charset="0"/>
+                <a:ea typeface="ＭＳ Ｐゴシック" charset="0"/>
+                <a:cs typeface="Lucida Grande" charset="0"/>
+                <a:sym typeface="Lucida Grande" charset="0"/>
+              </a:rPr>
+              <a:t>Xcode</a:t>
+            </a:r>
+            <a:r>
+              <a:rPr lang="en-US" b="0" baseline="0" dirty="0" smtClean="0">
+                <a:solidFill>
+                  <a:srgbClr val="000000"/>
+                </a:solidFill>
+                <a:latin typeface="Lucida Grande" charset="0"/>
+                <a:ea typeface="ＭＳ Ｐゴシック" charset="0"/>
+                <a:cs typeface="Lucida Grande" charset="0"/>
+                <a:sym typeface="Lucida Grande" charset="0"/>
+              </a:rPr>
+              <a:t> project</a:t>
+            </a:r>
+            <a:endParaRPr lang="en-US" b="0" dirty="0">
               <a:solidFill>
                 <a:srgbClr val="000000"/>
               </a:solidFill>
@@ -2346,11 +2598,47 @@
           <a:bodyPr/>
           <a:lstStyle/>
           <a:p>
-            <a:pPr marL="250825" indent="-171450" eaLnBrk="1" hangingPunct="1">
+            <a:pPr marL="79375" indent="0" eaLnBrk="1" hangingPunct="1">
               <a:buFontTx/>
-              <a:buChar char="-"/>
+              <a:buNone/>
             </a:pPr>
-            <a:endParaRPr lang="en-US" b="1" dirty="0">
+            <a:r>
+              <a:rPr lang="en-US" b="0" dirty="0" smtClean="0">
+                <a:solidFill>
+                  <a:srgbClr val="000000"/>
+                </a:solidFill>
+                <a:latin typeface="Lucida Grande" charset="0"/>
+                <a:ea typeface="ＭＳ Ｐゴシック" charset="0"/>
+                <a:cs typeface="Lucida Grande" charset="0"/>
+                <a:sym typeface="Lucida Grande" charset="0"/>
+              </a:rPr>
+              <a:t>You have to include the JS via </a:t>
+            </a:r>
+            <a:r>
+              <a:rPr lang="en-US" b="0" dirty="0" err="1" smtClean="0">
+                <a:solidFill>
+                  <a:srgbClr val="000000"/>
+                </a:solidFill>
+                <a:latin typeface="Lucida Grande" charset="0"/>
+                <a:ea typeface="ＭＳ Ｐゴシック" charset="0"/>
+                <a:cs typeface="Lucida Grande" charset="0"/>
+                <a:sym typeface="Lucida Grande" charset="0"/>
+              </a:rPr>
+              <a:t>CommonJS</a:t>
+            </a:r>
+            <a:r>
+              <a:rPr lang="en-US" b="0" baseline="0" dirty="0" smtClean="0">
+                <a:solidFill>
+                  <a:srgbClr val="000000"/>
+                </a:solidFill>
+                <a:latin typeface="Lucida Grande" charset="0"/>
+                <a:ea typeface="ＭＳ Ｐゴシック" charset="0"/>
+                <a:cs typeface="Lucida Grande" charset="0"/>
+                <a:sym typeface="Lucida Grande" charset="0"/>
+              </a:rPr>
+              <a:t> require()</a:t>
+            </a:r>
+            <a:endParaRPr lang="en-US" b="0" dirty="0">
               <a:solidFill>
                 <a:srgbClr val="000000"/>
               </a:solidFill>
@@ -2445,7 +2733,133 @@
               <a:buFontTx/>
               <a:buChar char="-"/>
             </a:pPr>
-            <a:endParaRPr lang="en-US" b="1" dirty="0">
+            <a:r>
+              <a:rPr lang="en-US" b="0" dirty="0" smtClean="0">
+                <a:solidFill>
+                  <a:srgbClr val="000000"/>
+                </a:solidFill>
+                <a:latin typeface="Lucida Grande" charset="0"/>
+                <a:ea typeface="ＭＳ Ｐゴシック" charset="0"/>
+                <a:cs typeface="Lucida Grande" charset="0"/>
+                <a:sym typeface="Lucida Grande" charset="0"/>
+              </a:rPr>
+              <a:t>Guides on our wiki document at least the basics</a:t>
+            </a:r>
+            <a:r>
+              <a:rPr lang="en-US" b="0" baseline="0" dirty="0" smtClean="0">
+                <a:solidFill>
+                  <a:srgbClr val="000000"/>
+                </a:solidFill>
+                <a:latin typeface="Lucida Grande" charset="0"/>
+                <a:ea typeface="ＭＳ Ｐゴシック" charset="0"/>
+                <a:cs typeface="Lucida Grande" charset="0"/>
+                <a:sym typeface="Lucida Grande" charset="0"/>
+              </a:rPr>
+              <a:t> of the process</a:t>
+            </a:r>
+          </a:p>
+          <a:p>
+            <a:pPr marL="250825" indent="-171450" eaLnBrk="1" hangingPunct="1">
+              <a:buFontTx/>
+              <a:buChar char="-"/>
+            </a:pPr>
+            <a:r>
+              <a:rPr lang="en-US" b="0" baseline="0" dirty="0" err="1" smtClean="0">
+                <a:solidFill>
+                  <a:srgbClr val="000000"/>
+                </a:solidFill>
+                <a:latin typeface="Lucida Grande" charset="0"/>
+                <a:ea typeface="ＭＳ Ｐゴシック" charset="0"/>
+                <a:cs typeface="Lucida Grande" charset="0"/>
+                <a:sym typeface="Lucida Grande" charset="0"/>
+              </a:rPr>
+              <a:t>GitHub</a:t>
+            </a:r>
+            <a:r>
+              <a:rPr lang="en-US" b="0" baseline="0" dirty="0" smtClean="0">
+                <a:solidFill>
+                  <a:srgbClr val="000000"/>
+                </a:solidFill>
+                <a:latin typeface="Lucida Grande" charset="0"/>
+                <a:ea typeface="ＭＳ Ｐゴシック" charset="0"/>
+                <a:cs typeface="Lucida Grande" charset="0"/>
+                <a:sym typeface="Lucida Grande" charset="0"/>
+              </a:rPr>
+              <a:t> is where you’ll find our core Titanium </a:t>
+            </a:r>
+            <a:r>
+              <a:rPr lang="en-US" b="0" baseline="0" dirty="0" err="1" smtClean="0">
+                <a:solidFill>
+                  <a:srgbClr val="000000"/>
+                </a:solidFill>
+                <a:latin typeface="Lucida Grande" charset="0"/>
+                <a:ea typeface="ＭＳ Ｐゴシック" charset="0"/>
+                <a:cs typeface="Lucida Grande" charset="0"/>
+                <a:sym typeface="Lucida Grande" charset="0"/>
+              </a:rPr>
+              <a:t>distro</a:t>
+            </a:r>
+            <a:r>
+              <a:rPr lang="en-US" b="0" baseline="0" dirty="0" smtClean="0">
+                <a:solidFill>
+                  <a:srgbClr val="000000"/>
+                </a:solidFill>
+                <a:latin typeface="Lucida Grande" charset="0"/>
+                <a:ea typeface="ＭＳ Ｐゴシック" charset="0"/>
+                <a:cs typeface="Lucida Grande" charset="0"/>
+                <a:sym typeface="Lucida Grande" charset="0"/>
+              </a:rPr>
+              <a:t> which you can examine for techniques and features</a:t>
+            </a:r>
+          </a:p>
+          <a:p>
+            <a:pPr marL="250825" indent="-171450" eaLnBrk="1" hangingPunct="1">
+              <a:buFontTx/>
+              <a:buChar char="-"/>
+            </a:pPr>
+            <a:r>
+              <a:rPr lang="en-US" b="0" baseline="0" dirty="0" smtClean="0">
+                <a:solidFill>
+                  <a:srgbClr val="000000"/>
+                </a:solidFill>
+                <a:latin typeface="Lucida Grande" charset="0"/>
+                <a:ea typeface="ＭＳ Ｐゴシック" charset="0"/>
+                <a:cs typeface="Lucida Grande" charset="0"/>
+                <a:sym typeface="Lucida Grande" charset="0"/>
+              </a:rPr>
+              <a:t>For existing modules, the </a:t>
+            </a:r>
+            <a:r>
+              <a:rPr lang="en-US" b="0" baseline="0" dirty="0" err="1" smtClean="0">
+                <a:solidFill>
+                  <a:srgbClr val="000000"/>
+                </a:solidFill>
+                <a:latin typeface="Lucida Grande" charset="0"/>
+                <a:ea typeface="ＭＳ Ｐゴシック" charset="0"/>
+                <a:cs typeface="Lucida Grande" charset="0"/>
+                <a:sym typeface="Lucida Grande" charset="0"/>
+              </a:rPr>
+              <a:t>Ti.Platform</a:t>
+            </a:r>
+            <a:r>
+              <a:rPr lang="en-US" b="0" baseline="0" dirty="0" smtClean="0">
+                <a:solidFill>
+                  <a:srgbClr val="000000"/>
+                </a:solidFill>
+                <a:latin typeface="Lucida Grande" charset="0"/>
+                <a:ea typeface="ＭＳ Ｐゴシック" charset="0"/>
+                <a:cs typeface="Lucida Grande" charset="0"/>
+                <a:sym typeface="Lucida Grande" charset="0"/>
+              </a:rPr>
+              <a:t> module is fairly straightforward for basic stuff. Look at the UI widgets to see how you’d make a module with a visual/UI component</a:t>
+            </a:r>
+          </a:p>
+          <a:p>
+            <a:pPr marL="250825" indent="-171450" eaLnBrk="1" hangingPunct="1">
+              <a:buFontTx/>
+              <a:buChar char="-"/>
+            </a:pPr>
+            <a:endParaRPr lang="en-US" b="0" dirty="0">
               <a:solidFill>
                 <a:srgbClr val="000000"/>
               </a:solidFill>
@@ -2541,189 +2955,6 @@
                 <a:spcPts val="450"/>
               </a:spcBef>
             </a:pPr>
-            <a:r>
-              <a:rPr lang="en-US" dirty="0" smtClean="0">
-                <a:solidFill>
-                  <a:srgbClr val="000000"/>
-                </a:solidFill>
-                <a:latin typeface="Times New Roman" charset="0"/>
-                <a:ea typeface="ＭＳ Ｐゴシック" charset="0"/>
-                <a:cs typeface="Times New Roman" charset="0"/>
-                <a:sym typeface="Times New Roman" charset="0"/>
-              </a:rPr>
-              <a:t>For this demo, follow the wiki guide for iOS, this process works smoother.</a:t>
-            </a:r>
-          </a:p>
-          <a:p>
-            <a:pPr marL="290513" indent="-171450" eaLnBrk="1" hangingPunct="1">
-              <a:spcBef>
-                <a:spcPts val="450"/>
-              </a:spcBef>
-              <a:buFontTx/>
-              <a:buChar char="-"/>
-            </a:pPr>
-            <a:r>
-              <a:rPr lang="en-US" dirty="0" smtClean="0">
-                <a:solidFill>
-                  <a:srgbClr val="000000"/>
-                </a:solidFill>
-                <a:latin typeface="Times New Roman" charset="0"/>
-                <a:ea typeface="ＭＳ Ｐゴシック" charset="0"/>
-                <a:cs typeface="Times New Roman" charset="0"/>
-                <a:sym typeface="Times New Roman" charset="0"/>
-              </a:rPr>
-              <a:t>generate the project</a:t>
-            </a:r>
-          </a:p>
-          <a:p>
-            <a:pPr marL="290513" indent="-171450" eaLnBrk="1" hangingPunct="1">
-              <a:spcBef>
-                <a:spcPts val="450"/>
-              </a:spcBef>
-              <a:buFontTx/>
-              <a:buChar char="-"/>
-            </a:pPr>
-            <a:r>
-              <a:rPr lang="en-US" dirty="0" smtClean="0">
-                <a:solidFill>
-                  <a:srgbClr val="000000"/>
-                </a:solidFill>
-                <a:latin typeface="Times New Roman" charset="0"/>
-                <a:ea typeface="ＭＳ Ｐゴシック" charset="0"/>
-                <a:cs typeface="Times New Roman" charset="0"/>
-                <a:sym typeface="Times New Roman" charset="0"/>
-              </a:rPr>
-              <a:t>build the module</a:t>
-            </a:r>
-          </a:p>
-          <a:p>
-            <a:pPr marL="290513" indent="-171450" eaLnBrk="1" hangingPunct="1">
-              <a:spcBef>
-                <a:spcPts val="450"/>
-              </a:spcBef>
-              <a:buFontTx/>
-              <a:buChar char="-"/>
-            </a:pPr>
-            <a:r>
-              <a:rPr lang="en-US" dirty="0" smtClean="0">
-                <a:solidFill>
-                  <a:srgbClr val="000000"/>
-                </a:solidFill>
-                <a:latin typeface="Times New Roman" charset="0"/>
-                <a:ea typeface="ＭＳ Ｐゴシック" charset="0"/>
-                <a:cs typeface="Times New Roman" charset="0"/>
-                <a:sym typeface="Times New Roman" charset="0"/>
-              </a:rPr>
-              <a:t>make a “Hello World” function</a:t>
-            </a:r>
-          </a:p>
-          <a:p>
-            <a:pPr marL="290513" indent="-171450" eaLnBrk="1" hangingPunct="1">
-              <a:spcBef>
-                <a:spcPts val="450"/>
-              </a:spcBef>
-              <a:buFontTx/>
-              <a:buChar char="-"/>
-            </a:pPr>
-            <a:r>
-              <a:rPr lang="en-US" dirty="0" smtClean="0">
-                <a:solidFill>
-                  <a:srgbClr val="000000"/>
-                </a:solidFill>
-                <a:latin typeface="Times New Roman" charset="0"/>
-                <a:ea typeface="ＭＳ Ｐゴシック" charset="0"/>
-                <a:cs typeface="Times New Roman" charset="0"/>
-                <a:sym typeface="Times New Roman" charset="0"/>
-              </a:rPr>
-              <a:t>install it to a </a:t>
-            </a:r>
-            <a:r>
-              <a:rPr lang="en-US" dirty="0" err="1" smtClean="0">
-                <a:solidFill>
-                  <a:srgbClr val="000000"/>
-                </a:solidFill>
-                <a:latin typeface="Times New Roman" charset="0"/>
-                <a:ea typeface="ＭＳ Ｐゴシック" charset="0"/>
-                <a:cs typeface="Times New Roman" charset="0"/>
-                <a:sym typeface="Times New Roman" charset="0"/>
-              </a:rPr>
-              <a:t>TiStudio</a:t>
-            </a:r>
-            <a:r>
-              <a:rPr lang="en-US" baseline="0" dirty="0" smtClean="0">
-                <a:solidFill>
-                  <a:srgbClr val="000000"/>
-                </a:solidFill>
-                <a:latin typeface="Times New Roman" charset="0"/>
-                <a:ea typeface="ＭＳ Ｐゴシック" charset="0"/>
-                <a:cs typeface="Times New Roman" charset="0"/>
-                <a:sym typeface="Times New Roman" charset="0"/>
-              </a:rPr>
-              <a:t> project</a:t>
-            </a:r>
-          </a:p>
-          <a:p>
-            <a:pPr marL="290513" indent="-171450" eaLnBrk="1" hangingPunct="1">
-              <a:spcBef>
-                <a:spcPts val="450"/>
-              </a:spcBef>
-              <a:buFontTx/>
-              <a:buChar char="-"/>
-            </a:pPr>
-            <a:r>
-              <a:rPr lang="en-US" baseline="0" dirty="0" smtClean="0">
-                <a:solidFill>
-                  <a:srgbClr val="000000"/>
-                </a:solidFill>
-                <a:latin typeface="Times New Roman" charset="0"/>
-                <a:ea typeface="ＭＳ Ｐゴシック" charset="0"/>
-                <a:cs typeface="Times New Roman" charset="0"/>
-                <a:sym typeface="Times New Roman" charset="0"/>
-              </a:rPr>
-              <a:t>configure in </a:t>
-            </a:r>
-            <a:r>
-              <a:rPr lang="en-US" baseline="0" dirty="0" err="1" smtClean="0">
-                <a:solidFill>
-                  <a:srgbClr val="000000"/>
-                </a:solidFill>
-                <a:latin typeface="Times New Roman" charset="0"/>
-                <a:ea typeface="ＭＳ Ｐゴシック" charset="0"/>
-                <a:cs typeface="Times New Roman" charset="0"/>
-                <a:sym typeface="Times New Roman" charset="0"/>
-              </a:rPr>
-              <a:t>tiapp.xml</a:t>
-            </a:r>
-            <a:endParaRPr lang="en-US" baseline="0" dirty="0" smtClean="0">
-              <a:solidFill>
-                <a:srgbClr val="000000"/>
-              </a:solidFill>
-              <a:latin typeface="Times New Roman" charset="0"/>
-              <a:ea typeface="ＭＳ Ｐゴシック" charset="0"/>
-              <a:cs typeface="Times New Roman" charset="0"/>
-              <a:sym typeface="Times New Roman" charset="0"/>
-            </a:endParaRPr>
-          </a:p>
-          <a:p>
-            <a:pPr marL="290513" indent="-171450" eaLnBrk="1" hangingPunct="1">
-              <a:spcBef>
-                <a:spcPts val="450"/>
-              </a:spcBef>
-              <a:buFontTx/>
-              <a:buChar char="-"/>
-            </a:pPr>
-            <a:r>
-              <a:rPr lang="en-US" baseline="0" dirty="0" smtClean="0">
-                <a:solidFill>
-                  <a:srgbClr val="000000"/>
-                </a:solidFill>
-                <a:latin typeface="Times New Roman" charset="0"/>
-                <a:ea typeface="ＭＳ Ｐゴシック" charset="0"/>
-                <a:cs typeface="Times New Roman" charset="0"/>
-                <a:sym typeface="Times New Roman" charset="0"/>
-              </a:rPr>
-              <a:t>run app, use JS function you defined.</a:t>
-            </a:r>
             <a:endParaRPr lang="en-US" dirty="0">
               <a:solidFill>
                 <a:srgbClr val="000000"/>
@@ -2763,7 +2994,7 @@
       </p:grpSpPr>
       <p:sp>
         <p:nvSpPr>
-          <p:cNvPr id="17409" name="Rectangle 1"/>
+          <p:cNvPr id="13313" name="Rectangle 1"/>
           <p:cNvSpPr>
             <a:spLocks noGrp="1" noRot="1" noChangeAspect="1" noChangeArrowheads="1"/>
           </p:cNvSpPr>
@@ -2780,7 +3011,7 @@
       </p:sp>
       <p:sp>
         <p:nvSpPr>
-          <p:cNvPr id="17410" name="Rectangle 2"/>
+          <p:cNvPr id="13314" name="Rectangle 2"/>
           <p:cNvSpPr>
             <a:spLocks noGrp="1" noChangeArrowheads="1"/>
           </p:cNvSpPr>
@@ -2815,19 +3046,85 @@
           <a:bodyPr/>
           <a:lstStyle/>
           <a:p>
-            <a:pPr marL="119063" eaLnBrk="1" hangingPunct="1">
+            <a:pPr marL="250825" marR="0" indent="-171450" algn="l" defTabSz="914400" rtl="0" eaLnBrk="1" fontAlgn="base" latinLnBrk="0" hangingPunct="1">
+              <a:lnSpc>
+                <a:spcPct val="100000"/>
+              </a:lnSpc>
               <a:spcBef>
-                <a:spcPts val="450"/>
+                <a:spcPct val="0"/>
               </a:spcBef>
+              <a:spcAft>
+                <a:spcPct val="0"/>
+              </a:spcAft>
+              <a:buClrTx/>
+              <a:buSzTx/>
+              <a:buFontTx/>
+              <a:buChar char="-"/>
+              <a:tabLst/>
+              <a:defRPr/>
             </a:pPr>
-            <a:endParaRPr lang="en-US" dirty="0">
+            <a:r>
+              <a:rPr lang="en-US" dirty="0" smtClean="0">
+                <a:solidFill>
+                  <a:srgbClr val="000000"/>
+                </a:solidFill>
+                <a:latin typeface="Times New Roman" charset="0"/>
+                <a:ea typeface="ＭＳ Ｐゴシック" charset="0"/>
+                <a:cs typeface="Times New Roman" charset="0"/>
+                <a:sym typeface="Times New Roman" charset="0"/>
+              </a:rPr>
+              <a:t>We will follow along with the module </a:t>
+            </a:r>
+            <a:r>
+              <a:rPr lang="en-US" dirty="0" err="1" smtClean="0">
+                <a:solidFill>
+                  <a:srgbClr val="000000"/>
+                </a:solidFill>
+                <a:latin typeface="Times New Roman" charset="0"/>
+                <a:ea typeface="ＭＳ Ｐゴシック" charset="0"/>
+                <a:cs typeface="Times New Roman" charset="0"/>
+                <a:sym typeface="Times New Roman" charset="0"/>
+              </a:rPr>
+              <a:t>dev</a:t>
+            </a:r>
+            <a:r>
+              <a:rPr lang="en-US" dirty="0" smtClean="0">
+                <a:solidFill>
+                  <a:srgbClr val="000000"/>
+                </a:solidFill>
+                <a:latin typeface="Times New Roman" charset="0"/>
+                <a:ea typeface="ＭＳ Ｐゴシック" charset="0"/>
+                <a:cs typeface="Times New Roman" charset="0"/>
+                <a:sym typeface="Times New Roman" charset="0"/>
+              </a:rPr>
+              <a:t> guides and try a custom module ourselves.  </a:t>
+            </a:r>
+            <a:r>
+              <a:rPr lang="en-US" smtClean="0">
+                <a:solidFill>
+                  <a:srgbClr val="000000"/>
+                </a:solidFill>
+                <a:latin typeface="Times New Roman" charset="0"/>
+                <a:ea typeface="ＭＳ Ｐゴシック" charset="0"/>
+                <a:cs typeface="Times New Roman" charset="0"/>
+                <a:sym typeface="Times New Roman" charset="0"/>
+              </a:rPr>
+              <a:t>This is a “kick the tires” type exercise.</a:t>
+            </a:r>
+          </a:p>
+          <a:p>
+            <a:pPr marL="250825" indent="-171450" eaLnBrk="1" hangingPunct="1">
+              <a:buFontTx/>
+              <a:buChar char="-"/>
+            </a:pPr>
+            <a:endParaRPr lang="en-US" b="0" dirty="0">
               <a:solidFill>
                 <a:srgbClr val="000000"/>
               </a:solidFill>
-              <a:latin typeface="Times New Roman" charset="0"/>
+              <a:latin typeface="Lucida Grande" charset="0"/>
               <a:ea typeface="ＭＳ Ｐゴシック" charset="0"/>
-              <a:cs typeface="Times New Roman" charset="0"/>
-              <a:sym typeface="Times New Roman" charset="0"/>
+              <a:cs typeface="Lucida Grande" charset="0"/>
+              <a:sym typeface="Lucida Grande" charset="0"/>
             </a:endParaRPr>
           </a:p>
         </p:txBody>
@@ -2916,54 +3213,6 @@
                 <a:spcPts val="450"/>
               </a:spcBef>
             </a:pPr>
-            <a:r>
-              <a:rPr lang="en-US" dirty="0" smtClean="0">
-                <a:solidFill>
-                  <a:srgbClr val="000000"/>
-                </a:solidFill>
-                <a:latin typeface="Times New Roman" charset="0"/>
-                <a:ea typeface="ＭＳ Ｐゴシック" charset="0"/>
-                <a:cs typeface="Times New Roman" charset="0"/>
-                <a:sym typeface="Times New Roman" charset="0"/>
-              </a:rPr>
-              <a:t>We will follow along with the module </a:t>
-            </a:r>
-            <a:r>
-              <a:rPr lang="en-US" dirty="0" err="1" smtClean="0">
-                <a:solidFill>
-                  <a:srgbClr val="000000"/>
-                </a:solidFill>
-                <a:latin typeface="Times New Roman" charset="0"/>
-                <a:ea typeface="ＭＳ Ｐゴシック" charset="0"/>
-                <a:cs typeface="Times New Roman" charset="0"/>
-                <a:sym typeface="Times New Roman" charset="0"/>
-              </a:rPr>
-              <a:t>dev</a:t>
-            </a:r>
-            <a:r>
-              <a:rPr lang="en-US" dirty="0" smtClean="0">
-                <a:solidFill>
-                  <a:srgbClr val="000000"/>
-                </a:solidFill>
-                <a:latin typeface="Times New Roman" charset="0"/>
-                <a:ea typeface="ＭＳ Ｐゴシック" charset="0"/>
-                <a:cs typeface="Times New Roman" charset="0"/>
-                <a:sym typeface="Times New Roman" charset="0"/>
-              </a:rPr>
-              <a:t> guides and try a custom module ourselves.  This is a “kick the tires” </a:t>
-            </a:r>
-            <a:r>
-              <a:rPr lang="en-US" smtClean="0">
-                <a:solidFill>
-                  <a:srgbClr val="000000"/>
-                </a:solidFill>
-                <a:latin typeface="Times New Roman" charset="0"/>
-                <a:ea typeface="ＭＳ Ｐゴシック" charset="0"/>
-                <a:cs typeface="Times New Roman" charset="0"/>
-                <a:sym typeface="Times New Roman" charset="0"/>
-              </a:rPr>
-              <a:t>type exercise.</a:t>
-            </a:r>
             <a:endParaRPr lang="en-US" dirty="0">
               <a:solidFill>
                 <a:srgbClr val="000000"/>
@@ -3564,7 +3813,31 @@
           <a:lstStyle/>
           <a:p>
             <a:pPr marL="79375" eaLnBrk="1" hangingPunct="1"/>
-            <a:endParaRPr lang="en-US" b="1" dirty="0">
+            <a:r>
+              <a:rPr lang="en-US" b="0" dirty="0" smtClean="0">
+                <a:solidFill>
+                  <a:srgbClr val="000000"/>
+                </a:solidFill>
+                <a:latin typeface="Lucida Grande" charset="0"/>
+                <a:ea typeface="ＭＳ Ｐゴシック" charset="0"/>
+                <a:cs typeface="Lucida Grande" charset="0"/>
+                <a:sym typeface="Lucida Grande" charset="0"/>
+              </a:rPr>
+              <a:t>Take you</a:t>
+            </a:r>
+            <a:r>
+              <a:rPr lang="en-US" b="0" baseline="0" dirty="0" smtClean="0">
+                <a:solidFill>
+                  <a:srgbClr val="000000"/>
+                </a:solidFill>
+                <a:latin typeface="Lucida Grande" charset="0"/>
+                <a:ea typeface="ＭＳ Ｐゴシック" charset="0"/>
+                <a:cs typeface="Lucida Grande" charset="0"/>
+                <a:sym typeface="Lucida Grande" charset="0"/>
+              </a:rPr>
+              <a:t> through the lifecycle in very general terms…</a:t>
+            </a:r>
+            <a:endParaRPr lang="en-US" b="0" dirty="0">
               <a:solidFill>
                 <a:srgbClr val="000000"/>
               </a:solidFill>
@@ -3656,7 +3929,79 @@
           <a:lstStyle/>
           <a:p>
             <a:pPr marL="79375" eaLnBrk="1" hangingPunct="1"/>
-            <a:endParaRPr lang="en-US" b="1" dirty="0">
+            <a:r>
+              <a:rPr lang="en-US" b="0" dirty="0" smtClean="0">
+                <a:solidFill>
+                  <a:srgbClr val="000000"/>
+                </a:solidFill>
+                <a:latin typeface="Lucida Grande" charset="0"/>
+                <a:ea typeface="ＭＳ Ｐゴシック" charset="0"/>
+                <a:cs typeface="Lucida Grande" charset="0"/>
+                <a:sym typeface="Lucida Grande" charset="0"/>
+              </a:rPr>
+              <a:t>Why do we call it </a:t>
+            </a:r>
+            <a:r>
+              <a:rPr lang="en-US" b="0" dirty="0" err="1" smtClean="0">
+                <a:solidFill>
+                  <a:srgbClr val="000000"/>
+                </a:solidFill>
+                <a:latin typeface="Lucida Grande" charset="0"/>
+                <a:ea typeface="ＭＳ Ｐゴシック" charset="0"/>
+                <a:cs typeface="Lucida Grande" charset="0"/>
+                <a:sym typeface="Lucida Grande" charset="0"/>
+              </a:rPr>
+              <a:t>kroll</a:t>
+            </a:r>
+            <a:endParaRPr lang="en-US" b="0" dirty="0" smtClean="0">
+              <a:solidFill>
+                <a:srgbClr val="000000"/>
+              </a:solidFill>
+              <a:latin typeface="Lucida Grande" charset="0"/>
+              <a:ea typeface="ＭＳ Ｐゴシック" charset="0"/>
+              <a:cs typeface="Lucida Grande" charset="0"/>
+              <a:sym typeface="Lucida Grande" charset="0"/>
+            </a:endParaRPr>
+          </a:p>
+          <a:p>
+            <a:pPr marL="79375" eaLnBrk="1" hangingPunct="1"/>
+            <a:endParaRPr lang="en-US" b="0" dirty="0" smtClean="0">
+              <a:solidFill>
+                <a:srgbClr val="000000"/>
+              </a:solidFill>
+              <a:latin typeface="Lucida Grande" charset="0"/>
+              <a:ea typeface="ＭＳ Ｐゴシック" charset="0"/>
+              <a:cs typeface="Lucida Grande" charset="0"/>
+              <a:sym typeface="Lucida Grande" charset="0"/>
+            </a:endParaRPr>
+          </a:p>
+          <a:p>
+            <a:pPr marL="79375" eaLnBrk="1" hangingPunct="1"/>
+            <a:r>
+              <a:rPr lang="en-US" b="0" dirty="0" smtClean="0">
+                <a:solidFill>
+                  <a:srgbClr val="000000"/>
+                </a:solidFill>
+                <a:latin typeface="Lucida Grande" charset="0"/>
+                <a:ea typeface="ＭＳ Ｐゴシック" charset="0"/>
+                <a:cs typeface="Lucida Grande" charset="0"/>
+                <a:sym typeface="Lucida Grande" charset="0"/>
+              </a:rPr>
+              <a:t>What</a:t>
+            </a:r>
+            <a:r>
+              <a:rPr lang="en-US" b="0" baseline="0" dirty="0" smtClean="0">
+                <a:solidFill>
+                  <a:srgbClr val="000000"/>
+                </a:solidFill>
+                <a:latin typeface="Lucida Grande" charset="0"/>
+                <a:ea typeface="ＭＳ Ｐゴシック" charset="0"/>
+                <a:cs typeface="Lucida Grande" charset="0"/>
+                <a:sym typeface="Lucida Grande" charset="0"/>
+              </a:rPr>
+              <a:t> is a kernel</a:t>
+            </a:r>
+            <a:endParaRPr lang="en-US" b="0" dirty="0">
               <a:solidFill>
                 <a:srgbClr val="000000"/>
               </a:solidFill>
@@ -3752,7 +4097,7 @@
               <a:buChar char="-"/>
             </a:pPr>
             <a:r>
-              <a:rPr lang="en-US" b="1" dirty="0" smtClean="0">
+              <a:rPr lang="en-US" b="0" dirty="0" smtClean="0">
                 <a:solidFill>
                   <a:srgbClr val="000000"/>
                 </a:solidFill>
@@ -3764,7 +4109,7 @@
               <a:t>Note that even titanium modules for UI, Database, </a:t>
             </a:r>
             <a:r>
-              <a:rPr lang="en-US" b="1" dirty="0" err="1" smtClean="0">
+              <a:rPr lang="en-US" b="0" dirty="0" err="1" smtClean="0">
                 <a:solidFill>
                   <a:srgbClr val="000000"/>
                 </a:solidFill>
@@ -3776,7 +4121,7 @@
               <a:t>etc</a:t>
             </a:r>
             <a:r>
-              <a:rPr lang="en-US" b="1" dirty="0" smtClean="0">
+              <a:rPr lang="en-US" b="0" dirty="0" smtClean="0">
                 <a:solidFill>
                   <a:srgbClr val="000000"/>
                 </a:solidFill>
@@ -3788,7 +4133,7 @@
               <a:t> have this</a:t>
             </a:r>
             <a:r>
-              <a:rPr lang="en-US" b="1" baseline="0" dirty="0" smtClean="0">
+              <a:rPr lang="en-US" b="0" baseline="0" dirty="0" smtClean="0">
                 <a:solidFill>
                   <a:srgbClr val="000000"/>
                 </a:solidFill>
@@ -3800,7 +4145,7 @@
               <a:t> same structure – as you get into module development, look to core modules to see how things are done in </a:t>
             </a:r>
             <a:r>
-              <a:rPr lang="en-US" b="1" baseline="0" dirty="0" err="1" smtClean="0">
+              <a:rPr lang="en-US" b="0" baseline="0" dirty="0" err="1" smtClean="0">
                 <a:solidFill>
                   <a:srgbClr val="000000"/>
                 </a:solidFill>
@@ -3812,7 +4157,7 @@
               <a:t>ObjC</a:t>
             </a:r>
             <a:r>
-              <a:rPr lang="en-US" b="1" baseline="0" dirty="0" smtClean="0">
+              <a:rPr lang="en-US" b="0" baseline="0" dirty="0" smtClean="0">
                 <a:solidFill>
                   <a:srgbClr val="000000"/>
                 </a:solidFill>
@@ -3829,7 +4174,7 @@
               <a:buFontTx/>
               <a:buChar char="-"/>
             </a:pPr>
-            <a:endParaRPr lang="en-US" b="1" baseline="0" dirty="0" smtClean="0">
+            <a:endParaRPr lang="en-US" b="0" baseline="0" dirty="0" smtClean="0">
               <a:solidFill>
                 <a:srgbClr val="000000"/>
               </a:solidFill>
@@ -3845,7 +4190,7 @@
               <a:buChar char="-"/>
             </a:pPr>
             <a:r>
-              <a:rPr lang="en-US" b="1" baseline="0" dirty="0" smtClean="0">
+              <a:rPr lang="en-US" b="0" baseline="0" dirty="0" smtClean="0">
                 <a:solidFill>
                   <a:srgbClr val="000000"/>
                 </a:solidFill>
@@ -3857,7 +4202,7 @@
               <a:t>Titanium </a:t>
             </a:r>
             <a:r>
-              <a:rPr lang="en-US" b="1" baseline="0" dirty="0" err="1" smtClean="0">
+              <a:rPr lang="en-US" b="0" baseline="0" dirty="0" err="1" smtClean="0">
                 <a:solidFill>
                   <a:srgbClr val="000000"/>
                 </a:solidFill>
@@ -3869,7 +4214,7 @@
               <a:t>ObjC</a:t>
             </a:r>
             <a:r>
-              <a:rPr lang="en-US" b="1" baseline="0" dirty="0" smtClean="0">
+              <a:rPr lang="en-US" b="0" baseline="0" dirty="0" smtClean="0">
                 <a:solidFill>
                   <a:srgbClr val="000000"/>
                 </a:solidFill>
@@ -3881,7 +4226,7 @@
               <a:t> modules must extend </a:t>
             </a:r>
             <a:r>
-              <a:rPr lang="en-US" b="1" baseline="0" dirty="0" err="1" smtClean="0">
+              <a:rPr lang="en-US" b="0" baseline="0" dirty="0" err="1" smtClean="0">
                 <a:solidFill>
                   <a:srgbClr val="000000"/>
                 </a:solidFill>
@@ -3892,7 +4237,7 @@
               </a:rPr>
               <a:t>TiModule</a:t>
             </a:r>
-            <a:endParaRPr lang="en-US" b="1" baseline="0" dirty="0" smtClean="0">
+            <a:endParaRPr lang="en-US" b="0" baseline="0" dirty="0" smtClean="0">
               <a:solidFill>
                 <a:srgbClr val="000000"/>
               </a:solidFill>
@@ -3908,7 +4253,7 @@
               <a:buChar char="-"/>
             </a:pPr>
             <a:r>
-              <a:rPr lang="en-US" b="1" baseline="0" dirty="0" smtClean="0">
+              <a:rPr lang="en-US" b="0" baseline="0" dirty="0" smtClean="0">
                 <a:solidFill>
                   <a:srgbClr val="000000"/>
                 </a:solidFill>
@@ -3920,7 +4265,7 @@
               <a:t>Titanium Java modules must extend </a:t>
             </a:r>
             <a:r>
-              <a:rPr lang="en-US" b="1" baseline="0" dirty="0" err="1" smtClean="0">
+              <a:rPr lang="en-US" b="0" baseline="0" dirty="0" err="1" smtClean="0">
                 <a:solidFill>
                   <a:srgbClr val="000000"/>
                 </a:solidFill>
@@ -3931,7 +4276,7 @@
               </a:rPr>
               <a:t>KrollModule</a:t>
             </a:r>
-            <a:endParaRPr lang="en-US" b="1" dirty="0">
+            <a:endParaRPr lang="en-US" b="0" dirty="0">
               <a:solidFill>
                 <a:srgbClr val="000000"/>
               </a:solidFill>
@@ -4481,7 +4826,7 @@
               <a:pPr>
                 <a:defRPr/>
               </a:pPr>
-              <a:t>7/17/11</a:t>
+              <a:t>7/22/11</a:t>
             </a:fld>
             <a:endParaRPr lang="en-US"/>
           </a:p>
@@ -4902,7 +5247,7 @@
               <a:pPr>
                 <a:defRPr/>
               </a:pPr>
-              <a:t>7/17/11</a:t>
+              <a:t>7/22/11</a:t>
             </a:fld>
             <a:endParaRPr lang="en-US"/>
           </a:p>
@@ -5627,7 +5972,7 @@
               <a:pPr>
                 <a:defRPr/>
               </a:pPr>
-              <a:t>7/17/11</a:t>
+              <a:t>7/22/11</a:t>
             </a:fld>
             <a:endParaRPr lang="en-US"/>
           </a:p>
@@ -6180,7 +6525,7 @@
               <a:pPr>
                 <a:defRPr/>
               </a:pPr>
-              <a:t>7/17/11</a:t>
+              <a:t>7/22/11</a:t>
             </a:fld>
             <a:endParaRPr lang="en-US"/>
           </a:p>
@@ -6531,7 +6876,7 @@
               <a:pPr>
                 <a:defRPr/>
               </a:pPr>
-              <a:t>7/17/11</a:t>
+              <a:t>7/22/11</a:t>
             </a:fld>
             <a:endParaRPr lang="en-US"/>
           </a:p>
@@ -6889,7 +7234,7 @@
               <a:pPr>
                 <a:defRPr/>
               </a:pPr>
-              <a:t>7/17/11</a:t>
+              <a:t>7/22/11</a:t>
             </a:fld>
             <a:endParaRPr lang="en-US"/>
           </a:p>
@@ -7124,7 +7469,7 @@
               <a:pPr>
                 <a:defRPr/>
               </a:pPr>
-              <a:t>7/17/11</a:t>
+              <a:t>7/22/11</a:t>
             </a:fld>
             <a:endParaRPr lang="en-US"/>
           </a:p>
@@ -7416,7 +7761,7 @@
               <a:pPr>
                 <a:defRPr/>
               </a:pPr>
-              <a:t>7/17/11</a:t>
+              <a:t>7/22/11</a:t>
             </a:fld>
             <a:endParaRPr lang="en-US"/>
           </a:p>
@@ -14475,30 +14820,7 @@
                 <a:cs typeface="ヒラギノ角ゴ ProN W6" charset="0"/>
                 <a:sym typeface="Trebuchet MS Bold Italic" charset="0"/>
               </a:rPr>
-              <a:t>Demo: Module Build </a:t>
-            </a:r>
-            <a:br>
-              <a:rPr lang="en-US" sz="3600" dirty="0" smtClean="0">
-                <a:solidFill>
-                  <a:srgbClr val="122956"/>
-                </a:solidFill>
-                <a:latin typeface="Trebuchet MS Bold Italic" charset="0"/>
-                <a:ea typeface="ヒラギノ角ゴ ProN W6" charset="0"/>
-                <a:cs typeface="ヒラギノ角ゴ ProN W6" charset="0"/>
-                <a:sym typeface="Trebuchet MS Bold Italic" charset="0"/>
-              </a:rPr>
-            </a:br>
-            <a:r>
-              <a:rPr lang="en-US" sz="3600" dirty="0" smtClean="0">
-                <a:solidFill>
-                  <a:srgbClr val="122956"/>
-                </a:solidFill>
-                <a:latin typeface="Trebuchet MS Bold Italic" charset="0"/>
-                <a:ea typeface="ヒラギノ角ゴ ProN W6" charset="0"/>
-                <a:cs typeface="ヒラギノ角ゴ ProN W6" charset="0"/>
-                <a:sym typeface="Trebuchet MS Bold Italic" charset="0"/>
-              </a:rPr>
-              <a:t>and Install</a:t>
+              <a:t>Q&amp;A</a:t>
             </a:r>
             <a:endParaRPr lang="en-US" sz="1400" dirty="0">
               <a:solidFill>
@@ -14515,7 +14837,7 @@
     </p:spTree>
     <p:extLst>
       <p:ext uri="{BB962C8B-B14F-4D97-AF65-F5344CB8AC3E}">
-        <p14:creationId xmlns:p14="http://schemas.microsoft.com/office/powerpoint/2010/main" val="1575128271"/>
+        <p14:creationId xmlns:p14="http://schemas.microsoft.com/office/powerpoint/2010/main" val="3310131187"/>
       </p:ext>
     </p:extLst>
   </p:cSld>
@@ -14552,7 +14874,7 @@
       </p:grpSpPr>
       <p:pic>
         <p:nvPicPr>
-          <p:cNvPr id="16385" name="Picture 1"/>
+          <p:cNvPr id="12289" name="Picture 1"/>
           <p:cNvPicPr>
             <a:picLocks noChangeArrowheads="1"/>
           </p:cNvPicPr>
@@ -14604,47 +14926,238 @@
           </a:extLst>
         </p:spPr>
       </p:pic>
+      <p:pic>
+        <p:nvPicPr>
+          <p:cNvPr id="12290" name="Picture 3"/>
+          <p:cNvPicPr>
+            <a:picLocks noChangeArrowheads="1"/>
+          </p:cNvPicPr>
+          <p:nvPr/>
+        </p:nvPicPr>
+        <p:blipFill>
+          <a:blip r:embed="rId4">
+            <a:extLst>
+              <a:ext uri="{28A0092B-C50C-407E-A947-70E740481C1C}">
+                <a14:useLocalDpi xmlns:a14="http://schemas.microsoft.com/office/drawing/2010/main" val="0"/>
+              </a:ext>
+            </a:extLst>
+          </a:blip>
+          <a:srcRect/>
+          <a:stretch>
+            <a:fillRect/>
+          </a:stretch>
+        </p:blipFill>
+        <p:spPr bwMode="auto">
+          <a:xfrm>
+            <a:off x="0" y="0"/>
+            <a:ext cx="9144000" cy="1176338"/>
+          </a:xfrm>
+          <a:prstGeom prst="rect">
+            <a:avLst/>
+          </a:prstGeom>
+          <a:noFill/>
+          <a:ln>
+            <a:noFill/>
+          </a:ln>
+          <a:extLst>
+            <a:ext uri="{909E8E84-426E-40dd-AFC4-6F175D3DCCD1}">
+              <a14:hiddenFill xmlns:a14="http://schemas.microsoft.com/office/drawing/2010/main">
+                <a:solidFill>
+                  <a:srgbClr val="FFFFFF"/>
+                </a:solidFill>
+              </a14:hiddenFill>
+            </a:ext>
+            <a:ext uri="{91240B29-F687-4f45-9708-019B960494DF}">
+              <a14:hiddenLine xmlns:a14="http://schemas.microsoft.com/office/drawing/2010/main" w="9525">
+                <a:solidFill>
+                  <a:srgbClr val="000000"/>
+                </a:solidFill>
+                <a:miter lim="800000"/>
+                <a:headEnd/>
+                <a:tailEnd/>
+              </a14:hiddenLine>
+            </a:ext>
+          </a:extLst>
+        </p:spPr>
+      </p:pic>
+      <p:pic>
+        <p:nvPicPr>
+          <p:cNvPr id="12291" name="Picture 4"/>
+          <p:cNvPicPr>
+            <a:picLocks noChangeArrowheads="1"/>
+          </p:cNvPicPr>
+          <p:nvPr/>
+        </p:nvPicPr>
+        <p:blipFill>
+          <a:blip r:embed="rId3">
+            <a:extLst>
+              <a:ext uri="{28A0092B-C50C-407E-A947-70E740481C1C}">
+                <a14:useLocalDpi xmlns:a14="http://schemas.microsoft.com/office/drawing/2010/main" val="0"/>
+              </a:ext>
+            </a:extLst>
+          </a:blip>
+          <a:srcRect/>
+          <a:stretch>
+            <a:fillRect/>
+          </a:stretch>
+        </p:blipFill>
+        <p:spPr bwMode="auto">
+          <a:xfrm>
+            <a:off x="8505825" y="6311900"/>
+            <a:ext cx="442913" cy="357188"/>
+          </a:xfrm>
+          <a:prstGeom prst="rect">
+            <a:avLst/>
+          </a:prstGeom>
+          <a:noFill/>
+          <a:ln>
+            <a:noFill/>
+          </a:ln>
+          <a:extLst>
+            <a:ext uri="{909E8E84-426E-40dd-AFC4-6F175D3DCCD1}">
+              <a14:hiddenFill xmlns:a14="http://schemas.microsoft.com/office/drawing/2010/main">
+                <a:solidFill>
+                  <a:srgbClr val="FFFFFF"/>
+                </a:solidFill>
+              </a14:hiddenFill>
+            </a:ext>
+            <a:ext uri="{91240B29-F687-4f45-9708-019B960494DF}">
+              <a14:hiddenLine xmlns:a14="http://schemas.microsoft.com/office/drawing/2010/main" w="9525">
+                <a:solidFill>
+                  <a:srgbClr val="000000"/>
+                </a:solidFill>
+                <a:miter lim="800000"/>
+                <a:headEnd/>
+                <a:tailEnd/>
+              </a14:hiddenLine>
+            </a:ext>
+          </a:extLst>
+        </p:spPr>
+      </p:pic>
       <p:sp>
         <p:nvSpPr>
-          <p:cNvPr id="16386" name="Rectangle 5"/>
+          <p:cNvPr id="12292" name="Rectangle 6"/>
           <p:cNvSpPr>
             <a:spLocks noGrp="1" noChangeArrowheads="1"/>
           </p:cNvSpPr>
           <p:nvPr>
-            <p:ph type="ctrTitle" idx="4294967295"/>
+            <p:ph type="title"/>
           </p:nvPr>
         </p:nvSpPr>
         <p:spPr>
           <a:xfrm>
-            <a:off x="685800" y="2317750"/>
-            <a:ext cx="7772400" cy="1470025"/>
+            <a:off x="457200" y="0"/>
+            <a:ext cx="8229600" cy="1219200"/>
           </a:xfrm>
         </p:spPr>
         <p:txBody>
           <a:bodyPr rIns="81279"/>
           <a:lstStyle/>
           <a:p>
-            <a:pPr algn="ctr" eaLnBrk="1" hangingPunct="1"/>
-            <a:r>
-              <a:rPr lang="en-US" sz="3600" dirty="0" smtClean="0">
-                <a:solidFill>
-                  <a:srgbClr val="122956"/>
-                </a:solidFill>
-                <a:latin typeface="Trebuchet MS Bold Italic" charset="0"/>
+            <a:pPr eaLnBrk="1" hangingPunct="1"/>
+            <a:r>
+              <a:rPr lang="en-US" dirty="0" smtClean="0">
+                <a:latin typeface="Trebuchet MS Bold" charset="0"/>
                 <a:ea typeface="ヒラギノ角ゴ ProN W6" charset="0"/>
                 <a:cs typeface="ヒラギノ角ゴ ProN W6" charset="0"/>
-                <a:sym typeface="Trebuchet MS Bold Italic" charset="0"/>
-              </a:rPr>
-              <a:t>Q&amp;A</a:t>
-            </a:r>
-            <a:endParaRPr lang="en-US" sz="1400" dirty="0">
-              <a:solidFill>
-                <a:srgbClr val="122956"/>
-              </a:solidFill>
-              <a:latin typeface="Trebuchet MS Bold Italic" charset="0"/>
+              </a:rPr>
+              <a:t>Lab Goals</a:t>
+            </a:r>
+            <a:endParaRPr lang="en-US" dirty="0">
+              <a:latin typeface="Trebuchet MS Bold" charset="0"/>
               <a:ea typeface="ヒラギノ角ゴ ProN W6" charset="0"/>
               <a:cs typeface="ヒラギノ角ゴ ProN W6" charset="0"/>
-              <a:sym typeface="Trebuchet MS Bold Italic" charset="0"/>
+            </a:endParaRPr>
+          </a:p>
+        </p:txBody>
+      </p:sp>
+      <p:sp>
+        <p:nvSpPr>
+          <p:cNvPr id="12293" name="Rectangle 7"/>
+          <p:cNvSpPr>
+            <a:spLocks noGrp="1" noChangeArrowheads="1"/>
+          </p:cNvSpPr>
+          <p:nvPr>
+            <p:ph idx="1"/>
+          </p:nvPr>
+        </p:nvSpPr>
+        <p:spPr>
+          <a:xfrm>
+            <a:off x="457200" y="1346200"/>
+            <a:ext cx="8229600" cy="4826000"/>
+          </a:xfrm>
+        </p:spPr>
+        <p:txBody>
+          <a:bodyPr rIns="81279"/>
+          <a:lstStyle/>
+          <a:p>
+            <a:pPr eaLnBrk="1" hangingPunct="1"/>
+            <a:r>
+              <a:rPr lang="en-US" dirty="0" smtClean="0">
+                <a:latin typeface="Trebuchet MS" charset="0"/>
+                <a:ea typeface="ヒラギノ角ゴ ProN W3" charset="0"/>
+                <a:cs typeface="ヒラギノ角ゴ ProN W3" charset="0"/>
+              </a:rPr>
+              <a:t>Follow the steps in the </a:t>
+            </a:r>
+            <a:r>
+              <a:rPr lang="en-US" dirty="0" err="1" smtClean="0">
+                <a:latin typeface="Trebuchet MS" charset="0"/>
+                <a:ea typeface="ヒラギノ角ゴ ProN W3" charset="0"/>
+                <a:cs typeface="ヒラギノ角ゴ ProN W3" charset="0"/>
+              </a:rPr>
+              <a:t>iOS</a:t>
+            </a:r>
+            <a:r>
+              <a:rPr lang="en-US" dirty="0" smtClean="0">
+                <a:latin typeface="Trebuchet MS" charset="0"/>
+                <a:ea typeface="ヒラギノ角ゴ ProN W3" charset="0"/>
+                <a:cs typeface="ヒラギノ角ゴ ProN W3" charset="0"/>
+              </a:rPr>
+              <a:t> (or Android) module development wiki guide</a:t>
+            </a:r>
+          </a:p>
+          <a:p>
+            <a:pPr eaLnBrk="1" hangingPunct="1"/>
+            <a:endParaRPr lang="en-US" dirty="0">
+              <a:latin typeface="Trebuchet MS" charset="0"/>
+              <a:ea typeface="ヒラギノ角ゴ ProN W3" charset="0"/>
+              <a:cs typeface="ヒラギノ角ゴ ProN W3" charset="0"/>
+            </a:endParaRPr>
+          </a:p>
+          <a:p>
+            <a:pPr eaLnBrk="1" hangingPunct="1"/>
+            <a:r>
+              <a:rPr lang="en-US" dirty="0" smtClean="0">
+                <a:latin typeface="Trebuchet MS" charset="0"/>
+                <a:ea typeface="ヒラギノ角ゴ ProN W3" charset="0"/>
+                <a:cs typeface="ヒラギノ角ゴ ProN W3" charset="0"/>
+              </a:rPr>
+              <a:t>Create the sample module that guide describes</a:t>
+            </a:r>
+          </a:p>
+          <a:p>
+            <a:pPr eaLnBrk="1" hangingPunct="1"/>
+            <a:endParaRPr lang="en-US" dirty="0">
+              <a:latin typeface="Trebuchet MS" charset="0"/>
+              <a:ea typeface="ヒラギノ角ゴ ProN W3" charset="0"/>
+              <a:cs typeface="ヒラギノ角ゴ ProN W3" charset="0"/>
+            </a:endParaRPr>
+          </a:p>
+          <a:p>
+            <a:pPr eaLnBrk="1" hangingPunct="1"/>
+            <a:r>
+              <a:rPr lang="en-US" dirty="0" smtClean="0">
+                <a:latin typeface="Trebuchet MS" charset="0"/>
+                <a:ea typeface="ヒラギノ角ゴ ProN W3" charset="0"/>
+                <a:cs typeface="ヒラギノ角ゴ ProN W3" charset="0"/>
+              </a:rPr>
+              <a:t>Use that module in a Titanium project</a:t>
+            </a:r>
+            <a:endParaRPr lang="en-US" dirty="0">
+              <a:latin typeface="Trebuchet MS" charset="0"/>
+              <a:ea typeface="ヒラギノ角ゴ ProN W3" charset="0"/>
+              <a:cs typeface="ヒラギノ角ゴ ProN W3" charset="0"/>
             </a:endParaRPr>
           </a:p>
         </p:txBody>
@@ -14652,7 +15165,7 @@
     </p:spTree>
     <p:extLst>
       <p:ext uri="{BB962C8B-B14F-4D97-AF65-F5344CB8AC3E}">
-        <p14:creationId xmlns:p14="http://schemas.microsoft.com/office/powerpoint/2010/main" val="3310131187"/>
+        <p14:creationId xmlns:p14="http://schemas.microsoft.com/office/powerpoint/2010/main" val="2807690464"/>
       </p:ext>
     </p:extLst>
   </p:cSld>

--- a/370.pptx
+++ b/370.pptx
@@ -3213,6 +3213,66 @@
                 <a:spcPts val="450"/>
               </a:spcBef>
             </a:pPr>
+            <a:r>
+              <a:rPr lang="en-US" dirty="0" smtClean="0">
+                <a:solidFill>
+                  <a:srgbClr val="000000"/>
+                </a:solidFill>
+                <a:latin typeface="Times New Roman" charset="0"/>
+                <a:ea typeface="ＭＳ Ｐゴシック" charset="0"/>
+                <a:cs typeface="Times New Roman" charset="0"/>
+                <a:sym typeface="Times New Roman" charset="0"/>
+              </a:rPr>
+              <a:t>There is no specific </a:t>
+            </a:r>
+            <a:r>
+              <a:rPr lang="en-US" dirty="0" err="1" smtClean="0">
+                <a:solidFill>
+                  <a:srgbClr val="000000"/>
+                </a:solidFill>
+                <a:latin typeface="Times New Roman" charset="0"/>
+                <a:ea typeface="ＭＳ Ｐゴシック" charset="0"/>
+                <a:cs typeface="Times New Roman" charset="0"/>
+                <a:sym typeface="Times New Roman" charset="0"/>
+              </a:rPr>
+              <a:t>TiBountyHunter</a:t>
+            </a:r>
+            <a:r>
+              <a:rPr lang="en-US" dirty="0" smtClean="0">
+                <a:solidFill>
+                  <a:srgbClr val="000000"/>
+                </a:solidFill>
+                <a:latin typeface="Times New Roman" charset="0"/>
+                <a:ea typeface="ＭＳ Ｐゴシック" charset="0"/>
+                <a:cs typeface="Times New Roman" charset="0"/>
+                <a:sym typeface="Times New Roman" charset="0"/>
+              </a:rPr>
+              <a:t> tie</a:t>
+            </a:r>
+            <a:r>
+              <a:rPr lang="en-US" baseline="0" dirty="0" smtClean="0">
+                <a:solidFill>
+                  <a:srgbClr val="000000"/>
+                </a:solidFill>
+                <a:latin typeface="Times New Roman" charset="0"/>
+                <a:ea typeface="ＭＳ Ｐゴシック" charset="0"/>
+                <a:cs typeface="Times New Roman" charset="0"/>
+                <a:sym typeface="Times New Roman" charset="0"/>
+              </a:rPr>
+              <a:t> in here – the exercise is going through the module </a:t>
+            </a:r>
+            <a:r>
+              <a:rPr lang="en-US" baseline="0" smtClean="0">
+                <a:solidFill>
+                  <a:srgbClr val="000000"/>
+                </a:solidFill>
+                <a:latin typeface="Times New Roman" charset="0"/>
+                <a:ea typeface="ＭＳ Ｐゴシック" charset="0"/>
+                <a:cs typeface="Times New Roman" charset="0"/>
+                <a:sym typeface="Times New Roman" charset="0"/>
+              </a:rPr>
+              <a:t>development guides</a:t>
+            </a:r>
             <a:endParaRPr lang="en-US" dirty="0">
               <a:solidFill>
                 <a:srgbClr val="000000"/>
@@ -4826,7 +4886,7 @@
               <a:pPr>
                 <a:defRPr/>
               </a:pPr>
-              <a:t>7/22/11</a:t>
+              <a:t>7/26/11</a:t>
             </a:fld>
             <a:endParaRPr lang="en-US"/>
           </a:p>
@@ -5247,7 +5307,7 @@
               <a:pPr>
                 <a:defRPr/>
               </a:pPr>
-              <a:t>7/22/11</a:t>
+              <a:t>7/26/11</a:t>
             </a:fld>
             <a:endParaRPr lang="en-US"/>
           </a:p>
@@ -5972,7 +6032,7 @@
               <a:pPr>
                 <a:defRPr/>
               </a:pPr>
-              <a:t>7/22/11</a:t>
+              <a:t>7/26/11</a:t>
             </a:fld>
             <a:endParaRPr lang="en-US"/>
           </a:p>
@@ -6525,7 +6585,7 @@
               <a:pPr>
                 <a:defRPr/>
               </a:pPr>
-              <a:t>7/22/11</a:t>
+              <a:t>7/26/11</a:t>
             </a:fld>
             <a:endParaRPr lang="en-US"/>
           </a:p>
@@ -6876,7 +6936,7 @@
               <a:pPr>
                 <a:defRPr/>
               </a:pPr>
-              <a:t>7/22/11</a:t>
+              <a:t>7/26/11</a:t>
             </a:fld>
             <a:endParaRPr lang="en-US"/>
           </a:p>
@@ -7234,7 +7294,7 @@
               <a:pPr>
                 <a:defRPr/>
               </a:pPr>
-              <a:t>7/22/11</a:t>
+              <a:t>7/26/11</a:t>
             </a:fld>
             <a:endParaRPr lang="en-US"/>
           </a:p>
@@ -7469,7 +7529,7 @@
               <a:pPr>
                 <a:defRPr/>
               </a:pPr>
-              <a:t>7/22/11</a:t>
+              <a:t>7/26/11</a:t>
             </a:fld>
             <a:endParaRPr lang="en-US"/>
           </a:p>
@@ -7761,7 +7821,7 @@
               <a:pPr>
                 <a:defRPr/>
               </a:pPr>
-              <a:t>7/22/11</a:t>
+              <a:t>7/26/11</a:t>
             </a:fld>
             <a:endParaRPr lang="en-US"/>
           </a:p>

--- a/370.pptx
+++ b/370.pptx
@@ -4886,7 +4886,7 @@
               <a:pPr>
                 <a:defRPr/>
               </a:pPr>
-              <a:t>7/26/11</a:t>
+              <a:t>8/19/11</a:t>
             </a:fld>
             <a:endParaRPr lang="en-US"/>
           </a:p>
@@ -5307,7 +5307,7 @@
               <a:pPr>
                 <a:defRPr/>
               </a:pPr>
-              <a:t>7/26/11</a:t>
+              <a:t>8/19/11</a:t>
             </a:fld>
             <a:endParaRPr lang="en-US"/>
           </a:p>
@@ -6032,7 +6032,7 @@
               <a:pPr>
                 <a:defRPr/>
               </a:pPr>
-              <a:t>7/26/11</a:t>
+              <a:t>8/19/11</a:t>
             </a:fld>
             <a:endParaRPr lang="en-US"/>
           </a:p>
@@ -6585,7 +6585,7 @@
               <a:pPr>
                 <a:defRPr/>
               </a:pPr>
-              <a:t>7/26/11</a:t>
+              <a:t>8/19/11</a:t>
             </a:fld>
             <a:endParaRPr lang="en-US"/>
           </a:p>
@@ -6936,7 +6936,7 @@
               <a:pPr>
                 <a:defRPr/>
               </a:pPr>
-              <a:t>7/26/11</a:t>
+              <a:t>8/19/11</a:t>
             </a:fld>
             <a:endParaRPr lang="en-US"/>
           </a:p>
@@ -7294,7 +7294,7 @@
               <a:pPr>
                 <a:defRPr/>
               </a:pPr>
-              <a:t>7/26/11</a:t>
+              <a:t>8/19/11</a:t>
             </a:fld>
             <a:endParaRPr lang="en-US"/>
           </a:p>
@@ -7529,7 +7529,7 @@
               <a:pPr>
                 <a:defRPr/>
               </a:pPr>
-              <a:t>7/26/11</a:t>
+              <a:t>8/19/11</a:t>
             </a:fld>
             <a:endParaRPr lang="en-US"/>
           </a:p>
@@ -7821,7 +7821,7 @@
               <a:pPr>
                 <a:defRPr/>
               </a:pPr>
-              <a:t>7/26/11</a:t>
+              <a:t>8/19/11</a:t>
             </a:fld>
             <a:endParaRPr lang="en-US"/>
           </a:p>
@@ -8726,7 +8726,7 @@
               <a:defRPr/>
             </a:pPr>
             <a:r>
-              <a:rPr lang="en-US" sz="4400" dirty="0" smtClean="0">
+              <a:rPr lang="en-US" sz="4400" i="1" smtClean="0">
                 <a:solidFill>
                   <a:schemeClr val="accent6"/>
                 </a:solidFill>
@@ -8743,7 +8743,40 @@
               </a:rPr>
               <a:t>Extending Titanium</a:t>
             </a:r>
-            <a:endParaRPr lang="en-US" sz="4400" dirty="0">
+            <a:br>
+              <a:rPr lang="en-US" sz="4400" i="1" smtClean="0">
+                <a:solidFill>
+                  <a:schemeClr val="accent6"/>
+                </a:solidFill>
+                <a:effectLst>
+                  <a:innerShdw blurRad="63500" dist="50800" dir="13500000">
+                    <a:prstClr val="black">
+                      <a:alpha val="50000"/>
+                    </a:prstClr>
+                  </a:innerShdw>
+                </a:effectLst>
+                <a:latin typeface="Trebuchet MS Bold" charset="0"/>
+                <a:cs typeface="Trebuchet MS Bold" charset="0"/>
+                <a:sym typeface="Trebuchet MS Bold" charset="0"/>
+              </a:rPr>
+            </a:br>
+            <a:r>
+              <a:rPr lang="en-US" sz="2800" b="0" i="1">
+                <a:solidFill>
+                  <a:srgbClr val="122956"/>
+                </a:solidFill>
+                <a:effectLst>
+                  <a:innerShdw blurRad="63500" dist="50800" dir="13500000">
+                    <a:prstClr val="black">
+                      <a:alpha val="50000"/>
+                    </a:prstClr>
+                  </a:innerShdw>
+                </a:effectLst>
+                <a:ea typeface="Hiragino Sans GB W6" charset="0"/>
+              </a:rPr>
+              <a:t>Advanced Titanium Mobile Development</a:t>
+            </a:r>
+            <a:endParaRPr lang="en-US" sz="4400" i="1" dirty="0">
               <a:solidFill>
                 <a:schemeClr val="accent6"/>
               </a:solidFill>
@@ -8815,6 +8848,186 @@
           </a:extLst>
         </p:spPr>
       </p:pic>
+      <p:sp>
+        <p:nvSpPr>
+          <p:cNvPr id="7" name="Slide Number Placeholder 5"/>
+          <p:cNvSpPr>
+            <a:spLocks noGrp="1"/>
+          </p:cNvSpPr>
+          <p:nvPr>
+            <p:ph type="sldNum" sz="quarter" idx="12"/>
+          </p:nvPr>
+        </p:nvSpPr>
+        <p:spPr bwMode="auto">
+          <a:xfrm>
+            <a:off x="203200" y="6400800"/>
+            <a:ext cx="2133600" cy="365125"/>
+          </a:xfrm>
+          <a:noFill/>
+          <a:extLst>
+            <a:ext uri="{909E8E84-426E-40dd-AFC4-6F175D3DCCD1}">
+              <a14:hiddenFill xmlns:a14="http://schemas.microsoft.com/office/drawing/2010/main">
+                <a:solidFill>
+                  <a:srgbClr val="FFFFFF"/>
+                </a:solidFill>
+              </a14:hiddenFill>
+            </a:ext>
+            <a:ext uri="{91240B29-F687-4f45-9708-019B960494DF}">
+              <a14:hiddenLine xmlns:a14="http://schemas.microsoft.com/office/drawing/2010/main" w="9525">
+                <a:solidFill>
+                  <a:srgbClr val="000000"/>
+                </a:solidFill>
+                <a:miter lim="800000"/>
+                <a:headEnd/>
+                <a:tailEnd/>
+              </a14:hiddenLine>
+            </a:ext>
+          </a:extLst>
+        </p:spPr>
+        <p:txBody>
+          <a:bodyPr vert="horz" wrap="square" lIns="91440" tIns="45720" rIns="91440" bIns="45720" numCol="1" anchor="ctr" anchorCtr="0" compatLnSpc="1">
+            <a:prstTxWarp prst="textNoShape">
+              <a:avLst/>
+            </a:prstTxWarp>
+          </a:bodyPr>
+          <a:lstStyle>
+            <a:lvl1pPr eaLnBrk="0" hangingPunct="0">
+              <a:defRPr sz="2400">
+                <a:solidFill>
+                  <a:schemeClr val="tx1"/>
+                </a:solidFill>
+                <a:latin typeface="Trebuchet MS" charset="0"/>
+                <a:ea typeface="ＭＳ Ｐゴシック" charset="0"/>
+                <a:cs typeface="ＭＳ Ｐゴシック" charset="0"/>
+              </a:defRPr>
+            </a:lvl1pPr>
+            <a:lvl2pPr marL="742950" indent="-285750" eaLnBrk="0" hangingPunct="0">
+              <a:defRPr sz="2400">
+                <a:solidFill>
+                  <a:schemeClr val="tx1"/>
+                </a:solidFill>
+                <a:latin typeface="Trebuchet MS" charset="0"/>
+                <a:ea typeface="ＭＳ Ｐゴシック" charset="0"/>
+              </a:defRPr>
+            </a:lvl2pPr>
+            <a:lvl3pPr marL="1143000" indent="-228600" eaLnBrk="0" hangingPunct="0">
+              <a:defRPr sz="2400">
+                <a:solidFill>
+                  <a:schemeClr val="tx1"/>
+                </a:solidFill>
+                <a:latin typeface="Trebuchet MS" charset="0"/>
+                <a:ea typeface="ＭＳ Ｐゴシック" charset="0"/>
+              </a:defRPr>
+            </a:lvl3pPr>
+            <a:lvl4pPr marL="1600200" indent="-228600" eaLnBrk="0" hangingPunct="0">
+              <a:defRPr sz="2400">
+                <a:solidFill>
+                  <a:schemeClr val="tx1"/>
+                </a:solidFill>
+                <a:latin typeface="Trebuchet MS" charset="0"/>
+                <a:ea typeface="ＭＳ Ｐゴシック" charset="0"/>
+              </a:defRPr>
+            </a:lvl4pPr>
+            <a:lvl5pPr marL="2057400" indent="-228600" eaLnBrk="0" hangingPunct="0">
+              <a:defRPr sz="2400">
+                <a:solidFill>
+                  <a:schemeClr val="tx1"/>
+                </a:solidFill>
+                <a:latin typeface="Trebuchet MS" charset="0"/>
+                <a:ea typeface="ＭＳ Ｐゴシック" charset="0"/>
+              </a:defRPr>
+            </a:lvl5pPr>
+            <a:lvl6pPr marL="2514600" indent="-228600" eaLnBrk="0" fontAlgn="base" hangingPunct="0">
+              <a:spcBef>
+                <a:spcPct val="0"/>
+              </a:spcBef>
+              <a:spcAft>
+                <a:spcPct val="0"/>
+              </a:spcAft>
+              <a:defRPr sz="2400">
+                <a:solidFill>
+                  <a:schemeClr val="tx1"/>
+                </a:solidFill>
+                <a:latin typeface="Trebuchet MS" charset="0"/>
+                <a:ea typeface="ＭＳ Ｐゴシック" charset="0"/>
+              </a:defRPr>
+            </a:lvl6pPr>
+            <a:lvl7pPr marL="2971800" indent="-228600" eaLnBrk="0" fontAlgn="base" hangingPunct="0">
+              <a:spcBef>
+                <a:spcPct val="0"/>
+              </a:spcBef>
+              <a:spcAft>
+                <a:spcPct val="0"/>
+              </a:spcAft>
+              <a:defRPr sz="2400">
+                <a:solidFill>
+                  <a:schemeClr val="tx1"/>
+                </a:solidFill>
+                <a:latin typeface="Trebuchet MS" charset="0"/>
+                <a:ea typeface="ＭＳ Ｐゴシック" charset="0"/>
+              </a:defRPr>
+            </a:lvl7pPr>
+            <a:lvl8pPr marL="3429000" indent="-228600" eaLnBrk="0" fontAlgn="base" hangingPunct="0">
+              <a:spcBef>
+                <a:spcPct val="0"/>
+              </a:spcBef>
+              <a:spcAft>
+                <a:spcPct val="0"/>
+              </a:spcAft>
+              <a:defRPr sz="2400">
+                <a:solidFill>
+                  <a:schemeClr val="tx1"/>
+                </a:solidFill>
+                <a:latin typeface="Trebuchet MS" charset="0"/>
+                <a:ea typeface="ＭＳ Ｐゴシック" charset="0"/>
+              </a:defRPr>
+            </a:lvl8pPr>
+            <a:lvl9pPr marL="3886200" indent="-228600" eaLnBrk="0" fontAlgn="base" hangingPunct="0">
+              <a:spcBef>
+                <a:spcPct val="0"/>
+              </a:spcBef>
+              <a:spcAft>
+                <a:spcPct val="0"/>
+              </a:spcAft>
+              <a:defRPr sz="2400">
+                <a:solidFill>
+                  <a:schemeClr val="tx1"/>
+                </a:solidFill>
+                <a:latin typeface="Trebuchet MS" charset="0"/>
+                <a:ea typeface="ＭＳ Ｐゴシック" charset="0"/>
+              </a:defRPr>
+            </a:lvl9pPr>
+          </a:lstStyle>
+          <a:p>
+            <a:pPr algn="l" eaLnBrk="1" hangingPunct="1"/>
+            <a:r>
+              <a:rPr lang="en-US" sz="1200" b="1" dirty="0" smtClean="0">
+                <a:solidFill>
+                  <a:srgbClr val="122956"/>
+                </a:solidFill>
+                <a:cs typeface="Trebuchet MS" charset="0"/>
+              </a:rPr>
+              <a:t>11-</a:t>
+            </a:r>
+            <a:fld id="{31B56995-E14C-B64F-86C9-12D6DB74A41E}" type="slidenum">
+              <a:rPr lang="en-US" sz="1200" b="1">
+                <a:solidFill>
+                  <a:srgbClr val="122956"/>
+                </a:solidFill>
+                <a:cs typeface="Trebuchet MS" charset="0"/>
+              </a:rPr>
+              <a:pPr algn="l" eaLnBrk="1" hangingPunct="1"/>
+              <a:t>1</a:t>
+            </a:fld>
+            <a:endParaRPr lang="en-US" sz="1200" b="1" dirty="0">
+              <a:solidFill>
+                <a:srgbClr val="122956"/>
+              </a:solidFill>
+              <a:cs typeface="Trebuchet MS" charset="0"/>
+            </a:endParaRPr>
+          </a:p>
+        </p:txBody>
+      </p:sp>
     </p:spTree>
   </p:cSld>
   <p:clrMapOvr>
@@ -9168,6 +9381,186 @@
               <a:latin typeface="Trebuchet MS" charset="0"/>
               <a:ea typeface="ヒラギノ角ゴ ProN W3" charset="0"/>
               <a:cs typeface="ヒラギノ角ゴ ProN W3" charset="0"/>
+            </a:endParaRPr>
+          </a:p>
+        </p:txBody>
+      </p:sp>
+      <p:sp>
+        <p:nvSpPr>
+          <p:cNvPr id="7" name="Slide Number Placeholder 5"/>
+          <p:cNvSpPr>
+            <a:spLocks noGrp="1"/>
+          </p:cNvSpPr>
+          <p:nvPr>
+            <p:ph type="sldNum" sz="quarter" idx="12"/>
+          </p:nvPr>
+        </p:nvSpPr>
+        <p:spPr bwMode="auto">
+          <a:xfrm>
+            <a:off x="203200" y="6400800"/>
+            <a:ext cx="2133600" cy="365125"/>
+          </a:xfrm>
+          <a:noFill/>
+          <a:extLst>
+            <a:ext uri="{909E8E84-426E-40dd-AFC4-6F175D3DCCD1}">
+              <a14:hiddenFill xmlns:a14="http://schemas.microsoft.com/office/drawing/2010/main">
+                <a:solidFill>
+                  <a:srgbClr val="FFFFFF"/>
+                </a:solidFill>
+              </a14:hiddenFill>
+            </a:ext>
+            <a:ext uri="{91240B29-F687-4f45-9708-019B960494DF}">
+              <a14:hiddenLine xmlns:a14="http://schemas.microsoft.com/office/drawing/2010/main" w="9525">
+                <a:solidFill>
+                  <a:srgbClr val="000000"/>
+                </a:solidFill>
+                <a:miter lim="800000"/>
+                <a:headEnd/>
+                <a:tailEnd/>
+              </a14:hiddenLine>
+            </a:ext>
+          </a:extLst>
+        </p:spPr>
+        <p:txBody>
+          <a:bodyPr vert="horz" wrap="square" lIns="91440" tIns="45720" rIns="91440" bIns="45720" numCol="1" anchor="ctr" anchorCtr="0" compatLnSpc="1">
+            <a:prstTxWarp prst="textNoShape">
+              <a:avLst/>
+            </a:prstTxWarp>
+          </a:bodyPr>
+          <a:lstStyle>
+            <a:lvl1pPr eaLnBrk="0" hangingPunct="0">
+              <a:defRPr sz="2400">
+                <a:solidFill>
+                  <a:schemeClr val="tx1"/>
+                </a:solidFill>
+                <a:latin typeface="Trebuchet MS" charset="0"/>
+                <a:ea typeface="ＭＳ Ｐゴシック" charset="0"/>
+                <a:cs typeface="ＭＳ Ｐゴシック" charset="0"/>
+              </a:defRPr>
+            </a:lvl1pPr>
+            <a:lvl2pPr marL="742950" indent="-285750" eaLnBrk="0" hangingPunct="0">
+              <a:defRPr sz="2400">
+                <a:solidFill>
+                  <a:schemeClr val="tx1"/>
+                </a:solidFill>
+                <a:latin typeface="Trebuchet MS" charset="0"/>
+                <a:ea typeface="ＭＳ Ｐゴシック" charset="0"/>
+              </a:defRPr>
+            </a:lvl2pPr>
+            <a:lvl3pPr marL="1143000" indent="-228600" eaLnBrk="0" hangingPunct="0">
+              <a:defRPr sz="2400">
+                <a:solidFill>
+                  <a:schemeClr val="tx1"/>
+                </a:solidFill>
+                <a:latin typeface="Trebuchet MS" charset="0"/>
+                <a:ea typeface="ＭＳ Ｐゴシック" charset="0"/>
+              </a:defRPr>
+            </a:lvl3pPr>
+            <a:lvl4pPr marL="1600200" indent="-228600" eaLnBrk="0" hangingPunct="0">
+              <a:defRPr sz="2400">
+                <a:solidFill>
+                  <a:schemeClr val="tx1"/>
+                </a:solidFill>
+                <a:latin typeface="Trebuchet MS" charset="0"/>
+                <a:ea typeface="ＭＳ Ｐゴシック" charset="0"/>
+              </a:defRPr>
+            </a:lvl4pPr>
+            <a:lvl5pPr marL="2057400" indent="-228600" eaLnBrk="0" hangingPunct="0">
+              <a:defRPr sz="2400">
+                <a:solidFill>
+                  <a:schemeClr val="tx1"/>
+                </a:solidFill>
+                <a:latin typeface="Trebuchet MS" charset="0"/>
+                <a:ea typeface="ＭＳ Ｐゴシック" charset="0"/>
+              </a:defRPr>
+            </a:lvl5pPr>
+            <a:lvl6pPr marL="2514600" indent="-228600" eaLnBrk="0" fontAlgn="base" hangingPunct="0">
+              <a:spcBef>
+                <a:spcPct val="0"/>
+              </a:spcBef>
+              <a:spcAft>
+                <a:spcPct val="0"/>
+              </a:spcAft>
+              <a:defRPr sz="2400">
+                <a:solidFill>
+                  <a:schemeClr val="tx1"/>
+                </a:solidFill>
+                <a:latin typeface="Trebuchet MS" charset="0"/>
+                <a:ea typeface="ＭＳ Ｐゴシック" charset="0"/>
+              </a:defRPr>
+            </a:lvl6pPr>
+            <a:lvl7pPr marL="2971800" indent="-228600" eaLnBrk="0" fontAlgn="base" hangingPunct="0">
+              <a:spcBef>
+                <a:spcPct val="0"/>
+              </a:spcBef>
+              <a:spcAft>
+                <a:spcPct val="0"/>
+              </a:spcAft>
+              <a:defRPr sz="2400">
+                <a:solidFill>
+                  <a:schemeClr val="tx1"/>
+                </a:solidFill>
+                <a:latin typeface="Trebuchet MS" charset="0"/>
+                <a:ea typeface="ＭＳ Ｐゴシック" charset="0"/>
+              </a:defRPr>
+            </a:lvl7pPr>
+            <a:lvl8pPr marL="3429000" indent="-228600" eaLnBrk="0" fontAlgn="base" hangingPunct="0">
+              <a:spcBef>
+                <a:spcPct val="0"/>
+              </a:spcBef>
+              <a:spcAft>
+                <a:spcPct val="0"/>
+              </a:spcAft>
+              <a:defRPr sz="2400">
+                <a:solidFill>
+                  <a:schemeClr val="tx1"/>
+                </a:solidFill>
+                <a:latin typeface="Trebuchet MS" charset="0"/>
+                <a:ea typeface="ＭＳ Ｐゴシック" charset="0"/>
+              </a:defRPr>
+            </a:lvl8pPr>
+            <a:lvl9pPr marL="3886200" indent="-228600" eaLnBrk="0" fontAlgn="base" hangingPunct="0">
+              <a:spcBef>
+                <a:spcPct val="0"/>
+              </a:spcBef>
+              <a:spcAft>
+                <a:spcPct val="0"/>
+              </a:spcAft>
+              <a:defRPr sz="2400">
+                <a:solidFill>
+                  <a:schemeClr val="tx1"/>
+                </a:solidFill>
+                <a:latin typeface="Trebuchet MS" charset="0"/>
+                <a:ea typeface="ＭＳ Ｐゴシック" charset="0"/>
+              </a:defRPr>
+            </a:lvl9pPr>
+          </a:lstStyle>
+          <a:p>
+            <a:pPr algn="l" eaLnBrk="1" hangingPunct="1"/>
+            <a:r>
+              <a:rPr lang="en-US" sz="1200" b="1" dirty="0" smtClean="0">
+                <a:solidFill>
+                  <a:srgbClr val="122956"/>
+                </a:solidFill>
+                <a:cs typeface="Trebuchet MS" charset="0"/>
+              </a:rPr>
+              <a:t>11-</a:t>
+            </a:r>
+            <a:fld id="{31B56995-E14C-B64F-86C9-12D6DB74A41E}" type="slidenum">
+              <a:rPr lang="en-US" sz="1200" b="1">
+                <a:solidFill>
+                  <a:srgbClr val="122956"/>
+                </a:solidFill>
+                <a:cs typeface="Trebuchet MS" charset="0"/>
+              </a:rPr>
+              <a:pPr algn="l" eaLnBrk="1" hangingPunct="1"/>
+              <a:t>10</a:t>
+            </a:fld>
+            <a:endParaRPr lang="en-US" sz="1200" b="1" dirty="0">
+              <a:solidFill>
+                <a:srgbClr val="122956"/>
+              </a:solidFill>
+              <a:cs typeface="Trebuchet MS" charset="0"/>
             </a:endParaRPr>
           </a:p>
         </p:txBody>
@@ -9575,6 +9968,186 @@
           </a:p>
         </p:txBody>
       </p:sp>
+      <p:sp>
+        <p:nvSpPr>
+          <p:cNvPr id="7" name="Slide Number Placeholder 5"/>
+          <p:cNvSpPr>
+            <a:spLocks noGrp="1"/>
+          </p:cNvSpPr>
+          <p:nvPr>
+            <p:ph type="sldNum" sz="quarter" idx="12"/>
+          </p:nvPr>
+        </p:nvSpPr>
+        <p:spPr bwMode="auto">
+          <a:xfrm>
+            <a:off x="203200" y="6400800"/>
+            <a:ext cx="2133600" cy="365125"/>
+          </a:xfrm>
+          <a:noFill/>
+          <a:extLst>
+            <a:ext uri="{909E8E84-426E-40dd-AFC4-6F175D3DCCD1}">
+              <a14:hiddenFill xmlns:a14="http://schemas.microsoft.com/office/drawing/2010/main">
+                <a:solidFill>
+                  <a:srgbClr val="FFFFFF"/>
+                </a:solidFill>
+              </a14:hiddenFill>
+            </a:ext>
+            <a:ext uri="{91240B29-F687-4f45-9708-019B960494DF}">
+              <a14:hiddenLine xmlns:a14="http://schemas.microsoft.com/office/drawing/2010/main" w="9525">
+                <a:solidFill>
+                  <a:srgbClr val="000000"/>
+                </a:solidFill>
+                <a:miter lim="800000"/>
+                <a:headEnd/>
+                <a:tailEnd/>
+              </a14:hiddenLine>
+            </a:ext>
+          </a:extLst>
+        </p:spPr>
+        <p:txBody>
+          <a:bodyPr vert="horz" wrap="square" lIns="91440" tIns="45720" rIns="91440" bIns="45720" numCol="1" anchor="ctr" anchorCtr="0" compatLnSpc="1">
+            <a:prstTxWarp prst="textNoShape">
+              <a:avLst/>
+            </a:prstTxWarp>
+          </a:bodyPr>
+          <a:lstStyle>
+            <a:lvl1pPr eaLnBrk="0" hangingPunct="0">
+              <a:defRPr sz="2400">
+                <a:solidFill>
+                  <a:schemeClr val="tx1"/>
+                </a:solidFill>
+                <a:latin typeface="Trebuchet MS" charset="0"/>
+                <a:ea typeface="ＭＳ Ｐゴシック" charset="0"/>
+                <a:cs typeface="ＭＳ Ｐゴシック" charset="0"/>
+              </a:defRPr>
+            </a:lvl1pPr>
+            <a:lvl2pPr marL="742950" indent="-285750" eaLnBrk="0" hangingPunct="0">
+              <a:defRPr sz="2400">
+                <a:solidFill>
+                  <a:schemeClr val="tx1"/>
+                </a:solidFill>
+                <a:latin typeface="Trebuchet MS" charset="0"/>
+                <a:ea typeface="ＭＳ Ｐゴシック" charset="0"/>
+              </a:defRPr>
+            </a:lvl2pPr>
+            <a:lvl3pPr marL="1143000" indent="-228600" eaLnBrk="0" hangingPunct="0">
+              <a:defRPr sz="2400">
+                <a:solidFill>
+                  <a:schemeClr val="tx1"/>
+                </a:solidFill>
+                <a:latin typeface="Trebuchet MS" charset="0"/>
+                <a:ea typeface="ＭＳ Ｐゴシック" charset="0"/>
+              </a:defRPr>
+            </a:lvl3pPr>
+            <a:lvl4pPr marL="1600200" indent="-228600" eaLnBrk="0" hangingPunct="0">
+              <a:defRPr sz="2400">
+                <a:solidFill>
+                  <a:schemeClr val="tx1"/>
+                </a:solidFill>
+                <a:latin typeface="Trebuchet MS" charset="0"/>
+                <a:ea typeface="ＭＳ Ｐゴシック" charset="0"/>
+              </a:defRPr>
+            </a:lvl4pPr>
+            <a:lvl5pPr marL="2057400" indent="-228600" eaLnBrk="0" hangingPunct="0">
+              <a:defRPr sz="2400">
+                <a:solidFill>
+                  <a:schemeClr val="tx1"/>
+                </a:solidFill>
+                <a:latin typeface="Trebuchet MS" charset="0"/>
+                <a:ea typeface="ＭＳ Ｐゴシック" charset="0"/>
+              </a:defRPr>
+            </a:lvl5pPr>
+            <a:lvl6pPr marL="2514600" indent="-228600" eaLnBrk="0" fontAlgn="base" hangingPunct="0">
+              <a:spcBef>
+                <a:spcPct val="0"/>
+              </a:spcBef>
+              <a:spcAft>
+                <a:spcPct val="0"/>
+              </a:spcAft>
+              <a:defRPr sz="2400">
+                <a:solidFill>
+                  <a:schemeClr val="tx1"/>
+                </a:solidFill>
+                <a:latin typeface="Trebuchet MS" charset="0"/>
+                <a:ea typeface="ＭＳ Ｐゴシック" charset="0"/>
+              </a:defRPr>
+            </a:lvl6pPr>
+            <a:lvl7pPr marL="2971800" indent="-228600" eaLnBrk="0" fontAlgn="base" hangingPunct="0">
+              <a:spcBef>
+                <a:spcPct val="0"/>
+              </a:spcBef>
+              <a:spcAft>
+                <a:spcPct val="0"/>
+              </a:spcAft>
+              <a:defRPr sz="2400">
+                <a:solidFill>
+                  <a:schemeClr val="tx1"/>
+                </a:solidFill>
+                <a:latin typeface="Trebuchet MS" charset="0"/>
+                <a:ea typeface="ＭＳ Ｐゴシック" charset="0"/>
+              </a:defRPr>
+            </a:lvl7pPr>
+            <a:lvl8pPr marL="3429000" indent="-228600" eaLnBrk="0" fontAlgn="base" hangingPunct="0">
+              <a:spcBef>
+                <a:spcPct val="0"/>
+              </a:spcBef>
+              <a:spcAft>
+                <a:spcPct val="0"/>
+              </a:spcAft>
+              <a:defRPr sz="2400">
+                <a:solidFill>
+                  <a:schemeClr val="tx1"/>
+                </a:solidFill>
+                <a:latin typeface="Trebuchet MS" charset="0"/>
+                <a:ea typeface="ＭＳ Ｐゴシック" charset="0"/>
+              </a:defRPr>
+            </a:lvl8pPr>
+            <a:lvl9pPr marL="3886200" indent="-228600" eaLnBrk="0" fontAlgn="base" hangingPunct="0">
+              <a:spcBef>
+                <a:spcPct val="0"/>
+              </a:spcBef>
+              <a:spcAft>
+                <a:spcPct val="0"/>
+              </a:spcAft>
+              <a:defRPr sz="2400">
+                <a:solidFill>
+                  <a:schemeClr val="tx1"/>
+                </a:solidFill>
+                <a:latin typeface="Trebuchet MS" charset="0"/>
+                <a:ea typeface="ＭＳ Ｐゴシック" charset="0"/>
+              </a:defRPr>
+            </a:lvl9pPr>
+          </a:lstStyle>
+          <a:p>
+            <a:pPr algn="l" eaLnBrk="1" hangingPunct="1"/>
+            <a:r>
+              <a:rPr lang="en-US" sz="1200" b="1" dirty="0" smtClean="0">
+                <a:solidFill>
+                  <a:srgbClr val="122956"/>
+                </a:solidFill>
+                <a:cs typeface="Trebuchet MS" charset="0"/>
+              </a:rPr>
+              <a:t>11-</a:t>
+            </a:r>
+            <a:fld id="{31B56995-E14C-B64F-86C9-12D6DB74A41E}" type="slidenum">
+              <a:rPr lang="en-US" sz="1200" b="1">
+                <a:solidFill>
+                  <a:srgbClr val="122956"/>
+                </a:solidFill>
+                <a:cs typeface="Trebuchet MS" charset="0"/>
+              </a:rPr>
+              <a:pPr algn="l" eaLnBrk="1" hangingPunct="1"/>
+              <a:t>11</a:t>
+            </a:fld>
+            <a:endParaRPr lang="en-US" sz="1200" b="1" dirty="0">
+              <a:solidFill>
+                <a:srgbClr val="122956"/>
+              </a:solidFill>
+              <a:cs typeface="Trebuchet MS" charset="0"/>
+            </a:endParaRPr>
+          </a:p>
+        </p:txBody>
+      </p:sp>
     </p:spTree>
     <p:extLst>
       <p:ext uri="{BB962C8B-B14F-4D97-AF65-F5344CB8AC3E}">
@@ -10128,6 +10701,186 @@
           </a:prstGeom>
         </p:spPr>
       </p:pic>
+      <p:sp>
+        <p:nvSpPr>
+          <p:cNvPr id="11" name="Slide Number Placeholder 5"/>
+          <p:cNvSpPr>
+            <a:spLocks noGrp="1"/>
+          </p:cNvSpPr>
+          <p:nvPr>
+            <p:ph type="sldNum" sz="quarter" idx="12"/>
+          </p:nvPr>
+        </p:nvSpPr>
+        <p:spPr bwMode="auto">
+          <a:xfrm>
+            <a:off x="203200" y="6400800"/>
+            <a:ext cx="2133600" cy="365125"/>
+          </a:xfrm>
+          <a:noFill/>
+          <a:extLst>
+            <a:ext uri="{909E8E84-426E-40dd-AFC4-6F175D3DCCD1}">
+              <a14:hiddenFill xmlns:a14="http://schemas.microsoft.com/office/drawing/2010/main">
+                <a:solidFill>
+                  <a:srgbClr val="FFFFFF"/>
+                </a:solidFill>
+              </a14:hiddenFill>
+            </a:ext>
+            <a:ext uri="{91240B29-F687-4f45-9708-019B960494DF}">
+              <a14:hiddenLine xmlns:a14="http://schemas.microsoft.com/office/drawing/2010/main" w="9525">
+                <a:solidFill>
+                  <a:srgbClr val="000000"/>
+                </a:solidFill>
+                <a:miter lim="800000"/>
+                <a:headEnd/>
+                <a:tailEnd/>
+              </a14:hiddenLine>
+            </a:ext>
+          </a:extLst>
+        </p:spPr>
+        <p:txBody>
+          <a:bodyPr vert="horz" wrap="square" lIns="91440" tIns="45720" rIns="91440" bIns="45720" numCol="1" anchor="ctr" anchorCtr="0" compatLnSpc="1">
+            <a:prstTxWarp prst="textNoShape">
+              <a:avLst/>
+            </a:prstTxWarp>
+          </a:bodyPr>
+          <a:lstStyle>
+            <a:lvl1pPr eaLnBrk="0" hangingPunct="0">
+              <a:defRPr sz="2400">
+                <a:solidFill>
+                  <a:schemeClr val="tx1"/>
+                </a:solidFill>
+                <a:latin typeface="Trebuchet MS" charset="0"/>
+                <a:ea typeface="ＭＳ Ｐゴシック" charset="0"/>
+                <a:cs typeface="ＭＳ Ｐゴシック" charset="0"/>
+              </a:defRPr>
+            </a:lvl1pPr>
+            <a:lvl2pPr marL="742950" indent="-285750" eaLnBrk="0" hangingPunct="0">
+              <a:defRPr sz="2400">
+                <a:solidFill>
+                  <a:schemeClr val="tx1"/>
+                </a:solidFill>
+                <a:latin typeface="Trebuchet MS" charset="0"/>
+                <a:ea typeface="ＭＳ Ｐゴシック" charset="0"/>
+              </a:defRPr>
+            </a:lvl2pPr>
+            <a:lvl3pPr marL="1143000" indent="-228600" eaLnBrk="0" hangingPunct="0">
+              <a:defRPr sz="2400">
+                <a:solidFill>
+                  <a:schemeClr val="tx1"/>
+                </a:solidFill>
+                <a:latin typeface="Trebuchet MS" charset="0"/>
+                <a:ea typeface="ＭＳ Ｐゴシック" charset="0"/>
+              </a:defRPr>
+            </a:lvl3pPr>
+            <a:lvl4pPr marL="1600200" indent="-228600" eaLnBrk="0" hangingPunct="0">
+              <a:defRPr sz="2400">
+                <a:solidFill>
+                  <a:schemeClr val="tx1"/>
+                </a:solidFill>
+                <a:latin typeface="Trebuchet MS" charset="0"/>
+                <a:ea typeface="ＭＳ Ｐゴシック" charset="0"/>
+              </a:defRPr>
+            </a:lvl4pPr>
+            <a:lvl5pPr marL="2057400" indent="-228600" eaLnBrk="0" hangingPunct="0">
+              <a:defRPr sz="2400">
+                <a:solidFill>
+                  <a:schemeClr val="tx1"/>
+                </a:solidFill>
+                <a:latin typeface="Trebuchet MS" charset="0"/>
+                <a:ea typeface="ＭＳ Ｐゴシック" charset="0"/>
+              </a:defRPr>
+            </a:lvl5pPr>
+            <a:lvl6pPr marL="2514600" indent="-228600" eaLnBrk="0" fontAlgn="base" hangingPunct="0">
+              <a:spcBef>
+                <a:spcPct val="0"/>
+              </a:spcBef>
+              <a:spcAft>
+                <a:spcPct val="0"/>
+              </a:spcAft>
+              <a:defRPr sz="2400">
+                <a:solidFill>
+                  <a:schemeClr val="tx1"/>
+                </a:solidFill>
+                <a:latin typeface="Trebuchet MS" charset="0"/>
+                <a:ea typeface="ＭＳ Ｐゴシック" charset="0"/>
+              </a:defRPr>
+            </a:lvl6pPr>
+            <a:lvl7pPr marL="2971800" indent="-228600" eaLnBrk="0" fontAlgn="base" hangingPunct="0">
+              <a:spcBef>
+                <a:spcPct val="0"/>
+              </a:spcBef>
+              <a:spcAft>
+                <a:spcPct val="0"/>
+              </a:spcAft>
+              <a:defRPr sz="2400">
+                <a:solidFill>
+                  <a:schemeClr val="tx1"/>
+                </a:solidFill>
+                <a:latin typeface="Trebuchet MS" charset="0"/>
+                <a:ea typeface="ＭＳ Ｐゴシック" charset="0"/>
+              </a:defRPr>
+            </a:lvl7pPr>
+            <a:lvl8pPr marL="3429000" indent="-228600" eaLnBrk="0" fontAlgn="base" hangingPunct="0">
+              <a:spcBef>
+                <a:spcPct val="0"/>
+              </a:spcBef>
+              <a:spcAft>
+                <a:spcPct val="0"/>
+              </a:spcAft>
+              <a:defRPr sz="2400">
+                <a:solidFill>
+                  <a:schemeClr val="tx1"/>
+                </a:solidFill>
+                <a:latin typeface="Trebuchet MS" charset="0"/>
+                <a:ea typeface="ＭＳ Ｐゴシック" charset="0"/>
+              </a:defRPr>
+            </a:lvl8pPr>
+            <a:lvl9pPr marL="3886200" indent="-228600" eaLnBrk="0" fontAlgn="base" hangingPunct="0">
+              <a:spcBef>
+                <a:spcPct val="0"/>
+              </a:spcBef>
+              <a:spcAft>
+                <a:spcPct val="0"/>
+              </a:spcAft>
+              <a:defRPr sz="2400">
+                <a:solidFill>
+                  <a:schemeClr val="tx1"/>
+                </a:solidFill>
+                <a:latin typeface="Trebuchet MS" charset="0"/>
+                <a:ea typeface="ＭＳ Ｐゴシック" charset="0"/>
+              </a:defRPr>
+            </a:lvl9pPr>
+          </a:lstStyle>
+          <a:p>
+            <a:pPr algn="l" eaLnBrk="1" hangingPunct="1"/>
+            <a:r>
+              <a:rPr lang="en-US" sz="1200" b="1" dirty="0" smtClean="0">
+                <a:solidFill>
+                  <a:srgbClr val="122956"/>
+                </a:solidFill>
+                <a:cs typeface="Trebuchet MS" charset="0"/>
+              </a:rPr>
+              <a:t>11-</a:t>
+            </a:r>
+            <a:fld id="{31B56995-E14C-B64F-86C9-12D6DB74A41E}" type="slidenum">
+              <a:rPr lang="en-US" sz="1200" b="1">
+                <a:solidFill>
+                  <a:srgbClr val="122956"/>
+                </a:solidFill>
+                <a:cs typeface="Trebuchet MS" charset="0"/>
+              </a:rPr>
+              <a:pPr algn="l" eaLnBrk="1" hangingPunct="1"/>
+              <a:t>12</a:t>
+            </a:fld>
+            <a:endParaRPr lang="en-US" sz="1200" b="1" dirty="0">
+              <a:solidFill>
+                <a:srgbClr val="122956"/>
+              </a:solidFill>
+              <a:cs typeface="Trebuchet MS" charset="0"/>
+            </a:endParaRPr>
+          </a:p>
+        </p:txBody>
+      </p:sp>
     </p:spTree>
     <p:extLst>
       <p:ext uri="{BB962C8B-B14F-4D97-AF65-F5344CB8AC3E}">
@@ -10665,6 +11418,186 @@
           </a:prstGeom>
         </p:spPr>
       </p:pic>
+      <p:sp>
+        <p:nvSpPr>
+          <p:cNvPr id="11" name="Slide Number Placeholder 5"/>
+          <p:cNvSpPr>
+            <a:spLocks noGrp="1"/>
+          </p:cNvSpPr>
+          <p:nvPr>
+            <p:ph type="sldNum" sz="quarter" idx="12"/>
+          </p:nvPr>
+        </p:nvSpPr>
+        <p:spPr bwMode="auto">
+          <a:xfrm>
+            <a:off x="203200" y="6400800"/>
+            <a:ext cx="2133600" cy="365125"/>
+          </a:xfrm>
+          <a:noFill/>
+          <a:extLst>
+            <a:ext uri="{909E8E84-426E-40dd-AFC4-6F175D3DCCD1}">
+              <a14:hiddenFill xmlns:a14="http://schemas.microsoft.com/office/drawing/2010/main">
+                <a:solidFill>
+                  <a:srgbClr val="FFFFFF"/>
+                </a:solidFill>
+              </a14:hiddenFill>
+            </a:ext>
+            <a:ext uri="{91240B29-F687-4f45-9708-019B960494DF}">
+              <a14:hiddenLine xmlns:a14="http://schemas.microsoft.com/office/drawing/2010/main" w="9525">
+                <a:solidFill>
+                  <a:srgbClr val="000000"/>
+                </a:solidFill>
+                <a:miter lim="800000"/>
+                <a:headEnd/>
+                <a:tailEnd/>
+              </a14:hiddenLine>
+            </a:ext>
+          </a:extLst>
+        </p:spPr>
+        <p:txBody>
+          <a:bodyPr vert="horz" wrap="square" lIns="91440" tIns="45720" rIns="91440" bIns="45720" numCol="1" anchor="ctr" anchorCtr="0" compatLnSpc="1">
+            <a:prstTxWarp prst="textNoShape">
+              <a:avLst/>
+            </a:prstTxWarp>
+          </a:bodyPr>
+          <a:lstStyle>
+            <a:lvl1pPr eaLnBrk="0" hangingPunct="0">
+              <a:defRPr sz="2400">
+                <a:solidFill>
+                  <a:schemeClr val="tx1"/>
+                </a:solidFill>
+                <a:latin typeface="Trebuchet MS" charset="0"/>
+                <a:ea typeface="ＭＳ Ｐゴシック" charset="0"/>
+                <a:cs typeface="ＭＳ Ｐゴシック" charset="0"/>
+              </a:defRPr>
+            </a:lvl1pPr>
+            <a:lvl2pPr marL="742950" indent="-285750" eaLnBrk="0" hangingPunct="0">
+              <a:defRPr sz="2400">
+                <a:solidFill>
+                  <a:schemeClr val="tx1"/>
+                </a:solidFill>
+                <a:latin typeface="Trebuchet MS" charset="0"/>
+                <a:ea typeface="ＭＳ Ｐゴシック" charset="0"/>
+              </a:defRPr>
+            </a:lvl2pPr>
+            <a:lvl3pPr marL="1143000" indent="-228600" eaLnBrk="0" hangingPunct="0">
+              <a:defRPr sz="2400">
+                <a:solidFill>
+                  <a:schemeClr val="tx1"/>
+                </a:solidFill>
+                <a:latin typeface="Trebuchet MS" charset="0"/>
+                <a:ea typeface="ＭＳ Ｐゴシック" charset="0"/>
+              </a:defRPr>
+            </a:lvl3pPr>
+            <a:lvl4pPr marL="1600200" indent="-228600" eaLnBrk="0" hangingPunct="0">
+              <a:defRPr sz="2400">
+                <a:solidFill>
+                  <a:schemeClr val="tx1"/>
+                </a:solidFill>
+                <a:latin typeface="Trebuchet MS" charset="0"/>
+                <a:ea typeface="ＭＳ Ｐゴシック" charset="0"/>
+              </a:defRPr>
+            </a:lvl4pPr>
+            <a:lvl5pPr marL="2057400" indent="-228600" eaLnBrk="0" hangingPunct="0">
+              <a:defRPr sz="2400">
+                <a:solidFill>
+                  <a:schemeClr val="tx1"/>
+                </a:solidFill>
+                <a:latin typeface="Trebuchet MS" charset="0"/>
+                <a:ea typeface="ＭＳ Ｐゴシック" charset="0"/>
+              </a:defRPr>
+            </a:lvl5pPr>
+            <a:lvl6pPr marL="2514600" indent="-228600" eaLnBrk="0" fontAlgn="base" hangingPunct="0">
+              <a:spcBef>
+                <a:spcPct val="0"/>
+              </a:spcBef>
+              <a:spcAft>
+                <a:spcPct val="0"/>
+              </a:spcAft>
+              <a:defRPr sz="2400">
+                <a:solidFill>
+                  <a:schemeClr val="tx1"/>
+                </a:solidFill>
+                <a:latin typeface="Trebuchet MS" charset="0"/>
+                <a:ea typeface="ＭＳ Ｐゴシック" charset="0"/>
+              </a:defRPr>
+            </a:lvl6pPr>
+            <a:lvl7pPr marL="2971800" indent="-228600" eaLnBrk="0" fontAlgn="base" hangingPunct="0">
+              <a:spcBef>
+                <a:spcPct val="0"/>
+              </a:spcBef>
+              <a:spcAft>
+                <a:spcPct val="0"/>
+              </a:spcAft>
+              <a:defRPr sz="2400">
+                <a:solidFill>
+                  <a:schemeClr val="tx1"/>
+                </a:solidFill>
+                <a:latin typeface="Trebuchet MS" charset="0"/>
+                <a:ea typeface="ＭＳ Ｐゴシック" charset="0"/>
+              </a:defRPr>
+            </a:lvl7pPr>
+            <a:lvl8pPr marL="3429000" indent="-228600" eaLnBrk="0" fontAlgn="base" hangingPunct="0">
+              <a:spcBef>
+                <a:spcPct val="0"/>
+              </a:spcBef>
+              <a:spcAft>
+                <a:spcPct val="0"/>
+              </a:spcAft>
+              <a:defRPr sz="2400">
+                <a:solidFill>
+                  <a:schemeClr val="tx1"/>
+                </a:solidFill>
+                <a:latin typeface="Trebuchet MS" charset="0"/>
+                <a:ea typeface="ＭＳ Ｐゴシック" charset="0"/>
+              </a:defRPr>
+            </a:lvl8pPr>
+            <a:lvl9pPr marL="3886200" indent="-228600" eaLnBrk="0" fontAlgn="base" hangingPunct="0">
+              <a:spcBef>
+                <a:spcPct val="0"/>
+              </a:spcBef>
+              <a:spcAft>
+                <a:spcPct val="0"/>
+              </a:spcAft>
+              <a:defRPr sz="2400">
+                <a:solidFill>
+                  <a:schemeClr val="tx1"/>
+                </a:solidFill>
+                <a:latin typeface="Trebuchet MS" charset="0"/>
+                <a:ea typeface="ＭＳ Ｐゴシック" charset="0"/>
+              </a:defRPr>
+            </a:lvl9pPr>
+          </a:lstStyle>
+          <a:p>
+            <a:pPr algn="l" eaLnBrk="1" hangingPunct="1"/>
+            <a:r>
+              <a:rPr lang="en-US" sz="1200" b="1" dirty="0" smtClean="0">
+                <a:solidFill>
+                  <a:srgbClr val="122956"/>
+                </a:solidFill>
+                <a:cs typeface="Trebuchet MS" charset="0"/>
+              </a:rPr>
+              <a:t>11-</a:t>
+            </a:r>
+            <a:fld id="{31B56995-E14C-B64F-86C9-12D6DB74A41E}" type="slidenum">
+              <a:rPr lang="en-US" sz="1200" b="1">
+                <a:solidFill>
+                  <a:srgbClr val="122956"/>
+                </a:solidFill>
+                <a:cs typeface="Trebuchet MS" charset="0"/>
+              </a:rPr>
+              <a:pPr algn="l" eaLnBrk="1" hangingPunct="1"/>
+              <a:t>13</a:t>
+            </a:fld>
+            <a:endParaRPr lang="en-US" sz="1200" b="1" dirty="0">
+              <a:solidFill>
+                <a:srgbClr val="122956"/>
+              </a:solidFill>
+              <a:cs typeface="Trebuchet MS" charset="0"/>
+            </a:endParaRPr>
+          </a:p>
+        </p:txBody>
+      </p:sp>
     </p:spTree>
     <p:extLst>
       <p:ext uri="{BB962C8B-B14F-4D97-AF65-F5344CB8AC3E}">
@@ -11218,6 +12151,186 @@
           </a:prstGeom>
         </p:spPr>
       </p:pic>
+      <p:sp>
+        <p:nvSpPr>
+          <p:cNvPr id="11" name="Slide Number Placeholder 5"/>
+          <p:cNvSpPr>
+            <a:spLocks noGrp="1"/>
+          </p:cNvSpPr>
+          <p:nvPr>
+            <p:ph type="sldNum" sz="quarter" idx="12"/>
+          </p:nvPr>
+        </p:nvSpPr>
+        <p:spPr bwMode="auto">
+          <a:xfrm>
+            <a:off x="203200" y="6400800"/>
+            <a:ext cx="2133600" cy="365125"/>
+          </a:xfrm>
+          <a:noFill/>
+          <a:extLst>
+            <a:ext uri="{909E8E84-426E-40dd-AFC4-6F175D3DCCD1}">
+              <a14:hiddenFill xmlns:a14="http://schemas.microsoft.com/office/drawing/2010/main">
+                <a:solidFill>
+                  <a:srgbClr val="FFFFFF"/>
+                </a:solidFill>
+              </a14:hiddenFill>
+            </a:ext>
+            <a:ext uri="{91240B29-F687-4f45-9708-019B960494DF}">
+              <a14:hiddenLine xmlns:a14="http://schemas.microsoft.com/office/drawing/2010/main" w="9525">
+                <a:solidFill>
+                  <a:srgbClr val="000000"/>
+                </a:solidFill>
+                <a:miter lim="800000"/>
+                <a:headEnd/>
+                <a:tailEnd/>
+              </a14:hiddenLine>
+            </a:ext>
+          </a:extLst>
+        </p:spPr>
+        <p:txBody>
+          <a:bodyPr vert="horz" wrap="square" lIns="91440" tIns="45720" rIns="91440" bIns="45720" numCol="1" anchor="ctr" anchorCtr="0" compatLnSpc="1">
+            <a:prstTxWarp prst="textNoShape">
+              <a:avLst/>
+            </a:prstTxWarp>
+          </a:bodyPr>
+          <a:lstStyle>
+            <a:lvl1pPr eaLnBrk="0" hangingPunct="0">
+              <a:defRPr sz="2400">
+                <a:solidFill>
+                  <a:schemeClr val="tx1"/>
+                </a:solidFill>
+                <a:latin typeface="Trebuchet MS" charset="0"/>
+                <a:ea typeface="ＭＳ Ｐゴシック" charset="0"/>
+                <a:cs typeface="ＭＳ Ｐゴシック" charset="0"/>
+              </a:defRPr>
+            </a:lvl1pPr>
+            <a:lvl2pPr marL="742950" indent="-285750" eaLnBrk="0" hangingPunct="0">
+              <a:defRPr sz="2400">
+                <a:solidFill>
+                  <a:schemeClr val="tx1"/>
+                </a:solidFill>
+                <a:latin typeface="Trebuchet MS" charset="0"/>
+                <a:ea typeface="ＭＳ Ｐゴシック" charset="0"/>
+              </a:defRPr>
+            </a:lvl2pPr>
+            <a:lvl3pPr marL="1143000" indent="-228600" eaLnBrk="0" hangingPunct="0">
+              <a:defRPr sz="2400">
+                <a:solidFill>
+                  <a:schemeClr val="tx1"/>
+                </a:solidFill>
+                <a:latin typeface="Trebuchet MS" charset="0"/>
+                <a:ea typeface="ＭＳ Ｐゴシック" charset="0"/>
+              </a:defRPr>
+            </a:lvl3pPr>
+            <a:lvl4pPr marL="1600200" indent="-228600" eaLnBrk="0" hangingPunct="0">
+              <a:defRPr sz="2400">
+                <a:solidFill>
+                  <a:schemeClr val="tx1"/>
+                </a:solidFill>
+                <a:latin typeface="Trebuchet MS" charset="0"/>
+                <a:ea typeface="ＭＳ Ｐゴシック" charset="0"/>
+              </a:defRPr>
+            </a:lvl4pPr>
+            <a:lvl5pPr marL="2057400" indent="-228600" eaLnBrk="0" hangingPunct="0">
+              <a:defRPr sz="2400">
+                <a:solidFill>
+                  <a:schemeClr val="tx1"/>
+                </a:solidFill>
+                <a:latin typeface="Trebuchet MS" charset="0"/>
+                <a:ea typeface="ＭＳ Ｐゴシック" charset="0"/>
+              </a:defRPr>
+            </a:lvl5pPr>
+            <a:lvl6pPr marL="2514600" indent="-228600" eaLnBrk="0" fontAlgn="base" hangingPunct="0">
+              <a:spcBef>
+                <a:spcPct val="0"/>
+              </a:spcBef>
+              <a:spcAft>
+                <a:spcPct val="0"/>
+              </a:spcAft>
+              <a:defRPr sz="2400">
+                <a:solidFill>
+                  <a:schemeClr val="tx1"/>
+                </a:solidFill>
+                <a:latin typeface="Trebuchet MS" charset="0"/>
+                <a:ea typeface="ＭＳ Ｐゴシック" charset="0"/>
+              </a:defRPr>
+            </a:lvl6pPr>
+            <a:lvl7pPr marL="2971800" indent="-228600" eaLnBrk="0" fontAlgn="base" hangingPunct="0">
+              <a:spcBef>
+                <a:spcPct val="0"/>
+              </a:spcBef>
+              <a:spcAft>
+                <a:spcPct val="0"/>
+              </a:spcAft>
+              <a:defRPr sz="2400">
+                <a:solidFill>
+                  <a:schemeClr val="tx1"/>
+                </a:solidFill>
+                <a:latin typeface="Trebuchet MS" charset="0"/>
+                <a:ea typeface="ＭＳ Ｐゴシック" charset="0"/>
+              </a:defRPr>
+            </a:lvl7pPr>
+            <a:lvl8pPr marL="3429000" indent="-228600" eaLnBrk="0" fontAlgn="base" hangingPunct="0">
+              <a:spcBef>
+                <a:spcPct val="0"/>
+              </a:spcBef>
+              <a:spcAft>
+                <a:spcPct val="0"/>
+              </a:spcAft>
+              <a:defRPr sz="2400">
+                <a:solidFill>
+                  <a:schemeClr val="tx1"/>
+                </a:solidFill>
+                <a:latin typeface="Trebuchet MS" charset="0"/>
+                <a:ea typeface="ＭＳ Ｐゴシック" charset="0"/>
+              </a:defRPr>
+            </a:lvl8pPr>
+            <a:lvl9pPr marL="3886200" indent="-228600" eaLnBrk="0" fontAlgn="base" hangingPunct="0">
+              <a:spcBef>
+                <a:spcPct val="0"/>
+              </a:spcBef>
+              <a:spcAft>
+                <a:spcPct val="0"/>
+              </a:spcAft>
+              <a:defRPr sz="2400">
+                <a:solidFill>
+                  <a:schemeClr val="tx1"/>
+                </a:solidFill>
+                <a:latin typeface="Trebuchet MS" charset="0"/>
+                <a:ea typeface="ＭＳ Ｐゴシック" charset="0"/>
+              </a:defRPr>
+            </a:lvl9pPr>
+          </a:lstStyle>
+          <a:p>
+            <a:pPr algn="l" eaLnBrk="1" hangingPunct="1"/>
+            <a:r>
+              <a:rPr lang="en-US" sz="1200" b="1" dirty="0" smtClean="0">
+                <a:solidFill>
+                  <a:srgbClr val="122956"/>
+                </a:solidFill>
+                <a:cs typeface="Trebuchet MS" charset="0"/>
+              </a:rPr>
+              <a:t>11-</a:t>
+            </a:r>
+            <a:fld id="{31B56995-E14C-B64F-86C9-12D6DB74A41E}" type="slidenum">
+              <a:rPr lang="en-US" sz="1200" b="1">
+                <a:solidFill>
+                  <a:srgbClr val="122956"/>
+                </a:solidFill>
+                <a:cs typeface="Trebuchet MS" charset="0"/>
+              </a:rPr>
+              <a:pPr algn="l" eaLnBrk="1" hangingPunct="1"/>
+              <a:t>14</a:t>
+            </a:fld>
+            <a:endParaRPr lang="en-US" sz="1200" b="1" dirty="0">
+              <a:solidFill>
+                <a:srgbClr val="122956"/>
+              </a:solidFill>
+              <a:cs typeface="Trebuchet MS" charset="0"/>
+            </a:endParaRPr>
+          </a:p>
+        </p:txBody>
+      </p:sp>
     </p:spTree>
     <p:extLst>
       <p:ext uri="{BB962C8B-B14F-4D97-AF65-F5344CB8AC3E}">
@@ -11755,6 +12868,186 @@
           </a:prstGeom>
         </p:spPr>
       </p:pic>
+      <p:sp>
+        <p:nvSpPr>
+          <p:cNvPr id="11" name="Slide Number Placeholder 5"/>
+          <p:cNvSpPr>
+            <a:spLocks noGrp="1"/>
+          </p:cNvSpPr>
+          <p:nvPr>
+            <p:ph type="sldNum" sz="quarter" idx="12"/>
+          </p:nvPr>
+        </p:nvSpPr>
+        <p:spPr bwMode="auto">
+          <a:xfrm>
+            <a:off x="203200" y="6400800"/>
+            <a:ext cx="2133600" cy="365125"/>
+          </a:xfrm>
+          <a:noFill/>
+          <a:extLst>
+            <a:ext uri="{909E8E84-426E-40dd-AFC4-6F175D3DCCD1}">
+              <a14:hiddenFill xmlns:a14="http://schemas.microsoft.com/office/drawing/2010/main">
+                <a:solidFill>
+                  <a:srgbClr val="FFFFFF"/>
+                </a:solidFill>
+              </a14:hiddenFill>
+            </a:ext>
+            <a:ext uri="{91240B29-F687-4f45-9708-019B960494DF}">
+              <a14:hiddenLine xmlns:a14="http://schemas.microsoft.com/office/drawing/2010/main" w="9525">
+                <a:solidFill>
+                  <a:srgbClr val="000000"/>
+                </a:solidFill>
+                <a:miter lim="800000"/>
+                <a:headEnd/>
+                <a:tailEnd/>
+              </a14:hiddenLine>
+            </a:ext>
+          </a:extLst>
+        </p:spPr>
+        <p:txBody>
+          <a:bodyPr vert="horz" wrap="square" lIns="91440" tIns="45720" rIns="91440" bIns="45720" numCol="1" anchor="ctr" anchorCtr="0" compatLnSpc="1">
+            <a:prstTxWarp prst="textNoShape">
+              <a:avLst/>
+            </a:prstTxWarp>
+          </a:bodyPr>
+          <a:lstStyle>
+            <a:lvl1pPr eaLnBrk="0" hangingPunct="0">
+              <a:defRPr sz="2400">
+                <a:solidFill>
+                  <a:schemeClr val="tx1"/>
+                </a:solidFill>
+                <a:latin typeface="Trebuchet MS" charset="0"/>
+                <a:ea typeface="ＭＳ Ｐゴシック" charset="0"/>
+                <a:cs typeface="ＭＳ Ｐゴシック" charset="0"/>
+              </a:defRPr>
+            </a:lvl1pPr>
+            <a:lvl2pPr marL="742950" indent="-285750" eaLnBrk="0" hangingPunct="0">
+              <a:defRPr sz="2400">
+                <a:solidFill>
+                  <a:schemeClr val="tx1"/>
+                </a:solidFill>
+                <a:latin typeface="Trebuchet MS" charset="0"/>
+                <a:ea typeface="ＭＳ Ｐゴシック" charset="0"/>
+              </a:defRPr>
+            </a:lvl2pPr>
+            <a:lvl3pPr marL="1143000" indent="-228600" eaLnBrk="0" hangingPunct="0">
+              <a:defRPr sz="2400">
+                <a:solidFill>
+                  <a:schemeClr val="tx1"/>
+                </a:solidFill>
+                <a:latin typeface="Trebuchet MS" charset="0"/>
+                <a:ea typeface="ＭＳ Ｐゴシック" charset="0"/>
+              </a:defRPr>
+            </a:lvl3pPr>
+            <a:lvl4pPr marL="1600200" indent="-228600" eaLnBrk="0" hangingPunct="0">
+              <a:defRPr sz="2400">
+                <a:solidFill>
+                  <a:schemeClr val="tx1"/>
+                </a:solidFill>
+                <a:latin typeface="Trebuchet MS" charset="0"/>
+                <a:ea typeface="ＭＳ Ｐゴシック" charset="0"/>
+              </a:defRPr>
+            </a:lvl4pPr>
+            <a:lvl5pPr marL="2057400" indent="-228600" eaLnBrk="0" hangingPunct="0">
+              <a:defRPr sz="2400">
+                <a:solidFill>
+                  <a:schemeClr val="tx1"/>
+                </a:solidFill>
+                <a:latin typeface="Trebuchet MS" charset="0"/>
+                <a:ea typeface="ＭＳ Ｐゴシック" charset="0"/>
+              </a:defRPr>
+            </a:lvl5pPr>
+            <a:lvl6pPr marL="2514600" indent="-228600" eaLnBrk="0" fontAlgn="base" hangingPunct="0">
+              <a:spcBef>
+                <a:spcPct val="0"/>
+              </a:spcBef>
+              <a:spcAft>
+                <a:spcPct val="0"/>
+              </a:spcAft>
+              <a:defRPr sz="2400">
+                <a:solidFill>
+                  <a:schemeClr val="tx1"/>
+                </a:solidFill>
+                <a:latin typeface="Trebuchet MS" charset="0"/>
+                <a:ea typeface="ＭＳ Ｐゴシック" charset="0"/>
+              </a:defRPr>
+            </a:lvl6pPr>
+            <a:lvl7pPr marL="2971800" indent="-228600" eaLnBrk="0" fontAlgn="base" hangingPunct="0">
+              <a:spcBef>
+                <a:spcPct val="0"/>
+              </a:spcBef>
+              <a:spcAft>
+                <a:spcPct val="0"/>
+              </a:spcAft>
+              <a:defRPr sz="2400">
+                <a:solidFill>
+                  <a:schemeClr val="tx1"/>
+                </a:solidFill>
+                <a:latin typeface="Trebuchet MS" charset="0"/>
+                <a:ea typeface="ＭＳ Ｐゴシック" charset="0"/>
+              </a:defRPr>
+            </a:lvl7pPr>
+            <a:lvl8pPr marL="3429000" indent="-228600" eaLnBrk="0" fontAlgn="base" hangingPunct="0">
+              <a:spcBef>
+                <a:spcPct val="0"/>
+              </a:spcBef>
+              <a:spcAft>
+                <a:spcPct val="0"/>
+              </a:spcAft>
+              <a:defRPr sz="2400">
+                <a:solidFill>
+                  <a:schemeClr val="tx1"/>
+                </a:solidFill>
+                <a:latin typeface="Trebuchet MS" charset="0"/>
+                <a:ea typeface="ＭＳ Ｐゴシック" charset="0"/>
+              </a:defRPr>
+            </a:lvl8pPr>
+            <a:lvl9pPr marL="3886200" indent="-228600" eaLnBrk="0" fontAlgn="base" hangingPunct="0">
+              <a:spcBef>
+                <a:spcPct val="0"/>
+              </a:spcBef>
+              <a:spcAft>
+                <a:spcPct val="0"/>
+              </a:spcAft>
+              <a:defRPr sz="2400">
+                <a:solidFill>
+                  <a:schemeClr val="tx1"/>
+                </a:solidFill>
+                <a:latin typeface="Trebuchet MS" charset="0"/>
+                <a:ea typeface="ＭＳ Ｐゴシック" charset="0"/>
+              </a:defRPr>
+            </a:lvl9pPr>
+          </a:lstStyle>
+          <a:p>
+            <a:pPr algn="l" eaLnBrk="1" hangingPunct="1"/>
+            <a:r>
+              <a:rPr lang="en-US" sz="1200" b="1" dirty="0" smtClean="0">
+                <a:solidFill>
+                  <a:srgbClr val="122956"/>
+                </a:solidFill>
+                <a:cs typeface="Trebuchet MS" charset="0"/>
+              </a:rPr>
+              <a:t>11-</a:t>
+            </a:r>
+            <a:fld id="{31B56995-E14C-B64F-86C9-12D6DB74A41E}" type="slidenum">
+              <a:rPr lang="en-US" sz="1200" b="1">
+                <a:solidFill>
+                  <a:srgbClr val="122956"/>
+                </a:solidFill>
+                <a:cs typeface="Trebuchet MS" charset="0"/>
+              </a:rPr>
+              <a:pPr algn="l" eaLnBrk="1" hangingPunct="1"/>
+              <a:t>15</a:t>
+            </a:fld>
+            <a:endParaRPr lang="en-US" sz="1200" b="1" dirty="0">
+              <a:solidFill>
+                <a:srgbClr val="122956"/>
+              </a:solidFill>
+              <a:cs typeface="Trebuchet MS" charset="0"/>
+            </a:endParaRPr>
+          </a:p>
+        </p:txBody>
+      </p:sp>
     </p:spTree>
     <p:extLst>
       <p:ext uri="{BB962C8B-B14F-4D97-AF65-F5344CB8AC3E}">
@@ -12053,6 +13346,186 @@
           </a:prstGeom>
         </p:spPr>
       </p:pic>
+      <p:sp>
+        <p:nvSpPr>
+          <p:cNvPr id="8" name="Slide Number Placeholder 5"/>
+          <p:cNvSpPr>
+            <a:spLocks noGrp="1"/>
+          </p:cNvSpPr>
+          <p:nvPr>
+            <p:ph type="sldNum" sz="quarter" idx="12"/>
+          </p:nvPr>
+        </p:nvSpPr>
+        <p:spPr bwMode="auto">
+          <a:xfrm>
+            <a:off x="203200" y="6400800"/>
+            <a:ext cx="2133600" cy="365125"/>
+          </a:xfrm>
+          <a:noFill/>
+          <a:extLst>
+            <a:ext uri="{909E8E84-426E-40dd-AFC4-6F175D3DCCD1}">
+              <a14:hiddenFill xmlns:a14="http://schemas.microsoft.com/office/drawing/2010/main">
+                <a:solidFill>
+                  <a:srgbClr val="FFFFFF"/>
+                </a:solidFill>
+              </a14:hiddenFill>
+            </a:ext>
+            <a:ext uri="{91240B29-F687-4f45-9708-019B960494DF}">
+              <a14:hiddenLine xmlns:a14="http://schemas.microsoft.com/office/drawing/2010/main" w="9525">
+                <a:solidFill>
+                  <a:srgbClr val="000000"/>
+                </a:solidFill>
+                <a:miter lim="800000"/>
+                <a:headEnd/>
+                <a:tailEnd/>
+              </a14:hiddenLine>
+            </a:ext>
+          </a:extLst>
+        </p:spPr>
+        <p:txBody>
+          <a:bodyPr vert="horz" wrap="square" lIns="91440" tIns="45720" rIns="91440" bIns="45720" numCol="1" anchor="ctr" anchorCtr="0" compatLnSpc="1">
+            <a:prstTxWarp prst="textNoShape">
+              <a:avLst/>
+            </a:prstTxWarp>
+          </a:bodyPr>
+          <a:lstStyle>
+            <a:lvl1pPr eaLnBrk="0" hangingPunct="0">
+              <a:defRPr sz="2400">
+                <a:solidFill>
+                  <a:schemeClr val="tx1"/>
+                </a:solidFill>
+                <a:latin typeface="Trebuchet MS" charset="0"/>
+                <a:ea typeface="ＭＳ Ｐゴシック" charset="0"/>
+                <a:cs typeface="ＭＳ Ｐゴシック" charset="0"/>
+              </a:defRPr>
+            </a:lvl1pPr>
+            <a:lvl2pPr marL="742950" indent="-285750" eaLnBrk="0" hangingPunct="0">
+              <a:defRPr sz="2400">
+                <a:solidFill>
+                  <a:schemeClr val="tx1"/>
+                </a:solidFill>
+                <a:latin typeface="Trebuchet MS" charset="0"/>
+                <a:ea typeface="ＭＳ Ｐゴシック" charset="0"/>
+              </a:defRPr>
+            </a:lvl2pPr>
+            <a:lvl3pPr marL="1143000" indent="-228600" eaLnBrk="0" hangingPunct="0">
+              <a:defRPr sz="2400">
+                <a:solidFill>
+                  <a:schemeClr val="tx1"/>
+                </a:solidFill>
+                <a:latin typeface="Trebuchet MS" charset="0"/>
+                <a:ea typeface="ＭＳ Ｐゴシック" charset="0"/>
+              </a:defRPr>
+            </a:lvl3pPr>
+            <a:lvl4pPr marL="1600200" indent="-228600" eaLnBrk="0" hangingPunct="0">
+              <a:defRPr sz="2400">
+                <a:solidFill>
+                  <a:schemeClr val="tx1"/>
+                </a:solidFill>
+                <a:latin typeface="Trebuchet MS" charset="0"/>
+                <a:ea typeface="ＭＳ Ｐゴシック" charset="0"/>
+              </a:defRPr>
+            </a:lvl4pPr>
+            <a:lvl5pPr marL="2057400" indent="-228600" eaLnBrk="0" hangingPunct="0">
+              <a:defRPr sz="2400">
+                <a:solidFill>
+                  <a:schemeClr val="tx1"/>
+                </a:solidFill>
+                <a:latin typeface="Trebuchet MS" charset="0"/>
+                <a:ea typeface="ＭＳ Ｐゴシック" charset="0"/>
+              </a:defRPr>
+            </a:lvl5pPr>
+            <a:lvl6pPr marL="2514600" indent="-228600" eaLnBrk="0" fontAlgn="base" hangingPunct="0">
+              <a:spcBef>
+                <a:spcPct val="0"/>
+              </a:spcBef>
+              <a:spcAft>
+                <a:spcPct val="0"/>
+              </a:spcAft>
+              <a:defRPr sz="2400">
+                <a:solidFill>
+                  <a:schemeClr val="tx1"/>
+                </a:solidFill>
+                <a:latin typeface="Trebuchet MS" charset="0"/>
+                <a:ea typeface="ＭＳ Ｐゴシック" charset="0"/>
+              </a:defRPr>
+            </a:lvl6pPr>
+            <a:lvl7pPr marL="2971800" indent="-228600" eaLnBrk="0" fontAlgn="base" hangingPunct="0">
+              <a:spcBef>
+                <a:spcPct val="0"/>
+              </a:spcBef>
+              <a:spcAft>
+                <a:spcPct val="0"/>
+              </a:spcAft>
+              <a:defRPr sz="2400">
+                <a:solidFill>
+                  <a:schemeClr val="tx1"/>
+                </a:solidFill>
+                <a:latin typeface="Trebuchet MS" charset="0"/>
+                <a:ea typeface="ＭＳ Ｐゴシック" charset="0"/>
+              </a:defRPr>
+            </a:lvl7pPr>
+            <a:lvl8pPr marL="3429000" indent="-228600" eaLnBrk="0" fontAlgn="base" hangingPunct="0">
+              <a:spcBef>
+                <a:spcPct val="0"/>
+              </a:spcBef>
+              <a:spcAft>
+                <a:spcPct val="0"/>
+              </a:spcAft>
+              <a:defRPr sz="2400">
+                <a:solidFill>
+                  <a:schemeClr val="tx1"/>
+                </a:solidFill>
+                <a:latin typeface="Trebuchet MS" charset="0"/>
+                <a:ea typeface="ＭＳ Ｐゴシック" charset="0"/>
+              </a:defRPr>
+            </a:lvl8pPr>
+            <a:lvl9pPr marL="3886200" indent="-228600" eaLnBrk="0" fontAlgn="base" hangingPunct="0">
+              <a:spcBef>
+                <a:spcPct val="0"/>
+              </a:spcBef>
+              <a:spcAft>
+                <a:spcPct val="0"/>
+              </a:spcAft>
+              <a:defRPr sz="2400">
+                <a:solidFill>
+                  <a:schemeClr val="tx1"/>
+                </a:solidFill>
+                <a:latin typeface="Trebuchet MS" charset="0"/>
+                <a:ea typeface="ＭＳ Ｐゴシック" charset="0"/>
+              </a:defRPr>
+            </a:lvl9pPr>
+          </a:lstStyle>
+          <a:p>
+            <a:pPr algn="l" eaLnBrk="1" hangingPunct="1"/>
+            <a:r>
+              <a:rPr lang="en-US" sz="1200" b="1" dirty="0" smtClean="0">
+                <a:solidFill>
+                  <a:srgbClr val="122956"/>
+                </a:solidFill>
+                <a:cs typeface="Trebuchet MS" charset="0"/>
+              </a:rPr>
+              <a:t>11-</a:t>
+            </a:r>
+            <a:fld id="{31B56995-E14C-B64F-86C9-12D6DB74A41E}" type="slidenum">
+              <a:rPr lang="en-US" sz="1200" b="1">
+                <a:solidFill>
+                  <a:srgbClr val="122956"/>
+                </a:solidFill>
+                <a:cs typeface="Trebuchet MS" charset="0"/>
+              </a:rPr>
+              <a:pPr algn="l" eaLnBrk="1" hangingPunct="1"/>
+              <a:t>16</a:t>
+            </a:fld>
+            <a:endParaRPr lang="en-US" sz="1200" b="1" dirty="0">
+              <a:solidFill>
+                <a:srgbClr val="122956"/>
+              </a:solidFill>
+              <a:cs typeface="Trebuchet MS" charset="0"/>
+            </a:endParaRPr>
+          </a:p>
+        </p:txBody>
+      </p:sp>
     </p:spTree>
     <p:extLst>
       <p:ext uri="{BB962C8B-B14F-4D97-AF65-F5344CB8AC3E}">
@@ -12351,6 +13824,186 @@
           </a:prstGeom>
         </p:spPr>
       </p:pic>
+      <p:sp>
+        <p:nvSpPr>
+          <p:cNvPr id="8" name="Slide Number Placeholder 5"/>
+          <p:cNvSpPr>
+            <a:spLocks noGrp="1"/>
+          </p:cNvSpPr>
+          <p:nvPr>
+            <p:ph type="sldNum" sz="quarter" idx="12"/>
+          </p:nvPr>
+        </p:nvSpPr>
+        <p:spPr bwMode="auto">
+          <a:xfrm>
+            <a:off x="203200" y="6400800"/>
+            <a:ext cx="2133600" cy="365125"/>
+          </a:xfrm>
+          <a:noFill/>
+          <a:extLst>
+            <a:ext uri="{909E8E84-426E-40dd-AFC4-6F175D3DCCD1}">
+              <a14:hiddenFill xmlns:a14="http://schemas.microsoft.com/office/drawing/2010/main">
+                <a:solidFill>
+                  <a:srgbClr val="FFFFFF"/>
+                </a:solidFill>
+              </a14:hiddenFill>
+            </a:ext>
+            <a:ext uri="{91240B29-F687-4f45-9708-019B960494DF}">
+              <a14:hiddenLine xmlns:a14="http://schemas.microsoft.com/office/drawing/2010/main" w="9525">
+                <a:solidFill>
+                  <a:srgbClr val="000000"/>
+                </a:solidFill>
+                <a:miter lim="800000"/>
+                <a:headEnd/>
+                <a:tailEnd/>
+              </a14:hiddenLine>
+            </a:ext>
+          </a:extLst>
+        </p:spPr>
+        <p:txBody>
+          <a:bodyPr vert="horz" wrap="square" lIns="91440" tIns="45720" rIns="91440" bIns="45720" numCol="1" anchor="ctr" anchorCtr="0" compatLnSpc="1">
+            <a:prstTxWarp prst="textNoShape">
+              <a:avLst/>
+            </a:prstTxWarp>
+          </a:bodyPr>
+          <a:lstStyle>
+            <a:lvl1pPr eaLnBrk="0" hangingPunct="0">
+              <a:defRPr sz="2400">
+                <a:solidFill>
+                  <a:schemeClr val="tx1"/>
+                </a:solidFill>
+                <a:latin typeface="Trebuchet MS" charset="0"/>
+                <a:ea typeface="ＭＳ Ｐゴシック" charset="0"/>
+                <a:cs typeface="ＭＳ Ｐゴシック" charset="0"/>
+              </a:defRPr>
+            </a:lvl1pPr>
+            <a:lvl2pPr marL="742950" indent="-285750" eaLnBrk="0" hangingPunct="0">
+              <a:defRPr sz="2400">
+                <a:solidFill>
+                  <a:schemeClr val="tx1"/>
+                </a:solidFill>
+                <a:latin typeface="Trebuchet MS" charset="0"/>
+                <a:ea typeface="ＭＳ Ｐゴシック" charset="0"/>
+              </a:defRPr>
+            </a:lvl2pPr>
+            <a:lvl3pPr marL="1143000" indent="-228600" eaLnBrk="0" hangingPunct="0">
+              <a:defRPr sz="2400">
+                <a:solidFill>
+                  <a:schemeClr val="tx1"/>
+                </a:solidFill>
+                <a:latin typeface="Trebuchet MS" charset="0"/>
+                <a:ea typeface="ＭＳ Ｐゴシック" charset="0"/>
+              </a:defRPr>
+            </a:lvl3pPr>
+            <a:lvl4pPr marL="1600200" indent="-228600" eaLnBrk="0" hangingPunct="0">
+              <a:defRPr sz="2400">
+                <a:solidFill>
+                  <a:schemeClr val="tx1"/>
+                </a:solidFill>
+                <a:latin typeface="Trebuchet MS" charset="0"/>
+                <a:ea typeface="ＭＳ Ｐゴシック" charset="0"/>
+              </a:defRPr>
+            </a:lvl4pPr>
+            <a:lvl5pPr marL="2057400" indent="-228600" eaLnBrk="0" hangingPunct="0">
+              <a:defRPr sz="2400">
+                <a:solidFill>
+                  <a:schemeClr val="tx1"/>
+                </a:solidFill>
+                <a:latin typeface="Trebuchet MS" charset="0"/>
+                <a:ea typeface="ＭＳ Ｐゴシック" charset="0"/>
+              </a:defRPr>
+            </a:lvl5pPr>
+            <a:lvl6pPr marL="2514600" indent="-228600" eaLnBrk="0" fontAlgn="base" hangingPunct="0">
+              <a:spcBef>
+                <a:spcPct val="0"/>
+              </a:spcBef>
+              <a:spcAft>
+                <a:spcPct val="0"/>
+              </a:spcAft>
+              <a:defRPr sz="2400">
+                <a:solidFill>
+                  <a:schemeClr val="tx1"/>
+                </a:solidFill>
+                <a:latin typeface="Trebuchet MS" charset="0"/>
+                <a:ea typeface="ＭＳ Ｐゴシック" charset="0"/>
+              </a:defRPr>
+            </a:lvl6pPr>
+            <a:lvl7pPr marL="2971800" indent="-228600" eaLnBrk="0" fontAlgn="base" hangingPunct="0">
+              <a:spcBef>
+                <a:spcPct val="0"/>
+              </a:spcBef>
+              <a:spcAft>
+                <a:spcPct val="0"/>
+              </a:spcAft>
+              <a:defRPr sz="2400">
+                <a:solidFill>
+                  <a:schemeClr val="tx1"/>
+                </a:solidFill>
+                <a:latin typeface="Trebuchet MS" charset="0"/>
+                <a:ea typeface="ＭＳ Ｐゴシック" charset="0"/>
+              </a:defRPr>
+            </a:lvl7pPr>
+            <a:lvl8pPr marL="3429000" indent="-228600" eaLnBrk="0" fontAlgn="base" hangingPunct="0">
+              <a:spcBef>
+                <a:spcPct val="0"/>
+              </a:spcBef>
+              <a:spcAft>
+                <a:spcPct val="0"/>
+              </a:spcAft>
+              <a:defRPr sz="2400">
+                <a:solidFill>
+                  <a:schemeClr val="tx1"/>
+                </a:solidFill>
+                <a:latin typeface="Trebuchet MS" charset="0"/>
+                <a:ea typeface="ＭＳ Ｐゴシック" charset="0"/>
+              </a:defRPr>
+            </a:lvl8pPr>
+            <a:lvl9pPr marL="3886200" indent="-228600" eaLnBrk="0" fontAlgn="base" hangingPunct="0">
+              <a:spcBef>
+                <a:spcPct val="0"/>
+              </a:spcBef>
+              <a:spcAft>
+                <a:spcPct val="0"/>
+              </a:spcAft>
+              <a:defRPr sz="2400">
+                <a:solidFill>
+                  <a:schemeClr val="tx1"/>
+                </a:solidFill>
+                <a:latin typeface="Trebuchet MS" charset="0"/>
+                <a:ea typeface="ＭＳ Ｐゴシック" charset="0"/>
+              </a:defRPr>
+            </a:lvl9pPr>
+          </a:lstStyle>
+          <a:p>
+            <a:pPr algn="l" eaLnBrk="1" hangingPunct="1"/>
+            <a:r>
+              <a:rPr lang="en-US" sz="1200" b="1" dirty="0" smtClean="0">
+                <a:solidFill>
+                  <a:srgbClr val="122956"/>
+                </a:solidFill>
+                <a:cs typeface="Trebuchet MS" charset="0"/>
+              </a:rPr>
+              <a:t>11-</a:t>
+            </a:r>
+            <a:fld id="{31B56995-E14C-B64F-86C9-12D6DB74A41E}" type="slidenum">
+              <a:rPr lang="en-US" sz="1200" b="1">
+                <a:solidFill>
+                  <a:srgbClr val="122956"/>
+                </a:solidFill>
+                <a:cs typeface="Trebuchet MS" charset="0"/>
+              </a:rPr>
+              <a:pPr algn="l" eaLnBrk="1" hangingPunct="1"/>
+              <a:t>17</a:t>
+            </a:fld>
+            <a:endParaRPr lang="en-US" sz="1200" b="1" dirty="0">
+              <a:solidFill>
+                <a:srgbClr val="122956"/>
+              </a:solidFill>
+              <a:cs typeface="Trebuchet MS" charset="0"/>
+            </a:endParaRPr>
+          </a:p>
+        </p:txBody>
+      </p:sp>
     </p:spTree>
     <p:extLst>
       <p:ext uri="{BB962C8B-B14F-4D97-AF65-F5344CB8AC3E}">
@@ -12640,6 +14293,186 @@
           </a:prstGeom>
         </p:spPr>
       </p:pic>
+      <p:sp>
+        <p:nvSpPr>
+          <p:cNvPr id="8" name="Slide Number Placeholder 5"/>
+          <p:cNvSpPr>
+            <a:spLocks noGrp="1"/>
+          </p:cNvSpPr>
+          <p:nvPr>
+            <p:ph type="sldNum" sz="quarter" idx="12"/>
+          </p:nvPr>
+        </p:nvSpPr>
+        <p:spPr bwMode="auto">
+          <a:xfrm>
+            <a:off x="203200" y="6400800"/>
+            <a:ext cx="2133600" cy="365125"/>
+          </a:xfrm>
+          <a:noFill/>
+          <a:extLst>
+            <a:ext uri="{909E8E84-426E-40dd-AFC4-6F175D3DCCD1}">
+              <a14:hiddenFill xmlns:a14="http://schemas.microsoft.com/office/drawing/2010/main">
+                <a:solidFill>
+                  <a:srgbClr val="FFFFFF"/>
+                </a:solidFill>
+              </a14:hiddenFill>
+            </a:ext>
+            <a:ext uri="{91240B29-F687-4f45-9708-019B960494DF}">
+              <a14:hiddenLine xmlns:a14="http://schemas.microsoft.com/office/drawing/2010/main" w="9525">
+                <a:solidFill>
+                  <a:srgbClr val="000000"/>
+                </a:solidFill>
+                <a:miter lim="800000"/>
+                <a:headEnd/>
+                <a:tailEnd/>
+              </a14:hiddenLine>
+            </a:ext>
+          </a:extLst>
+        </p:spPr>
+        <p:txBody>
+          <a:bodyPr vert="horz" wrap="square" lIns="91440" tIns="45720" rIns="91440" bIns="45720" numCol="1" anchor="ctr" anchorCtr="0" compatLnSpc="1">
+            <a:prstTxWarp prst="textNoShape">
+              <a:avLst/>
+            </a:prstTxWarp>
+          </a:bodyPr>
+          <a:lstStyle>
+            <a:lvl1pPr eaLnBrk="0" hangingPunct="0">
+              <a:defRPr sz="2400">
+                <a:solidFill>
+                  <a:schemeClr val="tx1"/>
+                </a:solidFill>
+                <a:latin typeface="Trebuchet MS" charset="0"/>
+                <a:ea typeface="ＭＳ Ｐゴシック" charset="0"/>
+                <a:cs typeface="ＭＳ Ｐゴシック" charset="0"/>
+              </a:defRPr>
+            </a:lvl1pPr>
+            <a:lvl2pPr marL="742950" indent="-285750" eaLnBrk="0" hangingPunct="0">
+              <a:defRPr sz="2400">
+                <a:solidFill>
+                  <a:schemeClr val="tx1"/>
+                </a:solidFill>
+                <a:latin typeface="Trebuchet MS" charset="0"/>
+                <a:ea typeface="ＭＳ Ｐゴシック" charset="0"/>
+              </a:defRPr>
+            </a:lvl2pPr>
+            <a:lvl3pPr marL="1143000" indent="-228600" eaLnBrk="0" hangingPunct="0">
+              <a:defRPr sz="2400">
+                <a:solidFill>
+                  <a:schemeClr val="tx1"/>
+                </a:solidFill>
+                <a:latin typeface="Trebuchet MS" charset="0"/>
+                <a:ea typeface="ＭＳ Ｐゴシック" charset="0"/>
+              </a:defRPr>
+            </a:lvl3pPr>
+            <a:lvl4pPr marL="1600200" indent="-228600" eaLnBrk="0" hangingPunct="0">
+              <a:defRPr sz="2400">
+                <a:solidFill>
+                  <a:schemeClr val="tx1"/>
+                </a:solidFill>
+                <a:latin typeface="Trebuchet MS" charset="0"/>
+                <a:ea typeface="ＭＳ Ｐゴシック" charset="0"/>
+              </a:defRPr>
+            </a:lvl4pPr>
+            <a:lvl5pPr marL="2057400" indent="-228600" eaLnBrk="0" hangingPunct="0">
+              <a:defRPr sz="2400">
+                <a:solidFill>
+                  <a:schemeClr val="tx1"/>
+                </a:solidFill>
+                <a:latin typeface="Trebuchet MS" charset="0"/>
+                <a:ea typeface="ＭＳ Ｐゴシック" charset="0"/>
+              </a:defRPr>
+            </a:lvl5pPr>
+            <a:lvl6pPr marL="2514600" indent="-228600" eaLnBrk="0" fontAlgn="base" hangingPunct="0">
+              <a:spcBef>
+                <a:spcPct val="0"/>
+              </a:spcBef>
+              <a:spcAft>
+                <a:spcPct val="0"/>
+              </a:spcAft>
+              <a:defRPr sz="2400">
+                <a:solidFill>
+                  <a:schemeClr val="tx1"/>
+                </a:solidFill>
+                <a:latin typeface="Trebuchet MS" charset="0"/>
+                <a:ea typeface="ＭＳ Ｐゴシック" charset="0"/>
+              </a:defRPr>
+            </a:lvl6pPr>
+            <a:lvl7pPr marL="2971800" indent="-228600" eaLnBrk="0" fontAlgn="base" hangingPunct="0">
+              <a:spcBef>
+                <a:spcPct val="0"/>
+              </a:spcBef>
+              <a:spcAft>
+                <a:spcPct val="0"/>
+              </a:spcAft>
+              <a:defRPr sz="2400">
+                <a:solidFill>
+                  <a:schemeClr val="tx1"/>
+                </a:solidFill>
+                <a:latin typeface="Trebuchet MS" charset="0"/>
+                <a:ea typeface="ＭＳ Ｐゴシック" charset="0"/>
+              </a:defRPr>
+            </a:lvl7pPr>
+            <a:lvl8pPr marL="3429000" indent="-228600" eaLnBrk="0" fontAlgn="base" hangingPunct="0">
+              <a:spcBef>
+                <a:spcPct val="0"/>
+              </a:spcBef>
+              <a:spcAft>
+                <a:spcPct val="0"/>
+              </a:spcAft>
+              <a:defRPr sz="2400">
+                <a:solidFill>
+                  <a:schemeClr val="tx1"/>
+                </a:solidFill>
+                <a:latin typeface="Trebuchet MS" charset="0"/>
+                <a:ea typeface="ＭＳ Ｐゴシック" charset="0"/>
+              </a:defRPr>
+            </a:lvl8pPr>
+            <a:lvl9pPr marL="3886200" indent="-228600" eaLnBrk="0" fontAlgn="base" hangingPunct="0">
+              <a:spcBef>
+                <a:spcPct val="0"/>
+              </a:spcBef>
+              <a:spcAft>
+                <a:spcPct val="0"/>
+              </a:spcAft>
+              <a:defRPr sz="2400">
+                <a:solidFill>
+                  <a:schemeClr val="tx1"/>
+                </a:solidFill>
+                <a:latin typeface="Trebuchet MS" charset="0"/>
+                <a:ea typeface="ＭＳ Ｐゴシック" charset="0"/>
+              </a:defRPr>
+            </a:lvl9pPr>
+          </a:lstStyle>
+          <a:p>
+            <a:pPr algn="l" eaLnBrk="1" hangingPunct="1"/>
+            <a:r>
+              <a:rPr lang="en-US" sz="1200" b="1" dirty="0" smtClean="0">
+                <a:solidFill>
+                  <a:srgbClr val="122956"/>
+                </a:solidFill>
+                <a:cs typeface="Trebuchet MS" charset="0"/>
+              </a:rPr>
+              <a:t>11-</a:t>
+            </a:r>
+            <a:fld id="{31B56995-E14C-B64F-86C9-12D6DB74A41E}" type="slidenum">
+              <a:rPr lang="en-US" sz="1200" b="1">
+                <a:solidFill>
+                  <a:srgbClr val="122956"/>
+                </a:solidFill>
+                <a:cs typeface="Trebuchet MS" charset="0"/>
+              </a:rPr>
+              <a:pPr algn="l" eaLnBrk="1" hangingPunct="1"/>
+              <a:t>18</a:t>
+            </a:fld>
+            <a:endParaRPr lang="en-US" sz="1200" b="1" dirty="0">
+              <a:solidFill>
+                <a:srgbClr val="122956"/>
+              </a:solidFill>
+              <a:cs typeface="Trebuchet MS" charset="0"/>
+            </a:endParaRPr>
+          </a:p>
+        </p:txBody>
+      </p:sp>
     </p:spTree>
     <p:extLst>
       <p:ext uri="{BB962C8B-B14F-4D97-AF65-F5344CB8AC3E}">
@@ -13007,6 +14840,186 @@
               <a:latin typeface="Trebuchet MS" charset="0"/>
               <a:ea typeface="ヒラギノ角ゴ ProN W3" charset="0"/>
               <a:cs typeface="ヒラギノ角ゴ ProN W3" charset="0"/>
+            </a:endParaRPr>
+          </a:p>
+        </p:txBody>
+      </p:sp>
+      <p:sp>
+        <p:nvSpPr>
+          <p:cNvPr id="7" name="Slide Number Placeholder 5"/>
+          <p:cNvSpPr>
+            <a:spLocks noGrp="1"/>
+          </p:cNvSpPr>
+          <p:nvPr>
+            <p:ph type="sldNum" sz="quarter" idx="12"/>
+          </p:nvPr>
+        </p:nvSpPr>
+        <p:spPr bwMode="auto">
+          <a:xfrm>
+            <a:off x="203200" y="6400800"/>
+            <a:ext cx="2133600" cy="365125"/>
+          </a:xfrm>
+          <a:noFill/>
+          <a:extLst>
+            <a:ext uri="{909E8E84-426E-40dd-AFC4-6F175D3DCCD1}">
+              <a14:hiddenFill xmlns:a14="http://schemas.microsoft.com/office/drawing/2010/main">
+                <a:solidFill>
+                  <a:srgbClr val="FFFFFF"/>
+                </a:solidFill>
+              </a14:hiddenFill>
+            </a:ext>
+            <a:ext uri="{91240B29-F687-4f45-9708-019B960494DF}">
+              <a14:hiddenLine xmlns:a14="http://schemas.microsoft.com/office/drawing/2010/main" w="9525">
+                <a:solidFill>
+                  <a:srgbClr val="000000"/>
+                </a:solidFill>
+                <a:miter lim="800000"/>
+                <a:headEnd/>
+                <a:tailEnd/>
+              </a14:hiddenLine>
+            </a:ext>
+          </a:extLst>
+        </p:spPr>
+        <p:txBody>
+          <a:bodyPr vert="horz" wrap="square" lIns="91440" tIns="45720" rIns="91440" bIns="45720" numCol="1" anchor="ctr" anchorCtr="0" compatLnSpc="1">
+            <a:prstTxWarp prst="textNoShape">
+              <a:avLst/>
+            </a:prstTxWarp>
+          </a:bodyPr>
+          <a:lstStyle>
+            <a:lvl1pPr eaLnBrk="0" hangingPunct="0">
+              <a:defRPr sz="2400">
+                <a:solidFill>
+                  <a:schemeClr val="tx1"/>
+                </a:solidFill>
+                <a:latin typeface="Trebuchet MS" charset="0"/>
+                <a:ea typeface="ＭＳ Ｐゴシック" charset="0"/>
+                <a:cs typeface="ＭＳ Ｐゴシック" charset="0"/>
+              </a:defRPr>
+            </a:lvl1pPr>
+            <a:lvl2pPr marL="742950" indent="-285750" eaLnBrk="0" hangingPunct="0">
+              <a:defRPr sz="2400">
+                <a:solidFill>
+                  <a:schemeClr val="tx1"/>
+                </a:solidFill>
+                <a:latin typeface="Trebuchet MS" charset="0"/>
+                <a:ea typeface="ＭＳ Ｐゴシック" charset="0"/>
+              </a:defRPr>
+            </a:lvl2pPr>
+            <a:lvl3pPr marL="1143000" indent="-228600" eaLnBrk="0" hangingPunct="0">
+              <a:defRPr sz="2400">
+                <a:solidFill>
+                  <a:schemeClr val="tx1"/>
+                </a:solidFill>
+                <a:latin typeface="Trebuchet MS" charset="0"/>
+                <a:ea typeface="ＭＳ Ｐゴシック" charset="0"/>
+              </a:defRPr>
+            </a:lvl3pPr>
+            <a:lvl4pPr marL="1600200" indent="-228600" eaLnBrk="0" hangingPunct="0">
+              <a:defRPr sz="2400">
+                <a:solidFill>
+                  <a:schemeClr val="tx1"/>
+                </a:solidFill>
+                <a:latin typeface="Trebuchet MS" charset="0"/>
+                <a:ea typeface="ＭＳ Ｐゴシック" charset="0"/>
+              </a:defRPr>
+            </a:lvl4pPr>
+            <a:lvl5pPr marL="2057400" indent="-228600" eaLnBrk="0" hangingPunct="0">
+              <a:defRPr sz="2400">
+                <a:solidFill>
+                  <a:schemeClr val="tx1"/>
+                </a:solidFill>
+                <a:latin typeface="Trebuchet MS" charset="0"/>
+                <a:ea typeface="ＭＳ Ｐゴシック" charset="0"/>
+              </a:defRPr>
+            </a:lvl5pPr>
+            <a:lvl6pPr marL="2514600" indent="-228600" eaLnBrk="0" fontAlgn="base" hangingPunct="0">
+              <a:spcBef>
+                <a:spcPct val="0"/>
+              </a:spcBef>
+              <a:spcAft>
+                <a:spcPct val="0"/>
+              </a:spcAft>
+              <a:defRPr sz="2400">
+                <a:solidFill>
+                  <a:schemeClr val="tx1"/>
+                </a:solidFill>
+                <a:latin typeface="Trebuchet MS" charset="0"/>
+                <a:ea typeface="ＭＳ Ｐゴシック" charset="0"/>
+              </a:defRPr>
+            </a:lvl6pPr>
+            <a:lvl7pPr marL="2971800" indent="-228600" eaLnBrk="0" fontAlgn="base" hangingPunct="0">
+              <a:spcBef>
+                <a:spcPct val="0"/>
+              </a:spcBef>
+              <a:spcAft>
+                <a:spcPct val="0"/>
+              </a:spcAft>
+              <a:defRPr sz="2400">
+                <a:solidFill>
+                  <a:schemeClr val="tx1"/>
+                </a:solidFill>
+                <a:latin typeface="Trebuchet MS" charset="0"/>
+                <a:ea typeface="ＭＳ Ｐゴシック" charset="0"/>
+              </a:defRPr>
+            </a:lvl7pPr>
+            <a:lvl8pPr marL="3429000" indent="-228600" eaLnBrk="0" fontAlgn="base" hangingPunct="0">
+              <a:spcBef>
+                <a:spcPct val="0"/>
+              </a:spcBef>
+              <a:spcAft>
+                <a:spcPct val="0"/>
+              </a:spcAft>
+              <a:defRPr sz="2400">
+                <a:solidFill>
+                  <a:schemeClr val="tx1"/>
+                </a:solidFill>
+                <a:latin typeface="Trebuchet MS" charset="0"/>
+                <a:ea typeface="ＭＳ Ｐゴシック" charset="0"/>
+              </a:defRPr>
+            </a:lvl8pPr>
+            <a:lvl9pPr marL="3886200" indent="-228600" eaLnBrk="0" fontAlgn="base" hangingPunct="0">
+              <a:spcBef>
+                <a:spcPct val="0"/>
+              </a:spcBef>
+              <a:spcAft>
+                <a:spcPct val="0"/>
+              </a:spcAft>
+              <a:defRPr sz="2400">
+                <a:solidFill>
+                  <a:schemeClr val="tx1"/>
+                </a:solidFill>
+                <a:latin typeface="Trebuchet MS" charset="0"/>
+                <a:ea typeface="ＭＳ Ｐゴシック" charset="0"/>
+              </a:defRPr>
+            </a:lvl9pPr>
+          </a:lstStyle>
+          <a:p>
+            <a:pPr algn="l" eaLnBrk="1" hangingPunct="1"/>
+            <a:r>
+              <a:rPr lang="en-US" sz="1200" b="1" dirty="0" smtClean="0">
+                <a:solidFill>
+                  <a:srgbClr val="122956"/>
+                </a:solidFill>
+                <a:cs typeface="Trebuchet MS" charset="0"/>
+              </a:rPr>
+              <a:t>11-</a:t>
+            </a:r>
+            <a:fld id="{31B56995-E14C-B64F-86C9-12D6DB74A41E}" type="slidenum">
+              <a:rPr lang="en-US" sz="1200" b="1">
+                <a:solidFill>
+                  <a:srgbClr val="122956"/>
+                </a:solidFill>
+                <a:cs typeface="Trebuchet MS" charset="0"/>
+              </a:rPr>
+              <a:pPr algn="l" eaLnBrk="1" hangingPunct="1"/>
+              <a:t>19</a:t>
+            </a:fld>
+            <a:endParaRPr lang="en-US" sz="1200" b="1" dirty="0">
+              <a:solidFill>
+                <a:srgbClr val="122956"/>
+              </a:solidFill>
+              <a:cs typeface="Trebuchet MS" charset="0"/>
             </a:endParaRPr>
           </a:p>
         </p:txBody>
@@ -13356,6 +15369,186 @@
           </a:p>
         </p:txBody>
       </p:sp>
+      <p:sp>
+        <p:nvSpPr>
+          <p:cNvPr id="7" name="Slide Number Placeholder 5"/>
+          <p:cNvSpPr>
+            <a:spLocks noGrp="1"/>
+          </p:cNvSpPr>
+          <p:nvPr>
+            <p:ph type="sldNum" sz="quarter" idx="12"/>
+          </p:nvPr>
+        </p:nvSpPr>
+        <p:spPr bwMode="auto">
+          <a:xfrm>
+            <a:off x="203200" y="6400800"/>
+            <a:ext cx="2133600" cy="365125"/>
+          </a:xfrm>
+          <a:noFill/>
+          <a:extLst>
+            <a:ext uri="{909E8E84-426E-40dd-AFC4-6F175D3DCCD1}">
+              <a14:hiddenFill xmlns:a14="http://schemas.microsoft.com/office/drawing/2010/main">
+                <a:solidFill>
+                  <a:srgbClr val="FFFFFF"/>
+                </a:solidFill>
+              </a14:hiddenFill>
+            </a:ext>
+            <a:ext uri="{91240B29-F687-4f45-9708-019B960494DF}">
+              <a14:hiddenLine xmlns:a14="http://schemas.microsoft.com/office/drawing/2010/main" w="9525">
+                <a:solidFill>
+                  <a:srgbClr val="000000"/>
+                </a:solidFill>
+                <a:miter lim="800000"/>
+                <a:headEnd/>
+                <a:tailEnd/>
+              </a14:hiddenLine>
+            </a:ext>
+          </a:extLst>
+        </p:spPr>
+        <p:txBody>
+          <a:bodyPr vert="horz" wrap="square" lIns="91440" tIns="45720" rIns="91440" bIns="45720" numCol="1" anchor="ctr" anchorCtr="0" compatLnSpc="1">
+            <a:prstTxWarp prst="textNoShape">
+              <a:avLst/>
+            </a:prstTxWarp>
+          </a:bodyPr>
+          <a:lstStyle>
+            <a:lvl1pPr eaLnBrk="0" hangingPunct="0">
+              <a:defRPr sz="2400">
+                <a:solidFill>
+                  <a:schemeClr val="tx1"/>
+                </a:solidFill>
+                <a:latin typeface="Trebuchet MS" charset="0"/>
+                <a:ea typeface="ＭＳ Ｐゴシック" charset="0"/>
+                <a:cs typeface="ＭＳ Ｐゴシック" charset="0"/>
+              </a:defRPr>
+            </a:lvl1pPr>
+            <a:lvl2pPr marL="742950" indent="-285750" eaLnBrk="0" hangingPunct="0">
+              <a:defRPr sz="2400">
+                <a:solidFill>
+                  <a:schemeClr val="tx1"/>
+                </a:solidFill>
+                <a:latin typeface="Trebuchet MS" charset="0"/>
+                <a:ea typeface="ＭＳ Ｐゴシック" charset="0"/>
+              </a:defRPr>
+            </a:lvl2pPr>
+            <a:lvl3pPr marL="1143000" indent="-228600" eaLnBrk="0" hangingPunct="0">
+              <a:defRPr sz="2400">
+                <a:solidFill>
+                  <a:schemeClr val="tx1"/>
+                </a:solidFill>
+                <a:latin typeface="Trebuchet MS" charset="0"/>
+                <a:ea typeface="ＭＳ Ｐゴシック" charset="0"/>
+              </a:defRPr>
+            </a:lvl3pPr>
+            <a:lvl4pPr marL="1600200" indent="-228600" eaLnBrk="0" hangingPunct="0">
+              <a:defRPr sz="2400">
+                <a:solidFill>
+                  <a:schemeClr val="tx1"/>
+                </a:solidFill>
+                <a:latin typeface="Trebuchet MS" charset="0"/>
+                <a:ea typeface="ＭＳ Ｐゴシック" charset="0"/>
+              </a:defRPr>
+            </a:lvl4pPr>
+            <a:lvl5pPr marL="2057400" indent="-228600" eaLnBrk="0" hangingPunct="0">
+              <a:defRPr sz="2400">
+                <a:solidFill>
+                  <a:schemeClr val="tx1"/>
+                </a:solidFill>
+                <a:latin typeface="Trebuchet MS" charset="0"/>
+                <a:ea typeface="ＭＳ Ｐゴシック" charset="0"/>
+              </a:defRPr>
+            </a:lvl5pPr>
+            <a:lvl6pPr marL="2514600" indent="-228600" eaLnBrk="0" fontAlgn="base" hangingPunct="0">
+              <a:spcBef>
+                <a:spcPct val="0"/>
+              </a:spcBef>
+              <a:spcAft>
+                <a:spcPct val="0"/>
+              </a:spcAft>
+              <a:defRPr sz="2400">
+                <a:solidFill>
+                  <a:schemeClr val="tx1"/>
+                </a:solidFill>
+                <a:latin typeface="Trebuchet MS" charset="0"/>
+                <a:ea typeface="ＭＳ Ｐゴシック" charset="0"/>
+              </a:defRPr>
+            </a:lvl6pPr>
+            <a:lvl7pPr marL="2971800" indent="-228600" eaLnBrk="0" fontAlgn="base" hangingPunct="0">
+              <a:spcBef>
+                <a:spcPct val="0"/>
+              </a:spcBef>
+              <a:spcAft>
+                <a:spcPct val="0"/>
+              </a:spcAft>
+              <a:defRPr sz="2400">
+                <a:solidFill>
+                  <a:schemeClr val="tx1"/>
+                </a:solidFill>
+                <a:latin typeface="Trebuchet MS" charset="0"/>
+                <a:ea typeface="ＭＳ Ｐゴシック" charset="0"/>
+              </a:defRPr>
+            </a:lvl7pPr>
+            <a:lvl8pPr marL="3429000" indent="-228600" eaLnBrk="0" fontAlgn="base" hangingPunct="0">
+              <a:spcBef>
+                <a:spcPct val="0"/>
+              </a:spcBef>
+              <a:spcAft>
+                <a:spcPct val="0"/>
+              </a:spcAft>
+              <a:defRPr sz="2400">
+                <a:solidFill>
+                  <a:schemeClr val="tx1"/>
+                </a:solidFill>
+                <a:latin typeface="Trebuchet MS" charset="0"/>
+                <a:ea typeface="ＭＳ Ｐゴシック" charset="0"/>
+              </a:defRPr>
+            </a:lvl8pPr>
+            <a:lvl9pPr marL="3886200" indent="-228600" eaLnBrk="0" fontAlgn="base" hangingPunct="0">
+              <a:spcBef>
+                <a:spcPct val="0"/>
+              </a:spcBef>
+              <a:spcAft>
+                <a:spcPct val="0"/>
+              </a:spcAft>
+              <a:defRPr sz="2400">
+                <a:solidFill>
+                  <a:schemeClr val="tx1"/>
+                </a:solidFill>
+                <a:latin typeface="Trebuchet MS" charset="0"/>
+                <a:ea typeface="ＭＳ Ｐゴシック" charset="0"/>
+              </a:defRPr>
+            </a:lvl9pPr>
+          </a:lstStyle>
+          <a:p>
+            <a:pPr algn="l" eaLnBrk="1" hangingPunct="1"/>
+            <a:r>
+              <a:rPr lang="en-US" sz="1200" b="1" dirty="0" smtClean="0">
+                <a:solidFill>
+                  <a:srgbClr val="122956"/>
+                </a:solidFill>
+                <a:cs typeface="Trebuchet MS" charset="0"/>
+              </a:rPr>
+              <a:t>11-</a:t>
+            </a:r>
+            <a:fld id="{31B56995-E14C-B64F-86C9-12D6DB74A41E}" type="slidenum">
+              <a:rPr lang="en-US" sz="1200" b="1">
+                <a:solidFill>
+                  <a:srgbClr val="122956"/>
+                </a:solidFill>
+                <a:cs typeface="Trebuchet MS" charset="0"/>
+              </a:rPr>
+              <a:pPr algn="l" eaLnBrk="1" hangingPunct="1"/>
+              <a:t>2</a:t>
+            </a:fld>
+            <a:endParaRPr lang="en-US" sz="1200" b="1" dirty="0">
+              <a:solidFill>
+                <a:srgbClr val="122956"/>
+              </a:solidFill>
+              <a:cs typeface="Trebuchet MS" charset="0"/>
+            </a:endParaRPr>
+          </a:p>
+        </p:txBody>
+      </p:sp>
     </p:spTree>
   </p:cSld>
   <p:clrMapOvr>
@@ -13670,6 +15863,186 @@
               <a:latin typeface="Trebuchet MS" charset="0"/>
               <a:ea typeface="ヒラギノ角ゴ ProN W3" charset="0"/>
               <a:cs typeface="ヒラギノ角ゴ ProN W3" charset="0"/>
+            </a:endParaRPr>
+          </a:p>
+        </p:txBody>
+      </p:sp>
+      <p:sp>
+        <p:nvSpPr>
+          <p:cNvPr id="7" name="Slide Number Placeholder 5"/>
+          <p:cNvSpPr>
+            <a:spLocks noGrp="1"/>
+          </p:cNvSpPr>
+          <p:nvPr>
+            <p:ph type="sldNum" sz="quarter" idx="12"/>
+          </p:nvPr>
+        </p:nvSpPr>
+        <p:spPr bwMode="auto">
+          <a:xfrm>
+            <a:off x="203200" y="6400800"/>
+            <a:ext cx="2133600" cy="365125"/>
+          </a:xfrm>
+          <a:noFill/>
+          <a:extLst>
+            <a:ext uri="{909E8E84-426E-40dd-AFC4-6F175D3DCCD1}">
+              <a14:hiddenFill xmlns:a14="http://schemas.microsoft.com/office/drawing/2010/main">
+                <a:solidFill>
+                  <a:srgbClr val="FFFFFF"/>
+                </a:solidFill>
+              </a14:hiddenFill>
+            </a:ext>
+            <a:ext uri="{91240B29-F687-4f45-9708-019B960494DF}">
+              <a14:hiddenLine xmlns:a14="http://schemas.microsoft.com/office/drawing/2010/main" w="9525">
+                <a:solidFill>
+                  <a:srgbClr val="000000"/>
+                </a:solidFill>
+                <a:miter lim="800000"/>
+                <a:headEnd/>
+                <a:tailEnd/>
+              </a14:hiddenLine>
+            </a:ext>
+          </a:extLst>
+        </p:spPr>
+        <p:txBody>
+          <a:bodyPr vert="horz" wrap="square" lIns="91440" tIns="45720" rIns="91440" bIns="45720" numCol="1" anchor="ctr" anchorCtr="0" compatLnSpc="1">
+            <a:prstTxWarp prst="textNoShape">
+              <a:avLst/>
+            </a:prstTxWarp>
+          </a:bodyPr>
+          <a:lstStyle>
+            <a:lvl1pPr eaLnBrk="0" hangingPunct="0">
+              <a:defRPr sz="2400">
+                <a:solidFill>
+                  <a:schemeClr val="tx1"/>
+                </a:solidFill>
+                <a:latin typeface="Trebuchet MS" charset="0"/>
+                <a:ea typeface="ＭＳ Ｐゴシック" charset="0"/>
+                <a:cs typeface="ＭＳ Ｐゴシック" charset="0"/>
+              </a:defRPr>
+            </a:lvl1pPr>
+            <a:lvl2pPr marL="742950" indent="-285750" eaLnBrk="0" hangingPunct="0">
+              <a:defRPr sz="2400">
+                <a:solidFill>
+                  <a:schemeClr val="tx1"/>
+                </a:solidFill>
+                <a:latin typeface="Trebuchet MS" charset="0"/>
+                <a:ea typeface="ＭＳ Ｐゴシック" charset="0"/>
+              </a:defRPr>
+            </a:lvl2pPr>
+            <a:lvl3pPr marL="1143000" indent="-228600" eaLnBrk="0" hangingPunct="0">
+              <a:defRPr sz="2400">
+                <a:solidFill>
+                  <a:schemeClr val="tx1"/>
+                </a:solidFill>
+                <a:latin typeface="Trebuchet MS" charset="0"/>
+                <a:ea typeface="ＭＳ Ｐゴシック" charset="0"/>
+              </a:defRPr>
+            </a:lvl3pPr>
+            <a:lvl4pPr marL="1600200" indent="-228600" eaLnBrk="0" hangingPunct="0">
+              <a:defRPr sz="2400">
+                <a:solidFill>
+                  <a:schemeClr val="tx1"/>
+                </a:solidFill>
+                <a:latin typeface="Trebuchet MS" charset="0"/>
+                <a:ea typeface="ＭＳ Ｐゴシック" charset="0"/>
+              </a:defRPr>
+            </a:lvl4pPr>
+            <a:lvl5pPr marL="2057400" indent="-228600" eaLnBrk="0" hangingPunct="0">
+              <a:defRPr sz="2400">
+                <a:solidFill>
+                  <a:schemeClr val="tx1"/>
+                </a:solidFill>
+                <a:latin typeface="Trebuchet MS" charset="0"/>
+                <a:ea typeface="ＭＳ Ｐゴシック" charset="0"/>
+              </a:defRPr>
+            </a:lvl5pPr>
+            <a:lvl6pPr marL="2514600" indent="-228600" eaLnBrk="0" fontAlgn="base" hangingPunct="0">
+              <a:spcBef>
+                <a:spcPct val="0"/>
+              </a:spcBef>
+              <a:spcAft>
+                <a:spcPct val="0"/>
+              </a:spcAft>
+              <a:defRPr sz="2400">
+                <a:solidFill>
+                  <a:schemeClr val="tx1"/>
+                </a:solidFill>
+                <a:latin typeface="Trebuchet MS" charset="0"/>
+                <a:ea typeface="ＭＳ Ｐゴシック" charset="0"/>
+              </a:defRPr>
+            </a:lvl6pPr>
+            <a:lvl7pPr marL="2971800" indent="-228600" eaLnBrk="0" fontAlgn="base" hangingPunct="0">
+              <a:spcBef>
+                <a:spcPct val="0"/>
+              </a:spcBef>
+              <a:spcAft>
+                <a:spcPct val="0"/>
+              </a:spcAft>
+              <a:defRPr sz="2400">
+                <a:solidFill>
+                  <a:schemeClr val="tx1"/>
+                </a:solidFill>
+                <a:latin typeface="Trebuchet MS" charset="0"/>
+                <a:ea typeface="ＭＳ Ｐゴシック" charset="0"/>
+              </a:defRPr>
+            </a:lvl7pPr>
+            <a:lvl8pPr marL="3429000" indent="-228600" eaLnBrk="0" fontAlgn="base" hangingPunct="0">
+              <a:spcBef>
+                <a:spcPct val="0"/>
+              </a:spcBef>
+              <a:spcAft>
+                <a:spcPct val="0"/>
+              </a:spcAft>
+              <a:defRPr sz="2400">
+                <a:solidFill>
+                  <a:schemeClr val="tx1"/>
+                </a:solidFill>
+                <a:latin typeface="Trebuchet MS" charset="0"/>
+                <a:ea typeface="ＭＳ Ｐゴシック" charset="0"/>
+              </a:defRPr>
+            </a:lvl8pPr>
+            <a:lvl9pPr marL="3886200" indent="-228600" eaLnBrk="0" fontAlgn="base" hangingPunct="0">
+              <a:spcBef>
+                <a:spcPct val="0"/>
+              </a:spcBef>
+              <a:spcAft>
+                <a:spcPct val="0"/>
+              </a:spcAft>
+              <a:defRPr sz="2400">
+                <a:solidFill>
+                  <a:schemeClr val="tx1"/>
+                </a:solidFill>
+                <a:latin typeface="Trebuchet MS" charset="0"/>
+                <a:ea typeface="ＭＳ Ｐゴシック" charset="0"/>
+              </a:defRPr>
+            </a:lvl9pPr>
+          </a:lstStyle>
+          <a:p>
+            <a:pPr algn="l" eaLnBrk="1" hangingPunct="1"/>
+            <a:r>
+              <a:rPr lang="en-US" sz="1200" b="1" dirty="0" smtClean="0">
+                <a:solidFill>
+                  <a:srgbClr val="122956"/>
+                </a:solidFill>
+                <a:cs typeface="Trebuchet MS" charset="0"/>
+              </a:rPr>
+              <a:t>11-</a:t>
+            </a:r>
+            <a:fld id="{31B56995-E14C-B64F-86C9-12D6DB74A41E}" type="slidenum">
+              <a:rPr lang="en-US" sz="1200" b="1">
+                <a:solidFill>
+                  <a:srgbClr val="122956"/>
+                </a:solidFill>
+                <a:cs typeface="Trebuchet MS" charset="0"/>
+              </a:rPr>
+              <a:pPr algn="l" eaLnBrk="1" hangingPunct="1"/>
+              <a:t>20</a:t>
+            </a:fld>
+            <a:endParaRPr lang="en-US" sz="1200" b="1" dirty="0">
+              <a:solidFill>
+                <a:srgbClr val="122956"/>
+              </a:solidFill>
+              <a:cs typeface="Trebuchet MS" charset="0"/>
             </a:endParaRPr>
           </a:p>
         </p:txBody>
@@ -14034,6 +16407,186 @@
           </a:p>
         </p:txBody>
       </p:sp>
+      <p:sp>
+        <p:nvSpPr>
+          <p:cNvPr id="7" name="Slide Number Placeholder 5"/>
+          <p:cNvSpPr>
+            <a:spLocks noGrp="1"/>
+          </p:cNvSpPr>
+          <p:nvPr>
+            <p:ph type="sldNum" sz="quarter" idx="12"/>
+          </p:nvPr>
+        </p:nvSpPr>
+        <p:spPr bwMode="auto">
+          <a:xfrm>
+            <a:off x="203200" y="6400800"/>
+            <a:ext cx="2133600" cy="365125"/>
+          </a:xfrm>
+          <a:noFill/>
+          <a:extLst>
+            <a:ext uri="{909E8E84-426E-40dd-AFC4-6F175D3DCCD1}">
+              <a14:hiddenFill xmlns:a14="http://schemas.microsoft.com/office/drawing/2010/main">
+                <a:solidFill>
+                  <a:srgbClr val="FFFFFF"/>
+                </a:solidFill>
+              </a14:hiddenFill>
+            </a:ext>
+            <a:ext uri="{91240B29-F687-4f45-9708-019B960494DF}">
+              <a14:hiddenLine xmlns:a14="http://schemas.microsoft.com/office/drawing/2010/main" w="9525">
+                <a:solidFill>
+                  <a:srgbClr val="000000"/>
+                </a:solidFill>
+                <a:miter lim="800000"/>
+                <a:headEnd/>
+                <a:tailEnd/>
+              </a14:hiddenLine>
+            </a:ext>
+          </a:extLst>
+        </p:spPr>
+        <p:txBody>
+          <a:bodyPr vert="horz" wrap="square" lIns="91440" tIns="45720" rIns="91440" bIns="45720" numCol="1" anchor="ctr" anchorCtr="0" compatLnSpc="1">
+            <a:prstTxWarp prst="textNoShape">
+              <a:avLst/>
+            </a:prstTxWarp>
+          </a:bodyPr>
+          <a:lstStyle>
+            <a:lvl1pPr eaLnBrk="0" hangingPunct="0">
+              <a:defRPr sz="2400">
+                <a:solidFill>
+                  <a:schemeClr val="tx1"/>
+                </a:solidFill>
+                <a:latin typeface="Trebuchet MS" charset="0"/>
+                <a:ea typeface="ＭＳ Ｐゴシック" charset="0"/>
+                <a:cs typeface="ＭＳ Ｐゴシック" charset="0"/>
+              </a:defRPr>
+            </a:lvl1pPr>
+            <a:lvl2pPr marL="742950" indent="-285750" eaLnBrk="0" hangingPunct="0">
+              <a:defRPr sz="2400">
+                <a:solidFill>
+                  <a:schemeClr val="tx1"/>
+                </a:solidFill>
+                <a:latin typeface="Trebuchet MS" charset="0"/>
+                <a:ea typeface="ＭＳ Ｐゴシック" charset="0"/>
+              </a:defRPr>
+            </a:lvl2pPr>
+            <a:lvl3pPr marL="1143000" indent="-228600" eaLnBrk="0" hangingPunct="0">
+              <a:defRPr sz="2400">
+                <a:solidFill>
+                  <a:schemeClr val="tx1"/>
+                </a:solidFill>
+                <a:latin typeface="Trebuchet MS" charset="0"/>
+                <a:ea typeface="ＭＳ Ｐゴシック" charset="0"/>
+              </a:defRPr>
+            </a:lvl3pPr>
+            <a:lvl4pPr marL="1600200" indent="-228600" eaLnBrk="0" hangingPunct="0">
+              <a:defRPr sz="2400">
+                <a:solidFill>
+                  <a:schemeClr val="tx1"/>
+                </a:solidFill>
+                <a:latin typeface="Trebuchet MS" charset="0"/>
+                <a:ea typeface="ＭＳ Ｐゴシック" charset="0"/>
+              </a:defRPr>
+            </a:lvl4pPr>
+            <a:lvl5pPr marL="2057400" indent="-228600" eaLnBrk="0" hangingPunct="0">
+              <a:defRPr sz="2400">
+                <a:solidFill>
+                  <a:schemeClr val="tx1"/>
+                </a:solidFill>
+                <a:latin typeface="Trebuchet MS" charset="0"/>
+                <a:ea typeface="ＭＳ Ｐゴシック" charset="0"/>
+              </a:defRPr>
+            </a:lvl5pPr>
+            <a:lvl6pPr marL="2514600" indent="-228600" eaLnBrk="0" fontAlgn="base" hangingPunct="0">
+              <a:spcBef>
+                <a:spcPct val="0"/>
+              </a:spcBef>
+              <a:spcAft>
+                <a:spcPct val="0"/>
+              </a:spcAft>
+              <a:defRPr sz="2400">
+                <a:solidFill>
+                  <a:schemeClr val="tx1"/>
+                </a:solidFill>
+                <a:latin typeface="Trebuchet MS" charset="0"/>
+                <a:ea typeface="ＭＳ Ｐゴシック" charset="0"/>
+              </a:defRPr>
+            </a:lvl6pPr>
+            <a:lvl7pPr marL="2971800" indent="-228600" eaLnBrk="0" fontAlgn="base" hangingPunct="0">
+              <a:spcBef>
+                <a:spcPct val="0"/>
+              </a:spcBef>
+              <a:spcAft>
+                <a:spcPct val="0"/>
+              </a:spcAft>
+              <a:defRPr sz="2400">
+                <a:solidFill>
+                  <a:schemeClr val="tx1"/>
+                </a:solidFill>
+                <a:latin typeface="Trebuchet MS" charset="0"/>
+                <a:ea typeface="ＭＳ Ｐゴシック" charset="0"/>
+              </a:defRPr>
+            </a:lvl7pPr>
+            <a:lvl8pPr marL="3429000" indent="-228600" eaLnBrk="0" fontAlgn="base" hangingPunct="0">
+              <a:spcBef>
+                <a:spcPct val="0"/>
+              </a:spcBef>
+              <a:spcAft>
+                <a:spcPct val="0"/>
+              </a:spcAft>
+              <a:defRPr sz="2400">
+                <a:solidFill>
+                  <a:schemeClr val="tx1"/>
+                </a:solidFill>
+                <a:latin typeface="Trebuchet MS" charset="0"/>
+                <a:ea typeface="ＭＳ Ｐゴシック" charset="0"/>
+              </a:defRPr>
+            </a:lvl8pPr>
+            <a:lvl9pPr marL="3886200" indent="-228600" eaLnBrk="0" fontAlgn="base" hangingPunct="0">
+              <a:spcBef>
+                <a:spcPct val="0"/>
+              </a:spcBef>
+              <a:spcAft>
+                <a:spcPct val="0"/>
+              </a:spcAft>
+              <a:defRPr sz="2400">
+                <a:solidFill>
+                  <a:schemeClr val="tx1"/>
+                </a:solidFill>
+                <a:latin typeface="Trebuchet MS" charset="0"/>
+                <a:ea typeface="ＭＳ Ｐゴシック" charset="0"/>
+              </a:defRPr>
+            </a:lvl9pPr>
+          </a:lstStyle>
+          <a:p>
+            <a:pPr algn="l" eaLnBrk="1" hangingPunct="1"/>
+            <a:r>
+              <a:rPr lang="en-US" sz="1200" b="1" dirty="0" smtClean="0">
+                <a:solidFill>
+                  <a:srgbClr val="122956"/>
+                </a:solidFill>
+                <a:cs typeface="Trebuchet MS" charset="0"/>
+              </a:rPr>
+              <a:t>11-</a:t>
+            </a:r>
+            <a:fld id="{31B56995-E14C-B64F-86C9-12D6DB74A41E}" type="slidenum">
+              <a:rPr lang="en-US" sz="1200" b="1">
+                <a:solidFill>
+                  <a:srgbClr val="122956"/>
+                </a:solidFill>
+                <a:cs typeface="Trebuchet MS" charset="0"/>
+              </a:rPr>
+              <a:pPr algn="l" eaLnBrk="1" hangingPunct="1"/>
+              <a:t>21</a:t>
+            </a:fld>
+            <a:endParaRPr lang="en-US" sz="1200" b="1" dirty="0">
+              <a:solidFill>
+                <a:srgbClr val="122956"/>
+              </a:solidFill>
+              <a:cs typeface="Trebuchet MS" charset="0"/>
+            </a:endParaRPr>
+          </a:p>
+        </p:txBody>
+      </p:sp>
     </p:spTree>
     <p:extLst>
       <p:ext uri="{BB962C8B-B14F-4D97-AF65-F5344CB8AC3E}">
@@ -14393,6 +16946,186 @@
               <a:latin typeface="Trebuchet MS" charset="0"/>
               <a:ea typeface="ヒラギノ角ゴ ProN W3" charset="0"/>
               <a:cs typeface="ヒラギノ角ゴ ProN W3" charset="0"/>
+            </a:endParaRPr>
+          </a:p>
+        </p:txBody>
+      </p:sp>
+      <p:sp>
+        <p:nvSpPr>
+          <p:cNvPr id="7" name="Slide Number Placeholder 5"/>
+          <p:cNvSpPr>
+            <a:spLocks noGrp="1"/>
+          </p:cNvSpPr>
+          <p:nvPr>
+            <p:ph type="sldNum" sz="quarter" idx="12"/>
+          </p:nvPr>
+        </p:nvSpPr>
+        <p:spPr bwMode="auto">
+          <a:xfrm>
+            <a:off x="203200" y="6400800"/>
+            <a:ext cx="2133600" cy="365125"/>
+          </a:xfrm>
+          <a:noFill/>
+          <a:extLst>
+            <a:ext uri="{909E8E84-426E-40dd-AFC4-6F175D3DCCD1}">
+              <a14:hiddenFill xmlns:a14="http://schemas.microsoft.com/office/drawing/2010/main">
+                <a:solidFill>
+                  <a:srgbClr val="FFFFFF"/>
+                </a:solidFill>
+              </a14:hiddenFill>
+            </a:ext>
+            <a:ext uri="{91240B29-F687-4f45-9708-019B960494DF}">
+              <a14:hiddenLine xmlns:a14="http://schemas.microsoft.com/office/drawing/2010/main" w="9525">
+                <a:solidFill>
+                  <a:srgbClr val="000000"/>
+                </a:solidFill>
+                <a:miter lim="800000"/>
+                <a:headEnd/>
+                <a:tailEnd/>
+              </a14:hiddenLine>
+            </a:ext>
+          </a:extLst>
+        </p:spPr>
+        <p:txBody>
+          <a:bodyPr vert="horz" wrap="square" lIns="91440" tIns="45720" rIns="91440" bIns="45720" numCol="1" anchor="ctr" anchorCtr="0" compatLnSpc="1">
+            <a:prstTxWarp prst="textNoShape">
+              <a:avLst/>
+            </a:prstTxWarp>
+          </a:bodyPr>
+          <a:lstStyle>
+            <a:lvl1pPr eaLnBrk="0" hangingPunct="0">
+              <a:defRPr sz="2400">
+                <a:solidFill>
+                  <a:schemeClr val="tx1"/>
+                </a:solidFill>
+                <a:latin typeface="Trebuchet MS" charset="0"/>
+                <a:ea typeface="ＭＳ Ｐゴシック" charset="0"/>
+                <a:cs typeface="ＭＳ Ｐゴシック" charset="0"/>
+              </a:defRPr>
+            </a:lvl1pPr>
+            <a:lvl2pPr marL="742950" indent="-285750" eaLnBrk="0" hangingPunct="0">
+              <a:defRPr sz="2400">
+                <a:solidFill>
+                  <a:schemeClr val="tx1"/>
+                </a:solidFill>
+                <a:latin typeface="Trebuchet MS" charset="0"/>
+                <a:ea typeface="ＭＳ Ｐゴシック" charset="0"/>
+              </a:defRPr>
+            </a:lvl2pPr>
+            <a:lvl3pPr marL="1143000" indent="-228600" eaLnBrk="0" hangingPunct="0">
+              <a:defRPr sz="2400">
+                <a:solidFill>
+                  <a:schemeClr val="tx1"/>
+                </a:solidFill>
+                <a:latin typeface="Trebuchet MS" charset="0"/>
+                <a:ea typeface="ＭＳ Ｐゴシック" charset="0"/>
+              </a:defRPr>
+            </a:lvl3pPr>
+            <a:lvl4pPr marL="1600200" indent="-228600" eaLnBrk="0" hangingPunct="0">
+              <a:defRPr sz="2400">
+                <a:solidFill>
+                  <a:schemeClr val="tx1"/>
+                </a:solidFill>
+                <a:latin typeface="Trebuchet MS" charset="0"/>
+                <a:ea typeface="ＭＳ Ｐゴシック" charset="0"/>
+              </a:defRPr>
+            </a:lvl4pPr>
+            <a:lvl5pPr marL="2057400" indent="-228600" eaLnBrk="0" hangingPunct="0">
+              <a:defRPr sz="2400">
+                <a:solidFill>
+                  <a:schemeClr val="tx1"/>
+                </a:solidFill>
+                <a:latin typeface="Trebuchet MS" charset="0"/>
+                <a:ea typeface="ＭＳ Ｐゴシック" charset="0"/>
+              </a:defRPr>
+            </a:lvl5pPr>
+            <a:lvl6pPr marL="2514600" indent="-228600" eaLnBrk="0" fontAlgn="base" hangingPunct="0">
+              <a:spcBef>
+                <a:spcPct val="0"/>
+              </a:spcBef>
+              <a:spcAft>
+                <a:spcPct val="0"/>
+              </a:spcAft>
+              <a:defRPr sz="2400">
+                <a:solidFill>
+                  <a:schemeClr val="tx1"/>
+                </a:solidFill>
+                <a:latin typeface="Trebuchet MS" charset="0"/>
+                <a:ea typeface="ＭＳ Ｐゴシック" charset="0"/>
+              </a:defRPr>
+            </a:lvl6pPr>
+            <a:lvl7pPr marL="2971800" indent="-228600" eaLnBrk="0" fontAlgn="base" hangingPunct="0">
+              <a:spcBef>
+                <a:spcPct val="0"/>
+              </a:spcBef>
+              <a:spcAft>
+                <a:spcPct val="0"/>
+              </a:spcAft>
+              <a:defRPr sz="2400">
+                <a:solidFill>
+                  <a:schemeClr val="tx1"/>
+                </a:solidFill>
+                <a:latin typeface="Trebuchet MS" charset="0"/>
+                <a:ea typeface="ＭＳ Ｐゴシック" charset="0"/>
+              </a:defRPr>
+            </a:lvl7pPr>
+            <a:lvl8pPr marL="3429000" indent="-228600" eaLnBrk="0" fontAlgn="base" hangingPunct="0">
+              <a:spcBef>
+                <a:spcPct val="0"/>
+              </a:spcBef>
+              <a:spcAft>
+                <a:spcPct val="0"/>
+              </a:spcAft>
+              <a:defRPr sz="2400">
+                <a:solidFill>
+                  <a:schemeClr val="tx1"/>
+                </a:solidFill>
+                <a:latin typeface="Trebuchet MS" charset="0"/>
+                <a:ea typeface="ＭＳ Ｐゴシック" charset="0"/>
+              </a:defRPr>
+            </a:lvl8pPr>
+            <a:lvl9pPr marL="3886200" indent="-228600" eaLnBrk="0" fontAlgn="base" hangingPunct="0">
+              <a:spcBef>
+                <a:spcPct val="0"/>
+              </a:spcBef>
+              <a:spcAft>
+                <a:spcPct val="0"/>
+              </a:spcAft>
+              <a:defRPr sz="2400">
+                <a:solidFill>
+                  <a:schemeClr val="tx1"/>
+                </a:solidFill>
+                <a:latin typeface="Trebuchet MS" charset="0"/>
+                <a:ea typeface="ＭＳ Ｐゴシック" charset="0"/>
+              </a:defRPr>
+            </a:lvl9pPr>
+          </a:lstStyle>
+          <a:p>
+            <a:pPr algn="l" eaLnBrk="1" hangingPunct="1"/>
+            <a:r>
+              <a:rPr lang="en-US" sz="1200" b="1" dirty="0" smtClean="0">
+                <a:solidFill>
+                  <a:srgbClr val="122956"/>
+                </a:solidFill>
+                <a:cs typeface="Trebuchet MS" charset="0"/>
+              </a:rPr>
+              <a:t>11-</a:t>
+            </a:r>
+            <a:fld id="{31B56995-E14C-B64F-86C9-12D6DB74A41E}" type="slidenum">
+              <a:rPr lang="en-US" sz="1200" b="1">
+                <a:solidFill>
+                  <a:srgbClr val="122956"/>
+                </a:solidFill>
+                <a:cs typeface="Trebuchet MS" charset="0"/>
+              </a:rPr>
+              <a:pPr algn="l" eaLnBrk="1" hangingPunct="1"/>
+              <a:t>22</a:t>
+            </a:fld>
+            <a:endParaRPr lang="en-US" sz="1200" b="1" dirty="0">
+              <a:solidFill>
+                <a:srgbClr val="122956"/>
+              </a:solidFill>
+              <a:cs typeface="Trebuchet MS" charset="0"/>
             </a:endParaRPr>
           </a:p>
         </p:txBody>
@@ -14757,6 +17490,186 @@
           </a:p>
         </p:txBody>
       </p:sp>
+      <p:sp>
+        <p:nvSpPr>
+          <p:cNvPr id="7" name="Slide Number Placeholder 5"/>
+          <p:cNvSpPr>
+            <a:spLocks noGrp="1"/>
+          </p:cNvSpPr>
+          <p:nvPr>
+            <p:ph type="sldNum" sz="quarter" idx="12"/>
+          </p:nvPr>
+        </p:nvSpPr>
+        <p:spPr bwMode="auto">
+          <a:xfrm>
+            <a:off x="203200" y="6400800"/>
+            <a:ext cx="2133600" cy="365125"/>
+          </a:xfrm>
+          <a:noFill/>
+          <a:extLst>
+            <a:ext uri="{909E8E84-426E-40dd-AFC4-6F175D3DCCD1}">
+              <a14:hiddenFill xmlns:a14="http://schemas.microsoft.com/office/drawing/2010/main">
+                <a:solidFill>
+                  <a:srgbClr val="FFFFFF"/>
+                </a:solidFill>
+              </a14:hiddenFill>
+            </a:ext>
+            <a:ext uri="{91240B29-F687-4f45-9708-019B960494DF}">
+              <a14:hiddenLine xmlns:a14="http://schemas.microsoft.com/office/drawing/2010/main" w="9525">
+                <a:solidFill>
+                  <a:srgbClr val="000000"/>
+                </a:solidFill>
+                <a:miter lim="800000"/>
+                <a:headEnd/>
+                <a:tailEnd/>
+              </a14:hiddenLine>
+            </a:ext>
+          </a:extLst>
+        </p:spPr>
+        <p:txBody>
+          <a:bodyPr vert="horz" wrap="square" lIns="91440" tIns="45720" rIns="91440" bIns="45720" numCol="1" anchor="ctr" anchorCtr="0" compatLnSpc="1">
+            <a:prstTxWarp prst="textNoShape">
+              <a:avLst/>
+            </a:prstTxWarp>
+          </a:bodyPr>
+          <a:lstStyle>
+            <a:lvl1pPr eaLnBrk="0" hangingPunct="0">
+              <a:defRPr sz="2400">
+                <a:solidFill>
+                  <a:schemeClr val="tx1"/>
+                </a:solidFill>
+                <a:latin typeface="Trebuchet MS" charset="0"/>
+                <a:ea typeface="ＭＳ Ｐゴシック" charset="0"/>
+                <a:cs typeface="ＭＳ Ｐゴシック" charset="0"/>
+              </a:defRPr>
+            </a:lvl1pPr>
+            <a:lvl2pPr marL="742950" indent="-285750" eaLnBrk="0" hangingPunct="0">
+              <a:defRPr sz="2400">
+                <a:solidFill>
+                  <a:schemeClr val="tx1"/>
+                </a:solidFill>
+                <a:latin typeface="Trebuchet MS" charset="0"/>
+                <a:ea typeface="ＭＳ Ｐゴシック" charset="0"/>
+              </a:defRPr>
+            </a:lvl2pPr>
+            <a:lvl3pPr marL="1143000" indent="-228600" eaLnBrk="0" hangingPunct="0">
+              <a:defRPr sz="2400">
+                <a:solidFill>
+                  <a:schemeClr val="tx1"/>
+                </a:solidFill>
+                <a:latin typeface="Trebuchet MS" charset="0"/>
+                <a:ea typeface="ＭＳ Ｐゴシック" charset="0"/>
+              </a:defRPr>
+            </a:lvl3pPr>
+            <a:lvl4pPr marL="1600200" indent="-228600" eaLnBrk="0" hangingPunct="0">
+              <a:defRPr sz="2400">
+                <a:solidFill>
+                  <a:schemeClr val="tx1"/>
+                </a:solidFill>
+                <a:latin typeface="Trebuchet MS" charset="0"/>
+                <a:ea typeface="ＭＳ Ｐゴシック" charset="0"/>
+              </a:defRPr>
+            </a:lvl4pPr>
+            <a:lvl5pPr marL="2057400" indent="-228600" eaLnBrk="0" hangingPunct="0">
+              <a:defRPr sz="2400">
+                <a:solidFill>
+                  <a:schemeClr val="tx1"/>
+                </a:solidFill>
+                <a:latin typeface="Trebuchet MS" charset="0"/>
+                <a:ea typeface="ＭＳ Ｐゴシック" charset="0"/>
+              </a:defRPr>
+            </a:lvl5pPr>
+            <a:lvl6pPr marL="2514600" indent="-228600" eaLnBrk="0" fontAlgn="base" hangingPunct="0">
+              <a:spcBef>
+                <a:spcPct val="0"/>
+              </a:spcBef>
+              <a:spcAft>
+                <a:spcPct val="0"/>
+              </a:spcAft>
+              <a:defRPr sz="2400">
+                <a:solidFill>
+                  <a:schemeClr val="tx1"/>
+                </a:solidFill>
+                <a:latin typeface="Trebuchet MS" charset="0"/>
+                <a:ea typeface="ＭＳ Ｐゴシック" charset="0"/>
+              </a:defRPr>
+            </a:lvl6pPr>
+            <a:lvl7pPr marL="2971800" indent="-228600" eaLnBrk="0" fontAlgn="base" hangingPunct="0">
+              <a:spcBef>
+                <a:spcPct val="0"/>
+              </a:spcBef>
+              <a:spcAft>
+                <a:spcPct val="0"/>
+              </a:spcAft>
+              <a:defRPr sz="2400">
+                <a:solidFill>
+                  <a:schemeClr val="tx1"/>
+                </a:solidFill>
+                <a:latin typeface="Trebuchet MS" charset="0"/>
+                <a:ea typeface="ＭＳ Ｐゴシック" charset="0"/>
+              </a:defRPr>
+            </a:lvl7pPr>
+            <a:lvl8pPr marL="3429000" indent="-228600" eaLnBrk="0" fontAlgn="base" hangingPunct="0">
+              <a:spcBef>
+                <a:spcPct val="0"/>
+              </a:spcBef>
+              <a:spcAft>
+                <a:spcPct val="0"/>
+              </a:spcAft>
+              <a:defRPr sz="2400">
+                <a:solidFill>
+                  <a:schemeClr val="tx1"/>
+                </a:solidFill>
+                <a:latin typeface="Trebuchet MS" charset="0"/>
+                <a:ea typeface="ＭＳ Ｐゴシック" charset="0"/>
+              </a:defRPr>
+            </a:lvl8pPr>
+            <a:lvl9pPr marL="3886200" indent="-228600" eaLnBrk="0" fontAlgn="base" hangingPunct="0">
+              <a:spcBef>
+                <a:spcPct val="0"/>
+              </a:spcBef>
+              <a:spcAft>
+                <a:spcPct val="0"/>
+              </a:spcAft>
+              <a:defRPr sz="2400">
+                <a:solidFill>
+                  <a:schemeClr val="tx1"/>
+                </a:solidFill>
+                <a:latin typeface="Trebuchet MS" charset="0"/>
+                <a:ea typeface="ＭＳ Ｐゴシック" charset="0"/>
+              </a:defRPr>
+            </a:lvl9pPr>
+          </a:lstStyle>
+          <a:p>
+            <a:pPr algn="l" eaLnBrk="1" hangingPunct="1"/>
+            <a:r>
+              <a:rPr lang="en-US" sz="1200" b="1" dirty="0" smtClean="0">
+                <a:solidFill>
+                  <a:srgbClr val="122956"/>
+                </a:solidFill>
+                <a:cs typeface="Trebuchet MS" charset="0"/>
+              </a:rPr>
+              <a:t>11-</a:t>
+            </a:r>
+            <a:fld id="{31B56995-E14C-B64F-86C9-12D6DB74A41E}" type="slidenum">
+              <a:rPr lang="en-US" sz="1200" b="1">
+                <a:solidFill>
+                  <a:srgbClr val="122956"/>
+                </a:solidFill>
+                <a:cs typeface="Trebuchet MS" charset="0"/>
+              </a:rPr>
+              <a:pPr algn="l" eaLnBrk="1" hangingPunct="1"/>
+              <a:t>23</a:t>
+            </a:fld>
+            <a:endParaRPr lang="en-US" sz="1200" b="1" dirty="0">
+              <a:solidFill>
+                <a:srgbClr val="122956"/>
+              </a:solidFill>
+              <a:cs typeface="Trebuchet MS" charset="0"/>
+            </a:endParaRPr>
+          </a:p>
+        </p:txBody>
+      </p:sp>
     </p:spTree>
     <p:extLst>
       <p:ext uri="{BB962C8B-B14F-4D97-AF65-F5344CB8AC3E}">
@@ -14890,6 +17803,186 @@
               <a:ea typeface="ヒラギノ角ゴ ProN W6" charset="0"/>
               <a:cs typeface="ヒラギノ角ゴ ProN W6" charset="0"/>
               <a:sym typeface="Trebuchet MS Bold Italic" charset="0"/>
+            </a:endParaRPr>
+          </a:p>
+        </p:txBody>
+      </p:sp>
+      <p:sp>
+        <p:nvSpPr>
+          <p:cNvPr id="4" name="Slide Number Placeholder 5"/>
+          <p:cNvSpPr>
+            <a:spLocks noGrp="1"/>
+          </p:cNvSpPr>
+          <p:nvPr>
+            <p:ph type="sldNum" sz="quarter" idx="12"/>
+          </p:nvPr>
+        </p:nvSpPr>
+        <p:spPr bwMode="auto">
+          <a:xfrm>
+            <a:off x="203200" y="6400800"/>
+            <a:ext cx="2133600" cy="365125"/>
+          </a:xfrm>
+          <a:noFill/>
+          <a:extLst>
+            <a:ext uri="{909E8E84-426E-40dd-AFC4-6F175D3DCCD1}">
+              <a14:hiddenFill xmlns:a14="http://schemas.microsoft.com/office/drawing/2010/main">
+                <a:solidFill>
+                  <a:srgbClr val="FFFFFF"/>
+                </a:solidFill>
+              </a14:hiddenFill>
+            </a:ext>
+            <a:ext uri="{91240B29-F687-4f45-9708-019B960494DF}">
+              <a14:hiddenLine xmlns:a14="http://schemas.microsoft.com/office/drawing/2010/main" w="9525">
+                <a:solidFill>
+                  <a:srgbClr val="000000"/>
+                </a:solidFill>
+                <a:miter lim="800000"/>
+                <a:headEnd/>
+                <a:tailEnd/>
+              </a14:hiddenLine>
+            </a:ext>
+          </a:extLst>
+        </p:spPr>
+        <p:txBody>
+          <a:bodyPr vert="horz" wrap="square" lIns="91440" tIns="45720" rIns="91440" bIns="45720" numCol="1" anchor="ctr" anchorCtr="0" compatLnSpc="1">
+            <a:prstTxWarp prst="textNoShape">
+              <a:avLst/>
+            </a:prstTxWarp>
+          </a:bodyPr>
+          <a:lstStyle>
+            <a:lvl1pPr eaLnBrk="0" hangingPunct="0">
+              <a:defRPr sz="2400">
+                <a:solidFill>
+                  <a:schemeClr val="tx1"/>
+                </a:solidFill>
+                <a:latin typeface="Trebuchet MS" charset="0"/>
+                <a:ea typeface="ＭＳ Ｐゴシック" charset="0"/>
+                <a:cs typeface="ＭＳ Ｐゴシック" charset="0"/>
+              </a:defRPr>
+            </a:lvl1pPr>
+            <a:lvl2pPr marL="742950" indent="-285750" eaLnBrk="0" hangingPunct="0">
+              <a:defRPr sz="2400">
+                <a:solidFill>
+                  <a:schemeClr val="tx1"/>
+                </a:solidFill>
+                <a:latin typeface="Trebuchet MS" charset="0"/>
+                <a:ea typeface="ＭＳ Ｐゴシック" charset="0"/>
+              </a:defRPr>
+            </a:lvl2pPr>
+            <a:lvl3pPr marL="1143000" indent="-228600" eaLnBrk="0" hangingPunct="0">
+              <a:defRPr sz="2400">
+                <a:solidFill>
+                  <a:schemeClr val="tx1"/>
+                </a:solidFill>
+                <a:latin typeface="Trebuchet MS" charset="0"/>
+                <a:ea typeface="ＭＳ Ｐゴシック" charset="0"/>
+              </a:defRPr>
+            </a:lvl3pPr>
+            <a:lvl4pPr marL="1600200" indent="-228600" eaLnBrk="0" hangingPunct="0">
+              <a:defRPr sz="2400">
+                <a:solidFill>
+                  <a:schemeClr val="tx1"/>
+                </a:solidFill>
+                <a:latin typeface="Trebuchet MS" charset="0"/>
+                <a:ea typeface="ＭＳ Ｐゴシック" charset="0"/>
+              </a:defRPr>
+            </a:lvl4pPr>
+            <a:lvl5pPr marL="2057400" indent="-228600" eaLnBrk="0" hangingPunct="0">
+              <a:defRPr sz="2400">
+                <a:solidFill>
+                  <a:schemeClr val="tx1"/>
+                </a:solidFill>
+                <a:latin typeface="Trebuchet MS" charset="0"/>
+                <a:ea typeface="ＭＳ Ｐゴシック" charset="0"/>
+              </a:defRPr>
+            </a:lvl5pPr>
+            <a:lvl6pPr marL="2514600" indent="-228600" eaLnBrk="0" fontAlgn="base" hangingPunct="0">
+              <a:spcBef>
+                <a:spcPct val="0"/>
+              </a:spcBef>
+              <a:spcAft>
+                <a:spcPct val="0"/>
+              </a:spcAft>
+              <a:defRPr sz="2400">
+                <a:solidFill>
+                  <a:schemeClr val="tx1"/>
+                </a:solidFill>
+                <a:latin typeface="Trebuchet MS" charset="0"/>
+                <a:ea typeface="ＭＳ Ｐゴシック" charset="0"/>
+              </a:defRPr>
+            </a:lvl6pPr>
+            <a:lvl7pPr marL="2971800" indent="-228600" eaLnBrk="0" fontAlgn="base" hangingPunct="0">
+              <a:spcBef>
+                <a:spcPct val="0"/>
+              </a:spcBef>
+              <a:spcAft>
+                <a:spcPct val="0"/>
+              </a:spcAft>
+              <a:defRPr sz="2400">
+                <a:solidFill>
+                  <a:schemeClr val="tx1"/>
+                </a:solidFill>
+                <a:latin typeface="Trebuchet MS" charset="0"/>
+                <a:ea typeface="ＭＳ Ｐゴシック" charset="0"/>
+              </a:defRPr>
+            </a:lvl7pPr>
+            <a:lvl8pPr marL="3429000" indent="-228600" eaLnBrk="0" fontAlgn="base" hangingPunct="0">
+              <a:spcBef>
+                <a:spcPct val="0"/>
+              </a:spcBef>
+              <a:spcAft>
+                <a:spcPct val="0"/>
+              </a:spcAft>
+              <a:defRPr sz="2400">
+                <a:solidFill>
+                  <a:schemeClr val="tx1"/>
+                </a:solidFill>
+                <a:latin typeface="Trebuchet MS" charset="0"/>
+                <a:ea typeface="ＭＳ Ｐゴシック" charset="0"/>
+              </a:defRPr>
+            </a:lvl8pPr>
+            <a:lvl9pPr marL="3886200" indent="-228600" eaLnBrk="0" fontAlgn="base" hangingPunct="0">
+              <a:spcBef>
+                <a:spcPct val="0"/>
+              </a:spcBef>
+              <a:spcAft>
+                <a:spcPct val="0"/>
+              </a:spcAft>
+              <a:defRPr sz="2400">
+                <a:solidFill>
+                  <a:schemeClr val="tx1"/>
+                </a:solidFill>
+                <a:latin typeface="Trebuchet MS" charset="0"/>
+                <a:ea typeface="ＭＳ Ｐゴシック" charset="0"/>
+              </a:defRPr>
+            </a:lvl9pPr>
+          </a:lstStyle>
+          <a:p>
+            <a:pPr algn="l" eaLnBrk="1" hangingPunct="1"/>
+            <a:r>
+              <a:rPr lang="en-US" sz="1200" b="1" dirty="0" smtClean="0">
+                <a:solidFill>
+                  <a:srgbClr val="122956"/>
+                </a:solidFill>
+                <a:cs typeface="Trebuchet MS" charset="0"/>
+              </a:rPr>
+              <a:t>11-</a:t>
+            </a:r>
+            <a:fld id="{31B56995-E14C-B64F-86C9-12D6DB74A41E}" type="slidenum">
+              <a:rPr lang="en-US" sz="1200" b="1">
+                <a:solidFill>
+                  <a:srgbClr val="122956"/>
+                </a:solidFill>
+                <a:cs typeface="Trebuchet MS" charset="0"/>
+              </a:rPr>
+              <a:pPr algn="l" eaLnBrk="1" hangingPunct="1"/>
+              <a:t>24</a:t>
+            </a:fld>
+            <a:endParaRPr lang="en-US" sz="1200" b="1" dirty="0">
+              <a:solidFill>
+                <a:srgbClr val="122956"/>
+              </a:solidFill>
+              <a:cs typeface="Trebuchet MS" charset="0"/>
             </a:endParaRPr>
           </a:p>
         </p:txBody>
@@ -15222,6 +18315,186 @@
           </a:p>
         </p:txBody>
       </p:sp>
+      <p:sp>
+        <p:nvSpPr>
+          <p:cNvPr id="7" name="Slide Number Placeholder 5"/>
+          <p:cNvSpPr>
+            <a:spLocks noGrp="1"/>
+          </p:cNvSpPr>
+          <p:nvPr>
+            <p:ph type="sldNum" sz="quarter" idx="12"/>
+          </p:nvPr>
+        </p:nvSpPr>
+        <p:spPr bwMode="auto">
+          <a:xfrm>
+            <a:off x="203200" y="6400800"/>
+            <a:ext cx="2133600" cy="365125"/>
+          </a:xfrm>
+          <a:noFill/>
+          <a:extLst>
+            <a:ext uri="{909E8E84-426E-40dd-AFC4-6F175D3DCCD1}">
+              <a14:hiddenFill xmlns:a14="http://schemas.microsoft.com/office/drawing/2010/main">
+                <a:solidFill>
+                  <a:srgbClr val="FFFFFF"/>
+                </a:solidFill>
+              </a14:hiddenFill>
+            </a:ext>
+            <a:ext uri="{91240B29-F687-4f45-9708-019B960494DF}">
+              <a14:hiddenLine xmlns:a14="http://schemas.microsoft.com/office/drawing/2010/main" w="9525">
+                <a:solidFill>
+                  <a:srgbClr val="000000"/>
+                </a:solidFill>
+                <a:miter lim="800000"/>
+                <a:headEnd/>
+                <a:tailEnd/>
+              </a14:hiddenLine>
+            </a:ext>
+          </a:extLst>
+        </p:spPr>
+        <p:txBody>
+          <a:bodyPr vert="horz" wrap="square" lIns="91440" tIns="45720" rIns="91440" bIns="45720" numCol="1" anchor="ctr" anchorCtr="0" compatLnSpc="1">
+            <a:prstTxWarp prst="textNoShape">
+              <a:avLst/>
+            </a:prstTxWarp>
+          </a:bodyPr>
+          <a:lstStyle>
+            <a:lvl1pPr eaLnBrk="0" hangingPunct="0">
+              <a:defRPr sz="2400">
+                <a:solidFill>
+                  <a:schemeClr val="tx1"/>
+                </a:solidFill>
+                <a:latin typeface="Trebuchet MS" charset="0"/>
+                <a:ea typeface="ＭＳ Ｐゴシック" charset="0"/>
+                <a:cs typeface="ＭＳ Ｐゴシック" charset="0"/>
+              </a:defRPr>
+            </a:lvl1pPr>
+            <a:lvl2pPr marL="742950" indent="-285750" eaLnBrk="0" hangingPunct="0">
+              <a:defRPr sz="2400">
+                <a:solidFill>
+                  <a:schemeClr val="tx1"/>
+                </a:solidFill>
+                <a:latin typeface="Trebuchet MS" charset="0"/>
+                <a:ea typeface="ＭＳ Ｐゴシック" charset="0"/>
+              </a:defRPr>
+            </a:lvl2pPr>
+            <a:lvl3pPr marL="1143000" indent="-228600" eaLnBrk="0" hangingPunct="0">
+              <a:defRPr sz="2400">
+                <a:solidFill>
+                  <a:schemeClr val="tx1"/>
+                </a:solidFill>
+                <a:latin typeface="Trebuchet MS" charset="0"/>
+                <a:ea typeface="ＭＳ Ｐゴシック" charset="0"/>
+              </a:defRPr>
+            </a:lvl3pPr>
+            <a:lvl4pPr marL="1600200" indent="-228600" eaLnBrk="0" hangingPunct="0">
+              <a:defRPr sz="2400">
+                <a:solidFill>
+                  <a:schemeClr val="tx1"/>
+                </a:solidFill>
+                <a:latin typeface="Trebuchet MS" charset="0"/>
+                <a:ea typeface="ＭＳ Ｐゴシック" charset="0"/>
+              </a:defRPr>
+            </a:lvl4pPr>
+            <a:lvl5pPr marL="2057400" indent="-228600" eaLnBrk="0" hangingPunct="0">
+              <a:defRPr sz="2400">
+                <a:solidFill>
+                  <a:schemeClr val="tx1"/>
+                </a:solidFill>
+                <a:latin typeface="Trebuchet MS" charset="0"/>
+                <a:ea typeface="ＭＳ Ｐゴシック" charset="0"/>
+              </a:defRPr>
+            </a:lvl5pPr>
+            <a:lvl6pPr marL="2514600" indent="-228600" eaLnBrk="0" fontAlgn="base" hangingPunct="0">
+              <a:spcBef>
+                <a:spcPct val="0"/>
+              </a:spcBef>
+              <a:spcAft>
+                <a:spcPct val="0"/>
+              </a:spcAft>
+              <a:defRPr sz="2400">
+                <a:solidFill>
+                  <a:schemeClr val="tx1"/>
+                </a:solidFill>
+                <a:latin typeface="Trebuchet MS" charset="0"/>
+                <a:ea typeface="ＭＳ Ｐゴシック" charset="0"/>
+              </a:defRPr>
+            </a:lvl6pPr>
+            <a:lvl7pPr marL="2971800" indent="-228600" eaLnBrk="0" fontAlgn="base" hangingPunct="0">
+              <a:spcBef>
+                <a:spcPct val="0"/>
+              </a:spcBef>
+              <a:spcAft>
+                <a:spcPct val="0"/>
+              </a:spcAft>
+              <a:defRPr sz="2400">
+                <a:solidFill>
+                  <a:schemeClr val="tx1"/>
+                </a:solidFill>
+                <a:latin typeface="Trebuchet MS" charset="0"/>
+                <a:ea typeface="ＭＳ Ｐゴシック" charset="0"/>
+              </a:defRPr>
+            </a:lvl7pPr>
+            <a:lvl8pPr marL="3429000" indent="-228600" eaLnBrk="0" fontAlgn="base" hangingPunct="0">
+              <a:spcBef>
+                <a:spcPct val="0"/>
+              </a:spcBef>
+              <a:spcAft>
+                <a:spcPct val="0"/>
+              </a:spcAft>
+              <a:defRPr sz="2400">
+                <a:solidFill>
+                  <a:schemeClr val="tx1"/>
+                </a:solidFill>
+                <a:latin typeface="Trebuchet MS" charset="0"/>
+                <a:ea typeface="ＭＳ Ｐゴシック" charset="0"/>
+              </a:defRPr>
+            </a:lvl8pPr>
+            <a:lvl9pPr marL="3886200" indent="-228600" eaLnBrk="0" fontAlgn="base" hangingPunct="0">
+              <a:spcBef>
+                <a:spcPct val="0"/>
+              </a:spcBef>
+              <a:spcAft>
+                <a:spcPct val="0"/>
+              </a:spcAft>
+              <a:defRPr sz="2400">
+                <a:solidFill>
+                  <a:schemeClr val="tx1"/>
+                </a:solidFill>
+                <a:latin typeface="Trebuchet MS" charset="0"/>
+                <a:ea typeface="ＭＳ Ｐゴシック" charset="0"/>
+              </a:defRPr>
+            </a:lvl9pPr>
+          </a:lstStyle>
+          <a:p>
+            <a:pPr algn="l" eaLnBrk="1" hangingPunct="1"/>
+            <a:r>
+              <a:rPr lang="en-US" sz="1200" b="1" dirty="0" smtClean="0">
+                <a:solidFill>
+                  <a:srgbClr val="122956"/>
+                </a:solidFill>
+                <a:cs typeface="Trebuchet MS" charset="0"/>
+              </a:rPr>
+              <a:t>11-</a:t>
+            </a:r>
+            <a:fld id="{31B56995-E14C-B64F-86C9-12D6DB74A41E}" type="slidenum">
+              <a:rPr lang="en-US" sz="1200" b="1">
+                <a:solidFill>
+                  <a:srgbClr val="122956"/>
+                </a:solidFill>
+                <a:cs typeface="Trebuchet MS" charset="0"/>
+              </a:rPr>
+              <a:pPr algn="l" eaLnBrk="1" hangingPunct="1"/>
+              <a:t>25</a:t>
+            </a:fld>
+            <a:endParaRPr lang="en-US" sz="1200" b="1" dirty="0">
+              <a:solidFill>
+                <a:srgbClr val="122956"/>
+              </a:solidFill>
+              <a:cs typeface="Trebuchet MS" charset="0"/>
+            </a:endParaRPr>
+          </a:p>
+        </p:txBody>
+      </p:sp>
     </p:spTree>
     <p:extLst>
       <p:ext uri="{BB962C8B-B14F-4D97-AF65-F5344CB8AC3E}">
@@ -15355,6 +18628,186 @@
               <a:ea typeface="ヒラギノ角ゴ ProN W6" charset="0"/>
               <a:cs typeface="ヒラギノ角ゴ ProN W6" charset="0"/>
               <a:sym typeface="Trebuchet MS Bold Italic" charset="0"/>
+            </a:endParaRPr>
+          </a:p>
+        </p:txBody>
+      </p:sp>
+      <p:sp>
+        <p:nvSpPr>
+          <p:cNvPr id="4" name="Slide Number Placeholder 5"/>
+          <p:cNvSpPr>
+            <a:spLocks noGrp="1"/>
+          </p:cNvSpPr>
+          <p:nvPr>
+            <p:ph type="sldNum" sz="quarter" idx="12"/>
+          </p:nvPr>
+        </p:nvSpPr>
+        <p:spPr bwMode="auto">
+          <a:xfrm>
+            <a:off x="203200" y="6400800"/>
+            <a:ext cx="2133600" cy="365125"/>
+          </a:xfrm>
+          <a:noFill/>
+          <a:extLst>
+            <a:ext uri="{909E8E84-426E-40dd-AFC4-6F175D3DCCD1}">
+              <a14:hiddenFill xmlns:a14="http://schemas.microsoft.com/office/drawing/2010/main">
+                <a:solidFill>
+                  <a:srgbClr val="FFFFFF"/>
+                </a:solidFill>
+              </a14:hiddenFill>
+            </a:ext>
+            <a:ext uri="{91240B29-F687-4f45-9708-019B960494DF}">
+              <a14:hiddenLine xmlns:a14="http://schemas.microsoft.com/office/drawing/2010/main" w="9525">
+                <a:solidFill>
+                  <a:srgbClr val="000000"/>
+                </a:solidFill>
+                <a:miter lim="800000"/>
+                <a:headEnd/>
+                <a:tailEnd/>
+              </a14:hiddenLine>
+            </a:ext>
+          </a:extLst>
+        </p:spPr>
+        <p:txBody>
+          <a:bodyPr vert="horz" wrap="square" lIns="91440" tIns="45720" rIns="91440" bIns="45720" numCol="1" anchor="ctr" anchorCtr="0" compatLnSpc="1">
+            <a:prstTxWarp prst="textNoShape">
+              <a:avLst/>
+            </a:prstTxWarp>
+          </a:bodyPr>
+          <a:lstStyle>
+            <a:lvl1pPr eaLnBrk="0" hangingPunct="0">
+              <a:defRPr sz="2400">
+                <a:solidFill>
+                  <a:schemeClr val="tx1"/>
+                </a:solidFill>
+                <a:latin typeface="Trebuchet MS" charset="0"/>
+                <a:ea typeface="ＭＳ Ｐゴシック" charset="0"/>
+                <a:cs typeface="ＭＳ Ｐゴシック" charset="0"/>
+              </a:defRPr>
+            </a:lvl1pPr>
+            <a:lvl2pPr marL="742950" indent="-285750" eaLnBrk="0" hangingPunct="0">
+              <a:defRPr sz="2400">
+                <a:solidFill>
+                  <a:schemeClr val="tx1"/>
+                </a:solidFill>
+                <a:latin typeface="Trebuchet MS" charset="0"/>
+                <a:ea typeface="ＭＳ Ｐゴシック" charset="0"/>
+              </a:defRPr>
+            </a:lvl2pPr>
+            <a:lvl3pPr marL="1143000" indent="-228600" eaLnBrk="0" hangingPunct="0">
+              <a:defRPr sz="2400">
+                <a:solidFill>
+                  <a:schemeClr val="tx1"/>
+                </a:solidFill>
+                <a:latin typeface="Trebuchet MS" charset="0"/>
+                <a:ea typeface="ＭＳ Ｐゴシック" charset="0"/>
+              </a:defRPr>
+            </a:lvl3pPr>
+            <a:lvl4pPr marL="1600200" indent="-228600" eaLnBrk="0" hangingPunct="0">
+              <a:defRPr sz="2400">
+                <a:solidFill>
+                  <a:schemeClr val="tx1"/>
+                </a:solidFill>
+                <a:latin typeface="Trebuchet MS" charset="0"/>
+                <a:ea typeface="ＭＳ Ｐゴシック" charset="0"/>
+              </a:defRPr>
+            </a:lvl4pPr>
+            <a:lvl5pPr marL="2057400" indent="-228600" eaLnBrk="0" hangingPunct="0">
+              <a:defRPr sz="2400">
+                <a:solidFill>
+                  <a:schemeClr val="tx1"/>
+                </a:solidFill>
+                <a:latin typeface="Trebuchet MS" charset="0"/>
+                <a:ea typeface="ＭＳ Ｐゴシック" charset="0"/>
+              </a:defRPr>
+            </a:lvl5pPr>
+            <a:lvl6pPr marL="2514600" indent="-228600" eaLnBrk="0" fontAlgn="base" hangingPunct="0">
+              <a:spcBef>
+                <a:spcPct val="0"/>
+              </a:spcBef>
+              <a:spcAft>
+                <a:spcPct val="0"/>
+              </a:spcAft>
+              <a:defRPr sz="2400">
+                <a:solidFill>
+                  <a:schemeClr val="tx1"/>
+                </a:solidFill>
+                <a:latin typeface="Trebuchet MS" charset="0"/>
+                <a:ea typeface="ＭＳ Ｐゴシック" charset="0"/>
+              </a:defRPr>
+            </a:lvl6pPr>
+            <a:lvl7pPr marL="2971800" indent="-228600" eaLnBrk="0" fontAlgn="base" hangingPunct="0">
+              <a:spcBef>
+                <a:spcPct val="0"/>
+              </a:spcBef>
+              <a:spcAft>
+                <a:spcPct val="0"/>
+              </a:spcAft>
+              <a:defRPr sz="2400">
+                <a:solidFill>
+                  <a:schemeClr val="tx1"/>
+                </a:solidFill>
+                <a:latin typeface="Trebuchet MS" charset="0"/>
+                <a:ea typeface="ＭＳ Ｐゴシック" charset="0"/>
+              </a:defRPr>
+            </a:lvl7pPr>
+            <a:lvl8pPr marL="3429000" indent="-228600" eaLnBrk="0" fontAlgn="base" hangingPunct="0">
+              <a:spcBef>
+                <a:spcPct val="0"/>
+              </a:spcBef>
+              <a:spcAft>
+                <a:spcPct val="0"/>
+              </a:spcAft>
+              <a:defRPr sz="2400">
+                <a:solidFill>
+                  <a:schemeClr val="tx1"/>
+                </a:solidFill>
+                <a:latin typeface="Trebuchet MS" charset="0"/>
+                <a:ea typeface="ＭＳ Ｐゴシック" charset="0"/>
+              </a:defRPr>
+            </a:lvl8pPr>
+            <a:lvl9pPr marL="3886200" indent="-228600" eaLnBrk="0" fontAlgn="base" hangingPunct="0">
+              <a:spcBef>
+                <a:spcPct val="0"/>
+              </a:spcBef>
+              <a:spcAft>
+                <a:spcPct val="0"/>
+              </a:spcAft>
+              <a:defRPr sz="2400">
+                <a:solidFill>
+                  <a:schemeClr val="tx1"/>
+                </a:solidFill>
+                <a:latin typeface="Trebuchet MS" charset="0"/>
+                <a:ea typeface="ＭＳ Ｐゴシック" charset="0"/>
+              </a:defRPr>
+            </a:lvl9pPr>
+          </a:lstStyle>
+          <a:p>
+            <a:pPr algn="l" eaLnBrk="1" hangingPunct="1"/>
+            <a:r>
+              <a:rPr lang="en-US" sz="1200" b="1" dirty="0" smtClean="0">
+                <a:solidFill>
+                  <a:srgbClr val="122956"/>
+                </a:solidFill>
+                <a:cs typeface="Trebuchet MS" charset="0"/>
+              </a:rPr>
+              <a:t>11-</a:t>
+            </a:r>
+            <a:fld id="{31B56995-E14C-B64F-86C9-12D6DB74A41E}" type="slidenum">
+              <a:rPr lang="en-US" sz="1200" b="1">
+                <a:solidFill>
+                  <a:srgbClr val="122956"/>
+                </a:solidFill>
+                <a:cs typeface="Trebuchet MS" charset="0"/>
+              </a:rPr>
+              <a:pPr algn="l" eaLnBrk="1" hangingPunct="1"/>
+              <a:t>26</a:t>
+            </a:fld>
+            <a:endParaRPr lang="en-US" sz="1200" b="1" dirty="0">
+              <a:solidFill>
+                <a:srgbClr val="122956"/>
+              </a:solidFill>
+              <a:cs typeface="Trebuchet MS" charset="0"/>
             </a:endParaRPr>
           </a:p>
         </p:txBody>
@@ -15496,6 +18949,186 @@
           </a:p>
         </p:txBody>
       </p:sp>
+      <p:sp>
+        <p:nvSpPr>
+          <p:cNvPr id="4" name="Slide Number Placeholder 5"/>
+          <p:cNvSpPr>
+            <a:spLocks noGrp="1"/>
+          </p:cNvSpPr>
+          <p:nvPr>
+            <p:ph type="sldNum" sz="quarter" idx="12"/>
+          </p:nvPr>
+        </p:nvSpPr>
+        <p:spPr bwMode="auto">
+          <a:xfrm>
+            <a:off x="203200" y="6400800"/>
+            <a:ext cx="2133600" cy="365125"/>
+          </a:xfrm>
+          <a:noFill/>
+          <a:extLst>
+            <a:ext uri="{909E8E84-426E-40dd-AFC4-6F175D3DCCD1}">
+              <a14:hiddenFill xmlns:a14="http://schemas.microsoft.com/office/drawing/2010/main">
+                <a:solidFill>
+                  <a:srgbClr val="FFFFFF"/>
+                </a:solidFill>
+              </a14:hiddenFill>
+            </a:ext>
+            <a:ext uri="{91240B29-F687-4f45-9708-019B960494DF}">
+              <a14:hiddenLine xmlns:a14="http://schemas.microsoft.com/office/drawing/2010/main" w="9525">
+                <a:solidFill>
+                  <a:srgbClr val="000000"/>
+                </a:solidFill>
+                <a:miter lim="800000"/>
+                <a:headEnd/>
+                <a:tailEnd/>
+              </a14:hiddenLine>
+            </a:ext>
+          </a:extLst>
+        </p:spPr>
+        <p:txBody>
+          <a:bodyPr vert="horz" wrap="square" lIns="91440" tIns="45720" rIns="91440" bIns="45720" numCol="1" anchor="ctr" anchorCtr="0" compatLnSpc="1">
+            <a:prstTxWarp prst="textNoShape">
+              <a:avLst/>
+            </a:prstTxWarp>
+          </a:bodyPr>
+          <a:lstStyle>
+            <a:lvl1pPr eaLnBrk="0" hangingPunct="0">
+              <a:defRPr sz="2400">
+                <a:solidFill>
+                  <a:schemeClr val="tx1"/>
+                </a:solidFill>
+                <a:latin typeface="Trebuchet MS" charset="0"/>
+                <a:ea typeface="ＭＳ Ｐゴシック" charset="0"/>
+                <a:cs typeface="ＭＳ Ｐゴシック" charset="0"/>
+              </a:defRPr>
+            </a:lvl1pPr>
+            <a:lvl2pPr marL="742950" indent="-285750" eaLnBrk="0" hangingPunct="0">
+              <a:defRPr sz="2400">
+                <a:solidFill>
+                  <a:schemeClr val="tx1"/>
+                </a:solidFill>
+                <a:latin typeface="Trebuchet MS" charset="0"/>
+                <a:ea typeface="ＭＳ Ｐゴシック" charset="0"/>
+              </a:defRPr>
+            </a:lvl2pPr>
+            <a:lvl3pPr marL="1143000" indent="-228600" eaLnBrk="0" hangingPunct="0">
+              <a:defRPr sz="2400">
+                <a:solidFill>
+                  <a:schemeClr val="tx1"/>
+                </a:solidFill>
+                <a:latin typeface="Trebuchet MS" charset="0"/>
+                <a:ea typeface="ＭＳ Ｐゴシック" charset="0"/>
+              </a:defRPr>
+            </a:lvl3pPr>
+            <a:lvl4pPr marL="1600200" indent="-228600" eaLnBrk="0" hangingPunct="0">
+              <a:defRPr sz="2400">
+                <a:solidFill>
+                  <a:schemeClr val="tx1"/>
+                </a:solidFill>
+                <a:latin typeface="Trebuchet MS" charset="0"/>
+                <a:ea typeface="ＭＳ Ｐゴシック" charset="0"/>
+              </a:defRPr>
+            </a:lvl4pPr>
+            <a:lvl5pPr marL="2057400" indent="-228600" eaLnBrk="0" hangingPunct="0">
+              <a:defRPr sz="2400">
+                <a:solidFill>
+                  <a:schemeClr val="tx1"/>
+                </a:solidFill>
+                <a:latin typeface="Trebuchet MS" charset="0"/>
+                <a:ea typeface="ＭＳ Ｐゴシック" charset="0"/>
+              </a:defRPr>
+            </a:lvl5pPr>
+            <a:lvl6pPr marL="2514600" indent="-228600" eaLnBrk="0" fontAlgn="base" hangingPunct="0">
+              <a:spcBef>
+                <a:spcPct val="0"/>
+              </a:spcBef>
+              <a:spcAft>
+                <a:spcPct val="0"/>
+              </a:spcAft>
+              <a:defRPr sz="2400">
+                <a:solidFill>
+                  <a:schemeClr val="tx1"/>
+                </a:solidFill>
+                <a:latin typeface="Trebuchet MS" charset="0"/>
+                <a:ea typeface="ＭＳ Ｐゴシック" charset="0"/>
+              </a:defRPr>
+            </a:lvl6pPr>
+            <a:lvl7pPr marL="2971800" indent="-228600" eaLnBrk="0" fontAlgn="base" hangingPunct="0">
+              <a:spcBef>
+                <a:spcPct val="0"/>
+              </a:spcBef>
+              <a:spcAft>
+                <a:spcPct val="0"/>
+              </a:spcAft>
+              <a:defRPr sz="2400">
+                <a:solidFill>
+                  <a:schemeClr val="tx1"/>
+                </a:solidFill>
+                <a:latin typeface="Trebuchet MS" charset="0"/>
+                <a:ea typeface="ＭＳ Ｐゴシック" charset="0"/>
+              </a:defRPr>
+            </a:lvl7pPr>
+            <a:lvl8pPr marL="3429000" indent="-228600" eaLnBrk="0" fontAlgn="base" hangingPunct="0">
+              <a:spcBef>
+                <a:spcPct val="0"/>
+              </a:spcBef>
+              <a:spcAft>
+                <a:spcPct val="0"/>
+              </a:spcAft>
+              <a:defRPr sz="2400">
+                <a:solidFill>
+                  <a:schemeClr val="tx1"/>
+                </a:solidFill>
+                <a:latin typeface="Trebuchet MS" charset="0"/>
+                <a:ea typeface="ＭＳ Ｐゴシック" charset="0"/>
+              </a:defRPr>
+            </a:lvl8pPr>
+            <a:lvl9pPr marL="3886200" indent="-228600" eaLnBrk="0" fontAlgn="base" hangingPunct="0">
+              <a:spcBef>
+                <a:spcPct val="0"/>
+              </a:spcBef>
+              <a:spcAft>
+                <a:spcPct val="0"/>
+              </a:spcAft>
+              <a:defRPr sz="2400">
+                <a:solidFill>
+                  <a:schemeClr val="tx1"/>
+                </a:solidFill>
+                <a:latin typeface="Trebuchet MS" charset="0"/>
+                <a:ea typeface="ＭＳ Ｐゴシック" charset="0"/>
+              </a:defRPr>
+            </a:lvl9pPr>
+          </a:lstStyle>
+          <a:p>
+            <a:pPr algn="l" eaLnBrk="1" hangingPunct="1"/>
+            <a:r>
+              <a:rPr lang="en-US" sz="1200" b="1" dirty="0" smtClean="0">
+                <a:solidFill>
+                  <a:srgbClr val="122956"/>
+                </a:solidFill>
+                <a:cs typeface="Trebuchet MS" charset="0"/>
+              </a:rPr>
+              <a:t>11-</a:t>
+            </a:r>
+            <a:fld id="{31B56995-E14C-B64F-86C9-12D6DB74A41E}" type="slidenum">
+              <a:rPr lang="en-US" sz="1200" b="1">
+                <a:solidFill>
+                  <a:srgbClr val="122956"/>
+                </a:solidFill>
+                <a:cs typeface="Trebuchet MS" charset="0"/>
+              </a:rPr>
+              <a:pPr algn="l" eaLnBrk="1" hangingPunct="1"/>
+              <a:t>3</a:t>
+            </a:fld>
+            <a:endParaRPr lang="en-US" sz="1200" b="1" dirty="0">
+              <a:solidFill>
+                <a:srgbClr val="122956"/>
+              </a:solidFill>
+              <a:cs typeface="Trebuchet MS" charset="0"/>
+            </a:endParaRPr>
+          </a:p>
+        </p:txBody>
+      </p:sp>
     </p:spTree>
     <p:extLst>
       <p:ext uri="{BB962C8B-B14F-4D97-AF65-F5344CB8AC3E}">
@@ -15794,6 +19427,186 @@
           </a:prstGeom>
         </p:spPr>
       </p:pic>
+      <p:sp>
+        <p:nvSpPr>
+          <p:cNvPr id="8" name="Slide Number Placeholder 5"/>
+          <p:cNvSpPr>
+            <a:spLocks noGrp="1"/>
+          </p:cNvSpPr>
+          <p:nvPr>
+            <p:ph type="sldNum" sz="quarter" idx="12"/>
+          </p:nvPr>
+        </p:nvSpPr>
+        <p:spPr bwMode="auto">
+          <a:xfrm>
+            <a:off x="203200" y="6400800"/>
+            <a:ext cx="2133600" cy="365125"/>
+          </a:xfrm>
+          <a:noFill/>
+          <a:extLst>
+            <a:ext uri="{909E8E84-426E-40dd-AFC4-6F175D3DCCD1}">
+              <a14:hiddenFill xmlns:a14="http://schemas.microsoft.com/office/drawing/2010/main">
+                <a:solidFill>
+                  <a:srgbClr val="FFFFFF"/>
+                </a:solidFill>
+              </a14:hiddenFill>
+            </a:ext>
+            <a:ext uri="{91240B29-F687-4f45-9708-019B960494DF}">
+              <a14:hiddenLine xmlns:a14="http://schemas.microsoft.com/office/drawing/2010/main" w="9525">
+                <a:solidFill>
+                  <a:srgbClr val="000000"/>
+                </a:solidFill>
+                <a:miter lim="800000"/>
+                <a:headEnd/>
+                <a:tailEnd/>
+              </a14:hiddenLine>
+            </a:ext>
+          </a:extLst>
+        </p:spPr>
+        <p:txBody>
+          <a:bodyPr vert="horz" wrap="square" lIns="91440" tIns="45720" rIns="91440" bIns="45720" numCol="1" anchor="ctr" anchorCtr="0" compatLnSpc="1">
+            <a:prstTxWarp prst="textNoShape">
+              <a:avLst/>
+            </a:prstTxWarp>
+          </a:bodyPr>
+          <a:lstStyle>
+            <a:lvl1pPr eaLnBrk="0" hangingPunct="0">
+              <a:defRPr sz="2400">
+                <a:solidFill>
+                  <a:schemeClr val="tx1"/>
+                </a:solidFill>
+                <a:latin typeface="Trebuchet MS" charset="0"/>
+                <a:ea typeface="ＭＳ Ｐゴシック" charset="0"/>
+                <a:cs typeface="ＭＳ Ｐゴシック" charset="0"/>
+              </a:defRPr>
+            </a:lvl1pPr>
+            <a:lvl2pPr marL="742950" indent="-285750" eaLnBrk="0" hangingPunct="0">
+              <a:defRPr sz="2400">
+                <a:solidFill>
+                  <a:schemeClr val="tx1"/>
+                </a:solidFill>
+                <a:latin typeface="Trebuchet MS" charset="0"/>
+                <a:ea typeface="ＭＳ Ｐゴシック" charset="0"/>
+              </a:defRPr>
+            </a:lvl2pPr>
+            <a:lvl3pPr marL="1143000" indent="-228600" eaLnBrk="0" hangingPunct="0">
+              <a:defRPr sz="2400">
+                <a:solidFill>
+                  <a:schemeClr val="tx1"/>
+                </a:solidFill>
+                <a:latin typeface="Trebuchet MS" charset="0"/>
+                <a:ea typeface="ＭＳ Ｐゴシック" charset="0"/>
+              </a:defRPr>
+            </a:lvl3pPr>
+            <a:lvl4pPr marL="1600200" indent="-228600" eaLnBrk="0" hangingPunct="0">
+              <a:defRPr sz="2400">
+                <a:solidFill>
+                  <a:schemeClr val="tx1"/>
+                </a:solidFill>
+                <a:latin typeface="Trebuchet MS" charset="0"/>
+                <a:ea typeface="ＭＳ Ｐゴシック" charset="0"/>
+              </a:defRPr>
+            </a:lvl4pPr>
+            <a:lvl5pPr marL="2057400" indent="-228600" eaLnBrk="0" hangingPunct="0">
+              <a:defRPr sz="2400">
+                <a:solidFill>
+                  <a:schemeClr val="tx1"/>
+                </a:solidFill>
+                <a:latin typeface="Trebuchet MS" charset="0"/>
+                <a:ea typeface="ＭＳ Ｐゴシック" charset="0"/>
+              </a:defRPr>
+            </a:lvl5pPr>
+            <a:lvl6pPr marL="2514600" indent="-228600" eaLnBrk="0" fontAlgn="base" hangingPunct="0">
+              <a:spcBef>
+                <a:spcPct val="0"/>
+              </a:spcBef>
+              <a:spcAft>
+                <a:spcPct val="0"/>
+              </a:spcAft>
+              <a:defRPr sz="2400">
+                <a:solidFill>
+                  <a:schemeClr val="tx1"/>
+                </a:solidFill>
+                <a:latin typeface="Trebuchet MS" charset="0"/>
+                <a:ea typeface="ＭＳ Ｐゴシック" charset="0"/>
+              </a:defRPr>
+            </a:lvl6pPr>
+            <a:lvl7pPr marL="2971800" indent="-228600" eaLnBrk="0" fontAlgn="base" hangingPunct="0">
+              <a:spcBef>
+                <a:spcPct val="0"/>
+              </a:spcBef>
+              <a:spcAft>
+                <a:spcPct val="0"/>
+              </a:spcAft>
+              <a:defRPr sz="2400">
+                <a:solidFill>
+                  <a:schemeClr val="tx1"/>
+                </a:solidFill>
+                <a:latin typeface="Trebuchet MS" charset="0"/>
+                <a:ea typeface="ＭＳ Ｐゴシック" charset="0"/>
+              </a:defRPr>
+            </a:lvl7pPr>
+            <a:lvl8pPr marL="3429000" indent="-228600" eaLnBrk="0" fontAlgn="base" hangingPunct="0">
+              <a:spcBef>
+                <a:spcPct val="0"/>
+              </a:spcBef>
+              <a:spcAft>
+                <a:spcPct val="0"/>
+              </a:spcAft>
+              <a:defRPr sz="2400">
+                <a:solidFill>
+                  <a:schemeClr val="tx1"/>
+                </a:solidFill>
+                <a:latin typeface="Trebuchet MS" charset="0"/>
+                <a:ea typeface="ＭＳ Ｐゴシック" charset="0"/>
+              </a:defRPr>
+            </a:lvl8pPr>
+            <a:lvl9pPr marL="3886200" indent="-228600" eaLnBrk="0" fontAlgn="base" hangingPunct="0">
+              <a:spcBef>
+                <a:spcPct val="0"/>
+              </a:spcBef>
+              <a:spcAft>
+                <a:spcPct val="0"/>
+              </a:spcAft>
+              <a:defRPr sz="2400">
+                <a:solidFill>
+                  <a:schemeClr val="tx1"/>
+                </a:solidFill>
+                <a:latin typeface="Trebuchet MS" charset="0"/>
+                <a:ea typeface="ＭＳ Ｐゴシック" charset="0"/>
+              </a:defRPr>
+            </a:lvl9pPr>
+          </a:lstStyle>
+          <a:p>
+            <a:pPr algn="l" eaLnBrk="1" hangingPunct="1"/>
+            <a:r>
+              <a:rPr lang="en-US" sz="1200" b="1" dirty="0" smtClean="0">
+                <a:solidFill>
+                  <a:srgbClr val="122956"/>
+                </a:solidFill>
+                <a:cs typeface="Trebuchet MS" charset="0"/>
+              </a:rPr>
+              <a:t>11-</a:t>
+            </a:r>
+            <a:fld id="{31B56995-E14C-B64F-86C9-12D6DB74A41E}" type="slidenum">
+              <a:rPr lang="en-US" sz="1200" b="1">
+                <a:solidFill>
+                  <a:srgbClr val="122956"/>
+                </a:solidFill>
+                <a:cs typeface="Trebuchet MS" charset="0"/>
+              </a:rPr>
+              <a:pPr algn="l" eaLnBrk="1" hangingPunct="1"/>
+              <a:t>4</a:t>
+            </a:fld>
+            <a:endParaRPr lang="en-US" sz="1200" b="1" dirty="0">
+              <a:solidFill>
+                <a:srgbClr val="122956"/>
+              </a:solidFill>
+              <a:cs typeface="Trebuchet MS" charset="0"/>
+            </a:endParaRPr>
+          </a:p>
+        </p:txBody>
+      </p:sp>
     </p:spTree>
     <p:extLst>
       <p:ext uri="{BB962C8B-B14F-4D97-AF65-F5344CB8AC3E}">
@@ -16160,6 +19973,186 @@
           </a:prstGeom>
         </p:spPr>
       </p:pic>
+      <p:sp>
+        <p:nvSpPr>
+          <p:cNvPr id="8" name="Slide Number Placeholder 5"/>
+          <p:cNvSpPr>
+            <a:spLocks noGrp="1"/>
+          </p:cNvSpPr>
+          <p:nvPr>
+            <p:ph type="sldNum" sz="quarter" idx="12"/>
+          </p:nvPr>
+        </p:nvSpPr>
+        <p:spPr bwMode="auto">
+          <a:xfrm>
+            <a:off x="203200" y="6400800"/>
+            <a:ext cx="2133600" cy="365125"/>
+          </a:xfrm>
+          <a:noFill/>
+          <a:extLst>
+            <a:ext uri="{909E8E84-426E-40dd-AFC4-6F175D3DCCD1}">
+              <a14:hiddenFill xmlns:a14="http://schemas.microsoft.com/office/drawing/2010/main">
+                <a:solidFill>
+                  <a:srgbClr val="FFFFFF"/>
+                </a:solidFill>
+              </a14:hiddenFill>
+            </a:ext>
+            <a:ext uri="{91240B29-F687-4f45-9708-019B960494DF}">
+              <a14:hiddenLine xmlns:a14="http://schemas.microsoft.com/office/drawing/2010/main" w="9525">
+                <a:solidFill>
+                  <a:srgbClr val="000000"/>
+                </a:solidFill>
+                <a:miter lim="800000"/>
+                <a:headEnd/>
+                <a:tailEnd/>
+              </a14:hiddenLine>
+            </a:ext>
+          </a:extLst>
+        </p:spPr>
+        <p:txBody>
+          <a:bodyPr vert="horz" wrap="square" lIns="91440" tIns="45720" rIns="91440" bIns="45720" numCol="1" anchor="ctr" anchorCtr="0" compatLnSpc="1">
+            <a:prstTxWarp prst="textNoShape">
+              <a:avLst/>
+            </a:prstTxWarp>
+          </a:bodyPr>
+          <a:lstStyle>
+            <a:lvl1pPr eaLnBrk="0" hangingPunct="0">
+              <a:defRPr sz="2400">
+                <a:solidFill>
+                  <a:schemeClr val="tx1"/>
+                </a:solidFill>
+                <a:latin typeface="Trebuchet MS" charset="0"/>
+                <a:ea typeface="ＭＳ Ｐゴシック" charset="0"/>
+                <a:cs typeface="ＭＳ Ｐゴシック" charset="0"/>
+              </a:defRPr>
+            </a:lvl1pPr>
+            <a:lvl2pPr marL="742950" indent="-285750" eaLnBrk="0" hangingPunct="0">
+              <a:defRPr sz="2400">
+                <a:solidFill>
+                  <a:schemeClr val="tx1"/>
+                </a:solidFill>
+                <a:latin typeface="Trebuchet MS" charset="0"/>
+                <a:ea typeface="ＭＳ Ｐゴシック" charset="0"/>
+              </a:defRPr>
+            </a:lvl2pPr>
+            <a:lvl3pPr marL="1143000" indent="-228600" eaLnBrk="0" hangingPunct="0">
+              <a:defRPr sz="2400">
+                <a:solidFill>
+                  <a:schemeClr val="tx1"/>
+                </a:solidFill>
+                <a:latin typeface="Trebuchet MS" charset="0"/>
+                <a:ea typeface="ＭＳ Ｐゴシック" charset="0"/>
+              </a:defRPr>
+            </a:lvl3pPr>
+            <a:lvl4pPr marL="1600200" indent="-228600" eaLnBrk="0" hangingPunct="0">
+              <a:defRPr sz="2400">
+                <a:solidFill>
+                  <a:schemeClr val="tx1"/>
+                </a:solidFill>
+                <a:latin typeface="Trebuchet MS" charset="0"/>
+                <a:ea typeface="ＭＳ Ｐゴシック" charset="0"/>
+              </a:defRPr>
+            </a:lvl4pPr>
+            <a:lvl5pPr marL="2057400" indent="-228600" eaLnBrk="0" hangingPunct="0">
+              <a:defRPr sz="2400">
+                <a:solidFill>
+                  <a:schemeClr val="tx1"/>
+                </a:solidFill>
+                <a:latin typeface="Trebuchet MS" charset="0"/>
+                <a:ea typeface="ＭＳ Ｐゴシック" charset="0"/>
+              </a:defRPr>
+            </a:lvl5pPr>
+            <a:lvl6pPr marL="2514600" indent="-228600" eaLnBrk="0" fontAlgn="base" hangingPunct="0">
+              <a:spcBef>
+                <a:spcPct val="0"/>
+              </a:spcBef>
+              <a:spcAft>
+                <a:spcPct val="0"/>
+              </a:spcAft>
+              <a:defRPr sz="2400">
+                <a:solidFill>
+                  <a:schemeClr val="tx1"/>
+                </a:solidFill>
+                <a:latin typeface="Trebuchet MS" charset="0"/>
+                <a:ea typeface="ＭＳ Ｐゴシック" charset="0"/>
+              </a:defRPr>
+            </a:lvl6pPr>
+            <a:lvl7pPr marL="2971800" indent="-228600" eaLnBrk="0" fontAlgn="base" hangingPunct="0">
+              <a:spcBef>
+                <a:spcPct val="0"/>
+              </a:spcBef>
+              <a:spcAft>
+                <a:spcPct val="0"/>
+              </a:spcAft>
+              <a:defRPr sz="2400">
+                <a:solidFill>
+                  <a:schemeClr val="tx1"/>
+                </a:solidFill>
+                <a:latin typeface="Trebuchet MS" charset="0"/>
+                <a:ea typeface="ＭＳ Ｐゴシック" charset="0"/>
+              </a:defRPr>
+            </a:lvl7pPr>
+            <a:lvl8pPr marL="3429000" indent="-228600" eaLnBrk="0" fontAlgn="base" hangingPunct="0">
+              <a:spcBef>
+                <a:spcPct val="0"/>
+              </a:spcBef>
+              <a:spcAft>
+                <a:spcPct val="0"/>
+              </a:spcAft>
+              <a:defRPr sz="2400">
+                <a:solidFill>
+                  <a:schemeClr val="tx1"/>
+                </a:solidFill>
+                <a:latin typeface="Trebuchet MS" charset="0"/>
+                <a:ea typeface="ＭＳ Ｐゴシック" charset="0"/>
+              </a:defRPr>
+            </a:lvl8pPr>
+            <a:lvl9pPr marL="3886200" indent="-228600" eaLnBrk="0" fontAlgn="base" hangingPunct="0">
+              <a:spcBef>
+                <a:spcPct val="0"/>
+              </a:spcBef>
+              <a:spcAft>
+                <a:spcPct val="0"/>
+              </a:spcAft>
+              <a:defRPr sz="2400">
+                <a:solidFill>
+                  <a:schemeClr val="tx1"/>
+                </a:solidFill>
+                <a:latin typeface="Trebuchet MS" charset="0"/>
+                <a:ea typeface="ＭＳ Ｐゴシック" charset="0"/>
+              </a:defRPr>
+            </a:lvl9pPr>
+          </a:lstStyle>
+          <a:p>
+            <a:pPr algn="l" eaLnBrk="1" hangingPunct="1"/>
+            <a:r>
+              <a:rPr lang="en-US" sz="1200" b="1" dirty="0" smtClean="0">
+                <a:solidFill>
+                  <a:srgbClr val="122956"/>
+                </a:solidFill>
+                <a:cs typeface="Trebuchet MS" charset="0"/>
+              </a:rPr>
+              <a:t>11-</a:t>
+            </a:r>
+            <a:fld id="{31B56995-E14C-B64F-86C9-12D6DB74A41E}" type="slidenum">
+              <a:rPr lang="en-US" sz="1200" b="1">
+                <a:solidFill>
+                  <a:srgbClr val="122956"/>
+                </a:solidFill>
+                <a:cs typeface="Trebuchet MS" charset="0"/>
+              </a:rPr>
+              <a:pPr algn="l" eaLnBrk="1" hangingPunct="1"/>
+              <a:t>5</a:t>
+            </a:fld>
+            <a:endParaRPr lang="en-US" sz="1200" b="1" dirty="0">
+              <a:solidFill>
+                <a:srgbClr val="122956"/>
+              </a:solidFill>
+              <a:cs typeface="Trebuchet MS" charset="0"/>
+            </a:endParaRPr>
+          </a:p>
+        </p:txBody>
+      </p:sp>
     </p:spTree>
     <p:extLst>
       <p:ext uri="{BB962C8B-B14F-4D97-AF65-F5344CB8AC3E}">
@@ -16514,6 +20507,186 @@
               <a:latin typeface="Trebuchet MS" charset="0"/>
               <a:ea typeface="ヒラギノ角ゴ ProN W3" charset="0"/>
               <a:cs typeface="ヒラギノ角ゴ ProN W3" charset="0"/>
+            </a:endParaRPr>
+          </a:p>
+        </p:txBody>
+      </p:sp>
+      <p:sp>
+        <p:nvSpPr>
+          <p:cNvPr id="7" name="Slide Number Placeholder 5"/>
+          <p:cNvSpPr>
+            <a:spLocks noGrp="1"/>
+          </p:cNvSpPr>
+          <p:nvPr>
+            <p:ph type="sldNum" sz="quarter" idx="12"/>
+          </p:nvPr>
+        </p:nvSpPr>
+        <p:spPr bwMode="auto">
+          <a:xfrm>
+            <a:off x="203200" y="6400800"/>
+            <a:ext cx="2133600" cy="365125"/>
+          </a:xfrm>
+          <a:noFill/>
+          <a:extLst>
+            <a:ext uri="{909E8E84-426E-40dd-AFC4-6F175D3DCCD1}">
+              <a14:hiddenFill xmlns:a14="http://schemas.microsoft.com/office/drawing/2010/main">
+                <a:solidFill>
+                  <a:srgbClr val="FFFFFF"/>
+                </a:solidFill>
+              </a14:hiddenFill>
+            </a:ext>
+            <a:ext uri="{91240B29-F687-4f45-9708-019B960494DF}">
+              <a14:hiddenLine xmlns:a14="http://schemas.microsoft.com/office/drawing/2010/main" w="9525">
+                <a:solidFill>
+                  <a:srgbClr val="000000"/>
+                </a:solidFill>
+                <a:miter lim="800000"/>
+                <a:headEnd/>
+                <a:tailEnd/>
+              </a14:hiddenLine>
+            </a:ext>
+          </a:extLst>
+        </p:spPr>
+        <p:txBody>
+          <a:bodyPr vert="horz" wrap="square" lIns="91440" tIns="45720" rIns="91440" bIns="45720" numCol="1" anchor="ctr" anchorCtr="0" compatLnSpc="1">
+            <a:prstTxWarp prst="textNoShape">
+              <a:avLst/>
+            </a:prstTxWarp>
+          </a:bodyPr>
+          <a:lstStyle>
+            <a:lvl1pPr eaLnBrk="0" hangingPunct="0">
+              <a:defRPr sz="2400">
+                <a:solidFill>
+                  <a:schemeClr val="tx1"/>
+                </a:solidFill>
+                <a:latin typeface="Trebuchet MS" charset="0"/>
+                <a:ea typeface="ＭＳ Ｐゴシック" charset="0"/>
+                <a:cs typeface="ＭＳ Ｐゴシック" charset="0"/>
+              </a:defRPr>
+            </a:lvl1pPr>
+            <a:lvl2pPr marL="742950" indent="-285750" eaLnBrk="0" hangingPunct="0">
+              <a:defRPr sz="2400">
+                <a:solidFill>
+                  <a:schemeClr val="tx1"/>
+                </a:solidFill>
+                <a:latin typeface="Trebuchet MS" charset="0"/>
+                <a:ea typeface="ＭＳ Ｐゴシック" charset="0"/>
+              </a:defRPr>
+            </a:lvl2pPr>
+            <a:lvl3pPr marL="1143000" indent="-228600" eaLnBrk="0" hangingPunct="0">
+              <a:defRPr sz="2400">
+                <a:solidFill>
+                  <a:schemeClr val="tx1"/>
+                </a:solidFill>
+                <a:latin typeface="Trebuchet MS" charset="0"/>
+                <a:ea typeface="ＭＳ Ｐゴシック" charset="0"/>
+              </a:defRPr>
+            </a:lvl3pPr>
+            <a:lvl4pPr marL="1600200" indent="-228600" eaLnBrk="0" hangingPunct="0">
+              <a:defRPr sz="2400">
+                <a:solidFill>
+                  <a:schemeClr val="tx1"/>
+                </a:solidFill>
+                <a:latin typeface="Trebuchet MS" charset="0"/>
+                <a:ea typeface="ＭＳ Ｐゴシック" charset="0"/>
+              </a:defRPr>
+            </a:lvl4pPr>
+            <a:lvl5pPr marL="2057400" indent="-228600" eaLnBrk="0" hangingPunct="0">
+              <a:defRPr sz="2400">
+                <a:solidFill>
+                  <a:schemeClr val="tx1"/>
+                </a:solidFill>
+                <a:latin typeface="Trebuchet MS" charset="0"/>
+                <a:ea typeface="ＭＳ Ｐゴシック" charset="0"/>
+              </a:defRPr>
+            </a:lvl5pPr>
+            <a:lvl6pPr marL="2514600" indent="-228600" eaLnBrk="0" fontAlgn="base" hangingPunct="0">
+              <a:spcBef>
+                <a:spcPct val="0"/>
+              </a:spcBef>
+              <a:spcAft>
+                <a:spcPct val="0"/>
+              </a:spcAft>
+              <a:defRPr sz="2400">
+                <a:solidFill>
+                  <a:schemeClr val="tx1"/>
+                </a:solidFill>
+                <a:latin typeface="Trebuchet MS" charset="0"/>
+                <a:ea typeface="ＭＳ Ｐゴシック" charset="0"/>
+              </a:defRPr>
+            </a:lvl6pPr>
+            <a:lvl7pPr marL="2971800" indent="-228600" eaLnBrk="0" fontAlgn="base" hangingPunct="0">
+              <a:spcBef>
+                <a:spcPct val="0"/>
+              </a:spcBef>
+              <a:spcAft>
+                <a:spcPct val="0"/>
+              </a:spcAft>
+              <a:defRPr sz="2400">
+                <a:solidFill>
+                  <a:schemeClr val="tx1"/>
+                </a:solidFill>
+                <a:latin typeface="Trebuchet MS" charset="0"/>
+                <a:ea typeface="ＭＳ Ｐゴシック" charset="0"/>
+              </a:defRPr>
+            </a:lvl7pPr>
+            <a:lvl8pPr marL="3429000" indent="-228600" eaLnBrk="0" fontAlgn="base" hangingPunct="0">
+              <a:spcBef>
+                <a:spcPct val="0"/>
+              </a:spcBef>
+              <a:spcAft>
+                <a:spcPct val="0"/>
+              </a:spcAft>
+              <a:defRPr sz="2400">
+                <a:solidFill>
+                  <a:schemeClr val="tx1"/>
+                </a:solidFill>
+                <a:latin typeface="Trebuchet MS" charset="0"/>
+                <a:ea typeface="ＭＳ Ｐゴシック" charset="0"/>
+              </a:defRPr>
+            </a:lvl8pPr>
+            <a:lvl9pPr marL="3886200" indent="-228600" eaLnBrk="0" fontAlgn="base" hangingPunct="0">
+              <a:spcBef>
+                <a:spcPct val="0"/>
+              </a:spcBef>
+              <a:spcAft>
+                <a:spcPct val="0"/>
+              </a:spcAft>
+              <a:defRPr sz="2400">
+                <a:solidFill>
+                  <a:schemeClr val="tx1"/>
+                </a:solidFill>
+                <a:latin typeface="Trebuchet MS" charset="0"/>
+                <a:ea typeface="ＭＳ Ｐゴシック" charset="0"/>
+              </a:defRPr>
+            </a:lvl9pPr>
+          </a:lstStyle>
+          <a:p>
+            <a:pPr algn="l" eaLnBrk="1" hangingPunct="1"/>
+            <a:r>
+              <a:rPr lang="en-US" sz="1200" b="1" dirty="0" smtClean="0">
+                <a:solidFill>
+                  <a:srgbClr val="122956"/>
+                </a:solidFill>
+                <a:cs typeface="Trebuchet MS" charset="0"/>
+              </a:rPr>
+              <a:t>11-</a:t>
+            </a:r>
+            <a:fld id="{31B56995-E14C-B64F-86C9-12D6DB74A41E}" type="slidenum">
+              <a:rPr lang="en-US" sz="1200" b="1">
+                <a:solidFill>
+                  <a:srgbClr val="122956"/>
+                </a:solidFill>
+                <a:cs typeface="Trebuchet MS" charset="0"/>
+              </a:rPr>
+              <a:pPr algn="l" eaLnBrk="1" hangingPunct="1"/>
+              <a:t>6</a:t>
+            </a:fld>
+            <a:endParaRPr lang="en-US" sz="1200" b="1" dirty="0">
+              <a:solidFill>
+                <a:srgbClr val="122956"/>
+              </a:solidFill>
+              <a:cs typeface="Trebuchet MS" charset="0"/>
             </a:endParaRPr>
           </a:p>
         </p:txBody>
@@ -16893,6 +21066,186 @@
           </a:p>
         </p:txBody>
       </p:sp>
+      <p:sp>
+        <p:nvSpPr>
+          <p:cNvPr id="7" name="Slide Number Placeholder 5"/>
+          <p:cNvSpPr>
+            <a:spLocks noGrp="1"/>
+          </p:cNvSpPr>
+          <p:nvPr>
+            <p:ph type="sldNum" sz="quarter" idx="12"/>
+          </p:nvPr>
+        </p:nvSpPr>
+        <p:spPr bwMode="auto">
+          <a:xfrm>
+            <a:off x="203200" y="6400800"/>
+            <a:ext cx="2133600" cy="365125"/>
+          </a:xfrm>
+          <a:noFill/>
+          <a:extLst>
+            <a:ext uri="{909E8E84-426E-40dd-AFC4-6F175D3DCCD1}">
+              <a14:hiddenFill xmlns:a14="http://schemas.microsoft.com/office/drawing/2010/main">
+                <a:solidFill>
+                  <a:srgbClr val="FFFFFF"/>
+                </a:solidFill>
+              </a14:hiddenFill>
+            </a:ext>
+            <a:ext uri="{91240B29-F687-4f45-9708-019B960494DF}">
+              <a14:hiddenLine xmlns:a14="http://schemas.microsoft.com/office/drawing/2010/main" w="9525">
+                <a:solidFill>
+                  <a:srgbClr val="000000"/>
+                </a:solidFill>
+                <a:miter lim="800000"/>
+                <a:headEnd/>
+                <a:tailEnd/>
+              </a14:hiddenLine>
+            </a:ext>
+          </a:extLst>
+        </p:spPr>
+        <p:txBody>
+          <a:bodyPr vert="horz" wrap="square" lIns="91440" tIns="45720" rIns="91440" bIns="45720" numCol="1" anchor="ctr" anchorCtr="0" compatLnSpc="1">
+            <a:prstTxWarp prst="textNoShape">
+              <a:avLst/>
+            </a:prstTxWarp>
+          </a:bodyPr>
+          <a:lstStyle>
+            <a:lvl1pPr eaLnBrk="0" hangingPunct="0">
+              <a:defRPr sz="2400">
+                <a:solidFill>
+                  <a:schemeClr val="tx1"/>
+                </a:solidFill>
+                <a:latin typeface="Trebuchet MS" charset="0"/>
+                <a:ea typeface="ＭＳ Ｐゴシック" charset="0"/>
+                <a:cs typeface="ＭＳ Ｐゴシック" charset="0"/>
+              </a:defRPr>
+            </a:lvl1pPr>
+            <a:lvl2pPr marL="742950" indent="-285750" eaLnBrk="0" hangingPunct="0">
+              <a:defRPr sz="2400">
+                <a:solidFill>
+                  <a:schemeClr val="tx1"/>
+                </a:solidFill>
+                <a:latin typeface="Trebuchet MS" charset="0"/>
+                <a:ea typeface="ＭＳ Ｐゴシック" charset="0"/>
+              </a:defRPr>
+            </a:lvl2pPr>
+            <a:lvl3pPr marL="1143000" indent="-228600" eaLnBrk="0" hangingPunct="0">
+              <a:defRPr sz="2400">
+                <a:solidFill>
+                  <a:schemeClr val="tx1"/>
+                </a:solidFill>
+                <a:latin typeface="Trebuchet MS" charset="0"/>
+                <a:ea typeface="ＭＳ Ｐゴシック" charset="0"/>
+              </a:defRPr>
+            </a:lvl3pPr>
+            <a:lvl4pPr marL="1600200" indent="-228600" eaLnBrk="0" hangingPunct="0">
+              <a:defRPr sz="2400">
+                <a:solidFill>
+                  <a:schemeClr val="tx1"/>
+                </a:solidFill>
+                <a:latin typeface="Trebuchet MS" charset="0"/>
+                <a:ea typeface="ＭＳ Ｐゴシック" charset="0"/>
+              </a:defRPr>
+            </a:lvl4pPr>
+            <a:lvl5pPr marL="2057400" indent="-228600" eaLnBrk="0" hangingPunct="0">
+              <a:defRPr sz="2400">
+                <a:solidFill>
+                  <a:schemeClr val="tx1"/>
+                </a:solidFill>
+                <a:latin typeface="Trebuchet MS" charset="0"/>
+                <a:ea typeface="ＭＳ Ｐゴシック" charset="0"/>
+              </a:defRPr>
+            </a:lvl5pPr>
+            <a:lvl6pPr marL="2514600" indent="-228600" eaLnBrk="0" fontAlgn="base" hangingPunct="0">
+              <a:spcBef>
+                <a:spcPct val="0"/>
+              </a:spcBef>
+              <a:spcAft>
+                <a:spcPct val="0"/>
+              </a:spcAft>
+              <a:defRPr sz="2400">
+                <a:solidFill>
+                  <a:schemeClr val="tx1"/>
+                </a:solidFill>
+                <a:latin typeface="Trebuchet MS" charset="0"/>
+                <a:ea typeface="ＭＳ Ｐゴシック" charset="0"/>
+              </a:defRPr>
+            </a:lvl6pPr>
+            <a:lvl7pPr marL="2971800" indent="-228600" eaLnBrk="0" fontAlgn="base" hangingPunct="0">
+              <a:spcBef>
+                <a:spcPct val="0"/>
+              </a:spcBef>
+              <a:spcAft>
+                <a:spcPct val="0"/>
+              </a:spcAft>
+              <a:defRPr sz="2400">
+                <a:solidFill>
+                  <a:schemeClr val="tx1"/>
+                </a:solidFill>
+                <a:latin typeface="Trebuchet MS" charset="0"/>
+                <a:ea typeface="ＭＳ Ｐゴシック" charset="0"/>
+              </a:defRPr>
+            </a:lvl7pPr>
+            <a:lvl8pPr marL="3429000" indent="-228600" eaLnBrk="0" fontAlgn="base" hangingPunct="0">
+              <a:spcBef>
+                <a:spcPct val="0"/>
+              </a:spcBef>
+              <a:spcAft>
+                <a:spcPct val="0"/>
+              </a:spcAft>
+              <a:defRPr sz="2400">
+                <a:solidFill>
+                  <a:schemeClr val="tx1"/>
+                </a:solidFill>
+                <a:latin typeface="Trebuchet MS" charset="0"/>
+                <a:ea typeface="ＭＳ Ｐゴシック" charset="0"/>
+              </a:defRPr>
+            </a:lvl8pPr>
+            <a:lvl9pPr marL="3886200" indent="-228600" eaLnBrk="0" fontAlgn="base" hangingPunct="0">
+              <a:spcBef>
+                <a:spcPct val="0"/>
+              </a:spcBef>
+              <a:spcAft>
+                <a:spcPct val="0"/>
+              </a:spcAft>
+              <a:defRPr sz="2400">
+                <a:solidFill>
+                  <a:schemeClr val="tx1"/>
+                </a:solidFill>
+                <a:latin typeface="Trebuchet MS" charset="0"/>
+                <a:ea typeface="ＭＳ Ｐゴシック" charset="0"/>
+              </a:defRPr>
+            </a:lvl9pPr>
+          </a:lstStyle>
+          <a:p>
+            <a:pPr algn="l" eaLnBrk="1" hangingPunct="1"/>
+            <a:r>
+              <a:rPr lang="en-US" sz="1200" b="1" dirty="0" smtClean="0">
+                <a:solidFill>
+                  <a:srgbClr val="122956"/>
+                </a:solidFill>
+                <a:cs typeface="Trebuchet MS" charset="0"/>
+              </a:rPr>
+              <a:t>11-</a:t>
+            </a:r>
+            <a:fld id="{31B56995-E14C-B64F-86C9-12D6DB74A41E}" type="slidenum">
+              <a:rPr lang="en-US" sz="1200" b="1">
+                <a:solidFill>
+                  <a:srgbClr val="122956"/>
+                </a:solidFill>
+                <a:cs typeface="Trebuchet MS" charset="0"/>
+              </a:rPr>
+              <a:pPr algn="l" eaLnBrk="1" hangingPunct="1"/>
+              <a:t>7</a:t>
+            </a:fld>
+            <a:endParaRPr lang="en-US" sz="1200" b="1" dirty="0">
+              <a:solidFill>
+                <a:srgbClr val="122956"/>
+              </a:solidFill>
+              <a:cs typeface="Trebuchet MS" charset="0"/>
+            </a:endParaRPr>
+          </a:p>
+        </p:txBody>
+      </p:sp>
     </p:spTree>
     <p:extLst>
       <p:ext uri="{BB962C8B-B14F-4D97-AF65-F5344CB8AC3E}">
@@ -17295,6 +21648,186 @@
               <a:t>Java Class File</a:t>
             </a:r>
             <a:endParaRPr lang="en-US" sz="2400" dirty="0"/>
+          </a:p>
+        </p:txBody>
+      </p:sp>
+      <p:sp>
+        <p:nvSpPr>
+          <p:cNvPr id="12" name="Slide Number Placeholder 5"/>
+          <p:cNvSpPr>
+            <a:spLocks noGrp="1"/>
+          </p:cNvSpPr>
+          <p:nvPr>
+            <p:ph type="sldNum" sz="quarter" idx="12"/>
+          </p:nvPr>
+        </p:nvSpPr>
+        <p:spPr bwMode="auto">
+          <a:xfrm>
+            <a:off x="203200" y="6400800"/>
+            <a:ext cx="2133600" cy="365125"/>
+          </a:xfrm>
+          <a:noFill/>
+          <a:extLst>
+            <a:ext uri="{909E8E84-426E-40dd-AFC4-6F175D3DCCD1}">
+              <a14:hiddenFill xmlns:a14="http://schemas.microsoft.com/office/drawing/2010/main">
+                <a:solidFill>
+                  <a:srgbClr val="FFFFFF"/>
+                </a:solidFill>
+              </a14:hiddenFill>
+            </a:ext>
+            <a:ext uri="{91240B29-F687-4f45-9708-019B960494DF}">
+              <a14:hiddenLine xmlns:a14="http://schemas.microsoft.com/office/drawing/2010/main" w="9525">
+                <a:solidFill>
+                  <a:srgbClr val="000000"/>
+                </a:solidFill>
+                <a:miter lim="800000"/>
+                <a:headEnd/>
+                <a:tailEnd/>
+              </a14:hiddenLine>
+            </a:ext>
+          </a:extLst>
+        </p:spPr>
+        <p:txBody>
+          <a:bodyPr vert="horz" wrap="square" lIns="91440" tIns="45720" rIns="91440" bIns="45720" numCol="1" anchor="ctr" anchorCtr="0" compatLnSpc="1">
+            <a:prstTxWarp prst="textNoShape">
+              <a:avLst/>
+            </a:prstTxWarp>
+          </a:bodyPr>
+          <a:lstStyle>
+            <a:lvl1pPr eaLnBrk="0" hangingPunct="0">
+              <a:defRPr sz="2400">
+                <a:solidFill>
+                  <a:schemeClr val="tx1"/>
+                </a:solidFill>
+                <a:latin typeface="Trebuchet MS" charset="0"/>
+                <a:ea typeface="ＭＳ Ｐゴシック" charset="0"/>
+                <a:cs typeface="ＭＳ Ｐゴシック" charset="0"/>
+              </a:defRPr>
+            </a:lvl1pPr>
+            <a:lvl2pPr marL="742950" indent="-285750" eaLnBrk="0" hangingPunct="0">
+              <a:defRPr sz="2400">
+                <a:solidFill>
+                  <a:schemeClr val="tx1"/>
+                </a:solidFill>
+                <a:latin typeface="Trebuchet MS" charset="0"/>
+                <a:ea typeface="ＭＳ Ｐゴシック" charset="0"/>
+              </a:defRPr>
+            </a:lvl2pPr>
+            <a:lvl3pPr marL="1143000" indent="-228600" eaLnBrk="0" hangingPunct="0">
+              <a:defRPr sz="2400">
+                <a:solidFill>
+                  <a:schemeClr val="tx1"/>
+                </a:solidFill>
+                <a:latin typeface="Trebuchet MS" charset="0"/>
+                <a:ea typeface="ＭＳ Ｐゴシック" charset="0"/>
+              </a:defRPr>
+            </a:lvl3pPr>
+            <a:lvl4pPr marL="1600200" indent="-228600" eaLnBrk="0" hangingPunct="0">
+              <a:defRPr sz="2400">
+                <a:solidFill>
+                  <a:schemeClr val="tx1"/>
+                </a:solidFill>
+                <a:latin typeface="Trebuchet MS" charset="0"/>
+                <a:ea typeface="ＭＳ Ｐゴシック" charset="0"/>
+              </a:defRPr>
+            </a:lvl4pPr>
+            <a:lvl5pPr marL="2057400" indent="-228600" eaLnBrk="0" hangingPunct="0">
+              <a:defRPr sz="2400">
+                <a:solidFill>
+                  <a:schemeClr val="tx1"/>
+                </a:solidFill>
+                <a:latin typeface="Trebuchet MS" charset="0"/>
+                <a:ea typeface="ＭＳ Ｐゴシック" charset="0"/>
+              </a:defRPr>
+            </a:lvl5pPr>
+            <a:lvl6pPr marL="2514600" indent="-228600" eaLnBrk="0" fontAlgn="base" hangingPunct="0">
+              <a:spcBef>
+                <a:spcPct val="0"/>
+              </a:spcBef>
+              <a:spcAft>
+                <a:spcPct val="0"/>
+              </a:spcAft>
+              <a:defRPr sz="2400">
+                <a:solidFill>
+                  <a:schemeClr val="tx1"/>
+                </a:solidFill>
+                <a:latin typeface="Trebuchet MS" charset="0"/>
+                <a:ea typeface="ＭＳ Ｐゴシック" charset="0"/>
+              </a:defRPr>
+            </a:lvl6pPr>
+            <a:lvl7pPr marL="2971800" indent="-228600" eaLnBrk="0" fontAlgn="base" hangingPunct="0">
+              <a:spcBef>
+                <a:spcPct val="0"/>
+              </a:spcBef>
+              <a:spcAft>
+                <a:spcPct val="0"/>
+              </a:spcAft>
+              <a:defRPr sz="2400">
+                <a:solidFill>
+                  <a:schemeClr val="tx1"/>
+                </a:solidFill>
+                <a:latin typeface="Trebuchet MS" charset="0"/>
+                <a:ea typeface="ＭＳ Ｐゴシック" charset="0"/>
+              </a:defRPr>
+            </a:lvl7pPr>
+            <a:lvl8pPr marL="3429000" indent="-228600" eaLnBrk="0" fontAlgn="base" hangingPunct="0">
+              <a:spcBef>
+                <a:spcPct val="0"/>
+              </a:spcBef>
+              <a:spcAft>
+                <a:spcPct val="0"/>
+              </a:spcAft>
+              <a:defRPr sz="2400">
+                <a:solidFill>
+                  <a:schemeClr val="tx1"/>
+                </a:solidFill>
+                <a:latin typeface="Trebuchet MS" charset="0"/>
+                <a:ea typeface="ＭＳ Ｐゴシック" charset="0"/>
+              </a:defRPr>
+            </a:lvl8pPr>
+            <a:lvl9pPr marL="3886200" indent="-228600" eaLnBrk="0" fontAlgn="base" hangingPunct="0">
+              <a:spcBef>
+                <a:spcPct val="0"/>
+              </a:spcBef>
+              <a:spcAft>
+                <a:spcPct val="0"/>
+              </a:spcAft>
+              <a:defRPr sz="2400">
+                <a:solidFill>
+                  <a:schemeClr val="tx1"/>
+                </a:solidFill>
+                <a:latin typeface="Trebuchet MS" charset="0"/>
+                <a:ea typeface="ＭＳ Ｐゴシック" charset="0"/>
+              </a:defRPr>
+            </a:lvl9pPr>
+          </a:lstStyle>
+          <a:p>
+            <a:pPr algn="l" eaLnBrk="1" hangingPunct="1"/>
+            <a:r>
+              <a:rPr lang="en-US" sz="1200" b="1" dirty="0" smtClean="0">
+                <a:solidFill>
+                  <a:srgbClr val="122956"/>
+                </a:solidFill>
+                <a:cs typeface="Trebuchet MS" charset="0"/>
+              </a:rPr>
+              <a:t>11-</a:t>
+            </a:r>
+            <a:fld id="{31B56995-E14C-B64F-86C9-12D6DB74A41E}" type="slidenum">
+              <a:rPr lang="en-US" sz="1200" b="1">
+                <a:solidFill>
+                  <a:srgbClr val="122956"/>
+                </a:solidFill>
+                <a:cs typeface="Trebuchet MS" charset="0"/>
+              </a:rPr>
+              <a:pPr algn="l" eaLnBrk="1" hangingPunct="1"/>
+              <a:t>8</a:t>
+            </a:fld>
+            <a:endParaRPr lang="en-US" sz="1200" b="1" dirty="0">
+              <a:solidFill>
+                <a:srgbClr val="122956"/>
+              </a:solidFill>
+              <a:cs typeface="Trebuchet MS" charset="0"/>
+            </a:endParaRPr>
           </a:p>
         </p:txBody>
       </p:sp>
@@ -17477,6 +22010,186 @@
               <a:ea typeface="ヒラギノ角ゴ ProN W6" charset="0"/>
               <a:cs typeface="ヒラギノ角ゴ ProN W6" charset="0"/>
               <a:sym typeface="Trebuchet MS Bold Italic" charset="0"/>
+            </a:endParaRPr>
+          </a:p>
+        </p:txBody>
+      </p:sp>
+      <p:sp>
+        <p:nvSpPr>
+          <p:cNvPr id="4" name="Slide Number Placeholder 5"/>
+          <p:cNvSpPr>
+            <a:spLocks noGrp="1"/>
+          </p:cNvSpPr>
+          <p:nvPr>
+            <p:ph type="sldNum" sz="quarter" idx="12"/>
+          </p:nvPr>
+        </p:nvSpPr>
+        <p:spPr bwMode="auto">
+          <a:xfrm>
+            <a:off x="203200" y="6400800"/>
+            <a:ext cx="2133600" cy="365125"/>
+          </a:xfrm>
+          <a:noFill/>
+          <a:extLst>
+            <a:ext uri="{909E8E84-426E-40dd-AFC4-6F175D3DCCD1}">
+              <a14:hiddenFill xmlns:a14="http://schemas.microsoft.com/office/drawing/2010/main">
+                <a:solidFill>
+                  <a:srgbClr val="FFFFFF"/>
+                </a:solidFill>
+              </a14:hiddenFill>
+            </a:ext>
+            <a:ext uri="{91240B29-F687-4f45-9708-019B960494DF}">
+              <a14:hiddenLine xmlns:a14="http://schemas.microsoft.com/office/drawing/2010/main" w="9525">
+                <a:solidFill>
+                  <a:srgbClr val="000000"/>
+                </a:solidFill>
+                <a:miter lim="800000"/>
+                <a:headEnd/>
+                <a:tailEnd/>
+              </a14:hiddenLine>
+            </a:ext>
+          </a:extLst>
+        </p:spPr>
+        <p:txBody>
+          <a:bodyPr vert="horz" wrap="square" lIns="91440" tIns="45720" rIns="91440" bIns="45720" numCol="1" anchor="ctr" anchorCtr="0" compatLnSpc="1">
+            <a:prstTxWarp prst="textNoShape">
+              <a:avLst/>
+            </a:prstTxWarp>
+          </a:bodyPr>
+          <a:lstStyle>
+            <a:lvl1pPr eaLnBrk="0" hangingPunct="0">
+              <a:defRPr sz="2400">
+                <a:solidFill>
+                  <a:schemeClr val="tx1"/>
+                </a:solidFill>
+                <a:latin typeface="Trebuchet MS" charset="0"/>
+                <a:ea typeface="ＭＳ Ｐゴシック" charset="0"/>
+                <a:cs typeface="ＭＳ Ｐゴシック" charset="0"/>
+              </a:defRPr>
+            </a:lvl1pPr>
+            <a:lvl2pPr marL="742950" indent="-285750" eaLnBrk="0" hangingPunct="0">
+              <a:defRPr sz="2400">
+                <a:solidFill>
+                  <a:schemeClr val="tx1"/>
+                </a:solidFill>
+                <a:latin typeface="Trebuchet MS" charset="0"/>
+                <a:ea typeface="ＭＳ Ｐゴシック" charset="0"/>
+              </a:defRPr>
+            </a:lvl2pPr>
+            <a:lvl3pPr marL="1143000" indent="-228600" eaLnBrk="0" hangingPunct="0">
+              <a:defRPr sz="2400">
+                <a:solidFill>
+                  <a:schemeClr val="tx1"/>
+                </a:solidFill>
+                <a:latin typeface="Trebuchet MS" charset="0"/>
+                <a:ea typeface="ＭＳ Ｐゴシック" charset="0"/>
+              </a:defRPr>
+            </a:lvl3pPr>
+            <a:lvl4pPr marL="1600200" indent="-228600" eaLnBrk="0" hangingPunct="0">
+              <a:defRPr sz="2400">
+                <a:solidFill>
+                  <a:schemeClr val="tx1"/>
+                </a:solidFill>
+                <a:latin typeface="Trebuchet MS" charset="0"/>
+                <a:ea typeface="ＭＳ Ｐゴシック" charset="0"/>
+              </a:defRPr>
+            </a:lvl4pPr>
+            <a:lvl5pPr marL="2057400" indent="-228600" eaLnBrk="0" hangingPunct="0">
+              <a:defRPr sz="2400">
+                <a:solidFill>
+                  <a:schemeClr val="tx1"/>
+                </a:solidFill>
+                <a:latin typeface="Trebuchet MS" charset="0"/>
+                <a:ea typeface="ＭＳ Ｐゴシック" charset="0"/>
+              </a:defRPr>
+            </a:lvl5pPr>
+            <a:lvl6pPr marL="2514600" indent="-228600" eaLnBrk="0" fontAlgn="base" hangingPunct="0">
+              <a:spcBef>
+                <a:spcPct val="0"/>
+              </a:spcBef>
+              <a:spcAft>
+                <a:spcPct val="0"/>
+              </a:spcAft>
+              <a:defRPr sz="2400">
+                <a:solidFill>
+                  <a:schemeClr val="tx1"/>
+                </a:solidFill>
+                <a:latin typeface="Trebuchet MS" charset="0"/>
+                <a:ea typeface="ＭＳ Ｐゴシック" charset="0"/>
+              </a:defRPr>
+            </a:lvl6pPr>
+            <a:lvl7pPr marL="2971800" indent="-228600" eaLnBrk="0" fontAlgn="base" hangingPunct="0">
+              <a:spcBef>
+                <a:spcPct val="0"/>
+              </a:spcBef>
+              <a:spcAft>
+                <a:spcPct val="0"/>
+              </a:spcAft>
+              <a:defRPr sz="2400">
+                <a:solidFill>
+                  <a:schemeClr val="tx1"/>
+                </a:solidFill>
+                <a:latin typeface="Trebuchet MS" charset="0"/>
+                <a:ea typeface="ＭＳ Ｐゴシック" charset="0"/>
+              </a:defRPr>
+            </a:lvl7pPr>
+            <a:lvl8pPr marL="3429000" indent="-228600" eaLnBrk="0" fontAlgn="base" hangingPunct="0">
+              <a:spcBef>
+                <a:spcPct val="0"/>
+              </a:spcBef>
+              <a:spcAft>
+                <a:spcPct val="0"/>
+              </a:spcAft>
+              <a:defRPr sz="2400">
+                <a:solidFill>
+                  <a:schemeClr val="tx1"/>
+                </a:solidFill>
+                <a:latin typeface="Trebuchet MS" charset="0"/>
+                <a:ea typeface="ＭＳ Ｐゴシック" charset="0"/>
+              </a:defRPr>
+            </a:lvl8pPr>
+            <a:lvl9pPr marL="3886200" indent="-228600" eaLnBrk="0" fontAlgn="base" hangingPunct="0">
+              <a:spcBef>
+                <a:spcPct val="0"/>
+              </a:spcBef>
+              <a:spcAft>
+                <a:spcPct val="0"/>
+              </a:spcAft>
+              <a:defRPr sz="2400">
+                <a:solidFill>
+                  <a:schemeClr val="tx1"/>
+                </a:solidFill>
+                <a:latin typeface="Trebuchet MS" charset="0"/>
+                <a:ea typeface="ＭＳ Ｐゴシック" charset="0"/>
+              </a:defRPr>
+            </a:lvl9pPr>
+          </a:lstStyle>
+          <a:p>
+            <a:pPr algn="l" eaLnBrk="1" hangingPunct="1"/>
+            <a:r>
+              <a:rPr lang="en-US" sz="1200" b="1" dirty="0" smtClean="0">
+                <a:solidFill>
+                  <a:srgbClr val="122956"/>
+                </a:solidFill>
+                <a:cs typeface="Trebuchet MS" charset="0"/>
+              </a:rPr>
+              <a:t>11-</a:t>
+            </a:r>
+            <a:fld id="{31B56995-E14C-B64F-86C9-12D6DB74A41E}" type="slidenum">
+              <a:rPr lang="en-US" sz="1200" b="1">
+                <a:solidFill>
+                  <a:srgbClr val="122956"/>
+                </a:solidFill>
+                <a:cs typeface="Trebuchet MS" charset="0"/>
+              </a:rPr>
+              <a:pPr algn="l" eaLnBrk="1" hangingPunct="1"/>
+              <a:t>9</a:t>
+            </a:fld>
+            <a:endParaRPr lang="en-US" sz="1200" b="1" dirty="0">
+              <a:solidFill>
+                <a:srgbClr val="122956"/>
+              </a:solidFill>
+              <a:cs typeface="Trebuchet MS" charset="0"/>
             </a:endParaRPr>
           </a:p>
         </p:txBody>

--- a/370.pptx
+++ b/370.pptx
@@ -4886,7 +4886,7 @@
               <a:pPr>
                 <a:defRPr/>
               </a:pPr>
-              <a:t>8/19/11</a:t>
+              <a:t>9/27/11</a:t>
             </a:fld>
             <a:endParaRPr lang="en-US"/>
           </a:p>
@@ -5307,7 +5307,7 @@
               <a:pPr>
                 <a:defRPr/>
               </a:pPr>
-              <a:t>8/19/11</a:t>
+              <a:t>9/27/11</a:t>
             </a:fld>
             <a:endParaRPr lang="en-US"/>
           </a:p>
@@ -6032,7 +6032,7 @@
               <a:pPr>
                 <a:defRPr/>
               </a:pPr>
-              <a:t>8/19/11</a:t>
+              <a:t>9/27/11</a:t>
             </a:fld>
             <a:endParaRPr lang="en-US"/>
           </a:p>
@@ -6585,7 +6585,7 @@
               <a:pPr>
                 <a:defRPr/>
               </a:pPr>
-              <a:t>8/19/11</a:t>
+              <a:t>9/27/11</a:t>
             </a:fld>
             <a:endParaRPr lang="en-US"/>
           </a:p>
@@ -6936,7 +6936,7 @@
               <a:pPr>
                 <a:defRPr/>
               </a:pPr>
-              <a:t>8/19/11</a:t>
+              <a:t>9/27/11</a:t>
             </a:fld>
             <a:endParaRPr lang="en-US"/>
           </a:p>
@@ -7294,7 +7294,7 @@
               <a:pPr>
                 <a:defRPr/>
               </a:pPr>
-              <a:t>8/19/11</a:t>
+              <a:t>9/27/11</a:t>
             </a:fld>
             <a:endParaRPr lang="en-US"/>
           </a:p>
@@ -7529,7 +7529,7 @@
               <a:pPr>
                 <a:defRPr/>
               </a:pPr>
-              <a:t>8/19/11</a:t>
+              <a:t>9/27/11</a:t>
             </a:fld>
             <a:endParaRPr lang="en-US"/>
           </a:p>
@@ -7821,7 +7821,7 @@
               <a:pPr>
                 <a:defRPr/>
               </a:pPr>
-              <a:t>8/19/11</a:t>
+              <a:t>9/27/11</a:t>
             </a:fld>
             <a:endParaRPr lang="en-US"/>
           </a:p>
@@ -9007,7 +9007,7 @@
                 </a:solidFill>
                 <a:cs typeface="Trebuchet MS" charset="0"/>
               </a:rPr>
-              <a:t>11-</a:t>
+              <a:t>EXT-</a:t>
             </a:r>
             <a:fld id="{31B56995-E14C-B64F-86C9-12D6DB74A41E}" type="slidenum">
               <a:rPr lang="en-US" sz="1200" b="1">
@@ -9536,15 +9536,15 @@
             </a:lvl9pPr>
           </a:lstStyle>
           <a:p>
-            <a:pPr algn="l" eaLnBrk="1" hangingPunct="1"/>
-            <a:r>
-              <a:rPr lang="en-US" sz="1200" b="1" dirty="0" smtClean="0">
+            <a:pPr eaLnBrk="1" hangingPunct="1"/>
+            <a:r>
+              <a:rPr lang="en-US" sz="1200" b="1" dirty="0">
                 <a:solidFill>
                   <a:srgbClr val="122956"/>
                 </a:solidFill>
                 <a:cs typeface="Trebuchet MS" charset="0"/>
               </a:rPr>
-              <a:t>11-</a:t>
+              <a:t>EXT-</a:t>
             </a:r>
             <a:fld id="{31B56995-E14C-B64F-86C9-12D6DB74A41E}" type="slidenum">
               <a:rPr lang="en-US" sz="1200" b="1">
@@ -9553,7 +9553,7 @@
                 </a:solidFill>
                 <a:cs typeface="Trebuchet MS" charset="0"/>
               </a:rPr>
-              <a:pPr algn="l" eaLnBrk="1" hangingPunct="1"/>
+              <a:pPr eaLnBrk="1" hangingPunct="1"/>
               <a:t>10</a:t>
             </a:fld>
             <a:endParaRPr lang="en-US" sz="1200" b="1" dirty="0">
@@ -10119,15 +10119,15 @@
             </a:lvl9pPr>
           </a:lstStyle>
           <a:p>
-            <a:pPr algn="l" eaLnBrk="1" hangingPunct="1"/>
-            <a:r>
-              <a:rPr lang="en-US" sz="1200" b="1" dirty="0" smtClean="0">
+            <a:pPr eaLnBrk="1" hangingPunct="1"/>
+            <a:r>
+              <a:rPr lang="en-US" sz="1200" b="1" dirty="0">
                 <a:solidFill>
                   <a:srgbClr val="122956"/>
                 </a:solidFill>
                 <a:cs typeface="Trebuchet MS" charset="0"/>
               </a:rPr>
-              <a:t>11-</a:t>
+              <a:t>EXT-</a:t>
             </a:r>
             <a:fld id="{31B56995-E14C-B64F-86C9-12D6DB74A41E}" type="slidenum">
               <a:rPr lang="en-US" sz="1200" b="1">
@@ -10136,7 +10136,7 @@
                 </a:solidFill>
                 <a:cs typeface="Trebuchet MS" charset="0"/>
               </a:rPr>
-              <a:pPr algn="l" eaLnBrk="1" hangingPunct="1"/>
+              <a:pPr eaLnBrk="1" hangingPunct="1"/>
               <a:t>11</a:t>
             </a:fld>
             <a:endParaRPr lang="en-US" sz="1200" b="1" dirty="0">
@@ -10852,15 +10852,15 @@
             </a:lvl9pPr>
           </a:lstStyle>
           <a:p>
-            <a:pPr algn="l" eaLnBrk="1" hangingPunct="1"/>
-            <a:r>
-              <a:rPr lang="en-US" sz="1200" b="1" dirty="0" smtClean="0">
+            <a:pPr eaLnBrk="1" hangingPunct="1"/>
+            <a:r>
+              <a:rPr lang="en-US" sz="1200" b="1" dirty="0">
                 <a:solidFill>
                   <a:srgbClr val="122956"/>
                 </a:solidFill>
                 <a:cs typeface="Trebuchet MS" charset="0"/>
               </a:rPr>
-              <a:t>11-</a:t>
+              <a:t>EXT-</a:t>
             </a:r>
             <a:fld id="{31B56995-E14C-B64F-86C9-12D6DB74A41E}" type="slidenum">
               <a:rPr lang="en-US" sz="1200" b="1">
@@ -10869,7 +10869,7 @@
                 </a:solidFill>
                 <a:cs typeface="Trebuchet MS" charset="0"/>
               </a:rPr>
-              <a:pPr algn="l" eaLnBrk="1" hangingPunct="1"/>
+              <a:pPr eaLnBrk="1" hangingPunct="1"/>
               <a:t>12</a:t>
             </a:fld>
             <a:endParaRPr lang="en-US" sz="1200" b="1" dirty="0">
@@ -11569,15 +11569,15 @@
             </a:lvl9pPr>
           </a:lstStyle>
           <a:p>
-            <a:pPr algn="l" eaLnBrk="1" hangingPunct="1"/>
-            <a:r>
-              <a:rPr lang="en-US" sz="1200" b="1" dirty="0" smtClean="0">
+            <a:pPr eaLnBrk="1" hangingPunct="1"/>
+            <a:r>
+              <a:rPr lang="en-US" sz="1200" b="1" dirty="0">
                 <a:solidFill>
                   <a:srgbClr val="122956"/>
                 </a:solidFill>
                 <a:cs typeface="Trebuchet MS" charset="0"/>
               </a:rPr>
-              <a:t>11-</a:t>
+              <a:t>EXT-</a:t>
             </a:r>
             <a:fld id="{31B56995-E14C-B64F-86C9-12D6DB74A41E}" type="slidenum">
               <a:rPr lang="en-US" sz="1200" b="1">
@@ -11586,7 +11586,7 @@
                 </a:solidFill>
                 <a:cs typeface="Trebuchet MS" charset="0"/>
               </a:rPr>
-              <a:pPr algn="l" eaLnBrk="1" hangingPunct="1"/>
+              <a:pPr eaLnBrk="1" hangingPunct="1"/>
               <a:t>13</a:t>
             </a:fld>
             <a:endParaRPr lang="en-US" sz="1200" b="1" dirty="0">
@@ -12302,15 +12302,15 @@
             </a:lvl9pPr>
           </a:lstStyle>
           <a:p>
-            <a:pPr algn="l" eaLnBrk="1" hangingPunct="1"/>
-            <a:r>
-              <a:rPr lang="en-US" sz="1200" b="1" dirty="0" smtClean="0">
+            <a:pPr eaLnBrk="1" hangingPunct="1"/>
+            <a:r>
+              <a:rPr lang="en-US" sz="1200" b="1" dirty="0">
                 <a:solidFill>
                   <a:srgbClr val="122956"/>
                 </a:solidFill>
                 <a:cs typeface="Trebuchet MS" charset="0"/>
               </a:rPr>
-              <a:t>11-</a:t>
+              <a:t>EXT-</a:t>
             </a:r>
             <a:fld id="{31B56995-E14C-B64F-86C9-12D6DB74A41E}" type="slidenum">
               <a:rPr lang="en-US" sz="1200" b="1">
@@ -12319,7 +12319,7 @@
                 </a:solidFill>
                 <a:cs typeface="Trebuchet MS" charset="0"/>
               </a:rPr>
-              <a:pPr algn="l" eaLnBrk="1" hangingPunct="1"/>
+              <a:pPr eaLnBrk="1" hangingPunct="1"/>
               <a:t>14</a:t>
             </a:fld>
             <a:endParaRPr lang="en-US" sz="1200" b="1" dirty="0">
@@ -13019,15 +13019,15 @@
             </a:lvl9pPr>
           </a:lstStyle>
           <a:p>
-            <a:pPr algn="l" eaLnBrk="1" hangingPunct="1"/>
-            <a:r>
-              <a:rPr lang="en-US" sz="1200" b="1" dirty="0" smtClean="0">
+            <a:pPr eaLnBrk="1" hangingPunct="1"/>
+            <a:r>
+              <a:rPr lang="en-US" sz="1200" b="1" dirty="0">
                 <a:solidFill>
                   <a:srgbClr val="122956"/>
                 </a:solidFill>
                 <a:cs typeface="Trebuchet MS" charset="0"/>
               </a:rPr>
-              <a:t>11-</a:t>
+              <a:t>EXT-</a:t>
             </a:r>
             <a:fld id="{31B56995-E14C-B64F-86C9-12D6DB74A41E}" type="slidenum">
               <a:rPr lang="en-US" sz="1200" b="1">
@@ -13036,7 +13036,7 @@
                 </a:solidFill>
                 <a:cs typeface="Trebuchet MS" charset="0"/>
               </a:rPr>
-              <a:pPr algn="l" eaLnBrk="1" hangingPunct="1"/>
+              <a:pPr eaLnBrk="1" hangingPunct="1"/>
               <a:t>15</a:t>
             </a:fld>
             <a:endParaRPr lang="en-US" sz="1200" b="1" dirty="0">
@@ -13497,15 +13497,15 @@
             </a:lvl9pPr>
           </a:lstStyle>
           <a:p>
-            <a:pPr algn="l" eaLnBrk="1" hangingPunct="1"/>
-            <a:r>
-              <a:rPr lang="en-US" sz="1200" b="1" dirty="0" smtClean="0">
+            <a:pPr eaLnBrk="1" hangingPunct="1"/>
+            <a:r>
+              <a:rPr lang="en-US" sz="1200" b="1" dirty="0">
                 <a:solidFill>
                   <a:srgbClr val="122956"/>
                 </a:solidFill>
                 <a:cs typeface="Trebuchet MS" charset="0"/>
               </a:rPr>
-              <a:t>11-</a:t>
+              <a:t>EXT-</a:t>
             </a:r>
             <a:fld id="{31B56995-E14C-B64F-86C9-12D6DB74A41E}" type="slidenum">
               <a:rPr lang="en-US" sz="1200" b="1">
@@ -13514,7 +13514,7 @@
                 </a:solidFill>
                 <a:cs typeface="Trebuchet MS" charset="0"/>
               </a:rPr>
-              <a:pPr algn="l" eaLnBrk="1" hangingPunct="1"/>
+              <a:pPr eaLnBrk="1" hangingPunct="1"/>
               <a:t>16</a:t>
             </a:fld>
             <a:endParaRPr lang="en-US" sz="1200" b="1" dirty="0">
@@ -13975,15 +13975,15 @@
             </a:lvl9pPr>
           </a:lstStyle>
           <a:p>
-            <a:pPr algn="l" eaLnBrk="1" hangingPunct="1"/>
-            <a:r>
-              <a:rPr lang="en-US" sz="1200" b="1" dirty="0" smtClean="0">
+            <a:pPr eaLnBrk="1" hangingPunct="1"/>
+            <a:r>
+              <a:rPr lang="en-US" sz="1200" b="1" dirty="0">
                 <a:solidFill>
                   <a:srgbClr val="122956"/>
                 </a:solidFill>
                 <a:cs typeface="Trebuchet MS" charset="0"/>
               </a:rPr>
-              <a:t>11-</a:t>
+              <a:t>EXT-</a:t>
             </a:r>
             <a:fld id="{31B56995-E14C-B64F-86C9-12D6DB74A41E}" type="slidenum">
               <a:rPr lang="en-US" sz="1200" b="1">
@@ -13992,7 +13992,7 @@
                 </a:solidFill>
                 <a:cs typeface="Trebuchet MS" charset="0"/>
               </a:rPr>
-              <a:pPr algn="l" eaLnBrk="1" hangingPunct="1"/>
+              <a:pPr eaLnBrk="1" hangingPunct="1"/>
               <a:t>17</a:t>
             </a:fld>
             <a:endParaRPr lang="en-US" sz="1200" b="1" dirty="0">
@@ -14444,15 +14444,15 @@
             </a:lvl9pPr>
           </a:lstStyle>
           <a:p>
-            <a:pPr algn="l" eaLnBrk="1" hangingPunct="1"/>
-            <a:r>
-              <a:rPr lang="en-US" sz="1200" b="1" dirty="0" smtClean="0">
+            <a:pPr eaLnBrk="1" hangingPunct="1"/>
+            <a:r>
+              <a:rPr lang="en-US" sz="1200" b="1" dirty="0">
                 <a:solidFill>
                   <a:srgbClr val="122956"/>
                 </a:solidFill>
                 <a:cs typeface="Trebuchet MS" charset="0"/>
               </a:rPr>
-              <a:t>11-</a:t>
+              <a:t>EXT-</a:t>
             </a:r>
             <a:fld id="{31B56995-E14C-B64F-86C9-12D6DB74A41E}" type="slidenum">
               <a:rPr lang="en-US" sz="1200" b="1">
@@ -14461,7 +14461,7 @@
                 </a:solidFill>
                 <a:cs typeface="Trebuchet MS" charset="0"/>
               </a:rPr>
-              <a:pPr algn="l" eaLnBrk="1" hangingPunct="1"/>
+              <a:pPr eaLnBrk="1" hangingPunct="1"/>
               <a:t>18</a:t>
             </a:fld>
             <a:endParaRPr lang="en-US" sz="1200" b="1" dirty="0">
@@ -14995,15 +14995,15 @@
             </a:lvl9pPr>
           </a:lstStyle>
           <a:p>
-            <a:pPr algn="l" eaLnBrk="1" hangingPunct="1"/>
-            <a:r>
-              <a:rPr lang="en-US" sz="1200" b="1" dirty="0" smtClean="0">
+            <a:pPr eaLnBrk="1" hangingPunct="1"/>
+            <a:r>
+              <a:rPr lang="en-US" sz="1200" b="1" dirty="0">
                 <a:solidFill>
                   <a:srgbClr val="122956"/>
                 </a:solidFill>
                 <a:cs typeface="Trebuchet MS" charset="0"/>
               </a:rPr>
-              <a:t>11-</a:t>
+              <a:t>EXT-</a:t>
             </a:r>
             <a:fld id="{31B56995-E14C-B64F-86C9-12D6DB74A41E}" type="slidenum">
               <a:rPr lang="en-US" sz="1200" b="1">
@@ -15012,7 +15012,7 @@
                 </a:solidFill>
                 <a:cs typeface="Trebuchet MS" charset="0"/>
               </a:rPr>
-              <a:pPr algn="l" eaLnBrk="1" hangingPunct="1"/>
+              <a:pPr eaLnBrk="1" hangingPunct="1"/>
               <a:t>19</a:t>
             </a:fld>
             <a:endParaRPr lang="en-US" sz="1200" b="1" dirty="0">
@@ -15528,7 +15528,7 @@
                 </a:solidFill>
                 <a:cs typeface="Trebuchet MS" charset="0"/>
               </a:rPr>
-              <a:t>11-</a:t>
+              <a:t>EXT-</a:t>
             </a:r>
             <a:fld id="{31B56995-E14C-B64F-86C9-12D6DB74A41E}" type="slidenum">
               <a:rPr lang="en-US" sz="1200" b="1">
@@ -16018,15 +16018,15 @@
             </a:lvl9pPr>
           </a:lstStyle>
           <a:p>
-            <a:pPr algn="l" eaLnBrk="1" hangingPunct="1"/>
-            <a:r>
-              <a:rPr lang="en-US" sz="1200" b="1" dirty="0" smtClean="0">
+            <a:pPr eaLnBrk="1" hangingPunct="1"/>
+            <a:r>
+              <a:rPr lang="en-US" sz="1200" b="1" dirty="0">
                 <a:solidFill>
                   <a:srgbClr val="122956"/>
                 </a:solidFill>
                 <a:cs typeface="Trebuchet MS" charset="0"/>
               </a:rPr>
-              <a:t>11-</a:t>
+              <a:t>EXT-</a:t>
             </a:r>
             <a:fld id="{31B56995-E14C-B64F-86C9-12D6DB74A41E}" type="slidenum">
               <a:rPr lang="en-US" sz="1200" b="1">
@@ -16035,7 +16035,7 @@
                 </a:solidFill>
                 <a:cs typeface="Trebuchet MS" charset="0"/>
               </a:rPr>
-              <a:pPr algn="l" eaLnBrk="1" hangingPunct="1"/>
+              <a:pPr eaLnBrk="1" hangingPunct="1"/>
               <a:t>20</a:t>
             </a:fld>
             <a:endParaRPr lang="en-US" sz="1200" b="1" dirty="0">
@@ -16558,15 +16558,15 @@
             </a:lvl9pPr>
           </a:lstStyle>
           <a:p>
-            <a:pPr algn="l" eaLnBrk="1" hangingPunct="1"/>
-            <a:r>
-              <a:rPr lang="en-US" sz="1200" b="1" dirty="0" smtClean="0">
+            <a:pPr eaLnBrk="1" hangingPunct="1"/>
+            <a:r>
+              <a:rPr lang="en-US" sz="1200" b="1" dirty="0">
                 <a:solidFill>
                   <a:srgbClr val="122956"/>
                 </a:solidFill>
                 <a:cs typeface="Trebuchet MS" charset="0"/>
               </a:rPr>
-              <a:t>11-</a:t>
+              <a:t>EXT-</a:t>
             </a:r>
             <a:fld id="{31B56995-E14C-B64F-86C9-12D6DB74A41E}" type="slidenum">
               <a:rPr lang="en-US" sz="1200" b="1">
@@ -16575,7 +16575,7 @@
                 </a:solidFill>
                 <a:cs typeface="Trebuchet MS" charset="0"/>
               </a:rPr>
-              <a:pPr algn="l" eaLnBrk="1" hangingPunct="1"/>
+              <a:pPr eaLnBrk="1" hangingPunct="1"/>
               <a:t>21</a:t>
             </a:fld>
             <a:endParaRPr lang="en-US" sz="1200" b="1" dirty="0">
@@ -17101,15 +17101,15 @@
             </a:lvl9pPr>
           </a:lstStyle>
           <a:p>
-            <a:pPr algn="l" eaLnBrk="1" hangingPunct="1"/>
-            <a:r>
-              <a:rPr lang="en-US" sz="1200" b="1" dirty="0" smtClean="0">
+            <a:pPr eaLnBrk="1" hangingPunct="1"/>
+            <a:r>
+              <a:rPr lang="en-US" sz="1200" b="1" dirty="0">
                 <a:solidFill>
                   <a:srgbClr val="122956"/>
                 </a:solidFill>
                 <a:cs typeface="Trebuchet MS" charset="0"/>
               </a:rPr>
-              <a:t>11-</a:t>
+              <a:t>EXT-</a:t>
             </a:r>
             <a:fld id="{31B56995-E14C-B64F-86C9-12D6DB74A41E}" type="slidenum">
               <a:rPr lang="en-US" sz="1200" b="1">
@@ -17118,7 +17118,7 @@
                 </a:solidFill>
                 <a:cs typeface="Trebuchet MS" charset="0"/>
               </a:rPr>
-              <a:pPr algn="l" eaLnBrk="1" hangingPunct="1"/>
+              <a:pPr eaLnBrk="1" hangingPunct="1"/>
               <a:t>22</a:t>
             </a:fld>
             <a:endParaRPr lang="en-US" sz="1200" b="1" dirty="0">
@@ -17641,15 +17641,15 @@
             </a:lvl9pPr>
           </a:lstStyle>
           <a:p>
-            <a:pPr algn="l" eaLnBrk="1" hangingPunct="1"/>
-            <a:r>
-              <a:rPr lang="en-US" sz="1200" b="1" dirty="0" smtClean="0">
+            <a:pPr eaLnBrk="1" hangingPunct="1"/>
+            <a:r>
+              <a:rPr lang="en-US" sz="1200" b="1" dirty="0">
                 <a:solidFill>
                   <a:srgbClr val="122956"/>
                 </a:solidFill>
                 <a:cs typeface="Trebuchet MS" charset="0"/>
               </a:rPr>
-              <a:t>11-</a:t>
+              <a:t>EXT-</a:t>
             </a:r>
             <a:fld id="{31B56995-E14C-B64F-86C9-12D6DB74A41E}" type="slidenum">
               <a:rPr lang="en-US" sz="1200" b="1">
@@ -17658,7 +17658,7 @@
                 </a:solidFill>
                 <a:cs typeface="Trebuchet MS" charset="0"/>
               </a:rPr>
-              <a:pPr algn="l" eaLnBrk="1" hangingPunct="1"/>
+              <a:pPr eaLnBrk="1" hangingPunct="1"/>
               <a:t>23</a:t>
             </a:fld>
             <a:endParaRPr lang="en-US" sz="1200" b="1" dirty="0">
@@ -17958,15 +17958,15 @@
             </a:lvl9pPr>
           </a:lstStyle>
           <a:p>
-            <a:pPr algn="l" eaLnBrk="1" hangingPunct="1"/>
-            <a:r>
-              <a:rPr lang="en-US" sz="1200" b="1" dirty="0" smtClean="0">
+            <a:pPr eaLnBrk="1" hangingPunct="1"/>
+            <a:r>
+              <a:rPr lang="en-US" sz="1200" b="1" dirty="0">
                 <a:solidFill>
                   <a:srgbClr val="122956"/>
                 </a:solidFill>
                 <a:cs typeface="Trebuchet MS" charset="0"/>
               </a:rPr>
-              <a:t>11-</a:t>
+              <a:t>EXT-</a:t>
             </a:r>
             <a:fld id="{31B56995-E14C-B64F-86C9-12D6DB74A41E}" type="slidenum">
               <a:rPr lang="en-US" sz="1200" b="1">
@@ -17975,7 +17975,7 @@
                 </a:solidFill>
                 <a:cs typeface="Trebuchet MS" charset="0"/>
               </a:rPr>
-              <a:pPr algn="l" eaLnBrk="1" hangingPunct="1"/>
+              <a:pPr eaLnBrk="1" hangingPunct="1"/>
               <a:t>24</a:t>
             </a:fld>
             <a:endParaRPr lang="en-US" sz="1200" b="1" dirty="0">
@@ -18466,15 +18466,15 @@
             </a:lvl9pPr>
           </a:lstStyle>
           <a:p>
-            <a:pPr algn="l" eaLnBrk="1" hangingPunct="1"/>
-            <a:r>
-              <a:rPr lang="en-US" sz="1200" b="1" dirty="0" smtClean="0">
+            <a:pPr eaLnBrk="1" hangingPunct="1"/>
+            <a:r>
+              <a:rPr lang="en-US" sz="1200" b="1" dirty="0">
                 <a:solidFill>
                   <a:srgbClr val="122956"/>
                 </a:solidFill>
                 <a:cs typeface="Trebuchet MS" charset="0"/>
               </a:rPr>
-              <a:t>11-</a:t>
+              <a:t>EXT-</a:t>
             </a:r>
             <a:fld id="{31B56995-E14C-B64F-86C9-12D6DB74A41E}" type="slidenum">
               <a:rPr lang="en-US" sz="1200" b="1">
@@ -18483,7 +18483,7 @@
                 </a:solidFill>
                 <a:cs typeface="Trebuchet MS" charset="0"/>
               </a:rPr>
-              <a:pPr algn="l" eaLnBrk="1" hangingPunct="1"/>
+              <a:pPr eaLnBrk="1" hangingPunct="1"/>
               <a:t>25</a:t>
             </a:fld>
             <a:endParaRPr lang="en-US" sz="1200" b="1" dirty="0">
@@ -18783,15 +18783,15 @@
             </a:lvl9pPr>
           </a:lstStyle>
           <a:p>
-            <a:pPr algn="l" eaLnBrk="1" hangingPunct="1"/>
-            <a:r>
-              <a:rPr lang="en-US" sz="1200" b="1" dirty="0" smtClean="0">
+            <a:pPr eaLnBrk="1" hangingPunct="1"/>
+            <a:r>
+              <a:rPr lang="en-US" sz="1200" b="1">
                 <a:solidFill>
                   <a:srgbClr val="122956"/>
                 </a:solidFill>
                 <a:cs typeface="Trebuchet MS" charset="0"/>
               </a:rPr>
-              <a:t>11-</a:t>
+              <a:t>EXT-</a:t>
             </a:r>
             <a:fld id="{31B56995-E14C-B64F-86C9-12D6DB74A41E}" type="slidenum">
               <a:rPr lang="en-US" sz="1200" b="1">
@@ -18800,7 +18800,7 @@
                 </a:solidFill>
                 <a:cs typeface="Trebuchet MS" charset="0"/>
               </a:rPr>
-              <a:pPr algn="l" eaLnBrk="1" hangingPunct="1"/>
+              <a:pPr eaLnBrk="1" hangingPunct="1"/>
               <a:t>26</a:t>
             </a:fld>
             <a:endParaRPr lang="en-US" sz="1200" b="1" dirty="0">
@@ -19100,15 +19100,15 @@
             </a:lvl9pPr>
           </a:lstStyle>
           <a:p>
-            <a:pPr algn="l" eaLnBrk="1" hangingPunct="1"/>
-            <a:r>
-              <a:rPr lang="en-US" sz="1200" b="1" dirty="0" smtClean="0">
+            <a:pPr eaLnBrk="1" hangingPunct="1"/>
+            <a:r>
+              <a:rPr lang="en-US" sz="1200" b="1" dirty="0">
                 <a:solidFill>
                   <a:srgbClr val="122956"/>
                 </a:solidFill>
                 <a:cs typeface="Trebuchet MS" charset="0"/>
               </a:rPr>
-              <a:t>11-</a:t>
+              <a:t>EXT-</a:t>
             </a:r>
             <a:fld id="{31B56995-E14C-B64F-86C9-12D6DB74A41E}" type="slidenum">
               <a:rPr lang="en-US" sz="1200" b="1">
@@ -19117,7 +19117,7 @@
                 </a:solidFill>
                 <a:cs typeface="Trebuchet MS" charset="0"/>
               </a:rPr>
-              <a:pPr algn="l" eaLnBrk="1" hangingPunct="1"/>
+              <a:pPr eaLnBrk="1" hangingPunct="1"/>
               <a:t>3</a:t>
             </a:fld>
             <a:endParaRPr lang="en-US" sz="1200" b="1" dirty="0">
@@ -19578,15 +19578,15 @@
             </a:lvl9pPr>
           </a:lstStyle>
           <a:p>
-            <a:pPr algn="l" eaLnBrk="1" hangingPunct="1"/>
-            <a:r>
-              <a:rPr lang="en-US" sz="1200" b="1" dirty="0" smtClean="0">
+            <a:pPr eaLnBrk="1" hangingPunct="1"/>
+            <a:r>
+              <a:rPr lang="en-US" sz="1200" b="1" dirty="0">
                 <a:solidFill>
                   <a:srgbClr val="122956"/>
                 </a:solidFill>
                 <a:cs typeface="Trebuchet MS" charset="0"/>
               </a:rPr>
-              <a:t>11-</a:t>
+              <a:t>EXT-</a:t>
             </a:r>
             <a:fld id="{31B56995-E14C-B64F-86C9-12D6DB74A41E}" type="slidenum">
               <a:rPr lang="en-US" sz="1200" b="1">
@@ -19595,7 +19595,7 @@
                 </a:solidFill>
                 <a:cs typeface="Trebuchet MS" charset="0"/>
               </a:rPr>
-              <a:pPr algn="l" eaLnBrk="1" hangingPunct="1"/>
+              <a:pPr eaLnBrk="1" hangingPunct="1"/>
               <a:t>4</a:t>
             </a:fld>
             <a:endParaRPr lang="en-US" sz="1200" b="1" dirty="0">
@@ -20124,15 +20124,15 @@
             </a:lvl9pPr>
           </a:lstStyle>
           <a:p>
-            <a:pPr algn="l" eaLnBrk="1" hangingPunct="1"/>
-            <a:r>
-              <a:rPr lang="en-US" sz="1200" b="1" dirty="0" smtClean="0">
+            <a:pPr eaLnBrk="1" hangingPunct="1"/>
+            <a:r>
+              <a:rPr lang="en-US" sz="1200" b="1" dirty="0">
                 <a:solidFill>
                   <a:srgbClr val="122956"/>
                 </a:solidFill>
                 <a:cs typeface="Trebuchet MS" charset="0"/>
               </a:rPr>
-              <a:t>11-</a:t>
+              <a:t>EXT-</a:t>
             </a:r>
             <a:fld id="{31B56995-E14C-B64F-86C9-12D6DB74A41E}" type="slidenum">
               <a:rPr lang="en-US" sz="1200" b="1">
@@ -20141,7 +20141,7 @@
                 </a:solidFill>
                 <a:cs typeface="Trebuchet MS" charset="0"/>
               </a:rPr>
-              <a:pPr algn="l" eaLnBrk="1" hangingPunct="1"/>
+              <a:pPr eaLnBrk="1" hangingPunct="1"/>
               <a:t>5</a:t>
             </a:fld>
             <a:endParaRPr lang="en-US" sz="1200" b="1" dirty="0">
@@ -20662,15 +20662,15 @@
             </a:lvl9pPr>
           </a:lstStyle>
           <a:p>
-            <a:pPr algn="l" eaLnBrk="1" hangingPunct="1"/>
-            <a:r>
-              <a:rPr lang="en-US" sz="1200" b="1" dirty="0" smtClean="0">
+            <a:pPr eaLnBrk="1" hangingPunct="1"/>
+            <a:r>
+              <a:rPr lang="en-US" sz="1200" b="1" dirty="0">
                 <a:solidFill>
                   <a:srgbClr val="122956"/>
                 </a:solidFill>
                 <a:cs typeface="Trebuchet MS" charset="0"/>
               </a:rPr>
-              <a:t>11-</a:t>
+              <a:t>EXT-</a:t>
             </a:r>
             <a:fld id="{31B56995-E14C-B64F-86C9-12D6DB74A41E}" type="slidenum">
               <a:rPr lang="en-US" sz="1200" b="1">
@@ -20679,7 +20679,7 @@
                 </a:solidFill>
                 <a:cs typeface="Trebuchet MS" charset="0"/>
               </a:rPr>
-              <a:pPr algn="l" eaLnBrk="1" hangingPunct="1"/>
+              <a:pPr eaLnBrk="1" hangingPunct="1"/>
               <a:t>6</a:t>
             </a:fld>
             <a:endParaRPr lang="en-US" sz="1200" b="1" dirty="0">
@@ -21217,15 +21217,15 @@
             </a:lvl9pPr>
           </a:lstStyle>
           <a:p>
-            <a:pPr algn="l" eaLnBrk="1" hangingPunct="1"/>
-            <a:r>
-              <a:rPr lang="en-US" sz="1200" b="1" dirty="0" smtClean="0">
+            <a:pPr eaLnBrk="1" hangingPunct="1"/>
+            <a:r>
+              <a:rPr lang="en-US" sz="1200" b="1" dirty="0">
                 <a:solidFill>
                   <a:srgbClr val="122956"/>
                 </a:solidFill>
                 <a:cs typeface="Trebuchet MS" charset="0"/>
               </a:rPr>
-              <a:t>11-</a:t>
+              <a:t>EXT-</a:t>
             </a:r>
             <a:fld id="{31B56995-E14C-B64F-86C9-12D6DB74A41E}" type="slidenum">
               <a:rPr lang="en-US" sz="1200" b="1">
@@ -21234,7 +21234,7 @@
                 </a:solidFill>
                 <a:cs typeface="Trebuchet MS" charset="0"/>
               </a:rPr>
-              <a:pPr algn="l" eaLnBrk="1" hangingPunct="1"/>
+              <a:pPr eaLnBrk="1" hangingPunct="1"/>
               <a:t>7</a:t>
             </a:fld>
             <a:endParaRPr lang="en-US" sz="1200" b="1" dirty="0">
@@ -21802,15 +21802,15 @@
             </a:lvl9pPr>
           </a:lstStyle>
           <a:p>
-            <a:pPr algn="l" eaLnBrk="1" hangingPunct="1"/>
-            <a:r>
-              <a:rPr lang="en-US" sz="1200" b="1" dirty="0" smtClean="0">
+            <a:pPr eaLnBrk="1" hangingPunct="1"/>
+            <a:r>
+              <a:rPr lang="en-US" sz="1200" b="1" dirty="0">
                 <a:solidFill>
                   <a:srgbClr val="122956"/>
                 </a:solidFill>
                 <a:cs typeface="Trebuchet MS" charset="0"/>
               </a:rPr>
-              <a:t>11-</a:t>
+              <a:t>EXT-</a:t>
             </a:r>
             <a:fld id="{31B56995-E14C-B64F-86C9-12D6DB74A41E}" type="slidenum">
               <a:rPr lang="en-US" sz="1200" b="1">
@@ -21819,7 +21819,7 @@
                 </a:solidFill>
                 <a:cs typeface="Trebuchet MS" charset="0"/>
               </a:rPr>
-              <a:pPr algn="l" eaLnBrk="1" hangingPunct="1"/>
+              <a:pPr eaLnBrk="1" hangingPunct="1"/>
               <a:t>8</a:t>
             </a:fld>
             <a:endParaRPr lang="en-US" sz="1200" b="1" dirty="0">
@@ -22165,15 +22165,15 @@
             </a:lvl9pPr>
           </a:lstStyle>
           <a:p>
-            <a:pPr algn="l" eaLnBrk="1" hangingPunct="1"/>
-            <a:r>
-              <a:rPr lang="en-US" sz="1200" b="1" dirty="0" smtClean="0">
+            <a:pPr eaLnBrk="1" hangingPunct="1"/>
+            <a:r>
+              <a:rPr lang="en-US" sz="1200" b="1" dirty="0">
                 <a:solidFill>
                   <a:srgbClr val="122956"/>
                 </a:solidFill>
                 <a:cs typeface="Trebuchet MS" charset="0"/>
               </a:rPr>
-              <a:t>11-</a:t>
+              <a:t>EXT-</a:t>
             </a:r>
             <a:fld id="{31B56995-E14C-B64F-86C9-12D6DB74A41E}" type="slidenum">
               <a:rPr lang="en-US" sz="1200" b="1">
@@ -22182,7 +22182,7 @@
                 </a:solidFill>
                 <a:cs typeface="Trebuchet MS" charset="0"/>
               </a:rPr>
-              <a:pPr algn="l" eaLnBrk="1" hangingPunct="1"/>
+              <a:pPr eaLnBrk="1" hangingPunct="1"/>
               <a:t>9</a:t>
             </a:fld>
             <a:endParaRPr lang="en-US" sz="1200" b="1" dirty="0">

--- a/370.pptx
+++ b/370.pptx
@@ -4886,7 +4886,7 @@
               <a:pPr>
                 <a:defRPr/>
               </a:pPr>
-              <a:t>9/27/11</a:t>
+              <a:t>12/7/11</a:t>
             </a:fld>
             <a:endParaRPr lang="en-US"/>
           </a:p>
@@ -5307,7 +5307,7 @@
               <a:pPr>
                 <a:defRPr/>
               </a:pPr>
-              <a:t>9/27/11</a:t>
+              <a:t>12/7/11</a:t>
             </a:fld>
             <a:endParaRPr lang="en-US"/>
           </a:p>
@@ -6032,7 +6032,7 @@
               <a:pPr>
                 <a:defRPr/>
               </a:pPr>
-              <a:t>9/27/11</a:t>
+              <a:t>12/7/11</a:t>
             </a:fld>
             <a:endParaRPr lang="en-US"/>
           </a:p>
@@ -6585,7 +6585,7 @@
               <a:pPr>
                 <a:defRPr/>
               </a:pPr>
-              <a:t>9/27/11</a:t>
+              <a:t>12/7/11</a:t>
             </a:fld>
             <a:endParaRPr lang="en-US"/>
           </a:p>
@@ -6936,7 +6936,7 @@
               <a:pPr>
                 <a:defRPr/>
               </a:pPr>
-              <a:t>9/27/11</a:t>
+              <a:t>12/7/11</a:t>
             </a:fld>
             <a:endParaRPr lang="en-US"/>
           </a:p>
@@ -7294,7 +7294,7 @@
               <a:pPr>
                 <a:defRPr/>
               </a:pPr>
-              <a:t>9/27/11</a:t>
+              <a:t>12/7/11</a:t>
             </a:fld>
             <a:endParaRPr lang="en-US"/>
           </a:p>
@@ -7529,7 +7529,7 @@
               <a:pPr>
                 <a:defRPr/>
               </a:pPr>
-              <a:t>9/27/11</a:t>
+              <a:t>12/7/11</a:t>
             </a:fld>
             <a:endParaRPr lang="en-US"/>
           </a:p>
@@ -7821,7 +7821,7 @@
               <a:pPr>
                 <a:defRPr/>
               </a:pPr>
-              <a:t>9/27/11</a:t>
+              <a:t>12/7/11</a:t>
             </a:fld>
             <a:endParaRPr lang="en-US"/>
           </a:p>
@@ -20444,7 +20444,23 @@
                 <a:ea typeface="ヒラギノ角ゴ ProN W3" charset="0"/>
                 <a:cs typeface="ヒラギノ角ゴ ProN W3" charset="0"/>
               </a:rPr>
-              <a:t>A JavaScript context is created (Rhino or JSCore)</a:t>
+              <a:t>A JavaScript context is created (</a:t>
+            </a:r>
+            <a:r>
+              <a:rPr lang="en-US" dirty="0" smtClean="0">
+                <a:latin typeface="Trebuchet MS" charset="0"/>
+                <a:ea typeface="ヒラギノ角ゴ ProN W3" charset="0"/>
+                <a:cs typeface="ヒラギノ角ゴ ProN W3" charset="0"/>
+              </a:rPr>
+              <a:t>Rhino/V8 </a:t>
+            </a:r>
+            <a:r>
+              <a:rPr lang="en-US" dirty="0" smtClean="0">
+                <a:latin typeface="Trebuchet MS" charset="0"/>
+                <a:ea typeface="ヒラギノ角ゴ ProN W3" charset="0"/>
+                <a:cs typeface="ヒラギノ角ゴ ProN W3" charset="0"/>
+              </a:rPr>
+              <a:t>or JSCore)</a:t>
             </a:r>
           </a:p>
           <a:p>

--- a/370.pptx
+++ b/370.pptx
@@ -4886,7 +4886,7 @@
               <a:pPr>
                 <a:defRPr/>
               </a:pPr>
-              <a:t>12/7/11</a:t>
+              <a:t>12/15/11</a:t>
             </a:fld>
             <a:endParaRPr lang="en-US"/>
           </a:p>
@@ -5307,7 +5307,7 @@
               <a:pPr>
                 <a:defRPr/>
               </a:pPr>
-              <a:t>12/7/11</a:t>
+              <a:t>12/15/11</a:t>
             </a:fld>
             <a:endParaRPr lang="en-US"/>
           </a:p>
@@ -6032,7 +6032,7 @@
               <a:pPr>
                 <a:defRPr/>
               </a:pPr>
-              <a:t>12/7/11</a:t>
+              <a:t>12/15/11</a:t>
             </a:fld>
             <a:endParaRPr lang="en-US"/>
           </a:p>
@@ -6585,7 +6585,7 @@
               <a:pPr>
                 <a:defRPr/>
               </a:pPr>
-              <a:t>12/7/11</a:t>
+              <a:t>12/15/11</a:t>
             </a:fld>
             <a:endParaRPr lang="en-US"/>
           </a:p>
@@ -6936,7 +6936,7 @@
               <a:pPr>
                 <a:defRPr/>
               </a:pPr>
-              <a:t>12/7/11</a:t>
+              <a:t>12/15/11</a:t>
             </a:fld>
             <a:endParaRPr lang="en-US"/>
           </a:p>
@@ -7294,7 +7294,7 @@
               <a:pPr>
                 <a:defRPr/>
               </a:pPr>
-              <a:t>12/7/11</a:t>
+              <a:t>12/15/11</a:t>
             </a:fld>
             <a:endParaRPr lang="en-US"/>
           </a:p>
@@ -7529,7 +7529,7 @@
               <a:pPr>
                 <a:defRPr/>
               </a:pPr>
-              <a:t>12/7/11</a:t>
+              <a:t>12/15/11</a:t>
             </a:fld>
             <a:endParaRPr lang="en-US"/>
           </a:p>
@@ -7821,7 +7821,7 @@
               <a:pPr>
                 <a:defRPr/>
               </a:pPr>
-              <a:t>12/7/11</a:t>
+              <a:t>12/15/11</a:t>
             </a:fld>
             <a:endParaRPr lang="en-US"/>
           </a:p>
@@ -16306,21 +16306,86 @@
           <a:p>
             <a:pPr eaLnBrk="1" hangingPunct="1"/>
             <a:r>
-              <a:rPr lang="en-US" dirty="0" err="1" smtClean="0">
+              <a:rPr lang="en-US" dirty="0" smtClean="0">
                 <a:latin typeface="Trebuchet MS" charset="0"/>
                 <a:ea typeface="ヒラギノ角ゴ ProN W3" charset="0"/>
                 <a:cs typeface="ヒラギノ角ゴ ProN W3" charset="0"/>
               </a:rPr>
-              <a:t>titanium.py</a:t>
-            </a:r>
+              <a:t>Creating a module:</a:t>
+            </a:r>
+          </a:p>
+          <a:p>
+            <a:pPr lvl="1" eaLnBrk="1" hangingPunct="1">
+              <a:buFont typeface="Arial"/>
+              <a:buChar char="•"/>
+            </a:pPr>
             <a:r>
               <a:rPr lang="en-US" dirty="0" smtClean="0">
                 <a:latin typeface="Trebuchet MS" charset="0"/>
                 <a:ea typeface="ヒラギノ角ゴ ProN W3" charset="0"/>
                 <a:cs typeface="ヒラギノ角ゴ ProN W3" charset="0"/>
               </a:rPr>
-              <a:t> in the Mobile SDK download will generate a mobile module project</a:t>
-            </a:r>
+              <a:t> </a:t>
+            </a:r>
+            <a:r>
+              <a:rPr lang="en-US" dirty="0" err="1" smtClean="0">
+                <a:latin typeface="Trebuchet MS" charset="0"/>
+                <a:ea typeface="ヒラギノ角ゴ ProN W3" charset="0"/>
+                <a:cs typeface="ヒラギノ角ゴ ProN W3" charset="0"/>
+              </a:rPr>
+              <a:t>TiStudio</a:t>
+            </a:r>
+            <a:r>
+              <a:rPr lang="en-US" dirty="0" smtClean="0">
+                <a:latin typeface="Trebuchet MS" charset="0"/>
+                <a:ea typeface="ヒラギノ角ゴ ProN W3" charset="0"/>
+                <a:cs typeface="ヒラギノ角ゴ ProN W3" charset="0"/>
+              </a:rPr>
+              <a:t> 1.0.7 – Choose File, New, Ti Mobile Module Project</a:t>
+            </a:r>
+          </a:p>
+          <a:p>
+            <a:pPr lvl="1" eaLnBrk="1" hangingPunct="1">
+              <a:buFont typeface="Arial"/>
+              <a:buChar char="•"/>
+            </a:pPr>
+            <a:r>
+              <a:rPr lang="en-US" dirty="0">
+                <a:latin typeface="Trebuchet MS" charset="0"/>
+                <a:ea typeface="ヒラギノ角ゴ ProN W3" charset="0"/>
+                <a:cs typeface="ヒラギノ角ゴ ProN W3" charset="0"/>
+              </a:rPr>
+              <a:t> </a:t>
+            </a:r>
+            <a:r>
+              <a:rPr lang="en-US" dirty="0" smtClean="0">
+                <a:latin typeface="Trebuchet MS" charset="0"/>
+                <a:ea typeface="ヒラギノ角ゴ ProN W3" charset="0"/>
+                <a:cs typeface="ヒラギノ角ゴ ProN W3" charset="0"/>
+              </a:rPr>
+              <a:t>Command line – use </a:t>
+            </a:r>
+            <a:r>
+              <a:rPr lang="en-US" dirty="0" err="1" smtClean="0">
+                <a:latin typeface="Trebuchet MS" charset="0"/>
+                <a:ea typeface="ヒラギノ角ゴ ProN W3" charset="0"/>
+                <a:cs typeface="ヒラギノ角ゴ ProN W3" charset="0"/>
+              </a:rPr>
+              <a:t>titanium.py</a:t>
+            </a:r>
+            <a:r>
+              <a:rPr lang="en-US" dirty="0" smtClean="0">
+                <a:latin typeface="Trebuchet MS" charset="0"/>
+                <a:ea typeface="ヒラギノ角ゴ ProN W3" charset="0"/>
+                <a:cs typeface="ヒラギノ角ゴ ProN W3" charset="0"/>
+              </a:rPr>
+              <a:t> in SDK download folder)</a:t>
+            </a:r>
+            <a:endParaRPr lang="en-US" dirty="0" smtClean="0">
+              <a:latin typeface="Trebuchet MS" charset="0"/>
+              <a:ea typeface="ヒラギノ角ゴ ProN W3" charset="0"/>
+              <a:cs typeface="ヒラギノ角ゴ ProN W3" charset="0"/>
+            </a:endParaRPr>
           </a:p>
           <a:p>
             <a:pPr eaLnBrk="1" hangingPunct="1"/>
@@ -16375,6 +16440,68 @@
           </a:p>
           <a:p>
             <a:pPr eaLnBrk="1" hangingPunct="1"/>
+            <a:endParaRPr lang="en-US" dirty="0" smtClean="0">
+              <a:latin typeface="Trebuchet MS" charset="0"/>
+              <a:ea typeface="ヒラギノ角ゴ ProN W3" charset="0"/>
+              <a:cs typeface="ヒラギノ角ゴ ProN W3" charset="0"/>
+            </a:endParaRPr>
+          </a:p>
+          <a:p>
+            <a:pPr eaLnBrk="1" hangingPunct="1"/>
+            <a:r>
+              <a:rPr lang="en-US" dirty="0" smtClean="0">
+                <a:latin typeface="Trebuchet MS" charset="0"/>
+                <a:ea typeface="ヒラギノ角ゴ ProN W3" charset="0"/>
+                <a:cs typeface="ヒラギノ角ゴ ProN W3" charset="0"/>
+              </a:rPr>
+              <a:t>Packaging a </a:t>
+            </a:r>
+            <a:r>
+              <a:rPr lang="en-US" dirty="0">
+                <a:latin typeface="Trebuchet MS" charset="0"/>
+                <a:ea typeface="ヒラギノ角ゴ ProN W3" charset="0"/>
+                <a:cs typeface="ヒラギノ角ゴ ProN W3" charset="0"/>
+              </a:rPr>
+              <a:t>module:</a:t>
+            </a:r>
+          </a:p>
+          <a:p>
+            <a:pPr lvl="1" eaLnBrk="1" hangingPunct="1">
+              <a:buFont typeface="Arial"/>
+              <a:buChar char="•"/>
+            </a:pPr>
+            <a:r>
+              <a:rPr lang="en-US" dirty="0">
+                <a:latin typeface="Trebuchet MS" charset="0"/>
+                <a:ea typeface="ヒラギノ角ゴ ProN W3" charset="0"/>
+                <a:cs typeface="ヒラギノ角ゴ ProN W3" charset="0"/>
+              </a:rPr>
+              <a:t> </a:t>
+            </a:r>
+            <a:r>
+              <a:rPr lang="en-US" dirty="0" err="1">
+                <a:latin typeface="Trebuchet MS" charset="0"/>
+                <a:ea typeface="ヒラギノ角ゴ ProN W3" charset="0"/>
+                <a:cs typeface="ヒラギノ角ゴ ProN W3" charset="0"/>
+              </a:rPr>
+              <a:t>TiStudio</a:t>
+            </a:r>
+            <a:r>
+              <a:rPr lang="en-US" dirty="0">
+                <a:latin typeface="Trebuchet MS" charset="0"/>
+                <a:ea typeface="ヒラギノ角ゴ ProN W3" charset="0"/>
+                <a:cs typeface="ヒラギノ角ゴ ProN W3" charset="0"/>
+              </a:rPr>
+              <a:t> 1.0.7 – </a:t>
+            </a:r>
+            <a:r>
+              <a:rPr lang="en-US" dirty="0" smtClean="0">
+                <a:latin typeface="Trebuchet MS" charset="0"/>
+                <a:ea typeface="ヒラギノ角ゴ ProN W3" charset="0"/>
+                <a:cs typeface="ヒラギノ角ゴ ProN W3" charset="0"/>
+              </a:rPr>
+              <a:t>Click Packaging icon, choose Package</a:t>
+            </a:r>
             <a:endParaRPr lang="en-US" dirty="0">
               <a:latin typeface="Trebuchet MS" charset="0"/>
               <a:ea typeface="ヒラギノ角ゴ ProN W3" charset="0"/>
@@ -16382,22 +16509,55 @@
             </a:endParaRPr>
           </a:p>
           <a:p>
-            <a:pPr eaLnBrk="1" hangingPunct="1"/>
-            <a:r>
-              <a:rPr lang="en-US" dirty="0" err="1" smtClean="0">
+            <a:pPr lvl="1" eaLnBrk="1" hangingPunct="1">
+              <a:buFont typeface="Arial"/>
+              <a:buChar char="•"/>
+            </a:pPr>
+            <a:r>
+              <a:rPr lang="en-US" dirty="0">
                 <a:latin typeface="Trebuchet MS" charset="0"/>
                 <a:ea typeface="ヒラギノ角ゴ ProN W3" charset="0"/>
                 <a:cs typeface="ヒラギノ角ゴ ProN W3" charset="0"/>
               </a:rPr>
-              <a:t>titanium.py</a:t>
-            </a:r>
-            <a:r>
-              <a:rPr lang="en-US" dirty="0" smtClean="0">
+              <a:t> Command line – use </a:t>
+            </a:r>
+            <a:r>
+              <a:rPr lang="en-US" dirty="0" err="1" smtClean="0">
                 <a:latin typeface="Trebuchet MS" charset="0"/>
                 <a:ea typeface="ヒラギノ角ゴ ProN W3" charset="0"/>
                 <a:cs typeface="ヒラギノ角ゴ ProN W3" charset="0"/>
               </a:rPr>
-              <a:t> will also build and package a .zip for your module</a:t>
+              <a:t>titanium.py</a:t>
+            </a:r>
+            <a:r>
+              <a:rPr lang="en-US" dirty="0" smtClean="0">
+                <a:latin typeface="Trebuchet MS" charset="0"/>
+                <a:ea typeface="ヒラギノ角ゴ ProN W3" charset="0"/>
+                <a:cs typeface="ヒラギノ角ゴ ProN W3" charset="0"/>
+              </a:rPr>
+              <a:t>)</a:t>
+            </a:r>
+          </a:p>
+          <a:p>
+            <a:pPr lvl="1" eaLnBrk="1" hangingPunct="1">
+              <a:buFont typeface="Arial"/>
+              <a:buChar char="•"/>
+            </a:pPr>
+            <a:r>
+              <a:rPr lang="en-US" dirty="0">
+                <a:latin typeface="Trebuchet MS" charset="0"/>
+                <a:ea typeface="ヒラギノ角ゴ ProN W3" charset="0"/>
+                <a:cs typeface="ヒラギノ角ゴ ProN W3" charset="0"/>
+              </a:rPr>
+              <a:t> </a:t>
+            </a:r>
+            <a:r>
+              <a:rPr lang="en-US" dirty="0" smtClean="0">
+                <a:latin typeface="Trebuchet MS" charset="0"/>
+                <a:ea typeface="ヒラギノ角ゴ ProN W3" charset="0"/>
+                <a:cs typeface="ヒラギノ角ゴ ProN W3" charset="0"/>
+              </a:rPr>
+              <a:t>Either builds a package .zip</a:t>
             </a:r>
             <a:endParaRPr lang="en-US" dirty="0">
               <a:latin typeface="Trebuchet MS" charset="0"/>
@@ -20444,23 +20604,7 @@
                 <a:ea typeface="ヒラギノ角ゴ ProN W3" charset="0"/>
                 <a:cs typeface="ヒラギノ角ゴ ProN W3" charset="0"/>
               </a:rPr>
-              <a:t>A JavaScript context is created (</a:t>
-            </a:r>
-            <a:r>
-              <a:rPr lang="en-US" dirty="0" smtClean="0">
-                <a:latin typeface="Trebuchet MS" charset="0"/>
-                <a:ea typeface="ヒラギノ角ゴ ProN W3" charset="0"/>
-                <a:cs typeface="ヒラギノ角ゴ ProN W3" charset="0"/>
-              </a:rPr>
-              <a:t>Rhino/V8 </a:t>
-            </a:r>
-            <a:r>
-              <a:rPr lang="en-US" dirty="0" smtClean="0">
-                <a:latin typeface="Trebuchet MS" charset="0"/>
-                <a:ea typeface="ヒラギノ角ゴ ProN W3" charset="0"/>
-                <a:cs typeface="ヒラギノ角ゴ ProN W3" charset="0"/>
-              </a:rPr>
-              <a:t>or JSCore)</a:t>
+              <a:t>A JavaScript context is created (Rhino/V8 or JSCore)</a:t>
             </a:r>
           </a:p>
           <a:p>

--- a/370.pptx
+++ b/370.pptx
@@ -5,7 +5,7 @@
     <p:sldMasterId id="2147483816" r:id="rId1"/>
   </p:sldMasterIdLst>
   <p:notesMasterIdLst>
-    <p:notesMasterId r:id="rId28"/>
+    <p:notesMasterId r:id="rId27"/>
   </p:notesMasterIdLst>
   <p:sldIdLst>
     <p:sldId id="256" r:id="rId2"/>
@@ -16,24 +16,23 @@
     <p:sldId id="332" r:id="rId7"/>
     <p:sldId id="334" r:id="rId8"/>
     <p:sldId id="335" r:id="rId9"/>
-    <p:sldId id="345" r:id="rId10"/>
-    <p:sldId id="336" r:id="rId11"/>
-    <p:sldId id="337" r:id="rId12"/>
-    <p:sldId id="338" r:id="rId13"/>
-    <p:sldId id="339" r:id="rId14"/>
-    <p:sldId id="340" r:id="rId15"/>
-    <p:sldId id="341" r:id="rId16"/>
-    <p:sldId id="342" r:id="rId17"/>
-    <p:sldId id="343" r:id="rId18"/>
-    <p:sldId id="344" r:id="rId19"/>
-    <p:sldId id="346" r:id="rId20"/>
-    <p:sldId id="347" r:id="rId21"/>
-    <p:sldId id="348" r:id="rId22"/>
-    <p:sldId id="349" r:id="rId23"/>
-    <p:sldId id="351" r:id="rId24"/>
-    <p:sldId id="333" r:id="rId25"/>
-    <p:sldId id="352" r:id="rId26"/>
-    <p:sldId id="328" r:id="rId27"/>
+    <p:sldId id="336" r:id="rId10"/>
+    <p:sldId id="337" r:id="rId11"/>
+    <p:sldId id="338" r:id="rId12"/>
+    <p:sldId id="339" r:id="rId13"/>
+    <p:sldId id="340" r:id="rId14"/>
+    <p:sldId id="341" r:id="rId15"/>
+    <p:sldId id="342" r:id="rId16"/>
+    <p:sldId id="343" r:id="rId17"/>
+    <p:sldId id="344" r:id="rId18"/>
+    <p:sldId id="346" r:id="rId19"/>
+    <p:sldId id="347" r:id="rId20"/>
+    <p:sldId id="348" r:id="rId21"/>
+    <p:sldId id="349" r:id="rId22"/>
+    <p:sldId id="351" r:id="rId23"/>
+    <p:sldId id="333" r:id="rId24"/>
+    <p:sldId id="352" r:id="rId25"/>
+    <p:sldId id="328" r:id="rId26"/>
   </p:sldIdLst>
   <p:sldSz cx="9144000" cy="6858000" type="screen4x3"/>
   <p:notesSz cx="6858000" cy="9144000"/>
@@ -743,123 +742,6 @@
               <a:buFontTx/>
               <a:buChar char="-"/>
             </a:pPr>
-            <a:r>
-              <a:rPr lang="en-US" b="0" dirty="0" smtClean="0">
-                <a:solidFill>
-                  <a:srgbClr val="000000"/>
-                </a:solidFill>
-                <a:latin typeface="Lucida Grande" charset="0"/>
-                <a:ea typeface="ＭＳ Ｐゴシック" charset="0"/>
-                <a:cs typeface="Lucida Grande" charset="0"/>
-                <a:sym typeface="Lucida Grande" charset="0"/>
-              </a:rPr>
-              <a:t>the</a:t>
-            </a:r>
-            <a:r>
-              <a:rPr lang="en-US" b="0" baseline="0" dirty="0" smtClean="0">
-                <a:solidFill>
-                  <a:srgbClr val="000000"/>
-                </a:solidFill>
-                <a:latin typeface="Lucida Grande" charset="0"/>
-                <a:ea typeface="ＭＳ Ｐゴシック" charset="0"/>
-                <a:cs typeface="Lucida Grande" charset="0"/>
-                <a:sym typeface="Lucida Grande" charset="0"/>
-              </a:rPr>
-              <a:t> object model is slightly different between iOS and Android.  in iOS, the top level module (i.e. </a:t>
-            </a:r>
-            <a:r>
-              <a:rPr lang="en-US" b="0" baseline="0" dirty="0" err="1" smtClean="0">
-                <a:solidFill>
-                  <a:srgbClr val="000000"/>
-                </a:solidFill>
-                <a:latin typeface="Lucida Grande" charset="0"/>
-                <a:ea typeface="ＭＳ Ｐゴシック" charset="0"/>
-                <a:cs typeface="Lucida Grande" charset="0"/>
-                <a:sym typeface="Lucida Grande" charset="0"/>
-              </a:rPr>
-              <a:t>Ti.MyModule</a:t>
-            </a:r>
-            <a:r>
-              <a:rPr lang="en-US" b="0" baseline="0" dirty="0" smtClean="0">
-                <a:solidFill>
-                  <a:srgbClr val="000000"/>
-                </a:solidFill>
-                <a:latin typeface="Lucida Grande" charset="0"/>
-                <a:ea typeface="ＭＳ Ｐゴシック" charset="0"/>
-                <a:cs typeface="Lucida Grande" charset="0"/>
-                <a:sym typeface="Lucida Grande" charset="0"/>
-              </a:rPr>
-              <a:t>) is just a Proxy.  In Android, it’s called a “Module”.  they both function as top-level, static interfaces to native code</a:t>
-            </a:r>
-          </a:p>
-          <a:p>
-            <a:pPr marL="250825" indent="-171450" eaLnBrk="1" hangingPunct="1">
-              <a:buFontTx/>
-              <a:buChar char="-"/>
-            </a:pPr>
-            <a:r>
-              <a:rPr lang="en-US" b="0" baseline="0" dirty="0" smtClean="0">
-                <a:solidFill>
-                  <a:srgbClr val="000000"/>
-                </a:solidFill>
-                <a:latin typeface="Lucida Grande" charset="0"/>
-                <a:ea typeface="ＭＳ Ｐゴシック" charset="0"/>
-                <a:cs typeface="Lucida Grande" charset="0"/>
-                <a:sym typeface="Lucida Grande" charset="0"/>
-              </a:rPr>
-              <a:t>a proxy is an object that interfaces directly with native code – non-visual modules will just use these objects</a:t>
-            </a:r>
-          </a:p>
-          <a:p>
-            <a:pPr marL="250825" indent="-171450" eaLnBrk="1" hangingPunct="1">
-              <a:buFontTx/>
-              <a:buChar char="-"/>
-            </a:pPr>
-            <a:r>
-              <a:rPr lang="en-US" b="0" baseline="0" dirty="0" smtClean="0">
-                <a:solidFill>
-                  <a:srgbClr val="000000"/>
-                </a:solidFill>
-                <a:latin typeface="Lucida Grande" charset="0"/>
-                <a:ea typeface="ＭＳ Ｐゴシック" charset="0"/>
-                <a:cs typeface="Lucida Grande" charset="0"/>
-                <a:sym typeface="Lucida Grande" charset="0"/>
-              </a:rPr>
-              <a:t>a visual module will need to implement a view, which is a native representation of a visual component, and a ViewProxy, which contains the state information for a View.  The View could be hidden and removed from memory, but the ViewProxy would still contain information about that view (like the title of a window, background color of a view, etc.)</a:t>
-            </a:r>
-          </a:p>
-          <a:p>
-            <a:pPr marL="250825" indent="-171450" eaLnBrk="1" hangingPunct="1">
-              <a:buFontTx/>
-              <a:buChar char="-"/>
-            </a:pPr>
-            <a:endParaRPr lang="en-US" b="0" baseline="0" dirty="0" smtClean="0">
-              <a:solidFill>
-                <a:srgbClr val="000000"/>
-              </a:solidFill>
-              <a:latin typeface="Lucida Grande" charset="0"/>
-              <a:ea typeface="ＭＳ Ｐゴシック" charset="0"/>
-              <a:cs typeface="Lucida Grande" charset="0"/>
-              <a:sym typeface="Lucida Grande" charset="0"/>
-            </a:endParaRPr>
-          </a:p>
-          <a:p>
-            <a:pPr marL="250825" indent="-171450" eaLnBrk="1" hangingPunct="1">
-              <a:buFontTx/>
-              <a:buChar char="-"/>
-            </a:pPr>
-            <a:r>
-              <a:rPr lang="en-US" b="0" dirty="0" smtClean="0">
-                <a:solidFill>
-                  <a:srgbClr val="000000"/>
-                </a:solidFill>
-                <a:latin typeface="Lucida Grande" charset="0"/>
-                <a:ea typeface="ＭＳ Ｐゴシック" charset="0"/>
-                <a:cs typeface="Lucida Grande" charset="0"/>
-                <a:sym typeface="Lucida Grande" charset="0"/>
-              </a:rPr>
-              <a:t>View proxy is a sub class of proxy</a:t>
-            </a:r>
             <a:endParaRPr lang="en-US" b="0" dirty="0">
               <a:solidFill>
                 <a:srgbClr val="000000"/>
@@ -951,10 +833,58 @@
           <a:bodyPr/>
           <a:lstStyle/>
           <a:p>
-            <a:pPr marL="250825" indent="-171450" eaLnBrk="1" hangingPunct="1">
+            <a:pPr marL="79375" indent="0" eaLnBrk="1" hangingPunct="1">
               <a:buFontTx/>
-              <a:buChar char="-"/>
+              <a:buNone/>
             </a:pPr>
+            <a:r>
+              <a:rPr lang="en-US" b="0" dirty="0" smtClean="0">
+                <a:solidFill>
+                  <a:srgbClr val="000000"/>
+                </a:solidFill>
+                <a:latin typeface="Lucida Grande" charset="0"/>
+                <a:ea typeface="ＭＳ Ｐゴシック" charset="0"/>
+                <a:cs typeface="Lucida Grande" charset="0"/>
+                <a:sym typeface="Lucida Grande" charset="0"/>
+              </a:rPr>
+              <a:t>Here’s how you’d create a property on an </a:t>
+            </a:r>
+            <a:r>
+              <a:rPr lang="en-US" b="0" dirty="0" err="1" smtClean="0">
+                <a:solidFill>
+                  <a:srgbClr val="000000"/>
+                </a:solidFill>
+                <a:latin typeface="Lucida Grande" charset="0"/>
+                <a:ea typeface="ＭＳ Ｐゴシック" charset="0"/>
+                <a:cs typeface="Lucida Grande" charset="0"/>
+                <a:sym typeface="Lucida Grande" charset="0"/>
+              </a:rPr>
+              <a:t>iOS</a:t>
+            </a:r>
+            <a:r>
+              <a:rPr lang="en-US" b="0" dirty="0" smtClean="0">
+                <a:solidFill>
+                  <a:srgbClr val="000000"/>
+                </a:solidFill>
+                <a:latin typeface="Lucida Grande" charset="0"/>
+                <a:ea typeface="ＭＳ Ｐゴシック" charset="0"/>
+                <a:cs typeface="Lucida Grande" charset="0"/>
+                <a:sym typeface="Lucida Grande" charset="0"/>
+              </a:rPr>
+              <a:t> proxy</a:t>
+            </a:r>
+            <a:r>
+              <a:rPr lang="en-US" b="0" baseline="0" dirty="0" smtClean="0">
+                <a:solidFill>
+                  <a:srgbClr val="000000"/>
+                </a:solidFill>
+                <a:latin typeface="Lucida Grande" charset="0"/>
+                <a:ea typeface="ＭＳ Ｐゴシック" charset="0"/>
+                <a:cs typeface="Lucida Grande" charset="0"/>
+                <a:sym typeface="Lucida Grande" charset="0"/>
+              </a:rPr>
+              <a:t> object</a:t>
+            </a:r>
             <a:endParaRPr lang="en-US" b="0" dirty="0">
               <a:solidFill>
                 <a:srgbClr val="000000"/>
@@ -1060,10 +990,10 @@
                 <a:cs typeface="Lucida Grande" charset="0"/>
                 <a:sym typeface="Lucida Grande" charset="0"/>
               </a:rPr>
-              <a:t>Here’s how you’d create a property on an </a:t>
-            </a:r>
-            <a:r>
-              <a:rPr lang="en-US" b="0" dirty="0" err="1" smtClean="0">
+              <a:t>Must explicitly declare property</a:t>
+            </a:r>
+            <a:r>
+              <a:rPr lang="en-US" b="0" baseline="0" dirty="0" smtClean="0">
                 <a:solidFill>
                   <a:srgbClr val="000000"/>
                 </a:solidFill>
@@ -1072,31 +1002,7 @@
                 <a:cs typeface="Lucida Grande" charset="0"/>
                 <a:sym typeface="Lucida Grande" charset="0"/>
               </a:rPr>
-              <a:t>iOS</a:t>
-            </a:r>
-            <a:r>
-              <a:rPr lang="en-US" b="0" dirty="0" smtClean="0">
-                <a:solidFill>
-                  <a:srgbClr val="000000"/>
-                </a:solidFill>
-                <a:latin typeface="Lucida Grande" charset="0"/>
-                <a:ea typeface="ＭＳ Ｐゴシック" charset="0"/>
-                <a:cs typeface="Lucida Grande" charset="0"/>
-                <a:sym typeface="Lucida Grande" charset="0"/>
-              </a:rPr>
-              <a:t> proxy</a:t>
-            </a:r>
-            <a:r>
-              <a:rPr lang="en-US" b="0" baseline="0" dirty="0" smtClean="0">
-                <a:solidFill>
-                  <a:srgbClr val="000000"/>
-                </a:solidFill>
-                <a:latin typeface="Lucida Grande" charset="0"/>
-                <a:ea typeface="ＭＳ Ｐゴシック" charset="0"/>
-                <a:cs typeface="Lucida Grande" charset="0"/>
-                <a:sym typeface="Lucida Grande" charset="0"/>
-              </a:rPr>
-              <a:t> object</a:t>
+              <a:t> as public for it to be visible in JavaScript land</a:t>
             </a:r>
             <a:endParaRPr lang="en-US" b="0" dirty="0">
               <a:solidFill>
@@ -1203,10 +1109,16 @@
                 <a:cs typeface="Lucida Grande" charset="0"/>
                 <a:sym typeface="Lucida Grande" charset="0"/>
               </a:rPr>
-              <a:t>Must explicitly declare property</a:t>
-            </a:r>
-            <a:r>
-              <a:rPr lang="en-US" b="0" baseline="0" dirty="0" smtClean="0">
+              <a:t>Must implement one of a couple valid signatures (see the wiki)</a:t>
+            </a:r>
+          </a:p>
+          <a:p>
+            <a:pPr marL="79375" indent="0" eaLnBrk="1" hangingPunct="1">
+              <a:buFontTx/>
+              <a:buNone/>
+            </a:pPr>
+            <a:r>
+              <a:rPr lang="en-US" b="0" dirty="0" smtClean="0">
                 <a:solidFill>
                   <a:srgbClr val="000000"/>
                 </a:solidFill>
@@ -1215,7 +1127,67 @@
                 <a:cs typeface="Lucida Grande" charset="0"/>
                 <a:sym typeface="Lucida Grande" charset="0"/>
               </a:rPr>
-              <a:t> as public for it to be visible in JavaScript land</a:t>
+              <a:t>One </a:t>
+            </a:r>
+            <a:r>
+              <a:rPr lang="en-US" b="0" dirty="0" smtClean="0">
+                <a:solidFill>
+                  <a:srgbClr val="000000"/>
+                </a:solidFill>
+                <a:latin typeface="Lucida Grande" charset="0"/>
+                <a:ea typeface="ＭＳ Ｐゴシック" charset="0"/>
+                <a:cs typeface="Lucida Grande" charset="0"/>
+                <a:sym typeface="Lucida Grande" charset="0"/>
+              </a:rPr>
+              <a:t>or more arguments passed in are all accessible via the single </a:t>
+            </a:r>
+            <a:r>
+              <a:rPr lang="en-US" b="0" dirty="0" err="1" smtClean="0">
+                <a:solidFill>
+                  <a:srgbClr val="000000"/>
+                </a:solidFill>
+                <a:latin typeface="Lucida Grande" charset="0"/>
+                <a:ea typeface="ＭＳ Ｐゴシック" charset="0"/>
+                <a:cs typeface="Lucida Grande" charset="0"/>
+                <a:sym typeface="Lucida Grande" charset="0"/>
+              </a:rPr>
+              <a:t>NSArray</a:t>
+            </a:r>
+            <a:r>
+              <a:rPr lang="en-US" b="0" dirty="0" smtClean="0">
+                <a:solidFill>
+                  <a:srgbClr val="000000"/>
+                </a:solidFill>
+                <a:latin typeface="Lucida Grande" charset="0"/>
+                <a:ea typeface="ＭＳ Ｐゴシック" charset="0"/>
+                <a:cs typeface="Lucida Grande" charset="0"/>
+                <a:sym typeface="Lucida Grande" charset="0"/>
+              </a:rPr>
+              <a:t> </a:t>
+            </a:r>
+            <a:r>
+              <a:rPr lang="en-US" b="0" dirty="0" err="1" smtClean="0">
+                <a:solidFill>
+                  <a:srgbClr val="000000"/>
+                </a:solidFill>
+                <a:latin typeface="Lucida Grande" charset="0"/>
+                <a:ea typeface="ＭＳ Ｐゴシック" charset="0"/>
+                <a:cs typeface="Lucida Grande" charset="0"/>
+                <a:sym typeface="Lucida Grande" charset="0"/>
+              </a:rPr>
+              <a:t>args</a:t>
+            </a:r>
+            <a:r>
+              <a:rPr lang="en-US" b="0" dirty="0" smtClean="0">
+                <a:solidFill>
+                  <a:srgbClr val="000000"/>
+                </a:solidFill>
+                <a:latin typeface="Lucida Grande" charset="0"/>
+                <a:ea typeface="ＭＳ Ｐゴシック" charset="0"/>
+                <a:cs typeface="Lucida Grande" charset="0"/>
+                <a:sym typeface="Lucida Grande" charset="0"/>
+              </a:rPr>
+              <a:t> array</a:t>
             </a:r>
             <a:endParaRPr lang="en-US" b="0" dirty="0">
               <a:solidFill>
@@ -1312,66 +1284,6 @@
               <a:buFontTx/>
               <a:buNone/>
             </a:pPr>
-            <a:r>
-              <a:rPr lang="en-US" b="0" dirty="0" smtClean="0">
-                <a:solidFill>
-                  <a:srgbClr val="000000"/>
-                </a:solidFill>
-                <a:latin typeface="Lucida Grande" charset="0"/>
-                <a:ea typeface="ＭＳ Ｐゴシック" charset="0"/>
-                <a:cs typeface="Lucida Grande" charset="0"/>
-                <a:sym typeface="Lucida Grande" charset="0"/>
-              </a:rPr>
-              <a:t>One or more arguments passed in are all accessible via the single </a:t>
-            </a:r>
-            <a:r>
-              <a:rPr lang="en-US" b="0" dirty="0" err="1" smtClean="0">
-                <a:solidFill>
-                  <a:srgbClr val="000000"/>
-                </a:solidFill>
-                <a:latin typeface="Lucida Grande" charset="0"/>
-                <a:ea typeface="ＭＳ Ｐゴシック" charset="0"/>
-                <a:cs typeface="Lucida Grande" charset="0"/>
-                <a:sym typeface="Lucida Grande" charset="0"/>
-              </a:rPr>
-              <a:t>NSArray</a:t>
-            </a:r>
-            <a:r>
-              <a:rPr lang="en-US" b="0" dirty="0" smtClean="0">
-                <a:solidFill>
-                  <a:srgbClr val="000000"/>
-                </a:solidFill>
-                <a:latin typeface="Lucida Grande" charset="0"/>
-                <a:ea typeface="ＭＳ Ｐゴシック" charset="0"/>
-                <a:cs typeface="Lucida Grande" charset="0"/>
-                <a:sym typeface="Lucida Grande" charset="0"/>
-              </a:rPr>
-              <a:t> </a:t>
-            </a:r>
-            <a:r>
-              <a:rPr lang="en-US" b="0" dirty="0" err="1" smtClean="0">
-                <a:solidFill>
-                  <a:srgbClr val="000000"/>
-                </a:solidFill>
-                <a:latin typeface="Lucida Grande" charset="0"/>
-                <a:ea typeface="ＭＳ Ｐゴシック" charset="0"/>
-                <a:cs typeface="Lucida Grande" charset="0"/>
-                <a:sym typeface="Lucida Grande" charset="0"/>
-              </a:rPr>
-              <a:t>args</a:t>
-            </a:r>
-            <a:r>
-              <a:rPr lang="en-US" b="0" dirty="0" smtClean="0">
-                <a:solidFill>
-                  <a:srgbClr val="000000"/>
-                </a:solidFill>
-                <a:latin typeface="Lucida Grande" charset="0"/>
-                <a:ea typeface="ＭＳ Ｐゴシック" charset="0"/>
-                <a:cs typeface="Lucida Grande" charset="0"/>
-                <a:sym typeface="Lucida Grande" charset="0"/>
-              </a:rPr>
-              <a:t> array</a:t>
-            </a:r>
             <a:endParaRPr lang="en-US" b="0" dirty="0">
               <a:solidFill>
                 <a:srgbClr val="000000"/>
@@ -1467,6 +1379,111 @@
               <a:buFontTx/>
               <a:buNone/>
             </a:pPr>
+            <a:r>
+              <a:rPr lang="en-US" b="0" dirty="0" smtClean="0">
+                <a:solidFill>
+                  <a:srgbClr val="000000"/>
+                </a:solidFill>
+                <a:latin typeface="Lucida Grande" charset="0"/>
+                <a:ea typeface="ＭＳ Ｐゴシック" charset="0"/>
+                <a:cs typeface="Lucida Grande" charset="0"/>
+                <a:sym typeface="Lucida Grande" charset="0"/>
+              </a:rPr>
+              <a:t>To</a:t>
+            </a:r>
+            <a:r>
+              <a:rPr lang="en-US" b="0" baseline="0" dirty="0" smtClean="0">
+                <a:solidFill>
+                  <a:srgbClr val="000000"/>
+                </a:solidFill>
+                <a:latin typeface="Lucida Grande" charset="0"/>
+                <a:ea typeface="ＭＳ Ｐゴシック" charset="0"/>
+                <a:cs typeface="Lucida Grande" charset="0"/>
+                <a:sym typeface="Lucida Grande" charset="0"/>
+              </a:rPr>
+              <a:t> react to the adding or removing of event listeners, override the </a:t>
+            </a:r>
+            <a:r>
+              <a:rPr lang="en-US" b="0" baseline="0" dirty="0" err="1" smtClean="0">
+                <a:solidFill>
+                  <a:srgbClr val="000000"/>
+                </a:solidFill>
+                <a:latin typeface="Lucida Grande" charset="0"/>
+                <a:ea typeface="ＭＳ Ｐゴシック" charset="0"/>
+                <a:cs typeface="Lucida Grande" charset="0"/>
+                <a:sym typeface="Lucida Grande" charset="0"/>
+              </a:rPr>
+              <a:t>listenerAdded</a:t>
+            </a:r>
+            <a:r>
+              <a:rPr lang="en-US" b="0" baseline="0" dirty="0" smtClean="0">
+                <a:solidFill>
+                  <a:srgbClr val="000000"/>
+                </a:solidFill>
+                <a:latin typeface="Lucida Grande" charset="0"/>
+                <a:ea typeface="ＭＳ Ｐゴシック" charset="0"/>
+                <a:cs typeface="Lucida Grande" charset="0"/>
+                <a:sym typeface="Lucida Grande" charset="0"/>
+              </a:rPr>
+              <a:t> and </a:t>
+            </a:r>
+            <a:r>
+              <a:rPr lang="en-US" b="0" baseline="0" dirty="0" err="1" smtClean="0">
+                <a:solidFill>
+                  <a:srgbClr val="000000"/>
+                </a:solidFill>
+                <a:latin typeface="Lucida Grande" charset="0"/>
+                <a:ea typeface="ＭＳ Ｐゴシック" charset="0"/>
+                <a:cs typeface="Lucida Grande" charset="0"/>
+                <a:sym typeface="Lucida Grande" charset="0"/>
+              </a:rPr>
+              <a:t>listenerRemoved</a:t>
+            </a:r>
+            <a:r>
+              <a:rPr lang="en-US" b="0" baseline="0" dirty="0" smtClean="0">
+                <a:solidFill>
+                  <a:srgbClr val="000000"/>
+                </a:solidFill>
+                <a:latin typeface="Lucida Grande" charset="0"/>
+                <a:ea typeface="ＭＳ Ｐゴシック" charset="0"/>
+                <a:cs typeface="Lucida Grande" charset="0"/>
+                <a:sym typeface="Lucida Grande" charset="0"/>
+              </a:rPr>
+              <a:t> methods</a:t>
+            </a:r>
+          </a:p>
+          <a:p>
+            <a:pPr marL="79375" indent="0" eaLnBrk="1" hangingPunct="1">
+              <a:buFontTx/>
+              <a:buNone/>
+            </a:pPr>
+            <a:endParaRPr lang="en-US" b="0" baseline="0" dirty="0" smtClean="0">
+              <a:solidFill>
+                <a:srgbClr val="000000"/>
+              </a:solidFill>
+              <a:latin typeface="Lucida Grande" charset="0"/>
+              <a:ea typeface="ＭＳ Ｐゴシック" charset="0"/>
+              <a:cs typeface="Lucida Grande" charset="0"/>
+              <a:sym typeface="Lucida Grande" charset="0"/>
+            </a:endParaRPr>
+          </a:p>
+          <a:p>
+            <a:pPr marL="79375" indent="0" eaLnBrk="1" hangingPunct="1">
+              <a:buFontTx/>
+              <a:buNone/>
+            </a:pPr>
+            <a:r>
+              <a:rPr lang="en-US" b="0" baseline="0" dirty="0" smtClean="0">
+                <a:solidFill>
+                  <a:srgbClr val="000000"/>
+                </a:solidFill>
+                <a:latin typeface="Lucida Grande" charset="0"/>
+                <a:ea typeface="ＭＳ Ｐゴシック" charset="0"/>
+                <a:cs typeface="Lucida Grande" charset="0"/>
+                <a:sym typeface="Lucida Grande" charset="0"/>
+              </a:rPr>
+              <a:t>These methods are automatically invoked when a corresponding JavaScript event listener is added or removed</a:t>
+            </a:r>
             <a:endParaRPr lang="en-US" b="0" dirty="0">
               <a:solidFill>
                 <a:srgbClr val="000000"/>
@@ -1657,6 +1674,42 @@
               <a:buFontTx/>
               <a:buNone/>
             </a:pPr>
+            <a:r>
+              <a:rPr lang="en-US" b="0" dirty="0" smtClean="0">
+                <a:solidFill>
+                  <a:srgbClr val="000000"/>
+                </a:solidFill>
+                <a:latin typeface="Lucida Grande" charset="0"/>
+                <a:ea typeface="ＭＳ Ｐゴシック" charset="0"/>
+                <a:cs typeface="Lucida Grande" charset="0"/>
+                <a:sym typeface="Lucida Grande" charset="0"/>
+              </a:rPr>
+              <a:t>This JS </a:t>
+            </a:r>
+            <a:r>
+              <a:rPr lang="en-US" b="0" dirty="0" err="1" smtClean="0">
+                <a:solidFill>
+                  <a:srgbClr val="000000"/>
+                </a:solidFill>
+                <a:latin typeface="Lucida Grande" charset="0"/>
+                <a:ea typeface="ＭＳ Ｐゴシック" charset="0"/>
+                <a:cs typeface="Lucida Grande" charset="0"/>
+                <a:sym typeface="Lucida Grande" charset="0"/>
+              </a:rPr>
+              <a:t>api</a:t>
+            </a:r>
+            <a:r>
+              <a:rPr lang="en-US" b="0" dirty="0" smtClean="0">
+                <a:solidFill>
+                  <a:srgbClr val="000000"/>
+                </a:solidFill>
+                <a:latin typeface="Lucida Grande" charset="0"/>
+                <a:ea typeface="ＭＳ Ｐゴシック" charset="0"/>
+                <a:cs typeface="Lucida Grande" charset="0"/>
+                <a:sym typeface="Lucida Grande" charset="0"/>
+              </a:rPr>
+              <a:t> is what corresponds to the native code on the two preceding slides</a:t>
+            </a:r>
             <a:endParaRPr lang="en-US" b="0" dirty="0">
               <a:solidFill>
                 <a:srgbClr val="000000"/>
@@ -1752,42 +1805,6 @@
               <a:buFontTx/>
               <a:buNone/>
             </a:pPr>
-            <a:r>
-              <a:rPr lang="en-US" b="0" dirty="0" smtClean="0">
-                <a:solidFill>
-                  <a:srgbClr val="000000"/>
-                </a:solidFill>
-                <a:latin typeface="Lucida Grande" charset="0"/>
-                <a:ea typeface="ＭＳ Ｐゴシック" charset="0"/>
-                <a:cs typeface="Lucida Grande" charset="0"/>
-                <a:sym typeface="Lucida Grande" charset="0"/>
-              </a:rPr>
-              <a:t>This JS </a:t>
-            </a:r>
-            <a:r>
-              <a:rPr lang="en-US" b="0" dirty="0" err="1" smtClean="0">
-                <a:solidFill>
-                  <a:srgbClr val="000000"/>
-                </a:solidFill>
-                <a:latin typeface="Lucida Grande" charset="0"/>
-                <a:ea typeface="ＭＳ Ｐゴシック" charset="0"/>
-                <a:cs typeface="Lucida Grande" charset="0"/>
-                <a:sym typeface="Lucida Grande" charset="0"/>
-              </a:rPr>
-              <a:t>api</a:t>
-            </a:r>
-            <a:r>
-              <a:rPr lang="en-US" b="0" dirty="0" smtClean="0">
-                <a:solidFill>
-                  <a:srgbClr val="000000"/>
-                </a:solidFill>
-                <a:latin typeface="Lucida Grande" charset="0"/>
-                <a:ea typeface="ＭＳ Ｐゴシック" charset="0"/>
-                <a:cs typeface="Lucida Grande" charset="0"/>
-                <a:sym typeface="Lucida Grande" charset="0"/>
-              </a:rPr>
-              <a:t> is what corresponds to the native code on the two preceding slides</a:t>
-            </a:r>
             <a:endParaRPr lang="en-US" b="0" dirty="0">
               <a:solidFill>
                 <a:srgbClr val="000000"/>
@@ -2340,6 +2357,78 @@
               <a:buFontTx/>
               <a:buNone/>
             </a:pPr>
+            <a:r>
+              <a:rPr lang="en-US" b="0" dirty="0" smtClean="0">
+                <a:solidFill>
+                  <a:srgbClr val="000000"/>
+                </a:solidFill>
+                <a:latin typeface="Lucida Grande" charset="0"/>
+                <a:ea typeface="ＭＳ Ｐゴシック" charset="0"/>
+                <a:cs typeface="Lucida Grande" charset="0"/>
+                <a:sym typeface="Lucida Grande" charset="0"/>
+              </a:rPr>
+              <a:t>When it comes time</a:t>
+            </a:r>
+            <a:r>
+              <a:rPr lang="en-US" b="0" baseline="0" dirty="0" smtClean="0">
+                <a:solidFill>
+                  <a:srgbClr val="000000"/>
+                </a:solidFill>
+                <a:latin typeface="Lucida Grande" charset="0"/>
+                <a:ea typeface="ＭＳ Ｐゴシック" charset="0"/>
+                <a:cs typeface="Lucida Grande" charset="0"/>
+                <a:sym typeface="Lucida Grande" charset="0"/>
+              </a:rPr>
+              <a:t> to write your own, </a:t>
+            </a:r>
+            <a:r>
+              <a:rPr lang="en-US" b="0" baseline="0" dirty="0" err="1" smtClean="0">
+                <a:solidFill>
+                  <a:srgbClr val="000000"/>
+                </a:solidFill>
+                <a:latin typeface="Lucida Grande" charset="0"/>
+                <a:ea typeface="ＭＳ Ｐゴシック" charset="0"/>
+                <a:cs typeface="Lucida Grande" charset="0"/>
+                <a:sym typeface="Lucida Grande" charset="0"/>
+              </a:rPr>
+              <a:t>titanium.py</a:t>
+            </a:r>
+            <a:r>
+              <a:rPr lang="en-US" b="0" baseline="0" dirty="0" smtClean="0">
+                <a:solidFill>
+                  <a:srgbClr val="000000"/>
+                </a:solidFill>
+                <a:latin typeface="Lucida Grande" charset="0"/>
+                <a:ea typeface="ＭＳ Ｐゴシック" charset="0"/>
+                <a:cs typeface="Lucida Grande" charset="0"/>
+                <a:sym typeface="Lucida Grande" charset="0"/>
+              </a:rPr>
+              <a:t> is the tool you’ll use to create your starting Java or </a:t>
+            </a:r>
+            <a:r>
+              <a:rPr lang="en-US" b="0" baseline="0" dirty="0" err="1" smtClean="0">
+                <a:solidFill>
+                  <a:srgbClr val="000000"/>
+                </a:solidFill>
+                <a:latin typeface="Lucida Grande" charset="0"/>
+                <a:ea typeface="ＭＳ Ｐゴシック" charset="0"/>
+                <a:cs typeface="Lucida Grande" charset="0"/>
+                <a:sym typeface="Lucida Grande" charset="0"/>
+              </a:rPr>
+              <a:t>Xcode</a:t>
+            </a:r>
+            <a:r>
+              <a:rPr lang="en-US" b="0" baseline="0" dirty="0" smtClean="0">
+                <a:solidFill>
+                  <a:srgbClr val="000000"/>
+                </a:solidFill>
+                <a:latin typeface="Lucida Grande" charset="0"/>
+                <a:ea typeface="ＭＳ Ｐゴシック" charset="0"/>
+                <a:cs typeface="Lucida Grande" charset="0"/>
+                <a:sym typeface="Lucida Grande" charset="0"/>
+              </a:rPr>
+              <a:t> project</a:t>
+            </a:r>
             <a:endParaRPr lang="en-US" b="0" dirty="0">
               <a:solidFill>
                 <a:srgbClr val="000000"/>
@@ -2445,10 +2534,10 @@
                 <a:cs typeface="Lucida Grande" charset="0"/>
                 <a:sym typeface="Lucida Grande" charset="0"/>
               </a:rPr>
-              <a:t>When it comes time</a:t>
-            </a:r>
-            <a:r>
-              <a:rPr lang="en-US" b="0" baseline="0" dirty="0" smtClean="0">
+              <a:t>You have to include the JS via </a:t>
+            </a:r>
+            <a:r>
+              <a:rPr lang="en-US" b="0" dirty="0" err="1" smtClean="0">
                 <a:solidFill>
                   <a:srgbClr val="000000"/>
                 </a:solidFill>
@@ -2457,10 +2546,10 @@
                 <a:cs typeface="Lucida Grande" charset="0"/>
                 <a:sym typeface="Lucida Grande" charset="0"/>
               </a:rPr>
-              <a:t> to write your own, </a:t>
-            </a:r>
-            <a:r>
-              <a:rPr lang="en-US" b="0" baseline="0" dirty="0" err="1" smtClean="0">
+              <a:t>CommonJS</a:t>
+            </a:r>
+            <a:r>
+              <a:rPr lang="en-US" b="0" baseline="0" dirty="0" smtClean="0">
                 <a:solidFill>
                   <a:srgbClr val="000000"/>
                 </a:solidFill>
@@ -2469,43 +2558,7 @@
                 <a:cs typeface="Lucida Grande" charset="0"/>
                 <a:sym typeface="Lucida Grande" charset="0"/>
               </a:rPr>
-              <a:t>titanium.py</a:t>
-            </a:r>
-            <a:r>
-              <a:rPr lang="en-US" b="0" baseline="0" dirty="0" smtClean="0">
-                <a:solidFill>
-                  <a:srgbClr val="000000"/>
-                </a:solidFill>
-                <a:latin typeface="Lucida Grande" charset="0"/>
-                <a:ea typeface="ＭＳ Ｐゴシック" charset="0"/>
-                <a:cs typeface="Lucida Grande" charset="0"/>
-                <a:sym typeface="Lucida Grande" charset="0"/>
-              </a:rPr>
-              <a:t> is the tool you’ll use to create your starting Java or </a:t>
-            </a:r>
-            <a:r>
-              <a:rPr lang="en-US" b="0" baseline="0" dirty="0" err="1" smtClean="0">
-                <a:solidFill>
-                  <a:srgbClr val="000000"/>
-                </a:solidFill>
-                <a:latin typeface="Lucida Grande" charset="0"/>
-                <a:ea typeface="ＭＳ Ｐゴシック" charset="0"/>
-                <a:cs typeface="Lucida Grande" charset="0"/>
-                <a:sym typeface="Lucida Grande" charset="0"/>
-              </a:rPr>
-              <a:t>Xcode</a:t>
-            </a:r>
-            <a:r>
-              <a:rPr lang="en-US" b="0" baseline="0" dirty="0" smtClean="0">
-                <a:solidFill>
-                  <a:srgbClr val="000000"/>
-                </a:solidFill>
-                <a:latin typeface="Lucida Grande" charset="0"/>
-                <a:ea typeface="ＭＳ Ｐゴシック" charset="0"/>
-                <a:cs typeface="Lucida Grande" charset="0"/>
-                <a:sym typeface="Lucida Grande" charset="0"/>
-              </a:rPr>
-              <a:t> project</a:t>
+              <a:t> require()</a:t>
             </a:r>
             <a:endParaRPr lang="en-US" b="0" dirty="0">
               <a:solidFill>
@@ -2598,9 +2651,9 @@
           <a:bodyPr/>
           <a:lstStyle/>
           <a:p>
-            <a:pPr marL="79375" indent="0" eaLnBrk="1" hangingPunct="1">
+            <a:pPr marL="250825" indent="-171450" eaLnBrk="1" hangingPunct="1">
               <a:buFontTx/>
-              <a:buNone/>
+              <a:buChar char="-"/>
             </a:pPr>
             <a:r>
               <a:rPr lang="en-US" b="0" dirty="0" smtClean="0">
@@ -2612,10 +2665,10 @@
                 <a:cs typeface="Lucida Grande" charset="0"/>
                 <a:sym typeface="Lucida Grande" charset="0"/>
               </a:rPr>
-              <a:t>You have to include the JS via </a:t>
-            </a:r>
-            <a:r>
-              <a:rPr lang="en-US" b="0" dirty="0" err="1" smtClean="0">
+              <a:t>Guides on our wiki document at least the basics</a:t>
+            </a:r>
+            <a:r>
+              <a:rPr lang="en-US" b="0" baseline="0" dirty="0" smtClean="0">
                 <a:solidFill>
                   <a:srgbClr val="000000"/>
                 </a:solidFill>
@@ -2624,7 +2677,7 @@
                 <a:cs typeface="Lucida Grande" charset="0"/>
                 <a:sym typeface="Lucida Grande" charset="0"/>
               </a:rPr>
-              <a:t>CommonJS</a:t>
+              <a:t> of the </a:t>
             </a:r>
             <a:r>
               <a:rPr lang="en-US" b="0" baseline="0" dirty="0" smtClean="0">
@@ -2636,8 +2689,209 @@
                 <a:cs typeface="Lucida Grande" charset="0"/>
                 <a:sym typeface="Lucida Grande" charset="0"/>
               </a:rPr>
-              <a:t> require()</a:t>
-            </a:r>
+              <a:t>process</a:t>
+            </a:r>
+          </a:p>
+          <a:p>
+            <a:pPr marL="250825" indent="-171450" eaLnBrk="1" hangingPunct="1">
+              <a:buFontTx/>
+              <a:buChar char="-"/>
+            </a:pPr>
+            <a:r>
+              <a:rPr lang="en-US" b="0" baseline="0" dirty="0" smtClean="0">
+                <a:solidFill>
+                  <a:srgbClr val="000000"/>
+                </a:solidFill>
+                <a:latin typeface="Lucida Grande" charset="0"/>
+                <a:ea typeface="ＭＳ Ｐゴシック" charset="0"/>
+                <a:cs typeface="Lucida Grande" charset="0"/>
+                <a:sym typeface="Lucida Grande" charset="0"/>
+              </a:rPr>
+              <a:t>The </a:t>
+            </a:r>
+            <a:r>
+              <a:rPr lang="en-US" b="0" baseline="0" dirty="0" err="1" smtClean="0">
+                <a:solidFill>
+                  <a:srgbClr val="000000"/>
+                </a:solidFill>
+                <a:latin typeface="Lucida Grande" charset="0"/>
+                <a:ea typeface="ＭＳ Ｐゴシック" charset="0"/>
+                <a:cs typeface="Lucida Grande" charset="0"/>
+                <a:sym typeface="Lucida Grande" charset="0"/>
+              </a:rPr>
+              <a:t>ModDevGuide</a:t>
+            </a:r>
+            <a:r>
+              <a:rPr lang="en-US" b="0" baseline="0" dirty="0" smtClean="0">
+                <a:solidFill>
+                  <a:srgbClr val="000000"/>
+                </a:solidFill>
+                <a:latin typeface="Lucida Grande" charset="0"/>
+                <a:ea typeface="ＭＳ Ｐゴシック" charset="0"/>
+                <a:cs typeface="Lucida Grande" charset="0"/>
+                <a:sym typeface="Lucida Grande" charset="0"/>
+              </a:rPr>
+              <a:t> project on </a:t>
+            </a:r>
+            <a:r>
+              <a:rPr lang="en-US" b="0" baseline="0" dirty="0" err="1" smtClean="0">
+                <a:solidFill>
+                  <a:srgbClr val="000000"/>
+                </a:solidFill>
+                <a:latin typeface="Lucida Grande" charset="0"/>
+                <a:ea typeface="ＭＳ Ｐゴシック" charset="0"/>
+                <a:cs typeface="Lucida Grande" charset="0"/>
+                <a:sym typeface="Lucida Grande" charset="0"/>
+              </a:rPr>
+              <a:t>GitHub</a:t>
+            </a:r>
+            <a:r>
+              <a:rPr lang="en-US" b="0" baseline="0" dirty="0" smtClean="0">
+                <a:solidFill>
+                  <a:srgbClr val="000000"/>
+                </a:solidFill>
+                <a:latin typeface="Lucida Grande" charset="0"/>
+                <a:ea typeface="ＭＳ Ｐゴシック" charset="0"/>
+                <a:cs typeface="Lucida Grande" charset="0"/>
+                <a:sym typeface="Lucida Grande" charset="0"/>
+              </a:rPr>
+              <a:t> shows sample code for </a:t>
+            </a:r>
+            <a:r>
+              <a:rPr lang="en-US" b="0" baseline="0" dirty="0" err="1" smtClean="0">
+                <a:solidFill>
+                  <a:srgbClr val="000000"/>
+                </a:solidFill>
+                <a:latin typeface="Lucida Grande" charset="0"/>
+                <a:ea typeface="ＭＳ Ｐゴシック" charset="0"/>
+                <a:cs typeface="Lucida Grande" charset="0"/>
+                <a:sym typeface="Lucida Grande" charset="0"/>
+              </a:rPr>
+              <a:t>iOS</a:t>
+            </a:r>
+            <a:r>
+              <a:rPr lang="en-US" b="0" baseline="0" dirty="0" smtClean="0">
+                <a:solidFill>
+                  <a:srgbClr val="000000"/>
+                </a:solidFill>
+                <a:latin typeface="Lucida Grande" charset="0"/>
+                <a:ea typeface="ＭＳ Ｐゴシック" charset="0"/>
+                <a:cs typeface="Lucida Grande" charset="0"/>
+                <a:sym typeface="Lucida Grande" charset="0"/>
+              </a:rPr>
+              <a:t> &amp; Android and includes lots of boilerplate samples to get you started</a:t>
+            </a:r>
+            <a:endParaRPr lang="en-US" b="0" baseline="0" dirty="0" smtClean="0">
+              <a:solidFill>
+                <a:srgbClr val="000000"/>
+              </a:solidFill>
+              <a:latin typeface="Lucida Grande" charset="0"/>
+              <a:ea typeface="ＭＳ Ｐゴシック" charset="0"/>
+              <a:cs typeface="Lucida Grande" charset="0"/>
+              <a:sym typeface="Lucida Grande" charset="0"/>
+            </a:endParaRPr>
+          </a:p>
+          <a:p>
+            <a:pPr marL="250825" indent="-171450" eaLnBrk="1" hangingPunct="1">
+              <a:buFontTx/>
+              <a:buChar char="-"/>
+            </a:pPr>
+            <a:r>
+              <a:rPr lang="en-US" b="0" baseline="0" dirty="0" err="1" smtClean="0">
+                <a:solidFill>
+                  <a:srgbClr val="000000"/>
+                </a:solidFill>
+                <a:latin typeface="Lucida Grande" charset="0"/>
+                <a:ea typeface="ＭＳ Ｐゴシック" charset="0"/>
+                <a:cs typeface="Lucida Grande" charset="0"/>
+                <a:sym typeface="Lucida Grande" charset="0"/>
+              </a:rPr>
+              <a:t>GitHub</a:t>
+            </a:r>
+            <a:r>
+              <a:rPr lang="en-US" b="0" baseline="0" dirty="0" smtClean="0">
+                <a:solidFill>
+                  <a:srgbClr val="000000"/>
+                </a:solidFill>
+                <a:latin typeface="Lucida Grande" charset="0"/>
+                <a:ea typeface="ＭＳ Ｐゴシック" charset="0"/>
+                <a:cs typeface="Lucida Grande" charset="0"/>
+                <a:sym typeface="Lucida Grande" charset="0"/>
+              </a:rPr>
+              <a:t> is where you’ll find our core Titanium </a:t>
+            </a:r>
+            <a:r>
+              <a:rPr lang="en-US" b="0" baseline="0" dirty="0" err="1" smtClean="0">
+                <a:solidFill>
+                  <a:srgbClr val="000000"/>
+                </a:solidFill>
+                <a:latin typeface="Lucida Grande" charset="0"/>
+                <a:ea typeface="ＭＳ Ｐゴシック" charset="0"/>
+                <a:cs typeface="Lucida Grande" charset="0"/>
+                <a:sym typeface="Lucida Grande" charset="0"/>
+              </a:rPr>
+              <a:t>distro</a:t>
+            </a:r>
+            <a:r>
+              <a:rPr lang="en-US" b="0" baseline="0" dirty="0" smtClean="0">
+                <a:solidFill>
+                  <a:srgbClr val="000000"/>
+                </a:solidFill>
+                <a:latin typeface="Lucida Grande" charset="0"/>
+                <a:ea typeface="ＭＳ Ｐゴシック" charset="0"/>
+                <a:cs typeface="Lucida Grande" charset="0"/>
+                <a:sym typeface="Lucida Grande" charset="0"/>
+              </a:rPr>
+              <a:t> which you can examine for techniques and features</a:t>
+            </a:r>
+          </a:p>
+          <a:p>
+            <a:pPr marL="250825" indent="-171450" eaLnBrk="1" hangingPunct="1">
+              <a:buFontTx/>
+              <a:buChar char="-"/>
+            </a:pPr>
+            <a:r>
+              <a:rPr lang="en-US" b="0" baseline="0" dirty="0" smtClean="0">
+                <a:solidFill>
+                  <a:srgbClr val="000000"/>
+                </a:solidFill>
+                <a:latin typeface="Lucida Grande" charset="0"/>
+                <a:ea typeface="ＭＳ Ｐゴシック" charset="0"/>
+                <a:cs typeface="Lucida Grande" charset="0"/>
+                <a:sym typeface="Lucida Grande" charset="0"/>
+              </a:rPr>
+              <a:t>For existing modules, the </a:t>
+            </a:r>
+            <a:r>
+              <a:rPr lang="en-US" b="0" baseline="0" dirty="0" err="1" smtClean="0">
+                <a:solidFill>
+                  <a:srgbClr val="000000"/>
+                </a:solidFill>
+                <a:latin typeface="Lucida Grande" charset="0"/>
+                <a:ea typeface="ＭＳ Ｐゴシック" charset="0"/>
+                <a:cs typeface="Lucida Grande" charset="0"/>
+                <a:sym typeface="Lucida Grande" charset="0"/>
+              </a:rPr>
+              <a:t>Ti.Platform</a:t>
+            </a:r>
+            <a:r>
+              <a:rPr lang="en-US" b="0" baseline="0" dirty="0" smtClean="0">
+                <a:solidFill>
+                  <a:srgbClr val="000000"/>
+                </a:solidFill>
+                <a:latin typeface="Lucida Grande" charset="0"/>
+                <a:ea typeface="ＭＳ Ｐゴシック" charset="0"/>
+                <a:cs typeface="Lucida Grande" charset="0"/>
+                <a:sym typeface="Lucida Grande" charset="0"/>
+              </a:rPr>
+              <a:t> module is fairly straightforward for basic stuff. Look at the UI widgets to see how you’d make a module with a visual/UI component</a:t>
+            </a:r>
+          </a:p>
+          <a:p>
+            <a:pPr marL="250825" indent="-171450" eaLnBrk="1" hangingPunct="1">
+              <a:buFontTx/>
+              <a:buChar char="-"/>
+            </a:pPr>
             <a:endParaRPr lang="en-US" b="0" dirty="0">
               <a:solidFill>
                 <a:srgbClr val="000000"/>
@@ -2659,6 +2913,102 @@
 </file>
 
 <file path=ppt/notesSlides/notesSlide23.xml><?xml version="1.0" encoding="utf-8"?>
+<p:notes xmlns:a="http://schemas.openxmlformats.org/drawingml/2006/main" xmlns:r="http://schemas.openxmlformats.org/officeDocument/2006/relationships" xmlns:p="http://schemas.openxmlformats.org/presentationml/2006/main">
+  <p:cSld>
+    <p:spTree>
+      <p:nvGrpSpPr>
+        <p:cNvPr id="1" name=""/>
+        <p:cNvGrpSpPr/>
+        <p:nvPr/>
+      </p:nvGrpSpPr>
+      <p:grpSpPr>
+        <a:xfrm>
+          <a:off x="0" y="0"/>
+          <a:ext cx="0" cy="0"/>
+          <a:chOff x="0" y="0"/>
+          <a:chExt cx="0" cy="0"/>
+        </a:xfrm>
+      </p:grpSpPr>
+      <p:sp>
+        <p:nvSpPr>
+          <p:cNvPr id="17409" name="Rectangle 1"/>
+          <p:cNvSpPr>
+            <a:spLocks noGrp="1" noRot="1" noChangeAspect="1" noChangeArrowheads="1"/>
+          </p:cNvSpPr>
+          <p:nvPr>
+            <p:ph type="sldImg"/>
+          </p:nvPr>
+        </p:nvSpPr>
+        <p:spPr>
+          <a:solidFill>
+            <a:srgbClr val="FFFFFF"/>
+          </a:solidFill>
+          <a:ln/>
+        </p:spPr>
+      </p:sp>
+      <p:sp>
+        <p:nvSpPr>
+          <p:cNvPr id="17410" name="Rectangle 2"/>
+          <p:cNvSpPr>
+            <a:spLocks noGrp="1" noChangeArrowheads="1"/>
+          </p:cNvSpPr>
+          <p:nvPr>
+            <p:ph type="body" idx="1"/>
+          </p:nvPr>
+        </p:nvSpPr>
+        <p:spPr>
+          <a:noFill/>
+          <a:ln/>
+          <a:extLst>
+            <a:ext uri="{909E8E84-426E-40dd-AFC4-6F175D3DCCD1}">
+              <a14:hiddenFill xmlns:a14="http://schemas.microsoft.com/office/drawing/2010/main">
+                <a:solidFill>
+                  <a:srgbClr val="FFFFFF"/>
+                </a:solidFill>
+              </a14:hiddenFill>
+            </a:ext>
+            <a:ext uri="{91240B29-F687-4f45-9708-019B960494DF}">
+              <a14:hiddenLine xmlns:a14="http://schemas.microsoft.com/office/drawing/2010/main" w="9525">
+                <a:solidFill>
+                  <a:srgbClr val="000000"/>
+                </a:solidFill>
+                <a:miter lim="800000"/>
+                <a:headEnd/>
+                <a:tailEnd/>
+              </a14:hiddenLine>
+            </a:ext>
+          </a:extLst>
+        </p:spPr>
+        <p:txBody>
+          <a:bodyPr/>
+          <a:lstStyle/>
+          <a:p>
+            <a:pPr marL="119063" eaLnBrk="1" hangingPunct="1">
+              <a:spcBef>
+                <a:spcPts val="450"/>
+              </a:spcBef>
+            </a:pPr>
+            <a:endParaRPr lang="en-US" dirty="0">
+              <a:solidFill>
+                <a:srgbClr val="000000"/>
+              </a:solidFill>
+              <a:latin typeface="Times New Roman" charset="0"/>
+              <a:ea typeface="ＭＳ Ｐゴシック" charset="0"/>
+              <a:cs typeface="Times New Roman" charset="0"/>
+              <a:sym typeface="Times New Roman" charset="0"/>
+            </a:endParaRPr>
+          </a:p>
+        </p:txBody>
+      </p:sp>
+    </p:spTree>
+  </p:cSld>
+  <p:clrMapOvr>
+    <a:masterClrMapping/>
+  </p:clrMapOvr>
+</p:notes>
+</file>
+
+<file path=ppt/notesSlides/notesSlide24.xml><?xml version="1.0" encoding="utf-8"?>
 <p:notes xmlns:a="http://schemas.openxmlformats.org/drawingml/2006/main" xmlns:r="http://schemas.openxmlformats.org/officeDocument/2006/relationships" xmlns:p="http://schemas.openxmlformats.org/presentationml/2006/main">
   <p:cSld>
     <p:spTree>
@@ -2729,129 +3079,70 @@
           <a:bodyPr/>
           <a:lstStyle/>
           <a:p>
-            <a:pPr marL="250825" indent="-171450" eaLnBrk="1" hangingPunct="1">
+            <a:pPr marL="250825" marR="0" indent="-171450" algn="l" defTabSz="914400" rtl="0" eaLnBrk="1" fontAlgn="base" latinLnBrk="0" hangingPunct="1">
+              <a:lnSpc>
+                <a:spcPct val="100000"/>
+              </a:lnSpc>
+              <a:spcBef>
+                <a:spcPct val="0"/>
+              </a:spcBef>
+              <a:spcAft>
+                <a:spcPct val="0"/>
+              </a:spcAft>
+              <a:buClrTx/>
+              <a:buSzTx/>
               <a:buFontTx/>
               <a:buChar char="-"/>
+              <a:tabLst/>
+              <a:defRPr/>
             </a:pPr>
             <a:r>
-              <a:rPr lang="en-US" b="0" dirty="0" smtClean="0">
-                <a:solidFill>
-                  <a:srgbClr val="000000"/>
-                </a:solidFill>
-                <a:latin typeface="Lucida Grande" charset="0"/>
-                <a:ea typeface="ＭＳ Ｐゴシック" charset="0"/>
-                <a:cs typeface="Lucida Grande" charset="0"/>
-                <a:sym typeface="Lucida Grande" charset="0"/>
-              </a:rPr>
-              <a:t>Guides on our wiki document at least the basics</a:t>
-            </a:r>
-            <a:r>
-              <a:rPr lang="en-US" b="0" baseline="0" dirty="0" smtClean="0">
-                <a:solidFill>
-                  <a:srgbClr val="000000"/>
-                </a:solidFill>
-                <a:latin typeface="Lucida Grande" charset="0"/>
-                <a:ea typeface="ＭＳ Ｐゴシック" charset="0"/>
-                <a:cs typeface="Lucida Grande" charset="0"/>
-                <a:sym typeface="Lucida Grande" charset="0"/>
-              </a:rPr>
-              <a:t> of the process</a:t>
-            </a:r>
-          </a:p>
-          <a:p>
-            <a:pPr marL="250825" indent="-171450" eaLnBrk="1" hangingPunct="1">
-              <a:buFontTx/>
-              <a:buChar char="-"/>
-            </a:pPr>
-            <a:r>
-              <a:rPr lang="en-US" b="0" baseline="0" dirty="0" err="1" smtClean="0">
-                <a:solidFill>
-                  <a:srgbClr val="000000"/>
-                </a:solidFill>
-                <a:latin typeface="Lucida Grande" charset="0"/>
-                <a:ea typeface="ＭＳ Ｐゴシック" charset="0"/>
-                <a:cs typeface="Lucida Grande" charset="0"/>
-                <a:sym typeface="Lucida Grande" charset="0"/>
-              </a:rPr>
-              <a:t>GitHub</a:t>
-            </a:r>
-            <a:r>
-              <a:rPr lang="en-US" b="0" baseline="0" dirty="0" smtClean="0">
-                <a:solidFill>
-                  <a:srgbClr val="000000"/>
-                </a:solidFill>
-                <a:latin typeface="Lucida Grande" charset="0"/>
-                <a:ea typeface="ＭＳ Ｐゴシック" charset="0"/>
-                <a:cs typeface="Lucida Grande" charset="0"/>
-                <a:sym typeface="Lucida Grande" charset="0"/>
-              </a:rPr>
-              <a:t> is where you’ll find our core Titanium </a:t>
-            </a:r>
-            <a:r>
-              <a:rPr lang="en-US" b="0" baseline="0" dirty="0" err="1" smtClean="0">
-                <a:solidFill>
-                  <a:srgbClr val="000000"/>
-                </a:solidFill>
-                <a:latin typeface="Lucida Grande" charset="0"/>
-                <a:ea typeface="ＭＳ Ｐゴシック" charset="0"/>
-                <a:cs typeface="Lucida Grande" charset="0"/>
-                <a:sym typeface="Lucida Grande" charset="0"/>
-              </a:rPr>
-              <a:t>distro</a:t>
-            </a:r>
-            <a:r>
-              <a:rPr lang="en-US" b="0" baseline="0" dirty="0" smtClean="0">
-                <a:solidFill>
-                  <a:srgbClr val="000000"/>
-                </a:solidFill>
-                <a:latin typeface="Lucida Grande" charset="0"/>
-                <a:ea typeface="ＭＳ Ｐゴシック" charset="0"/>
-                <a:cs typeface="Lucida Grande" charset="0"/>
-                <a:sym typeface="Lucida Grande" charset="0"/>
-              </a:rPr>
-              <a:t> which you can examine for techniques and features</a:t>
-            </a:r>
-          </a:p>
-          <a:p>
-            <a:pPr marL="250825" indent="-171450" eaLnBrk="1" hangingPunct="1">
-              <a:buFontTx/>
-              <a:buChar char="-"/>
-            </a:pPr>
-            <a:r>
-              <a:rPr lang="en-US" b="0" baseline="0" dirty="0" smtClean="0">
-                <a:solidFill>
-                  <a:srgbClr val="000000"/>
-                </a:solidFill>
-                <a:latin typeface="Lucida Grande" charset="0"/>
-                <a:ea typeface="ＭＳ Ｐゴシック" charset="0"/>
-                <a:cs typeface="Lucida Grande" charset="0"/>
-                <a:sym typeface="Lucida Grande" charset="0"/>
-              </a:rPr>
-              <a:t>For existing modules, the </a:t>
-            </a:r>
-            <a:r>
-              <a:rPr lang="en-US" b="0" baseline="0" dirty="0" err="1" smtClean="0">
-                <a:solidFill>
-                  <a:srgbClr val="000000"/>
-                </a:solidFill>
-                <a:latin typeface="Lucida Grande" charset="0"/>
-                <a:ea typeface="ＭＳ Ｐゴシック" charset="0"/>
-                <a:cs typeface="Lucida Grande" charset="0"/>
-                <a:sym typeface="Lucida Grande" charset="0"/>
-              </a:rPr>
-              <a:t>Ti.Platform</a:t>
-            </a:r>
-            <a:r>
-              <a:rPr lang="en-US" b="0" baseline="0" dirty="0" smtClean="0">
-                <a:solidFill>
-                  <a:srgbClr val="000000"/>
-                </a:solidFill>
-                <a:latin typeface="Lucida Grande" charset="0"/>
-                <a:ea typeface="ＭＳ Ｐゴシック" charset="0"/>
-                <a:cs typeface="Lucida Grande" charset="0"/>
-                <a:sym typeface="Lucida Grande" charset="0"/>
-              </a:rPr>
-              <a:t> module is fairly straightforward for basic stuff. Look at the UI widgets to see how you’d make a module with a visual/UI component</a:t>
+              <a:rPr lang="en-US" dirty="0" smtClean="0">
+                <a:solidFill>
+                  <a:srgbClr val="000000"/>
+                </a:solidFill>
+                <a:latin typeface="Times New Roman" charset="0"/>
+                <a:ea typeface="ＭＳ Ｐゴシック" charset="0"/>
+                <a:cs typeface="Times New Roman" charset="0"/>
+                <a:sym typeface="Times New Roman" charset="0"/>
+              </a:rPr>
+              <a:t>We will follow along with the module </a:t>
+            </a:r>
+            <a:r>
+              <a:rPr lang="en-US" dirty="0" err="1" smtClean="0">
+                <a:solidFill>
+                  <a:srgbClr val="000000"/>
+                </a:solidFill>
+                <a:latin typeface="Times New Roman" charset="0"/>
+                <a:ea typeface="ＭＳ Ｐゴシック" charset="0"/>
+                <a:cs typeface="Times New Roman" charset="0"/>
+                <a:sym typeface="Times New Roman" charset="0"/>
+              </a:rPr>
+              <a:t>dev</a:t>
+            </a:r>
+            <a:r>
+              <a:rPr lang="en-US" dirty="0" smtClean="0">
+                <a:solidFill>
+                  <a:srgbClr val="000000"/>
+                </a:solidFill>
+                <a:latin typeface="Times New Roman" charset="0"/>
+                <a:ea typeface="ＭＳ Ｐゴシック" charset="0"/>
+                <a:cs typeface="Times New Roman" charset="0"/>
+                <a:sym typeface="Times New Roman" charset="0"/>
+              </a:rPr>
+              <a:t> guides and try a custom module ourselves.  </a:t>
+            </a:r>
+            <a:r>
+              <a:rPr lang="en-US" smtClean="0">
+                <a:solidFill>
+                  <a:srgbClr val="000000"/>
+                </a:solidFill>
+                <a:latin typeface="Times New Roman" charset="0"/>
+                <a:ea typeface="ＭＳ Ｐゴシック" charset="0"/>
+                <a:cs typeface="Times New Roman" charset="0"/>
+                <a:sym typeface="Times New Roman" charset="0"/>
+              </a:rPr>
+              <a:t>This is a “kick the tires” type exercise.</a:t>
             </a:r>
           </a:p>
           <a:p>
@@ -2879,265 +3170,7 @@
 </p:notes>
 </file>
 
-<file path=ppt/notesSlides/notesSlide24.xml><?xml version="1.0" encoding="utf-8"?>
-<p:notes xmlns:a="http://schemas.openxmlformats.org/drawingml/2006/main" xmlns:r="http://schemas.openxmlformats.org/officeDocument/2006/relationships" xmlns:p="http://schemas.openxmlformats.org/presentationml/2006/main">
-  <p:cSld>
-    <p:spTree>
-      <p:nvGrpSpPr>
-        <p:cNvPr id="1" name=""/>
-        <p:cNvGrpSpPr/>
-        <p:nvPr/>
-      </p:nvGrpSpPr>
-      <p:grpSpPr>
-        <a:xfrm>
-          <a:off x="0" y="0"/>
-          <a:ext cx="0" cy="0"/>
-          <a:chOff x="0" y="0"/>
-          <a:chExt cx="0" cy="0"/>
-        </a:xfrm>
-      </p:grpSpPr>
-      <p:sp>
-        <p:nvSpPr>
-          <p:cNvPr id="17409" name="Rectangle 1"/>
-          <p:cNvSpPr>
-            <a:spLocks noGrp="1" noRot="1" noChangeAspect="1" noChangeArrowheads="1"/>
-          </p:cNvSpPr>
-          <p:nvPr>
-            <p:ph type="sldImg"/>
-          </p:nvPr>
-        </p:nvSpPr>
-        <p:spPr>
-          <a:solidFill>
-            <a:srgbClr val="FFFFFF"/>
-          </a:solidFill>
-          <a:ln/>
-        </p:spPr>
-      </p:sp>
-      <p:sp>
-        <p:nvSpPr>
-          <p:cNvPr id="17410" name="Rectangle 2"/>
-          <p:cNvSpPr>
-            <a:spLocks noGrp="1" noChangeArrowheads="1"/>
-          </p:cNvSpPr>
-          <p:nvPr>
-            <p:ph type="body" idx="1"/>
-          </p:nvPr>
-        </p:nvSpPr>
-        <p:spPr>
-          <a:noFill/>
-          <a:ln/>
-          <a:extLst>
-            <a:ext uri="{909E8E84-426E-40dd-AFC4-6F175D3DCCD1}">
-              <a14:hiddenFill xmlns:a14="http://schemas.microsoft.com/office/drawing/2010/main">
-                <a:solidFill>
-                  <a:srgbClr val="FFFFFF"/>
-                </a:solidFill>
-              </a14:hiddenFill>
-            </a:ext>
-            <a:ext uri="{91240B29-F687-4f45-9708-019B960494DF}">
-              <a14:hiddenLine xmlns:a14="http://schemas.microsoft.com/office/drawing/2010/main" w="9525">
-                <a:solidFill>
-                  <a:srgbClr val="000000"/>
-                </a:solidFill>
-                <a:miter lim="800000"/>
-                <a:headEnd/>
-                <a:tailEnd/>
-              </a14:hiddenLine>
-            </a:ext>
-          </a:extLst>
-        </p:spPr>
-        <p:txBody>
-          <a:bodyPr/>
-          <a:lstStyle/>
-          <a:p>
-            <a:pPr marL="119063" eaLnBrk="1" hangingPunct="1">
-              <a:spcBef>
-                <a:spcPts val="450"/>
-              </a:spcBef>
-            </a:pPr>
-            <a:endParaRPr lang="en-US" dirty="0">
-              <a:solidFill>
-                <a:srgbClr val="000000"/>
-              </a:solidFill>
-              <a:latin typeface="Times New Roman" charset="0"/>
-              <a:ea typeface="ＭＳ Ｐゴシック" charset="0"/>
-              <a:cs typeface="Times New Roman" charset="0"/>
-              <a:sym typeface="Times New Roman" charset="0"/>
-            </a:endParaRPr>
-          </a:p>
-        </p:txBody>
-      </p:sp>
-    </p:spTree>
-  </p:cSld>
-  <p:clrMapOvr>
-    <a:masterClrMapping/>
-  </p:clrMapOvr>
-</p:notes>
-</file>
-
 <file path=ppt/notesSlides/notesSlide25.xml><?xml version="1.0" encoding="utf-8"?>
-<p:notes xmlns:a="http://schemas.openxmlformats.org/drawingml/2006/main" xmlns:r="http://schemas.openxmlformats.org/officeDocument/2006/relationships" xmlns:p="http://schemas.openxmlformats.org/presentationml/2006/main">
-  <p:cSld>
-    <p:spTree>
-      <p:nvGrpSpPr>
-        <p:cNvPr id="1" name=""/>
-        <p:cNvGrpSpPr/>
-        <p:nvPr/>
-      </p:nvGrpSpPr>
-      <p:grpSpPr>
-        <a:xfrm>
-          <a:off x="0" y="0"/>
-          <a:ext cx="0" cy="0"/>
-          <a:chOff x="0" y="0"/>
-          <a:chExt cx="0" cy="0"/>
-        </a:xfrm>
-      </p:grpSpPr>
-      <p:sp>
-        <p:nvSpPr>
-          <p:cNvPr id="13313" name="Rectangle 1"/>
-          <p:cNvSpPr>
-            <a:spLocks noGrp="1" noRot="1" noChangeAspect="1" noChangeArrowheads="1"/>
-          </p:cNvSpPr>
-          <p:nvPr>
-            <p:ph type="sldImg"/>
-          </p:nvPr>
-        </p:nvSpPr>
-        <p:spPr>
-          <a:solidFill>
-            <a:srgbClr val="FFFFFF"/>
-          </a:solidFill>
-          <a:ln/>
-        </p:spPr>
-      </p:sp>
-      <p:sp>
-        <p:nvSpPr>
-          <p:cNvPr id="13314" name="Rectangle 2"/>
-          <p:cNvSpPr>
-            <a:spLocks noGrp="1" noChangeArrowheads="1"/>
-          </p:cNvSpPr>
-          <p:nvPr>
-            <p:ph type="body" idx="1"/>
-          </p:nvPr>
-        </p:nvSpPr>
-        <p:spPr>
-          <a:noFill/>
-          <a:ln/>
-          <a:extLst>
-            <a:ext uri="{909E8E84-426E-40dd-AFC4-6F175D3DCCD1}">
-              <a14:hiddenFill xmlns:a14="http://schemas.microsoft.com/office/drawing/2010/main">
-                <a:solidFill>
-                  <a:srgbClr val="FFFFFF"/>
-                </a:solidFill>
-              </a14:hiddenFill>
-            </a:ext>
-            <a:ext uri="{91240B29-F687-4f45-9708-019B960494DF}">
-              <a14:hiddenLine xmlns:a14="http://schemas.microsoft.com/office/drawing/2010/main" w="9525">
-                <a:solidFill>
-                  <a:srgbClr val="000000"/>
-                </a:solidFill>
-                <a:miter lim="800000"/>
-                <a:headEnd/>
-                <a:tailEnd/>
-              </a14:hiddenLine>
-            </a:ext>
-          </a:extLst>
-        </p:spPr>
-        <p:txBody>
-          <a:bodyPr/>
-          <a:lstStyle/>
-          <a:p>
-            <a:pPr marL="250825" marR="0" indent="-171450" algn="l" defTabSz="914400" rtl="0" eaLnBrk="1" fontAlgn="base" latinLnBrk="0" hangingPunct="1">
-              <a:lnSpc>
-                <a:spcPct val="100000"/>
-              </a:lnSpc>
-              <a:spcBef>
-                <a:spcPct val="0"/>
-              </a:spcBef>
-              <a:spcAft>
-                <a:spcPct val="0"/>
-              </a:spcAft>
-              <a:buClrTx/>
-              <a:buSzTx/>
-              <a:buFontTx/>
-              <a:buChar char="-"/>
-              <a:tabLst/>
-              <a:defRPr/>
-            </a:pPr>
-            <a:r>
-              <a:rPr lang="en-US" dirty="0" smtClean="0">
-                <a:solidFill>
-                  <a:srgbClr val="000000"/>
-                </a:solidFill>
-                <a:latin typeface="Times New Roman" charset="0"/>
-                <a:ea typeface="ＭＳ Ｐゴシック" charset="0"/>
-                <a:cs typeface="Times New Roman" charset="0"/>
-                <a:sym typeface="Times New Roman" charset="0"/>
-              </a:rPr>
-              <a:t>We will follow along with the module </a:t>
-            </a:r>
-            <a:r>
-              <a:rPr lang="en-US" dirty="0" err="1" smtClean="0">
-                <a:solidFill>
-                  <a:srgbClr val="000000"/>
-                </a:solidFill>
-                <a:latin typeface="Times New Roman" charset="0"/>
-                <a:ea typeface="ＭＳ Ｐゴシック" charset="0"/>
-                <a:cs typeface="Times New Roman" charset="0"/>
-                <a:sym typeface="Times New Roman" charset="0"/>
-              </a:rPr>
-              <a:t>dev</a:t>
-            </a:r>
-            <a:r>
-              <a:rPr lang="en-US" dirty="0" smtClean="0">
-                <a:solidFill>
-                  <a:srgbClr val="000000"/>
-                </a:solidFill>
-                <a:latin typeface="Times New Roman" charset="0"/>
-                <a:ea typeface="ＭＳ Ｐゴシック" charset="0"/>
-                <a:cs typeface="Times New Roman" charset="0"/>
-                <a:sym typeface="Times New Roman" charset="0"/>
-              </a:rPr>
-              <a:t> guides and try a custom module ourselves.  </a:t>
-            </a:r>
-            <a:r>
-              <a:rPr lang="en-US" smtClean="0">
-                <a:solidFill>
-                  <a:srgbClr val="000000"/>
-                </a:solidFill>
-                <a:latin typeface="Times New Roman" charset="0"/>
-                <a:ea typeface="ＭＳ Ｐゴシック" charset="0"/>
-                <a:cs typeface="Times New Roman" charset="0"/>
-                <a:sym typeface="Times New Roman" charset="0"/>
-              </a:rPr>
-              <a:t>This is a “kick the tires” type exercise.</a:t>
-            </a:r>
-          </a:p>
-          <a:p>
-            <a:pPr marL="250825" indent="-171450" eaLnBrk="1" hangingPunct="1">
-              <a:buFontTx/>
-              <a:buChar char="-"/>
-            </a:pPr>
-            <a:endParaRPr lang="en-US" b="0" dirty="0">
-              <a:solidFill>
-                <a:srgbClr val="000000"/>
-              </a:solidFill>
-              <a:latin typeface="Lucida Grande" charset="0"/>
-              <a:ea typeface="ＭＳ Ｐゴシック" charset="0"/>
-              <a:cs typeface="Lucida Grande" charset="0"/>
-              <a:sym typeface="Lucida Grande" charset="0"/>
-            </a:endParaRPr>
-          </a:p>
-        </p:txBody>
-      </p:sp>
-    </p:spTree>
-  </p:cSld>
-  <p:clrMapOvr>
-    <a:masterClrMapping/>
-  </p:clrMapOvr>
-</p:notes>
-</file>
-
-<file path=ppt/notesSlides/notesSlide26.xml><?xml version="1.0" encoding="utf-8"?>
 <p:notes xmlns:a="http://schemas.openxmlformats.org/drawingml/2006/main" xmlns:r="http://schemas.openxmlformats.org/officeDocument/2006/relationships" xmlns:p="http://schemas.openxmlformats.org/presentationml/2006/main">
   <p:cSld>
     <p:spTree>
@@ -4375,7 +4408,7 @@
       </p:grpSpPr>
       <p:sp>
         <p:nvSpPr>
-          <p:cNvPr id="17409" name="Rectangle 1"/>
+          <p:cNvPr id="13313" name="Rectangle 1"/>
           <p:cNvSpPr>
             <a:spLocks noGrp="1" noRot="1" noChangeAspect="1" noChangeArrowheads="1"/>
           </p:cNvSpPr>
@@ -4392,7 +4425,7 @@
       </p:sp>
       <p:sp>
         <p:nvSpPr>
-          <p:cNvPr id="17410" name="Rectangle 2"/>
+          <p:cNvPr id="13314" name="Rectangle 2"/>
           <p:cNvSpPr>
             <a:spLocks noGrp="1" noChangeArrowheads="1"/>
           </p:cNvSpPr>
@@ -4427,43 +4460,135 @@
           <a:bodyPr/>
           <a:lstStyle/>
           <a:p>
-            <a:pPr marL="119063" eaLnBrk="1" hangingPunct="1">
-              <a:spcBef>
-                <a:spcPts val="450"/>
-              </a:spcBef>
+            <a:pPr marL="250825" indent="-171450" eaLnBrk="1" hangingPunct="1">
+              <a:buFontTx/>
+              <a:buChar char="-"/>
             </a:pPr>
             <a:r>
-              <a:rPr lang="en-US" dirty="0" smtClean="0">
-                <a:solidFill>
-                  <a:srgbClr val="000000"/>
-                </a:solidFill>
-                <a:latin typeface="Times New Roman" charset="0"/>
-                <a:ea typeface="ＭＳ Ｐゴシック" charset="0"/>
-                <a:cs typeface="Times New Roman" charset="0"/>
-                <a:sym typeface="Times New Roman" charset="0"/>
-              </a:rPr>
-              <a:t>Our docs and guides are still somewhat</a:t>
-            </a:r>
-            <a:r>
-              <a:rPr lang="en-US" baseline="0" dirty="0" smtClean="0">
-                <a:solidFill>
-                  <a:srgbClr val="000000"/>
-                </a:solidFill>
-                <a:latin typeface="Times New Roman" charset="0"/>
-                <a:ea typeface="ＭＳ Ｐゴシック" charset="0"/>
-                <a:cs typeface="Times New Roman" charset="0"/>
-                <a:sym typeface="Times New Roman" charset="0"/>
-              </a:rPr>
-              <a:t> limited covering the full power of the module SDKs.  The best source for “how do I…” info is to check an existing titanium module for UI, location, or anything else.</a:t>
-            </a:r>
-            <a:endParaRPr lang="en-US" dirty="0">
+              <a:rPr lang="en-US" b="0" dirty="0" smtClean="0">
+                <a:solidFill>
+                  <a:srgbClr val="000000"/>
+                </a:solidFill>
+                <a:latin typeface="Lucida Grande" charset="0"/>
+                <a:ea typeface="ＭＳ Ｐゴシック" charset="0"/>
+                <a:cs typeface="Lucida Grande" charset="0"/>
+                <a:sym typeface="Lucida Grande" charset="0"/>
+              </a:rPr>
+              <a:t>the</a:t>
+            </a:r>
+            <a:r>
+              <a:rPr lang="en-US" b="0" baseline="0" dirty="0" smtClean="0">
+                <a:solidFill>
+                  <a:srgbClr val="000000"/>
+                </a:solidFill>
+                <a:latin typeface="Lucida Grande" charset="0"/>
+                <a:ea typeface="ＭＳ Ｐゴシック" charset="0"/>
+                <a:cs typeface="Lucida Grande" charset="0"/>
+                <a:sym typeface="Lucida Grande" charset="0"/>
+              </a:rPr>
+              <a:t> object model is slightly different between iOS and Android.  in iOS, the top level module (i.e. </a:t>
+            </a:r>
+            <a:r>
+              <a:rPr lang="en-US" b="0" baseline="0" dirty="0" err="1" smtClean="0">
+                <a:solidFill>
+                  <a:srgbClr val="000000"/>
+                </a:solidFill>
+                <a:latin typeface="Lucida Grande" charset="0"/>
+                <a:ea typeface="ＭＳ Ｐゴシック" charset="0"/>
+                <a:cs typeface="Lucida Grande" charset="0"/>
+                <a:sym typeface="Lucida Grande" charset="0"/>
+              </a:rPr>
+              <a:t>Ti.MyModule</a:t>
+            </a:r>
+            <a:r>
+              <a:rPr lang="en-US" b="0" baseline="0" dirty="0" smtClean="0">
+                <a:solidFill>
+                  <a:srgbClr val="000000"/>
+                </a:solidFill>
+                <a:latin typeface="Lucida Grande" charset="0"/>
+                <a:ea typeface="ＭＳ Ｐゴシック" charset="0"/>
+                <a:cs typeface="Lucida Grande" charset="0"/>
+                <a:sym typeface="Lucida Grande" charset="0"/>
+              </a:rPr>
+              <a:t>) is just a Proxy.  In Android, it’s called a “Module”.  they both function as top-level, static interfaces to native code</a:t>
+            </a:r>
+          </a:p>
+          <a:p>
+            <a:pPr marL="250825" indent="-171450" eaLnBrk="1" hangingPunct="1">
+              <a:buFontTx/>
+              <a:buChar char="-"/>
+            </a:pPr>
+            <a:r>
+              <a:rPr lang="en-US" b="0" baseline="0" dirty="0" smtClean="0">
+                <a:solidFill>
+                  <a:srgbClr val="000000"/>
+                </a:solidFill>
+                <a:latin typeface="Lucida Grande" charset="0"/>
+                <a:ea typeface="ＭＳ Ｐゴシック" charset="0"/>
+                <a:cs typeface="Lucida Grande" charset="0"/>
+                <a:sym typeface="Lucida Grande" charset="0"/>
+              </a:rPr>
+              <a:t>a proxy is an object that interfaces directly with native code – non-visual modules will just use these objects</a:t>
+            </a:r>
+          </a:p>
+          <a:p>
+            <a:pPr marL="250825" indent="-171450" eaLnBrk="1" hangingPunct="1">
+              <a:buFontTx/>
+              <a:buChar char="-"/>
+            </a:pPr>
+            <a:r>
+              <a:rPr lang="en-US" b="0" baseline="0" dirty="0" smtClean="0">
+                <a:solidFill>
+                  <a:srgbClr val="000000"/>
+                </a:solidFill>
+                <a:latin typeface="Lucida Grande" charset="0"/>
+                <a:ea typeface="ＭＳ Ｐゴシック" charset="0"/>
+                <a:cs typeface="Lucida Grande" charset="0"/>
+                <a:sym typeface="Lucida Grande" charset="0"/>
+              </a:rPr>
+              <a:t>a visual module will need to implement a view, which is a native representation of a visual component, and a ViewProxy, which contains the state information for a View.  The View could be hidden and removed from memory, but the ViewProxy would still contain information about that view (like the title of a window, background color of a view, etc.)</a:t>
+            </a:r>
+          </a:p>
+          <a:p>
+            <a:pPr marL="250825" indent="-171450" eaLnBrk="1" hangingPunct="1">
+              <a:buFontTx/>
+              <a:buChar char="-"/>
+            </a:pPr>
+            <a:endParaRPr lang="en-US" b="0" baseline="0" dirty="0" smtClean="0">
               <a:solidFill>
                 <a:srgbClr val="000000"/>
               </a:solidFill>
-              <a:latin typeface="Times New Roman" charset="0"/>
+              <a:latin typeface="Lucida Grande" charset="0"/>
               <a:ea typeface="ＭＳ Ｐゴシック" charset="0"/>
-              <a:cs typeface="Times New Roman" charset="0"/>
-              <a:sym typeface="Times New Roman" charset="0"/>
+              <a:cs typeface="Lucida Grande" charset="0"/>
+              <a:sym typeface="Lucida Grande" charset="0"/>
+            </a:endParaRPr>
+          </a:p>
+          <a:p>
+            <a:pPr marL="250825" indent="-171450" eaLnBrk="1" hangingPunct="1">
+              <a:buFontTx/>
+              <a:buChar char="-"/>
+            </a:pPr>
+            <a:r>
+              <a:rPr lang="en-US" b="0" dirty="0" smtClean="0">
+                <a:solidFill>
+                  <a:srgbClr val="000000"/>
+                </a:solidFill>
+                <a:latin typeface="Lucida Grande" charset="0"/>
+                <a:ea typeface="ＭＳ Ｐゴシック" charset="0"/>
+                <a:cs typeface="Lucida Grande" charset="0"/>
+                <a:sym typeface="Lucida Grande" charset="0"/>
+              </a:rPr>
+              <a:t>View proxy is a sub class of proxy</a:t>
+            </a:r>
+            <a:endParaRPr lang="en-US" b="0" dirty="0">
+              <a:solidFill>
+                <a:srgbClr val="000000"/>
+              </a:solidFill>
+              <a:latin typeface="Lucida Grande" charset="0"/>
+              <a:ea typeface="ＭＳ Ｐゴシック" charset="0"/>
+              <a:cs typeface="Lucida Grande" charset="0"/>
+              <a:sym typeface="Lucida Grande" charset="0"/>
             </a:endParaRPr>
           </a:p>
         </p:txBody>
@@ -4886,7 +5011,7 @@
               <a:pPr>
                 <a:defRPr/>
               </a:pPr>
-              <a:t>12/15/11</a:t>
+              <a:t>2/28/12</a:t>
             </a:fld>
             <a:endParaRPr lang="en-US"/>
           </a:p>
@@ -5307,7 +5432,7 @@
               <a:pPr>
                 <a:defRPr/>
               </a:pPr>
-              <a:t>12/15/11</a:t>
+              <a:t>2/28/12</a:t>
             </a:fld>
             <a:endParaRPr lang="en-US"/>
           </a:p>
@@ -6032,7 +6157,7 @@
               <a:pPr>
                 <a:defRPr/>
               </a:pPr>
-              <a:t>12/15/11</a:t>
+              <a:t>2/28/12</a:t>
             </a:fld>
             <a:endParaRPr lang="en-US"/>
           </a:p>
@@ -6585,7 +6710,7 @@
               <a:pPr>
                 <a:defRPr/>
               </a:pPr>
-              <a:t>12/15/11</a:t>
+              <a:t>2/28/12</a:t>
             </a:fld>
             <a:endParaRPr lang="en-US"/>
           </a:p>
@@ -6936,7 +7061,7 @@
               <a:pPr>
                 <a:defRPr/>
               </a:pPr>
-              <a:t>12/15/11</a:t>
+              <a:t>2/28/12</a:t>
             </a:fld>
             <a:endParaRPr lang="en-US"/>
           </a:p>
@@ -7294,7 +7419,7 @@
               <a:pPr>
                 <a:defRPr/>
               </a:pPr>
-              <a:t>12/15/11</a:t>
+              <a:t>2/28/12</a:t>
             </a:fld>
             <a:endParaRPr lang="en-US"/>
           </a:p>
@@ -7529,7 +7654,7 @@
               <a:pPr>
                 <a:defRPr/>
               </a:pPr>
-              <a:t>12/15/11</a:t>
+              <a:t>2/28/12</a:t>
             </a:fld>
             <a:endParaRPr lang="en-US"/>
           </a:p>
@@ -7821,7 +7946,7 @@
               <a:pPr>
                 <a:defRPr/>
               </a:pPr>
-              <a:t>12/15/11</a:t>
+              <a:t>2/28/12</a:t>
             </a:fld>
             <a:endParaRPr lang="en-US"/>
           </a:p>
@@ -9250,7 +9375,7 @@
                 <a:ea typeface="ヒラギノ角ゴ ProN W6" charset="0"/>
                 <a:cs typeface="ヒラギノ角ゴ ProN W6" charset="0"/>
               </a:rPr>
-              <a:t>Module Object Model</a:t>
+              <a:t>Module JavaScript Interfaces</a:t>
             </a:r>
             <a:endParaRPr lang="en-US" dirty="0">
               <a:latin typeface="Trebuchet MS Bold" charset="0"/>
@@ -9287,19 +9412,40 @@
                 <a:ea typeface="ヒラギノ角ゴ ProN W3" charset="0"/>
                 <a:cs typeface="ヒラギノ角ゴ ProN W3" charset="0"/>
               </a:rPr>
-              <a:t>Proxy</a:t>
+              <a:t>Proxy objects can have public properties:</a:t>
             </a:r>
           </a:p>
           <a:p>
             <a:pPr eaLnBrk="1" hangingPunct="1"/>
             <a:r>
-              <a:rPr lang="en-US" dirty="0" smtClean="0">
+              <a:rPr lang="en-US" dirty="0">
                 <a:latin typeface="Trebuchet MS" charset="0"/>
                 <a:ea typeface="ヒラギノ角ゴ ProN W3" charset="0"/>
                 <a:cs typeface="ヒラギノ角ゴ ProN W3" charset="0"/>
               </a:rPr>
-              <a:t>- interface between native code and JavaScript – a module will have at least one proxy</a:t>
-            </a:r>
+              <a:t>	</a:t>
+            </a:r>
+            <a:r>
+              <a:rPr lang="en-US" dirty="0" smtClean="0">
+                <a:latin typeface="Trebuchet MS" charset="0"/>
+                <a:ea typeface="ヒラギノ角ゴ ProN W3" charset="0"/>
+                <a:cs typeface="ヒラギノ角ゴ ProN W3" charset="0"/>
+              </a:rPr>
+              <a:t>- </a:t>
+            </a:r>
+            <a:r>
+              <a:rPr lang="en-US" dirty="0" err="1" smtClean="0">
+                <a:latin typeface="Trebuchet MS" charset="0"/>
+                <a:ea typeface="ヒラギノ角ゴ ProN W3" charset="0"/>
+                <a:cs typeface="ヒラギノ角ゴ ProN W3" charset="0"/>
+              </a:rPr>
+              <a:t>Ti.Platform.osname</a:t>
+            </a:r>
+            <a:endParaRPr lang="en-US" dirty="0" smtClean="0">
+              <a:latin typeface="Trebuchet MS" charset="0"/>
+              <a:ea typeface="ヒラギノ角ゴ ProN W3" charset="0"/>
+              <a:cs typeface="ヒラギノ角ゴ ProN W3" charset="0"/>
+            </a:endParaRPr>
           </a:p>
           <a:p>
             <a:pPr eaLnBrk="1" hangingPunct="1"/>
@@ -9317,7 +9463,7 @@
                 <a:ea typeface="ヒラギノ角ゴ ProN W3" charset="0"/>
                 <a:cs typeface="ヒラギノ角ゴ ProN W3" charset="0"/>
               </a:rPr>
-              <a:t>View</a:t>
+              <a:t>Proxy objects can have public methods:</a:t>
             </a:r>
           </a:p>
           <a:p>
@@ -9328,8 +9474,21 @@
                 <a:ea typeface="ヒラギノ角ゴ ProN W3" charset="0"/>
                 <a:cs typeface="ヒラギノ角ゴ ProN W3" charset="0"/>
               </a:rPr>
-              <a:t>- actual native representation of a view object (for UI components)</a:t>
-            </a:r>
+              <a:t>	- </a:t>
+            </a:r>
+            <a:r>
+              <a:rPr lang="en-US" dirty="0" err="1" smtClean="0">
+                <a:latin typeface="Trebuchet MS" charset="0"/>
+                <a:ea typeface="ヒラギノ角ゴ ProN W3" charset="0"/>
+                <a:cs typeface="ヒラギノ角ゴ ProN W3" charset="0"/>
+              </a:rPr>
+              <a:t>Ti.UI.createWindow</a:t>
+            </a:r>
+            <a:endParaRPr lang="en-US" dirty="0" smtClean="0">
+              <a:latin typeface="Trebuchet MS" charset="0"/>
+              <a:ea typeface="ヒラギノ角ゴ ProN W3" charset="0"/>
+              <a:cs typeface="ヒラギノ角ゴ ProN W3" charset="0"/>
+            </a:endParaRPr>
           </a:p>
           <a:p>
             <a:pPr eaLnBrk="1" hangingPunct="1"/>
@@ -9347,35 +9506,42 @@
                 <a:ea typeface="ヒラギノ角ゴ ProN W3" charset="0"/>
                 <a:cs typeface="ヒラギノ角ゴ ProN W3" charset="0"/>
               </a:rPr>
-              <a:t>ViewProxy</a:t>
-            </a:r>
-          </a:p>
-          <a:p>
-            <a:pPr eaLnBrk="1" hangingPunct="1">
-              <a:buFontTx/>
-              <a:buChar char="-"/>
-            </a:pPr>
-            <a:r>
-              <a:rPr lang="en-US" dirty="0" smtClean="0">
+              <a:t>Proxy objects can emit and listen for events:</a:t>
+            </a:r>
+          </a:p>
+          <a:p>
+            <a:pPr eaLnBrk="1" hangingPunct="1"/>
+            <a:r>
+              <a:rPr lang="en-US" dirty="0">
                 <a:latin typeface="Trebuchet MS" charset="0"/>
                 <a:ea typeface="ヒラギノ角ゴ ProN W3" charset="0"/>
                 <a:cs typeface="ヒラギノ角ゴ ProN W3" charset="0"/>
               </a:rPr>
-              <a:t>contains the actual state for a view (in case a View must be released for memory management)</a:t>
-            </a:r>
-          </a:p>
-          <a:p>
-            <a:pPr eaLnBrk="1" hangingPunct="1">
-              <a:buFontTx/>
-              <a:buChar char="-"/>
-            </a:pPr>
+              <a:t>	</a:t>
+            </a:r>
             <a:r>
               <a:rPr lang="en-US" dirty="0" smtClean="0">
                 <a:latin typeface="Trebuchet MS" charset="0"/>
                 <a:ea typeface="ヒラギノ角ゴ ProN W3" charset="0"/>
                 <a:cs typeface="ヒラギノ角ゴ ProN W3" charset="0"/>
               </a:rPr>
-              <a:t>has public JavaScript API for a View</a:t>
+              <a:t>- </a:t>
+            </a:r>
+            <a:r>
+              <a:rPr lang="en-US" dirty="0" err="1" smtClean="0">
+                <a:latin typeface="Trebuchet MS" charset="0"/>
+                <a:ea typeface="ヒラギノ角ゴ ProN W3" charset="0"/>
+                <a:cs typeface="ヒラギノ角ゴ ProN W3" charset="0"/>
+              </a:rPr>
+              <a:t>Ti.App.addEventListener</a:t>
+            </a:r>
+            <a:r>
+              <a:rPr lang="en-US" dirty="0" smtClean="0">
+                <a:latin typeface="Trebuchet MS" charset="0"/>
+                <a:ea typeface="ヒラギノ角ゴ ProN W3" charset="0"/>
+                <a:cs typeface="ヒラギノ角ゴ ProN W3" charset="0"/>
+              </a:rPr>
+              <a:t>(‘foo’, function(){});</a:t>
             </a:r>
             <a:endParaRPr lang="en-US" dirty="0">
               <a:latin typeface="Trebuchet MS" charset="0"/>
@@ -9568,7 +9734,7 @@
     </p:spTree>
     <p:extLst>
       <p:ext uri="{BB962C8B-B14F-4D97-AF65-F5344CB8AC3E}">
-        <p14:creationId xmlns:p14="http://schemas.microsoft.com/office/powerpoint/2010/main" val="1333513995"/>
+        <p14:creationId xmlns:p14="http://schemas.microsoft.com/office/powerpoint/2010/main" val="2198745574"/>
       </p:ext>
     </p:extLst>
   </p:cSld>
@@ -9792,7 +9958,7 @@
                 <a:ea typeface="ヒラギノ角ゴ ProN W6" charset="0"/>
                 <a:cs typeface="ヒラギノ角ゴ ProN W6" charset="0"/>
               </a:rPr>
-              <a:t>Module JavaScript Interfaces</a:t>
+              <a:t>iOS – Proxy Property</a:t>
             </a:r>
             <a:endParaRPr lang="en-US" dirty="0">
               <a:latin typeface="Trebuchet MS Bold" charset="0"/>
@@ -9815,7 +9981,7 @@
         <p:spPr>
           <a:xfrm>
             <a:off x="457200" y="1346200"/>
-            <a:ext cx="8229600" cy="4978400"/>
+            <a:ext cx="8229600" cy="1016000"/>
           </a:xfrm>
         </p:spPr>
         <p:txBody>
@@ -9829,18 +9995,15 @@
                 <a:ea typeface="ヒラギノ角ゴ ProN W3" charset="0"/>
                 <a:cs typeface="ヒラギノ角ゴ ProN W3" charset="0"/>
               </a:rPr>
-              <a:t>Proxy objects can have public properties:</a:t>
-            </a:r>
-          </a:p>
-          <a:p>
-            <a:pPr eaLnBrk="1" hangingPunct="1"/>
-            <a:r>
-              <a:rPr lang="en-US" dirty="0">
+              <a:t>To expose a property, simply define an </a:t>
+            </a:r>
+            <a:r>
+              <a:rPr lang="en-US" dirty="0" err="1" smtClean="0">
                 <a:latin typeface="Trebuchet MS" charset="0"/>
                 <a:ea typeface="ヒラギノ角ゴ ProN W3" charset="0"/>
                 <a:cs typeface="ヒラギノ角ゴ ProN W3" charset="0"/>
               </a:rPr>
-              <a:t>	</a:t>
+              <a:t>ObjC</a:t>
             </a:r>
             <a:r>
               <a:rPr lang="en-US" dirty="0" smtClean="0">
@@ -9848,17 +10011,12 @@
                 <a:ea typeface="ヒラギノ角ゴ ProN W3" charset="0"/>
                 <a:cs typeface="ヒラギノ角ゴ ProN W3" charset="0"/>
               </a:rPr>
-              <a:t>- </a:t>
-            </a:r>
-            <a:r>
-              <a:rPr lang="en-US" dirty="0" err="1" smtClean="0">
-                <a:latin typeface="Trebuchet MS" charset="0"/>
-                <a:ea typeface="ヒラギノ角ゴ ProN W3" charset="0"/>
-                <a:cs typeface="ヒラギノ角ゴ ProN W3" charset="0"/>
-              </a:rPr>
-              <a:t>Ti.Platform.osname</a:t>
-            </a:r>
-            <a:endParaRPr lang="en-US" dirty="0" smtClean="0">
+              <a:t> property:</a:t>
+            </a:r>
+          </a:p>
+          <a:p>
+            <a:pPr eaLnBrk="1" hangingPunct="1"/>
+            <a:endParaRPr lang="en-US" sz="900" dirty="0">
               <a:latin typeface="Trebuchet MS" charset="0"/>
               <a:ea typeface="ヒラギノ角ゴ ProN W3" charset="0"/>
               <a:cs typeface="ヒラギノ角ゴ ProN W3" charset="0"/>
@@ -9866,111 +10024,256 @@
           </a:p>
           <a:p>
             <a:pPr eaLnBrk="1" hangingPunct="1"/>
-            <a:endParaRPr lang="en-US" dirty="0">
+            <a:r>
+              <a:rPr lang="en-US" sz="2000" u="sng" dirty="0" smtClean="0">
+                <a:latin typeface="Trebuchet MS" charset="0"/>
+                <a:ea typeface="ヒラギノ角ゴ ProN W3" charset="0"/>
+                <a:cs typeface="ヒラギノ角ゴ ProN W3" charset="0"/>
+              </a:rPr>
+              <a:t>From </a:t>
+            </a:r>
+            <a:r>
+              <a:rPr lang="en-US" sz="2000" u="sng" dirty="0" err="1" smtClean="0">
+                <a:latin typeface="Trebuchet MS" charset="0"/>
+                <a:ea typeface="ヒラギノ角ゴ ProN W3" charset="0"/>
+                <a:cs typeface="ヒラギノ角ゴ ProN W3" charset="0"/>
+              </a:rPr>
+              <a:t>PlatformModule.h</a:t>
+            </a:r>
+            <a:r>
+              <a:rPr lang="en-US" sz="2000" u="sng" dirty="0" smtClean="0">
+                <a:latin typeface="Trebuchet MS" charset="0"/>
+                <a:ea typeface="ヒラギノ角ゴ ProN W3" charset="0"/>
+                <a:cs typeface="ヒラギノ角ゴ ProN W3" charset="0"/>
+              </a:rPr>
+              <a:t>:</a:t>
+            </a:r>
+            <a:endParaRPr lang="en-US" sz="2000" u="sng" dirty="0">
               <a:latin typeface="Trebuchet MS" charset="0"/>
               <a:ea typeface="ヒラギノ角ゴ ProN W3" charset="0"/>
               <a:cs typeface="ヒラギノ角ゴ ProN W3" charset="0"/>
             </a:endParaRPr>
           </a:p>
+        </p:txBody>
+      </p:sp>
+      <p:sp>
+        <p:nvSpPr>
+          <p:cNvPr id="10" name="Rectangle 7"/>
+          <p:cNvSpPr txBox="1">
+            <a:spLocks noChangeArrowheads="1"/>
+          </p:cNvSpPr>
+          <p:nvPr/>
+        </p:nvSpPr>
+        <p:spPr bwMode="auto">
+          <a:xfrm>
+            <a:off x="609600" y="4470400"/>
+            <a:ext cx="8229600" cy="482600"/>
+          </a:xfrm>
+          <a:prstGeom prst="rect">
+            <a:avLst/>
+          </a:prstGeom>
+          <a:noFill/>
+          <a:ln>
+            <a:noFill/>
+          </a:ln>
+          <a:extLst>
+            <a:ext uri="{909E8E84-426E-40dd-AFC4-6F175D3DCCD1}">
+              <a14:hiddenFill xmlns:a14="http://schemas.microsoft.com/office/drawing/2010/main">
+                <a:solidFill>
+                  <a:srgbClr val="FFFFFF"/>
+                </a:solidFill>
+              </a14:hiddenFill>
+            </a:ext>
+            <a:ext uri="{91240B29-F687-4f45-9708-019B960494DF}">
+              <a14:hiddenLine xmlns:a14="http://schemas.microsoft.com/office/drawing/2010/main" w="9525">
+                <a:solidFill>
+                  <a:srgbClr val="000000"/>
+                </a:solidFill>
+                <a:miter lim="800000"/>
+                <a:headEnd/>
+                <a:tailEnd/>
+              </a14:hiddenLine>
+            </a:ext>
+            <a:ext uri="{FAA26D3D-D897-4be2-8F04-BA451C77F1D7}">
+              <ma14:placeholderFlag xmlns:ma14="http://schemas.microsoft.com/office/mac/drawingml/2011/main" val="1"/>
+            </a:ext>
+          </a:extLst>
+        </p:spPr>
+        <p:txBody>
+          <a:bodyPr vert="horz" wrap="square" lIns="91440" tIns="45720" rIns="81279" bIns="45720" numCol="1" anchor="t" anchorCtr="0" compatLnSpc="1">
+            <a:prstTxWarp prst="textNoShape">
+              <a:avLst/>
+            </a:prstTxWarp>
+          </a:bodyPr>
+          <a:lstStyle>
+            <a:lvl1pPr marL="342900" indent="-342900" algn="l" defTabSz="457200" rtl="0" eaLnBrk="0" fontAlgn="base" hangingPunct="0">
+              <a:spcBef>
+                <a:spcPct val="20000"/>
+              </a:spcBef>
+              <a:spcAft>
+                <a:spcPct val="0"/>
+              </a:spcAft>
+              <a:buFont typeface="Arial" charset="0"/>
+              <a:defRPr sz="2400" kern="1200">
+                <a:solidFill>
+                  <a:srgbClr val="122956"/>
+                </a:solidFill>
+                <a:latin typeface="+mn-lt"/>
+                <a:ea typeface="ＭＳ Ｐゴシック" charset="0"/>
+                <a:cs typeface="ＭＳ Ｐゴシック" charset="0"/>
+              </a:defRPr>
+            </a:lvl1pPr>
+            <a:lvl2pPr marL="457200" algn="l" defTabSz="457200" rtl="0" eaLnBrk="0" fontAlgn="base" hangingPunct="0">
+              <a:spcBef>
+                <a:spcPct val="20000"/>
+              </a:spcBef>
+              <a:spcAft>
+                <a:spcPct val="0"/>
+              </a:spcAft>
+              <a:buFont typeface="Arial" charset="0"/>
+              <a:defRPr sz="2000" kern="1200">
+                <a:solidFill>
+                  <a:srgbClr val="122956"/>
+                </a:solidFill>
+                <a:latin typeface="+mn-lt"/>
+                <a:ea typeface="ＭＳ Ｐゴシック" charset="0"/>
+                <a:cs typeface="ＭＳ Ｐゴシック" charset="0"/>
+              </a:defRPr>
+            </a:lvl2pPr>
+            <a:lvl3pPr marL="914400" algn="l" defTabSz="457200" rtl="0" eaLnBrk="0" fontAlgn="base" hangingPunct="0">
+              <a:spcBef>
+                <a:spcPct val="20000"/>
+              </a:spcBef>
+              <a:spcAft>
+                <a:spcPct val="0"/>
+              </a:spcAft>
+              <a:buFont typeface="Arial" charset="0"/>
+              <a:defRPr kern="1200">
+                <a:solidFill>
+                  <a:srgbClr val="122956"/>
+                </a:solidFill>
+                <a:latin typeface="+mn-lt"/>
+                <a:ea typeface="ＭＳ Ｐゴシック" charset="0"/>
+                <a:cs typeface="ＭＳ Ｐゴシック" charset="0"/>
+              </a:defRPr>
+            </a:lvl3pPr>
+            <a:lvl4pPr marL="1371600" algn="l" defTabSz="457200" rtl="0" eaLnBrk="0" fontAlgn="base" hangingPunct="0">
+              <a:spcBef>
+                <a:spcPct val="20000"/>
+              </a:spcBef>
+              <a:spcAft>
+                <a:spcPct val="0"/>
+              </a:spcAft>
+              <a:buFont typeface="Arial" charset="0"/>
+              <a:defRPr sz="2000" kern="1200">
+                <a:solidFill>
+                  <a:schemeClr val="tx1"/>
+                </a:solidFill>
+                <a:latin typeface="+mn-lt"/>
+                <a:ea typeface="ＭＳ Ｐゴシック" charset="0"/>
+                <a:cs typeface="ＭＳ Ｐゴシック" charset="0"/>
+              </a:defRPr>
+            </a:lvl4pPr>
+            <a:lvl5pPr marL="2057400" indent="-228600" algn="l" defTabSz="457200" rtl="0" eaLnBrk="0" fontAlgn="base" hangingPunct="0">
+              <a:spcBef>
+                <a:spcPct val="20000"/>
+              </a:spcBef>
+              <a:spcAft>
+                <a:spcPct val="0"/>
+              </a:spcAft>
+              <a:buFont typeface="Arial" charset="0"/>
+              <a:buChar char="»"/>
+              <a:defRPr sz="2000" kern="1200">
+                <a:solidFill>
+                  <a:schemeClr val="tx1"/>
+                </a:solidFill>
+                <a:latin typeface="+mn-lt"/>
+                <a:ea typeface="ＭＳ Ｐゴシック" charset="0"/>
+                <a:cs typeface="ＭＳ Ｐゴシック" charset="0"/>
+              </a:defRPr>
+            </a:lvl5pPr>
+            <a:lvl6pPr marL="2514600" indent="-228600" algn="l" defTabSz="457200" rtl="0" eaLnBrk="1" latinLnBrk="0" hangingPunct="1">
+              <a:spcBef>
+                <a:spcPct val="20000"/>
+              </a:spcBef>
+              <a:buFont typeface="Arial"/>
+              <a:buChar char="•"/>
+              <a:defRPr sz="2000" kern="1200">
+                <a:solidFill>
+                  <a:schemeClr val="tx1"/>
+                </a:solidFill>
+                <a:latin typeface="+mn-lt"/>
+                <a:ea typeface="+mn-ea"/>
+                <a:cs typeface="+mn-cs"/>
+              </a:defRPr>
+            </a:lvl6pPr>
+            <a:lvl7pPr marL="2971800" indent="-228600" algn="l" defTabSz="457200" rtl="0" eaLnBrk="1" latinLnBrk="0" hangingPunct="1">
+              <a:spcBef>
+                <a:spcPct val="20000"/>
+              </a:spcBef>
+              <a:buFont typeface="Arial"/>
+              <a:buChar char="•"/>
+              <a:defRPr sz="2000" kern="1200">
+                <a:solidFill>
+                  <a:schemeClr val="tx1"/>
+                </a:solidFill>
+                <a:latin typeface="+mn-lt"/>
+                <a:ea typeface="+mn-ea"/>
+                <a:cs typeface="+mn-cs"/>
+              </a:defRPr>
+            </a:lvl7pPr>
+            <a:lvl8pPr marL="3429000" indent="-228600" algn="l" defTabSz="457200" rtl="0" eaLnBrk="1" latinLnBrk="0" hangingPunct="1">
+              <a:spcBef>
+                <a:spcPct val="20000"/>
+              </a:spcBef>
+              <a:buFont typeface="Arial"/>
+              <a:buChar char="•"/>
+              <a:defRPr sz="2000" kern="1200">
+                <a:solidFill>
+                  <a:schemeClr val="tx1"/>
+                </a:solidFill>
+                <a:latin typeface="+mn-lt"/>
+                <a:ea typeface="+mn-ea"/>
+                <a:cs typeface="+mn-cs"/>
+              </a:defRPr>
+            </a:lvl8pPr>
+            <a:lvl9pPr marL="3886200" indent="-228600" algn="l" defTabSz="457200" rtl="0" eaLnBrk="1" latinLnBrk="0" hangingPunct="1">
+              <a:spcBef>
+                <a:spcPct val="20000"/>
+              </a:spcBef>
+              <a:buFont typeface="Arial"/>
+              <a:buChar char="•"/>
+              <a:defRPr sz="2000" kern="1200">
+                <a:solidFill>
+                  <a:schemeClr val="tx1"/>
+                </a:solidFill>
+                <a:latin typeface="+mn-lt"/>
+                <a:ea typeface="+mn-ea"/>
+                <a:cs typeface="+mn-cs"/>
+              </a:defRPr>
+            </a:lvl9pPr>
+          </a:lstStyle>
           <a:p>
             <a:pPr eaLnBrk="1" hangingPunct="1"/>
             <a:r>
-              <a:rPr lang="en-US" dirty="0" smtClean="0">
+              <a:rPr lang="en-US" sz="2000" u="sng" dirty="0" smtClean="0">
                 <a:latin typeface="Trebuchet MS" charset="0"/>
                 <a:ea typeface="ヒラギノ角ゴ ProN W3" charset="0"/>
                 <a:cs typeface="ヒラギノ角ゴ ProN W3" charset="0"/>
               </a:rPr>
-              <a:t>Proxy objects can have public methods:</a:t>
-            </a:r>
-          </a:p>
-          <a:p>
-            <a:pPr eaLnBrk="1" hangingPunct="1"/>
-            <a:r>
-              <a:rPr lang="en-US" dirty="0" smtClean="0">
-                <a:latin typeface="Trebuchet MS" charset="0"/>
-                <a:ea typeface="ヒラギノ角ゴ ProN W3" charset="0"/>
-                <a:cs typeface="ヒラギノ角ゴ ProN W3" charset="0"/>
-              </a:rPr>
-              <a:t>	- </a:t>
-            </a:r>
-            <a:r>
-              <a:rPr lang="en-US" dirty="0" err="1" smtClean="0">
-                <a:latin typeface="Trebuchet MS" charset="0"/>
-                <a:ea typeface="ヒラギノ角ゴ ProN W3" charset="0"/>
-                <a:cs typeface="ヒラギノ角ゴ ProN W3" charset="0"/>
-              </a:rPr>
-              <a:t>Ti.UI.createWindow</a:t>
-            </a:r>
-            <a:endParaRPr lang="en-US" dirty="0" smtClean="0">
+              <a:t>JS API:</a:t>
+            </a:r>
+            <a:endParaRPr lang="en-US" sz="2000" u="sng" dirty="0">
               <a:latin typeface="Trebuchet MS" charset="0"/>
               <a:ea typeface="ヒラギノ角ゴ ProN W3" charset="0"/>
               <a:cs typeface="ヒラギノ角ゴ ProN W3" charset="0"/>
             </a:endParaRPr>
           </a:p>
-          <a:p>
-            <a:pPr eaLnBrk="1" hangingPunct="1"/>
-            <a:endParaRPr lang="en-US" dirty="0">
-              <a:latin typeface="Trebuchet MS" charset="0"/>
-              <a:ea typeface="ヒラギノ角ゴ ProN W3" charset="0"/>
-              <a:cs typeface="ヒラギノ角ゴ ProN W3" charset="0"/>
-            </a:endParaRPr>
-          </a:p>
-          <a:p>
-            <a:pPr eaLnBrk="1" hangingPunct="1"/>
-            <a:r>
-              <a:rPr lang="en-US" dirty="0" smtClean="0">
-                <a:latin typeface="Trebuchet MS" charset="0"/>
-                <a:ea typeface="ヒラギノ角ゴ ProN W3" charset="0"/>
-                <a:cs typeface="ヒラギノ角ゴ ProN W3" charset="0"/>
-              </a:rPr>
-              <a:t>Proxy objects can emit and listen for events:</a:t>
-            </a:r>
-          </a:p>
-          <a:p>
-            <a:pPr eaLnBrk="1" hangingPunct="1"/>
-            <a:r>
-              <a:rPr lang="en-US" dirty="0">
-                <a:latin typeface="Trebuchet MS" charset="0"/>
-                <a:ea typeface="ヒラギノ角ゴ ProN W3" charset="0"/>
-                <a:cs typeface="ヒラギノ角ゴ ProN W3" charset="0"/>
-              </a:rPr>
-              <a:t>	</a:t>
-            </a:r>
-            <a:r>
-              <a:rPr lang="en-US" dirty="0" smtClean="0">
-                <a:latin typeface="Trebuchet MS" charset="0"/>
-                <a:ea typeface="ヒラギノ角ゴ ProN W3" charset="0"/>
-                <a:cs typeface="ヒラギノ角ゴ ProN W3" charset="0"/>
-              </a:rPr>
-              <a:t>- </a:t>
-            </a:r>
-            <a:r>
-              <a:rPr lang="en-US" dirty="0" err="1" smtClean="0">
-                <a:latin typeface="Trebuchet MS" charset="0"/>
-                <a:ea typeface="ヒラギノ角ゴ ProN W3" charset="0"/>
-                <a:cs typeface="ヒラギノ角ゴ ProN W3" charset="0"/>
-              </a:rPr>
-              <a:t>Ti.App.addEventListener</a:t>
-            </a:r>
-            <a:r>
-              <a:rPr lang="en-US" dirty="0" smtClean="0">
-                <a:latin typeface="Trebuchet MS" charset="0"/>
-                <a:ea typeface="ヒラギノ角ゴ ProN W3" charset="0"/>
-                <a:cs typeface="ヒラギノ角ゴ ProN W3" charset="0"/>
-              </a:rPr>
-              <a:t>(‘foo’, function(){});</a:t>
-            </a:r>
-            <a:endParaRPr lang="en-US" dirty="0">
-              <a:latin typeface="Trebuchet MS" charset="0"/>
-              <a:ea typeface="ヒラギノ角ゴ ProN W3" charset="0"/>
-              <a:cs typeface="ヒラギノ角ゴ ProN W3" charset="0"/>
-            </a:endParaRPr>
-          </a:p>
         </p:txBody>
       </p:sp>
       <p:sp>
         <p:nvSpPr>
-          <p:cNvPr id="7" name="Slide Number Placeholder 5"/>
+          <p:cNvPr id="11" name="Slide Number Placeholder 5"/>
           <p:cNvSpPr>
             <a:spLocks noGrp="1"/>
           </p:cNvSpPr>
@@ -10148,10 +10451,501 @@
           </a:p>
         </p:txBody>
       </p:sp>
+      <p:sp>
+        <p:nvSpPr>
+          <p:cNvPr id="13" name="Rectangle 7"/>
+          <p:cNvSpPr txBox="1">
+            <a:spLocks noChangeArrowheads="1"/>
+          </p:cNvSpPr>
+          <p:nvPr/>
+        </p:nvSpPr>
+        <p:spPr bwMode="auto">
+          <a:xfrm>
+            <a:off x="685800" y="4876800"/>
+            <a:ext cx="8229600" cy="609600"/>
+          </a:xfrm>
+          <a:prstGeom prst="rect">
+            <a:avLst/>
+          </a:prstGeom>
+          <a:noFill/>
+          <a:ln>
+            <a:noFill/>
+          </a:ln>
+          <a:extLst>
+            <a:ext uri="{909E8E84-426E-40dd-AFC4-6F175D3DCCD1}">
+              <a14:hiddenFill xmlns:a14="http://schemas.microsoft.com/office/drawing/2010/main">
+                <a:solidFill>
+                  <a:srgbClr val="FFFFFF"/>
+                </a:solidFill>
+              </a14:hiddenFill>
+            </a:ext>
+            <a:ext uri="{91240B29-F687-4f45-9708-019B960494DF}">
+              <a14:hiddenLine xmlns:a14="http://schemas.microsoft.com/office/drawing/2010/main" w="9525">
+                <a:solidFill>
+                  <a:srgbClr val="000000"/>
+                </a:solidFill>
+                <a:miter lim="800000"/>
+                <a:headEnd/>
+                <a:tailEnd/>
+              </a14:hiddenLine>
+            </a:ext>
+            <a:ext uri="{FAA26D3D-D897-4be2-8F04-BA451C77F1D7}">
+              <ma14:placeholderFlag xmlns:ma14="http://schemas.microsoft.com/office/mac/drawingml/2011/main" val="1"/>
+            </a:ext>
+          </a:extLst>
+        </p:spPr>
+        <p:txBody>
+          <a:bodyPr vert="horz" wrap="square" lIns="91440" tIns="45720" rIns="81279" bIns="45720" numCol="1" anchor="t" anchorCtr="0" compatLnSpc="1">
+            <a:prstTxWarp prst="textNoShape">
+              <a:avLst/>
+            </a:prstTxWarp>
+          </a:bodyPr>
+          <a:lstStyle>
+            <a:lvl1pPr marL="342900" indent="-342900" algn="l" defTabSz="457200" rtl="0" eaLnBrk="0" fontAlgn="base" hangingPunct="0">
+              <a:spcBef>
+                <a:spcPct val="20000"/>
+              </a:spcBef>
+              <a:spcAft>
+                <a:spcPct val="0"/>
+              </a:spcAft>
+              <a:buFont typeface="Arial" charset="0"/>
+              <a:defRPr sz="2400" kern="1200">
+                <a:solidFill>
+                  <a:srgbClr val="122956"/>
+                </a:solidFill>
+                <a:latin typeface="+mn-lt"/>
+                <a:ea typeface="ＭＳ Ｐゴシック" charset="0"/>
+                <a:cs typeface="ＭＳ Ｐゴシック" charset="0"/>
+              </a:defRPr>
+            </a:lvl1pPr>
+            <a:lvl2pPr marL="457200" algn="l" defTabSz="457200" rtl="0" eaLnBrk="0" fontAlgn="base" hangingPunct="0">
+              <a:spcBef>
+                <a:spcPct val="20000"/>
+              </a:spcBef>
+              <a:spcAft>
+                <a:spcPct val="0"/>
+              </a:spcAft>
+              <a:buFont typeface="Arial" charset="0"/>
+              <a:defRPr sz="2000" kern="1200">
+                <a:solidFill>
+                  <a:srgbClr val="122956"/>
+                </a:solidFill>
+                <a:latin typeface="+mn-lt"/>
+                <a:ea typeface="ＭＳ Ｐゴシック" charset="0"/>
+                <a:cs typeface="ＭＳ Ｐゴシック" charset="0"/>
+              </a:defRPr>
+            </a:lvl2pPr>
+            <a:lvl3pPr marL="914400" algn="l" defTabSz="457200" rtl="0" eaLnBrk="0" fontAlgn="base" hangingPunct="0">
+              <a:spcBef>
+                <a:spcPct val="20000"/>
+              </a:spcBef>
+              <a:spcAft>
+                <a:spcPct val="0"/>
+              </a:spcAft>
+              <a:buFont typeface="Arial" charset="0"/>
+              <a:defRPr kern="1200">
+                <a:solidFill>
+                  <a:srgbClr val="122956"/>
+                </a:solidFill>
+                <a:latin typeface="+mn-lt"/>
+                <a:ea typeface="ＭＳ Ｐゴシック" charset="0"/>
+                <a:cs typeface="ＭＳ Ｐゴシック" charset="0"/>
+              </a:defRPr>
+            </a:lvl3pPr>
+            <a:lvl4pPr marL="1371600" algn="l" defTabSz="457200" rtl="0" eaLnBrk="0" fontAlgn="base" hangingPunct="0">
+              <a:spcBef>
+                <a:spcPct val="20000"/>
+              </a:spcBef>
+              <a:spcAft>
+                <a:spcPct val="0"/>
+              </a:spcAft>
+              <a:buFont typeface="Arial" charset="0"/>
+              <a:defRPr sz="2000" kern="1200">
+                <a:solidFill>
+                  <a:schemeClr val="tx1"/>
+                </a:solidFill>
+                <a:latin typeface="+mn-lt"/>
+                <a:ea typeface="ＭＳ Ｐゴシック" charset="0"/>
+                <a:cs typeface="ＭＳ Ｐゴシック" charset="0"/>
+              </a:defRPr>
+            </a:lvl4pPr>
+            <a:lvl5pPr marL="2057400" indent="-228600" algn="l" defTabSz="457200" rtl="0" eaLnBrk="0" fontAlgn="base" hangingPunct="0">
+              <a:spcBef>
+                <a:spcPct val="20000"/>
+              </a:spcBef>
+              <a:spcAft>
+                <a:spcPct val="0"/>
+              </a:spcAft>
+              <a:buFont typeface="Arial" charset="0"/>
+              <a:buChar char="»"/>
+              <a:defRPr sz="2000" kern="1200">
+                <a:solidFill>
+                  <a:schemeClr val="tx1"/>
+                </a:solidFill>
+                <a:latin typeface="+mn-lt"/>
+                <a:ea typeface="ＭＳ Ｐゴシック" charset="0"/>
+                <a:cs typeface="ＭＳ Ｐゴシック" charset="0"/>
+              </a:defRPr>
+            </a:lvl5pPr>
+            <a:lvl6pPr marL="2514600" indent="-228600" algn="l" defTabSz="457200" rtl="0" eaLnBrk="1" latinLnBrk="0" hangingPunct="1">
+              <a:spcBef>
+                <a:spcPct val="20000"/>
+              </a:spcBef>
+              <a:buFont typeface="Arial"/>
+              <a:buChar char="•"/>
+              <a:defRPr sz="2000" kern="1200">
+                <a:solidFill>
+                  <a:schemeClr val="tx1"/>
+                </a:solidFill>
+                <a:latin typeface="+mn-lt"/>
+                <a:ea typeface="+mn-ea"/>
+                <a:cs typeface="+mn-cs"/>
+              </a:defRPr>
+            </a:lvl6pPr>
+            <a:lvl7pPr marL="2971800" indent="-228600" algn="l" defTabSz="457200" rtl="0" eaLnBrk="1" latinLnBrk="0" hangingPunct="1">
+              <a:spcBef>
+                <a:spcPct val="20000"/>
+              </a:spcBef>
+              <a:buFont typeface="Arial"/>
+              <a:buChar char="•"/>
+              <a:defRPr sz="2000" kern="1200">
+                <a:solidFill>
+                  <a:schemeClr val="tx1"/>
+                </a:solidFill>
+                <a:latin typeface="+mn-lt"/>
+                <a:ea typeface="+mn-ea"/>
+                <a:cs typeface="+mn-cs"/>
+              </a:defRPr>
+            </a:lvl7pPr>
+            <a:lvl8pPr marL="3429000" indent="-228600" algn="l" defTabSz="457200" rtl="0" eaLnBrk="1" latinLnBrk="0" hangingPunct="1">
+              <a:spcBef>
+                <a:spcPct val="20000"/>
+              </a:spcBef>
+              <a:buFont typeface="Arial"/>
+              <a:buChar char="•"/>
+              <a:defRPr sz="2000" kern="1200">
+                <a:solidFill>
+                  <a:schemeClr val="tx1"/>
+                </a:solidFill>
+                <a:latin typeface="+mn-lt"/>
+                <a:ea typeface="+mn-ea"/>
+                <a:cs typeface="+mn-cs"/>
+              </a:defRPr>
+            </a:lvl8pPr>
+            <a:lvl9pPr marL="3886200" indent="-228600" algn="l" defTabSz="457200" rtl="0" eaLnBrk="1" latinLnBrk="0" hangingPunct="1">
+              <a:spcBef>
+                <a:spcPct val="20000"/>
+              </a:spcBef>
+              <a:buFont typeface="Arial"/>
+              <a:buChar char="•"/>
+              <a:defRPr sz="2000" kern="1200">
+                <a:solidFill>
+                  <a:schemeClr val="tx1"/>
+                </a:solidFill>
+                <a:latin typeface="+mn-lt"/>
+                <a:ea typeface="+mn-ea"/>
+                <a:cs typeface="+mn-cs"/>
+              </a:defRPr>
+            </a:lvl9pPr>
+          </a:lstStyle>
+          <a:p>
+            <a:pPr eaLnBrk="1" hangingPunct="1"/>
+            <a:r>
+              <a:rPr lang="en-US" sz="2000" dirty="0" err="1" smtClean="0">
+                <a:solidFill>
+                  <a:schemeClr val="tx1"/>
+                </a:solidFill>
+                <a:latin typeface="Courier"/>
+                <a:ea typeface="ヒラギノ角ゴ ProN W3" charset="0"/>
+                <a:cs typeface="Courier"/>
+              </a:rPr>
+              <a:t>var</a:t>
+            </a:r>
+            <a:r>
+              <a:rPr lang="en-US" sz="2000" dirty="0" smtClean="0">
+                <a:solidFill>
+                  <a:schemeClr val="tx1"/>
+                </a:solidFill>
+                <a:latin typeface="Courier"/>
+                <a:ea typeface="ヒラギノ角ゴ ProN W3" charset="0"/>
+                <a:cs typeface="Courier"/>
+              </a:rPr>
+              <a:t> model = </a:t>
+            </a:r>
+            <a:r>
+              <a:rPr lang="en-US" sz="2000" dirty="0" err="1" smtClean="0">
+                <a:solidFill>
+                  <a:schemeClr val="tx1"/>
+                </a:solidFill>
+                <a:latin typeface="Courier"/>
+                <a:ea typeface="ヒラギノ角ゴ ProN W3" charset="0"/>
+                <a:cs typeface="Courier"/>
+              </a:rPr>
+              <a:t>Ti.Platform.model</a:t>
+            </a:r>
+            <a:r>
+              <a:rPr lang="en-US" sz="2000" dirty="0" smtClean="0">
+                <a:solidFill>
+                  <a:schemeClr val="tx1"/>
+                </a:solidFill>
+                <a:latin typeface="Courier"/>
+                <a:ea typeface="ヒラギノ角ゴ ProN W3" charset="0"/>
+                <a:cs typeface="Courier"/>
+              </a:rPr>
+              <a:t>;</a:t>
+            </a:r>
+          </a:p>
+        </p:txBody>
+      </p:sp>
+      <p:pic>
+        <p:nvPicPr>
+          <p:cNvPr id="6" name="Picture 5" descr="Screen Shot 2012-02-28 at 4.01.49 PM.png"/>
+          <p:cNvPicPr>
+            <a:picLocks noChangeAspect="1"/>
+          </p:cNvPicPr>
+          <p:nvPr/>
+        </p:nvPicPr>
+        <p:blipFill>
+          <a:blip r:embed="rId5">
+            <a:extLst>
+              <a:ext uri="{28A0092B-C50C-407E-A947-70E740481C1C}">
+                <a14:useLocalDpi xmlns:a14="http://schemas.microsoft.com/office/drawing/2010/main" val="0"/>
+              </a:ext>
+            </a:extLst>
+          </a:blip>
+          <a:stretch>
+            <a:fillRect/>
+          </a:stretch>
+        </p:blipFill>
+        <p:spPr>
+          <a:xfrm>
+            <a:off x="228600" y="2362200"/>
+            <a:ext cx="9144000" cy="1614389"/>
+          </a:xfrm>
+          <a:prstGeom prst="rect">
+            <a:avLst/>
+          </a:prstGeom>
+        </p:spPr>
+      </p:pic>
+      <p:sp>
+        <p:nvSpPr>
+          <p:cNvPr id="15" name="Rectangle 7"/>
+          <p:cNvSpPr txBox="1">
+            <a:spLocks noChangeArrowheads="1"/>
+          </p:cNvSpPr>
+          <p:nvPr/>
+        </p:nvSpPr>
+        <p:spPr bwMode="auto">
+          <a:xfrm>
+            <a:off x="685800" y="5638800"/>
+            <a:ext cx="8229600" cy="482600"/>
+          </a:xfrm>
+          <a:prstGeom prst="rect">
+            <a:avLst/>
+          </a:prstGeom>
+          <a:noFill/>
+          <a:ln>
+            <a:noFill/>
+          </a:ln>
+          <a:extLst>
+            <a:ext uri="{909E8E84-426E-40dd-AFC4-6F175D3DCCD1}">
+              <a14:hiddenFill xmlns:a14="http://schemas.microsoft.com/office/drawing/2010/main">
+                <a:solidFill>
+                  <a:srgbClr val="FFFFFF"/>
+                </a:solidFill>
+              </a14:hiddenFill>
+            </a:ext>
+            <a:ext uri="{91240B29-F687-4f45-9708-019B960494DF}">
+              <a14:hiddenLine xmlns:a14="http://schemas.microsoft.com/office/drawing/2010/main" w="9525">
+                <a:solidFill>
+                  <a:srgbClr val="000000"/>
+                </a:solidFill>
+                <a:miter lim="800000"/>
+                <a:headEnd/>
+                <a:tailEnd/>
+              </a14:hiddenLine>
+            </a:ext>
+            <a:ext uri="{FAA26D3D-D897-4be2-8F04-BA451C77F1D7}">
+              <ma14:placeholderFlag xmlns:ma14="http://schemas.microsoft.com/office/mac/drawingml/2011/main" val="1"/>
+            </a:ext>
+          </a:extLst>
+        </p:spPr>
+        <p:txBody>
+          <a:bodyPr vert="horz" wrap="square" lIns="91440" tIns="45720" rIns="81279" bIns="45720" numCol="1" anchor="t" anchorCtr="0" compatLnSpc="1">
+            <a:prstTxWarp prst="textNoShape">
+              <a:avLst/>
+            </a:prstTxWarp>
+          </a:bodyPr>
+          <a:lstStyle>
+            <a:lvl1pPr marL="342900" indent="-342900" algn="l" defTabSz="457200" rtl="0" eaLnBrk="0" fontAlgn="base" hangingPunct="0">
+              <a:spcBef>
+                <a:spcPct val="20000"/>
+              </a:spcBef>
+              <a:spcAft>
+                <a:spcPct val="0"/>
+              </a:spcAft>
+              <a:buFont typeface="Arial" charset="0"/>
+              <a:defRPr sz="2400" kern="1200">
+                <a:solidFill>
+                  <a:srgbClr val="122956"/>
+                </a:solidFill>
+                <a:latin typeface="+mn-lt"/>
+                <a:ea typeface="ＭＳ Ｐゴシック" charset="0"/>
+                <a:cs typeface="ＭＳ Ｐゴシック" charset="0"/>
+              </a:defRPr>
+            </a:lvl1pPr>
+            <a:lvl2pPr marL="457200" algn="l" defTabSz="457200" rtl="0" eaLnBrk="0" fontAlgn="base" hangingPunct="0">
+              <a:spcBef>
+                <a:spcPct val="20000"/>
+              </a:spcBef>
+              <a:spcAft>
+                <a:spcPct val="0"/>
+              </a:spcAft>
+              <a:buFont typeface="Arial" charset="0"/>
+              <a:defRPr sz="2000" kern="1200">
+                <a:solidFill>
+                  <a:srgbClr val="122956"/>
+                </a:solidFill>
+                <a:latin typeface="+mn-lt"/>
+                <a:ea typeface="ＭＳ Ｐゴシック" charset="0"/>
+                <a:cs typeface="ＭＳ Ｐゴシック" charset="0"/>
+              </a:defRPr>
+            </a:lvl2pPr>
+            <a:lvl3pPr marL="914400" algn="l" defTabSz="457200" rtl="0" eaLnBrk="0" fontAlgn="base" hangingPunct="0">
+              <a:spcBef>
+                <a:spcPct val="20000"/>
+              </a:spcBef>
+              <a:spcAft>
+                <a:spcPct val="0"/>
+              </a:spcAft>
+              <a:buFont typeface="Arial" charset="0"/>
+              <a:defRPr kern="1200">
+                <a:solidFill>
+                  <a:srgbClr val="122956"/>
+                </a:solidFill>
+                <a:latin typeface="+mn-lt"/>
+                <a:ea typeface="ＭＳ Ｐゴシック" charset="0"/>
+                <a:cs typeface="ＭＳ Ｐゴシック" charset="0"/>
+              </a:defRPr>
+            </a:lvl3pPr>
+            <a:lvl4pPr marL="1371600" algn="l" defTabSz="457200" rtl="0" eaLnBrk="0" fontAlgn="base" hangingPunct="0">
+              <a:spcBef>
+                <a:spcPct val="20000"/>
+              </a:spcBef>
+              <a:spcAft>
+                <a:spcPct val="0"/>
+              </a:spcAft>
+              <a:buFont typeface="Arial" charset="0"/>
+              <a:defRPr sz="2000" kern="1200">
+                <a:solidFill>
+                  <a:schemeClr val="tx1"/>
+                </a:solidFill>
+                <a:latin typeface="+mn-lt"/>
+                <a:ea typeface="ＭＳ Ｐゴシック" charset="0"/>
+                <a:cs typeface="ＭＳ Ｐゴシック" charset="0"/>
+              </a:defRPr>
+            </a:lvl4pPr>
+            <a:lvl5pPr marL="2057400" indent="-228600" algn="l" defTabSz="457200" rtl="0" eaLnBrk="0" fontAlgn="base" hangingPunct="0">
+              <a:spcBef>
+                <a:spcPct val="20000"/>
+              </a:spcBef>
+              <a:spcAft>
+                <a:spcPct val="0"/>
+              </a:spcAft>
+              <a:buFont typeface="Arial" charset="0"/>
+              <a:buChar char="»"/>
+              <a:defRPr sz="2000" kern="1200">
+                <a:solidFill>
+                  <a:schemeClr val="tx1"/>
+                </a:solidFill>
+                <a:latin typeface="+mn-lt"/>
+                <a:ea typeface="ＭＳ Ｐゴシック" charset="0"/>
+                <a:cs typeface="ＭＳ Ｐゴシック" charset="0"/>
+              </a:defRPr>
+            </a:lvl5pPr>
+            <a:lvl6pPr marL="2514600" indent="-228600" algn="l" defTabSz="457200" rtl="0" eaLnBrk="1" latinLnBrk="0" hangingPunct="1">
+              <a:spcBef>
+                <a:spcPct val="20000"/>
+              </a:spcBef>
+              <a:buFont typeface="Arial"/>
+              <a:buChar char="•"/>
+              <a:defRPr sz="2000" kern="1200">
+                <a:solidFill>
+                  <a:schemeClr val="tx1"/>
+                </a:solidFill>
+                <a:latin typeface="+mn-lt"/>
+                <a:ea typeface="+mn-ea"/>
+                <a:cs typeface="+mn-cs"/>
+              </a:defRPr>
+            </a:lvl6pPr>
+            <a:lvl7pPr marL="2971800" indent="-228600" algn="l" defTabSz="457200" rtl="0" eaLnBrk="1" latinLnBrk="0" hangingPunct="1">
+              <a:spcBef>
+                <a:spcPct val="20000"/>
+              </a:spcBef>
+              <a:buFont typeface="Arial"/>
+              <a:buChar char="•"/>
+              <a:defRPr sz="2000" kern="1200">
+                <a:solidFill>
+                  <a:schemeClr val="tx1"/>
+                </a:solidFill>
+                <a:latin typeface="+mn-lt"/>
+                <a:ea typeface="+mn-ea"/>
+                <a:cs typeface="+mn-cs"/>
+              </a:defRPr>
+            </a:lvl7pPr>
+            <a:lvl8pPr marL="3429000" indent="-228600" algn="l" defTabSz="457200" rtl="0" eaLnBrk="1" latinLnBrk="0" hangingPunct="1">
+              <a:spcBef>
+                <a:spcPct val="20000"/>
+              </a:spcBef>
+              <a:buFont typeface="Arial"/>
+              <a:buChar char="•"/>
+              <a:defRPr sz="2000" kern="1200">
+                <a:solidFill>
+                  <a:schemeClr val="tx1"/>
+                </a:solidFill>
+                <a:latin typeface="+mn-lt"/>
+                <a:ea typeface="+mn-ea"/>
+                <a:cs typeface="+mn-cs"/>
+              </a:defRPr>
+            </a:lvl8pPr>
+            <a:lvl9pPr marL="3886200" indent="-228600" algn="l" defTabSz="457200" rtl="0" eaLnBrk="1" latinLnBrk="0" hangingPunct="1">
+              <a:spcBef>
+                <a:spcPct val="20000"/>
+              </a:spcBef>
+              <a:buFont typeface="Arial"/>
+              <a:buChar char="•"/>
+              <a:defRPr sz="2000" kern="1200">
+                <a:solidFill>
+                  <a:schemeClr val="tx1"/>
+                </a:solidFill>
+                <a:latin typeface="+mn-lt"/>
+                <a:ea typeface="+mn-ea"/>
+                <a:cs typeface="+mn-cs"/>
+              </a:defRPr>
+            </a:lvl9pPr>
+          </a:lstStyle>
+          <a:p>
+            <a:pPr eaLnBrk="1" hangingPunct="1"/>
+            <a:r>
+              <a:rPr lang="en-US" sz="2000" dirty="0" smtClean="0">
+                <a:latin typeface="Trebuchet MS" charset="0"/>
+                <a:ea typeface="ヒラギノ角ゴ ProN W3" charset="0"/>
+                <a:cs typeface="ヒラギノ角ゴ ProN W3" charset="0"/>
+              </a:rPr>
+              <a:t>(Or, create getter/setter methods)</a:t>
+            </a:r>
+            <a:endParaRPr lang="en-US" sz="2000" dirty="0">
+              <a:latin typeface="Trebuchet MS" charset="0"/>
+              <a:ea typeface="ヒラギノ角ゴ ProN W3" charset="0"/>
+              <a:cs typeface="ヒラギノ角ゴ ProN W3" charset="0"/>
+            </a:endParaRPr>
+          </a:p>
+        </p:txBody>
+      </p:sp>
     </p:spTree>
     <p:extLst>
       <p:ext uri="{BB962C8B-B14F-4D97-AF65-F5344CB8AC3E}">
-        <p14:creationId xmlns:p14="http://schemas.microsoft.com/office/powerpoint/2010/main" val="2198745574"/>
+        <p14:creationId xmlns:p14="http://schemas.microsoft.com/office/powerpoint/2010/main" val="1123540471"/>
       </p:ext>
     </p:extLst>
   </p:cSld>
@@ -10375,7 +11169,7 @@
                 <a:ea typeface="ヒラギノ角ゴ ProN W6" charset="0"/>
                 <a:cs typeface="ヒラギノ角ゴ ProN W6" charset="0"/>
               </a:rPr>
-              <a:t>iOS – Proxy Property</a:t>
+              <a:t>Android – Proxy Property</a:t>
             </a:r>
             <a:endParaRPr lang="en-US" dirty="0">
               <a:latin typeface="Trebuchet MS Bold" charset="0"/>
@@ -10385,62 +11179,9 @@
           </a:p>
         </p:txBody>
       </p:sp>
-      <p:sp>
-        <p:nvSpPr>
-          <p:cNvPr id="12293" name="Rectangle 7"/>
-          <p:cNvSpPr>
-            <a:spLocks noGrp="1" noChangeArrowheads="1"/>
-          </p:cNvSpPr>
-          <p:nvPr>
-            <p:ph idx="1"/>
-          </p:nvPr>
-        </p:nvSpPr>
-        <p:spPr>
-          <a:xfrm>
-            <a:off x="457200" y="1346200"/>
-            <a:ext cx="8229600" cy="482600"/>
-          </a:xfrm>
-        </p:spPr>
-        <p:txBody>
-          <a:bodyPr rIns="81279"/>
-          <a:lstStyle/>
-          <a:p>
-            <a:pPr eaLnBrk="1" hangingPunct="1"/>
-            <a:r>
-              <a:rPr lang="en-US" dirty="0" smtClean="0">
-                <a:latin typeface="Trebuchet MS" charset="0"/>
-                <a:ea typeface="ヒラギノ角ゴ ProN W3" charset="0"/>
-                <a:cs typeface="ヒラギノ角ゴ ProN W3" charset="0"/>
-              </a:rPr>
-              <a:t>From </a:t>
-            </a:r>
-            <a:r>
-              <a:rPr lang="en-US" dirty="0" err="1" smtClean="0">
-                <a:latin typeface="Trebuchet MS" charset="0"/>
-                <a:ea typeface="ヒラギノ角ゴ ProN W3" charset="0"/>
-                <a:cs typeface="ヒラギノ角ゴ ProN W3" charset="0"/>
-              </a:rPr>
-              <a:t>PlatformModule.m</a:t>
-            </a:r>
-            <a:r>
-              <a:rPr lang="en-US" dirty="0" smtClean="0">
-                <a:latin typeface="Trebuchet MS" charset="0"/>
-                <a:ea typeface="ヒラギノ角ゴ ProN W3" charset="0"/>
-                <a:cs typeface="ヒラギノ角ゴ ProN W3" charset="0"/>
-              </a:rPr>
-              <a:t>:</a:t>
-            </a:r>
-            <a:endParaRPr lang="en-US" dirty="0">
-              <a:latin typeface="Trebuchet MS" charset="0"/>
-              <a:ea typeface="ヒラギノ角ゴ ProN W3" charset="0"/>
-              <a:cs typeface="ヒラギノ角ゴ ProN W3" charset="0"/>
-            </a:endParaRPr>
-          </a:p>
-        </p:txBody>
-      </p:sp>
       <p:pic>
         <p:nvPicPr>
-          <p:cNvPr id="4" name="Picture 3"/>
+          <p:cNvPr id="6" name="Picture 5"/>
           <p:cNvPicPr>
             <a:picLocks noChangeAspect="1"/>
           </p:cNvPicPr>
@@ -10454,247 +11195,8 @@
         </p:blipFill>
         <p:spPr>
           <a:xfrm>
-            <a:off x="609600" y="1905000"/>
-            <a:ext cx="7937500" cy="1727200"/>
-          </a:xfrm>
-          <a:prstGeom prst="rect">
-            <a:avLst/>
-          </a:prstGeom>
-        </p:spPr>
-      </p:pic>
-      <p:sp>
-        <p:nvSpPr>
-          <p:cNvPr id="10" name="Rectangle 7"/>
-          <p:cNvSpPr txBox="1">
-            <a:spLocks noChangeArrowheads="1"/>
-          </p:cNvSpPr>
-          <p:nvPr/>
-        </p:nvSpPr>
-        <p:spPr bwMode="auto">
-          <a:xfrm>
-            <a:off x="609600" y="3962400"/>
-            <a:ext cx="8229600" cy="482600"/>
-          </a:xfrm>
-          <a:prstGeom prst="rect">
-            <a:avLst/>
-          </a:prstGeom>
-          <a:noFill/>
-          <a:ln>
-            <a:noFill/>
-          </a:ln>
-          <a:extLst>
-            <a:ext uri="{909E8E84-426E-40dd-AFC4-6F175D3DCCD1}">
-              <a14:hiddenFill xmlns:a14="http://schemas.microsoft.com/office/drawing/2010/main">
-                <a:solidFill>
-                  <a:srgbClr val="FFFFFF"/>
-                </a:solidFill>
-              </a14:hiddenFill>
-            </a:ext>
-            <a:ext uri="{91240B29-F687-4f45-9708-019B960494DF}">
-              <a14:hiddenLine xmlns:a14="http://schemas.microsoft.com/office/drawing/2010/main" w="9525">
-                <a:solidFill>
-                  <a:srgbClr val="000000"/>
-                </a:solidFill>
-                <a:miter lim="800000"/>
-                <a:headEnd/>
-                <a:tailEnd/>
-              </a14:hiddenLine>
-            </a:ext>
-            <a:ext uri="{FAA26D3D-D897-4be2-8F04-BA451C77F1D7}">
-              <ma14:placeholderFlag xmlns:ma14="http://schemas.microsoft.com/office/mac/drawingml/2011/main" val="1"/>
-            </a:ext>
-          </a:extLst>
-        </p:spPr>
-        <p:txBody>
-          <a:bodyPr vert="horz" wrap="square" lIns="91440" tIns="45720" rIns="81279" bIns="45720" numCol="1" anchor="t" anchorCtr="0" compatLnSpc="1">
-            <a:prstTxWarp prst="textNoShape">
-              <a:avLst/>
-            </a:prstTxWarp>
-          </a:bodyPr>
-          <a:lstStyle>
-            <a:lvl1pPr marL="342900" indent="-342900" algn="l" defTabSz="457200" rtl="0" eaLnBrk="0" fontAlgn="base" hangingPunct="0">
-              <a:spcBef>
-                <a:spcPct val="20000"/>
-              </a:spcBef>
-              <a:spcAft>
-                <a:spcPct val="0"/>
-              </a:spcAft>
-              <a:buFont typeface="Arial" charset="0"/>
-              <a:defRPr sz="2400" kern="1200">
-                <a:solidFill>
-                  <a:srgbClr val="122956"/>
-                </a:solidFill>
-                <a:latin typeface="+mn-lt"/>
-                <a:ea typeface="ＭＳ Ｐゴシック" charset="0"/>
-                <a:cs typeface="ＭＳ Ｐゴシック" charset="0"/>
-              </a:defRPr>
-            </a:lvl1pPr>
-            <a:lvl2pPr marL="457200" algn="l" defTabSz="457200" rtl="0" eaLnBrk="0" fontAlgn="base" hangingPunct="0">
-              <a:spcBef>
-                <a:spcPct val="20000"/>
-              </a:spcBef>
-              <a:spcAft>
-                <a:spcPct val="0"/>
-              </a:spcAft>
-              <a:buFont typeface="Arial" charset="0"/>
-              <a:defRPr sz="2000" kern="1200">
-                <a:solidFill>
-                  <a:srgbClr val="122956"/>
-                </a:solidFill>
-                <a:latin typeface="+mn-lt"/>
-                <a:ea typeface="ＭＳ Ｐゴシック" charset="0"/>
-                <a:cs typeface="ＭＳ Ｐゴシック" charset="0"/>
-              </a:defRPr>
-            </a:lvl2pPr>
-            <a:lvl3pPr marL="914400" algn="l" defTabSz="457200" rtl="0" eaLnBrk="0" fontAlgn="base" hangingPunct="0">
-              <a:spcBef>
-                <a:spcPct val="20000"/>
-              </a:spcBef>
-              <a:spcAft>
-                <a:spcPct val="0"/>
-              </a:spcAft>
-              <a:buFont typeface="Arial" charset="0"/>
-              <a:defRPr kern="1200">
-                <a:solidFill>
-                  <a:srgbClr val="122956"/>
-                </a:solidFill>
-                <a:latin typeface="+mn-lt"/>
-                <a:ea typeface="ＭＳ Ｐゴシック" charset="0"/>
-                <a:cs typeface="ＭＳ Ｐゴシック" charset="0"/>
-              </a:defRPr>
-            </a:lvl3pPr>
-            <a:lvl4pPr marL="1371600" algn="l" defTabSz="457200" rtl="0" eaLnBrk="0" fontAlgn="base" hangingPunct="0">
-              <a:spcBef>
-                <a:spcPct val="20000"/>
-              </a:spcBef>
-              <a:spcAft>
-                <a:spcPct val="0"/>
-              </a:spcAft>
-              <a:buFont typeface="Arial" charset="0"/>
-              <a:defRPr sz="2000" kern="1200">
-                <a:solidFill>
-                  <a:schemeClr val="tx1"/>
-                </a:solidFill>
-                <a:latin typeface="+mn-lt"/>
-                <a:ea typeface="ＭＳ Ｐゴシック" charset="0"/>
-                <a:cs typeface="ＭＳ Ｐゴシック" charset="0"/>
-              </a:defRPr>
-            </a:lvl4pPr>
-            <a:lvl5pPr marL="2057400" indent="-228600" algn="l" defTabSz="457200" rtl="0" eaLnBrk="0" fontAlgn="base" hangingPunct="0">
-              <a:spcBef>
-                <a:spcPct val="20000"/>
-              </a:spcBef>
-              <a:spcAft>
-                <a:spcPct val="0"/>
-              </a:spcAft>
-              <a:buFont typeface="Arial" charset="0"/>
-              <a:buChar char="»"/>
-              <a:defRPr sz="2000" kern="1200">
-                <a:solidFill>
-                  <a:schemeClr val="tx1"/>
-                </a:solidFill>
-                <a:latin typeface="+mn-lt"/>
-                <a:ea typeface="ＭＳ Ｐゴシック" charset="0"/>
-                <a:cs typeface="ＭＳ Ｐゴシック" charset="0"/>
-              </a:defRPr>
-            </a:lvl5pPr>
-            <a:lvl6pPr marL="2514600" indent="-228600" algn="l" defTabSz="457200" rtl="0" eaLnBrk="1" latinLnBrk="0" hangingPunct="1">
-              <a:spcBef>
-                <a:spcPct val="20000"/>
-              </a:spcBef>
-              <a:buFont typeface="Arial"/>
-              <a:buChar char="•"/>
-              <a:defRPr sz="2000" kern="1200">
-                <a:solidFill>
-                  <a:schemeClr val="tx1"/>
-                </a:solidFill>
-                <a:latin typeface="+mn-lt"/>
-                <a:ea typeface="+mn-ea"/>
-                <a:cs typeface="+mn-cs"/>
-              </a:defRPr>
-            </a:lvl6pPr>
-            <a:lvl7pPr marL="2971800" indent="-228600" algn="l" defTabSz="457200" rtl="0" eaLnBrk="1" latinLnBrk="0" hangingPunct="1">
-              <a:spcBef>
-                <a:spcPct val="20000"/>
-              </a:spcBef>
-              <a:buFont typeface="Arial"/>
-              <a:buChar char="•"/>
-              <a:defRPr sz="2000" kern="1200">
-                <a:solidFill>
-                  <a:schemeClr val="tx1"/>
-                </a:solidFill>
-                <a:latin typeface="+mn-lt"/>
-                <a:ea typeface="+mn-ea"/>
-                <a:cs typeface="+mn-cs"/>
-              </a:defRPr>
-            </a:lvl7pPr>
-            <a:lvl8pPr marL="3429000" indent="-228600" algn="l" defTabSz="457200" rtl="0" eaLnBrk="1" latinLnBrk="0" hangingPunct="1">
-              <a:spcBef>
-                <a:spcPct val="20000"/>
-              </a:spcBef>
-              <a:buFont typeface="Arial"/>
-              <a:buChar char="•"/>
-              <a:defRPr sz="2000" kern="1200">
-                <a:solidFill>
-                  <a:schemeClr val="tx1"/>
-                </a:solidFill>
-                <a:latin typeface="+mn-lt"/>
-                <a:ea typeface="+mn-ea"/>
-                <a:cs typeface="+mn-cs"/>
-              </a:defRPr>
-            </a:lvl8pPr>
-            <a:lvl9pPr marL="3886200" indent="-228600" algn="l" defTabSz="457200" rtl="0" eaLnBrk="1" latinLnBrk="0" hangingPunct="1">
-              <a:spcBef>
-                <a:spcPct val="20000"/>
-              </a:spcBef>
-              <a:buFont typeface="Arial"/>
-              <a:buChar char="•"/>
-              <a:defRPr sz="2000" kern="1200">
-                <a:solidFill>
-                  <a:schemeClr val="tx1"/>
-                </a:solidFill>
-                <a:latin typeface="+mn-lt"/>
-                <a:ea typeface="+mn-ea"/>
-                <a:cs typeface="+mn-cs"/>
-              </a:defRPr>
-            </a:lvl9pPr>
-          </a:lstStyle>
-          <a:p>
-            <a:pPr eaLnBrk="1" hangingPunct="1"/>
-            <a:r>
-              <a:rPr lang="en-US" dirty="0" smtClean="0">
-                <a:latin typeface="Trebuchet MS" charset="0"/>
-                <a:ea typeface="ヒラギノ角ゴ ProN W3" charset="0"/>
-                <a:cs typeface="ヒラギノ角ゴ ProN W3" charset="0"/>
-              </a:rPr>
-              <a:t>JS API:</a:t>
-            </a:r>
-            <a:endParaRPr lang="en-US" dirty="0">
-              <a:latin typeface="Trebuchet MS" charset="0"/>
-              <a:ea typeface="ヒラギノ角ゴ ProN W3" charset="0"/>
-              <a:cs typeface="ヒラギノ角ゴ ProN W3" charset="0"/>
-            </a:endParaRPr>
-          </a:p>
-        </p:txBody>
-      </p:sp>
-      <p:pic>
-        <p:nvPicPr>
-          <p:cNvPr id="5" name="Picture 4"/>
-          <p:cNvPicPr>
-            <a:picLocks noChangeAspect="1"/>
-          </p:cNvPicPr>
-          <p:nvPr/>
-        </p:nvPicPr>
-        <p:blipFill>
-          <a:blip r:embed="rId6"/>
-          <a:stretch>
-            <a:fillRect/>
-          </a:stretch>
-        </p:blipFill>
-        <p:spPr>
-          <a:xfrm>
-            <a:off x="533400" y="4876800"/>
-            <a:ext cx="8051800" cy="520700"/>
+            <a:off x="381000" y="2743200"/>
+            <a:ext cx="8382000" cy="1601796"/>
           </a:xfrm>
           <a:prstGeom prst="rect">
             <a:avLst/>
@@ -10881,10 +11383,952 @@
           </a:p>
         </p:txBody>
       </p:sp>
+      <p:sp>
+        <p:nvSpPr>
+          <p:cNvPr id="12" name="Rectangle 7"/>
+          <p:cNvSpPr txBox="1">
+            <a:spLocks noChangeArrowheads="1"/>
+          </p:cNvSpPr>
+          <p:nvPr/>
+        </p:nvSpPr>
+        <p:spPr bwMode="auto">
+          <a:xfrm>
+            <a:off x="609600" y="4470400"/>
+            <a:ext cx="8229600" cy="482600"/>
+          </a:xfrm>
+          <a:prstGeom prst="rect">
+            <a:avLst/>
+          </a:prstGeom>
+          <a:noFill/>
+          <a:ln>
+            <a:noFill/>
+          </a:ln>
+          <a:extLst>
+            <a:ext uri="{909E8E84-426E-40dd-AFC4-6F175D3DCCD1}">
+              <a14:hiddenFill xmlns:a14="http://schemas.microsoft.com/office/drawing/2010/main">
+                <a:solidFill>
+                  <a:srgbClr val="FFFFFF"/>
+                </a:solidFill>
+              </a14:hiddenFill>
+            </a:ext>
+            <a:ext uri="{91240B29-F687-4f45-9708-019B960494DF}">
+              <a14:hiddenLine xmlns:a14="http://schemas.microsoft.com/office/drawing/2010/main" w="9525">
+                <a:solidFill>
+                  <a:srgbClr val="000000"/>
+                </a:solidFill>
+                <a:miter lim="800000"/>
+                <a:headEnd/>
+                <a:tailEnd/>
+              </a14:hiddenLine>
+            </a:ext>
+            <a:ext uri="{FAA26D3D-D897-4be2-8F04-BA451C77F1D7}">
+              <ma14:placeholderFlag xmlns:ma14="http://schemas.microsoft.com/office/mac/drawingml/2011/main" val="1"/>
+            </a:ext>
+          </a:extLst>
+        </p:spPr>
+        <p:txBody>
+          <a:bodyPr vert="horz" wrap="square" lIns="91440" tIns="45720" rIns="81279" bIns="45720" numCol="1" anchor="t" anchorCtr="0" compatLnSpc="1">
+            <a:prstTxWarp prst="textNoShape">
+              <a:avLst/>
+            </a:prstTxWarp>
+          </a:bodyPr>
+          <a:lstStyle>
+            <a:lvl1pPr marL="342900" indent="-342900" algn="l" defTabSz="457200" rtl="0" eaLnBrk="0" fontAlgn="base" hangingPunct="0">
+              <a:spcBef>
+                <a:spcPct val="20000"/>
+              </a:spcBef>
+              <a:spcAft>
+                <a:spcPct val="0"/>
+              </a:spcAft>
+              <a:buFont typeface="Arial" charset="0"/>
+              <a:defRPr sz="2400" kern="1200">
+                <a:solidFill>
+                  <a:srgbClr val="122956"/>
+                </a:solidFill>
+                <a:latin typeface="+mn-lt"/>
+                <a:ea typeface="ＭＳ Ｐゴシック" charset="0"/>
+                <a:cs typeface="ＭＳ Ｐゴシック" charset="0"/>
+              </a:defRPr>
+            </a:lvl1pPr>
+            <a:lvl2pPr marL="457200" algn="l" defTabSz="457200" rtl="0" eaLnBrk="0" fontAlgn="base" hangingPunct="0">
+              <a:spcBef>
+                <a:spcPct val="20000"/>
+              </a:spcBef>
+              <a:spcAft>
+                <a:spcPct val="0"/>
+              </a:spcAft>
+              <a:buFont typeface="Arial" charset="0"/>
+              <a:defRPr sz="2000" kern="1200">
+                <a:solidFill>
+                  <a:srgbClr val="122956"/>
+                </a:solidFill>
+                <a:latin typeface="+mn-lt"/>
+                <a:ea typeface="ＭＳ Ｐゴシック" charset="0"/>
+                <a:cs typeface="ＭＳ Ｐゴシック" charset="0"/>
+              </a:defRPr>
+            </a:lvl2pPr>
+            <a:lvl3pPr marL="914400" algn="l" defTabSz="457200" rtl="0" eaLnBrk="0" fontAlgn="base" hangingPunct="0">
+              <a:spcBef>
+                <a:spcPct val="20000"/>
+              </a:spcBef>
+              <a:spcAft>
+                <a:spcPct val="0"/>
+              </a:spcAft>
+              <a:buFont typeface="Arial" charset="0"/>
+              <a:defRPr kern="1200">
+                <a:solidFill>
+                  <a:srgbClr val="122956"/>
+                </a:solidFill>
+                <a:latin typeface="+mn-lt"/>
+                <a:ea typeface="ＭＳ Ｐゴシック" charset="0"/>
+                <a:cs typeface="ＭＳ Ｐゴシック" charset="0"/>
+              </a:defRPr>
+            </a:lvl3pPr>
+            <a:lvl4pPr marL="1371600" algn="l" defTabSz="457200" rtl="0" eaLnBrk="0" fontAlgn="base" hangingPunct="0">
+              <a:spcBef>
+                <a:spcPct val="20000"/>
+              </a:spcBef>
+              <a:spcAft>
+                <a:spcPct val="0"/>
+              </a:spcAft>
+              <a:buFont typeface="Arial" charset="0"/>
+              <a:defRPr sz="2000" kern="1200">
+                <a:solidFill>
+                  <a:schemeClr val="tx1"/>
+                </a:solidFill>
+                <a:latin typeface="+mn-lt"/>
+                <a:ea typeface="ＭＳ Ｐゴシック" charset="0"/>
+                <a:cs typeface="ＭＳ Ｐゴシック" charset="0"/>
+              </a:defRPr>
+            </a:lvl4pPr>
+            <a:lvl5pPr marL="2057400" indent="-228600" algn="l" defTabSz="457200" rtl="0" eaLnBrk="0" fontAlgn="base" hangingPunct="0">
+              <a:spcBef>
+                <a:spcPct val="20000"/>
+              </a:spcBef>
+              <a:spcAft>
+                <a:spcPct val="0"/>
+              </a:spcAft>
+              <a:buFont typeface="Arial" charset="0"/>
+              <a:buChar char="»"/>
+              <a:defRPr sz="2000" kern="1200">
+                <a:solidFill>
+                  <a:schemeClr val="tx1"/>
+                </a:solidFill>
+                <a:latin typeface="+mn-lt"/>
+                <a:ea typeface="ＭＳ Ｐゴシック" charset="0"/>
+                <a:cs typeface="ＭＳ Ｐゴシック" charset="0"/>
+              </a:defRPr>
+            </a:lvl5pPr>
+            <a:lvl6pPr marL="2514600" indent="-228600" algn="l" defTabSz="457200" rtl="0" eaLnBrk="1" latinLnBrk="0" hangingPunct="1">
+              <a:spcBef>
+                <a:spcPct val="20000"/>
+              </a:spcBef>
+              <a:buFont typeface="Arial"/>
+              <a:buChar char="•"/>
+              <a:defRPr sz="2000" kern="1200">
+                <a:solidFill>
+                  <a:schemeClr val="tx1"/>
+                </a:solidFill>
+                <a:latin typeface="+mn-lt"/>
+                <a:ea typeface="+mn-ea"/>
+                <a:cs typeface="+mn-cs"/>
+              </a:defRPr>
+            </a:lvl6pPr>
+            <a:lvl7pPr marL="2971800" indent="-228600" algn="l" defTabSz="457200" rtl="0" eaLnBrk="1" latinLnBrk="0" hangingPunct="1">
+              <a:spcBef>
+                <a:spcPct val="20000"/>
+              </a:spcBef>
+              <a:buFont typeface="Arial"/>
+              <a:buChar char="•"/>
+              <a:defRPr sz="2000" kern="1200">
+                <a:solidFill>
+                  <a:schemeClr val="tx1"/>
+                </a:solidFill>
+                <a:latin typeface="+mn-lt"/>
+                <a:ea typeface="+mn-ea"/>
+                <a:cs typeface="+mn-cs"/>
+              </a:defRPr>
+            </a:lvl7pPr>
+            <a:lvl8pPr marL="3429000" indent="-228600" algn="l" defTabSz="457200" rtl="0" eaLnBrk="1" latinLnBrk="0" hangingPunct="1">
+              <a:spcBef>
+                <a:spcPct val="20000"/>
+              </a:spcBef>
+              <a:buFont typeface="Arial"/>
+              <a:buChar char="•"/>
+              <a:defRPr sz="2000" kern="1200">
+                <a:solidFill>
+                  <a:schemeClr val="tx1"/>
+                </a:solidFill>
+                <a:latin typeface="+mn-lt"/>
+                <a:ea typeface="+mn-ea"/>
+                <a:cs typeface="+mn-cs"/>
+              </a:defRPr>
+            </a:lvl8pPr>
+            <a:lvl9pPr marL="3886200" indent="-228600" algn="l" defTabSz="457200" rtl="0" eaLnBrk="1" latinLnBrk="0" hangingPunct="1">
+              <a:spcBef>
+                <a:spcPct val="20000"/>
+              </a:spcBef>
+              <a:buFont typeface="Arial"/>
+              <a:buChar char="•"/>
+              <a:defRPr sz="2000" kern="1200">
+                <a:solidFill>
+                  <a:schemeClr val="tx1"/>
+                </a:solidFill>
+                <a:latin typeface="+mn-lt"/>
+                <a:ea typeface="+mn-ea"/>
+                <a:cs typeface="+mn-cs"/>
+              </a:defRPr>
+            </a:lvl9pPr>
+          </a:lstStyle>
+          <a:p>
+            <a:pPr eaLnBrk="1" hangingPunct="1"/>
+            <a:r>
+              <a:rPr lang="en-US" sz="2000" u="sng" dirty="0" smtClean="0">
+                <a:latin typeface="Trebuchet MS" charset="0"/>
+                <a:ea typeface="ヒラギノ角ゴ ProN W3" charset="0"/>
+                <a:cs typeface="ヒラギノ角ゴ ProN W3" charset="0"/>
+              </a:rPr>
+              <a:t>JS API:</a:t>
+            </a:r>
+            <a:endParaRPr lang="en-US" sz="2000" u="sng" dirty="0">
+              <a:latin typeface="Trebuchet MS" charset="0"/>
+              <a:ea typeface="ヒラギノ角ゴ ProN W3" charset="0"/>
+              <a:cs typeface="ヒラギノ角ゴ ProN W3" charset="0"/>
+            </a:endParaRPr>
+          </a:p>
+        </p:txBody>
+      </p:sp>
+      <p:sp>
+        <p:nvSpPr>
+          <p:cNvPr id="13" name="Rectangle 7"/>
+          <p:cNvSpPr txBox="1">
+            <a:spLocks noChangeArrowheads="1"/>
+          </p:cNvSpPr>
+          <p:nvPr/>
+        </p:nvSpPr>
+        <p:spPr bwMode="auto">
+          <a:xfrm>
+            <a:off x="685800" y="4953000"/>
+            <a:ext cx="8229600" cy="609600"/>
+          </a:xfrm>
+          <a:prstGeom prst="rect">
+            <a:avLst/>
+          </a:prstGeom>
+          <a:noFill/>
+          <a:ln>
+            <a:noFill/>
+          </a:ln>
+          <a:extLst>
+            <a:ext uri="{909E8E84-426E-40dd-AFC4-6F175D3DCCD1}">
+              <a14:hiddenFill xmlns:a14="http://schemas.microsoft.com/office/drawing/2010/main">
+                <a:solidFill>
+                  <a:srgbClr val="FFFFFF"/>
+                </a:solidFill>
+              </a14:hiddenFill>
+            </a:ext>
+            <a:ext uri="{91240B29-F687-4f45-9708-019B960494DF}">
+              <a14:hiddenLine xmlns:a14="http://schemas.microsoft.com/office/drawing/2010/main" w="9525">
+                <a:solidFill>
+                  <a:srgbClr val="000000"/>
+                </a:solidFill>
+                <a:miter lim="800000"/>
+                <a:headEnd/>
+                <a:tailEnd/>
+              </a14:hiddenLine>
+            </a:ext>
+            <a:ext uri="{FAA26D3D-D897-4be2-8F04-BA451C77F1D7}">
+              <ma14:placeholderFlag xmlns:ma14="http://schemas.microsoft.com/office/mac/drawingml/2011/main" val="1"/>
+            </a:ext>
+          </a:extLst>
+        </p:spPr>
+        <p:txBody>
+          <a:bodyPr vert="horz" wrap="square" lIns="91440" tIns="45720" rIns="81279" bIns="45720" numCol="1" anchor="t" anchorCtr="0" compatLnSpc="1">
+            <a:prstTxWarp prst="textNoShape">
+              <a:avLst/>
+            </a:prstTxWarp>
+          </a:bodyPr>
+          <a:lstStyle>
+            <a:lvl1pPr marL="342900" indent="-342900" algn="l" defTabSz="457200" rtl="0" eaLnBrk="0" fontAlgn="base" hangingPunct="0">
+              <a:spcBef>
+                <a:spcPct val="20000"/>
+              </a:spcBef>
+              <a:spcAft>
+                <a:spcPct val="0"/>
+              </a:spcAft>
+              <a:buFont typeface="Arial" charset="0"/>
+              <a:defRPr sz="2400" kern="1200">
+                <a:solidFill>
+                  <a:srgbClr val="122956"/>
+                </a:solidFill>
+                <a:latin typeface="+mn-lt"/>
+                <a:ea typeface="ＭＳ Ｐゴシック" charset="0"/>
+                <a:cs typeface="ＭＳ Ｐゴシック" charset="0"/>
+              </a:defRPr>
+            </a:lvl1pPr>
+            <a:lvl2pPr marL="457200" algn="l" defTabSz="457200" rtl="0" eaLnBrk="0" fontAlgn="base" hangingPunct="0">
+              <a:spcBef>
+                <a:spcPct val="20000"/>
+              </a:spcBef>
+              <a:spcAft>
+                <a:spcPct val="0"/>
+              </a:spcAft>
+              <a:buFont typeface="Arial" charset="0"/>
+              <a:defRPr sz="2000" kern="1200">
+                <a:solidFill>
+                  <a:srgbClr val="122956"/>
+                </a:solidFill>
+                <a:latin typeface="+mn-lt"/>
+                <a:ea typeface="ＭＳ Ｐゴシック" charset="0"/>
+                <a:cs typeface="ＭＳ Ｐゴシック" charset="0"/>
+              </a:defRPr>
+            </a:lvl2pPr>
+            <a:lvl3pPr marL="914400" algn="l" defTabSz="457200" rtl="0" eaLnBrk="0" fontAlgn="base" hangingPunct="0">
+              <a:spcBef>
+                <a:spcPct val="20000"/>
+              </a:spcBef>
+              <a:spcAft>
+                <a:spcPct val="0"/>
+              </a:spcAft>
+              <a:buFont typeface="Arial" charset="0"/>
+              <a:defRPr kern="1200">
+                <a:solidFill>
+                  <a:srgbClr val="122956"/>
+                </a:solidFill>
+                <a:latin typeface="+mn-lt"/>
+                <a:ea typeface="ＭＳ Ｐゴシック" charset="0"/>
+                <a:cs typeface="ＭＳ Ｐゴシック" charset="0"/>
+              </a:defRPr>
+            </a:lvl3pPr>
+            <a:lvl4pPr marL="1371600" algn="l" defTabSz="457200" rtl="0" eaLnBrk="0" fontAlgn="base" hangingPunct="0">
+              <a:spcBef>
+                <a:spcPct val="20000"/>
+              </a:spcBef>
+              <a:spcAft>
+                <a:spcPct val="0"/>
+              </a:spcAft>
+              <a:buFont typeface="Arial" charset="0"/>
+              <a:defRPr sz="2000" kern="1200">
+                <a:solidFill>
+                  <a:schemeClr val="tx1"/>
+                </a:solidFill>
+                <a:latin typeface="+mn-lt"/>
+                <a:ea typeface="ＭＳ Ｐゴシック" charset="0"/>
+                <a:cs typeface="ＭＳ Ｐゴシック" charset="0"/>
+              </a:defRPr>
+            </a:lvl4pPr>
+            <a:lvl5pPr marL="2057400" indent="-228600" algn="l" defTabSz="457200" rtl="0" eaLnBrk="0" fontAlgn="base" hangingPunct="0">
+              <a:spcBef>
+                <a:spcPct val="20000"/>
+              </a:spcBef>
+              <a:spcAft>
+                <a:spcPct val="0"/>
+              </a:spcAft>
+              <a:buFont typeface="Arial" charset="0"/>
+              <a:buChar char="»"/>
+              <a:defRPr sz="2000" kern="1200">
+                <a:solidFill>
+                  <a:schemeClr val="tx1"/>
+                </a:solidFill>
+                <a:latin typeface="+mn-lt"/>
+                <a:ea typeface="ＭＳ Ｐゴシック" charset="0"/>
+                <a:cs typeface="ＭＳ Ｐゴシック" charset="0"/>
+              </a:defRPr>
+            </a:lvl5pPr>
+            <a:lvl6pPr marL="2514600" indent="-228600" algn="l" defTabSz="457200" rtl="0" eaLnBrk="1" latinLnBrk="0" hangingPunct="1">
+              <a:spcBef>
+                <a:spcPct val="20000"/>
+              </a:spcBef>
+              <a:buFont typeface="Arial"/>
+              <a:buChar char="•"/>
+              <a:defRPr sz="2000" kern="1200">
+                <a:solidFill>
+                  <a:schemeClr val="tx1"/>
+                </a:solidFill>
+                <a:latin typeface="+mn-lt"/>
+                <a:ea typeface="+mn-ea"/>
+                <a:cs typeface="+mn-cs"/>
+              </a:defRPr>
+            </a:lvl6pPr>
+            <a:lvl7pPr marL="2971800" indent="-228600" algn="l" defTabSz="457200" rtl="0" eaLnBrk="1" latinLnBrk="0" hangingPunct="1">
+              <a:spcBef>
+                <a:spcPct val="20000"/>
+              </a:spcBef>
+              <a:buFont typeface="Arial"/>
+              <a:buChar char="•"/>
+              <a:defRPr sz="2000" kern="1200">
+                <a:solidFill>
+                  <a:schemeClr val="tx1"/>
+                </a:solidFill>
+                <a:latin typeface="+mn-lt"/>
+                <a:ea typeface="+mn-ea"/>
+                <a:cs typeface="+mn-cs"/>
+              </a:defRPr>
+            </a:lvl7pPr>
+            <a:lvl8pPr marL="3429000" indent="-228600" algn="l" defTabSz="457200" rtl="0" eaLnBrk="1" latinLnBrk="0" hangingPunct="1">
+              <a:spcBef>
+                <a:spcPct val="20000"/>
+              </a:spcBef>
+              <a:buFont typeface="Arial"/>
+              <a:buChar char="•"/>
+              <a:defRPr sz="2000" kern="1200">
+                <a:solidFill>
+                  <a:schemeClr val="tx1"/>
+                </a:solidFill>
+                <a:latin typeface="+mn-lt"/>
+                <a:ea typeface="+mn-ea"/>
+                <a:cs typeface="+mn-cs"/>
+              </a:defRPr>
+            </a:lvl8pPr>
+            <a:lvl9pPr marL="3886200" indent="-228600" algn="l" defTabSz="457200" rtl="0" eaLnBrk="1" latinLnBrk="0" hangingPunct="1">
+              <a:spcBef>
+                <a:spcPct val="20000"/>
+              </a:spcBef>
+              <a:buFont typeface="Arial"/>
+              <a:buChar char="•"/>
+              <a:defRPr sz="2000" kern="1200">
+                <a:solidFill>
+                  <a:schemeClr val="tx1"/>
+                </a:solidFill>
+                <a:latin typeface="+mn-lt"/>
+                <a:ea typeface="+mn-ea"/>
+                <a:cs typeface="+mn-cs"/>
+              </a:defRPr>
+            </a:lvl9pPr>
+          </a:lstStyle>
+          <a:p>
+            <a:pPr eaLnBrk="1" hangingPunct="1"/>
+            <a:r>
+              <a:rPr lang="en-US" sz="2000" dirty="0" err="1" smtClean="0">
+                <a:solidFill>
+                  <a:schemeClr val="tx1"/>
+                </a:solidFill>
+                <a:latin typeface="Courier"/>
+                <a:ea typeface="ヒラギノ角ゴ ProN W3" charset="0"/>
+                <a:cs typeface="Courier"/>
+              </a:rPr>
+              <a:t>var</a:t>
+            </a:r>
+            <a:r>
+              <a:rPr lang="en-US" sz="2000" dirty="0" smtClean="0">
+                <a:solidFill>
+                  <a:schemeClr val="tx1"/>
+                </a:solidFill>
+                <a:latin typeface="Courier"/>
+                <a:ea typeface="ヒラギノ角ゴ ProN W3" charset="0"/>
+                <a:cs typeface="Courier"/>
+              </a:rPr>
+              <a:t> model = </a:t>
+            </a:r>
+            <a:r>
+              <a:rPr lang="en-US" sz="2000" dirty="0" err="1" smtClean="0">
+                <a:solidFill>
+                  <a:schemeClr val="tx1"/>
+                </a:solidFill>
+                <a:latin typeface="Courier"/>
+                <a:ea typeface="ヒラギノ角ゴ ProN W3" charset="0"/>
+                <a:cs typeface="Courier"/>
+              </a:rPr>
+              <a:t>Ti.Platform.model</a:t>
+            </a:r>
+            <a:r>
+              <a:rPr lang="en-US" sz="2000" dirty="0" smtClean="0">
+                <a:solidFill>
+                  <a:schemeClr val="tx1"/>
+                </a:solidFill>
+                <a:latin typeface="Courier"/>
+                <a:ea typeface="ヒラギノ角ゴ ProN W3" charset="0"/>
+                <a:cs typeface="Courier"/>
+              </a:rPr>
+              <a:t>;</a:t>
+            </a:r>
+          </a:p>
+        </p:txBody>
+      </p:sp>
+      <p:sp>
+        <p:nvSpPr>
+          <p:cNvPr id="14" name="Rectangle 7"/>
+          <p:cNvSpPr txBox="1">
+            <a:spLocks noChangeArrowheads="1"/>
+          </p:cNvSpPr>
+          <p:nvPr/>
+        </p:nvSpPr>
+        <p:spPr bwMode="auto">
+          <a:xfrm>
+            <a:off x="685800" y="5638800"/>
+            <a:ext cx="8229600" cy="482600"/>
+          </a:xfrm>
+          <a:prstGeom prst="rect">
+            <a:avLst/>
+          </a:prstGeom>
+          <a:noFill/>
+          <a:ln>
+            <a:noFill/>
+          </a:ln>
+          <a:extLst>
+            <a:ext uri="{909E8E84-426E-40dd-AFC4-6F175D3DCCD1}">
+              <a14:hiddenFill xmlns:a14="http://schemas.microsoft.com/office/drawing/2010/main">
+                <a:solidFill>
+                  <a:srgbClr val="FFFFFF"/>
+                </a:solidFill>
+              </a14:hiddenFill>
+            </a:ext>
+            <a:ext uri="{91240B29-F687-4f45-9708-019B960494DF}">
+              <a14:hiddenLine xmlns:a14="http://schemas.microsoft.com/office/drawing/2010/main" w="9525">
+                <a:solidFill>
+                  <a:srgbClr val="000000"/>
+                </a:solidFill>
+                <a:miter lim="800000"/>
+                <a:headEnd/>
+                <a:tailEnd/>
+              </a14:hiddenLine>
+            </a:ext>
+            <a:ext uri="{FAA26D3D-D897-4be2-8F04-BA451C77F1D7}">
+              <ma14:placeholderFlag xmlns:ma14="http://schemas.microsoft.com/office/mac/drawingml/2011/main" val="1"/>
+            </a:ext>
+          </a:extLst>
+        </p:spPr>
+        <p:txBody>
+          <a:bodyPr vert="horz" wrap="square" lIns="91440" tIns="45720" rIns="81279" bIns="45720" numCol="1" anchor="t" anchorCtr="0" compatLnSpc="1">
+            <a:prstTxWarp prst="textNoShape">
+              <a:avLst/>
+            </a:prstTxWarp>
+          </a:bodyPr>
+          <a:lstStyle>
+            <a:lvl1pPr marL="342900" indent="-342900" algn="l" defTabSz="457200" rtl="0" eaLnBrk="0" fontAlgn="base" hangingPunct="0">
+              <a:spcBef>
+                <a:spcPct val="20000"/>
+              </a:spcBef>
+              <a:spcAft>
+                <a:spcPct val="0"/>
+              </a:spcAft>
+              <a:buFont typeface="Arial" charset="0"/>
+              <a:defRPr sz="2400" kern="1200">
+                <a:solidFill>
+                  <a:srgbClr val="122956"/>
+                </a:solidFill>
+                <a:latin typeface="+mn-lt"/>
+                <a:ea typeface="ＭＳ Ｐゴシック" charset="0"/>
+                <a:cs typeface="ＭＳ Ｐゴシック" charset="0"/>
+              </a:defRPr>
+            </a:lvl1pPr>
+            <a:lvl2pPr marL="457200" algn="l" defTabSz="457200" rtl="0" eaLnBrk="0" fontAlgn="base" hangingPunct="0">
+              <a:spcBef>
+                <a:spcPct val="20000"/>
+              </a:spcBef>
+              <a:spcAft>
+                <a:spcPct val="0"/>
+              </a:spcAft>
+              <a:buFont typeface="Arial" charset="0"/>
+              <a:defRPr sz="2000" kern="1200">
+                <a:solidFill>
+                  <a:srgbClr val="122956"/>
+                </a:solidFill>
+                <a:latin typeface="+mn-lt"/>
+                <a:ea typeface="ＭＳ Ｐゴシック" charset="0"/>
+                <a:cs typeface="ＭＳ Ｐゴシック" charset="0"/>
+              </a:defRPr>
+            </a:lvl2pPr>
+            <a:lvl3pPr marL="914400" algn="l" defTabSz="457200" rtl="0" eaLnBrk="0" fontAlgn="base" hangingPunct="0">
+              <a:spcBef>
+                <a:spcPct val="20000"/>
+              </a:spcBef>
+              <a:spcAft>
+                <a:spcPct val="0"/>
+              </a:spcAft>
+              <a:buFont typeface="Arial" charset="0"/>
+              <a:defRPr kern="1200">
+                <a:solidFill>
+                  <a:srgbClr val="122956"/>
+                </a:solidFill>
+                <a:latin typeface="+mn-lt"/>
+                <a:ea typeface="ＭＳ Ｐゴシック" charset="0"/>
+                <a:cs typeface="ＭＳ Ｐゴシック" charset="0"/>
+              </a:defRPr>
+            </a:lvl3pPr>
+            <a:lvl4pPr marL="1371600" algn="l" defTabSz="457200" rtl="0" eaLnBrk="0" fontAlgn="base" hangingPunct="0">
+              <a:spcBef>
+                <a:spcPct val="20000"/>
+              </a:spcBef>
+              <a:spcAft>
+                <a:spcPct val="0"/>
+              </a:spcAft>
+              <a:buFont typeface="Arial" charset="0"/>
+              <a:defRPr sz="2000" kern="1200">
+                <a:solidFill>
+                  <a:schemeClr val="tx1"/>
+                </a:solidFill>
+                <a:latin typeface="+mn-lt"/>
+                <a:ea typeface="ＭＳ Ｐゴシック" charset="0"/>
+                <a:cs typeface="ＭＳ Ｐゴシック" charset="0"/>
+              </a:defRPr>
+            </a:lvl4pPr>
+            <a:lvl5pPr marL="2057400" indent="-228600" algn="l" defTabSz="457200" rtl="0" eaLnBrk="0" fontAlgn="base" hangingPunct="0">
+              <a:spcBef>
+                <a:spcPct val="20000"/>
+              </a:spcBef>
+              <a:spcAft>
+                <a:spcPct val="0"/>
+              </a:spcAft>
+              <a:buFont typeface="Arial" charset="0"/>
+              <a:buChar char="»"/>
+              <a:defRPr sz="2000" kern="1200">
+                <a:solidFill>
+                  <a:schemeClr val="tx1"/>
+                </a:solidFill>
+                <a:latin typeface="+mn-lt"/>
+                <a:ea typeface="ＭＳ Ｐゴシック" charset="0"/>
+                <a:cs typeface="ＭＳ Ｐゴシック" charset="0"/>
+              </a:defRPr>
+            </a:lvl5pPr>
+            <a:lvl6pPr marL="2514600" indent="-228600" algn="l" defTabSz="457200" rtl="0" eaLnBrk="1" latinLnBrk="0" hangingPunct="1">
+              <a:spcBef>
+                <a:spcPct val="20000"/>
+              </a:spcBef>
+              <a:buFont typeface="Arial"/>
+              <a:buChar char="•"/>
+              <a:defRPr sz="2000" kern="1200">
+                <a:solidFill>
+                  <a:schemeClr val="tx1"/>
+                </a:solidFill>
+                <a:latin typeface="+mn-lt"/>
+                <a:ea typeface="+mn-ea"/>
+                <a:cs typeface="+mn-cs"/>
+              </a:defRPr>
+            </a:lvl6pPr>
+            <a:lvl7pPr marL="2971800" indent="-228600" algn="l" defTabSz="457200" rtl="0" eaLnBrk="1" latinLnBrk="0" hangingPunct="1">
+              <a:spcBef>
+                <a:spcPct val="20000"/>
+              </a:spcBef>
+              <a:buFont typeface="Arial"/>
+              <a:buChar char="•"/>
+              <a:defRPr sz="2000" kern="1200">
+                <a:solidFill>
+                  <a:schemeClr val="tx1"/>
+                </a:solidFill>
+                <a:latin typeface="+mn-lt"/>
+                <a:ea typeface="+mn-ea"/>
+                <a:cs typeface="+mn-cs"/>
+              </a:defRPr>
+            </a:lvl7pPr>
+            <a:lvl8pPr marL="3429000" indent="-228600" algn="l" defTabSz="457200" rtl="0" eaLnBrk="1" latinLnBrk="0" hangingPunct="1">
+              <a:spcBef>
+                <a:spcPct val="20000"/>
+              </a:spcBef>
+              <a:buFont typeface="Arial"/>
+              <a:buChar char="•"/>
+              <a:defRPr sz="2000" kern="1200">
+                <a:solidFill>
+                  <a:schemeClr val="tx1"/>
+                </a:solidFill>
+                <a:latin typeface="+mn-lt"/>
+                <a:ea typeface="+mn-ea"/>
+                <a:cs typeface="+mn-cs"/>
+              </a:defRPr>
+            </a:lvl8pPr>
+            <a:lvl9pPr marL="3886200" indent="-228600" algn="l" defTabSz="457200" rtl="0" eaLnBrk="1" latinLnBrk="0" hangingPunct="1">
+              <a:spcBef>
+                <a:spcPct val="20000"/>
+              </a:spcBef>
+              <a:buFont typeface="Arial"/>
+              <a:buChar char="•"/>
+              <a:defRPr sz="2000" kern="1200">
+                <a:solidFill>
+                  <a:schemeClr val="tx1"/>
+                </a:solidFill>
+                <a:latin typeface="+mn-lt"/>
+                <a:ea typeface="+mn-ea"/>
+                <a:cs typeface="+mn-cs"/>
+              </a:defRPr>
+            </a:lvl9pPr>
+          </a:lstStyle>
+          <a:p>
+            <a:pPr eaLnBrk="1" hangingPunct="1"/>
+            <a:r>
+              <a:rPr lang="en-US" sz="2000" dirty="0" smtClean="0">
+                <a:latin typeface="Trebuchet MS" charset="0"/>
+                <a:ea typeface="ヒラギノ角ゴ ProN W3" charset="0"/>
+                <a:cs typeface="ヒラギノ角ゴ ProN W3" charset="0"/>
+              </a:rPr>
+              <a:t>(Or, create getter/setter methods)</a:t>
+            </a:r>
+            <a:endParaRPr lang="en-US" sz="2000" dirty="0">
+              <a:latin typeface="Trebuchet MS" charset="0"/>
+              <a:ea typeface="ヒラギノ角ゴ ProN W3" charset="0"/>
+              <a:cs typeface="ヒラギノ角ゴ ProN W3" charset="0"/>
+            </a:endParaRPr>
+          </a:p>
+        </p:txBody>
+      </p:sp>
+      <p:sp>
+        <p:nvSpPr>
+          <p:cNvPr id="15" name="Rectangle 7"/>
+          <p:cNvSpPr txBox="1">
+            <a:spLocks noChangeArrowheads="1"/>
+          </p:cNvSpPr>
+          <p:nvPr/>
+        </p:nvSpPr>
+        <p:spPr bwMode="auto">
+          <a:xfrm>
+            <a:off x="457200" y="1346200"/>
+            <a:ext cx="8229600" cy="1625600"/>
+          </a:xfrm>
+          <a:prstGeom prst="rect">
+            <a:avLst/>
+          </a:prstGeom>
+          <a:noFill/>
+          <a:ln>
+            <a:noFill/>
+          </a:ln>
+          <a:extLst>
+            <a:ext uri="{909E8E84-426E-40dd-AFC4-6F175D3DCCD1}">
+              <a14:hiddenFill xmlns:a14="http://schemas.microsoft.com/office/drawing/2010/main">
+                <a:solidFill>
+                  <a:srgbClr val="FFFFFF"/>
+                </a:solidFill>
+              </a14:hiddenFill>
+            </a:ext>
+            <a:ext uri="{91240B29-F687-4f45-9708-019B960494DF}">
+              <a14:hiddenLine xmlns:a14="http://schemas.microsoft.com/office/drawing/2010/main" w="9525">
+                <a:solidFill>
+                  <a:srgbClr val="000000"/>
+                </a:solidFill>
+                <a:miter lim="800000"/>
+                <a:headEnd/>
+                <a:tailEnd/>
+              </a14:hiddenLine>
+            </a:ext>
+            <a:ext uri="{FAA26D3D-D897-4be2-8F04-BA451C77F1D7}">
+              <ma14:placeholderFlag xmlns:ma14="http://schemas.microsoft.com/office/mac/drawingml/2011/main" val="1"/>
+            </a:ext>
+          </a:extLst>
+        </p:spPr>
+        <p:txBody>
+          <a:bodyPr vert="horz" wrap="square" lIns="91440" tIns="45720" rIns="81279" bIns="45720" numCol="1" anchor="t" anchorCtr="0" compatLnSpc="1">
+            <a:prstTxWarp prst="textNoShape">
+              <a:avLst/>
+            </a:prstTxWarp>
+          </a:bodyPr>
+          <a:lstStyle>
+            <a:lvl1pPr marL="342900" indent="-342900" algn="l" defTabSz="457200" rtl="0" eaLnBrk="0" fontAlgn="base" hangingPunct="0">
+              <a:spcBef>
+                <a:spcPct val="20000"/>
+              </a:spcBef>
+              <a:spcAft>
+                <a:spcPct val="0"/>
+              </a:spcAft>
+              <a:buFont typeface="Arial" charset="0"/>
+              <a:defRPr sz="2400" kern="1200">
+                <a:solidFill>
+                  <a:srgbClr val="122956"/>
+                </a:solidFill>
+                <a:latin typeface="+mn-lt"/>
+                <a:ea typeface="ＭＳ Ｐゴシック" charset="0"/>
+                <a:cs typeface="ＭＳ Ｐゴシック" charset="0"/>
+              </a:defRPr>
+            </a:lvl1pPr>
+            <a:lvl2pPr marL="457200" algn="l" defTabSz="457200" rtl="0" eaLnBrk="0" fontAlgn="base" hangingPunct="0">
+              <a:spcBef>
+                <a:spcPct val="20000"/>
+              </a:spcBef>
+              <a:spcAft>
+                <a:spcPct val="0"/>
+              </a:spcAft>
+              <a:buFont typeface="Arial" charset="0"/>
+              <a:defRPr sz="2000" kern="1200">
+                <a:solidFill>
+                  <a:srgbClr val="122956"/>
+                </a:solidFill>
+                <a:latin typeface="+mn-lt"/>
+                <a:ea typeface="ＭＳ Ｐゴシック" charset="0"/>
+                <a:cs typeface="ＭＳ Ｐゴシック" charset="0"/>
+              </a:defRPr>
+            </a:lvl2pPr>
+            <a:lvl3pPr marL="914400" algn="l" defTabSz="457200" rtl="0" eaLnBrk="0" fontAlgn="base" hangingPunct="0">
+              <a:spcBef>
+                <a:spcPct val="20000"/>
+              </a:spcBef>
+              <a:spcAft>
+                <a:spcPct val="0"/>
+              </a:spcAft>
+              <a:buFont typeface="Arial" charset="0"/>
+              <a:defRPr kern="1200">
+                <a:solidFill>
+                  <a:srgbClr val="122956"/>
+                </a:solidFill>
+                <a:latin typeface="+mn-lt"/>
+                <a:ea typeface="ＭＳ Ｐゴシック" charset="0"/>
+                <a:cs typeface="ＭＳ Ｐゴシック" charset="0"/>
+              </a:defRPr>
+            </a:lvl3pPr>
+            <a:lvl4pPr marL="1371600" algn="l" defTabSz="457200" rtl="0" eaLnBrk="0" fontAlgn="base" hangingPunct="0">
+              <a:spcBef>
+                <a:spcPct val="20000"/>
+              </a:spcBef>
+              <a:spcAft>
+                <a:spcPct val="0"/>
+              </a:spcAft>
+              <a:buFont typeface="Arial" charset="0"/>
+              <a:defRPr sz="2000" kern="1200">
+                <a:solidFill>
+                  <a:schemeClr val="tx1"/>
+                </a:solidFill>
+                <a:latin typeface="+mn-lt"/>
+                <a:ea typeface="ＭＳ Ｐゴシック" charset="0"/>
+                <a:cs typeface="ＭＳ Ｐゴシック" charset="0"/>
+              </a:defRPr>
+            </a:lvl4pPr>
+            <a:lvl5pPr marL="2057400" indent="-228600" algn="l" defTabSz="457200" rtl="0" eaLnBrk="0" fontAlgn="base" hangingPunct="0">
+              <a:spcBef>
+                <a:spcPct val="20000"/>
+              </a:spcBef>
+              <a:spcAft>
+                <a:spcPct val="0"/>
+              </a:spcAft>
+              <a:buFont typeface="Arial" charset="0"/>
+              <a:buChar char="»"/>
+              <a:defRPr sz="2000" kern="1200">
+                <a:solidFill>
+                  <a:schemeClr val="tx1"/>
+                </a:solidFill>
+                <a:latin typeface="+mn-lt"/>
+                <a:ea typeface="ＭＳ Ｐゴシック" charset="0"/>
+                <a:cs typeface="ＭＳ Ｐゴシック" charset="0"/>
+              </a:defRPr>
+            </a:lvl5pPr>
+            <a:lvl6pPr marL="2514600" indent="-228600" algn="l" defTabSz="457200" rtl="0" eaLnBrk="1" latinLnBrk="0" hangingPunct="1">
+              <a:spcBef>
+                <a:spcPct val="20000"/>
+              </a:spcBef>
+              <a:buFont typeface="Arial"/>
+              <a:buChar char="•"/>
+              <a:defRPr sz="2000" kern="1200">
+                <a:solidFill>
+                  <a:schemeClr val="tx1"/>
+                </a:solidFill>
+                <a:latin typeface="+mn-lt"/>
+                <a:ea typeface="+mn-ea"/>
+                <a:cs typeface="+mn-cs"/>
+              </a:defRPr>
+            </a:lvl6pPr>
+            <a:lvl7pPr marL="2971800" indent="-228600" algn="l" defTabSz="457200" rtl="0" eaLnBrk="1" latinLnBrk="0" hangingPunct="1">
+              <a:spcBef>
+                <a:spcPct val="20000"/>
+              </a:spcBef>
+              <a:buFont typeface="Arial"/>
+              <a:buChar char="•"/>
+              <a:defRPr sz="2000" kern="1200">
+                <a:solidFill>
+                  <a:schemeClr val="tx1"/>
+                </a:solidFill>
+                <a:latin typeface="+mn-lt"/>
+                <a:ea typeface="+mn-ea"/>
+                <a:cs typeface="+mn-cs"/>
+              </a:defRPr>
+            </a:lvl7pPr>
+            <a:lvl8pPr marL="3429000" indent="-228600" algn="l" defTabSz="457200" rtl="0" eaLnBrk="1" latinLnBrk="0" hangingPunct="1">
+              <a:spcBef>
+                <a:spcPct val="20000"/>
+              </a:spcBef>
+              <a:buFont typeface="Arial"/>
+              <a:buChar char="•"/>
+              <a:defRPr sz="2000" kern="1200">
+                <a:solidFill>
+                  <a:schemeClr val="tx1"/>
+                </a:solidFill>
+                <a:latin typeface="+mn-lt"/>
+                <a:ea typeface="+mn-ea"/>
+                <a:cs typeface="+mn-cs"/>
+              </a:defRPr>
+            </a:lvl8pPr>
+            <a:lvl9pPr marL="3886200" indent="-228600" algn="l" defTabSz="457200" rtl="0" eaLnBrk="1" latinLnBrk="0" hangingPunct="1">
+              <a:spcBef>
+                <a:spcPct val="20000"/>
+              </a:spcBef>
+              <a:buFont typeface="Arial"/>
+              <a:buChar char="•"/>
+              <a:defRPr sz="2000" kern="1200">
+                <a:solidFill>
+                  <a:schemeClr val="tx1"/>
+                </a:solidFill>
+                <a:latin typeface="+mn-lt"/>
+                <a:ea typeface="+mn-ea"/>
+                <a:cs typeface="+mn-cs"/>
+              </a:defRPr>
+            </a:lvl9pPr>
+          </a:lstStyle>
+          <a:p>
+            <a:pPr eaLnBrk="1" hangingPunct="1"/>
+            <a:r>
+              <a:rPr lang="en-US" dirty="0" smtClean="0">
+                <a:latin typeface="Trebuchet MS" charset="0"/>
+                <a:ea typeface="ヒラギノ角ゴ ProN W3" charset="0"/>
+                <a:cs typeface="ヒラギノ角ゴ ProN W3" charset="0"/>
+              </a:rPr>
+              <a:t>To expose a property, annotate object field with @</a:t>
+            </a:r>
+            <a:r>
+              <a:rPr lang="en-US" dirty="0" err="1" smtClean="0">
+                <a:latin typeface="Trebuchet MS" charset="0"/>
+                <a:ea typeface="ヒラギノ角ゴ ProN W3" charset="0"/>
+                <a:cs typeface="ヒラギノ角ゴ ProN W3" charset="0"/>
+              </a:rPr>
+              <a:t>Kroll.Property</a:t>
+            </a:r>
+            <a:r>
+              <a:rPr lang="en-US" dirty="0" smtClean="0">
+                <a:latin typeface="Trebuchet MS" charset="0"/>
+                <a:ea typeface="ヒラギノ角ゴ ProN W3" charset="0"/>
+                <a:cs typeface="ヒラギノ角ゴ ProN W3" charset="0"/>
+              </a:rPr>
+              <a:t>:</a:t>
+            </a:r>
+          </a:p>
+          <a:p>
+            <a:pPr eaLnBrk="1" hangingPunct="1"/>
+            <a:endParaRPr lang="en-US" sz="900" dirty="0" smtClean="0">
+              <a:latin typeface="Trebuchet MS" charset="0"/>
+              <a:ea typeface="ヒラギノ角ゴ ProN W3" charset="0"/>
+              <a:cs typeface="ヒラギノ角ゴ ProN W3" charset="0"/>
+            </a:endParaRPr>
+          </a:p>
+          <a:p>
+            <a:pPr eaLnBrk="1" hangingPunct="1"/>
+            <a:r>
+              <a:rPr lang="en-US" sz="2000" u="sng" dirty="0" smtClean="0">
+                <a:latin typeface="Trebuchet MS" charset="0"/>
+                <a:ea typeface="ヒラギノ角ゴ ProN W3" charset="0"/>
+                <a:cs typeface="ヒラギノ角ゴ ProN W3" charset="0"/>
+              </a:rPr>
+              <a:t>From </a:t>
+            </a:r>
+            <a:r>
+              <a:rPr lang="en-US" sz="2000" u="sng" dirty="0" err="1" smtClean="0">
+                <a:latin typeface="Trebuchet MS" charset="0"/>
+                <a:ea typeface="ヒラギノ角ゴ ProN W3" charset="0"/>
+                <a:cs typeface="ヒラギノ角ゴ ProN W3" charset="0"/>
+              </a:rPr>
+              <a:t>PlatformModule.java</a:t>
+            </a:r>
+            <a:r>
+              <a:rPr lang="en-US" sz="2000" u="sng" dirty="0" smtClean="0">
+                <a:latin typeface="Trebuchet MS" charset="0"/>
+                <a:ea typeface="ヒラギノ角ゴ ProN W3" charset="0"/>
+                <a:cs typeface="ヒラギノ角ゴ ProN W3" charset="0"/>
+              </a:rPr>
+              <a:t>:</a:t>
+            </a:r>
+            <a:endParaRPr lang="en-US" sz="2000" u="sng" dirty="0">
+              <a:latin typeface="Trebuchet MS" charset="0"/>
+              <a:ea typeface="ヒラギノ角ゴ ProN W3" charset="0"/>
+              <a:cs typeface="ヒラギノ角ゴ ProN W3" charset="0"/>
+            </a:endParaRPr>
+          </a:p>
+        </p:txBody>
+      </p:sp>
     </p:spTree>
     <p:extLst>
       <p:ext uri="{BB962C8B-B14F-4D97-AF65-F5344CB8AC3E}">
-        <p14:creationId xmlns:p14="http://schemas.microsoft.com/office/powerpoint/2010/main" val="1123540471"/>
+        <p14:creationId xmlns:p14="http://schemas.microsoft.com/office/powerpoint/2010/main" val="812673360"/>
       </p:ext>
     </p:extLst>
   </p:cSld>
@@ -11108,7 +12552,7 @@
                 <a:ea typeface="ヒラギノ角ゴ ProN W6" charset="0"/>
                 <a:cs typeface="ヒラギノ角ゴ ProN W6" charset="0"/>
               </a:rPr>
-              <a:t>Android – Proxy Property</a:t>
+              <a:t>iOS – Proxy Method</a:t>
             </a:r>
             <a:endParaRPr lang="en-US" dirty="0">
               <a:latin typeface="Trebuchet MS Bold" charset="0"/>
@@ -11118,261 +12562,9 @@
           </a:p>
         </p:txBody>
       </p:sp>
-      <p:sp>
-        <p:nvSpPr>
-          <p:cNvPr id="12293" name="Rectangle 7"/>
-          <p:cNvSpPr>
-            <a:spLocks noGrp="1" noChangeArrowheads="1"/>
-          </p:cNvSpPr>
-          <p:nvPr>
-            <p:ph idx="1"/>
-          </p:nvPr>
-        </p:nvSpPr>
-        <p:spPr>
-          <a:xfrm>
-            <a:off x="457200" y="1346200"/>
-            <a:ext cx="8229600" cy="482600"/>
-          </a:xfrm>
-        </p:spPr>
-        <p:txBody>
-          <a:bodyPr rIns="81279"/>
-          <a:lstStyle/>
-          <a:p>
-            <a:pPr eaLnBrk="1" hangingPunct="1"/>
-            <a:r>
-              <a:rPr lang="en-US" dirty="0" smtClean="0">
-                <a:latin typeface="Trebuchet MS" charset="0"/>
-                <a:ea typeface="ヒラギノ角ゴ ProN W3" charset="0"/>
-                <a:cs typeface="ヒラギノ角ゴ ProN W3" charset="0"/>
-              </a:rPr>
-              <a:t>From PlatformModule.java:</a:t>
-            </a:r>
-            <a:endParaRPr lang="en-US" dirty="0">
-              <a:latin typeface="Trebuchet MS" charset="0"/>
-              <a:ea typeface="ヒラギノ角ゴ ProN W3" charset="0"/>
-              <a:cs typeface="ヒラギノ角ゴ ProN W3" charset="0"/>
-            </a:endParaRPr>
-          </a:p>
-        </p:txBody>
-      </p:sp>
-      <p:sp>
-        <p:nvSpPr>
-          <p:cNvPr id="10" name="Rectangle 7"/>
-          <p:cNvSpPr txBox="1">
-            <a:spLocks noChangeArrowheads="1"/>
-          </p:cNvSpPr>
-          <p:nvPr/>
-        </p:nvSpPr>
-        <p:spPr bwMode="auto">
-          <a:xfrm>
-            <a:off x="609600" y="3962400"/>
-            <a:ext cx="8229600" cy="482600"/>
-          </a:xfrm>
-          <a:prstGeom prst="rect">
-            <a:avLst/>
-          </a:prstGeom>
-          <a:noFill/>
-          <a:ln>
-            <a:noFill/>
-          </a:ln>
-          <a:extLst>
-            <a:ext uri="{909E8E84-426E-40dd-AFC4-6F175D3DCCD1}">
-              <a14:hiddenFill xmlns:a14="http://schemas.microsoft.com/office/drawing/2010/main">
-                <a:solidFill>
-                  <a:srgbClr val="FFFFFF"/>
-                </a:solidFill>
-              </a14:hiddenFill>
-            </a:ext>
-            <a:ext uri="{91240B29-F687-4f45-9708-019B960494DF}">
-              <a14:hiddenLine xmlns:a14="http://schemas.microsoft.com/office/drawing/2010/main" w="9525">
-                <a:solidFill>
-                  <a:srgbClr val="000000"/>
-                </a:solidFill>
-                <a:miter lim="800000"/>
-                <a:headEnd/>
-                <a:tailEnd/>
-              </a14:hiddenLine>
-            </a:ext>
-            <a:ext uri="{FAA26D3D-D897-4be2-8F04-BA451C77F1D7}">
-              <ma14:placeholderFlag xmlns:ma14="http://schemas.microsoft.com/office/mac/drawingml/2011/main" val="1"/>
-            </a:ext>
-          </a:extLst>
-        </p:spPr>
-        <p:txBody>
-          <a:bodyPr vert="horz" wrap="square" lIns="91440" tIns="45720" rIns="81279" bIns="45720" numCol="1" anchor="t" anchorCtr="0" compatLnSpc="1">
-            <a:prstTxWarp prst="textNoShape">
-              <a:avLst/>
-            </a:prstTxWarp>
-          </a:bodyPr>
-          <a:lstStyle>
-            <a:lvl1pPr marL="342900" indent="-342900" algn="l" defTabSz="457200" rtl="0" eaLnBrk="0" fontAlgn="base" hangingPunct="0">
-              <a:spcBef>
-                <a:spcPct val="20000"/>
-              </a:spcBef>
-              <a:spcAft>
-                <a:spcPct val="0"/>
-              </a:spcAft>
-              <a:buFont typeface="Arial" charset="0"/>
-              <a:defRPr sz="2400" kern="1200">
-                <a:solidFill>
-                  <a:srgbClr val="122956"/>
-                </a:solidFill>
-                <a:latin typeface="+mn-lt"/>
-                <a:ea typeface="ＭＳ Ｐゴシック" charset="0"/>
-                <a:cs typeface="ＭＳ Ｐゴシック" charset="0"/>
-              </a:defRPr>
-            </a:lvl1pPr>
-            <a:lvl2pPr marL="457200" algn="l" defTabSz="457200" rtl="0" eaLnBrk="0" fontAlgn="base" hangingPunct="0">
-              <a:spcBef>
-                <a:spcPct val="20000"/>
-              </a:spcBef>
-              <a:spcAft>
-                <a:spcPct val="0"/>
-              </a:spcAft>
-              <a:buFont typeface="Arial" charset="0"/>
-              <a:defRPr sz="2000" kern="1200">
-                <a:solidFill>
-                  <a:srgbClr val="122956"/>
-                </a:solidFill>
-                <a:latin typeface="+mn-lt"/>
-                <a:ea typeface="ＭＳ Ｐゴシック" charset="0"/>
-                <a:cs typeface="ＭＳ Ｐゴシック" charset="0"/>
-              </a:defRPr>
-            </a:lvl2pPr>
-            <a:lvl3pPr marL="914400" algn="l" defTabSz="457200" rtl="0" eaLnBrk="0" fontAlgn="base" hangingPunct="0">
-              <a:spcBef>
-                <a:spcPct val="20000"/>
-              </a:spcBef>
-              <a:spcAft>
-                <a:spcPct val="0"/>
-              </a:spcAft>
-              <a:buFont typeface="Arial" charset="0"/>
-              <a:defRPr kern="1200">
-                <a:solidFill>
-                  <a:srgbClr val="122956"/>
-                </a:solidFill>
-                <a:latin typeface="+mn-lt"/>
-                <a:ea typeface="ＭＳ Ｐゴシック" charset="0"/>
-                <a:cs typeface="ＭＳ Ｐゴシック" charset="0"/>
-              </a:defRPr>
-            </a:lvl3pPr>
-            <a:lvl4pPr marL="1371600" algn="l" defTabSz="457200" rtl="0" eaLnBrk="0" fontAlgn="base" hangingPunct="0">
-              <a:spcBef>
-                <a:spcPct val="20000"/>
-              </a:spcBef>
-              <a:spcAft>
-                <a:spcPct val="0"/>
-              </a:spcAft>
-              <a:buFont typeface="Arial" charset="0"/>
-              <a:defRPr sz="2000" kern="1200">
-                <a:solidFill>
-                  <a:schemeClr val="tx1"/>
-                </a:solidFill>
-                <a:latin typeface="+mn-lt"/>
-                <a:ea typeface="ＭＳ Ｐゴシック" charset="0"/>
-                <a:cs typeface="ＭＳ Ｐゴシック" charset="0"/>
-              </a:defRPr>
-            </a:lvl4pPr>
-            <a:lvl5pPr marL="2057400" indent="-228600" algn="l" defTabSz="457200" rtl="0" eaLnBrk="0" fontAlgn="base" hangingPunct="0">
-              <a:spcBef>
-                <a:spcPct val="20000"/>
-              </a:spcBef>
-              <a:spcAft>
-                <a:spcPct val="0"/>
-              </a:spcAft>
-              <a:buFont typeface="Arial" charset="0"/>
-              <a:buChar char="»"/>
-              <a:defRPr sz="2000" kern="1200">
-                <a:solidFill>
-                  <a:schemeClr val="tx1"/>
-                </a:solidFill>
-                <a:latin typeface="+mn-lt"/>
-                <a:ea typeface="ＭＳ Ｐゴシック" charset="0"/>
-                <a:cs typeface="ＭＳ Ｐゴシック" charset="0"/>
-              </a:defRPr>
-            </a:lvl5pPr>
-            <a:lvl6pPr marL="2514600" indent="-228600" algn="l" defTabSz="457200" rtl="0" eaLnBrk="1" latinLnBrk="0" hangingPunct="1">
-              <a:spcBef>
-                <a:spcPct val="20000"/>
-              </a:spcBef>
-              <a:buFont typeface="Arial"/>
-              <a:buChar char="•"/>
-              <a:defRPr sz="2000" kern="1200">
-                <a:solidFill>
-                  <a:schemeClr val="tx1"/>
-                </a:solidFill>
-                <a:latin typeface="+mn-lt"/>
-                <a:ea typeface="+mn-ea"/>
-                <a:cs typeface="+mn-cs"/>
-              </a:defRPr>
-            </a:lvl6pPr>
-            <a:lvl7pPr marL="2971800" indent="-228600" algn="l" defTabSz="457200" rtl="0" eaLnBrk="1" latinLnBrk="0" hangingPunct="1">
-              <a:spcBef>
-                <a:spcPct val="20000"/>
-              </a:spcBef>
-              <a:buFont typeface="Arial"/>
-              <a:buChar char="•"/>
-              <a:defRPr sz="2000" kern="1200">
-                <a:solidFill>
-                  <a:schemeClr val="tx1"/>
-                </a:solidFill>
-                <a:latin typeface="+mn-lt"/>
-                <a:ea typeface="+mn-ea"/>
-                <a:cs typeface="+mn-cs"/>
-              </a:defRPr>
-            </a:lvl7pPr>
-            <a:lvl8pPr marL="3429000" indent="-228600" algn="l" defTabSz="457200" rtl="0" eaLnBrk="1" latinLnBrk="0" hangingPunct="1">
-              <a:spcBef>
-                <a:spcPct val="20000"/>
-              </a:spcBef>
-              <a:buFont typeface="Arial"/>
-              <a:buChar char="•"/>
-              <a:defRPr sz="2000" kern="1200">
-                <a:solidFill>
-                  <a:schemeClr val="tx1"/>
-                </a:solidFill>
-                <a:latin typeface="+mn-lt"/>
-                <a:ea typeface="+mn-ea"/>
-                <a:cs typeface="+mn-cs"/>
-              </a:defRPr>
-            </a:lvl8pPr>
-            <a:lvl9pPr marL="3886200" indent="-228600" algn="l" defTabSz="457200" rtl="0" eaLnBrk="1" latinLnBrk="0" hangingPunct="1">
-              <a:spcBef>
-                <a:spcPct val="20000"/>
-              </a:spcBef>
-              <a:buFont typeface="Arial"/>
-              <a:buChar char="•"/>
-              <a:defRPr sz="2000" kern="1200">
-                <a:solidFill>
-                  <a:schemeClr val="tx1"/>
-                </a:solidFill>
-                <a:latin typeface="+mn-lt"/>
-                <a:ea typeface="+mn-ea"/>
-                <a:cs typeface="+mn-cs"/>
-              </a:defRPr>
-            </a:lvl9pPr>
-          </a:lstStyle>
-          <a:p>
-            <a:pPr eaLnBrk="1" hangingPunct="1"/>
-            <a:r>
-              <a:rPr lang="en-US" dirty="0" smtClean="0">
-                <a:latin typeface="Trebuchet MS" charset="0"/>
-                <a:ea typeface="ヒラギノ角ゴ ProN W3" charset="0"/>
-                <a:cs typeface="ヒラギノ角ゴ ProN W3" charset="0"/>
-              </a:rPr>
-              <a:t>JS API:</a:t>
-            </a:r>
-            <a:endParaRPr lang="en-US" dirty="0">
-              <a:latin typeface="Trebuchet MS" charset="0"/>
-              <a:ea typeface="ヒラギノ角ゴ ProN W3" charset="0"/>
-              <a:cs typeface="ヒラギノ角ゴ ProN W3" charset="0"/>
-            </a:endParaRPr>
-          </a:p>
-        </p:txBody>
-      </p:sp>
       <p:pic>
         <p:nvPicPr>
-          <p:cNvPr id="5" name="Picture 4"/>
+          <p:cNvPr id="6" name="Picture 5"/>
           <p:cNvPicPr>
             <a:picLocks noChangeAspect="1"/>
           </p:cNvPicPr>
@@ -11386,32 +12578,8 @@
         </p:blipFill>
         <p:spPr>
           <a:xfrm>
-            <a:off x="533400" y="4876800"/>
-            <a:ext cx="8051800" cy="520700"/>
-          </a:xfrm>
-          <a:prstGeom prst="rect">
-            <a:avLst/>
-          </a:prstGeom>
-        </p:spPr>
-      </p:pic>
-      <p:pic>
-        <p:nvPicPr>
-          <p:cNvPr id="6" name="Picture 5"/>
-          <p:cNvPicPr>
-            <a:picLocks noChangeAspect="1"/>
-          </p:cNvPicPr>
-          <p:nvPr/>
-        </p:nvPicPr>
-        <p:blipFill>
-          <a:blip r:embed="rId6"/>
-          <a:stretch>
-            <a:fillRect/>
-          </a:stretch>
-        </p:blipFill>
-        <p:spPr>
-          <a:xfrm>
-            <a:off x="381000" y="2057400"/>
-            <a:ext cx="8382000" cy="1601796"/>
+            <a:off x="381000" y="2286000"/>
+            <a:ext cx="8229600" cy="2985502"/>
           </a:xfrm>
           <a:prstGeom prst="rect">
             <a:avLst/>
@@ -11598,10 +12766,737 @@
           </a:p>
         </p:txBody>
       </p:sp>
+      <p:sp>
+        <p:nvSpPr>
+          <p:cNvPr id="13" name="Rectangle 7"/>
+          <p:cNvSpPr txBox="1">
+            <a:spLocks noChangeArrowheads="1"/>
+          </p:cNvSpPr>
+          <p:nvPr/>
+        </p:nvSpPr>
+        <p:spPr bwMode="auto">
+          <a:xfrm>
+            <a:off x="457200" y="1346200"/>
+            <a:ext cx="8229600" cy="1016000"/>
+          </a:xfrm>
+          <a:prstGeom prst="rect">
+            <a:avLst/>
+          </a:prstGeom>
+          <a:noFill/>
+          <a:ln>
+            <a:noFill/>
+          </a:ln>
+          <a:extLst>
+            <a:ext uri="{909E8E84-426E-40dd-AFC4-6F175D3DCCD1}">
+              <a14:hiddenFill xmlns:a14="http://schemas.microsoft.com/office/drawing/2010/main">
+                <a:solidFill>
+                  <a:srgbClr val="FFFFFF"/>
+                </a:solidFill>
+              </a14:hiddenFill>
+            </a:ext>
+            <a:ext uri="{91240B29-F687-4f45-9708-019B960494DF}">
+              <a14:hiddenLine xmlns:a14="http://schemas.microsoft.com/office/drawing/2010/main" w="9525">
+                <a:solidFill>
+                  <a:srgbClr val="000000"/>
+                </a:solidFill>
+                <a:miter lim="800000"/>
+                <a:headEnd/>
+                <a:tailEnd/>
+              </a14:hiddenLine>
+            </a:ext>
+            <a:ext uri="{FAA26D3D-D897-4be2-8F04-BA451C77F1D7}">
+              <ma14:placeholderFlag xmlns:ma14="http://schemas.microsoft.com/office/mac/drawingml/2011/main" val="1"/>
+            </a:ext>
+          </a:extLst>
+        </p:spPr>
+        <p:txBody>
+          <a:bodyPr vert="horz" wrap="square" lIns="91440" tIns="45720" rIns="81279" bIns="45720" numCol="1" anchor="t" anchorCtr="0" compatLnSpc="1">
+            <a:prstTxWarp prst="textNoShape">
+              <a:avLst/>
+            </a:prstTxWarp>
+          </a:bodyPr>
+          <a:lstStyle>
+            <a:lvl1pPr marL="342900" indent="-342900" algn="l" defTabSz="457200" rtl="0" eaLnBrk="0" fontAlgn="base" hangingPunct="0">
+              <a:spcBef>
+                <a:spcPct val="20000"/>
+              </a:spcBef>
+              <a:spcAft>
+                <a:spcPct val="0"/>
+              </a:spcAft>
+              <a:buFont typeface="Arial" charset="0"/>
+              <a:defRPr sz="2400" kern="1200">
+                <a:solidFill>
+                  <a:srgbClr val="122956"/>
+                </a:solidFill>
+                <a:latin typeface="+mn-lt"/>
+                <a:ea typeface="ＭＳ Ｐゴシック" charset="0"/>
+                <a:cs typeface="ＭＳ Ｐゴシック" charset="0"/>
+              </a:defRPr>
+            </a:lvl1pPr>
+            <a:lvl2pPr marL="457200" algn="l" defTabSz="457200" rtl="0" eaLnBrk="0" fontAlgn="base" hangingPunct="0">
+              <a:spcBef>
+                <a:spcPct val="20000"/>
+              </a:spcBef>
+              <a:spcAft>
+                <a:spcPct val="0"/>
+              </a:spcAft>
+              <a:buFont typeface="Arial" charset="0"/>
+              <a:defRPr sz="2000" kern="1200">
+                <a:solidFill>
+                  <a:srgbClr val="122956"/>
+                </a:solidFill>
+                <a:latin typeface="+mn-lt"/>
+                <a:ea typeface="ＭＳ Ｐゴシック" charset="0"/>
+                <a:cs typeface="ＭＳ Ｐゴシック" charset="0"/>
+              </a:defRPr>
+            </a:lvl2pPr>
+            <a:lvl3pPr marL="914400" algn="l" defTabSz="457200" rtl="0" eaLnBrk="0" fontAlgn="base" hangingPunct="0">
+              <a:spcBef>
+                <a:spcPct val="20000"/>
+              </a:spcBef>
+              <a:spcAft>
+                <a:spcPct val="0"/>
+              </a:spcAft>
+              <a:buFont typeface="Arial" charset="0"/>
+              <a:defRPr kern="1200">
+                <a:solidFill>
+                  <a:srgbClr val="122956"/>
+                </a:solidFill>
+                <a:latin typeface="+mn-lt"/>
+                <a:ea typeface="ＭＳ Ｐゴシック" charset="0"/>
+                <a:cs typeface="ＭＳ Ｐゴシック" charset="0"/>
+              </a:defRPr>
+            </a:lvl3pPr>
+            <a:lvl4pPr marL="1371600" algn="l" defTabSz="457200" rtl="0" eaLnBrk="0" fontAlgn="base" hangingPunct="0">
+              <a:spcBef>
+                <a:spcPct val="20000"/>
+              </a:spcBef>
+              <a:spcAft>
+                <a:spcPct val="0"/>
+              </a:spcAft>
+              <a:buFont typeface="Arial" charset="0"/>
+              <a:defRPr sz="2000" kern="1200">
+                <a:solidFill>
+                  <a:schemeClr val="tx1"/>
+                </a:solidFill>
+                <a:latin typeface="+mn-lt"/>
+                <a:ea typeface="ＭＳ Ｐゴシック" charset="0"/>
+                <a:cs typeface="ＭＳ Ｐゴシック" charset="0"/>
+              </a:defRPr>
+            </a:lvl4pPr>
+            <a:lvl5pPr marL="2057400" indent="-228600" algn="l" defTabSz="457200" rtl="0" eaLnBrk="0" fontAlgn="base" hangingPunct="0">
+              <a:spcBef>
+                <a:spcPct val="20000"/>
+              </a:spcBef>
+              <a:spcAft>
+                <a:spcPct val="0"/>
+              </a:spcAft>
+              <a:buFont typeface="Arial" charset="0"/>
+              <a:buChar char="»"/>
+              <a:defRPr sz="2000" kern="1200">
+                <a:solidFill>
+                  <a:schemeClr val="tx1"/>
+                </a:solidFill>
+                <a:latin typeface="+mn-lt"/>
+                <a:ea typeface="ＭＳ Ｐゴシック" charset="0"/>
+                <a:cs typeface="ＭＳ Ｐゴシック" charset="0"/>
+              </a:defRPr>
+            </a:lvl5pPr>
+            <a:lvl6pPr marL="2514600" indent="-228600" algn="l" defTabSz="457200" rtl="0" eaLnBrk="1" latinLnBrk="0" hangingPunct="1">
+              <a:spcBef>
+                <a:spcPct val="20000"/>
+              </a:spcBef>
+              <a:buFont typeface="Arial"/>
+              <a:buChar char="•"/>
+              <a:defRPr sz="2000" kern="1200">
+                <a:solidFill>
+                  <a:schemeClr val="tx1"/>
+                </a:solidFill>
+                <a:latin typeface="+mn-lt"/>
+                <a:ea typeface="+mn-ea"/>
+                <a:cs typeface="+mn-cs"/>
+              </a:defRPr>
+            </a:lvl6pPr>
+            <a:lvl7pPr marL="2971800" indent="-228600" algn="l" defTabSz="457200" rtl="0" eaLnBrk="1" latinLnBrk="0" hangingPunct="1">
+              <a:spcBef>
+                <a:spcPct val="20000"/>
+              </a:spcBef>
+              <a:buFont typeface="Arial"/>
+              <a:buChar char="•"/>
+              <a:defRPr sz="2000" kern="1200">
+                <a:solidFill>
+                  <a:schemeClr val="tx1"/>
+                </a:solidFill>
+                <a:latin typeface="+mn-lt"/>
+                <a:ea typeface="+mn-ea"/>
+                <a:cs typeface="+mn-cs"/>
+              </a:defRPr>
+            </a:lvl7pPr>
+            <a:lvl8pPr marL="3429000" indent="-228600" algn="l" defTabSz="457200" rtl="0" eaLnBrk="1" latinLnBrk="0" hangingPunct="1">
+              <a:spcBef>
+                <a:spcPct val="20000"/>
+              </a:spcBef>
+              <a:buFont typeface="Arial"/>
+              <a:buChar char="•"/>
+              <a:defRPr sz="2000" kern="1200">
+                <a:solidFill>
+                  <a:schemeClr val="tx1"/>
+                </a:solidFill>
+                <a:latin typeface="+mn-lt"/>
+                <a:ea typeface="+mn-ea"/>
+                <a:cs typeface="+mn-cs"/>
+              </a:defRPr>
+            </a:lvl8pPr>
+            <a:lvl9pPr marL="3886200" indent="-228600" algn="l" defTabSz="457200" rtl="0" eaLnBrk="1" latinLnBrk="0" hangingPunct="1">
+              <a:spcBef>
+                <a:spcPct val="20000"/>
+              </a:spcBef>
+              <a:buFont typeface="Arial"/>
+              <a:buChar char="•"/>
+              <a:defRPr sz="2000" kern="1200">
+                <a:solidFill>
+                  <a:schemeClr val="tx1"/>
+                </a:solidFill>
+                <a:latin typeface="+mn-lt"/>
+                <a:ea typeface="+mn-ea"/>
+                <a:cs typeface="+mn-cs"/>
+              </a:defRPr>
+            </a:lvl9pPr>
+          </a:lstStyle>
+          <a:p>
+            <a:pPr eaLnBrk="1" hangingPunct="1"/>
+            <a:r>
+              <a:rPr lang="en-US" dirty="0" smtClean="0">
+                <a:latin typeface="Trebuchet MS" charset="0"/>
+                <a:ea typeface="ヒラギノ角ゴ ProN W3" charset="0"/>
+                <a:cs typeface="ヒラギノ角ゴ ProN W3" charset="0"/>
+              </a:rPr>
+              <a:t>To expose a method, simply define an </a:t>
+            </a:r>
+            <a:r>
+              <a:rPr lang="en-US" dirty="0" err="1" smtClean="0">
+                <a:latin typeface="Trebuchet MS" charset="0"/>
+                <a:ea typeface="ヒラギノ角ゴ ProN W3" charset="0"/>
+                <a:cs typeface="ヒラギノ角ゴ ProN W3" charset="0"/>
+              </a:rPr>
+              <a:t>ObjC</a:t>
+            </a:r>
+            <a:r>
+              <a:rPr lang="en-US" dirty="0" smtClean="0">
+                <a:latin typeface="Trebuchet MS" charset="0"/>
+                <a:ea typeface="ヒラギノ角ゴ ProN W3" charset="0"/>
+                <a:cs typeface="ヒラギノ角ゴ ProN W3" charset="0"/>
+              </a:rPr>
+              <a:t> method:</a:t>
+            </a:r>
+          </a:p>
+          <a:p>
+            <a:pPr eaLnBrk="1" hangingPunct="1"/>
+            <a:endParaRPr lang="en-US" sz="900" dirty="0" smtClean="0">
+              <a:latin typeface="Trebuchet MS" charset="0"/>
+              <a:ea typeface="ヒラギノ角ゴ ProN W3" charset="0"/>
+              <a:cs typeface="ヒラギノ角ゴ ProN W3" charset="0"/>
+            </a:endParaRPr>
+          </a:p>
+          <a:p>
+            <a:pPr eaLnBrk="1" hangingPunct="1"/>
+            <a:r>
+              <a:rPr lang="en-US" sz="2000" u="sng" dirty="0" smtClean="0">
+                <a:latin typeface="Trebuchet MS" charset="0"/>
+                <a:ea typeface="ヒラギノ角ゴ ProN W3" charset="0"/>
+                <a:cs typeface="ヒラギノ角ゴ ProN W3" charset="0"/>
+              </a:rPr>
+              <a:t>From </a:t>
+            </a:r>
+            <a:r>
+              <a:rPr lang="en-US" sz="2000" u="sng" dirty="0" err="1" smtClean="0">
+                <a:latin typeface="Trebuchet MS" charset="0"/>
+                <a:ea typeface="ヒラギノ角ゴ ProN W3" charset="0"/>
+                <a:cs typeface="ヒラギノ角ゴ ProN W3" charset="0"/>
+              </a:rPr>
+              <a:t>PlatformModule.m</a:t>
+            </a:r>
+            <a:r>
+              <a:rPr lang="en-US" sz="2000" u="sng" dirty="0" smtClean="0">
+                <a:latin typeface="Trebuchet MS" charset="0"/>
+                <a:ea typeface="ヒラギノ角ゴ ProN W3" charset="0"/>
+                <a:cs typeface="ヒラギノ角ゴ ProN W3" charset="0"/>
+              </a:rPr>
+              <a:t>:</a:t>
+            </a:r>
+            <a:endParaRPr lang="en-US" sz="2000" u="sng" dirty="0">
+              <a:latin typeface="Trebuchet MS" charset="0"/>
+              <a:ea typeface="ヒラギノ角ゴ ProN W3" charset="0"/>
+              <a:cs typeface="ヒラギノ角ゴ ProN W3" charset="0"/>
+            </a:endParaRPr>
+          </a:p>
+        </p:txBody>
+      </p:sp>
+      <p:sp>
+        <p:nvSpPr>
+          <p:cNvPr id="16" name="Rectangle 7"/>
+          <p:cNvSpPr txBox="1">
+            <a:spLocks noChangeArrowheads="1"/>
+          </p:cNvSpPr>
+          <p:nvPr/>
+        </p:nvSpPr>
+        <p:spPr bwMode="auto">
+          <a:xfrm>
+            <a:off x="609600" y="5308600"/>
+            <a:ext cx="8229600" cy="482600"/>
+          </a:xfrm>
+          <a:prstGeom prst="rect">
+            <a:avLst/>
+          </a:prstGeom>
+          <a:noFill/>
+          <a:ln>
+            <a:noFill/>
+          </a:ln>
+          <a:extLst>
+            <a:ext uri="{909E8E84-426E-40dd-AFC4-6F175D3DCCD1}">
+              <a14:hiddenFill xmlns:a14="http://schemas.microsoft.com/office/drawing/2010/main">
+                <a:solidFill>
+                  <a:srgbClr val="FFFFFF"/>
+                </a:solidFill>
+              </a14:hiddenFill>
+            </a:ext>
+            <a:ext uri="{91240B29-F687-4f45-9708-019B960494DF}">
+              <a14:hiddenLine xmlns:a14="http://schemas.microsoft.com/office/drawing/2010/main" w="9525">
+                <a:solidFill>
+                  <a:srgbClr val="000000"/>
+                </a:solidFill>
+                <a:miter lim="800000"/>
+                <a:headEnd/>
+                <a:tailEnd/>
+              </a14:hiddenLine>
+            </a:ext>
+            <a:ext uri="{FAA26D3D-D897-4be2-8F04-BA451C77F1D7}">
+              <ma14:placeholderFlag xmlns:ma14="http://schemas.microsoft.com/office/mac/drawingml/2011/main" val="1"/>
+            </a:ext>
+          </a:extLst>
+        </p:spPr>
+        <p:txBody>
+          <a:bodyPr vert="horz" wrap="square" lIns="91440" tIns="45720" rIns="81279" bIns="45720" numCol="1" anchor="t" anchorCtr="0" compatLnSpc="1">
+            <a:prstTxWarp prst="textNoShape">
+              <a:avLst/>
+            </a:prstTxWarp>
+          </a:bodyPr>
+          <a:lstStyle>
+            <a:lvl1pPr marL="342900" indent="-342900" algn="l" defTabSz="457200" rtl="0" eaLnBrk="0" fontAlgn="base" hangingPunct="0">
+              <a:spcBef>
+                <a:spcPct val="20000"/>
+              </a:spcBef>
+              <a:spcAft>
+                <a:spcPct val="0"/>
+              </a:spcAft>
+              <a:buFont typeface="Arial" charset="0"/>
+              <a:defRPr sz="2400" kern="1200">
+                <a:solidFill>
+                  <a:srgbClr val="122956"/>
+                </a:solidFill>
+                <a:latin typeface="+mn-lt"/>
+                <a:ea typeface="ＭＳ Ｐゴシック" charset="0"/>
+                <a:cs typeface="ＭＳ Ｐゴシック" charset="0"/>
+              </a:defRPr>
+            </a:lvl1pPr>
+            <a:lvl2pPr marL="457200" algn="l" defTabSz="457200" rtl="0" eaLnBrk="0" fontAlgn="base" hangingPunct="0">
+              <a:spcBef>
+                <a:spcPct val="20000"/>
+              </a:spcBef>
+              <a:spcAft>
+                <a:spcPct val="0"/>
+              </a:spcAft>
+              <a:buFont typeface="Arial" charset="0"/>
+              <a:defRPr sz="2000" kern="1200">
+                <a:solidFill>
+                  <a:srgbClr val="122956"/>
+                </a:solidFill>
+                <a:latin typeface="+mn-lt"/>
+                <a:ea typeface="ＭＳ Ｐゴシック" charset="0"/>
+                <a:cs typeface="ＭＳ Ｐゴシック" charset="0"/>
+              </a:defRPr>
+            </a:lvl2pPr>
+            <a:lvl3pPr marL="914400" algn="l" defTabSz="457200" rtl="0" eaLnBrk="0" fontAlgn="base" hangingPunct="0">
+              <a:spcBef>
+                <a:spcPct val="20000"/>
+              </a:spcBef>
+              <a:spcAft>
+                <a:spcPct val="0"/>
+              </a:spcAft>
+              <a:buFont typeface="Arial" charset="0"/>
+              <a:defRPr kern="1200">
+                <a:solidFill>
+                  <a:srgbClr val="122956"/>
+                </a:solidFill>
+                <a:latin typeface="+mn-lt"/>
+                <a:ea typeface="ＭＳ Ｐゴシック" charset="0"/>
+                <a:cs typeface="ＭＳ Ｐゴシック" charset="0"/>
+              </a:defRPr>
+            </a:lvl3pPr>
+            <a:lvl4pPr marL="1371600" algn="l" defTabSz="457200" rtl="0" eaLnBrk="0" fontAlgn="base" hangingPunct="0">
+              <a:spcBef>
+                <a:spcPct val="20000"/>
+              </a:spcBef>
+              <a:spcAft>
+                <a:spcPct val="0"/>
+              </a:spcAft>
+              <a:buFont typeface="Arial" charset="0"/>
+              <a:defRPr sz="2000" kern="1200">
+                <a:solidFill>
+                  <a:schemeClr val="tx1"/>
+                </a:solidFill>
+                <a:latin typeface="+mn-lt"/>
+                <a:ea typeface="ＭＳ Ｐゴシック" charset="0"/>
+                <a:cs typeface="ＭＳ Ｐゴシック" charset="0"/>
+              </a:defRPr>
+            </a:lvl4pPr>
+            <a:lvl5pPr marL="2057400" indent="-228600" algn="l" defTabSz="457200" rtl="0" eaLnBrk="0" fontAlgn="base" hangingPunct="0">
+              <a:spcBef>
+                <a:spcPct val="20000"/>
+              </a:spcBef>
+              <a:spcAft>
+                <a:spcPct val="0"/>
+              </a:spcAft>
+              <a:buFont typeface="Arial" charset="0"/>
+              <a:buChar char="»"/>
+              <a:defRPr sz="2000" kern="1200">
+                <a:solidFill>
+                  <a:schemeClr val="tx1"/>
+                </a:solidFill>
+                <a:latin typeface="+mn-lt"/>
+                <a:ea typeface="ＭＳ Ｐゴシック" charset="0"/>
+                <a:cs typeface="ＭＳ Ｐゴシック" charset="0"/>
+              </a:defRPr>
+            </a:lvl5pPr>
+            <a:lvl6pPr marL="2514600" indent="-228600" algn="l" defTabSz="457200" rtl="0" eaLnBrk="1" latinLnBrk="0" hangingPunct="1">
+              <a:spcBef>
+                <a:spcPct val="20000"/>
+              </a:spcBef>
+              <a:buFont typeface="Arial"/>
+              <a:buChar char="•"/>
+              <a:defRPr sz="2000" kern="1200">
+                <a:solidFill>
+                  <a:schemeClr val="tx1"/>
+                </a:solidFill>
+                <a:latin typeface="+mn-lt"/>
+                <a:ea typeface="+mn-ea"/>
+                <a:cs typeface="+mn-cs"/>
+              </a:defRPr>
+            </a:lvl6pPr>
+            <a:lvl7pPr marL="2971800" indent="-228600" algn="l" defTabSz="457200" rtl="0" eaLnBrk="1" latinLnBrk="0" hangingPunct="1">
+              <a:spcBef>
+                <a:spcPct val="20000"/>
+              </a:spcBef>
+              <a:buFont typeface="Arial"/>
+              <a:buChar char="•"/>
+              <a:defRPr sz="2000" kern="1200">
+                <a:solidFill>
+                  <a:schemeClr val="tx1"/>
+                </a:solidFill>
+                <a:latin typeface="+mn-lt"/>
+                <a:ea typeface="+mn-ea"/>
+                <a:cs typeface="+mn-cs"/>
+              </a:defRPr>
+            </a:lvl7pPr>
+            <a:lvl8pPr marL="3429000" indent="-228600" algn="l" defTabSz="457200" rtl="0" eaLnBrk="1" latinLnBrk="0" hangingPunct="1">
+              <a:spcBef>
+                <a:spcPct val="20000"/>
+              </a:spcBef>
+              <a:buFont typeface="Arial"/>
+              <a:buChar char="•"/>
+              <a:defRPr sz="2000" kern="1200">
+                <a:solidFill>
+                  <a:schemeClr val="tx1"/>
+                </a:solidFill>
+                <a:latin typeface="+mn-lt"/>
+                <a:ea typeface="+mn-ea"/>
+                <a:cs typeface="+mn-cs"/>
+              </a:defRPr>
+            </a:lvl8pPr>
+            <a:lvl9pPr marL="3886200" indent="-228600" algn="l" defTabSz="457200" rtl="0" eaLnBrk="1" latinLnBrk="0" hangingPunct="1">
+              <a:spcBef>
+                <a:spcPct val="20000"/>
+              </a:spcBef>
+              <a:buFont typeface="Arial"/>
+              <a:buChar char="•"/>
+              <a:defRPr sz="2000" kern="1200">
+                <a:solidFill>
+                  <a:schemeClr val="tx1"/>
+                </a:solidFill>
+                <a:latin typeface="+mn-lt"/>
+                <a:ea typeface="+mn-ea"/>
+                <a:cs typeface="+mn-cs"/>
+              </a:defRPr>
+            </a:lvl9pPr>
+          </a:lstStyle>
+          <a:p>
+            <a:pPr eaLnBrk="1" hangingPunct="1"/>
+            <a:r>
+              <a:rPr lang="en-US" sz="2000" u="sng" dirty="0" smtClean="0">
+                <a:latin typeface="Trebuchet MS" charset="0"/>
+                <a:ea typeface="ヒラギノ角ゴ ProN W3" charset="0"/>
+                <a:cs typeface="ヒラギノ角ゴ ProN W3" charset="0"/>
+              </a:rPr>
+              <a:t>JS API:</a:t>
+            </a:r>
+            <a:endParaRPr lang="en-US" sz="2000" u="sng" dirty="0">
+              <a:latin typeface="Trebuchet MS" charset="0"/>
+              <a:ea typeface="ヒラギノ角ゴ ProN W3" charset="0"/>
+              <a:cs typeface="ヒラギノ角ゴ ProN W3" charset="0"/>
+            </a:endParaRPr>
+          </a:p>
+        </p:txBody>
+      </p:sp>
+      <p:sp>
+        <p:nvSpPr>
+          <p:cNvPr id="17" name="Rectangle 7"/>
+          <p:cNvSpPr txBox="1">
+            <a:spLocks noChangeArrowheads="1"/>
+          </p:cNvSpPr>
+          <p:nvPr/>
+        </p:nvSpPr>
+        <p:spPr bwMode="auto">
+          <a:xfrm>
+            <a:off x="685800" y="5715000"/>
+            <a:ext cx="8229600" cy="609600"/>
+          </a:xfrm>
+          <a:prstGeom prst="rect">
+            <a:avLst/>
+          </a:prstGeom>
+          <a:noFill/>
+          <a:ln>
+            <a:noFill/>
+          </a:ln>
+          <a:extLst>
+            <a:ext uri="{909E8E84-426E-40dd-AFC4-6F175D3DCCD1}">
+              <a14:hiddenFill xmlns:a14="http://schemas.microsoft.com/office/drawing/2010/main">
+                <a:solidFill>
+                  <a:srgbClr val="FFFFFF"/>
+                </a:solidFill>
+              </a14:hiddenFill>
+            </a:ext>
+            <a:ext uri="{91240B29-F687-4f45-9708-019B960494DF}">
+              <a14:hiddenLine xmlns:a14="http://schemas.microsoft.com/office/drawing/2010/main" w="9525">
+                <a:solidFill>
+                  <a:srgbClr val="000000"/>
+                </a:solidFill>
+                <a:miter lim="800000"/>
+                <a:headEnd/>
+                <a:tailEnd/>
+              </a14:hiddenLine>
+            </a:ext>
+            <a:ext uri="{FAA26D3D-D897-4be2-8F04-BA451C77F1D7}">
+              <ma14:placeholderFlag xmlns:ma14="http://schemas.microsoft.com/office/mac/drawingml/2011/main" val="1"/>
+            </a:ext>
+          </a:extLst>
+        </p:spPr>
+        <p:txBody>
+          <a:bodyPr vert="horz" wrap="square" lIns="91440" tIns="45720" rIns="81279" bIns="45720" numCol="1" anchor="t" anchorCtr="0" compatLnSpc="1">
+            <a:prstTxWarp prst="textNoShape">
+              <a:avLst/>
+            </a:prstTxWarp>
+          </a:bodyPr>
+          <a:lstStyle>
+            <a:lvl1pPr marL="342900" indent="-342900" algn="l" defTabSz="457200" rtl="0" eaLnBrk="0" fontAlgn="base" hangingPunct="0">
+              <a:spcBef>
+                <a:spcPct val="20000"/>
+              </a:spcBef>
+              <a:spcAft>
+                <a:spcPct val="0"/>
+              </a:spcAft>
+              <a:buFont typeface="Arial" charset="0"/>
+              <a:defRPr sz="2400" kern="1200">
+                <a:solidFill>
+                  <a:srgbClr val="122956"/>
+                </a:solidFill>
+                <a:latin typeface="+mn-lt"/>
+                <a:ea typeface="ＭＳ Ｐゴシック" charset="0"/>
+                <a:cs typeface="ＭＳ Ｐゴシック" charset="0"/>
+              </a:defRPr>
+            </a:lvl1pPr>
+            <a:lvl2pPr marL="457200" algn="l" defTabSz="457200" rtl="0" eaLnBrk="0" fontAlgn="base" hangingPunct="0">
+              <a:spcBef>
+                <a:spcPct val="20000"/>
+              </a:spcBef>
+              <a:spcAft>
+                <a:spcPct val="0"/>
+              </a:spcAft>
+              <a:buFont typeface="Arial" charset="0"/>
+              <a:defRPr sz="2000" kern="1200">
+                <a:solidFill>
+                  <a:srgbClr val="122956"/>
+                </a:solidFill>
+                <a:latin typeface="+mn-lt"/>
+                <a:ea typeface="ＭＳ Ｐゴシック" charset="0"/>
+                <a:cs typeface="ＭＳ Ｐゴシック" charset="0"/>
+              </a:defRPr>
+            </a:lvl2pPr>
+            <a:lvl3pPr marL="914400" algn="l" defTabSz="457200" rtl="0" eaLnBrk="0" fontAlgn="base" hangingPunct="0">
+              <a:spcBef>
+                <a:spcPct val="20000"/>
+              </a:spcBef>
+              <a:spcAft>
+                <a:spcPct val="0"/>
+              </a:spcAft>
+              <a:buFont typeface="Arial" charset="0"/>
+              <a:defRPr kern="1200">
+                <a:solidFill>
+                  <a:srgbClr val="122956"/>
+                </a:solidFill>
+                <a:latin typeface="+mn-lt"/>
+                <a:ea typeface="ＭＳ Ｐゴシック" charset="0"/>
+                <a:cs typeface="ＭＳ Ｐゴシック" charset="0"/>
+              </a:defRPr>
+            </a:lvl3pPr>
+            <a:lvl4pPr marL="1371600" algn="l" defTabSz="457200" rtl="0" eaLnBrk="0" fontAlgn="base" hangingPunct="0">
+              <a:spcBef>
+                <a:spcPct val="20000"/>
+              </a:spcBef>
+              <a:spcAft>
+                <a:spcPct val="0"/>
+              </a:spcAft>
+              <a:buFont typeface="Arial" charset="0"/>
+              <a:defRPr sz="2000" kern="1200">
+                <a:solidFill>
+                  <a:schemeClr val="tx1"/>
+                </a:solidFill>
+                <a:latin typeface="+mn-lt"/>
+                <a:ea typeface="ＭＳ Ｐゴシック" charset="0"/>
+                <a:cs typeface="ＭＳ Ｐゴシック" charset="0"/>
+              </a:defRPr>
+            </a:lvl4pPr>
+            <a:lvl5pPr marL="2057400" indent="-228600" algn="l" defTabSz="457200" rtl="0" eaLnBrk="0" fontAlgn="base" hangingPunct="0">
+              <a:spcBef>
+                <a:spcPct val="20000"/>
+              </a:spcBef>
+              <a:spcAft>
+                <a:spcPct val="0"/>
+              </a:spcAft>
+              <a:buFont typeface="Arial" charset="0"/>
+              <a:buChar char="»"/>
+              <a:defRPr sz="2000" kern="1200">
+                <a:solidFill>
+                  <a:schemeClr val="tx1"/>
+                </a:solidFill>
+                <a:latin typeface="+mn-lt"/>
+                <a:ea typeface="ＭＳ Ｐゴシック" charset="0"/>
+                <a:cs typeface="ＭＳ Ｐゴシック" charset="0"/>
+              </a:defRPr>
+            </a:lvl5pPr>
+            <a:lvl6pPr marL="2514600" indent="-228600" algn="l" defTabSz="457200" rtl="0" eaLnBrk="1" latinLnBrk="0" hangingPunct="1">
+              <a:spcBef>
+                <a:spcPct val="20000"/>
+              </a:spcBef>
+              <a:buFont typeface="Arial"/>
+              <a:buChar char="•"/>
+              <a:defRPr sz="2000" kern="1200">
+                <a:solidFill>
+                  <a:schemeClr val="tx1"/>
+                </a:solidFill>
+                <a:latin typeface="+mn-lt"/>
+                <a:ea typeface="+mn-ea"/>
+                <a:cs typeface="+mn-cs"/>
+              </a:defRPr>
+            </a:lvl6pPr>
+            <a:lvl7pPr marL="2971800" indent="-228600" algn="l" defTabSz="457200" rtl="0" eaLnBrk="1" latinLnBrk="0" hangingPunct="1">
+              <a:spcBef>
+                <a:spcPct val="20000"/>
+              </a:spcBef>
+              <a:buFont typeface="Arial"/>
+              <a:buChar char="•"/>
+              <a:defRPr sz="2000" kern="1200">
+                <a:solidFill>
+                  <a:schemeClr val="tx1"/>
+                </a:solidFill>
+                <a:latin typeface="+mn-lt"/>
+                <a:ea typeface="+mn-ea"/>
+                <a:cs typeface="+mn-cs"/>
+              </a:defRPr>
+            </a:lvl7pPr>
+            <a:lvl8pPr marL="3429000" indent="-228600" algn="l" defTabSz="457200" rtl="0" eaLnBrk="1" latinLnBrk="0" hangingPunct="1">
+              <a:spcBef>
+                <a:spcPct val="20000"/>
+              </a:spcBef>
+              <a:buFont typeface="Arial"/>
+              <a:buChar char="•"/>
+              <a:defRPr sz="2000" kern="1200">
+                <a:solidFill>
+                  <a:schemeClr val="tx1"/>
+                </a:solidFill>
+                <a:latin typeface="+mn-lt"/>
+                <a:ea typeface="+mn-ea"/>
+                <a:cs typeface="+mn-cs"/>
+              </a:defRPr>
+            </a:lvl8pPr>
+            <a:lvl9pPr marL="3886200" indent="-228600" algn="l" defTabSz="457200" rtl="0" eaLnBrk="1" latinLnBrk="0" hangingPunct="1">
+              <a:spcBef>
+                <a:spcPct val="20000"/>
+              </a:spcBef>
+              <a:buFont typeface="Arial"/>
+              <a:buChar char="•"/>
+              <a:defRPr sz="2000" kern="1200">
+                <a:solidFill>
+                  <a:schemeClr val="tx1"/>
+                </a:solidFill>
+                <a:latin typeface="+mn-lt"/>
+                <a:ea typeface="+mn-ea"/>
+                <a:cs typeface="+mn-cs"/>
+              </a:defRPr>
+            </a:lvl9pPr>
+          </a:lstStyle>
+          <a:p>
+            <a:pPr eaLnBrk="1" hangingPunct="1"/>
+            <a:r>
+              <a:rPr lang="en-US" sz="2000" dirty="0" err="1" smtClean="0">
+                <a:solidFill>
+                  <a:schemeClr val="tx1"/>
+                </a:solidFill>
+                <a:latin typeface="Courier"/>
+                <a:ea typeface="ヒラギノ角ゴ ProN W3" charset="0"/>
+                <a:cs typeface="Courier"/>
+              </a:rPr>
+              <a:t>Ti.Platform.openURL</a:t>
+            </a:r>
+            <a:r>
+              <a:rPr lang="en-US" sz="2000" dirty="0" smtClean="0">
+                <a:solidFill>
+                  <a:schemeClr val="tx1"/>
+                </a:solidFill>
+                <a:latin typeface="Courier"/>
+                <a:ea typeface="ヒラギノ角ゴ ProN W3" charset="0"/>
+                <a:cs typeface="Courier"/>
+              </a:rPr>
+              <a:t>(‘http://</a:t>
+            </a:r>
+            <a:r>
+              <a:rPr lang="en-US" sz="2000" dirty="0" err="1" smtClean="0">
+                <a:solidFill>
+                  <a:schemeClr val="tx1"/>
+                </a:solidFill>
+                <a:latin typeface="Courier"/>
+                <a:ea typeface="ヒラギノ角ゴ ProN W3" charset="0"/>
+                <a:cs typeface="Courier"/>
+              </a:rPr>
+              <a:t>www.google.com</a:t>
+            </a:r>
+            <a:r>
+              <a:rPr lang="en-US" sz="2000" dirty="0" smtClean="0">
+                <a:solidFill>
+                  <a:schemeClr val="tx1"/>
+                </a:solidFill>
+                <a:latin typeface="Courier"/>
+                <a:ea typeface="ヒラギノ角ゴ ProN W3" charset="0"/>
+                <a:cs typeface="Courier"/>
+              </a:rPr>
+              <a:t>’);</a:t>
+            </a:r>
+          </a:p>
+        </p:txBody>
+      </p:sp>
     </p:spTree>
     <p:extLst>
       <p:ext uri="{BB962C8B-B14F-4D97-AF65-F5344CB8AC3E}">
-        <p14:creationId xmlns:p14="http://schemas.microsoft.com/office/powerpoint/2010/main" val="812673360"/>
+        <p14:creationId xmlns:p14="http://schemas.microsoft.com/office/powerpoint/2010/main" val="3395577280"/>
       </p:ext>
     </p:extLst>
   </p:cSld>
@@ -11825,7 +13720,7 @@
                 <a:ea typeface="ヒラギノ角ゴ ProN W6" charset="0"/>
                 <a:cs typeface="ヒラギノ角ゴ ProN W6" charset="0"/>
               </a:rPr>
-              <a:t>iOS – Proxy Method</a:t>
+              <a:t>Android – Proxy Method</a:t>
             </a:r>
             <a:endParaRPr lang="en-US" dirty="0">
               <a:latin typeface="Trebuchet MS Bold" charset="0"/>
@@ -11835,277 +13730,9 @@
           </a:p>
         </p:txBody>
       </p:sp>
-      <p:sp>
-        <p:nvSpPr>
-          <p:cNvPr id="12293" name="Rectangle 7"/>
-          <p:cNvSpPr>
-            <a:spLocks noGrp="1" noChangeArrowheads="1"/>
-          </p:cNvSpPr>
-          <p:nvPr>
-            <p:ph idx="1"/>
-          </p:nvPr>
-        </p:nvSpPr>
-        <p:spPr>
-          <a:xfrm>
-            <a:off x="457200" y="1346200"/>
-            <a:ext cx="8229600" cy="482600"/>
-          </a:xfrm>
-        </p:spPr>
-        <p:txBody>
-          <a:bodyPr rIns="81279"/>
-          <a:lstStyle/>
-          <a:p>
-            <a:pPr eaLnBrk="1" hangingPunct="1"/>
-            <a:r>
-              <a:rPr lang="en-US" dirty="0" smtClean="0">
-                <a:latin typeface="Trebuchet MS" charset="0"/>
-                <a:ea typeface="ヒラギノ角ゴ ProN W3" charset="0"/>
-                <a:cs typeface="ヒラギノ角ゴ ProN W3" charset="0"/>
-              </a:rPr>
-              <a:t>From </a:t>
-            </a:r>
-            <a:r>
-              <a:rPr lang="en-US" dirty="0" err="1" smtClean="0">
-                <a:latin typeface="Trebuchet MS" charset="0"/>
-                <a:ea typeface="ヒラギノ角ゴ ProN W3" charset="0"/>
-                <a:cs typeface="ヒラギノ角ゴ ProN W3" charset="0"/>
-              </a:rPr>
-              <a:t>PlatformModule.m</a:t>
-            </a:r>
-            <a:r>
-              <a:rPr lang="en-US" dirty="0" smtClean="0">
-                <a:latin typeface="Trebuchet MS" charset="0"/>
-                <a:ea typeface="ヒラギノ角ゴ ProN W3" charset="0"/>
-                <a:cs typeface="ヒラギノ角ゴ ProN W3" charset="0"/>
-              </a:rPr>
-              <a:t>:</a:t>
-            </a:r>
-            <a:endParaRPr lang="en-US" dirty="0">
-              <a:latin typeface="Trebuchet MS" charset="0"/>
-              <a:ea typeface="ヒラギノ角ゴ ProN W3" charset="0"/>
-              <a:cs typeface="ヒラギノ角ゴ ProN W3" charset="0"/>
-            </a:endParaRPr>
-          </a:p>
-        </p:txBody>
-      </p:sp>
-      <p:sp>
-        <p:nvSpPr>
-          <p:cNvPr id="10" name="Rectangle 7"/>
-          <p:cNvSpPr txBox="1">
-            <a:spLocks noChangeArrowheads="1"/>
-          </p:cNvSpPr>
-          <p:nvPr/>
-        </p:nvSpPr>
-        <p:spPr bwMode="auto">
-          <a:xfrm>
-            <a:off x="457200" y="5257800"/>
-            <a:ext cx="8229600" cy="482600"/>
-          </a:xfrm>
-          <a:prstGeom prst="rect">
-            <a:avLst/>
-          </a:prstGeom>
-          <a:noFill/>
-          <a:ln>
-            <a:noFill/>
-          </a:ln>
-          <a:extLst>
-            <a:ext uri="{909E8E84-426E-40dd-AFC4-6F175D3DCCD1}">
-              <a14:hiddenFill xmlns:a14="http://schemas.microsoft.com/office/drawing/2010/main">
-                <a:solidFill>
-                  <a:srgbClr val="FFFFFF"/>
-                </a:solidFill>
-              </a14:hiddenFill>
-            </a:ext>
-            <a:ext uri="{91240B29-F687-4f45-9708-019B960494DF}">
-              <a14:hiddenLine xmlns:a14="http://schemas.microsoft.com/office/drawing/2010/main" w="9525">
-                <a:solidFill>
-                  <a:srgbClr val="000000"/>
-                </a:solidFill>
-                <a:miter lim="800000"/>
-                <a:headEnd/>
-                <a:tailEnd/>
-              </a14:hiddenLine>
-            </a:ext>
-            <a:ext uri="{FAA26D3D-D897-4be2-8F04-BA451C77F1D7}">
-              <ma14:placeholderFlag xmlns:ma14="http://schemas.microsoft.com/office/mac/drawingml/2011/main" val="1"/>
-            </a:ext>
-          </a:extLst>
-        </p:spPr>
-        <p:txBody>
-          <a:bodyPr vert="horz" wrap="square" lIns="91440" tIns="45720" rIns="81279" bIns="45720" numCol="1" anchor="t" anchorCtr="0" compatLnSpc="1">
-            <a:prstTxWarp prst="textNoShape">
-              <a:avLst/>
-            </a:prstTxWarp>
-          </a:bodyPr>
-          <a:lstStyle>
-            <a:lvl1pPr marL="342900" indent="-342900" algn="l" defTabSz="457200" rtl="0" eaLnBrk="0" fontAlgn="base" hangingPunct="0">
-              <a:spcBef>
-                <a:spcPct val="20000"/>
-              </a:spcBef>
-              <a:spcAft>
-                <a:spcPct val="0"/>
-              </a:spcAft>
-              <a:buFont typeface="Arial" charset="0"/>
-              <a:defRPr sz="2400" kern="1200">
-                <a:solidFill>
-                  <a:srgbClr val="122956"/>
-                </a:solidFill>
-                <a:latin typeface="+mn-lt"/>
-                <a:ea typeface="ＭＳ Ｐゴシック" charset="0"/>
-                <a:cs typeface="ＭＳ Ｐゴシック" charset="0"/>
-              </a:defRPr>
-            </a:lvl1pPr>
-            <a:lvl2pPr marL="457200" algn="l" defTabSz="457200" rtl="0" eaLnBrk="0" fontAlgn="base" hangingPunct="0">
-              <a:spcBef>
-                <a:spcPct val="20000"/>
-              </a:spcBef>
-              <a:spcAft>
-                <a:spcPct val="0"/>
-              </a:spcAft>
-              <a:buFont typeface="Arial" charset="0"/>
-              <a:defRPr sz="2000" kern="1200">
-                <a:solidFill>
-                  <a:srgbClr val="122956"/>
-                </a:solidFill>
-                <a:latin typeface="+mn-lt"/>
-                <a:ea typeface="ＭＳ Ｐゴシック" charset="0"/>
-                <a:cs typeface="ＭＳ Ｐゴシック" charset="0"/>
-              </a:defRPr>
-            </a:lvl2pPr>
-            <a:lvl3pPr marL="914400" algn="l" defTabSz="457200" rtl="0" eaLnBrk="0" fontAlgn="base" hangingPunct="0">
-              <a:spcBef>
-                <a:spcPct val="20000"/>
-              </a:spcBef>
-              <a:spcAft>
-                <a:spcPct val="0"/>
-              </a:spcAft>
-              <a:buFont typeface="Arial" charset="0"/>
-              <a:defRPr kern="1200">
-                <a:solidFill>
-                  <a:srgbClr val="122956"/>
-                </a:solidFill>
-                <a:latin typeface="+mn-lt"/>
-                <a:ea typeface="ＭＳ Ｐゴシック" charset="0"/>
-                <a:cs typeface="ＭＳ Ｐゴシック" charset="0"/>
-              </a:defRPr>
-            </a:lvl3pPr>
-            <a:lvl4pPr marL="1371600" algn="l" defTabSz="457200" rtl="0" eaLnBrk="0" fontAlgn="base" hangingPunct="0">
-              <a:spcBef>
-                <a:spcPct val="20000"/>
-              </a:spcBef>
-              <a:spcAft>
-                <a:spcPct val="0"/>
-              </a:spcAft>
-              <a:buFont typeface="Arial" charset="0"/>
-              <a:defRPr sz="2000" kern="1200">
-                <a:solidFill>
-                  <a:schemeClr val="tx1"/>
-                </a:solidFill>
-                <a:latin typeface="+mn-lt"/>
-                <a:ea typeface="ＭＳ Ｐゴシック" charset="0"/>
-                <a:cs typeface="ＭＳ Ｐゴシック" charset="0"/>
-              </a:defRPr>
-            </a:lvl4pPr>
-            <a:lvl5pPr marL="2057400" indent="-228600" algn="l" defTabSz="457200" rtl="0" eaLnBrk="0" fontAlgn="base" hangingPunct="0">
-              <a:spcBef>
-                <a:spcPct val="20000"/>
-              </a:spcBef>
-              <a:spcAft>
-                <a:spcPct val="0"/>
-              </a:spcAft>
-              <a:buFont typeface="Arial" charset="0"/>
-              <a:buChar char="»"/>
-              <a:defRPr sz="2000" kern="1200">
-                <a:solidFill>
-                  <a:schemeClr val="tx1"/>
-                </a:solidFill>
-                <a:latin typeface="+mn-lt"/>
-                <a:ea typeface="ＭＳ Ｐゴシック" charset="0"/>
-                <a:cs typeface="ＭＳ Ｐゴシック" charset="0"/>
-              </a:defRPr>
-            </a:lvl5pPr>
-            <a:lvl6pPr marL="2514600" indent="-228600" algn="l" defTabSz="457200" rtl="0" eaLnBrk="1" latinLnBrk="0" hangingPunct="1">
-              <a:spcBef>
-                <a:spcPct val="20000"/>
-              </a:spcBef>
-              <a:buFont typeface="Arial"/>
-              <a:buChar char="•"/>
-              <a:defRPr sz="2000" kern="1200">
-                <a:solidFill>
-                  <a:schemeClr val="tx1"/>
-                </a:solidFill>
-                <a:latin typeface="+mn-lt"/>
-                <a:ea typeface="+mn-ea"/>
-                <a:cs typeface="+mn-cs"/>
-              </a:defRPr>
-            </a:lvl6pPr>
-            <a:lvl7pPr marL="2971800" indent="-228600" algn="l" defTabSz="457200" rtl="0" eaLnBrk="1" latinLnBrk="0" hangingPunct="1">
-              <a:spcBef>
-                <a:spcPct val="20000"/>
-              </a:spcBef>
-              <a:buFont typeface="Arial"/>
-              <a:buChar char="•"/>
-              <a:defRPr sz="2000" kern="1200">
-                <a:solidFill>
-                  <a:schemeClr val="tx1"/>
-                </a:solidFill>
-                <a:latin typeface="+mn-lt"/>
-                <a:ea typeface="+mn-ea"/>
-                <a:cs typeface="+mn-cs"/>
-              </a:defRPr>
-            </a:lvl7pPr>
-            <a:lvl8pPr marL="3429000" indent="-228600" algn="l" defTabSz="457200" rtl="0" eaLnBrk="1" latinLnBrk="0" hangingPunct="1">
-              <a:spcBef>
-                <a:spcPct val="20000"/>
-              </a:spcBef>
-              <a:buFont typeface="Arial"/>
-              <a:buChar char="•"/>
-              <a:defRPr sz="2000" kern="1200">
-                <a:solidFill>
-                  <a:schemeClr val="tx1"/>
-                </a:solidFill>
-                <a:latin typeface="+mn-lt"/>
-                <a:ea typeface="+mn-ea"/>
-                <a:cs typeface="+mn-cs"/>
-              </a:defRPr>
-            </a:lvl8pPr>
-            <a:lvl9pPr marL="3886200" indent="-228600" algn="l" defTabSz="457200" rtl="0" eaLnBrk="1" latinLnBrk="0" hangingPunct="1">
-              <a:spcBef>
-                <a:spcPct val="20000"/>
-              </a:spcBef>
-              <a:buFont typeface="Arial"/>
-              <a:buChar char="•"/>
-              <a:defRPr sz="2000" kern="1200">
-                <a:solidFill>
-                  <a:schemeClr val="tx1"/>
-                </a:solidFill>
-                <a:latin typeface="+mn-lt"/>
-                <a:ea typeface="+mn-ea"/>
-                <a:cs typeface="+mn-cs"/>
-              </a:defRPr>
-            </a:lvl9pPr>
-          </a:lstStyle>
-          <a:p>
-            <a:pPr eaLnBrk="1" hangingPunct="1"/>
-            <a:r>
-              <a:rPr lang="en-US" dirty="0" smtClean="0">
-                <a:latin typeface="Trebuchet MS" charset="0"/>
-                <a:ea typeface="ヒラギノ角ゴ ProN W3" charset="0"/>
-                <a:cs typeface="ヒラギノ角ゴ ProN W3" charset="0"/>
-              </a:rPr>
-              <a:t>JS API:</a:t>
-            </a:r>
-            <a:endParaRPr lang="en-US" dirty="0">
-              <a:latin typeface="Trebuchet MS" charset="0"/>
-              <a:ea typeface="ヒラギノ角ゴ ProN W3" charset="0"/>
-              <a:cs typeface="ヒラギノ角ゴ ProN W3" charset="0"/>
-            </a:endParaRPr>
-          </a:p>
-        </p:txBody>
-      </p:sp>
       <p:pic>
         <p:nvPicPr>
-          <p:cNvPr id="12" name="Picture 11"/>
+          <p:cNvPr id="5" name="Picture 4"/>
           <p:cNvPicPr>
             <a:picLocks noChangeAspect="1"/>
           </p:cNvPicPr>
@@ -12119,32 +13746,8 @@
         </p:blipFill>
         <p:spPr>
           <a:xfrm>
-            <a:off x="457200" y="5791200"/>
-            <a:ext cx="8458200" cy="446979"/>
-          </a:xfrm>
-          <a:prstGeom prst="rect">
-            <a:avLst/>
-          </a:prstGeom>
-        </p:spPr>
-      </p:pic>
-      <p:pic>
-        <p:nvPicPr>
-          <p:cNvPr id="6" name="Picture 5"/>
-          <p:cNvPicPr>
-            <a:picLocks noChangeAspect="1"/>
-          </p:cNvPicPr>
-          <p:nvPr/>
-        </p:nvPicPr>
-        <p:blipFill>
-          <a:blip r:embed="rId6"/>
-          <a:stretch>
-            <a:fillRect/>
-          </a:stretch>
-        </p:blipFill>
-        <p:spPr>
-          <a:xfrm>
-            <a:off x="457200" y="1905000"/>
-            <a:ext cx="8229600" cy="2985502"/>
+            <a:off x="457200" y="1996562"/>
+            <a:ext cx="7885047" cy="3261238"/>
           </a:xfrm>
           <a:prstGeom prst="rect">
             <a:avLst/>
@@ -12331,10 +13934,737 @@
           </a:p>
         </p:txBody>
       </p:sp>
+      <p:sp>
+        <p:nvSpPr>
+          <p:cNvPr id="13" name="Rectangle 7"/>
+          <p:cNvSpPr txBox="1">
+            <a:spLocks noChangeArrowheads="1"/>
+          </p:cNvSpPr>
+          <p:nvPr/>
+        </p:nvSpPr>
+        <p:spPr bwMode="auto">
+          <a:xfrm>
+            <a:off x="457200" y="1143000"/>
+            <a:ext cx="8229600" cy="1625600"/>
+          </a:xfrm>
+          <a:prstGeom prst="rect">
+            <a:avLst/>
+          </a:prstGeom>
+          <a:noFill/>
+          <a:ln>
+            <a:noFill/>
+          </a:ln>
+          <a:extLst>
+            <a:ext uri="{909E8E84-426E-40dd-AFC4-6F175D3DCCD1}">
+              <a14:hiddenFill xmlns:a14="http://schemas.microsoft.com/office/drawing/2010/main">
+                <a:solidFill>
+                  <a:srgbClr val="FFFFFF"/>
+                </a:solidFill>
+              </a14:hiddenFill>
+            </a:ext>
+            <a:ext uri="{91240B29-F687-4f45-9708-019B960494DF}">
+              <a14:hiddenLine xmlns:a14="http://schemas.microsoft.com/office/drawing/2010/main" w="9525">
+                <a:solidFill>
+                  <a:srgbClr val="000000"/>
+                </a:solidFill>
+                <a:miter lim="800000"/>
+                <a:headEnd/>
+                <a:tailEnd/>
+              </a14:hiddenLine>
+            </a:ext>
+            <a:ext uri="{FAA26D3D-D897-4be2-8F04-BA451C77F1D7}">
+              <ma14:placeholderFlag xmlns:ma14="http://schemas.microsoft.com/office/mac/drawingml/2011/main" val="1"/>
+            </a:ext>
+          </a:extLst>
+        </p:spPr>
+        <p:txBody>
+          <a:bodyPr vert="horz" wrap="square" lIns="91440" tIns="45720" rIns="81279" bIns="45720" numCol="1" anchor="t" anchorCtr="0" compatLnSpc="1">
+            <a:prstTxWarp prst="textNoShape">
+              <a:avLst/>
+            </a:prstTxWarp>
+          </a:bodyPr>
+          <a:lstStyle>
+            <a:lvl1pPr marL="342900" indent="-342900" algn="l" defTabSz="457200" rtl="0" eaLnBrk="0" fontAlgn="base" hangingPunct="0">
+              <a:spcBef>
+                <a:spcPct val="20000"/>
+              </a:spcBef>
+              <a:spcAft>
+                <a:spcPct val="0"/>
+              </a:spcAft>
+              <a:buFont typeface="Arial" charset="0"/>
+              <a:defRPr sz="2400" kern="1200">
+                <a:solidFill>
+                  <a:srgbClr val="122956"/>
+                </a:solidFill>
+                <a:latin typeface="+mn-lt"/>
+                <a:ea typeface="ＭＳ Ｐゴシック" charset="0"/>
+                <a:cs typeface="ＭＳ Ｐゴシック" charset="0"/>
+              </a:defRPr>
+            </a:lvl1pPr>
+            <a:lvl2pPr marL="457200" algn="l" defTabSz="457200" rtl="0" eaLnBrk="0" fontAlgn="base" hangingPunct="0">
+              <a:spcBef>
+                <a:spcPct val="20000"/>
+              </a:spcBef>
+              <a:spcAft>
+                <a:spcPct val="0"/>
+              </a:spcAft>
+              <a:buFont typeface="Arial" charset="0"/>
+              <a:defRPr sz="2000" kern="1200">
+                <a:solidFill>
+                  <a:srgbClr val="122956"/>
+                </a:solidFill>
+                <a:latin typeface="+mn-lt"/>
+                <a:ea typeface="ＭＳ Ｐゴシック" charset="0"/>
+                <a:cs typeface="ＭＳ Ｐゴシック" charset="0"/>
+              </a:defRPr>
+            </a:lvl2pPr>
+            <a:lvl3pPr marL="914400" algn="l" defTabSz="457200" rtl="0" eaLnBrk="0" fontAlgn="base" hangingPunct="0">
+              <a:spcBef>
+                <a:spcPct val="20000"/>
+              </a:spcBef>
+              <a:spcAft>
+                <a:spcPct val="0"/>
+              </a:spcAft>
+              <a:buFont typeface="Arial" charset="0"/>
+              <a:defRPr kern="1200">
+                <a:solidFill>
+                  <a:srgbClr val="122956"/>
+                </a:solidFill>
+                <a:latin typeface="+mn-lt"/>
+                <a:ea typeface="ＭＳ Ｐゴシック" charset="0"/>
+                <a:cs typeface="ＭＳ Ｐゴシック" charset="0"/>
+              </a:defRPr>
+            </a:lvl3pPr>
+            <a:lvl4pPr marL="1371600" algn="l" defTabSz="457200" rtl="0" eaLnBrk="0" fontAlgn="base" hangingPunct="0">
+              <a:spcBef>
+                <a:spcPct val="20000"/>
+              </a:spcBef>
+              <a:spcAft>
+                <a:spcPct val="0"/>
+              </a:spcAft>
+              <a:buFont typeface="Arial" charset="0"/>
+              <a:defRPr sz="2000" kern="1200">
+                <a:solidFill>
+                  <a:schemeClr val="tx1"/>
+                </a:solidFill>
+                <a:latin typeface="+mn-lt"/>
+                <a:ea typeface="ＭＳ Ｐゴシック" charset="0"/>
+                <a:cs typeface="ＭＳ Ｐゴシック" charset="0"/>
+              </a:defRPr>
+            </a:lvl4pPr>
+            <a:lvl5pPr marL="2057400" indent="-228600" algn="l" defTabSz="457200" rtl="0" eaLnBrk="0" fontAlgn="base" hangingPunct="0">
+              <a:spcBef>
+                <a:spcPct val="20000"/>
+              </a:spcBef>
+              <a:spcAft>
+                <a:spcPct val="0"/>
+              </a:spcAft>
+              <a:buFont typeface="Arial" charset="0"/>
+              <a:buChar char="»"/>
+              <a:defRPr sz="2000" kern="1200">
+                <a:solidFill>
+                  <a:schemeClr val="tx1"/>
+                </a:solidFill>
+                <a:latin typeface="+mn-lt"/>
+                <a:ea typeface="ＭＳ Ｐゴシック" charset="0"/>
+                <a:cs typeface="ＭＳ Ｐゴシック" charset="0"/>
+              </a:defRPr>
+            </a:lvl5pPr>
+            <a:lvl6pPr marL="2514600" indent="-228600" algn="l" defTabSz="457200" rtl="0" eaLnBrk="1" latinLnBrk="0" hangingPunct="1">
+              <a:spcBef>
+                <a:spcPct val="20000"/>
+              </a:spcBef>
+              <a:buFont typeface="Arial"/>
+              <a:buChar char="•"/>
+              <a:defRPr sz="2000" kern="1200">
+                <a:solidFill>
+                  <a:schemeClr val="tx1"/>
+                </a:solidFill>
+                <a:latin typeface="+mn-lt"/>
+                <a:ea typeface="+mn-ea"/>
+                <a:cs typeface="+mn-cs"/>
+              </a:defRPr>
+            </a:lvl6pPr>
+            <a:lvl7pPr marL="2971800" indent="-228600" algn="l" defTabSz="457200" rtl="0" eaLnBrk="1" latinLnBrk="0" hangingPunct="1">
+              <a:spcBef>
+                <a:spcPct val="20000"/>
+              </a:spcBef>
+              <a:buFont typeface="Arial"/>
+              <a:buChar char="•"/>
+              <a:defRPr sz="2000" kern="1200">
+                <a:solidFill>
+                  <a:schemeClr val="tx1"/>
+                </a:solidFill>
+                <a:latin typeface="+mn-lt"/>
+                <a:ea typeface="+mn-ea"/>
+                <a:cs typeface="+mn-cs"/>
+              </a:defRPr>
+            </a:lvl7pPr>
+            <a:lvl8pPr marL="3429000" indent="-228600" algn="l" defTabSz="457200" rtl="0" eaLnBrk="1" latinLnBrk="0" hangingPunct="1">
+              <a:spcBef>
+                <a:spcPct val="20000"/>
+              </a:spcBef>
+              <a:buFont typeface="Arial"/>
+              <a:buChar char="•"/>
+              <a:defRPr sz="2000" kern="1200">
+                <a:solidFill>
+                  <a:schemeClr val="tx1"/>
+                </a:solidFill>
+                <a:latin typeface="+mn-lt"/>
+                <a:ea typeface="+mn-ea"/>
+                <a:cs typeface="+mn-cs"/>
+              </a:defRPr>
+            </a:lvl8pPr>
+            <a:lvl9pPr marL="3886200" indent="-228600" algn="l" defTabSz="457200" rtl="0" eaLnBrk="1" latinLnBrk="0" hangingPunct="1">
+              <a:spcBef>
+                <a:spcPct val="20000"/>
+              </a:spcBef>
+              <a:buFont typeface="Arial"/>
+              <a:buChar char="•"/>
+              <a:defRPr sz="2000" kern="1200">
+                <a:solidFill>
+                  <a:schemeClr val="tx1"/>
+                </a:solidFill>
+                <a:latin typeface="+mn-lt"/>
+                <a:ea typeface="+mn-ea"/>
+                <a:cs typeface="+mn-cs"/>
+              </a:defRPr>
+            </a:lvl9pPr>
+          </a:lstStyle>
+          <a:p>
+            <a:pPr eaLnBrk="1" hangingPunct="1"/>
+            <a:r>
+              <a:rPr lang="en-US" dirty="0" smtClean="0">
+                <a:latin typeface="Trebuchet MS" charset="0"/>
+                <a:ea typeface="ヒラギノ角ゴ ProN W3" charset="0"/>
+                <a:cs typeface="ヒラギノ角ゴ ProN W3" charset="0"/>
+              </a:rPr>
+              <a:t>To expose a method, annotate with @</a:t>
+            </a:r>
+            <a:r>
+              <a:rPr lang="en-US" dirty="0" err="1" smtClean="0">
+                <a:latin typeface="Trebuchet MS" charset="0"/>
+                <a:ea typeface="ヒラギノ角ゴ ProN W3" charset="0"/>
+                <a:cs typeface="ヒラギノ角ゴ ProN W3" charset="0"/>
+              </a:rPr>
+              <a:t>Kroll.method</a:t>
+            </a:r>
+            <a:r>
+              <a:rPr lang="en-US" dirty="0" smtClean="0">
+                <a:latin typeface="Trebuchet MS" charset="0"/>
+                <a:ea typeface="ヒラギノ角ゴ ProN W3" charset="0"/>
+                <a:cs typeface="ヒラギノ角ゴ ProN W3" charset="0"/>
+              </a:rPr>
+              <a:t>:</a:t>
+            </a:r>
+          </a:p>
+          <a:p>
+            <a:pPr eaLnBrk="1" hangingPunct="1"/>
+            <a:endParaRPr lang="en-US" sz="100" dirty="0" smtClean="0">
+              <a:latin typeface="Trebuchet MS" charset="0"/>
+              <a:ea typeface="ヒラギノ角ゴ ProN W3" charset="0"/>
+              <a:cs typeface="ヒラギノ角ゴ ProN W3" charset="0"/>
+            </a:endParaRPr>
+          </a:p>
+          <a:p>
+            <a:pPr eaLnBrk="1" hangingPunct="1"/>
+            <a:r>
+              <a:rPr lang="en-US" sz="2000" u="sng" dirty="0" smtClean="0">
+                <a:latin typeface="Trebuchet MS" charset="0"/>
+                <a:ea typeface="ヒラギノ角ゴ ProN W3" charset="0"/>
+                <a:cs typeface="ヒラギノ角ゴ ProN W3" charset="0"/>
+              </a:rPr>
+              <a:t>From </a:t>
+            </a:r>
+            <a:r>
+              <a:rPr lang="en-US" sz="2000" u="sng" dirty="0" err="1" smtClean="0">
+                <a:latin typeface="Trebuchet MS" charset="0"/>
+                <a:ea typeface="ヒラギノ角ゴ ProN W3" charset="0"/>
+                <a:cs typeface="ヒラギノ角ゴ ProN W3" charset="0"/>
+              </a:rPr>
+              <a:t>PlatformModule.java</a:t>
+            </a:r>
+            <a:r>
+              <a:rPr lang="en-US" sz="2000" u="sng" dirty="0" smtClean="0">
+                <a:latin typeface="Trebuchet MS" charset="0"/>
+                <a:ea typeface="ヒラギノ角ゴ ProN W3" charset="0"/>
+                <a:cs typeface="ヒラギノ角ゴ ProN W3" charset="0"/>
+              </a:rPr>
+              <a:t>:</a:t>
+            </a:r>
+            <a:endParaRPr lang="en-US" sz="2000" u="sng" dirty="0">
+              <a:latin typeface="Trebuchet MS" charset="0"/>
+              <a:ea typeface="ヒラギノ角ゴ ProN W3" charset="0"/>
+              <a:cs typeface="ヒラギノ角ゴ ProN W3" charset="0"/>
+            </a:endParaRPr>
+          </a:p>
+        </p:txBody>
+      </p:sp>
+      <p:sp>
+        <p:nvSpPr>
+          <p:cNvPr id="14" name="Rectangle 7"/>
+          <p:cNvSpPr txBox="1">
+            <a:spLocks noChangeArrowheads="1"/>
+          </p:cNvSpPr>
+          <p:nvPr/>
+        </p:nvSpPr>
+        <p:spPr bwMode="auto">
+          <a:xfrm>
+            <a:off x="609600" y="5308600"/>
+            <a:ext cx="8229600" cy="482600"/>
+          </a:xfrm>
+          <a:prstGeom prst="rect">
+            <a:avLst/>
+          </a:prstGeom>
+          <a:noFill/>
+          <a:ln>
+            <a:noFill/>
+          </a:ln>
+          <a:extLst>
+            <a:ext uri="{909E8E84-426E-40dd-AFC4-6F175D3DCCD1}">
+              <a14:hiddenFill xmlns:a14="http://schemas.microsoft.com/office/drawing/2010/main">
+                <a:solidFill>
+                  <a:srgbClr val="FFFFFF"/>
+                </a:solidFill>
+              </a14:hiddenFill>
+            </a:ext>
+            <a:ext uri="{91240B29-F687-4f45-9708-019B960494DF}">
+              <a14:hiddenLine xmlns:a14="http://schemas.microsoft.com/office/drawing/2010/main" w="9525">
+                <a:solidFill>
+                  <a:srgbClr val="000000"/>
+                </a:solidFill>
+                <a:miter lim="800000"/>
+                <a:headEnd/>
+                <a:tailEnd/>
+              </a14:hiddenLine>
+            </a:ext>
+            <a:ext uri="{FAA26D3D-D897-4be2-8F04-BA451C77F1D7}">
+              <ma14:placeholderFlag xmlns:ma14="http://schemas.microsoft.com/office/mac/drawingml/2011/main" val="1"/>
+            </a:ext>
+          </a:extLst>
+        </p:spPr>
+        <p:txBody>
+          <a:bodyPr vert="horz" wrap="square" lIns="91440" tIns="45720" rIns="81279" bIns="45720" numCol="1" anchor="t" anchorCtr="0" compatLnSpc="1">
+            <a:prstTxWarp prst="textNoShape">
+              <a:avLst/>
+            </a:prstTxWarp>
+          </a:bodyPr>
+          <a:lstStyle>
+            <a:lvl1pPr marL="342900" indent="-342900" algn="l" defTabSz="457200" rtl="0" eaLnBrk="0" fontAlgn="base" hangingPunct="0">
+              <a:spcBef>
+                <a:spcPct val="20000"/>
+              </a:spcBef>
+              <a:spcAft>
+                <a:spcPct val="0"/>
+              </a:spcAft>
+              <a:buFont typeface="Arial" charset="0"/>
+              <a:defRPr sz="2400" kern="1200">
+                <a:solidFill>
+                  <a:srgbClr val="122956"/>
+                </a:solidFill>
+                <a:latin typeface="+mn-lt"/>
+                <a:ea typeface="ＭＳ Ｐゴシック" charset="0"/>
+                <a:cs typeface="ＭＳ Ｐゴシック" charset="0"/>
+              </a:defRPr>
+            </a:lvl1pPr>
+            <a:lvl2pPr marL="457200" algn="l" defTabSz="457200" rtl="0" eaLnBrk="0" fontAlgn="base" hangingPunct="0">
+              <a:spcBef>
+                <a:spcPct val="20000"/>
+              </a:spcBef>
+              <a:spcAft>
+                <a:spcPct val="0"/>
+              </a:spcAft>
+              <a:buFont typeface="Arial" charset="0"/>
+              <a:defRPr sz="2000" kern="1200">
+                <a:solidFill>
+                  <a:srgbClr val="122956"/>
+                </a:solidFill>
+                <a:latin typeface="+mn-lt"/>
+                <a:ea typeface="ＭＳ Ｐゴシック" charset="0"/>
+                <a:cs typeface="ＭＳ Ｐゴシック" charset="0"/>
+              </a:defRPr>
+            </a:lvl2pPr>
+            <a:lvl3pPr marL="914400" algn="l" defTabSz="457200" rtl="0" eaLnBrk="0" fontAlgn="base" hangingPunct="0">
+              <a:spcBef>
+                <a:spcPct val="20000"/>
+              </a:spcBef>
+              <a:spcAft>
+                <a:spcPct val="0"/>
+              </a:spcAft>
+              <a:buFont typeface="Arial" charset="0"/>
+              <a:defRPr kern="1200">
+                <a:solidFill>
+                  <a:srgbClr val="122956"/>
+                </a:solidFill>
+                <a:latin typeface="+mn-lt"/>
+                <a:ea typeface="ＭＳ Ｐゴシック" charset="0"/>
+                <a:cs typeface="ＭＳ Ｐゴシック" charset="0"/>
+              </a:defRPr>
+            </a:lvl3pPr>
+            <a:lvl4pPr marL="1371600" algn="l" defTabSz="457200" rtl="0" eaLnBrk="0" fontAlgn="base" hangingPunct="0">
+              <a:spcBef>
+                <a:spcPct val="20000"/>
+              </a:spcBef>
+              <a:spcAft>
+                <a:spcPct val="0"/>
+              </a:spcAft>
+              <a:buFont typeface="Arial" charset="0"/>
+              <a:defRPr sz="2000" kern="1200">
+                <a:solidFill>
+                  <a:schemeClr val="tx1"/>
+                </a:solidFill>
+                <a:latin typeface="+mn-lt"/>
+                <a:ea typeface="ＭＳ Ｐゴシック" charset="0"/>
+                <a:cs typeface="ＭＳ Ｐゴシック" charset="0"/>
+              </a:defRPr>
+            </a:lvl4pPr>
+            <a:lvl5pPr marL="2057400" indent="-228600" algn="l" defTabSz="457200" rtl="0" eaLnBrk="0" fontAlgn="base" hangingPunct="0">
+              <a:spcBef>
+                <a:spcPct val="20000"/>
+              </a:spcBef>
+              <a:spcAft>
+                <a:spcPct val="0"/>
+              </a:spcAft>
+              <a:buFont typeface="Arial" charset="0"/>
+              <a:buChar char="»"/>
+              <a:defRPr sz="2000" kern="1200">
+                <a:solidFill>
+                  <a:schemeClr val="tx1"/>
+                </a:solidFill>
+                <a:latin typeface="+mn-lt"/>
+                <a:ea typeface="ＭＳ Ｐゴシック" charset="0"/>
+                <a:cs typeface="ＭＳ Ｐゴシック" charset="0"/>
+              </a:defRPr>
+            </a:lvl5pPr>
+            <a:lvl6pPr marL="2514600" indent="-228600" algn="l" defTabSz="457200" rtl="0" eaLnBrk="1" latinLnBrk="0" hangingPunct="1">
+              <a:spcBef>
+                <a:spcPct val="20000"/>
+              </a:spcBef>
+              <a:buFont typeface="Arial"/>
+              <a:buChar char="•"/>
+              <a:defRPr sz="2000" kern="1200">
+                <a:solidFill>
+                  <a:schemeClr val="tx1"/>
+                </a:solidFill>
+                <a:latin typeface="+mn-lt"/>
+                <a:ea typeface="+mn-ea"/>
+                <a:cs typeface="+mn-cs"/>
+              </a:defRPr>
+            </a:lvl6pPr>
+            <a:lvl7pPr marL="2971800" indent="-228600" algn="l" defTabSz="457200" rtl="0" eaLnBrk="1" latinLnBrk="0" hangingPunct="1">
+              <a:spcBef>
+                <a:spcPct val="20000"/>
+              </a:spcBef>
+              <a:buFont typeface="Arial"/>
+              <a:buChar char="•"/>
+              <a:defRPr sz="2000" kern="1200">
+                <a:solidFill>
+                  <a:schemeClr val="tx1"/>
+                </a:solidFill>
+                <a:latin typeface="+mn-lt"/>
+                <a:ea typeface="+mn-ea"/>
+                <a:cs typeface="+mn-cs"/>
+              </a:defRPr>
+            </a:lvl7pPr>
+            <a:lvl8pPr marL="3429000" indent="-228600" algn="l" defTabSz="457200" rtl="0" eaLnBrk="1" latinLnBrk="0" hangingPunct="1">
+              <a:spcBef>
+                <a:spcPct val="20000"/>
+              </a:spcBef>
+              <a:buFont typeface="Arial"/>
+              <a:buChar char="•"/>
+              <a:defRPr sz="2000" kern="1200">
+                <a:solidFill>
+                  <a:schemeClr val="tx1"/>
+                </a:solidFill>
+                <a:latin typeface="+mn-lt"/>
+                <a:ea typeface="+mn-ea"/>
+                <a:cs typeface="+mn-cs"/>
+              </a:defRPr>
+            </a:lvl8pPr>
+            <a:lvl9pPr marL="3886200" indent="-228600" algn="l" defTabSz="457200" rtl="0" eaLnBrk="1" latinLnBrk="0" hangingPunct="1">
+              <a:spcBef>
+                <a:spcPct val="20000"/>
+              </a:spcBef>
+              <a:buFont typeface="Arial"/>
+              <a:buChar char="•"/>
+              <a:defRPr sz="2000" kern="1200">
+                <a:solidFill>
+                  <a:schemeClr val="tx1"/>
+                </a:solidFill>
+                <a:latin typeface="+mn-lt"/>
+                <a:ea typeface="+mn-ea"/>
+                <a:cs typeface="+mn-cs"/>
+              </a:defRPr>
+            </a:lvl9pPr>
+          </a:lstStyle>
+          <a:p>
+            <a:pPr eaLnBrk="1" hangingPunct="1"/>
+            <a:r>
+              <a:rPr lang="en-US" sz="2000" u="sng" dirty="0" smtClean="0">
+                <a:latin typeface="Trebuchet MS" charset="0"/>
+                <a:ea typeface="ヒラギノ角ゴ ProN W3" charset="0"/>
+                <a:cs typeface="ヒラギノ角ゴ ProN W3" charset="0"/>
+              </a:rPr>
+              <a:t>JS API:</a:t>
+            </a:r>
+            <a:endParaRPr lang="en-US" sz="2000" u="sng" dirty="0">
+              <a:latin typeface="Trebuchet MS" charset="0"/>
+              <a:ea typeface="ヒラギノ角ゴ ProN W3" charset="0"/>
+              <a:cs typeface="ヒラギノ角ゴ ProN W3" charset="0"/>
+            </a:endParaRPr>
+          </a:p>
+        </p:txBody>
+      </p:sp>
+      <p:sp>
+        <p:nvSpPr>
+          <p:cNvPr id="15" name="Rectangle 7"/>
+          <p:cNvSpPr txBox="1">
+            <a:spLocks noChangeArrowheads="1"/>
+          </p:cNvSpPr>
+          <p:nvPr/>
+        </p:nvSpPr>
+        <p:spPr bwMode="auto">
+          <a:xfrm>
+            <a:off x="685800" y="5715000"/>
+            <a:ext cx="8229600" cy="609600"/>
+          </a:xfrm>
+          <a:prstGeom prst="rect">
+            <a:avLst/>
+          </a:prstGeom>
+          <a:noFill/>
+          <a:ln>
+            <a:noFill/>
+          </a:ln>
+          <a:extLst>
+            <a:ext uri="{909E8E84-426E-40dd-AFC4-6F175D3DCCD1}">
+              <a14:hiddenFill xmlns:a14="http://schemas.microsoft.com/office/drawing/2010/main">
+                <a:solidFill>
+                  <a:srgbClr val="FFFFFF"/>
+                </a:solidFill>
+              </a14:hiddenFill>
+            </a:ext>
+            <a:ext uri="{91240B29-F687-4f45-9708-019B960494DF}">
+              <a14:hiddenLine xmlns:a14="http://schemas.microsoft.com/office/drawing/2010/main" w="9525">
+                <a:solidFill>
+                  <a:srgbClr val="000000"/>
+                </a:solidFill>
+                <a:miter lim="800000"/>
+                <a:headEnd/>
+                <a:tailEnd/>
+              </a14:hiddenLine>
+            </a:ext>
+            <a:ext uri="{FAA26D3D-D897-4be2-8F04-BA451C77F1D7}">
+              <ma14:placeholderFlag xmlns:ma14="http://schemas.microsoft.com/office/mac/drawingml/2011/main" val="1"/>
+            </a:ext>
+          </a:extLst>
+        </p:spPr>
+        <p:txBody>
+          <a:bodyPr vert="horz" wrap="square" lIns="91440" tIns="45720" rIns="81279" bIns="45720" numCol="1" anchor="t" anchorCtr="0" compatLnSpc="1">
+            <a:prstTxWarp prst="textNoShape">
+              <a:avLst/>
+            </a:prstTxWarp>
+          </a:bodyPr>
+          <a:lstStyle>
+            <a:lvl1pPr marL="342900" indent="-342900" algn="l" defTabSz="457200" rtl="0" eaLnBrk="0" fontAlgn="base" hangingPunct="0">
+              <a:spcBef>
+                <a:spcPct val="20000"/>
+              </a:spcBef>
+              <a:spcAft>
+                <a:spcPct val="0"/>
+              </a:spcAft>
+              <a:buFont typeface="Arial" charset="0"/>
+              <a:defRPr sz="2400" kern="1200">
+                <a:solidFill>
+                  <a:srgbClr val="122956"/>
+                </a:solidFill>
+                <a:latin typeface="+mn-lt"/>
+                <a:ea typeface="ＭＳ Ｐゴシック" charset="0"/>
+                <a:cs typeface="ＭＳ Ｐゴシック" charset="0"/>
+              </a:defRPr>
+            </a:lvl1pPr>
+            <a:lvl2pPr marL="457200" algn="l" defTabSz="457200" rtl="0" eaLnBrk="0" fontAlgn="base" hangingPunct="0">
+              <a:spcBef>
+                <a:spcPct val="20000"/>
+              </a:spcBef>
+              <a:spcAft>
+                <a:spcPct val="0"/>
+              </a:spcAft>
+              <a:buFont typeface="Arial" charset="0"/>
+              <a:defRPr sz="2000" kern="1200">
+                <a:solidFill>
+                  <a:srgbClr val="122956"/>
+                </a:solidFill>
+                <a:latin typeface="+mn-lt"/>
+                <a:ea typeface="ＭＳ Ｐゴシック" charset="0"/>
+                <a:cs typeface="ＭＳ Ｐゴシック" charset="0"/>
+              </a:defRPr>
+            </a:lvl2pPr>
+            <a:lvl3pPr marL="914400" algn="l" defTabSz="457200" rtl="0" eaLnBrk="0" fontAlgn="base" hangingPunct="0">
+              <a:spcBef>
+                <a:spcPct val="20000"/>
+              </a:spcBef>
+              <a:spcAft>
+                <a:spcPct val="0"/>
+              </a:spcAft>
+              <a:buFont typeface="Arial" charset="0"/>
+              <a:defRPr kern="1200">
+                <a:solidFill>
+                  <a:srgbClr val="122956"/>
+                </a:solidFill>
+                <a:latin typeface="+mn-lt"/>
+                <a:ea typeface="ＭＳ Ｐゴシック" charset="0"/>
+                <a:cs typeface="ＭＳ Ｐゴシック" charset="0"/>
+              </a:defRPr>
+            </a:lvl3pPr>
+            <a:lvl4pPr marL="1371600" algn="l" defTabSz="457200" rtl="0" eaLnBrk="0" fontAlgn="base" hangingPunct="0">
+              <a:spcBef>
+                <a:spcPct val="20000"/>
+              </a:spcBef>
+              <a:spcAft>
+                <a:spcPct val="0"/>
+              </a:spcAft>
+              <a:buFont typeface="Arial" charset="0"/>
+              <a:defRPr sz="2000" kern="1200">
+                <a:solidFill>
+                  <a:schemeClr val="tx1"/>
+                </a:solidFill>
+                <a:latin typeface="+mn-lt"/>
+                <a:ea typeface="ＭＳ Ｐゴシック" charset="0"/>
+                <a:cs typeface="ＭＳ Ｐゴシック" charset="0"/>
+              </a:defRPr>
+            </a:lvl4pPr>
+            <a:lvl5pPr marL="2057400" indent="-228600" algn="l" defTabSz="457200" rtl="0" eaLnBrk="0" fontAlgn="base" hangingPunct="0">
+              <a:spcBef>
+                <a:spcPct val="20000"/>
+              </a:spcBef>
+              <a:spcAft>
+                <a:spcPct val="0"/>
+              </a:spcAft>
+              <a:buFont typeface="Arial" charset="0"/>
+              <a:buChar char="»"/>
+              <a:defRPr sz="2000" kern="1200">
+                <a:solidFill>
+                  <a:schemeClr val="tx1"/>
+                </a:solidFill>
+                <a:latin typeface="+mn-lt"/>
+                <a:ea typeface="ＭＳ Ｐゴシック" charset="0"/>
+                <a:cs typeface="ＭＳ Ｐゴシック" charset="0"/>
+              </a:defRPr>
+            </a:lvl5pPr>
+            <a:lvl6pPr marL="2514600" indent="-228600" algn="l" defTabSz="457200" rtl="0" eaLnBrk="1" latinLnBrk="0" hangingPunct="1">
+              <a:spcBef>
+                <a:spcPct val="20000"/>
+              </a:spcBef>
+              <a:buFont typeface="Arial"/>
+              <a:buChar char="•"/>
+              <a:defRPr sz="2000" kern="1200">
+                <a:solidFill>
+                  <a:schemeClr val="tx1"/>
+                </a:solidFill>
+                <a:latin typeface="+mn-lt"/>
+                <a:ea typeface="+mn-ea"/>
+                <a:cs typeface="+mn-cs"/>
+              </a:defRPr>
+            </a:lvl6pPr>
+            <a:lvl7pPr marL="2971800" indent="-228600" algn="l" defTabSz="457200" rtl="0" eaLnBrk="1" latinLnBrk="0" hangingPunct="1">
+              <a:spcBef>
+                <a:spcPct val="20000"/>
+              </a:spcBef>
+              <a:buFont typeface="Arial"/>
+              <a:buChar char="•"/>
+              <a:defRPr sz="2000" kern="1200">
+                <a:solidFill>
+                  <a:schemeClr val="tx1"/>
+                </a:solidFill>
+                <a:latin typeface="+mn-lt"/>
+                <a:ea typeface="+mn-ea"/>
+                <a:cs typeface="+mn-cs"/>
+              </a:defRPr>
+            </a:lvl7pPr>
+            <a:lvl8pPr marL="3429000" indent="-228600" algn="l" defTabSz="457200" rtl="0" eaLnBrk="1" latinLnBrk="0" hangingPunct="1">
+              <a:spcBef>
+                <a:spcPct val="20000"/>
+              </a:spcBef>
+              <a:buFont typeface="Arial"/>
+              <a:buChar char="•"/>
+              <a:defRPr sz="2000" kern="1200">
+                <a:solidFill>
+                  <a:schemeClr val="tx1"/>
+                </a:solidFill>
+                <a:latin typeface="+mn-lt"/>
+                <a:ea typeface="+mn-ea"/>
+                <a:cs typeface="+mn-cs"/>
+              </a:defRPr>
+            </a:lvl8pPr>
+            <a:lvl9pPr marL="3886200" indent="-228600" algn="l" defTabSz="457200" rtl="0" eaLnBrk="1" latinLnBrk="0" hangingPunct="1">
+              <a:spcBef>
+                <a:spcPct val="20000"/>
+              </a:spcBef>
+              <a:buFont typeface="Arial"/>
+              <a:buChar char="•"/>
+              <a:defRPr sz="2000" kern="1200">
+                <a:solidFill>
+                  <a:schemeClr val="tx1"/>
+                </a:solidFill>
+                <a:latin typeface="+mn-lt"/>
+                <a:ea typeface="+mn-ea"/>
+                <a:cs typeface="+mn-cs"/>
+              </a:defRPr>
+            </a:lvl9pPr>
+          </a:lstStyle>
+          <a:p>
+            <a:pPr eaLnBrk="1" hangingPunct="1"/>
+            <a:r>
+              <a:rPr lang="en-US" sz="2000" dirty="0" err="1" smtClean="0">
+                <a:solidFill>
+                  <a:schemeClr val="tx1"/>
+                </a:solidFill>
+                <a:latin typeface="Courier"/>
+                <a:ea typeface="ヒラギノ角ゴ ProN W3" charset="0"/>
+                <a:cs typeface="Courier"/>
+              </a:rPr>
+              <a:t>Ti.Platform.openURL</a:t>
+            </a:r>
+            <a:r>
+              <a:rPr lang="en-US" sz="2000" dirty="0" smtClean="0">
+                <a:solidFill>
+                  <a:schemeClr val="tx1"/>
+                </a:solidFill>
+                <a:latin typeface="Courier"/>
+                <a:ea typeface="ヒラギノ角ゴ ProN W3" charset="0"/>
+                <a:cs typeface="Courier"/>
+              </a:rPr>
+              <a:t>(‘http://</a:t>
+            </a:r>
+            <a:r>
+              <a:rPr lang="en-US" sz="2000" dirty="0" err="1" smtClean="0">
+                <a:solidFill>
+                  <a:schemeClr val="tx1"/>
+                </a:solidFill>
+                <a:latin typeface="Courier"/>
+                <a:ea typeface="ヒラギノ角ゴ ProN W3" charset="0"/>
+                <a:cs typeface="Courier"/>
+              </a:rPr>
+              <a:t>www.google.com</a:t>
+            </a:r>
+            <a:r>
+              <a:rPr lang="en-US" sz="2000" dirty="0" smtClean="0">
+                <a:solidFill>
+                  <a:schemeClr val="tx1"/>
+                </a:solidFill>
+                <a:latin typeface="Courier"/>
+                <a:ea typeface="ヒラギノ角ゴ ProN W3" charset="0"/>
+                <a:cs typeface="Courier"/>
+              </a:rPr>
+              <a:t>’);</a:t>
+            </a:r>
+          </a:p>
+        </p:txBody>
+      </p:sp>
     </p:spTree>
     <p:extLst>
       <p:ext uri="{BB962C8B-B14F-4D97-AF65-F5344CB8AC3E}">
-        <p14:creationId xmlns:p14="http://schemas.microsoft.com/office/powerpoint/2010/main" val="3395577280"/>
+        <p14:creationId xmlns:p14="http://schemas.microsoft.com/office/powerpoint/2010/main" val="2560400531"/>
       </p:ext>
     </p:extLst>
   </p:cSld>
@@ -12558,7 +14888,7 @@
                 <a:ea typeface="ヒラギノ角ゴ ProN W6" charset="0"/>
                 <a:cs typeface="ヒラギノ角ゴ ProN W6" charset="0"/>
               </a:rPr>
-              <a:t>Android – Proxy Method</a:t>
+              <a:t>iOS – Event Handlers for Proxy</a:t>
             </a:r>
             <a:endParaRPr lang="en-US" dirty="0">
               <a:latin typeface="Trebuchet MS Bold" charset="0"/>
@@ -12580,7 +14910,7 @@
         </p:nvSpPr>
         <p:spPr>
           <a:xfrm>
-            <a:off x="457200" y="1346200"/>
+            <a:off x="457200" y="1143000"/>
             <a:ext cx="8229600" cy="482600"/>
           </a:xfrm>
         </p:spPr>
@@ -12595,7 +14925,7 @@
                 <a:ea typeface="ヒラギノ角ゴ ProN W3" charset="0"/>
                 <a:cs typeface="ヒラギノ角ゴ ProN W3" charset="0"/>
               </a:rPr>
-              <a:t>From PlatformModule.java:</a:t>
+              <a:t>From GeolocationModule.m:</a:t>
             </a:r>
             <a:endParaRPr lang="en-US" dirty="0">
               <a:latin typeface="Trebuchet MS" charset="0"/>
@@ -12605,224 +14935,9 @@
           </a:p>
         </p:txBody>
       </p:sp>
-      <p:sp>
-        <p:nvSpPr>
-          <p:cNvPr id="10" name="Rectangle 7"/>
-          <p:cNvSpPr txBox="1">
-            <a:spLocks noChangeArrowheads="1"/>
-          </p:cNvSpPr>
-          <p:nvPr/>
-        </p:nvSpPr>
-        <p:spPr bwMode="auto">
-          <a:xfrm>
-            <a:off x="381000" y="5257800"/>
-            <a:ext cx="8229600" cy="482600"/>
-          </a:xfrm>
-          <a:prstGeom prst="rect">
-            <a:avLst/>
-          </a:prstGeom>
-          <a:noFill/>
-          <a:ln>
-            <a:noFill/>
-          </a:ln>
-          <a:extLst>
-            <a:ext uri="{909E8E84-426E-40dd-AFC4-6F175D3DCCD1}">
-              <a14:hiddenFill xmlns:a14="http://schemas.microsoft.com/office/drawing/2010/main">
-                <a:solidFill>
-                  <a:srgbClr val="FFFFFF"/>
-                </a:solidFill>
-              </a14:hiddenFill>
-            </a:ext>
-            <a:ext uri="{91240B29-F687-4f45-9708-019B960494DF}">
-              <a14:hiddenLine xmlns:a14="http://schemas.microsoft.com/office/drawing/2010/main" w="9525">
-                <a:solidFill>
-                  <a:srgbClr val="000000"/>
-                </a:solidFill>
-                <a:miter lim="800000"/>
-                <a:headEnd/>
-                <a:tailEnd/>
-              </a14:hiddenLine>
-            </a:ext>
-            <a:ext uri="{FAA26D3D-D897-4be2-8F04-BA451C77F1D7}">
-              <ma14:placeholderFlag xmlns:ma14="http://schemas.microsoft.com/office/mac/drawingml/2011/main" val="1"/>
-            </a:ext>
-          </a:extLst>
-        </p:spPr>
-        <p:txBody>
-          <a:bodyPr vert="horz" wrap="square" lIns="91440" tIns="45720" rIns="81279" bIns="45720" numCol="1" anchor="t" anchorCtr="0" compatLnSpc="1">
-            <a:prstTxWarp prst="textNoShape">
-              <a:avLst/>
-            </a:prstTxWarp>
-          </a:bodyPr>
-          <a:lstStyle>
-            <a:lvl1pPr marL="342900" indent="-342900" algn="l" defTabSz="457200" rtl="0" eaLnBrk="0" fontAlgn="base" hangingPunct="0">
-              <a:spcBef>
-                <a:spcPct val="20000"/>
-              </a:spcBef>
-              <a:spcAft>
-                <a:spcPct val="0"/>
-              </a:spcAft>
-              <a:buFont typeface="Arial" charset="0"/>
-              <a:defRPr sz="2400" kern="1200">
-                <a:solidFill>
-                  <a:srgbClr val="122956"/>
-                </a:solidFill>
-                <a:latin typeface="+mn-lt"/>
-                <a:ea typeface="ＭＳ Ｐゴシック" charset="0"/>
-                <a:cs typeface="ＭＳ Ｐゴシック" charset="0"/>
-              </a:defRPr>
-            </a:lvl1pPr>
-            <a:lvl2pPr marL="457200" algn="l" defTabSz="457200" rtl="0" eaLnBrk="0" fontAlgn="base" hangingPunct="0">
-              <a:spcBef>
-                <a:spcPct val="20000"/>
-              </a:spcBef>
-              <a:spcAft>
-                <a:spcPct val="0"/>
-              </a:spcAft>
-              <a:buFont typeface="Arial" charset="0"/>
-              <a:defRPr sz="2000" kern="1200">
-                <a:solidFill>
-                  <a:srgbClr val="122956"/>
-                </a:solidFill>
-                <a:latin typeface="+mn-lt"/>
-                <a:ea typeface="ＭＳ Ｐゴシック" charset="0"/>
-                <a:cs typeface="ＭＳ Ｐゴシック" charset="0"/>
-              </a:defRPr>
-            </a:lvl2pPr>
-            <a:lvl3pPr marL="914400" algn="l" defTabSz="457200" rtl="0" eaLnBrk="0" fontAlgn="base" hangingPunct="0">
-              <a:spcBef>
-                <a:spcPct val="20000"/>
-              </a:spcBef>
-              <a:spcAft>
-                <a:spcPct val="0"/>
-              </a:spcAft>
-              <a:buFont typeface="Arial" charset="0"/>
-              <a:defRPr kern="1200">
-                <a:solidFill>
-                  <a:srgbClr val="122956"/>
-                </a:solidFill>
-                <a:latin typeface="+mn-lt"/>
-                <a:ea typeface="ＭＳ Ｐゴシック" charset="0"/>
-                <a:cs typeface="ＭＳ Ｐゴシック" charset="0"/>
-              </a:defRPr>
-            </a:lvl3pPr>
-            <a:lvl4pPr marL="1371600" algn="l" defTabSz="457200" rtl="0" eaLnBrk="0" fontAlgn="base" hangingPunct="0">
-              <a:spcBef>
-                <a:spcPct val="20000"/>
-              </a:spcBef>
-              <a:spcAft>
-                <a:spcPct val="0"/>
-              </a:spcAft>
-              <a:buFont typeface="Arial" charset="0"/>
-              <a:defRPr sz="2000" kern="1200">
-                <a:solidFill>
-                  <a:schemeClr val="tx1"/>
-                </a:solidFill>
-                <a:latin typeface="+mn-lt"/>
-                <a:ea typeface="ＭＳ Ｐゴシック" charset="0"/>
-                <a:cs typeface="ＭＳ Ｐゴシック" charset="0"/>
-              </a:defRPr>
-            </a:lvl4pPr>
-            <a:lvl5pPr marL="2057400" indent="-228600" algn="l" defTabSz="457200" rtl="0" eaLnBrk="0" fontAlgn="base" hangingPunct="0">
-              <a:spcBef>
-                <a:spcPct val="20000"/>
-              </a:spcBef>
-              <a:spcAft>
-                <a:spcPct val="0"/>
-              </a:spcAft>
-              <a:buFont typeface="Arial" charset="0"/>
-              <a:buChar char="»"/>
-              <a:defRPr sz="2000" kern="1200">
-                <a:solidFill>
-                  <a:schemeClr val="tx1"/>
-                </a:solidFill>
-                <a:latin typeface="+mn-lt"/>
-                <a:ea typeface="ＭＳ Ｐゴシック" charset="0"/>
-                <a:cs typeface="ＭＳ Ｐゴシック" charset="0"/>
-              </a:defRPr>
-            </a:lvl5pPr>
-            <a:lvl6pPr marL="2514600" indent="-228600" algn="l" defTabSz="457200" rtl="0" eaLnBrk="1" latinLnBrk="0" hangingPunct="1">
-              <a:spcBef>
-                <a:spcPct val="20000"/>
-              </a:spcBef>
-              <a:buFont typeface="Arial"/>
-              <a:buChar char="•"/>
-              <a:defRPr sz="2000" kern="1200">
-                <a:solidFill>
-                  <a:schemeClr val="tx1"/>
-                </a:solidFill>
-                <a:latin typeface="+mn-lt"/>
-                <a:ea typeface="+mn-ea"/>
-                <a:cs typeface="+mn-cs"/>
-              </a:defRPr>
-            </a:lvl6pPr>
-            <a:lvl7pPr marL="2971800" indent="-228600" algn="l" defTabSz="457200" rtl="0" eaLnBrk="1" latinLnBrk="0" hangingPunct="1">
-              <a:spcBef>
-                <a:spcPct val="20000"/>
-              </a:spcBef>
-              <a:buFont typeface="Arial"/>
-              <a:buChar char="•"/>
-              <a:defRPr sz="2000" kern="1200">
-                <a:solidFill>
-                  <a:schemeClr val="tx1"/>
-                </a:solidFill>
-                <a:latin typeface="+mn-lt"/>
-                <a:ea typeface="+mn-ea"/>
-                <a:cs typeface="+mn-cs"/>
-              </a:defRPr>
-            </a:lvl7pPr>
-            <a:lvl8pPr marL="3429000" indent="-228600" algn="l" defTabSz="457200" rtl="0" eaLnBrk="1" latinLnBrk="0" hangingPunct="1">
-              <a:spcBef>
-                <a:spcPct val="20000"/>
-              </a:spcBef>
-              <a:buFont typeface="Arial"/>
-              <a:buChar char="•"/>
-              <a:defRPr sz="2000" kern="1200">
-                <a:solidFill>
-                  <a:schemeClr val="tx1"/>
-                </a:solidFill>
-                <a:latin typeface="+mn-lt"/>
-                <a:ea typeface="+mn-ea"/>
-                <a:cs typeface="+mn-cs"/>
-              </a:defRPr>
-            </a:lvl8pPr>
-            <a:lvl9pPr marL="3886200" indent="-228600" algn="l" defTabSz="457200" rtl="0" eaLnBrk="1" latinLnBrk="0" hangingPunct="1">
-              <a:spcBef>
-                <a:spcPct val="20000"/>
-              </a:spcBef>
-              <a:buFont typeface="Arial"/>
-              <a:buChar char="•"/>
-              <a:defRPr sz="2000" kern="1200">
-                <a:solidFill>
-                  <a:schemeClr val="tx1"/>
-                </a:solidFill>
-                <a:latin typeface="+mn-lt"/>
-                <a:ea typeface="+mn-ea"/>
-                <a:cs typeface="+mn-cs"/>
-              </a:defRPr>
-            </a:lvl9pPr>
-          </a:lstStyle>
-          <a:p>
-            <a:pPr eaLnBrk="1" hangingPunct="1"/>
-            <a:r>
-              <a:rPr lang="en-US" dirty="0" smtClean="0">
-                <a:latin typeface="Trebuchet MS" charset="0"/>
-                <a:ea typeface="ヒラギノ角ゴ ProN W3" charset="0"/>
-                <a:cs typeface="ヒラギノ角ゴ ProN W3" charset="0"/>
-              </a:rPr>
-              <a:t>JS API:</a:t>
-            </a:r>
-            <a:endParaRPr lang="en-US" dirty="0">
-              <a:latin typeface="Trebuchet MS" charset="0"/>
-              <a:ea typeface="ヒラギノ角ゴ ProN W3" charset="0"/>
-              <a:cs typeface="ヒラギノ角ゴ ProN W3" charset="0"/>
-            </a:endParaRPr>
-          </a:p>
-        </p:txBody>
-      </p:sp>
       <p:pic>
         <p:nvPicPr>
-          <p:cNvPr id="4" name="Picture 3"/>
+          <p:cNvPr id="2" name="Picture 1"/>
           <p:cNvPicPr>
             <a:picLocks noChangeAspect="1"/>
           </p:cNvPicPr>
@@ -12836,41 +14951,17 @@
         </p:blipFill>
         <p:spPr>
           <a:xfrm>
-            <a:off x="381000" y="5867400"/>
-            <a:ext cx="8458200" cy="446979"/>
+            <a:off x="457200" y="1676400"/>
+            <a:ext cx="8229600" cy="4751681"/>
           </a:xfrm>
           <a:prstGeom prst="rect">
             <a:avLst/>
           </a:prstGeom>
         </p:spPr>
       </p:pic>
-      <p:pic>
-        <p:nvPicPr>
-          <p:cNvPr id="5" name="Picture 4"/>
-          <p:cNvPicPr>
-            <a:picLocks noChangeAspect="1"/>
-          </p:cNvPicPr>
-          <p:nvPr/>
-        </p:nvPicPr>
-        <p:blipFill>
-          <a:blip r:embed="rId6"/>
-          <a:stretch>
-            <a:fillRect/>
-          </a:stretch>
-        </p:blipFill>
-        <p:spPr>
-          <a:xfrm>
-            <a:off x="457200" y="1828800"/>
-            <a:ext cx="7885047" cy="3261238"/>
-          </a:xfrm>
-          <a:prstGeom prst="rect">
-            <a:avLst/>
-          </a:prstGeom>
-        </p:spPr>
-      </p:pic>
       <p:sp>
         <p:nvSpPr>
-          <p:cNvPr id="11" name="Slide Number Placeholder 5"/>
+          <p:cNvPr id="8" name="Slide Number Placeholder 5"/>
           <p:cNvSpPr>
             <a:spLocks noGrp="1"/>
           </p:cNvSpPr>
@@ -13051,7 +15142,7 @@
     </p:spTree>
     <p:extLst>
       <p:ext uri="{BB962C8B-B14F-4D97-AF65-F5344CB8AC3E}">
-        <p14:creationId xmlns:p14="http://schemas.microsoft.com/office/powerpoint/2010/main" val="2560400531"/>
+        <p14:creationId xmlns:p14="http://schemas.microsoft.com/office/powerpoint/2010/main" val="889919169"/>
       </p:ext>
     </p:extLst>
   </p:cSld>
@@ -13275,7 +15366,7 @@
                 <a:ea typeface="ヒラギノ角ゴ ProN W6" charset="0"/>
                 <a:cs typeface="ヒラギノ角ゴ ProN W6" charset="0"/>
               </a:rPr>
-              <a:t>iOS – Event Handlers for Proxy</a:t>
+              <a:t>Android – Event Handlers for Proxy</a:t>
             </a:r>
             <a:endParaRPr lang="en-US" dirty="0">
               <a:latin typeface="Trebuchet MS Bold" charset="0"/>
@@ -13312,7 +15403,7 @@
                 <a:ea typeface="ヒラギノ角ゴ ProN W3" charset="0"/>
                 <a:cs typeface="ヒラギノ角ゴ ProN W3" charset="0"/>
               </a:rPr>
-              <a:t>From GeolocationModule.m:</a:t>
+              <a:t>From GeolocationModule.java:</a:t>
             </a:r>
             <a:endParaRPr lang="en-US" dirty="0">
               <a:latin typeface="Trebuchet MS" charset="0"/>
@@ -13324,7 +15415,7 @@
       </p:sp>
       <p:pic>
         <p:nvPicPr>
-          <p:cNvPr id="2" name="Picture 1"/>
+          <p:cNvPr id="4" name="Picture 3"/>
           <p:cNvPicPr>
             <a:picLocks noChangeAspect="1"/>
           </p:cNvPicPr>
@@ -13338,8 +15429,8 @@
         </p:blipFill>
         <p:spPr>
           <a:xfrm>
-            <a:off x="457200" y="1676400"/>
-            <a:ext cx="8229600" cy="4751681"/>
+            <a:off x="0" y="2133600"/>
+            <a:ext cx="8942134" cy="3454400"/>
           </a:xfrm>
           <a:prstGeom prst="rect">
             <a:avLst/>
@@ -13529,7 +15620,7 @@
     </p:spTree>
     <p:extLst>
       <p:ext uri="{BB962C8B-B14F-4D97-AF65-F5344CB8AC3E}">
-        <p14:creationId xmlns:p14="http://schemas.microsoft.com/office/powerpoint/2010/main" val="889919169"/>
+        <p14:creationId xmlns:p14="http://schemas.microsoft.com/office/powerpoint/2010/main" val="633152622"/>
       </p:ext>
     </p:extLst>
   </p:cSld>
@@ -13753,7 +15844,7 @@
                 <a:ea typeface="ヒラギノ角ゴ ProN W6" charset="0"/>
                 <a:cs typeface="ヒラギノ角ゴ ProN W6" charset="0"/>
               </a:rPr>
-              <a:t>Android – Event Handlers for Proxy</a:t>
+              <a:t>Adding Event Handlers for Proxy</a:t>
             </a:r>
             <a:endParaRPr lang="en-US" dirty="0">
               <a:latin typeface="Trebuchet MS Bold" charset="0"/>
@@ -13765,9 +15856,9 @@
       </p:sp>
       <p:sp>
         <p:nvSpPr>
-          <p:cNvPr id="12293" name="Rectangle 7"/>
+          <p:cNvPr id="2" name="Content Placeholder 1"/>
           <p:cNvSpPr>
-            <a:spLocks noGrp="1" noChangeArrowheads="1"/>
+            <a:spLocks noGrp="1"/>
           </p:cNvSpPr>
           <p:nvPr>
             <p:ph idx="1"/>
@@ -13775,34 +15866,25 @@
         </p:nvSpPr>
         <p:spPr>
           <a:xfrm>
-            <a:off x="457200" y="1143000"/>
+            <a:off x="381000" y="2286000"/>
             <a:ext cx="8229600" cy="482600"/>
           </a:xfrm>
         </p:spPr>
         <p:txBody>
-          <a:bodyPr rIns="81279"/>
+          <a:bodyPr/>
           <a:lstStyle/>
           <a:p>
-            <a:pPr eaLnBrk="1" hangingPunct="1"/>
-            <a:r>
-              <a:rPr lang="en-US" dirty="0" smtClean="0">
-                <a:latin typeface="Trebuchet MS" charset="0"/>
-                <a:ea typeface="ヒラギノ角ゴ ProN W3" charset="0"/>
-                <a:cs typeface="ヒラギノ角ゴ ProN W3" charset="0"/>
-              </a:rPr>
-              <a:t>From GeolocationModule.java:</a:t>
-            </a:r>
-            <a:endParaRPr lang="en-US" dirty="0">
-              <a:latin typeface="Trebuchet MS" charset="0"/>
-              <a:ea typeface="ヒラギノ角ゴ ProN W3" charset="0"/>
-              <a:cs typeface="ヒラギノ角ゴ ProN W3" charset="0"/>
-            </a:endParaRPr>
+            <a:r>
+              <a:rPr lang="en-US" dirty="0" smtClean="0"/>
+              <a:t>JS API:</a:t>
+            </a:r>
+            <a:endParaRPr lang="en-US" dirty="0"/>
           </a:p>
         </p:txBody>
       </p:sp>
       <p:pic>
         <p:nvPicPr>
-          <p:cNvPr id="4" name="Picture 3"/>
+          <p:cNvPr id="3" name="Picture 2"/>
           <p:cNvPicPr>
             <a:picLocks noChangeAspect="1"/>
           </p:cNvPicPr>
@@ -13816,8 +15898,8 @@
         </p:blipFill>
         <p:spPr>
           <a:xfrm>
-            <a:off x="0" y="2133600"/>
-            <a:ext cx="8942134" cy="3454400"/>
+            <a:off x="381000" y="2895600"/>
+            <a:ext cx="8305800" cy="1035953"/>
           </a:xfrm>
           <a:prstGeom prst="rect">
             <a:avLst/>
@@ -14007,7 +16089,7 @@
     </p:spTree>
     <p:extLst>
       <p:ext uri="{BB962C8B-B14F-4D97-AF65-F5344CB8AC3E}">
-        <p14:creationId xmlns:p14="http://schemas.microsoft.com/office/powerpoint/2010/main" val="633152622"/>
+        <p14:creationId xmlns:p14="http://schemas.microsoft.com/office/powerpoint/2010/main" val="2979604006"/>
       </p:ext>
     </p:extLst>
   </p:cSld>
@@ -14231,7 +16313,7 @@
                 <a:ea typeface="ヒラギノ角ゴ ProN W6" charset="0"/>
                 <a:cs typeface="ヒラギノ角ゴ ProN W6" charset="0"/>
               </a:rPr>
-              <a:t>Adding Event Handlers for Proxy</a:t>
+              <a:t>Firing an Event on a Proxy Object</a:t>
             </a:r>
             <a:endParaRPr lang="en-US" dirty="0">
               <a:latin typeface="Trebuchet MS Bold" charset="0"/>
@@ -14243,9 +16325,9 @@
       </p:sp>
       <p:sp>
         <p:nvSpPr>
-          <p:cNvPr id="2" name="Content Placeholder 1"/>
+          <p:cNvPr id="12293" name="Rectangle 7"/>
           <p:cNvSpPr>
-            <a:spLocks noGrp="1"/>
+            <a:spLocks noGrp="1" noChangeArrowheads="1"/>
           </p:cNvSpPr>
           <p:nvPr>
             <p:ph idx="1"/>
@@ -14253,49 +16335,131 @@
         </p:nvSpPr>
         <p:spPr>
           <a:xfrm>
-            <a:off x="381000" y="2286000"/>
-            <a:ext cx="8229600" cy="482600"/>
+            <a:off x="457200" y="1346200"/>
+            <a:ext cx="8229600" cy="4826000"/>
           </a:xfrm>
         </p:spPr>
         <p:txBody>
-          <a:bodyPr/>
+          <a:bodyPr rIns="81279"/>
           <a:lstStyle/>
           <a:p>
-            <a:r>
-              <a:rPr lang="en-US" dirty="0" smtClean="0"/>
-              <a:t>JS API:</a:t>
-            </a:r>
-            <a:endParaRPr lang="en-US" dirty="0"/>
+            <a:pPr eaLnBrk="1" hangingPunct="1"/>
+            <a:r>
+              <a:rPr lang="en-US" dirty="0" smtClean="0">
+                <a:latin typeface="Trebuchet MS" charset="0"/>
+                <a:ea typeface="ヒラギノ角ゴ ProN W3" charset="0"/>
+                <a:cs typeface="ヒラギノ角ゴ ProN W3" charset="0"/>
+              </a:rPr>
+              <a:t>Both Proxy base classes have a “</a:t>
+            </a:r>
+            <a:r>
+              <a:rPr lang="en-US" dirty="0" err="1" smtClean="0">
+                <a:latin typeface="Trebuchet MS" charset="0"/>
+                <a:ea typeface="ヒラギノ角ゴ ProN W3" charset="0"/>
+                <a:cs typeface="ヒラギノ角ゴ ProN W3" charset="0"/>
+              </a:rPr>
+              <a:t>fireEvent</a:t>
+            </a:r>
+            <a:r>
+              <a:rPr lang="en-US" dirty="0" smtClean="0">
+                <a:latin typeface="Trebuchet MS" charset="0"/>
+                <a:ea typeface="ヒラギノ角ゴ ProN W3" charset="0"/>
+                <a:cs typeface="ヒラギノ角ゴ ProN W3" charset="0"/>
+              </a:rPr>
+              <a:t>” method</a:t>
+            </a:r>
+          </a:p>
+          <a:p>
+            <a:pPr eaLnBrk="1" hangingPunct="1"/>
+            <a:endParaRPr lang="en-US" dirty="0">
+              <a:latin typeface="Trebuchet MS" charset="0"/>
+              <a:ea typeface="ヒラギノ角ゴ ProN W3" charset="0"/>
+              <a:cs typeface="ヒラギノ角ゴ ProN W3" charset="0"/>
+            </a:endParaRPr>
+          </a:p>
+          <a:p>
+            <a:pPr eaLnBrk="1" hangingPunct="1"/>
+            <a:r>
+              <a:rPr lang="en-US" dirty="0" smtClean="0">
+                <a:latin typeface="Trebuchet MS" charset="0"/>
+                <a:ea typeface="ヒラギノ角ゴ ProN W3" charset="0"/>
+                <a:cs typeface="ヒラギノ角ゴ ProN W3" charset="0"/>
+              </a:rPr>
+              <a:t>Use this to fire an event back up to a JavaScript object</a:t>
+            </a:r>
+          </a:p>
+          <a:p>
+            <a:pPr eaLnBrk="1" hangingPunct="1"/>
+            <a:endParaRPr lang="en-US" dirty="0">
+              <a:latin typeface="Trebuchet MS" charset="0"/>
+              <a:ea typeface="ヒラギノ角ゴ ProN W3" charset="0"/>
+              <a:cs typeface="ヒラギノ角ゴ ProN W3" charset="0"/>
+            </a:endParaRPr>
+          </a:p>
+          <a:p>
+            <a:pPr eaLnBrk="1" hangingPunct="1"/>
+            <a:r>
+              <a:rPr lang="en-US" dirty="0" smtClean="0">
+                <a:latin typeface="Trebuchet MS" charset="0"/>
+                <a:ea typeface="ヒラギノ角ゴ ProN W3" charset="0"/>
+                <a:cs typeface="ヒラギノ角ゴ ProN W3" charset="0"/>
+              </a:rPr>
+              <a:t>Any events fired from native land via “</a:t>
+            </a:r>
+            <a:r>
+              <a:rPr lang="en-US" dirty="0" err="1" smtClean="0">
+                <a:latin typeface="Trebuchet MS" charset="0"/>
+                <a:ea typeface="ヒラギノ角ゴ ProN W3" charset="0"/>
+                <a:cs typeface="ヒラギノ角ゴ ProN W3" charset="0"/>
+              </a:rPr>
+              <a:t>fireEvent</a:t>
+            </a:r>
+            <a:r>
+              <a:rPr lang="en-US" dirty="0" smtClean="0">
+                <a:latin typeface="Trebuchet MS" charset="0"/>
+                <a:ea typeface="ヒラギノ角ゴ ProN W3" charset="0"/>
+                <a:cs typeface="ヒラギノ角ゴ ProN W3" charset="0"/>
+              </a:rPr>
+              <a:t>” can be listened for on a JavaScript object via “</a:t>
+            </a:r>
+            <a:r>
+              <a:rPr lang="en-US" dirty="0" err="1" smtClean="0">
+                <a:latin typeface="Trebuchet MS" charset="0"/>
+                <a:ea typeface="ヒラギノ角ゴ ProN W3" charset="0"/>
+                <a:cs typeface="ヒラギノ角ゴ ProN W3" charset="0"/>
+              </a:rPr>
+              <a:t>addEventListener</a:t>
+            </a:r>
+            <a:r>
+              <a:rPr lang="en-US" dirty="0" smtClean="0">
+                <a:latin typeface="Trebuchet MS" charset="0"/>
+                <a:ea typeface="ヒラギノ角ゴ ProN W3" charset="0"/>
+                <a:cs typeface="ヒラギノ角ゴ ProN W3" charset="0"/>
+              </a:rPr>
+              <a:t>”</a:t>
+            </a:r>
+          </a:p>
+          <a:p>
+            <a:pPr eaLnBrk="1" hangingPunct="1"/>
+            <a:endParaRPr lang="en-US" dirty="0">
+              <a:latin typeface="Trebuchet MS" charset="0"/>
+              <a:ea typeface="ヒラギノ角ゴ ProN W3" charset="0"/>
+              <a:cs typeface="ヒラギノ角ゴ ProN W3" charset="0"/>
+            </a:endParaRPr>
+          </a:p>
+          <a:p>
+            <a:pPr eaLnBrk="1" hangingPunct="1"/>
+            <a:endParaRPr lang="en-US" dirty="0">
+              <a:latin typeface="Trebuchet MS" charset="0"/>
+              <a:ea typeface="ヒラギノ角ゴ ProN W3" charset="0"/>
+              <a:cs typeface="ヒラギノ角ゴ ProN W3" charset="0"/>
+            </a:endParaRPr>
           </a:p>
         </p:txBody>
       </p:sp>
-      <p:pic>
-        <p:nvPicPr>
-          <p:cNvPr id="3" name="Picture 2"/>
-          <p:cNvPicPr>
-            <a:picLocks noChangeAspect="1"/>
-          </p:cNvPicPr>
-          <p:nvPr/>
-        </p:nvPicPr>
-        <p:blipFill>
-          <a:blip r:embed="rId5"/>
-          <a:stretch>
-            <a:fillRect/>
-          </a:stretch>
-        </p:blipFill>
-        <p:spPr>
-          <a:xfrm>
-            <a:off x="381000" y="2895600"/>
-            <a:ext cx="8305800" cy="1035953"/>
-          </a:xfrm>
-          <a:prstGeom prst="rect">
-            <a:avLst/>
-          </a:prstGeom>
-        </p:spPr>
-      </p:pic>
       <p:sp>
         <p:nvSpPr>
-          <p:cNvPr id="8" name="Slide Number Placeholder 5"/>
+          <p:cNvPr id="7" name="Slide Number Placeholder 5"/>
           <p:cNvSpPr>
             <a:spLocks noGrp="1"/>
           </p:cNvSpPr>
@@ -14476,7 +16640,7 @@
     </p:spTree>
     <p:extLst>
       <p:ext uri="{BB962C8B-B14F-4D97-AF65-F5344CB8AC3E}">
-        <p14:creationId xmlns:p14="http://schemas.microsoft.com/office/powerpoint/2010/main" val="2979604006"/>
+        <p14:creationId xmlns:p14="http://schemas.microsoft.com/office/powerpoint/2010/main" val="217625947"/>
       </p:ext>
     </p:extLst>
   </p:cSld>
@@ -14700,7 +16864,7 @@
                 <a:ea typeface="ヒラギノ角ゴ ProN W6" charset="0"/>
                 <a:cs typeface="ヒラギノ角ゴ ProN W6" charset="0"/>
               </a:rPr>
-              <a:t>Firing an Event on a Proxy Object</a:t>
+              <a:t>Type Conversions Across The Bridge</a:t>
             </a:r>
             <a:endParaRPr lang="en-US" dirty="0">
               <a:latin typeface="Trebuchet MS Bold" charset="0"/>
@@ -14737,23 +16901,7 @@
                 <a:ea typeface="ヒラギノ角ゴ ProN W3" charset="0"/>
                 <a:cs typeface="ヒラギノ角ゴ ProN W3" charset="0"/>
               </a:rPr>
-              <a:t>Both Proxy base classes have a “</a:t>
-            </a:r>
-            <a:r>
-              <a:rPr lang="en-US" dirty="0" err="1" smtClean="0">
-                <a:latin typeface="Trebuchet MS" charset="0"/>
-                <a:ea typeface="ヒラギノ角ゴ ProN W3" charset="0"/>
-                <a:cs typeface="ヒラギノ角ゴ ProN W3" charset="0"/>
-              </a:rPr>
-              <a:t>fireEvent</a:t>
-            </a:r>
-            <a:r>
-              <a:rPr lang="en-US" dirty="0" smtClean="0">
-                <a:latin typeface="Trebuchet MS" charset="0"/>
-                <a:ea typeface="ヒラギノ角ゴ ProN W3" charset="0"/>
-                <a:cs typeface="ヒラギノ角ゴ ProN W3" charset="0"/>
-              </a:rPr>
-              <a:t>” method</a:t>
+              <a:t>Both platforms provide utilities for type conversion, both JS &gt;&gt; Native Classes and Native Classes &gt;&gt; JS</a:t>
             </a:r>
           </a:p>
           <a:p>
@@ -14772,7 +16920,7 @@
                 <a:ea typeface="ヒラギノ角ゴ ProN W3" charset="0"/>
                 <a:cs typeface="ヒラギノ角ゴ ProN W3" charset="0"/>
               </a:rPr>
-              <a:t>Use this to fire an event back up to a JavaScript object</a:t>
+              <a:t>Some simple types like Strings and Booleans auto convert</a:t>
             </a:r>
           </a:p>
           <a:p>
@@ -14791,39 +16939,7 @@
                 <a:ea typeface="ヒラギノ角ゴ ProN W3" charset="0"/>
                 <a:cs typeface="ヒラギノ角ゴ ProN W3" charset="0"/>
               </a:rPr>
-              <a:t>Any events fired from native land via “</a:t>
-            </a:r>
-            <a:r>
-              <a:rPr lang="en-US" dirty="0" err="1" smtClean="0">
-                <a:latin typeface="Trebuchet MS" charset="0"/>
-                <a:ea typeface="ヒラギノ角ゴ ProN W3" charset="0"/>
-                <a:cs typeface="ヒラギノ角ゴ ProN W3" charset="0"/>
-              </a:rPr>
-              <a:t>fireEvent</a:t>
-            </a:r>
-            <a:r>
-              <a:rPr lang="en-US" dirty="0" smtClean="0">
-                <a:latin typeface="Trebuchet MS" charset="0"/>
-                <a:ea typeface="ヒラギノ角ゴ ProN W3" charset="0"/>
-                <a:cs typeface="ヒラギノ角ゴ ProN W3" charset="0"/>
-              </a:rPr>
-              <a:t>” can be listened for on a JavaScript object via “</a:t>
-            </a:r>
-            <a:r>
-              <a:rPr lang="en-US" dirty="0" err="1" smtClean="0">
-                <a:latin typeface="Trebuchet MS" charset="0"/>
-                <a:ea typeface="ヒラギノ角ゴ ProN W3" charset="0"/>
-                <a:cs typeface="ヒラギノ角ゴ ProN W3" charset="0"/>
-              </a:rPr>
-              <a:t>addEventListener</a:t>
-            </a:r>
-            <a:r>
-              <a:rPr lang="en-US" dirty="0" smtClean="0">
-                <a:latin typeface="Trebuchet MS" charset="0"/>
-                <a:ea typeface="ヒラギノ角ゴ ProN W3" charset="0"/>
-                <a:cs typeface="ヒラギノ角ゴ ProN W3" charset="0"/>
-              </a:rPr>
-              <a:t>”</a:t>
+              <a:t>Check other module implementations for type conversion examples</a:t>
             </a:r>
           </a:p>
           <a:p>
@@ -15027,7 +17143,7 @@
     </p:spTree>
     <p:extLst>
       <p:ext uri="{BB962C8B-B14F-4D97-AF65-F5344CB8AC3E}">
-        <p14:creationId xmlns:p14="http://schemas.microsoft.com/office/powerpoint/2010/main" val="217625947"/>
+        <p14:creationId xmlns:p14="http://schemas.microsoft.com/office/powerpoint/2010/main" val="1669292270"/>
       </p:ext>
     </p:extLst>
   </p:cSld>
@@ -15771,7 +17887,7 @@
                 <a:ea typeface="ヒラギノ角ゴ ProN W6" charset="0"/>
                 <a:cs typeface="ヒラギノ角ゴ ProN W6" charset="0"/>
               </a:rPr>
-              <a:t>Type Conversions Across The Bridge</a:t>
+              <a:t>Building your Module</a:t>
             </a:r>
             <a:endParaRPr lang="en-US" dirty="0">
               <a:latin typeface="Trebuchet MS Bold" charset="0"/>
@@ -15808,7 +17924,75 @@
                 <a:ea typeface="ヒラギノ角ゴ ProN W3" charset="0"/>
                 <a:cs typeface="ヒラギノ角ゴ ProN W3" charset="0"/>
               </a:rPr>
-              <a:t>Both platforms provide utilities for type conversion, both JS &gt;&gt; Native Classes and Native Classes &gt;&gt; JS</a:t>
+              <a:t>Creating a module:</a:t>
+            </a:r>
+          </a:p>
+          <a:p>
+            <a:pPr lvl="1" eaLnBrk="1" hangingPunct="1">
+              <a:buFont typeface="Arial"/>
+              <a:buChar char="•"/>
+            </a:pPr>
+            <a:r>
+              <a:rPr lang="en-US" dirty="0" smtClean="0">
+                <a:latin typeface="Trebuchet MS" charset="0"/>
+                <a:ea typeface="ヒラギノ角ゴ ProN W3" charset="0"/>
+                <a:cs typeface="ヒラギノ角ゴ ProN W3" charset="0"/>
+              </a:rPr>
+              <a:t> </a:t>
+            </a:r>
+            <a:r>
+              <a:rPr lang="en-US" dirty="0" err="1" smtClean="0">
+                <a:latin typeface="Trebuchet MS" charset="0"/>
+                <a:ea typeface="ヒラギノ角ゴ ProN W3" charset="0"/>
+                <a:cs typeface="ヒラギノ角ゴ ProN W3" charset="0"/>
+              </a:rPr>
+              <a:t>TiStudio</a:t>
+            </a:r>
+            <a:r>
+              <a:rPr lang="en-US" dirty="0" smtClean="0">
+                <a:latin typeface="Trebuchet MS" charset="0"/>
+                <a:ea typeface="ヒラギノ角ゴ ProN W3" charset="0"/>
+                <a:cs typeface="ヒラギノ角ゴ ProN W3" charset="0"/>
+              </a:rPr>
+              <a:t> 1.0.7 – Choose File, New, Ti Mobile Module Project</a:t>
+            </a:r>
+          </a:p>
+          <a:p>
+            <a:pPr lvl="1" eaLnBrk="1" hangingPunct="1">
+              <a:buFont typeface="Arial"/>
+              <a:buChar char="•"/>
+            </a:pPr>
+            <a:r>
+              <a:rPr lang="en-US" dirty="0">
+                <a:latin typeface="Trebuchet MS" charset="0"/>
+                <a:ea typeface="ヒラギノ角ゴ ProN W3" charset="0"/>
+                <a:cs typeface="ヒラギノ角ゴ ProN W3" charset="0"/>
+              </a:rPr>
+              <a:t> </a:t>
+            </a:r>
+            <a:r>
+              <a:rPr lang="en-US" dirty="0" smtClean="0">
+                <a:latin typeface="Trebuchet MS" charset="0"/>
+                <a:ea typeface="ヒラギノ角ゴ ProN W3" charset="0"/>
+                <a:cs typeface="ヒラギノ角ゴ ProN W3" charset="0"/>
+              </a:rPr>
+              <a:t>Command line – use </a:t>
+            </a:r>
+            <a:r>
+              <a:rPr lang="en-US" dirty="0" err="1" smtClean="0">
+                <a:latin typeface="Trebuchet MS" charset="0"/>
+                <a:ea typeface="ヒラギノ角ゴ ProN W3" charset="0"/>
+                <a:cs typeface="ヒラギノ角ゴ ProN W3" charset="0"/>
+              </a:rPr>
+              <a:t>titanium.py</a:t>
+            </a:r>
+            <a:r>
+              <a:rPr lang="en-US" dirty="0" smtClean="0">
+                <a:latin typeface="Trebuchet MS" charset="0"/>
+                <a:ea typeface="ヒラギノ角ゴ ProN W3" charset="0"/>
+                <a:cs typeface="ヒラギノ角ゴ ProN W3" charset="0"/>
+              </a:rPr>
+              <a:t> in SDK download folder)</a:t>
             </a:r>
           </a:p>
           <a:p>
@@ -15827,7 +18011,7 @@
                 <a:ea typeface="ヒラギノ角ゴ ProN W3" charset="0"/>
                 <a:cs typeface="ヒラギノ角ゴ ProN W3" charset="0"/>
               </a:rPr>
-              <a:t>Some simple types like Strings and Booleans auto convert</a:t>
+              <a:t>Android modules are done in Eclipse</a:t>
             </a:r>
           </a:p>
           <a:p>
@@ -15846,11 +18030,86 @@
                 <a:ea typeface="ヒラギノ角ゴ ProN W3" charset="0"/>
                 <a:cs typeface="ヒラギノ角ゴ ProN W3" charset="0"/>
               </a:rPr>
-              <a:t>Check other module implementations for type conversion examples</a:t>
-            </a:r>
+              <a:t>iOS modules are done in </a:t>
+            </a:r>
+            <a:r>
+              <a:rPr lang="en-US" dirty="0" err="1" smtClean="0">
+                <a:latin typeface="Trebuchet MS" charset="0"/>
+                <a:ea typeface="ヒラギノ角ゴ ProN W3" charset="0"/>
+                <a:cs typeface="ヒラギノ角ゴ ProN W3" charset="0"/>
+              </a:rPr>
+              <a:t>Xcode</a:t>
+            </a:r>
+            <a:endParaRPr lang="en-US" dirty="0" smtClean="0">
+              <a:latin typeface="Trebuchet MS" charset="0"/>
+              <a:ea typeface="ヒラギノ角ゴ ProN W3" charset="0"/>
+              <a:cs typeface="ヒラギノ角ゴ ProN W3" charset="0"/>
+            </a:endParaRPr>
           </a:p>
           <a:p>
             <a:pPr eaLnBrk="1" hangingPunct="1"/>
+            <a:endParaRPr lang="en-US" dirty="0" smtClean="0">
+              <a:latin typeface="Trebuchet MS" charset="0"/>
+              <a:ea typeface="ヒラギノ角ゴ ProN W3" charset="0"/>
+              <a:cs typeface="ヒラギノ角ゴ ProN W3" charset="0"/>
+            </a:endParaRPr>
+          </a:p>
+          <a:p>
+            <a:pPr eaLnBrk="1" hangingPunct="1"/>
+            <a:r>
+              <a:rPr lang="en-US" dirty="0" smtClean="0">
+                <a:latin typeface="Trebuchet MS" charset="0"/>
+                <a:ea typeface="ヒラギノ角ゴ ProN W3" charset="0"/>
+                <a:cs typeface="ヒラギノ角ゴ ProN W3" charset="0"/>
+              </a:rPr>
+              <a:t>Packaging a </a:t>
+            </a:r>
+            <a:r>
+              <a:rPr lang="en-US" dirty="0">
+                <a:latin typeface="Trebuchet MS" charset="0"/>
+                <a:ea typeface="ヒラギノ角ゴ ProN W3" charset="0"/>
+                <a:cs typeface="ヒラギノ角ゴ ProN W3" charset="0"/>
+              </a:rPr>
+              <a:t>module:</a:t>
+            </a:r>
+          </a:p>
+          <a:p>
+            <a:pPr lvl="1" eaLnBrk="1" hangingPunct="1">
+              <a:buFont typeface="Arial"/>
+              <a:buChar char="•"/>
+            </a:pPr>
+            <a:r>
+              <a:rPr lang="en-US" dirty="0">
+                <a:latin typeface="Trebuchet MS" charset="0"/>
+                <a:ea typeface="ヒラギノ角ゴ ProN W3" charset="0"/>
+                <a:cs typeface="ヒラギノ角ゴ ProN W3" charset="0"/>
+              </a:rPr>
+              <a:t> </a:t>
+            </a:r>
+            <a:r>
+              <a:rPr lang="en-US" dirty="0" err="1">
+                <a:latin typeface="Trebuchet MS" charset="0"/>
+                <a:ea typeface="ヒラギノ角ゴ ProN W3" charset="0"/>
+                <a:cs typeface="ヒラギノ角ゴ ProN W3" charset="0"/>
+              </a:rPr>
+              <a:t>TiStudio</a:t>
+            </a:r>
+            <a:r>
+              <a:rPr lang="en-US" dirty="0">
+                <a:latin typeface="Trebuchet MS" charset="0"/>
+                <a:ea typeface="ヒラギノ角ゴ ProN W3" charset="0"/>
+                <a:cs typeface="ヒラギノ角ゴ ProN W3" charset="0"/>
+              </a:rPr>
+              <a:t> 1.0.7 – </a:t>
+            </a:r>
+            <a:r>
+              <a:rPr lang="en-US" dirty="0" smtClean="0">
+                <a:latin typeface="Trebuchet MS" charset="0"/>
+                <a:ea typeface="ヒラギノ角ゴ ProN W3" charset="0"/>
+                <a:cs typeface="ヒラギノ角ゴ ProN W3" charset="0"/>
+              </a:rPr>
+              <a:t>Click Packaging icon, choose Package</a:t>
+            </a:r>
             <a:endParaRPr lang="en-US" dirty="0">
               <a:latin typeface="Trebuchet MS" charset="0"/>
               <a:ea typeface="ヒラギノ角ゴ ProN W3" charset="0"/>
@@ -15858,7 +18117,56 @@
             </a:endParaRPr>
           </a:p>
           <a:p>
-            <a:pPr eaLnBrk="1" hangingPunct="1"/>
+            <a:pPr lvl="1" eaLnBrk="1" hangingPunct="1">
+              <a:buFont typeface="Arial"/>
+              <a:buChar char="•"/>
+            </a:pPr>
+            <a:r>
+              <a:rPr lang="en-US" dirty="0">
+                <a:latin typeface="Trebuchet MS" charset="0"/>
+                <a:ea typeface="ヒラギノ角ゴ ProN W3" charset="0"/>
+                <a:cs typeface="ヒラギノ角ゴ ProN W3" charset="0"/>
+              </a:rPr>
+              <a:t> Command line – use </a:t>
+            </a:r>
+            <a:r>
+              <a:rPr lang="en-US" dirty="0" err="1" smtClean="0">
+                <a:latin typeface="Trebuchet MS" charset="0"/>
+                <a:ea typeface="ヒラギノ角ゴ ProN W3" charset="0"/>
+                <a:cs typeface="ヒラギノ角ゴ ProN W3" charset="0"/>
+              </a:rPr>
+              <a:t>titanium.py</a:t>
+            </a:r>
+            <a:r>
+              <a:rPr lang="en-US" dirty="0" smtClean="0">
+                <a:latin typeface="Trebuchet MS" charset="0"/>
+                <a:ea typeface="ヒラギノ角ゴ ProN W3" charset="0"/>
+                <a:cs typeface="ヒラギノ角ゴ ProN W3" charset="0"/>
+              </a:rPr>
+              <a:t>)</a:t>
+            </a:r>
+          </a:p>
+          <a:p>
+            <a:pPr lvl="1" eaLnBrk="1" hangingPunct="1">
+              <a:buFont typeface="Arial"/>
+              <a:buChar char="•"/>
+            </a:pPr>
+            <a:r>
+              <a:rPr lang="en-US" dirty="0">
+                <a:latin typeface="Trebuchet MS" charset="0"/>
+                <a:ea typeface="ヒラギノ角ゴ ProN W3" charset="0"/>
+                <a:cs typeface="ヒラギノ角ゴ ProN W3" charset="0"/>
+              </a:rPr>
+              <a:t> </a:t>
+            </a:r>
+            <a:r>
+              <a:rPr lang="en-US" dirty="0" smtClean="0">
+                <a:latin typeface="Trebuchet MS" charset="0"/>
+                <a:ea typeface="ヒラギノ角ゴ ProN W3" charset="0"/>
+                <a:cs typeface="ヒラギノ角ゴ ProN W3" charset="0"/>
+              </a:rPr>
+              <a:t>Either builds a package .zip</a:t>
+            </a:r>
             <a:endParaRPr lang="en-US" dirty="0">
               <a:latin typeface="Trebuchet MS" charset="0"/>
               <a:ea typeface="ヒラギノ角ゴ ProN W3" charset="0"/>
@@ -16050,7 +18358,7 @@
     </p:spTree>
     <p:extLst>
       <p:ext uri="{BB962C8B-B14F-4D97-AF65-F5344CB8AC3E}">
-        <p14:creationId xmlns:p14="http://schemas.microsoft.com/office/powerpoint/2010/main" val="1669292270"/>
+        <p14:creationId xmlns:p14="http://schemas.microsoft.com/office/powerpoint/2010/main" val="2963248791"/>
       </p:ext>
     </p:extLst>
   </p:cSld>
@@ -16274,7 +18582,7 @@
                 <a:ea typeface="ヒラギノ角ゴ ProN W6" charset="0"/>
                 <a:cs typeface="ヒラギノ角ゴ ProN W6" charset="0"/>
               </a:rPr>
-              <a:t>Building your Module</a:t>
+              <a:t>Distributing your Module</a:t>
             </a:r>
             <a:endParaRPr lang="en-US" dirty="0">
               <a:latin typeface="Trebuchet MS Bold" charset="0"/>
@@ -16311,81 +18619,8 @@
                 <a:ea typeface="ヒラギノ角ゴ ProN W3" charset="0"/>
                 <a:cs typeface="ヒラギノ角ゴ ProN W3" charset="0"/>
               </a:rPr>
-              <a:t>Creating a module:</a:t>
-            </a:r>
-          </a:p>
-          <a:p>
-            <a:pPr lvl="1" eaLnBrk="1" hangingPunct="1">
-              <a:buFont typeface="Arial"/>
-              <a:buChar char="•"/>
-            </a:pPr>
-            <a:r>
-              <a:rPr lang="en-US" dirty="0" smtClean="0">
-                <a:latin typeface="Trebuchet MS" charset="0"/>
-                <a:ea typeface="ヒラギノ角ゴ ProN W3" charset="0"/>
-                <a:cs typeface="ヒラギノ角ゴ ProN W3" charset="0"/>
-              </a:rPr>
-              <a:t> </a:t>
-            </a:r>
-            <a:r>
-              <a:rPr lang="en-US" dirty="0" err="1" smtClean="0">
-                <a:latin typeface="Trebuchet MS" charset="0"/>
-                <a:ea typeface="ヒラギノ角ゴ ProN W3" charset="0"/>
-                <a:cs typeface="ヒラギノ角ゴ ProN W3" charset="0"/>
-              </a:rPr>
-              <a:t>TiStudio</a:t>
-            </a:r>
-            <a:r>
-              <a:rPr lang="en-US" dirty="0" smtClean="0">
-                <a:latin typeface="Trebuchet MS" charset="0"/>
-                <a:ea typeface="ヒラギノ角ゴ ProN W3" charset="0"/>
-                <a:cs typeface="ヒラギノ角ゴ ProN W3" charset="0"/>
-              </a:rPr>
-              <a:t> 1.0.7 – Choose File, New, Ti Mobile Module Project</a:t>
-            </a:r>
-          </a:p>
-          <a:p>
-            <a:pPr lvl="1" eaLnBrk="1" hangingPunct="1">
-              <a:buFont typeface="Arial"/>
-              <a:buChar char="•"/>
-            </a:pPr>
-            <a:r>
-              <a:rPr lang="en-US" dirty="0">
-                <a:latin typeface="Trebuchet MS" charset="0"/>
-                <a:ea typeface="ヒラギノ角ゴ ProN W3" charset="0"/>
-                <a:cs typeface="ヒラギノ角ゴ ProN W3" charset="0"/>
-              </a:rPr>
-              <a:t> </a:t>
-            </a:r>
-            <a:r>
-              <a:rPr lang="en-US" dirty="0" smtClean="0">
-                <a:latin typeface="Trebuchet MS" charset="0"/>
-                <a:ea typeface="ヒラギノ角ゴ ProN W3" charset="0"/>
-                <a:cs typeface="ヒラギノ角ゴ ProN W3" charset="0"/>
-              </a:rPr>
-              <a:t>Command line – use </a:t>
-            </a:r>
-            <a:r>
-              <a:rPr lang="en-US" dirty="0" err="1" smtClean="0">
-                <a:latin typeface="Trebuchet MS" charset="0"/>
-                <a:ea typeface="ヒラギノ角ゴ ProN W3" charset="0"/>
-                <a:cs typeface="ヒラギノ角ゴ ProN W3" charset="0"/>
-              </a:rPr>
-              <a:t>titanium.py</a:t>
-            </a:r>
-            <a:r>
-              <a:rPr lang="en-US" dirty="0" smtClean="0">
-                <a:latin typeface="Trebuchet MS" charset="0"/>
-                <a:ea typeface="ヒラギノ角ゴ ProN W3" charset="0"/>
-                <a:cs typeface="ヒラギノ角ゴ ProN W3" charset="0"/>
-              </a:rPr>
-              <a:t> in SDK download folder)</a:t>
-            </a:r>
-            <a:endParaRPr lang="en-US" dirty="0" smtClean="0">
-              <a:latin typeface="Trebuchet MS" charset="0"/>
-              <a:ea typeface="ヒラギノ角ゴ ProN W3" charset="0"/>
-              <a:cs typeface="ヒラギノ角ゴ ProN W3" charset="0"/>
-            </a:endParaRPr>
+              <a:t>Once your .zip file is generated for your module, can distribute on disk, over the web, whatever</a:t>
+            </a:r>
           </a:p>
           <a:p>
             <a:pPr eaLnBrk="1" hangingPunct="1"/>
@@ -16403,7 +18638,23 @@
                 <a:ea typeface="ヒラギノ角ゴ ProN W3" charset="0"/>
                 <a:cs typeface="ヒラギノ角ゴ ProN W3" charset="0"/>
               </a:rPr>
-              <a:t>Android modules are done in Eclipse</a:t>
+              <a:t>Explode your module .zip file and copy into &lt;Project Root&gt;/modules/&lt;android or </a:t>
+            </a:r>
+            <a:r>
+              <a:rPr lang="en-US" dirty="0" err="1" smtClean="0">
+                <a:latin typeface="Trebuchet MS" charset="0"/>
+                <a:ea typeface="ヒラギノ角ゴ ProN W3" charset="0"/>
+                <a:cs typeface="ヒラギノ角ゴ ProN W3" charset="0"/>
+              </a:rPr>
+              <a:t>iphone</a:t>
+            </a:r>
+            <a:r>
+              <a:rPr lang="en-US" dirty="0" smtClean="0">
+                <a:latin typeface="Trebuchet MS" charset="0"/>
+                <a:ea typeface="ヒラギノ角ゴ ProN W3" charset="0"/>
+                <a:cs typeface="ヒラギノ角ゴ ProN W3" charset="0"/>
+              </a:rPr>
+              <a:t>&gt;/&lt;your module name&gt;</a:t>
             </a:r>
           </a:p>
           <a:p>
@@ -16422,7 +18673,7 @@
                 <a:ea typeface="ヒラギノ角ゴ ProN W3" charset="0"/>
                 <a:cs typeface="ヒラギノ角ゴ ProN W3" charset="0"/>
               </a:rPr>
-              <a:t>iOS modules are done in </a:t>
+              <a:t>Include in </a:t>
             </a:r>
             <a:r>
               <a:rPr lang="en-US" dirty="0" err="1" smtClean="0">
@@ -16430,78 +18681,19 @@
                 <a:ea typeface="ヒラギノ角ゴ ProN W3" charset="0"/>
                 <a:cs typeface="ヒラギノ角ゴ ProN W3" charset="0"/>
               </a:rPr>
-              <a:t>Xcode</a:t>
-            </a:r>
-            <a:endParaRPr lang="en-US" dirty="0" smtClean="0">
-              <a:latin typeface="Trebuchet MS" charset="0"/>
-              <a:ea typeface="ヒラギノ角ゴ ProN W3" charset="0"/>
-              <a:cs typeface="ヒラギノ角ゴ ProN W3" charset="0"/>
-            </a:endParaRPr>
-          </a:p>
-          <a:p>
-            <a:pPr eaLnBrk="1" hangingPunct="1"/>
-            <a:endParaRPr lang="en-US" dirty="0" smtClean="0">
-              <a:latin typeface="Trebuchet MS" charset="0"/>
-              <a:ea typeface="ヒラギノ角ゴ ProN W3" charset="0"/>
-              <a:cs typeface="ヒラギノ角ゴ ProN W3" charset="0"/>
-            </a:endParaRPr>
-          </a:p>
-          <a:p>
-            <a:pPr eaLnBrk="1" hangingPunct="1"/>
+              <a:t>tiapp.xml</a:t>
+            </a:r>
             <a:r>
               <a:rPr lang="en-US" dirty="0" smtClean="0">
                 <a:latin typeface="Trebuchet MS" charset="0"/>
                 <a:ea typeface="ヒラギノ角ゴ ProN W3" charset="0"/>
                 <a:cs typeface="ヒラギノ角ゴ ProN W3" charset="0"/>
               </a:rPr>
-              <a:t>Packaging a </a:t>
-            </a:r>
-            <a:r>
-              <a:rPr lang="en-US" dirty="0">
-                <a:latin typeface="Trebuchet MS" charset="0"/>
-                <a:ea typeface="ヒラギノ角ゴ ProN W3" charset="0"/>
-                <a:cs typeface="ヒラギノ角ゴ ProN W3" charset="0"/>
-              </a:rPr>
-              <a:t>module:</a:t>
-            </a:r>
-          </a:p>
-          <a:p>
-            <a:pPr lvl="1" eaLnBrk="1" hangingPunct="1">
-              <a:buFont typeface="Arial"/>
-              <a:buChar char="•"/>
-            </a:pPr>
-            <a:r>
-              <a:rPr lang="en-US" dirty="0">
-                <a:latin typeface="Trebuchet MS" charset="0"/>
-                <a:ea typeface="ヒラギノ角ゴ ProN W3" charset="0"/>
-                <a:cs typeface="ヒラギノ角ゴ ProN W3" charset="0"/>
-              </a:rPr>
-              <a:t> </a:t>
-            </a:r>
-            <a:r>
-              <a:rPr lang="en-US" dirty="0" err="1">
-                <a:latin typeface="Trebuchet MS" charset="0"/>
-                <a:ea typeface="ヒラギノ角ゴ ProN W3" charset="0"/>
-                <a:cs typeface="ヒラギノ角ゴ ProN W3" charset="0"/>
-              </a:rPr>
-              <a:t>TiStudio</a:t>
-            </a:r>
-            <a:r>
-              <a:rPr lang="en-US" dirty="0">
-                <a:latin typeface="Trebuchet MS" charset="0"/>
-                <a:ea typeface="ヒラギノ角ゴ ProN W3" charset="0"/>
-                <a:cs typeface="ヒラギノ角ゴ ProN W3" charset="0"/>
-              </a:rPr>
-              <a:t> 1.0.7 – </a:t>
-            </a:r>
-            <a:r>
-              <a:rPr lang="en-US" dirty="0" smtClean="0">
-                <a:latin typeface="Trebuchet MS" charset="0"/>
-                <a:ea typeface="ヒラギノ角ゴ ProN W3" charset="0"/>
-                <a:cs typeface="ヒラギノ角ゴ ProN W3" charset="0"/>
-              </a:rPr>
-              <a:t>Click Packaging icon, choose Package</a:t>
-            </a:r>
+              <a:t> configuration</a:t>
+            </a:r>
+          </a:p>
+          <a:p>
+            <a:pPr eaLnBrk="1" hangingPunct="1"/>
             <a:endParaRPr lang="en-US" dirty="0">
               <a:latin typeface="Trebuchet MS" charset="0"/>
               <a:ea typeface="ヒラギノ角ゴ ProN W3" charset="0"/>
@@ -16509,55 +18701,14 @@
             </a:endParaRPr>
           </a:p>
           <a:p>
-            <a:pPr lvl="1" eaLnBrk="1" hangingPunct="1">
-              <a:buFont typeface="Arial"/>
-              <a:buChar char="•"/>
-            </a:pPr>
-            <a:r>
-              <a:rPr lang="en-US" dirty="0">
+            <a:pPr eaLnBrk="1" hangingPunct="1"/>
+            <a:r>
+              <a:rPr lang="en-US" dirty="0" smtClean="0">
                 <a:latin typeface="Trebuchet MS" charset="0"/>
                 <a:ea typeface="ヒラギノ角ゴ ProN W3" charset="0"/>
                 <a:cs typeface="ヒラギノ角ゴ ProN W3" charset="0"/>
               </a:rPr>
-              <a:t> Command line – use </a:t>
-            </a:r>
-            <a:r>
-              <a:rPr lang="en-US" dirty="0" err="1" smtClean="0">
-                <a:latin typeface="Trebuchet MS" charset="0"/>
-                <a:ea typeface="ヒラギノ角ゴ ProN W3" charset="0"/>
-                <a:cs typeface="ヒラギノ角ゴ ProN W3" charset="0"/>
-              </a:rPr>
-              <a:t>titanium.py</a:t>
-            </a:r>
-            <a:r>
-              <a:rPr lang="en-US" dirty="0" smtClean="0">
-                <a:latin typeface="Trebuchet MS" charset="0"/>
-                <a:ea typeface="ヒラギノ角ゴ ProN W3" charset="0"/>
-                <a:cs typeface="ヒラギノ角ゴ ProN W3" charset="0"/>
-              </a:rPr>
-              <a:t>)</a:t>
-            </a:r>
-          </a:p>
-          <a:p>
-            <a:pPr lvl="1" eaLnBrk="1" hangingPunct="1">
-              <a:buFont typeface="Arial"/>
-              <a:buChar char="•"/>
-            </a:pPr>
-            <a:r>
-              <a:rPr lang="en-US" dirty="0">
-                <a:latin typeface="Trebuchet MS" charset="0"/>
-                <a:ea typeface="ヒラギノ角ゴ ProN W3" charset="0"/>
-                <a:cs typeface="ヒラギノ角ゴ ProN W3" charset="0"/>
-              </a:rPr>
-              <a:t> </a:t>
-            </a:r>
-            <a:r>
-              <a:rPr lang="en-US" dirty="0" smtClean="0">
-                <a:latin typeface="Trebuchet MS" charset="0"/>
-                <a:ea typeface="ヒラギノ角ゴ ProN W3" charset="0"/>
-                <a:cs typeface="ヒラギノ角ゴ ProN W3" charset="0"/>
-              </a:rPr>
-              <a:t>Either builds a package .zip</a:t>
+              <a:t>Include in JS via require()</a:t>
             </a:r>
             <a:endParaRPr lang="en-US" dirty="0">
               <a:latin typeface="Trebuchet MS" charset="0"/>
@@ -16750,7 +18901,7 @@
     </p:spTree>
     <p:extLst>
       <p:ext uri="{BB962C8B-B14F-4D97-AF65-F5344CB8AC3E}">
-        <p14:creationId xmlns:p14="http://schemas.microsoft.com/office/powerpoint/2010/main" val="2963248791"/>
+        <p14:creationId xmlns:p14="http://schemas.microsoft.com/office/powerpoint/2010/main" val="4151232707"/>
       </p:ext>
     </p:extLst>
   </p:cSld>
@@ -16974,7 +19125,7 @@
                 <a:ea typeface="ヒラギノ角ゴ ProN W6" charset="0"/>
                 <a:cs typeface="ヒラギノ角ゴ ProN W6" charset="0"/>
               </a:rPr>
-              <a:t>Distributing your Module</a:t>
+              <a:t>Resources</a:t>
             </a:r>
             <a:endParaRPr lang="en-US" dirty="0">
               <a:latin typeface="Trebuchet MS Bold" charset="0"/>
@@ -17011,7 +19162,23 @@
                 <a:ea typeface="ヒラギノ角ゴ ProN W3" charset="0"/>
                 <a:cs typeface="ヒラギノ角ゴ ProN W3" charset="0"/>
               </a:rPr>
-              <a:t>Once your .zip file is generated for your module, can distribute on disk, over the web, whatever</a:t>
+              <a:t>Platform specific module </a:t>
+            </a:r>
+            <a:r>
+              <a:rPr lang="en-US" dirty="0" err="1" smtClean="0">
+                <a:latin typeface="Trebuchet MS" charset="0"/>
+                <a:ea typeface="ヒラギノ角ゴ ProN W3" charset="0"/>
+                <a:cs typeface="ヒラギノ角ゴ ProN W3" charset="0"/>
+              </a:rPr>
+              <a:t>dev</a:t>
+            </a:r>
+            <a:r>
+              <a:rPr lang="en-US" dirty="0" smtClean="0">
+                <a:latin typeface="Trebuchet MS" charset="0"/>
+                <a:ea typeface="ヒラギノ角ゴ ProN W3" charset="0"/>
+                <a:cs typeface="ヒラギノ角ゴ ProN W3" charset="0"/>
+              </a:rPr>
+              <a:t> guides on wiki</a:t>
             </a:r>
           </a:p>
           <a:p>
@@ -17025,28 +19192,91 @@
           <a:p>
             <a:pPr eaLnBrk="1" hangingPunct="1"/>
             <a:r>
-              <a:rPr lang="en-US" dirty="0" smtClean="0">
+              <a:rPr lang="en-US" dirty="0">
                 <a:latin typeface="Trebuchet MS" charset="0"/>
                 <a:ea typeface="ヒラギノ角ゴ ProN W3" charset="0"/>
                 <a:cs typeface="ヒラギノ角ゴ ProN W3" charset="0"/>
               </a:rPr>
-              <a:t>Explode your module .zip file and copy into &lt;Project Root&gt;/modules/&lt;android or </a:t>
-            </a:r>
-            <a:r>
-              <a:rPr lang="en-US" dirty="0" err="1" smtClean="0">
+              <a:t>https://</a:t>
+            </a:r>
+            <a:r>
+              <a:rPr lang="en-US" dirty="0" err="1">
                 <a:latin typeface="Trebuchet MS" charset="0"/>
                 <a:ea typeface="ヒラギノ角ゴ ProN W3" charset="0"/>
                 <a:cs typeface="ヒラギノ角ゴ ProN W3" charset="0"/>
               </a:rPr>
-              <a:t>iphone</a:t>
-            </a:r>
-            <a:r>
-              <a:rPr lang="en-US" dirty="0" smtClean="0">
+              <a:t>github.com</a:t>
+            </a:r>
+            <a:r>
+              <a:rPr lang="en-US" dirty="0">
                 <a:latin typeface="Trebuchet MS" charset="0"/>
                 <a:ea typeface="ヒラギノ角ゴ ProN W3" charset="0"/>
                 <a:cs typeface="ヒラギノ角ゴ ProN W3" charset="0"/>
               </a:rPr>
-              <a:t>&gt;/&lt;your module name&gt;</a:t>
+              <a:t>/</a:t>
+            </a:r>
+            <a:r>
+              <a:rPr lang="en-US" dirty="0" err="1">
+                <a:latin typeface="Trebuchet MS" charset="0"/>
+                <a:ea typeface="ヒラギノ角ゴ ProN W3" charset="0"/>
+                <a:cs typeface="ヒラギノ角ゴ ProN W3" charset="0"/>
+              </a:rPr>
+              <a:t>appcelerator</a:t>
+            </a:r>
+            <a:r>
+              <a:rPr lang="en-US" dirty="0">
+                <a:latin typeface="Trebuchet MS" charset="0"/>
+                <a:ea typeface="ヒラギノ角ゴ ProN W3" charset="0"/>
+                <a:cs typeface="ヒラギノ角ゴ ProN W3" charset="0"/>
+              </a:rPr>
+              <a:t>/</a:t>
+            </a:r>
+            <a:r>
+              <a:rPr lang="en-US" dirty="0" err="1">
+                <a:latin typeface="Trebuchet MS" charset="0"/>
+                <a:ea typeface="ヒラギノ角ゴ ProN W3" charset="0"/>
+                <a:cs typeface="ヒラギノ角ゴ ProN W3" charset="0"/>
+              </a:rPr>
+              <a:t>titanium_modules</a:t>
+            </a:r>
+            <a:r>
+              <a:rPr lang="en-US" dirty="0" smtClean="0">
+                <a:latin typeface="Trebuchet MS" charset="0"/>
+                <a:ea typeface="ヒラギノ角ゴ ProN W3" charset="0"/>
+                <a:cs typeface="ヒラギノ角ゴ ProN W3" charset="0"/>
+              </a:rPr>
+              <a:t>/</a:t>
+            </a:r>
+            <a:br>
+              <a:rPr lang="en-US" dirty="0" smtClean="0">
+                <a:latin typeface="Trebuchet MS" charset="0"/>
+                <a:ea typeface="ヒラギノ角ゴ ProN W3" charset="0"/>
+                <a:cs typeface="ヒラギノ角ゴ ProN W3" charset="0"/>
+              </a:rPr>
+            </a:br>
+            <a:r>
+              <a:rPr lang="en-US" dirty="0" smtClean="0">
+                <a:latin typeface="Trebuchet MS" charset="0"/>
+                <a:ea typeface="ヒラギノ角ゴ ProN W3" charset="0"/>
+                <a:cs typeface="ヒラギノ角ゴ ProN W3" charset="0"/>
+              </a:rPr>
+              <a:t>--&gt; see the </a:t>
+            </a:r>
+            <a:r>
+              <a:rPr lang="en-US" dirty="0" err="1" smtClean="0">
+                <a:latin typeface="Trebuchet MS" charset="0"/>
+                <a:ea typeface="ヒラギノ角ゴ ProN W3" charset="0"/>
+                <a:cs typeface="ヒラギノ角ゴ ProN W3" charset="0"/>
+              </a:rPr>
+              <a:t>moddevguide</a:t>
+            </a:r>
+            <a:r>
+              <a:rPr lang="en-US" dirty="0" smtClean="0">
+                <a:latin typeface="Trebuchet MS" charset="0"/>
+                <a:ea typeface="ヒラギノ角ゴ ProN W3" charset="0"/>
+                <a:cs typeface="ヒラギノ角ゴ ProN W3" charset="0"/>
+              </a:rPr>
+              <a:t> </a:t>
             </a:r>
           </a:p>
           <a:p>
@@ -17060,20 +19290,20 @@
           <a:p>
             <a:pPr eaLnBrk="1" hangingPunct="1"/>
             <a:r>
-              <a:rPr lang="en-US" dirty="0" smtClean="0">
+              <a:rPr lang="en-US" dirty="0">
                 <a:latin typeface="Trebuchet MS" charset="0"/>
                 <a:ea typeface="ヒラギノ角ゴ ProN W3" charset="0"/>
                 <a:cs typeface="ヒラギノ角ゴ ProN W3" charset="0"/>
               </a:rPr>
-              <a:t>Include in </a:t>
-            </a:r>
-            <a:r>
-              <a:rPr lang="en-US" dirty="0" err="1" smtClean="0">
+              <a:t>https://</a:t>
+            </a:r>
+            <a:r>
+              <a:rPr lang="en-US" dirty="0" err="1">
                 <a:latin typeface="Trebuchet MS" charset="0"/>
                 <a:ea typeface="ヒラギノ角ゴ ProN W3" charset="0"/>
                 <a:cs typeface="ヒラギノ角ゴ ProN W3" charset="0"/>
               </a:rPr>
-              <a:t>tiapp.xml</a:t>
+              <a:t>github.com</a:t>
             </a:r>
             <a:r>
               <a:rPr lang="en-US" dirty="0" smtClean="0">
@@ -17081,8 +19311,21 @@
                 <a:ea typeface="ヒラギノ角ゴ ProN W3" charset="0"/>
                 <a:cs typeface="ヒラギノ角ゴ ProN W3" charset="0"/>
               </a:rPr>
-              <a:t> configuration</a:t>
-            </a:r>
+              <a:t>/appcelerator/</a:t>
+            </a:r>
+            <a:r>
+              <a:rPr lang="en-US" dirty="0" err="1" smtClean="0">
+                <a:latin typeface="Trebuchet MS" charset="0"/>
+                <a:ea typeface="ヒラギノ角ゴ ProN W3" charset="0"/>
+                <a:cs typeface="ヒラギノ角ゴ ProN W3" charset="0"/>
+              </a:rPr>
+              <a:t>titanium_mobile</a:t>
+            </a:r>
+            <a:endParaRPr lang="en-US" dirty="0" smtClean="0">
+              <a:latin typeface="Trebuchet MS" charset="0"/>
+              <a:ea typeface="ヒラギノ角ゴ ProN W3" charset="0"/>
+              <a:cs typeface="ヒラギノ角ゴ ProN W3" charset="0"/>
+            </a:endParaRPr>
           </a:p>
           <a:p>
             <a:pPr eaLnBrk="1" hangingPunct="1"/>
@@ -17100,7 +19343,26 @@
                 <a:ea typeface="ヒラギノ角ゴ ProN W3" charset="0"/>
                 <a:cs typeface="ヒラギノ角ゴ ProN W3" charset="0"/>
               </a:rPr>
-              <a:t>Include in JS via require()</a:t>
+              <a:t>Again, best resource is existing core Ti modules</a:t>
+            </a:r>
+          </a:p>
+          <a:p>
+            <a:pPr eaLnBrk="1" hangingPunct="1"/>
+            <a:endParaRPr lang="en-US" dirty="0">
+              <a:latin typeface="Trebuchet MS" charset="0"/>
+              <a:ea typeface="ヒラギノ角ゴ ProN W3" charset="0"/>
+              <a:cs typeface="ヒラギノ角ゴ ProN W3" charset="0"/>
+            </a:endParaRPr>
+          </a:p>
+          <a:p>
+            <a:pPr eaLnBrk="1" hangingPunct="1"/>
+            <a:r>
+              <a:rPr lang="en-US" dirty="0" smtClean="0">
+                <a:latin typeface="Trebuchet MS" charset="0"/>
+                <a:ea typeface="ヒラギノ角ゴ ProN W3" charset="0"/>
+                <a:cs typeface="ヒラギノ角ゴ ProN W3" charset="0"/>
+              </a:rPr>
+              <a:t>Anything core Titanium does, you can do in your module</a:t>
             </a:r>
             <a:endParaRPr lang="en-US" dirty="0">
               <a:latin typeface="Trebuchet MS" charset="0"/>
@@ -17293,7 +19555,7 @@
     </p:spTree>
     <p:extLst>
       <p:ext uri="{BB962C8B-B14F-4D97-AF65-F5344CB8AC3E}">
-        <p14:creationId xmlns:p14="http://schemas.microsoft.com/office/powerpoint/2010/main" val="4151232707"/>
+        <p14:creationId xmlns:p14="http://schemas.microsoft.com/office/powerpoint/2010/main" val="709819767"/>
       </p:ext>
     </p:extLst>
   </p:cSld>
@@ -17312,6 +19574,323 @@
 </file>
 
 <file path=ppt/slides/slide23.xml><?xml version="1.0" encoding="utf-8"?>
+<p:sld xmlns:a="http://schemas.openxmlformats.org/drawingml/2006/main" xmlns:r="http://schemas.openxmlformats.org/officeDocument/2006/relationships" xmlns:p="http://schemas.openxmlformats.org/presentationml/2006/main">
+  <p:cSld>
+    <p:spTree>
+      <p:nvGrpSpPr>
+        <p:cNvPr id="1" name=""/>
+        <p:cNvGrpSpPr/>
+        <p:nvPr/>
+      </p:nvGrpSpPr>
+      <p:grpSpPr>
+        <a:xfrm>
+          <a:off x="0" y="0"/>
+          <a:ext cx="0" cy="0"/>
+          <a:chOff x="0" y="0"/>
+          <a:chExt cx="0" cy="0"/>
+        </a:xfrm>
+      </p:grpSpPr>
+      <p:pic>
+        <p:nvPicPr>
+          <p:cNvPr id="16385" name="Picture 1"/>
+          <p:cNvPicPr>
+            <a:picLocks noChangeArrowheads="1"/>
+          </p:cNvPicPr>
+          <p:nvPr/>
+        </p:nvPicPr>
+        <p:blipFill>
+          <a:blip r:embed="rId3">
+            <a:extLst>
+              <a:ext uri="{28A0092B-C50C-407E-A947-70E740481C1C}">
+                <a14:useLocalDpi xmlns:a14="http://schemas.microsoft.com/office/drawing/2010/main" val="0"/>
+              </a:ext>
+            </a:extLst>
+          </a:blip>
+          <a:srcRect/>
+          <a:stretch>
+            <a:fillRect/>
+          </a:stretch>
+        </p:blipFill>
+        <p:spPr bwMode="auto">
+          <a:xfrm>
+            <a:off x="8505825" y="6311900"/>
+            <a:ext cx="442913" cy="357188"/>
+          </a:xfrm>
+          <a:prstGeom prst="rect">
+            <a:avLst/>
+          </a:prstGeom>
+          <a:noFill/>
+          <a:ln>
+            <a:noFill/>
+          </a:ln>
+          <a:extLst>
+            <a:ext uri="{909E8E84-426E-40dd-AFC4-6F175D3DCCD1}">
+              <a14:hiddenFill xmlns:a14="http://schemas.microsoft.com/office/drawing/2010/main">
+                <a:solidFill>
+                  <a:srgbClr val="FFFFFF"/>
+                </a:solidFill>
+              </a14:hiddenFill>
+            </a:ext>
+            <a:ext uri="{91240B29-F687-4f45-9708-019B960494DF}">
+              <a14:hiddenLine xmlns:a14="http://schemas.microsoft.com/office/drawing/2010/main" w="9525">
+                <a:solidFill>
+                  <a:srgbClr val="000000"/>
+                </a:solidFill>
+                <a:miter lim="800000"/>
+                <a:headEnd/>
+                <a:tailEnd/>
+              </a14:hiddenLine>
+            </a:ext>
+          </a:extLst>
+        </p:spPr>
+      </p:pic>
+      <p:sp>
+        <p:nvSpPr>
+          <p:cNvPr id="16386" name="Rectangle 5"/>
+          <p:cNvSpPr>
+            <a:spLocks noGrp="1" noChangeArrowheads="1"/>
+          </p:cNvSpPr>
+          <p:nvPr>
+            <p:ph type="ctrTitle" idx="4294967295"/>
+          </p:nvPr>
+        </p:nvSpPr>
+        <p:spPr>
+          <a:xfrm>
+            <a:off x="685800" y="2317750"/>
+            <a:ext cx="7772400" cy="1470025"/>
+          </a:xfrm>
+        </p:spPr>
+        <p:txBody>
+          <a:bodyPr rIns="81279"/>
+          <a:lstStyle/>
+          <a:p>
+            <a:pPr algn="ctr" eaLnBrk="1" hangingPunct="1"/>
+            <a:r>
+              <a:rPr lang="en-US" sz="3600" dirty="0" smtClean="0">
+                <a:solidFill>
+                  <a:srgbClr val="122956"/>
+                </a:solidFill>
+                <a:latin typeface="Trebuchet MS Bold Italic" charset="0"/>
+                <a:ea typeface="ヒラギノ角ゴ ProN W6" charset="0"/>
+                <a:cs typeface="ヒラギノ角ゴ ProN W6" charset="0"/>
+                <a:sym typeface="Trebuchet MS Bold Italic" charset="0"/>
+              </a:rPr>
+              <a:t>Q&amp;A</a:t>
+            </a:r>
+            <a:endParaRPr lang="en-US" sz="1400" dirty="0">
+              <a:solidFill>
+                <a:srgbClr val="122956"/>
+              </a:solidFill>
+              <a:latin typeface="Trebuchet MS Bold Italic" charset="0"/>
+              <a:ea typeface="ヒラギノ角ゴ ProN W6" charset="0"/>
+              <a:cs typeface="ヒラギノ角ゴ ProN W6" charset="0"/>
+              <a:sym typeface="Trebuchet MS Bold Italic" charset="0"/>
+            </a:endParaRPr>
+          </a:p>
+        </p:txBody>
+      </p:sp>
+      <p:sp>
+        <p:nvSpPr>
+          <p:cNvPr id="4" name="Slide Number Placeholder 5"/>
+          <p:cNvSpPr>
+            <a:spLocks noGrp="1"/>
+          </p:cNvSpPr>
+          <p:nvPr>
+            <p:ph type="sldNum" sz="quarter" idx="12"/>
+          </p:nvPr>
+        </p:nvSpPr>
+        <p:spPr bwMode="auto">
+          <a:xfrm>
+            <a:off x="203200" y="6400800"/>
+            <a:ext cx="2133600" cy="365125"/>
+          </a:xfrm>
+          <a:noFill/>
+          <a:extLst>
+            <a:ext uri="{909E8E84-426E-40dd-AFC4-6F175D3DCCD1}">
+              <a14:hiddenFill xmlns:a14="http://schemas.microsoft.com/office/drawing/2010/main">
+                <a:solidFill>
+                  <a:srgbClr val="FFFFFF"/>
+                </a:solidFill>
+              </a14:hiddenFill>
+            </a:ext>
+            <a:ext uri="{91240B29-F687-4f45-9708-019B960494DF}">
+              <a14:hiddenLine xmlns:a14="http://schemas.microsoft.com/office/drawing/2010/main" w="9525">
+                <a:solidFill>
+                  <a:srgbClr val="000000"/>
+                </a:solidFill>
+                <a:miter lim="800000"/>
+                <a:headEnd/>
+                <a:tailEnd/>
+              </a14:hiddenLine>
+            </a:ext>
+          </a:extLst>
+        </p:spPr>
+        <p:txBody>
+          <a:bodyPr vert="horz" wrap="square" lIns="91440" tIns="45720" rIns="91440" bIns="45720" numCol="1" anchor="ctr" anchorCtr="0" compatLnSpc="1">
+            <a:prstTxWarp prst="textNoShape">
+              <a:avLst/>
+            </a:prstTxWarp>
+          </a:bodyPr>
+          <a:lstStyle>
+            <a:lvl1pPr eaLnBrk="0" hangingPunct="0">
+              <a:defRPr sz="2400">
+                <a:solidFill>
+                  <a:schemeClr val="tx1"/>
+                </a:solidFill>
+                <a:latin typeface="Trebuchet MS" charset="0"/>
+                <a:ea typeface="ＭＳ Ｐゴシック" charset="0"/>
+                <a:cs typeface="ＭＳ Ｐゴシック" charset="0"/>
+              </a:defRPr>
+            </a:lvl1pPr>
+            <a:lvl2pPr marL="742950" indent="-285750" eaLnBrk="0" hangingPunct="0">
+              <a:defRPr sz="2400">
+                <a:solidFill>
+                  <a:schemeClr val="tx1"/>
+                </a:solidFill>
+                <a:latin typeface="Trebuchet MS" charset="0"/>
+                <a:ea typeface="ＭＳ Ｐゴシック" charset="0"/>
+              </a:defRPr>
+            </a:lvl2pPr>
+            <a:lvl3pPr marL="1143000" indent="-228600" eaLnBrk="0" hangingPunct="0">
+              <a:defRPr sz="2400">
+                <a:solidFill>
+                  <a:schemeClr val="tx1"/>
+                </a:solidFill>
+                <a:latin typeface="Trebuchet MS" charset="0"/>
+                <a:ea typeface="ＭＳ Ｐゴシック" charset="0"/>
+              </a:defRPr>
+            </a:lvl3pPr>
+            <a:lvl4pPr marL="1600200" indent="-228600" eaLnBrk="0" hangingPunct="0">
+              <a:defRPr sz="2400">
+                <a:solidFill>
+                  <a:schemeClr val="tx1"/>
+                </a:solidFill>
+                <a:latin typeface="Trebuchet MS" charset="0"/>
+                <a:ea typeface="ＭＳ Ｐゴシック" charset="0"/>
+              </a:defRPr>
+            </a:lvl4pPr>
+            <a:lvl5pPr marL="2057400" indent="-228600" eaLnBrk="0" hangingPunct="0">
+              <a:defRPr sz="2400">
+                <a:solidFill>
+                  <a:schemeClr val="tx1"/>
+                </a:solidFill>
+                <a:latin typeface="Trebuchet MS" charset="0"/>
+                <a:ea typeface="ＭＳ Ｐゴシック" charset="0"/>
+              </a:defRPr>
+            </a:lvl5pPr>
+            <a:lvl6pPr marL="2514600" indent="-228600" eaLnBrk="0" fontAlgn="base" hangingPunct="0">
+              <a:spcBef>
+                <a:spcPct val="0"/>
+              </a:spcBef>
+              <a:spcAft>
+                <a:spcPct val="0"/>
+              </a:spcAft>
+              <a:defRPr sz="2400">
+                <a:solidFill>
+                  <a:schemeClr val="tx1"/>
+                </a:solidFill>
+                <a:latin typeface="Trebuchet MS" charset="0"/>
+                <a:ea typeface="ＭＳ Ｐゴシック" charset="0"/>
+              </a:defRPr>
+            </a:lvl6pPr>
+            <a:lvl7pPr marL="2971800" indent="-228600" eaLnBrk="0" fontAlgn="base" hangingPunct="0">
+              <a:spcBef>
+                <a:spcPct val="0"/>
+              </a:spcBef>
+              <a:spcAft>
+                <a:spcPct val="0"/>
+              </a:spcAft>
+              <a:defRPr sz="2400">
+                <a:solidFill>
+                  <a:schemeClr val="tx1"/>
+                </a:solidFill>
+                <a:latin typeface="Trebuchet MS" charset="0"/>
+                <a:ea typeface="ＭＳ Ｐゴシック" charset="0"/>
+              </a:defRPr>
+            </a:lvl7pPr>
+            <a:lvl8pPr marL="3429000" indent="-228600" eaLnBrk="0" fontAlgn="base" hangingPunct="0">
+              <a:spcBef>
+                <a:spcPct val="0"/>
+              </a:spcBef>
+              <a:spcAft>
+                <a:spcPct val="0"/>
+              </a:spcAft>
+              <a:defRPr sz="2400">
+                <a:solidFill>
+                  <a:schemeClr val="tx1"/>
+                </a:solidFill>
+                <a:latin typeface="Trebuchet MS" charset="0"/>
+                <a:ea typeface="ＭＳ Ｐゴシック" charset="0"/>
+              </a:defRPr>
+            </a:lvl8pPr>
+            <a:lvl9pPr marL="3886200" indent="-228600" eaLnBrk="0" fontAlgn="base" hangingPunct="0">
+              <a:spcBef>
+                <a:spcPct val="0"/>
+              </a:spcBef>
+              <a:spcAft>
+                <a:spcPct val="0"/>
+              </a:spcAft>
+              <a:defRPr sz="2400">
+                <a:solidFill>
+                  <a:schemeClr val="tx1"/>
+                </a:solidFill>
+                <a:latin typeface="Trebuchet MS" charset="0"/>
+                <a:ea typeface="ＭＳ Ｐゴシック" charset="0"/>
+              </a:defRPr>
+            </a:lvl9pPr>
+          </a:lstStyle>
+          <a:p>
+            <a:pPr eaLnBrk="1" hangingPunct="1"/>
+            <a:r>
+              <a:rPr lang="en-US" sz="1200" b="1" dirty="0">
+                <a:solidFill>
+                  <a:srgbClr val="122956"/>
+                </a:solidFill>
+                <a:cs typeface="Trebuchet MS" charset="0"/>
+              </a:rPr>
+              <a:t>EXT-</a:t>
+            </a:r>
+            <a:fld id="{31B56995-E14C-B64F-86C9-12D6DB74A41E}" type="slidenum">
+              <a:rPr lang="en-US" sz="1200" b="1">
+                <a:solidFill>
+                  <a:srgbClr val="122956"/>
+                </a:solidFill>
+                <a:cs typeface="Trebuchet MS" charset="0"/>
+              </a:rPr>
+              <a:pPr eaLnBrk="1" hangingPunct="1"/>
+              <a:t>23</a:t>
+            </a:fld>
+            <a:endParaRPr lang="en-US" sz="1200" b="1" dirty="0">
+              <a:solidFill>
+                <a:srgbClr val="122956"/>
+              </a:solidFill>
+              <a:cs typeface="Trebuchet MS" charset="0"/>
+            </a:endParaRPr>
+          </a:p>
+        </p:txBody>
+      </p:sp>
+    </p:spTree>
+    <p:extLst>
+      <p:ext uri="{BB962C8B-B14F-4D97-AF65-F5344CB8AC3E}">
+        <p14:creationId xmlns:p14="http://schemas.microsoft.com/office/powerpoint/2010/main" val="3310131187"/>
+      </p:ext>
+    </p:extLst>
+  </p:cSld>
+  <p:clrMapOvr>
+    <a:masterClrMapping/>
+  </p:clrMapOvr>
+  <p:transition xmlns:p14="http://schemas.microsoft.com/office/powerpoint/2010/main" spd="slow"/>
+  <p:timing>
+    <p:tnLst>
+      <p:par>
+        <p:cTn xmlns:p14="http://schemas.microsoft.com/office/powerpoint/2010/main" id="1" dur="indefinite" restart="never" nodeType="tmRoot"/>
+      </p:par>
+    </p:tnLst>
+  </p:timing>
+</p:sld>
+</file>
+
+<file path=ppt/slides/slide24.xml><?xml version="1.0" encoding="utf-8"?>
 <p:sld xmlns:a="http://schemas.openxmlformats.org/drawingml/2006/main" xmlns:r="http://schemas.openxmlformats.org/officeDocument/2006/relationships" xmlns:p="http://schemas.openxmlformats.org/presentationml/2006/main">
   <p:cSld>
     <p:spTree>
@@ -17517,7 +20096,7 @@
                 <a:ea typeface="ヒラギノ角ゴ ProN W6" charset="0"/>
                 <a:cs typeface="ヒラギノ角ゴ ProN W6" charset="0"/>
               </a:rPr>
-              <a:t>Resources</a:t>
+              <a:t>Lab Goals</a:t>
             </a:r>
             <a:endParaRPr lang="en-US" dirty="0">
               <a:latin typeface="Trebuchet MS Bold" charset="0"/>
@@ -17554,7 +20133,7 @@
                 <a:ea typeface="ヒラギノ角ゴ ProN W3" charset="0"/>
                 <a:cs typeface="ヒラギノ角ゴ ProN W3" charset="0"/>
               </a:rPr>
-              <a:t>Platform specific module </a:t>
+              <a:t>Follow the steps in the </a:t>
             </a:r>
             <a:r>
               <a:rPr lang="en-US" dirty="0" err="1" smtClean="0">
@@ -17562,7 +20141,7 @@
                 <a:ea typeface="ヒラギノ角ゴ ProN W3" charset="0"/>
                 <a:cs typeface="ヒラギノ角ゴ ProN W3" charset="0"/>
               </a:rPr>
-              <a:t>dev</a:t>
+              <a:t>iOS</a:t>
             </a:r>
             <a:r>
               <a:rPr lang="en-US" dirty="0" smtClean="0">
@@ -17570,7 +20149,7 @@
                 <a:ea typeface="ヒラギノ角ゴ ProN W3" charset="0"/>
                 <a:cs typeface="ヒラギノ角ゴ ProN W3" charset="0"/>
               </a:rPr>
-              <a:t> guides on wiki</a:t>
+              <a:t> (or Android) module development wiki guide</a:t>
             </a:r>
           </a:p>
           <a:p>
@@ -17589,21 +20168,8 @@
                 <a:ea typeface="ヒラギノ角ゴ ProN W3" charset="0"/>
                 <a:cs typeface="ヒラギノ角ゴ ProN W3" charset="0"/>
               </a:rPr>
-              <a:t>github.com/appcelerator/</a:t>
-            </a:r>
-            <a:r>
-              <a:rPr lang="en-US" dirty="0" err="1" smtClean="0">
-                <a:latin typeface="Trebuchet MS" charset="0"/>
-                <a:ea typeface="ヒラギノ角ゴ ProN W3" charset="0"/>
-                <a:cs typeface="ヒラギノ角ゴ ProN W3" charset="0"/>
-              </a:rPr>
-              <a:t>titanium_mobile</a:t>
-            </a:r>
-            <a:endParaRPr lang="en-US" dirty="0" smtClean="0">
-              <a:latin typeface="Trebuchet MS" charset="0"/>
-              <a:ea typeface="ヒラギノ角ゴ ProN W3" charset="0"/>
-              <a:cs typeface="ヒラギノ角ゴ ProN W3" charset="0"/>
-            </a:endParaRPr>
+              <a:t>Create the sample module that guide describes</a:t>
+            </a:r>
           </a:p>
           <a:p>
             <a:pPr eaLnBrk="1" hangingPunct="1"/>
@@ -17621,26 +20187,7 @@
                 <a:ea typeface="ヒラギノ角ゴ ProN W3" charset="0"/>
                 <a:cs typeface="ヒラギノ角ゴ ProN W3" charset="0"/>
               </a:rPr>
-              <a:t>Again, best resource is existing core Ti modules</a:t>
-            </a:r>
-          </a:p>
-          <a:p>
-            <a:pPr eaLnBrk="1" hangingPunct="1"/>
-            <a:endParaRPr lang="en-US" dirty="0">
-              <a:latin typeface="Trebuchet MS" charset="0"/>
-              <a:ea typeface="ヒラギノ角ゴ ProN W3" charset="0"/>
-              <a:cs typeface="ヒラギノ角ゴ ProN W3" charset="0"/>
-            </a:endParaRPr>
-          </a:p>
-          <a:p>
-            <a:pPr eaLnBrk="1" hangingPunct="1"/>
-            <a:r>
-              <a:rPr lang="en-US" dirty="0" smtClean="0">
-                <a:latin typeface="Trebuchet MS" charset="0"/>
-                <a:ea typeface="ヒラギノ角ゴ ProN W3" charset="0"/>
-                <a:cs typeface="ヒラギノ角ゴ ProN W3" charset="0"/>
-              </a:rPr>
-              <a:t>Anything core Titanium does, you can do in your module</a:t>
+              <a:t>Use that module in a Titanium project</a:t>
             </a:r>
             <a:endParaRPr lang="en-US" dirty="0">
               <a:latin typeface="Trebuchet MS" charset="0"/>
@@ -17819,7 +20366,7 @@
                 <a:cs typeface="Trebuchet MS" charset="0"/>
               </a:rPr>
               <a:pPr eaLnBrk="1" hangingPunct="1"/>
-              <a:t>23</a:t>
+              <a:t>24</a:t>
             </a:fld>
             <a:endParaRPr lang="en-US" sz="1200" b="1" dirty="0">
               <a:solidFill>
@@ -17833,7 +20380,7 @@
     </p:spTree>
     <p:extLst>
       <p:ext uri="{BB962C8B-B14F-4D97-AF65-F5344CB8AC3E}">
-        <p14:creationId xmlns:p14="http://schemas.microsoft.com/office/powerpoint/2010/main" val="709819767"/>
+        <p14:creationId xmlns:p14="http://schemas.microsoft.com/office/powerpoint/2010/main" val="2807690464"/>
       </p:ext>
     </p:extLst>
   </p:cSld>
@@ -17851,7 +20398,7 @@
 </p:sld>
 </file>
 
-<file path=ppt/slides/slide24.xml><?xml version="1.0" encoding="utf-8"?>
+<file path=ppt/slides/slide25.xml><?xml version="1.0" encoding="utf-8"?>
 <p:sld xmlns:a="http://schemas.openxmlformats.org/drawingml/2006/main" xmlns:r="http://schemas.openxmlformats.org/officeDocument/2006/relationships" xmlns:p="http://schemas.openxmlformats.org/presentationml/2006/main">
   <p:cSld>
     <p:spTree>
@@ -17953,7 +20500,7 @@
                 <a:cs typeface="ヒラギノ角ゴ ProN W6" charset="0"/>
                 <a:sym typeface="Trebuchet MS Bold Italic" charset="0"/>
               </a:rPr>
-              <a:t>Q&amp;A</a:t>
+              <a:t>Lab</a:t>
             </a:r>
             <a:endParaRPr lang="en-US" sz="1400" dirty="0">
               <a:solidFill>
@@ -18120,7 +20667,7 @@
           <a:p>
             <a:pPr eaLnBrk="1" hangingPunct="1"/>
             <a:r>
-              <a:rPr lang="en-US" sz="1200" b="1" dirty="0">
+              <a:rPr lang="en-US" sz="1200" b="1">
                 <a:solidFill>
                   <a:srgbClr val="122956"/>
                 </a:solidFill>
@@ -18136,832 +20683,7 @@
                 <a:cs typeface="Trebuchet MS" charset="0"/>
               </a:rPr>
               <a:pPr eaLnBrk="1" hangingPunct="1"/>
-              <a:t>24</a:t>
-            </a:fld>
-            <a:endParaRPr lang="en-US" sz="1200" b="1" dirty="0">
-              <a:solidFill>
-                <a:srgbClr val="122956"/>
-              </a:solidFill>
-              <a:cs typeface="Trebuchet MS" charset="0"/>
-            </a:endParaRPr>
-          </a:p>
-        </p:txBody>
-      </p:sp>
-    </p:spTree>
-    <p:extLst>
-      <p:ext uri="{BB962C8B-B14F-4D97-AF65-F5344CB8AC3E}">
-        <p14:creationId xmlns:p14="http://schemas.microsoft.com/office/powerpoint/2010/main" val="3310131187"/>
-      </p:ext>
-    </p:extLst>
-  </p:cSld>
-  <p:clrMapOvr>
-    <a:masterClrMapping/>
-  </p:clrMapOvr>
-  <p:transition xmlns:p14="http://schemas.microsoft.com/office/powerpoint/2010/main" spd="slow"/>
-  <p:timing>
-    <p:tnLst>
-      <p:par>
-        <p:cTn xmlns:p14="http://schemas.microsoft.com/office/powerpoint/2010/main" id="1" dur="indefinite" restart="never" nodeType="tmRoot"/>
-      </p:par>
-    </p:tnLst>
-  </p:timing>
-</p:sld>
-</file>
-
-<file path=ppt/slides/slide25.xml><?xml version="1.0" encoding="utf-8"?>
-<p:sld xmlns:a="http://schemas.openxmlformats.org/drawingml/2006/main" xmlns:r="http://schemas.openxmlformats.org/officeDocument/2006/relationships" xmlns:p="http://schemas.openxmlformats.org/presentationml/2006/main">
-  <p:cSld>
-    <p:spTree>
-      <p:nvGrpSpPr>
-        <p:cNvPr id="1" name=""/>
-        <p:cNvGrpSpPr/>
-        <p:nvPr/>
-      </p:nvGrpSpPr>
-      <p:grpSpPr>
-        <a:xfrm>
-          <a:off x="0" y="0"/>
-          <a:ext cx="0" cy="0"/>
-          <a:chOff x="0" y="0"/>
-          <a:chExt cx="0" cy="0"/>
-        </a:xfrm>
-      </p:grpSpPr>
-      <p:pic>
-        <p:nvPicPr>
-          <p:cNvPr id="12289" name="Picture 1"/>
-          <p:cNvPicPr>
-            <a:picLocks noChangeArrowheads="1"/>
-          </p:cNvPicPr>
-          <p:nvPr/>
-        </p:nvPicPr>
-        <p:blipFill>
-          <a:blip r:embed="rId3">
-            <a:extLst>
-              <a:ext uri="{28A0092B-C50C-407E-A947-70E740481C1C}">
-                <a14:useLocalDpi xmlns:a14="http://schemas.microsoft.com/office/drawing/2010/main" val="0"/>
-              </a:ext>
-            </a:extLst>
-          </a:blip>
-          <a:srcRect/>
-          <a:stretch>
-            <a:fillRect/>
-          </a:stretch>
-        </p:blipFill>
-        <p:spPr bwMode="auto">
-          <a:xfrm>
-            <a:off x="8505825" y="6311900"/>
-            <a:ext cx="442913" cy="357188"/>
-          </a:xfrm>
-          <a:prstGeom prst="rect">
-            <a:avLst/>
-          </a:prstGeom>
-          <a:noFill/>
-          <a:ln>
-            <a:noFill/>
-          </a:ln>
-          <a:extLst>
-            <a:ext uri="{909E8E84-426E-40dd-AFC4-6F175D3DCCD1}">
-              <a14:hiddenFill xmlns:a14="http://schemas.microsoft.com/office/drawing/2010/main">
-                <a:solidFill>
-                  <a:srgbClr val="FFFFFF"/>
-                </a:solidFill>
-              </a14:hiddenFill>
-            </a:ext>
-            <a:ext uri="{91240B29-F687-4f45-9708-019B960494DF}">
-              <a14:hiddenLine xmlns:a14="http://schemas.microsoft.com/office/drawing/2010/main" w="9525">
-                <a:solidFill>
-                  <a:srgbClr val="000000"/>
-                </a:solidFill>
-                <a:miter lim="800000"/>
-                <a:headEnd/>
-                <a:tailEnd/>
-              </a14:hiddenLine>
-            </a:ext>
-          </a:extLst>
-        </p:spPr>
-      </p:pic>
-      <p:pic>
-        <p:nvPicPr>
-          <p:cNvPr id="12290" name="Picture 3"/>
-          <p:cNvPicPr>
-            <a:picLocks noChangeArrowheads="1"/>
-          </p:cNvPicPr>
-          <p:nvPr/>
-        </p:nvPicPr>
-        <p:blipFill>
-          <a:blip r:embed="rId4">
-            <a:extLst>
-              <a:ext uri="{28A0092B-C50C-407E-A947-70E740481C1C}">
-                <a14:useLocalDpi xmlns:a14="http://schemas.microsoft.com/office/drawing/2010/main" val="0"/>
-              </a:ext>
-            </a:extLst>
-          </a:blip>
-          <a:srcRect/>
-          <a:stretch>
-            <a:fillRect/>
-          </a:stretch>
-        </p:blipFill>
-        <p:spPr bwMode="auto">
-          <a:xfrm>
-            <a:off x="0" y="0"/>
-            <a:ext cx="9144000" cy="1176338"/>
-          </a:xfrm>
-          <a:prstGeom prst="rect">
-            <a:avLst/>
-          </a:prstGeom>
-          <a:noFill/>
-          <a:ln>
-            <a:noFill/>
-          </a:ln>
-          <a:extLst>
-            <a:ext uri="{909E8E84-426E-40dd-AFC4-6F175D3DCCD1}">
-              <a14:hiddenFill xmlns:a14="http://schemas.microsoft.com/office/drawing/2010/main">
-                <a:solidFill>
-                  <a:srgbClr val="FFFFFF"/>
-                </a:solidFill>
-              </a14:hiddenFill>
-            </a:ext>
-            <a:ext uri="{91240B29-F687-4f45-9708-019B960494DF}">
-              <a14:hiddenLine xmlns:a14="http://schemas.microsoft.com/office/drawing/2010/main" w="9525">
-                <a:solidFill>
-                  <a:srgbClr val="000000"/>
-                </a:solidFill>
-                <a:miter lim="800000"/>
-                <a:headEnd/>
-                <a:tailEnd/>
-              </a14:hiddenLine>
-            </a:ext>
-          </a:extLst>
-        </p:spPr>
-      </p:pic>
-      <p:pic>
-        <p:nvPicPr>
-          <p:cNvPr id="12291" name="Picture 4"/>
-          <p:cNvPicPr>
-            <a:picLocks noChangeArrowheads="1"/>
-          </p:cNvPicPr>
-          <p:nvPr/>
-        </p:nvPicPr>
-        <p:blipFill>
-          <a:blip r:embed="rId3">
-            <a:extLst>
-              <a:ext uri="{28A0092B-C50C-407E-A947-70E740481C1C}">
-                <a14:useLocalDpi xmlns:a14="http://schemas.microsoft.com/office/drawing/2010/main" val="0"/>
-              </a:ext>
-            </a:extLst>
-          </a:blip>
-          <a:srcRect/>
-          <a:stretch>
-            <a:fillRect/>
-          </a:stretch>
-        </p:blipFill>
-        <p:spPr bwMode="auto">
-          <a:xfrm>
-            <a:off x="8505825" y="6311900"/>
-            <a:ext cx="442913" cy="357188"/>
-          </a:xfrm>
-          <a:prstGeom prst="rect">
-            <a:avLst/>
-          </a:prstGeom>
-          <a:noFill/>
-          <a:ln>
-            <a:noFill/>
-          </a:ln>
-          <a:extLst>
-            <a:ext uri="{909E8E84-426E-40dd-AFC4-6F175D3DCCD1}">
-              <a14:hiddenFill xmlns:a14="http://schemas.microsoft.com/office/drawing/2010/main">
-                <a:solidFill>
-                  <a:srgbClr val="FFFFFF"/>
-                </a:solidFill>
-              </a14:hiddenFill>
-            </a:ext>
-            <a:ext uri="{91240B29-F687-4f45-9708-019B960494DF}">
-              <a14:hiddenLine xmlns:a14="http://schemas.microsoft.com/office/drawing/2010/main" w="9525">
-                <a:solidFill>
-                  <a:srgbClr val="000000"/>
-                </a:solidFill>
-                <a:miter lim="800000"/>
-                <a:headEnd/>
-                <a:tailEnd/>
-              </a14:hiddenLine>
-            </a:ext>
-          </a:extLst>
-        </p:spPr>
-      </p:pic>
-      <p:sp>
-        <p:nvSpPr>
-          <p:cNvPr id="12292" name="Rectangle 6"/>
-          <p:cNvSpPr>
-            <a:spLocks noGrp="1" noChangeArrowheads="1"/>
-          </p:cNvSpPr>
-          <p:nvPr>
-            <p:ph type="title"/>
-          </p:nvPr>
-        </p:nvSpPr>
-        <p:spPr>
-          <a:xfrm>
-            <a:off x="457200" y="0"/>
-            <a:ext cx="8229600" cy="1219200"/>
-          </a:xfrm>
-        </p:spPr>
-        <p:txBody>
-          <a:bodyPr rIns="81279"/>
-          <a:lstStyle/>
-          <a:p>
-            <a:pPr eaLnBrk="1" hangingPunct="1"/>
-            <a:r>
-              <a:rPr lang="en-US" dirty="0" smtClean="0">
-                <a:latin typeface="Trebuchet MS Bold" charset="0"/>
-                <a:ea typeface="ヒラギノ角ゴ ProN W6" charset="0"/>
-                <a:cs typeface="ヒラギノ角ゴ ProN W6" charset="0"/>
-              </a:rPr>
-              <a:t>Lab Goals</a:t>
-            </a:r>
-            <a:endParaRPr lang="en-US" dirty="0">
-              <a:latin typeface="Trebuchet MS Bold" charset="0"/>
-              <a:ea typeface="ヒラギノ角ゴ ProN W6" charset="0"/>
-              <a:cs typeface="ヒラギノ角ゴ ProN W6" charset="0"/>
-            </a:endParaRPr>
-          </a:p>
-        </p:txBody>
-      </p:sp>
-      <p:sp>
-        <p:nvSpPr>
-          <p:cNvPr id="12293" name="Rectangle 7"/>
-          <p:cNvSpPr>
-            <a:spLocks noGrp="1" noChangeArrowheads="1"/>
-          </p:cNvSpPr>
-          <p:nvPr>
-            <p:ph idx="1"/>
-          </p:nvPr>
-        </p:nvSpPr>
-        <p:spPr>
-          <a:xfrm>
-            <a:off x="457200" y="1346200"/>
-            <a:ext cx="8229600" cy="4826000"/>
-          </a:xfrm>
-        </p:spPr>
-        <p:txBody>
-          <a:bodyPr rIns="81279"/>
-          <a:lstStyle/>
-          <a:p>
-            <a:pPr eaLnBrk="1" hangingPunct="1"/>
-            <a:r>
-              <a:rPr lang="en-US" dirty="0" smtClean="0">
-                <a:latin typeface="Trebuchet MS" charset="0"/>
-                <a:ea typeface="ヒラギノ角ゴ ProN W3" charset="0"/>
-                <a:cs typeface="ヒラギノ角ゴ ProN W3" charset="0"/>
-              </a:rPr>
-              <a:t>Follow the steps in the </a:t>
-            </a:r>
-            <a:r>
-              <a:rPr lang="en-US" dirty="0" err="1" smtClean="0">
-                <a:latin typeface="Trebuchet MS" charset="0"/>
-                <a:ea typeface="ヒラギノ角ゴ ProN W3" charset="0"/>
-                <a:cs typeface="ヒラギノ角ゴ ProN W3" charset="0"/>
-              </a:rPr>
-              <a:t>iOS</a:t>
-            </a:r>
-            <a:r>
-              <a:rPr lang="en-US" dirty="0" smtClean="0">
-                <a:latin typeface="Trebuchet MS" charset="0"/>
-                <a:ea typeface="ヒラギノ角ゴ ProN W3" charset="0"/>
-                <a:cs typeface="ヒラギノ角ゴ ProN W3" charset="0"/>
-              </a:rPr>
-              <a:t> (or Android) module development wiki guide</a:t>
-            </a:r>
-          </a:p>
-          <a:p>
-            <a:pPr eaLnBrk="1" hangingPunct="1"/>
-            <a:endParaRPr lang="en-US" dirty="0">
-              <a:latin typeface="Trebuchet MS" charset="0"/>
-              <a:ea typeface="ヒラギノ角ゴ ProN W3" charset="0"/>
-              <a:cs typeface="ヒラギノ角ゴ ProN W3" charset="0"/>
-            </a:endParaRPr>
-          </a:p>
-          <a:p>
-            <a:pPr eaLnBrk="1" hangingPunct="1"/>
-            <a:r>
-              <a:rPr lang="en-US" dirty="0" smtClean="0">
-                <a:latin typeface="Trebuchet MS" charset="0"/>
-                <a:ea typeface="ヒラギノ角ゴ ProN W3" charset="0"/>
-                <a:cs typeface="ヒラギノ角ゴ ProN W3" charset="0"/>
-              </a:rPr>
-              <a:t>Create the sample module that guide describes</a:t>
-            </a:r>
-          </a:p>
-          <a:p>
-            <a:pPr eaLnBrk="1" hangingPunct="1"/>
-            <a:endParaRPr lang="en-US" dirty="0">
-              <a:latin typeface="Trebuchet MS" charset="0"/>
-              <a:ea typeface="ヒラギノ角ゴ ProN W3" charset="0"/>
-              <a:cs typeface="ヒラギノ角ゴ ProN W3" charset="0"/>
-            </a:endParaRPr>
-          </a:p>
-          <a:p>
-            <a:pPr eaLnBrk="1" hangingPunct="1"/>
-            <a:r>
-              <a:rPr lang="en-US" dirty="0" smtClean="0">
-                <a:latin typeface="Trebuchet MS" charset="0"/>
-                <a:ea typeface="ヒラギノ角ゴ ProN W3" charset="0"/>
-                <a:cs typeface="ヒラギノ角ゴ ProN W3" charset="0"/>
-              </a:rPr>
-              <a:t>Use that module in a Titanium project</a:t>
-            </a:r>
-            <a:endParaRPr lang="en-US" dirty="0">
-              <a:latin typeface="Trebuchet MS" charset="0"/>
-              <a:ea typeface="ヒラギノ角ゴ ProN W3" charset="0"/>
-              <a:cs typeface="ヒラギノ角ゴ ProN W3" charset="0"/>
-            </a:endParaRPr>
-          </a:p>
-        </p:txBody>
-      </p:sp>
-      <p:sp>
-        <p:nvSpPr>
-          <p:cNvPr id="7" name="Slide Number Placeholder 5"/>
-          <p:cNvSpPr>
-            <a:spLocks noGrp="1"/>
-          </p:cNvSpPr>
-          <p:nvPr>
-            <p:ph type="sldNum" sz="quarter" idx="12"/>
-          </p:nvPr>
-        </p:nvSpPr>
-        <p:spPr bwMode="auto">
-          <a:xfrm>
-            <a:off x="203200" y="6400800"/>
-            <a:ext cx="2133600" cy="365125"/>
-          </a:xfrm>
-          <a:noFill/>
-          <a:extLst>
-            <a:ext uri="{909E8E84-426E-40dd-AFC4-6F175D3DCCD1}">
-              <a14:hiddenFill xmlns:a14="http://schemas.microsoft.com/office/drawing/2010/main">
-                <a:solidFill>
-                  <a:srgbClr val="FFFFFF"/>
-                </a:solidFill>
-              </a14:hiddenFill>
-            </a:ext>
-            <a:ext uri="{91240B29-F687-4f45-9708-019B960494DF}">
-              <a14:hiddenLine xmlns:a14="http://schemas.microsoft.com/office/drawing/2010/main" w="9525">
-                <a:solidFill>
-                  <a:srgbClr val="000000"/>
-                </a:solidFill>
-                <a:miter lim="800000"/>
-                <a:headEnd/>
-                <a:tailEnd/>
-              </a14:hiddenLine>
-            </a:ext>
-          </a:extLst>
-        </p:spPr>
-        <p:txBody>
-          <a:bodyPr vert="horz" wrap="square" lIns="91440" tIns="45720" rIns="91440" bIns="45720" numCol="1" anchor="ctr" anchorCtr="0" compatLnSpc="1">
-            <a:prstTxWarp prst="textNoShape">
-              <a:avLst/>
-            </a:prstTxWarp>
-          </a:bodyPr>
-          <a:lstStyle>
-            <a:lvl1pPr eaLnBrk="0" hangingPunct="0">
-              <a:defRPr sz="2400">
-                <a:solidFill>
-                  <a:schemeClr val="tx1"/>
-                </a:solidFill>
-                <a:latin typeface="Trebuchet MS" charset="0"/>
-                <a:ea typeface="ＭＳ Ｐゴシック" charset="0"/>
-                <a:cs typeface="ＭＳ Ｐゴシック" charset="0"/>
-              </a:defRPr>
-            </a:lvl1pPr>
-            <a:lvl2pPr marL="742950" indent="-285750" eaLnBrk="0" hangingPunct="0">
-              <a:defRPr sz="2400">
-                <a:solidFill>
-                  <a:schemeClr val="tx1"/>
-                </a:solidFill>
-                <a:latin typeface="Trebuchet MS" charset="0"/>
-                <a:ea typeface="ＭＳ Ｐゴシック" charset="0"/>
-              </a:defRPr>
-            </a:lvl2pPr>
-            <a:lvl3pPr marL="1143000" indent="-228600" eaLnBrk="0" hangingPunct="0">
-              <a:defRPr sz="2400">
-                <a:solidFill>
-                  <a:schemeClr val="tx1"/>
-                </a:solidFill>
-                <a:latin typeface="Trebuchet MS" charset="0"/>
-                <a:ea typeface="ＭＳ Ｐゴシック" charset="0"/>
-              </a:defRPr>
-            </a:lvl3pPr>
-            <a:lvl4pPr marL="1600200" indent="-228600" eaLnBrk="0" hangingPunct="0">
-              <a:defRPr sz="2400">
-                <a:solidFill>
-                  <a:schemeClr val="tx1"/>
-                </a:solidFill>
-                <a:latin typeface="Trebuchet MS" charset="0"/>
-                <a:ea typeface="ＭＳ Ｐゴシック" charset="0"/>
-              </a:defRPr>
-            </a:lvl4pPr>
-            <a:lvl5pPr marL="2057400" indent="-228600" eaLnBrk="0" hangingPunct="0">
-              <a:defRPr sz="2400">
-                <a:solidFill>
-                  <a:schemeClr val="tx1"/>
-                </a:solidFill>
-                <a:latin typeface="Trebuchet MS" charset="0"/>
-                <a:ea typeface="ＭＳ Ｐゴシック" charset="0"/>
-              </a:defRPr>
-            </a:lvl5pPr>
-            <a:lvl6pPr marL="2514600" indent="-228600" eaLnBrk="0" fontAlgn="base" hangingPunct="0">
-              <a:spcBef>
-                <a:spcPct val="0"/>
-              </a:spcBef>
-              <a:spcAft>
-                <a:spcPct val="0"/>
-              </a:spcAft>
-              <a:defRPr sz="2400">
-                <a:solidFill>
-                  <a:schemeClr val="tx1"/>
-                </a:solidFill>
-                <a:latin typeface="Trebuchet MS" charset="0"/>
-                <a:ea typeface="ＭＳ Ｐゴシック" charset="0"/>
-              </a:defRPr>
-            </a:lvl6pPr>
-            <a:lvl7pPr marL="2971800" indent="-228600" eaLnBrk="0" fontAlgn="base" hangingPunct="0">
-              <a:spcBef>
-                <a:spcPct val="0"/>
-              </a:spcBef>
-              <a:spcAft>
-                <a:spcPct val="0"/>
-              </a:spcAft>
-              <a:defRPr sz="2400">
-                <a:solidFill>
-                  <a:schemeClr val="tx1"/>
-                </a:solidFill>
-                <a:latin typeface="Trebuchet MS" charset="0"/>
-                <a:ea typeface="ＭＳ Ｐゴシック" charset="0"/>
-              </a:defRPr>
-            </a:lvl7pPr>
-            <a:lvl8pPr marL="3429000" indent="-228600" eaLnBrk="0" fontAlgn="base" hangingPunct="0">
-              <a:spcBef>
-                <a:spcPct val="0"/>
-              </a:spcBef>
-              <a:spcAft>
-                <a:spcPct val="0"/>
-              </a:spcAft>
-              <a:defRPr sz="2400">
-                <a:solidFill>
-                  <a:schemeClr val="tx1"/>
-                </a:solidFill>
-                <a:latin typeface="Trebuchet MS" charset="0"/>
-                <a:ea typeface="ＭＳ Ｐゴシック" charset="0"/>
-              </a:defRPr>
-            </a:lvl8pPr>
-            <a:lvl9pPr marL="3886200" indent="-228600" eaLnBrk="0" fontAlgn="base" hangingPunct="0">
-              <a:spcBef>
-                <a:spcPct val="0"/>
-              </a:spcBef>
-              <a:spcAft>
-                <a:spcPct val="0"/>
-              </a:spcAft>
-              <a:defRPr sz="2400">
-                <a:solidFill>
-                  <a:schemeClr val="tx1"/>
-                </a:solidFill>
-                <a:latin typeface="Trebuchet MS" charset="0"/>
-                <a:ea typeface="ＭＳ Ｐゴシック" charset="0"/>
-              </a:defRPr>
-            </a:lvl9pPr>
-          </a:lstStyle>
-          <a:p>
-            <a:pPr eaLnBrk="1" hangingPunct="1"/>
-            <a:r>
-              <a:rPr lang="en-US" sz="1200" b="1" dirty="0">
-                <a:solidFill>
-                  <a:srgbClr val="122956"/>
-                </a:solidFill>
-                <a:cs typeface="Trebuchet MS" charset="0"/>
-              </a:rPr>
-              <a:t>EXT-</a:t>
-            </a:r>
-            <a:fld id="{31B56995-E14C-B64F-86C9-12D6DB74A41E}" type="slidenum">
-              <a:rPr lang="en-US" sz="1200" b="1">
-                <a:solidFill>
-                  <a:srgbClr val="122956"/>
-                </a:solidFill>
-                <a:cs typeface="Trebuchet MS" charset="0"/>
-              </a:rPr>
-              <a:pPr eaLnBrk="1" hangingPunct="1"/>
               <a:t>25</a:t>
-            </a:fld>
-            <a:endParaRPr lang="en-US" sz="1200" b="1" dirty="0">
-              <a:solidFill>
-                <a:srgbClr val="122956"/>
-              </a:solidFill>
-              <a:cs typeface="Trebuchet MS" charset="0"/>
-            </a:endParaRPr>
-          </a:p>
-        </p:txBody>
-      </p:sp>
-    </p:spTree>
-    <p:extLst>
-      <p:ext uri="{BB962C8B-B14F-4D97-AF65-F5344CB8AC3E}">
-        <p14:creationId xmlns:p14="http://schemas.microsoft.com/office/powerpoint/2010/main" val="2807690464"/>
-      </p:ext>
-    </p:extLst>
-  </p:cSld>
-  <p:clrMapOvr>
-    <a:masterClrMapping/>
-  </p:clrMapOvr>
-  <p:transition xmlns:p14="http://schemas.microsoft.com/office/powerpoint/2010/main" spd="slow"/>
-  <p:timing>
-    <p:tnLst>
-      <p:par>
-        <p:cTn xmlns:p14="http://schemas.microsoft.com/office/powerpoint/2010/main" id="1" dur="indefinite" restart="never" nodeType="tmRoot"/>
-      </p:par>
-    </p:tnLst>
-  </p:timing>
-</p:sld>
-</file>
-
-<file path=ppt/slides/slide26.xml><?xml version="1.0" encoding="utf-8"?>
-<p:sld xmlns:a="http://schemas.openxmlformats.org/drawingml/2006/main" xmlns:r="http://schemas.openxmlformats.org/officeDocument/2006/relationships" xmlns:p="http://schemas.openxmlformats.org/presentationml/2006/main">
-  <p:cSld>
-    <p:spTree>
-      <p:nvGrpSpPr>
-        <p:cNvPr id="1" name=""/>
-        <p:cNvGrpSpPr/>
-        <p:nvPr/>
-      </p:nvGrpSpPr>
-      <p:grpSpPr>
-        <a:xfrm>
-          <a:off x="0" y="0"/>
-          <a:ext cx="0" cy="0"/>
-          <a:chOff x="0" y="0"/>
-          <a:chExt cx="0" cy="0"/>
-        </a:xfrm>
-      </p:grpSpPr>
-      <p:pic>
-        <p:nvPicPr>
-          <p:cNvPr id="16385" name="Picture 1"/>
-          <p:cNvPicPr>
-            <a:picLocks noChangeArrowheads="1"/>
-          </p:cNvPicPr>
-          <p:nvPr/>
-        </p:nvPicPr>
-        <p:blipFill>
-          <a:blip r:embed="rId3">
-            <a:extLst>
-              <a:ext uri="{28A0092B-C50C-407E-A947-70E740481C1C}">
-                <a14:useLocalDpi xmlns:a14="http://schemas.microsoft.com/office/drawing/2010/main" val="0"/>
-              </a:ext>
-            </a:extLst>
-          </a:blip>
-          <a:srcRect/>
-          <a:stretch>
-            <a:fillRect/>
-          </a:stretch>
-        </p:blipFill>
-        <p:spPr bwMode="auto">
-          <a:xfrm>
-            <a:off x="8505825" y="6311900"/>
-            <a:ext cx="442913" cy="357188"/>
-          </a:xfrm>
-          <a:prstGeom prst="rect">
-            <a:avLst/>
-          </a:prstGeom>
-          <a:noFill/>
-          <a:ln>
-            <a:noFill/>
-          </a:ln>
-          <a:extLst>
-            <a:ext uri="{909E8E84-426E-40dd-AFC4-6F175D3DCCD1}">
-              <a14:hiddenFill xmlns:a14="http://schemas.microsoft.com/office/drawing/2010/main">
-                <a:solidFill>
-                  <a:srgbClr val="FFFFFF"/>
-                </a:solidFill>
-              </a14:hiddenFill>
-            </a:ext>
-            <a:ext uri="{91240B29-F687-4f45-9708-019B960494DF}">
-              <a14:hiddenLine xmlns:a14="http://schemas.microsoft.com/office/drawing/2010/main" w="9525">
-                <a:solidFill>
-                  <a:srgbClr val="000000"/>
-                </a:solidFill>
-                <a:miter lim="800000"/>
-                <a:headEnd/>
-                <a:tailEnd/>
-              </a14:hiddenLine>
-            </a:ext>
-          </a:extLst>
-        </p:spPr>
-      </p:pic>
-      <p:sp>
-        <p:nvSpPr>
-          <p:cNvPr id="16386" name="Rectangle 5"/>
-          <p:cNvSpPr>
-            <a:spLocks noGrp="1" noChangeArrowheads="1"/>
-          </p:cNvSpPr>
-          <p:nvPr>
-            <p:ph type="ctrTitle" idx="4294967295"/>
-          </p:nvPr>
-        </p:nvSpPr>
-        <p:spPr>
-          <a:xfrm>
-            <a:off x="685800" y="2317750"/>
-            <a:ext cx="7772400" cy="1470025"/>
-          </a:xfrm>
-        </p:spPr>
-        <p:txBody>
-          <a:bodyPr rIns="81279"/>
-          <a:lstStyle/>
-          <a:p>
-            <a:pPr algn="ctr" eaLnBrk="1" hangingPunct="1"/>
-            <a:r>
-              <a:rPr lang="en-US" sz="3600" dirty="0" smtClean="0">
-                <a:solidFill>
-                  <a:srgbClr val="122956"/>
-                </a:solidFill>
-                <a:latin typeface="Trebuchet MS Bold Italic" charset="0"/>
-                <a:ea typeface="ヒラギノ角ゴ ProN W6" charset="0"/>
-                <a:cs typeface="ヒラギノ角ゴ ProN W6" charset="0"/>
-                <a:sym typeface="Trebuchet MS Bold Italic" charset="0"/>
-              </a:rPr>
-              <a:t>Lab</a:t>
-            </a:r>
-            <a:endParaRPr lang="en-US" sz="1400" dirty="0">
-              <a:solidFill>
-                <a:srgbClr val="122956"/>
-              </a:solidFill>
-              <a:latin typeface="Trebuchet MS Bold Italic" charset="0"/>
-              <a:ea typeface="ヒラギノ角ゴ ProN W6" charset="0"/>
-              <a:cs typeface="ヒラギノ角ゴ ProN W6" charset="0"/>
-              <a:sym typeface="Trebuchet MS Bold Italic" charset="0"/>
-            </a:endParaRPr>
-          </a:p>
-        </p:txBody>
-      </p:sp>
-      <p:sp>
-        <p:nvSpPr>
-          <p:cNvPr id="4" name="Slide Number Placeholder 5"/>
-          <p:cNvSpPr>
-            <a:spLocks noGrp="1"/>
-          </p:cNvSpPr>
-          <p:nvPr>
-            <p:ph type="sldNum" sz="quarter" idx="12"/>
-          </p:nvPr>
-        </p:nvSpPr>
-        <p:spPr bwMode="auto">
-          <a:xfrm>
-            <a:off x="203200" y="6400800"/>
-            <a:ext cx="2133600" cy="365125"/>
-          </a:xfrm>
-          <a:noFill/>
-          <a:extLst>
-            <a:ext uri="{909E8E84-426E-40dd-AFC4-6F175D3DCCD1}">
-              <a14:hiddenFill xmlns:a14="http://schemas.microsoft.com/office/drawing/2010/main">
-                <a:solidFill>
-                  <a:srgbClr val="FFFFFF"/>
-                </a:solidFill>
-              </a14:hiddenFill>
-            </a:ext>
-            <a:ext uri="{91240B29-F687-4f45-9708-019B960494DF}">
-              <a14:hiddenLine xmlns:a14="http://schemas.microsoft.com/office/drawing/2010/main" w="9525">
-                <a:solidFill>
-                  <a:srgbClr val="000000"/>
-                </a:solidFill>
-                <a:miter lim="800000"/>
-                <a:headEnd/>
-                <a:tailEnd/>
-              </a14:hiddenLine>
-            </a:ext>
-          </a:extLst>
-        </p:spPr>
-        <p:txBody>
-          <a:bodyPr vert="horz" wrap="square" lIns="91440" tIns="45720" rIns="91440" bIns="45720" numCol="1" anchor="ctr" anchorCtr="0" compatLnSpc="1">
-            <a:prstTxWarp prst="textNoShape">
-              <a:avLst/>
-            </a:prstTxWarp>
-          </a:bodyPr>
-          <a:lstStyle>
-            <a:lvl1pPr eaLnBrk="0" hangingPunct="0">
-              <a:defRPr sz="2400">
-                <a:solidFill>
-                  <a:schemeClr val="tx1"/>
-                </a:solidFill>
-                <a:latin typeface="Trebuchet MS" charset="0"/>
-                <a:ea typeface="ＭＳ Ｐゴシック" charset="0"/>
-                <a:cs typeface="ＭＳ Ｐゴシック" charset="0"/>
-              </a:defRPr>
-            </a:lvl1pPr>
-            <a:lvl2pPr marL="742950" indent="-285750" eaLnBrk="0" hangingPunct="0">
-              <a:defRPr sz="2400">
-                <a:solidFill>
-                  <a:schemeClr val="tx1"/>
-                </a:solidFill>
-                <a:latin typeface="Trebuchet MS" charset="0"/>
-                <a:ea typeface="ＭＳ Ｐゴシック" charset="0"/>
-              </a:defRPr>
-            </a:lvl2pPr>
-            <a:lvl3pPr marL="1143000" indent="-228600" eaLnBrk="0" hangingPunct="0">
-              <a:defRPr sz="2400">
-                <a:solidFill>
-                  <a:schemeClr val="tx1"/>
-                </a:solidFill>
-                <a:latin typeface="Trebuchet MS" charset="0"/>
-                <a:ea typeface="ＭＳ Ｐゴシック" charset="0"/>
-              </a:defRPr>
-            </a:lvl3pPr>
-            <a:lvl4pPr marL="1600200" indent="-228600" eaLnBrk="0" hangingPunct="0">
-              <a:defRPr sz="2400">
-                <a:solidFill>
-                  <a:schemeClr val="tx1"/>
-                </a:solidFill>
-                <a:latin typeface="Trebuchet MS" charset="0"/>
-                <a:ea typeface="ＭＳ Ｐゴシック" charset="0"/>
-              </a:defRPr>
-            </a:lvl4pPr>
-            <a:lvl5pPr marL="2057400" indent="-228600" eaLnBrk="0" hangingPunct="0">
-              <a:defRPr sz="2400">
-                <a:solidFill>
-                  <a:schemeClr val="tx1"/>
-                </a:solidFill>
-                <a:latin typeface="Trebuchet MS" charset="0"/>
-                <a:ea typeface="ＭＳ Ｐゴシック" charset="0"/>
-              </a:defRPr>
-            </a:lvl5pPr>
-            <a:lvl6pPr marL="2514600" indent="-228600" eaLnBrk="0" fontAlgn="base" hangingPunct="0">
-              <a:spcBef>
-                <a:spcPct val="0"/>
-              </a:spcBef>
-              <a:spcAft>
-                <a:spcPct val="0"/>
-              </a:spcAft>
-              <a:defRPr sz="2400">
-                <a:solidFill>
-                  <a:schemeClr val="tx1"/>
-                </a:solidFill>
-                <a:latin typeface="Trebuchet MS" charset="0"/>
-                <a:ea typeface="ＭＳ Ｐゴシック" charset="0"/>
-              </a:defRPr>
-            </a:lvl6pPr>
-            <a:lvl7pPr marL="2971800" indent="-228600" eaLnBrk="0" fontAlgn="base" hangingPunct="0">
-              <a:spcBef>
-                <a:spcPct val="0"/>
-              </a:spcBef>
-              <a:spcAft>
-                <a:spcPct val="0"/>
-              </a:spcAft>
-              <a:defRPr sz="2400">
-                <a:solidFill>
-                  <a:schemeClr val="tx1"/>
-                </a:solidFill>
-                <a:latin typeface="Trebuchet MS" charset="0"/>
-                <a:ea typeface="ＭＳ Ｐゴシック" charset="0"/>
-              </a:defRPr>
-            </a:lvl7pPr>
-            <a:lvl8pPr marL="3429000" indent="-228600" eaLnBrk="0" fontAlgn="base" hangingPunct="0">
-              <a:spcBef>
-                <a:spcPct val="0"/>
-              </a:spcBef>
-              <a:spcAft>
-                <a:spcPct val="0"/>
-              </a:spcAft>
-              <a:defRPr sz="2400">
-                <a:solidFill>
-                  <a:schemeClr val="tx1"/>
-                </a:solidFill>
-                <a:latin typeface="Trebuchet MS" charset="0"/>
-                <a:ea typeface="ＭＳ Ｐゴシック" charset="0"/>
-              </a:defRPr>
-            </a:lvl8pPr>
-            <a:lvl9pPr marL="3886200" indent="-228600" eaLnBrk="0" fontAlgn="base" hangingPunct="0">
-              <a:spcBef>
-                <a:spcPct val="0"/>
-              </a:spcBef>
-              <a:spcAft>
-                <a:spcPct val="0"/>
-              </a:spcAft>
-              <a:defRPr sz="2400">
-                <a:solidFill>
-                  <a:schemeClr val="tx1"/>
-                </a:solidFill>
-                <a:latin typeface="Trebuchet MS" charset="0"/>
-                <a:ea typeface="ＭＳ Ｐゴシック" charset="0"/>
-              </a:defRPr>
-            </a:lvl9pPr>
-          </a:lstStyle>
-          <a:p>
-            <a:pPr eaLnBrk="1" hangingPunct="1"/>
-            <a:r>
-              <a:rPr lang="en-US" sz="1200" b="1">
-                <a:solidFill>
-                  <a:srgbClr val="122956"/>
-                </a:solidFill>
-                <a:cs typeface="Trebuchet MS" charset="0"/>
-              </a:rPr>
-              <a:t>EXT-</a:t>
-            </a:r>
-            <a:fld id="{31B56995-E14C-B64F-86C9-12D6DB74A41E}" type="slidenum">
-              <a:rPr lang="en-US" sz="1200" b="1">
-                <a:solidFill>
-                  <a:srgbClr val="122956"/>
-                </a:solidFill>
-                <a:cs typeface="Trebuchet MS" charset="0"/>
-              </a:rPr>
-              <a:pPr eaLnBrk="1" hangingPunct="1"/>
-              <a:t>26</a:t>
             </a:fld>
             <a:endParaRPr lang="en-US" sz="1200" b="1" dirty="0">
               <a:solidFill>
@@ -21121,7 +22843,7 @@
           <a:p>
             <a:pPr eaLnBrk="1" hangingPunct="1"/>
             <a:r>
-              <a:rPr lang="en-US" dirty="0">
+              <a:rPr lang="en-US" sz="2000" dirty="0">
                 <a:latin typeface="Trebuchet MS" charset="0"/>
                 <a:ea typeface="ヒラギノ角ゴ ProN W3" charset="0"/>
                 <a:cs typeface="ヒラギノ角ゴ ProN W3" charset="0"/>
@@ -21129,7 +22851,7 @@
               <a:t>	</a:t>
             </a:r>
             <a:r>
-              <a:rPr lang="en-US" dirty="0" smtClean="0">
+              <a:rPr lang="en-US" sz="2000" dirty="0" smtClean="0">
                 <a:latin typeface="Trebuchet MS" charset="0"/>
                 <a:ea typeface="ヒラギノ角ゴ ProN W3" charset="0"/>
                 <a:cs typeface="ヒラギノ角ゴ ProN W3" charset="0"/>
@@ -21140,7 +22862,7 @@
           <a:p>
             <a:pPr eaLnBrk="1" hangingPunct="1"/>
             <a:r>
-              <a:rPr lang="en-US" dirty="0">
+              <a:rPr lang="en-US" sz="2000" dirty="0">
                 <a:latin typeface="Trebuchet MS" charset="0"/>
                 <a:ea typeface="ヒラギノ角ゴ ProN W3" charset="0"/>
                 <a:cs typeface="ヒラギノ角ゴ ProN W3" charset="0"/>
@@ -21148,13 +22870,45 @@
               <a:t>	</a:t>
             </a:r>
             <a:r>
-              <a:rPr lang="en-US" dirty="0" smtClean="0">
+              <a:rPr lang="en-US" sz="2000" dirty="0" smtClean="0">
                 <a:latin typeface="Trebuchet MS" charset="0"/>
                 <a:ea typeface="ヒラギノ角ゴ ProN W3" charset="0"/>
                 <a:cs typeface="ヒラギノ角ゴ ProN W3" charset="0"/>
               </a:rPr>
-              <a:t>- The name given to the plug-in architecture for Titanium (the application platform)</a:t>
-            </a:r>
+              <a:t>- The name given to the </a:t>
+            </a:r>
+            <a:r>
+              <a:rPr lang="en-US" sz="2000" dirty="0" smtClean="0">
+                <a:latin typeface="Trebuchet MS" charset="0"/>
+                <a:ea typeface="ヒラギノ角ゴ ProN W3" charset="0"/>
+                <a:cs typeface="ヒラギノ角ゴ ProN W3" charset="0"/>
+              </a:rPr>
+              <a:t>“cross-language, cross-platform binding and invocation framework”</a:t>
+            </a:r>
+          </a:p>
+          <a:p>
+            <a:pPr eaLnBrk="1" hangingPunct="1"/>
+            <a:r>
+              <a:rPr lang="en-US" sz="2000" dirty="0">
+                <a:latin typeface="Trebuchet MS" charset="0"/>
+                <a:ea typeface="ヒラギノ角ゴ ProN W3" charset="0"/>
+                <a:cs typeface="ヒラギノ角ゴ ProN W3" charset="0"/>
+              </a:rPr>
+              <a:t>	</a:t>
+            </a:r>
+            <a:r>
+              <a:rPr lang="en-US" sz="2000" dirty="0" smtClean="0">
+                <a:latin typeface="Trebuchet MS" charset="0"/>
+                <a:ea typeface="ヒラギノ角ゴ ProN W3" charset="0"/>
+                <a:cs typeface="ヒラギノ角ゴ ProN W3" charset="0"/>
+              </a:rPr>
+              <a:t>- It is a microkernel</a:t>
+            </a:r>
+            <a:endParaRPr lang="en-US" sz="2000" dirty="0" smtClean="0">
+              <a:latin typeface="Trebuchet MS" charset="0"/>
+              <a:ea typeface="ヒラギノ角ゴ ProN W3" charset="0"/>
+              <a:cs typeface="ヒラギノ角ゴ ProN W3" charset="0"/>
+            </a:endParaRPr>
           </a:p>
           <a:p>
             <a:pPr eaLnBrk="1" hangingPunct="1"/>
@@ -21178,7 +22932,7 @@
           <a:p>
             <a:pPr eaLnBrk="1" hangingPunct="1"/>
             <a:r>
-              <a:rPr lang="en-US" dirty="0">
+              <a:rPr lang="en-US" sz="2000" dirty="0">
                 <a:latin typeface="Trebuchet MS" charset="0"/>
                 <a:ea typeface="ヒラギノ角ゴ ProN W3" charset="0"/>
                 <a:cs typeface="ヒラギノ角ゴ ProN W3" charset="0"/>
@@ -21186,7 +22940,7 @@
               <a:t>	</a:t>
             </a:r>
             <a:r>
-              <a:rPr lang="en-US" dirty="0" smtClean="0">
+              <a:rPr lang="en-US" sz="2000" dirty="0" smtClean="0">
                 <a:latin typeface="Trebuchet MS" charset="0"/>
                 <a:ea typeface="ヒラギノ角ゴ ProN W3" charset="0"/>
                 <a:cs typeface="ヒラギノ角ゴ ProN W3" charset="0"/>
@@ -21197,7 +22951,7 @@
           <a:p>
             <a:pPr eaLnBrk="1" hangingPunct="1"/>
             <a:r>
-              <a:rPr lang="en-US" dirty="0">
+              <a:rPr lang="en-US" sz="2000" dirty="0">
                 <a:latin typeface="Trebuchet MS" charset="0"/>
                 <a:ea typeface="ヒラギノ角ゴ ProN W3" charset="0"/>
                 <a:cs typeface="ヒラギノ角ゴ ProN W3" charset="0"/>
@@ -21205,18 +22959,90 @@
               <a:t>	</a:t>
             </a:r>
             <a:r>
-              <a:rPr lang="en-US" dirty="0" smtClean="0">
+              <a:rPr lang="en-US" sz="2000" dirty="0" smtClean="0">
                 <a:latin typeface="Trebuchet MS" charset="0"/>
                 <a:ea typeface="ヒラギノ角ゴ ProN W3" charset="0"/>
                 <a:cs typeface="ヒラギノ角ゴ ProN W3" charset="0"/>
               </a:rPr>
-              <a:t>- Kroll is an implementation of a kernel (bridge) architecture for JS to native code</a:t>
+              <a:t>- </a:t>
+            </a:r>
+            <a:r>
+              <a:rPr lang="en-US" sz="2000" dirty="0" smtClean="0">
+                <a:latin typeface="Trebuchet MS" charset="0"/>
+                <a:ea typeface="ヒラギノ角ゴ ProN W3" charset="0"/>
+                <a:cs typeface="ヒラギノ角ゴ ProN W3" charset="0"/>
+              </a:rPr>
+              <a:t>In Titanium, it is the bridge between JavaScript &amp; </a:t>
+            </a:r>
+            <a:r>
+              <a:rPr lang="en-US" sz="2000" dirty="0" smtClean="0">
+                <a:latin typeface="Trebuchet MS" charset="0"/>
+                <a:ea typeface="ヒラギノ角ゴ ProN W3" charset="0"/>
+                <a:cs typeface="ヒラギノ角ゴ ProN W3" charset="0"/>
+              </a:rPr>
+              <a:t>native code</a:t>
             </a:r>
           </a:p>
           <a:p>
             <a:pPr eaLnBrk="1" hangingPunct="1"/>
             <a:r>
-              <a:rPr lang="en-US" dirty="0">
+              <a:rPr lang="en-US" sz="2000" dirty="0">
+                <a:latin typeface="Trebuchet MS" charset="0"/>
+                <a:ea typeface="ヒラギノ角ゴ ProN W3" charset="0"/>
+                <a:cs typeface="ヒラギノ角ゴ ProN W3" charset="0"/>
+              </a:rPr>
+              <a:t>	- https://</a:t>
+            </a:r>
+            <a:r>
+              <a:rPr lang="en-US" sz="2000" dirty="0" err="1">
+                <a:latin typeface="Trebuchet MS" charset="0"/>
+                <a:ea typeface="ヒラギノ角ゴ ProN W3" charset="0"/>
+                <a:cs typeface="ヒラギノ角ゴ ProN W3" charset="0"/>
+              </a:rPr>
+              <a:t>github.com</a:t>
+            </a:r>
+            <a:r>
+              <a:rPr lang="en-US" sz="2000" dirty="0">
+                <a:latin typeface="Trebuchet MS" charset="0"/>
+                <a:ea typeface="ヒラギノ角ゴ ProN W3" charset="0"/>
+                <a:cs typeface="ヒラギノ角ゴ ProN W3" charset="0"/>
+              </a:rPr>
+              <a:t>/</a:t>
+            </a:r>
+            <a:r>
+              <a:rPr lang="en-US" sz="2000" dirty="0" err="1">
+                <a:latin typeface="Trebuchet MS" charset="0"/>
+                <a:ea typeface="ヒラギノ角ゴ ProN W3" charset="0"/>
+                <a:cs typeface="ヒラギノ角ゴ ProN W3" charset="0"/>
+              </a:rPr>
+              <a:t>appcelerator</a:t>
+            </a:r>
+            <a:r>
+              <a:rPr lang="en-US" sz="2000" dirty="0">
+                <a:latin typeface="Trebuchet MS" charset="0"/>
+                <a:ea typeface="ヒラギノ角ゴ ProN W3" charset="0"/>
+                <a:cs typeface="ヒラギノ角ゴ ProN W3" charset="0"/>
+              </a:rPr>
+              <a:t>/</a:t>
+            </a:r>
+            <a:r>
+              <a:rPr lang="en-US" sz="2000" dirty="0" err="1">
+                <a:latin typeface="Trebuchet MS" charset="0"/>
+                <a:ea typeface="ヒラギノ角ゴ ProN W3" charset="0"/>
+                <a:cs typeface="ヒラギノ角ゴ ProN W3" charset="0"/>
+              </a:rPr>
+              <a:t>kroll</a:t>
+            </a:r>
+            <a:endParaRPr lang="en-US" sz="2000" dirty="0">
+              <a:latin typeface="Trebuchet MS" charset="0"/>
+              <a:ea typeface="ヒラギノ角ゴ ProN W3" charset="0"/>
+              <a:cs typeface="ヒラギノ角ゴ ProN W3" charset="0"/>
+            </a:endParaRPr>
+          </a:p>
+          <a:p>
+            <a:pPr eaLnBrk="1" hangingPunct="1"/>
+            <a:r>
+              <a:rPr lang="en-US" sz="2000" dirty="0">
                 <a:latin typeface="Trebuchet MS" charset="0"/>
                 <a:ea typeface="ヒラギノ角ゴ ProN W3" charset="0"/>
                 <a:cs typeface="ヒラギノ角ゴ ProN W3" charset="0"/>
@@ -22031,7 +23857,7 @@
       </p:grpSpPr>
       <p:pic>
         <p:nvPicPr>
-          <p:cNvPr id="16385" name="Picture 1"/>
+          <p:cNvPr id="12289" name="Picture 1"/>
           <p:cNvPicPr>
             <a:picLocks noChangeArrowheads="1"/>
           </p:cNvPicPr>
@@ -22083,100 +23909,344 @@
           </a:extLst>
         </p:spPr>
       </p:pic>
+      <p:pic>
+        <p:nvPicPr>
+          <p:cNvPr id="12290" name="Picture 3"/>
+          <p:cNvPicPr>
+            <a:picLocks noChangeArrowheads="1"/>
+          </p:cNvPicPr>
+          <p:nvPr/>
+        </p:nvPicPr>
+        <p:blipFill>
+          <a:blip r:embed="rId4">
+            <a:extLst>
+              <a:ext uri="{28A0092B-C50C-407E-A947-70E740481C1C}">
+                <a14:useLocalDpi xmlns:a14="http://schemas.microsoft.com/office/drawing/2010/main" val="0"/>
+              </a:ext>
+            </a:extLst>
+          </a:blip>
+          <a:srcRect/>
+          <a:stretch>
+            <a:fillRect/>
+          </a:stretch>
+        </p:blipFill>
+        <p:spPr bwMode="auto">
+          <a:xfrm>
+            <a:off x="0" y="0"/>
+            <a:ext cx="9144000" cy="1176338"/>
+          </a:xfrm>
+          <a:prstGeom prst="rect">
+            <a:avLst/>
+          </a:prstGeom>
+          <a:noFill/>
+          <a:ln>
+            <a:noFill/>
+          </a:ln>
+          <a:extLst>
+            <a:ext uri="{909E8E84-426E-40dd-AFC4-6F175D3DCCD1}">
+              <a14:hiddenFill xmlns:a14="http://schemas.microsoft.com/office/drawing/2010/main">
+                <a:solidFill>
+                  <a:srgbClr val="FFFFFF"/>
+                </a:solidFill>
+              </a14:hiddenFill>
+            </a:ext>
+            <a:ext uri="{91240B29-F687-4f45-9708-019B960494DF}">
+              <a14:hiddenLine xmlns:a14="http://schemas.microsoft.com/office/drawing/2010/main" w="9525">
+                <a:solidFill>
+                  <a:srgbClr val="000000"/>
+                </a:solidFill>
+                <a:miter lim="800000"/>
+                <a:headEnd/>
+                <a:tailEnd/>
+              </a14:hiddenLine>
+            </a:ext>
+          </a:extLst>
+        </p:spPr>
+      </p:pic>
+      <p:pic>
+        <p:nvPicPr>
+          <p:cNvPr id="12291" name="Picture 4"/>
+          <p:cNvPicPr>
+            <a:picLocks noChangeArrowheads="1"/>
+          </p:cNvPicPr>
+          <p:nvPr/>
+        </p:nvPicPr>
+        <p:blipFill>
+          <a:blip r:embed="rId3">
+            <a:extLst>
+              <a:ext uri="{28A0092B-C50C-407E-A947-70E740481C1C}">
+                <a14:useLocalDpi xmlns:a14="http://schemas.microsoft.com/office/drawing/2010/main" val="0"/>
+              </a:ext>
+            </a:extLst>
+          </a:blip>
+          <a:srcRect/>
+          <a:stretch>
+            <a:fillRect/>
+          </a:stretch>
+        </p:blipFill>
+        <p:spPr bwMode="auto">
+          <a:xfrm>
+            <a:off x="8505825" y="6311900"/>
+            <a:ext cx="442913" cy="357188"/>
+          </a:xfrm>
+          <a:prstGeom prst="rect">
+            <a:avLst/>
+          </a:prstGeom>
+          <a:noFill/>
+          <a:ln>
+            <a:noFill/>
+          </a:ln>
+          <a:extLst>
+            <a:ext uri="{909E8E84-426E-40dd-AFC4-6F175D3DCCD1}">
+              <a14:hiddenFill xmlns:a14="http://schemas.microsoft.com/office/drawing/2010/main">
+                <a:solidFill>
+                  <a:srgbClr val="FFFFFF"/>
+                </a:solidFill>
+              </a14:hiddenFill>
+            </a:ext>
+            <a:ext uri="{91240B29-F687-4f45-9708-019B960494DF}">
+              <a14:hiddenLine xmlns:a14="http://schemas.microsoft.com/office/drawing/2010/main" w="9525">
+                <a:solidFill>
+                  <a:srgbClr val="000000"/>
+                </a:solidFill>
+                <a:miter lim="800000"/>
+                <a:headEnd/>
+                <a:tailEnd/>
+              </a14:hiddenLine>
+            </a:ext>
+          </a:extLst>
+        </p:spPr>
+      </p:pic>
       <p:sp>
         <p:nvSpPr>
-          <p:cNvPr id="16386" name="Rectangle 5"/>
+          <p:cNvPr id="12292" name="Rectangle 6"/>
           <p:cNvSpPr>
             <a:spLocks noGrp="1" noChangeArrowheads="1"/>
           </p:cNvSpPr>
           <p:nvPr>
-            <p:ph type="ctrTitle" idx="4294967295"/>
+            <p:ph type="title"/>
           </p:nvPr>
         </p:nvSpPr>
         <p:spPr>
           <a:xfrm>
-            <a:off x="685800" y="2317750"/>
-            <a:ext cx="7772400" cy="1470025"/>
+            <a:off x="457200" y="0"/>
+            <a:ext cx="8229600" cy="1219200"/>
           </a:xfrm>
         </p:spPr>
         <p:txBody>
           <a:bodyPr rIns="81279"/>
           <a:lstStyle/>
           <a:p>
-            <a:pPr algn="ctr" eaLnBrk="1" hangingPunct="1"/>
-            <a:r>
-              <a:rPr lang="en-US" sz="3600" dirty="0" smtClean="0">
-                <a:solidFill>
-                  <a:srgbClr val="122956"/>
-                </a:solidFill>
-                <a:latin typeface="Trebuchet MS Bold Italic" charset="0"/>
+            <a:pPr eaLnBrk="1" hangingPunct="1"/>
+            <a:r>
+              <a:rPr lang="en-US" dirty="0" smtClean="0">
+                <a:latin typeface="Trebuchet MS Bold" charset="0"/>
                 <a:ea typeface="ヒラギノ角ゴ ProN W6" charset="0"/>
                 <a:cs typeface="ヒラギノ角ゴ ProN W6" charset="0"/>
-                <a:sym typeface="Trebuchet MS Bold Italic" charset="0"/>
-              </a:rPr>
-              <a:t>When in doubt,</a:t>
-            </a:r>
-            <a:br>
-              <a:rPr lang="en-US" sz="3600" dirty="0" smtClean="0">
-                <a:solidFill>
-                  <a:srgbClr val="122956"/>
-                </a:solidFill>
-                <a:latin typeface="Trebuchet MS Bold Italic" charset="0"/>
-                <a:ea typeface="ヒラギノ角ゴ ProN W6" charset="0"/>
-                <a:cs typeface="ヒラギノ角ゴ ProN W6" charset="0"/>
-                <a:sym typeface="Trebuchet MS Bold Italic" charset="0"/>
-              </a:rPr>
-            </a:br>
-            <a:r>
-              <a:rPr lang="en-US" sz="3600" dirty="0" smtClean="0">
-                <a:solidFill>
-                  <a:srgbClr val="122956"/>
-                </a:solidFill>
-                <a:latin typeface="Trebuchet MS Bold Italic" charset="0"/>
-                <a:ea typeface="ヒラギノ角ゴ ProN W6" charset="0"/>
-                <a:cs typeface="ヒラギノ角ゴ ProN W6" charset="0"/>
-                <a:sym typeface="Trebuchet MS Bold Italic" charset="0"/>
-              </a:rPr>
-              <a:t>look at a Titanium</a:t>
-            </a:r>
-            <a:br>
-              <a:rPr lang="en-US" sz="3600" dirty="0" smtClean="0">
-                <a:solidFill>
-                  <a:srgbClr val="122956"/>
-                </a:solidFill>
-                <a:latin typeface="Trebuchet MS Bold Italic" charset="0"/>
-                <a:ea typeface="ヒラギノ角ゴ ProN W6" charset="0"/>
-                <a:cs typeface="ヒラギノ角ゴ ProN W6" charset="0"/>
-                <a:sym typeface="Trebuchet MS Bold Italic" charset="0"/>
-              </a:rPr>
-            </a:br>
-            <a:r>
-              <a:rPr lang="en-US" sz="3600" dirty="0" smtClean="0">
-                <a:solidFill>
-                  <a:srgbClr val="122956"/>
-                </a:solidFill>
-                <a:latin typeface="Trebuchet MS Bold Italic" charset="0"/>
-                <a:ea typeface="ヒラギノ角ゴ ProN W6" charset="0"/>
-                <a:cs typeface="ヒラギノ角ゴ ProN W6" charset="0"/>
-                <a:sym typeface="Trebuchet MS Bold Italic" charset="0"/>
-              </a:rPr>
-              <a:t>Module!</a:t>
-            </a:r>
-            <a:endParaRPr lang="en-US" sz="1400" dirty="0">
-              <a:solidFill>
-                <a:srgbClr val="122956"/>
-              </a:solidFill>
-              <a:latin typeface="Trebuchet MS Bold Italic" charset="0"/>
+              </a:rPr>
+              <a:t>Module Object Model</a:t>
+            </a:r>
+            <a:endParaRPr lang="en-US" dirty="0">
+              <a:latin typeface="Trebuchet MS Bold" charset="0"/>
               <a:ea typeface="ヒラギノ角ゴ ProN W6" charset="0"/>
               <a:cs typeface="ヒラギノ角ゴ ProN W6" charset="0"/>
-              <a:sym typeface="Trebuchet MS Bold Italic" charset="0"/>
             </a:endParaRPr>
           </a:p>
         </p:txBody>
       </p:sp>
       <p:sp>
         <p:nvSpPr>
-          <p:cNvPr id="4" name="Slide Number Placeholder 5"/>
+          <p:cNvPr id="12293" name="Rectangle 7"/>
+          <p:cNvSpPr>
+            <a:spLocks noGrp="1" noChangeArrowheads="1"/>
+          </p:cNvSpPr>
+          <p:nvPr>
+            <p:ph idx="1"/>
+          </p:nvPr>
+        </p:nvSpPr>
+        <p:spPr>
+          <a:xfrm>
+            <a:off x="457200" y="1346200"/>
+            <a:ext cx="8229600" cy="4978400"/>
+          </a:xfrm>
+        </p:spPr>
+        <p:txBody>
+          <a:bodyPr rIns="81279">
+            <a:normAutofit lnSpcReduction="10000"/>
+          </a:bodyPr>
+          <a:lstStyle/>
+          <a:p>
+            <a:pPr eaLnBrk="1" hangingPunct="1"/>
+            <a:r>
+              <a:rPr lang="en-US" dirty="0" smtClean="0">
+                <a:latin typeface="Trebuchet MS" charset="0"/>
+                <a:ea typeface="ヒラギノ角ゴ ProN W3" charset="0"/>
+                <a:cs typeface="ヒラギノ角ゴ ProN W3" charset="0"/>
+              </a:rPr>
+              <a:t>Proxy – base class that represents the native binding between your JavaScript and native code</a:t>
+            </a:r>
+            <a:br>
+              <a:rPr lang="en-US" dirty="0" smtClean="0">
+                <a:latin typeface="Trebuchet MS" charset="0"/>
+                <a:ea typeface="ヒラギノ角ゴ ProN W3" charset="0"/>
+                <a:cs typeface="ヒラギノ角ゴ ProN W3" charset="0"/>
+              </a:rPr>
+            </a:br>
+            <a:r>
+              <a:rPr lang="en-US" dirty="0" smtClean="0">
+                <a:latin typeface="Trebuchet MS" charset="0"/>
+                <a:ea typeface="ヒラギノ角ゴ ProN W3" charset="0"/>
+                <a:cs typeface="ヒラギノ角ゴ ProN W3" charset="0"/>
+              </a:rPr>
+              <a:t>(a </a:t>
+            </a:r>
+            <a:r>
+              <a:rPr lang="en-US" dirty="0" smtClean="0">
+                <a:latin typeface="Trebuchet MS" charset="0"/>
+                <a:ea typeface="ヒラギノ角ゴ ProN W3" charset="0"/>
+                <a:cs typeface="ヒラギノ角ゴ ProN W3" charset="0"/>
+              </a:rPr>
+              <a:t>module will have at least one </a:t>
+            </a:r>
+            <a:r>
+              <a:rPr lang="en-US" dirty="0" smtClean="0">
+                <a:latin typeface="Trebuchet MS" charset="0"/>
+                <a:ea typeface="ヒラギノ角ゴ ProN W3" charset="0"/>
+                <a:cs typeface="ヒラギノ角ゴ ProN W3" charset="0"/>
+              </a:rPr>
+              <a:t>proxy)</a:t>
+            </a:r>
+            <a:endParaRPr lang="en-US" dirty="0" smtClean="0">
+              <a:latin typeface="Trebuchet MS" charset="0"/>
+              <a:ea typeface="ヒラギノ角ゴ ProN W3" charset="0"/>
+              <a:cs typeface="ヒラギノ角ゴ ProN W3" charset="0"/>
+            </a:endParaRPr>
+          </a:p>
+          <a:p>
+            <a:pPr eaLnBrk="1" hangingPunct="1"/>
+            <a:endParaRPr lang="en-US" dirty="0">
+              <a:latin typeface="Trebuchet MS" charset="0"/>
+              <a:ea typeface="ヒラギノ角ゴ ProN W3" charset="0"/>
+              <a:cs typeface="ヒラギノ角ゴ ProN W3" charset="0"/>
+            </a:endParaRPr>
+          </a:p>
+          <a:p>
+            <a:pPr eaLnBrk="1" hangingPunct="1"/>
+            <a:r>
+              <a:rPr lang="en-US" dirty="0" smtClean="0">
+                <a:latin typeface="Trebuchet MS" charset="0"/>
+                <a:ea typeface="ヒラギノ角ゴ ProN W3" charset="0"/>
+                <a:cs typeface="ヒラギノ角ゴ ProN W3" charset="0"/>
+              </a:rPr>
+              <a:t>View - actual </a:t>
+            </a:r>
+            <a:r>
+              <a:rPr lang="en-US" dirty="0" smtClean="0">
+                <a:latin typeface="Trebuchet MS" charset="0"/>
+                <a:ea typeface="ヒラギノ角ゴ ProN W3" charset="0"/>
+                <a:cs typeface="ヒラギノ角ゴ ProN W3" charset="0"/>
+              </a:rPr>
+              <a:t>native representation of a view </a:t>
+            </a:r>
+            <a:r>
+              <a:rPr lang="en-US" dirty="0" smtClean="0">
+                <a:latin typeface="Trebuchet MS" charset="0"/>
+                <a:ea typeface="ヒラギノ角ゴ ProN W3" charset="0"/>
+                <a:cs typeface="ヒラギノ角ゴ ProN W3" charset="0"/>
+              </a:rPr>
+              <a:t>object</a:t>
+            </a:r>
+            <a:br>
+              <a:rPr lang="en-US" dirty="0" smtClean="0">
+                <a:latin typeface="Trebuchet MS" charset="0"/>
+                <a:ea typeface="ヒラギノ角ゴ ProN W3" charset="0"/>
+                <a:cs typeface="ヒラギノ角ゴ ProN W3" charset="0"/>
+              </a:rPr>
+            </a:br>
+            <a:r>
+              <a:rPr lang="en-US" dirty="0" smtClean="0">
+                <a:latin typeface="Trebuchet MS" charset="0"/>
+                <a:ea typeface="ヒラギノ角ゴ ProN W3" charset="0"/>
+                <a:cs typeface="ヒラギノ角ゴ ProN W3" charset="0"/>
+              </a:rPr>
+              <a:t>(</a:t>
+            </a:r>
+            <a:r>
+              <a:rPr lang="en-US" dirty="0" smtClean="0">
+                <a:latin typeface="Trebuchet MS" charset="0"/>
+                <a:ea typeface="ヒラギノ角ゴ ProN W3" charset="0"/>
+                <a:cs typeface="ヒラギノ角ゴ ProN W3" charset="0"/>
+              </a:rPr>
+              <a:t>for UI components)</a:t>
+            </a:r>
+          </a:p>
+          <a:p>
+            <a:pPr eaLnBrk="1" hangingPunct="1"/>
+            <a:endParaRPr lang="en-US" dirty="0">
+              <a:latin typeface="Trebuchet MS" charset="0"/>
+              <a:ea typeface="ヒラギノ角ゴ ProN W3" charset="0"/>
+              <a:cs typeface="ヒラギノ角ゴ ProN W3" charset="0"/>
+            </a:endParaRPr>
+          </a:p>
+          <a:p>
+            <a:pPr eaLnBrk="1" hangingPunct="1"/>
+            <a:r>
+              <a:rPr lang="en-US" dirty="0" err="1" smtClean="0">
+                <a:latin typeface="Trebuchet MS" charset="0"/>
+                <a:ea typeface="ヒラギノ角ゴ ProN W3" charset="0"/>
+                <a:cs typeface="ヒラギノ角ゴ ProN W3" charset="0"/>
+              </a:rPr>
+              <a:t>ViewProxy</a:t>
+            </a:r>
+            <a:r>
+              <a:rPr lang="en-US" dirty="0" smtClean="0">
+                <a:latin typeface="Trebuchet MS" charset="0"/>
+                <a:ea typeface="ヒラギノ角ゴ ProN W3" charset="0"/>
+                <a:cs typeface="ヒラギノ角ゴ ProN W3" charset="0"/>
+              </a:rPr>
+              <a:t> – represents model data (state of the View, in case the </a:t>
+            </a:r>
+            <a:r>
+              <a:rPr lang="en-US" dirty="0" smtClean="0">
+                <a:latin typeface="Trebuchet MS" charset="0"/>
+                <a:ea typeface="ヒラギノ角ゴ ProN W3" charset="0"/>
+                <a:cs typeface="ヒラギノ角ゴ ProN W3" charset="0"/>
+              </a:rPr>
+              <a:t>View must be released for memory management</a:t>
+            </a:r>
+            <a:r>
+              <a:rPr lang="en-US" dirty="0" smtClean="0">
+                <a:latin typeface="Trebuchet MS" charset="0"/>
+                <a:ea typeface="ヒラギノ角ゴ ProN W3" charset="0"/>
+                <a:cs typeface="ヒラギノ角ゴ ProN W3" charset="0"/>
+              </a:rPr>
+              <a:t>) and exposes the JavaScript API &amp; events</a:t>
+            </a:r>
+          </a:p>
+          <a:p>
+            <a:pPr eaLnBrk="1" hangingPunct="1"/>
+            <a:endParaRPr lang="en-US" dirty="0">
+              <a:latin typeface="Trebuchet MS" charset="0"/>
+              <a:ea typeface="ヒラギノ角ゴ ProN W3" charset="0"/>
+              <a:cs typeface="ヒラギノ角ゴ ProN W3" charset="0"/>
+            </a:endParaRPr>
+          </a:p>
+          <a:p>
+            <a:pPr eaLnBrk="1" hangingPunct="1"/>
+            <a:r>
+              <a:rPr lang="en-US" dirty="0" smtClean="0">
+                <a:latin typeface="Trebuchet MS" charset="0"/>
+                <a:ea typeface="ヒラギノ角ゴ ProN W3" charset="0"/>
+                <a:cs typeface="ヒラギノ角ゴ ProN W3" charset="0"/>
+              </a:rPr>
+              <a:t>Module – specialized type of Proxy that describes a specific API set, or namespace</a:t>
+            </a:r>
+          </a:p>
+        </p:txBody>
+      </p:sp>
+      <p:sp>
+        <p:nvSpPr>
+          <p:cNvPr id="7" name="Slide Number Placeholder 5"/>
           <p:cNvSpPr>
             <a:spLocks noGrp="1"/>
           </p:cNvSpPr>
@@ -22357,7 +24427,7 @@
     </p:spTree>
     <p:extLst>
       <p:ext uri="{BB962C8B-B14F-4D97-AF65-F5344CB8AC3E}">
-        <p14:creationId xmlns:p14="http://schemas.microsoft.com/office/powerpoint/2010/main" val="1514007666"/>
+        <p14:creationId xmlns:p14="http://schemas.microsoft.com/office/powerpoint/2010/main" val="1333513995"/>
       </p:ext>
     </p:extLst>
   </p:cSld>

--- a/370.pptx
+++ b/370.pptx
@@ -1127,19 +1127,7 @@
                 <a:cs typeface="Lucida Grande" charset="0"/>
                 <a:sym typeface="Lucida Grande" charset="0"/>
               </a:rPr>
-              <a:t>One </a:t>
-            </a:r>
-            <a:r>
-              <a:rPr lang="en-US" b="0" dirty="0" smtClean="0">
-                <a:solidFill>
-                  <a:srgbClr val="000000"/>
-                </a:solidFill>
-                <a:latin typeface="Lucida Grande" charset="0"/>
-                <a:ea typeface="ＭＳ Ｐゴシック" charset="0"/>
-                <a:cs typeface="Lucida Grande" charset="0"/>
-                <a:sym typeface="Lucida Grande" charset="0"/>
-              </a:rPr>
-              <a:t>or more arguments passed in are all accessible via the single </a:t>
+              <a:t>One or more arguments passed in are all accessible via the single </a:t>
             </a:r>
             <a:r>
               <a:rPr lang="en-US" b="0" dirty="0" err="1" smtClean="0">
@@ -2677,19 +2665,7 @@
                 <a:cs typeface="Lucida Grande" charset="0"/>
                 <a:sym typeface="Lucida Grande" charset="0"/>
               </a:rPr>
-              <a:t> of the </a:t>
-            </a:r>
-            <a:r>
-              <a:rPr lang="en-US" b="0" baseline="0" dirty="0" smtClean="0">
-                <a:solidFill>
-                  <a:srgbClr val="000000"/>
-                </a:solidFill>
-                <a:latin typeface="Lucida Grande" charset="0"/>
-                <a:ea typeface="ＭＳ Ｐゴシック" charset="0"/>
-                <a:cs typeface="Lucida Grande" charset="0"/>
-                <a:sym typeface="Lucida Grande" charset="0"/>
-              </a:rPr>
-              <a:t>process</a:t>
+              <a:t> of the process</a:t>
             </a:r>
           </a:p>
           <a:p>
@@ -2781,15 +2757,6 @@
               </a:rPr>
               <a:t> &amp; Android and includes lots of boilerplate samples to get you started</a:t>
             </a:r>
-            <a:endParaRPr lang="en-US" b="0" baseline="0" dirty="0" smtClean="0">
-              <a:solidFill>
-                <a:srgbClr val="000000"/>
-              </a:solidFill>
-              <a:latin typeface="Lucida Grande" charset="0"/>
-              <a:ea typeface="ＭＳ Ｐゴシック" charset="0"/>
-              <a:cs typeface="Lucida Grande" charset="0"/>
-              <a:sym typeface="Lucida Grande" charset="0"/>
-            </a:endParaRPr>
           </a:p>
           <a:p>
             <a:pPr marL="250825" indent="-171450" eaLnBrk="1" hangingPunct="1">
@@ -5011,7 +4978,7 @@
               <a:pPr>
                 <a:defRPr/>
               </a:pPr>
-              <a:t>2/28/12</a:t>
+              <a:t>2/29/12</a:t>
             </a:fld>
             <a:endParaRPr lang="en-US"/>
           </a:p>
@@ -5432,7 +5399,7 @@
               <a:pPr>
                 <a:defRPr/>
               </a:pPr>
-              <a:t>2/28/12</a:t>
+              <a:t>2/29/12</a:t>
             </a:fld>
             <a:endParaRPr lang="en-US"/>
           </a:p>
@@ -6157,7 +6124,7 @@
               <a:pPr>
                 <a:defRPr/>
               </a:pPr>
-              <a:t>2/28/12</a:t>
+              <a:t>2/29/12</a:t>
             </a:fld>
             <a:endParaRPr lang="en-US"/>
           </a:p>
@@ -6710,7 +6677,7 @@
               <a:pPr>
                 <a:defRPr/>
               </a:pPr>
-              <a:t>2/28/12</a:t>
+              <a:t>2/29/12</a:t>
             </a:fld>
             <a:endParaRPr lang="en-US"/>
           </a:p>
@@ -7061,7 +7028,7 @@
               <a:pPr>
                 <a:defRPr/>
               </a:pPr>
-              <a:t>2/28/12</a:t>
+              <a:t>2/29/12</a:t>
             </a:fld>
             <a:endParaRPr lang="en-US"/>
           </a:p>
@@ -7419,7 +7386,7 @@
               <a:pPr>
                 <a:defRPr/>
               </a:pPr>
-              <a:t>2/28/12</a:t>
+              <a:t>2/29/12</a:t>
             </a:fld>
             <a:endParaRPr lang="en-US"/>
           </a:p>
@@ -7654,7 +7621,7 @@
               <a:pPr>
                 <a:defRPr/>
               </a:pPr>
-              <a:t>2/28/12</a:t>
+              <a:t>2/29/12</a:t>
             </a:fld>
             <a:endParaRPr lang="en-US"/>
           </a:p>
@@ -7946,7 +7913,7 @@
               <a:pPr>
                 <a:defRPr/>
               </a:pPr>
-              <a:t>2/28/12</a:t>
+              <a:t>2/29/12</a:t>
             </a:fld>
             <a:endParaRPr lang="en-US"/>
           </a:p>
@@ -22800,7 +22767,15 @@
                 <a:ea typeface="ヒラギノ角ゴ ProN W6" charset="0"/>
                 <a:cs typeface="ヒラギノ角ゴ ProN W6" charset="0"/>
               </a:rPr>
-              <a:t>The Kroll Micro Kernel</a:t>
+              <a:t>The Kroll </a:t>
+            </a:r>
+            <a:r>
+              <a:rPr lang="en-US" dirty="0" smtClean="0">
+                <a:latin typeface="Trebuchet MS Bold" charset="0"/>
+                <a:ea typeface="ヒラギノ角ゴ ProN W6" charset="0"/>
+                <a:cs typeface="ヒラギノ角ゴ ProN W6" charset="0"/>
+              </a:rPr>
+              <a:t>Microkernel</a:t>
             </a:r>
             <a:endParaRPr lang="en-US" dirty="0">
               <a:latin typeface="Trebuchet MS Bold" charset="0"/>
@@ -22875,40 +22850,27 @@
                 <a:ea typeface="ヒラギノ角ゴ ProN W3" charset="0"/>
                 <a:cs typeface="ヒラギノ角ゴ ProN W3" charset="0"/>
               </a:rPr>
-              <a:t>- The name given to the </a:t>
-            </a:r>
-            <a:r>
-              <a:rPr lang="en-US" sz="2000" dirty="0" smtClean="0">
+              <a:t>- The name given to the “cross-language, cross-platform binding and invocation framework”</a:t>
+            </a:r>
+          </a:p>
+          <a:p>
+            <a:pPr eaLnBrk="1" hangingPunct="1"/>
+            <a:r>
+              <a:rPr lang="en-US" sz="2000" dirty="0">
                 <a:latin typeface="Trebuchet MS" charset="0"/>
                 <a:ea typeface="ヒラギノ角ゴ ProN W3" charset="0"/>
                 <a:cs typeface="ヒラギノ角ゴ ProN W3" charset="0"/>
               </a:rPr>
-              <a:t>“cross-language, cross-platform binding and invocation framework”</a:t>
-            </a:r>
-          </a:p>
-          <a:p>
-            <a:pPr eaLnBrk="1" hangingPunct="1"/>
-            <a:r>
-              <a:rPr lang="en-US" sz="2000" dirty="0">
+              <a:t>	</a:t>
+            </a:r>
+            <a:r>
+              <a:rPr lang="en-US" sz="2000" dirty="0" smtClean="0">
                 <a:latin typeface="Trebuchet MS" charset="0"/>
                 <a:ea typeface="ヒラギノ角ゴ ProN W3" charset="0"/>
                 <a:cs typeface="ヒラギノ角ゴ ProN W3" charset="0"/>
               </a:rPr>
-              <a:t>	</a:t>
-            </a:r>
-            <a:r>
-              <a:rPr lang="en-US" sz="2000" dirty="0" smtClean="0">
-                <a:latin typeface="Trebuchet MS" charset="0"/>
-                <a:ea typeface="ヒラギノ角ゴ ProN W3" charset="0"/>
-                <a:cs typeface="ヒラギノ角ゴ ProN W3" charset="0"/>
-              </a:rPr>
               <a:t>- It is a microkernel</a:t>
             </a:r>
-            <a:endParaRPr lang="en-US" sz="2000" dirty="0" smtClean="0">
-              <a:latin typeface="Trebuchet MS" charset="0"/>
-              <a:ea typeface="ヒラギノ角ゴ ProN W3" charset="0"/>
-              <a:cs typeface="ヒラギノ角ゴ ProN W3" charset="0"/>
-            </a:endParaRPr>
           </a:p>
           <a:p>
             <a:pPr eaLnBrk="1" hangingPunct="1"/>
@@ -22964,23 +22926,7 @@
                 <a:ea typeface="ヒラギノ角ゴ ProN W3" charset="0"/>
                 <a:cs typeface="ヒラギノ角ゴ ProN W3" charset="0"/>
               </a:rPr>
-              <a:t>- </a:t>
-            </a:r>
-            <a:r>
-              <a:rPr lang="en-US" sz="2000" dirty="0" smtClean="0">
-                <a:latin typeface="Trebuchet MS" charset="0"/>
-                <a:ea typeface="ヒラギノ角ゴ ProN W3" charset="0"/>
-                <a:cs typeface="ヒラギノ角ゴ ProN W3" charset="0"/>
-              </a:rPr>
-              <a:t>In Titanium, it is the bridge between JavaScript &amp; </a:t>
-            </a:r>
-            <a:r>
-              <a:rPr lang="en-US" sz="2000" dirty="0" smtClean="0">
-                <a:latin typeface="Trebuchet MS" charset="0"/>
-                <a:ea typeface="ヒラギノ角ゴ ProN W3" charset="0"/>
-                <a:cs typeface="ヒラギノ角ゴ ProN W3" charset="0"/>
-              </a:rPr>
-              <a:t>native code</a:t>
+              <a:t>- In Titanium, it is the bridge between JavaScript &amp; native code</a:t>
             </a:r>
           </a:p>
           <a:p>
@@ -24098,29 +24044,8 @@
                 <a:ea typeface="ヒラギノ角ゴ ProN W3" charset="0"/>
                 <a:cs typeface="ヒラギノ角ゴ ProN W3" charset="0"/>
               </a:rPr>
-              <a:t>(a </a:t>
-            </a:r>
-            <a:r>
-              <a:rPr lang="en-US" dirty="0" smtClean="0">
-                <a:latin typeface="Trebuchet MS" charset="0"/>
-                <a:ea typeface="ヒラギノ角ゴ ProN W3" charset="0"/>
-                <a:cs typeface="ヒラギノ角ゴ ProN W3" charset="0"/>
-              </a:rPr>
-              <a:t>module will have at least one </a:t>
-            </a:r>
-            <a:r>
-              <a:rPr lang="en-US" dirty="0" smtClean="0">
-                <a:latin typeface="Trebuchet MS" charset="0"/>
-                <a:ea typeface="ヒラギノ角ゴ ProN W3" charset="0"/>
-                <a:cs typeface="ヒラギノ角ゴ ProN W3" charset="0"/>
-              </a:rPr>
-              <a:t>proxy)</a:t>
-            </a:r>
-            <a:endParaRPr lang="en-US" dirty="0" smtClean="0">
-              <a:latin typeface="Trebuchet MS" charset="0"/>
-              <a:ea typeface="ヒラギノ角ゴ ProN W3" charset="0"/>
-              <a:cs typeface="ヒラギノ角ゴ ProN W3" charset="0"/>
-            </a:endParaRPr>
+              <a:t>(a module will have at least one proxy)</a:t>
+            </a:r>
           </a:p>
           <a:p>
             <a:pPr eaLnBrk="1" hangingPunct="1"/>
@@ -24138,46 +24063,22 @@
                 <a:ea typeface="ヒラギノ角ゴ ProN W3" charset="0"/>
                 <a:cs typeface="ヒラギノ角ゴ ProN W3" charset="0"/>
               </a:rPr>
-              <a:t>View - actual </a:t>
-            </a:r>
-            <a:r>
+              <a:t>View - actual native representation of a view object</a:t>
+            </a:r>
+            <a:br>
               <a:rPr lang="en-US" dirty="0" smtClean="0">
                 <a:latin typeface="Trebuchet MS" charset="0"/>
                 <a:ea typeface="ヒラギノ角ゴ ProN W3" charset="0"/>
                 <a:cs typeface="ヒラギノ角ゴ ProN W3" charset="0"/>
               </a:rPr>
-              <a:t>native representation of a view </a:t>
-            </a:r>
+            </a:br>
             <a:r>
               <a:rPr lang="en-US" dirty="0" smtClean="0">
                 <a:latin typeface="Trebuchet MS" charset="0"/>
                 <a:ea typeface="ヒラギノ角ゴ ProN W3" charset="0"/>
                 <a:cs typeface="ヒラギノ角ゴ ProN W3" charset="0"/>
               </a:rPr>
-              <a:t>object</a:t>
-            </a:r>
-            <a:br>
-              <a:rPr lang="en-US" dirty="0" smtClean="0">
-                <a:latin typeface="Trebuchet MS" charset="0"/>
-                <a:ea typeface="ヒラギノ角ゴ ProN W3" charset="0"/>
-                <a:cs typeface="ヒラギノ角ゴ ProN W3" charset="0"/>
-              </a:rPr>
-            </a:br>
-            <a:r>
-              <a:rPr lang="en-US" dirty="0" smtClean="0">
-                <a:latin typeface="Trebuchet MS" charset="0"/>
-                <a:ea typeface="ヒラギノ角ゴ ProN W3" charset="0"/>
-                <a:cs typeface="ヒラギノ角ゴ ProN W3" charset="0"/>
-              </a:rPr>
-              <a:t>(</a:t>
-            </a:r>
-            <a:r>
-              <a:rPr lang="en-US" dirty="0" smtClean="0">
-                <a:latin typeface="Trebuchet MS" charset="0"/>
-                <a:ea typeface="ヒラギノ角ゴ ProN W3" charset="0"/>
-                <a:cs typeface="ヒラギノ角ゴ ProN W3" charset="0"/>
-              </a:rPr>
-              <a:t>for UI components)</a:t>
+              <a:t>(for UI components)</a:t>
             </a:r>
           </a:p>
           <a:p>
@@ -24204,23 +24105,7 @@
                 <a:ea typeface="ヒラギノ角ゴ ProN W3" charset="0"/>
                 <a:cs typeface="ヒラギノ角ゴ ProN W3" charset="0"/>
               </a:rPr>
-              <a:t> – represents model data (state of the View, in case the </a:t>
-            </a:r>
-            <a:r>
-              <a:rPr lang="en-US" dirty="0" smtClean="0">
-                <a:latin typeface="Trebuchet MS" charset="0"/>
-                <a:ea typeface="ヒラギノ角ゴ ProN W3" charset="0"/>
-                <a:cs typeface="ヒラギノ角ゴ ProN W3" charset="0"/>
-              </a:rPr>
-              <a:t>View must be released for memory management</a:t>
-            </a:r>
-            <a:r>
-              <a:rPr lang="en-US" dirty="0" smtClean="0">
-                <a:latin typeface="Trebuchet MS" charset="0"/>
-                <a:ea typeface="ヒラギノ角ゴ ProN W3" charset="0"/>
-                <a:cs typeface="ヒラギノ角ゴ ProN W3" charset="0"/>
-              </a:rPr>
-              <a:t>) and exposes the JavaScript API &amp; events</a:t>
+              <a:t> – represents model data (state of the View, in case the View must be released for memory management) and exposes the JavaScript API &amp; events</a:t>
             </a:r>
           </a:p>
           <a:p>
